--- a/python_trainees/1_basics_classes/python_traineeship_1.pptx
+++ b/python_trainees/1_basics_classes/python_traineeship_1.pptx
@@ -50,10 +50,12 @@
     <p:sldId id="312" r:id="rId44"/>
     <p:sldId id="313" r:id="rId45"/>
     <p:sldId id="323" r:id="rId46"/>
-    <p:sldId id="324" r:id="rId47"/>
-    <p:sldId id="325" r:id="rId48"/>
-    <p:sldId id="326" r:id="rId49"/>
-    <p:sldId id="327" r:id="rId50"/>
+    <p:sldId id="331" r:id="rId47"/>
+    <p:sldId id="332" r:id="rId48"/>
+    <p:sldId id="324" r:id="rId49"/>
+    <p:sldId id="325" r:id="rId50"/>
+    <p:sldId id="326" r:id="rId51"/>
+    <p:sldId id="327" r:id="rId52"/>
   </p:sldIdLst>
   <p:sldSz cx="12192000" cy="6858000"/>
   <p:notesSz cx="6858000" cy="9144000"/>
@@ -7087,7 +7089,30 @@
             </a:pPr>
             <a:r>
               <a:rPr lang="nl-NL" sz="2000" noProof="0" dirty="0"/>
-              <a:t>Python: wat is het?</a:t>
+              <a:t>Python</a:t>
+            </a:r>
+            <a:endParaRPr lang="nl-NL" sz="2000" dirty="0"/>
+          </a:p>
+          <a:p>
+            <a:pPr lvl="1">
+              <a:spcAft>
+                <a:spcPts val="600"/>
+              </a:spcAft>
+            </a:pPr>
+            <a:r>
+              <a:rPr lang="nl-NL" sz="1600" noProof="0" dirty="0"/>
+              <a:t>Hoe werkt Python?</a:t>
+            </a:r>
+          </a:p>
+          <a:p>
+            <a:pPr lvl="1">
+              <a:spcAft>
+                <a:spcPts val="600"/>
+              </a:spcAft>
+            </a:pPr>
+            <a:r>
+              <a:rPr lang="nl-NL" sz="1600" noProof="0" dirty="0"/>
+              <a:t>Omgevingen en packages</a:t>
             </a:r>
           </a:p>
           <a:p>
@@ -7098,8 +7123,46 @@
             </a:pPr>
             <a:r>
               <a:rPr lang="nl-NL" sz="2000" noProof="0" dirty="0"/>
-              <a:t>Python voor Windows:</a:t>
-            </a:r>
+              <a:t>Python voor Windows</a:t>
+            </a:r>
+          </a:p>
+          <a:p>
+            <a:pPr lvl="1">
+              <a:spcAft>
+                <a:spcPts val="600"/>
+              </a:spcAft>
+            </a:pPr>
+            <a:r>
+              <a:rPr lang="nl-NL" sz="1600" dirty="0"/>
+              <a:t>Anaconda</a:t>
+            </a:r>
+          </a:p>
+          <a:p>
+            <a:pPr lvl="1">
+              <a:spcAft>
+                <a:spcPts val="600"/>
+              </a:spcAft>
+            </a:pPr>
+            <a:r>
+              <a:rPr lang="nl-NL" sz="1600" noProof="0" dirty="0" err="1"/>
+              <a:t>Jupyter</a:t>
+            </a:r>
+            <a:r>
+              <a:rPr lang="nl-NL" sz="1600" noProof="0" dirty="0"/>
+              <a:t> Notebook</a:t>
+            </a:r>
+          </a:p>
+          <a:p>
+            <a:pPr lvl="1">
+              <a:spcAft>
+                <a:spcPts val="600"/>
+              </a:spcAft>
+            </a:pPr>
+            <a:r>
+              <a:rPr lang="nl-NL" sz="1600" dirty="0"/>
+              <a:t>Visual Studio Code</a:t>
+            </a:r>
+            <a:endParaRPr lang="nl-NL" sz="1600" noProof="0" dirty="0"/>
           </a:p>
           <a:p>
             <a:pPr>
@@ -7124,14 +7187,25 @@
             </a:r>
           </a:p>
           <a:p>
-            <a:pPr>
+            <a:pPr lvl="1">
               <a:spcAft>
                 <a:spcPts val="600"/>
               </a:spcAft>
             </a:pPr>
             <a:r>
-              <a:rPr lang="nl-NL" sz="2000" noProof="0" dirty="0"/>
-              <a:t>Correcte code</a:t>
+              <a:rPr lang="nl-NL" sz="1600" dirty="0"/>
+              <a:t>Basis</a:t>
+            </a:r>
+          </a:p>
+          <a:p>
+            <a:pPr lvl="1">
+              <a:spcAft>
+                <a:spcPts val="600"/>
+              </a:spcAft>
+            </a:pPr>
+            <a:r>
+              <a:rPr lang="nl-NL" sz="1600" noProof="0" dirty="0"/>
+              <a:t>Overerving</a:t>
             </a:r>
           </a:p>
         </p:txBody>
@@ -11502,7 +11576,7 @@
           <a:p>
             <a:r>
               <a:rPr lang="nl-NL" sz="3600" noProof="0" dirty="0"/>
-              <a:t>Oefeningen</a:t>
+              <a:t>Oefeningen I</a:t>
             </a:r>
           </a:p>
         </p:txBody>
@@ -11526,7 +11600,7 @@
         <p:spPr>
           <a:xfrm>
             <a:off x="838200" y="1456267"/>
-            <a:ext cx="8428630" cy="4720696"/>
+            <a:ext cx="10375900" cy="4720696"/>
           </a:xfrm>
         </p:spPr>
         <p:txBody>
@@ -11564,7 +11638,6 @@
           </a:p>
           <a:p>
             <a:pPr marL="457200" indent="-457200">
-              <a:buFont typeface="Arial" panose="020B0604020202020204" pitchFamily="34" charset="0"/>
               <a:buAutoNum type="arabicPeriod"/>
             </a:pPr>
             <a:r>
@@ -11576,7 +11649,7 @@
                 <a:latin typeface="Courier New" panose="02070309020205020404" pitchFamily="49" charset="0"/>
                 <a:cs typeface="Courier New" panose="02070309020205020404" pitchFamily="49" charset="0"/>
               </a:rPr>
-              <a:t>"abc" * 3</a:t>
+              <a:t>[1, 2, 3] * 3</a:t>
             </a:r>
             <a:r>
               <a:rPr lang="nl-NL" sz="2000" dirty="0"/>
@@ -11595,14 +11668,21 @@
             </a:pPr>
             <a:r>
               <a:rPr lang="nl-NL" sz="2000" dirty="0"/>
-              <a:t>Wat is het resultaat van </a:t>
+              <a:t>En wat is de waarde van </a:t>
+            </a:r>
+            <a:r>
+              <a:rPr lang="nl-NL" sz="2000" dirty="0" err="1">
+                <a:latin typeface="Courier New" panose="02070309020205020404" pitchFamily="49" charset="0"/>
+                <a:cs typeface="Courier New" panose="02070309020205020404" pitchFamily="49" charset="0"/>
+              </a:rPr>
+              <a:t>zeroes</a:t>
             </a:r>
             <a:r>
               <a:rPr lang="nl-NL" sz="2000" dirty="0">
                 <a:latin typeface="Courier New" panose="02070309020205020404" pitchFamily="49" charset="0"/>
                 <a:cs typeface="Courier New" panose="02070309020205020404" pitchFamily="49" charset="0"/>
               </a:rPr>
-              <a:t>[1, 2, 3] * 3</a:t>
+              <a:t> = [[0] * 3] * 3</a:t>
             </a:r>
             <a:r>
               <a:rPr lang="nl-NL" sz="2000" dirty="0"/>
@@ -11610,6 +11690,33 @@
             </a:r>
           </a:p>
           <a:p>
+            <a:pPr marL="457200" lvl="1" indent="0">
+              <a:buNone/>
+            </a:pPr>
+            <a:r>
+              <a:rPr lang="nl-NL" sz="2000" dirty="0"/>
+              <a:t>En wat is het resultaat van </a:t>
+            </a:r>
+            <a:r>
+              <a:rPr lang="nl-NL" sz="2000" dirty="0" err="1">
+                <a:latin typeface="Courier New" panose="02070309020205020404" pitchFamily="49" charset="0"/>
+                <a:cs typeface="Courier New" panose="02070309020205020404" pitchFamily="49" charset="0"/>
+              </a:rPr>
+              <a:t>zeroes</a:t>
+            </a:r>
+            <a:r>
+              <a:rPr lang="nl-NL" sz="2000" dirty="0">
+                <a:latin typeface="Courier New" panose="02070309020205020404" pitchFamily="49" charset="0"/>
+                <a:cs typeface="Courier New" panose="02070309020205020404" pitchFamily="49" charset="0"/>
+              </a:rPr>
+              <a:t>[0][0] = 1</a:t>
+            </a:r>
+            <a:r>
+              <a:rPr lang="nl-NL" sz="2000" dirty="0"/>
+              <a:t>?</a:t>
+            </a:r>
+          </a:p>
+          <a:p>
             <a:pPr marL="457200" indent="-457200">
               <a:buAutoNum type="arabicPeriod"/>
             </a:pPr>
@@ -11617,18 +11724,19 @@
           </a:p>
           <a:p>
             <a:pPr marL="457200" indent="-457200">
+              <a:buFont typeface="Arial" panose="020B0604020202020204" pitchFamily="34" charset="0"/>
               <a:buAutoNum type="arabicPeriod"/>
             </a:pPr>
             <a:r>
               <a:rPr lang="nl-NL" sz="2000" dirty="0"/>
-              <a:t>En wat is de waarde van </a:t>
+              <a:t>Wat is het resultaat van </a:t>
             </a:r>
             <a:r>
               <a:rPr lang="nl-NL" sz="2000" dirty="0">
                 <a:latin typeface="Courier New" panose="02070309020205020404" pitchFamily="49" charset="0"/>
                 <a:cs typeface="Courier New" panose="02070309020205020404" pitchFamily="49" charset="0"/>
               </a:rPr>
-              <a:t>m = [[0] * 3] * 3</a:t>
+              <a:t>"abc" * 3</a:t>
             </a:r>
             <a:r>
               <a:rPr lang="nl-NL" sz="2000" dirty="0"/>
@@ -11636,26 +11744,6 @@
             </a:r>
           </a:p>
           <a:p>
-            <a:pPr marL="457200" lvl="1" indent="0">
-              <a:buNone/>
-            </a:pPr>
-            <a:r>
-              <a:rPr lang="nl-NL" sz="2000" dirty="0"/>
-              <a:t>En wat is het resultaat van </a:t>
-            </a:r>
-            <a:r>
-              <a:rPr lang="nl-NL" sz="2000" dirty="0">
-                <a:latin typeface="Courier New" panose="02070309020205020404" pitchFamily="49" charset="0"/>
-                <a:cs typeface="Courier New" panose="02070309020205020404" pitchFamily="49" charset="0"/>
-              </a:rPr>
-              <a:t>m[0][0] = 1</a:t>
-            </a:r>
-            <a:r>
-              <a:rPr lang="nl-NL" sz="2000" dirty="0"/>
-              <a:t>?</a:t>
-            </a:r>
-          </a:p>
-          <a:p>
             <a:pPr marL="457200" indent="-457200">
               <a:buAutoNum type="arabicPeriod"/>
             </a:pPr>
@@ -11667,15 +11755,7 @@
             </a:pPr>
             <a:r>
               <a:rPr lang="nl-NL" sz="2000" noProof="0" dirty="0"/>
-              <a:t>Maak een template dat onderstaand </a:t>
-            </a:r>
-            <a:r>
-              <a:rPr lang="nl-NL" sz="2000" noProof="0" dirty="0" err="1"/>
-              <a:t>dict</a:t>
-            </a:r>
-            <a:r>
-              <a:rPr lang="nl-NL" sz="2000" noProof="0" dirty="0"/>
-              <a:t> naar CSV omzet:</a:t>
+              <a:t>Maak een template dat deze data weergeeft als tabel:</a:t>
             </a:r>
           </a:p>
           <a:p>
@@ -11705,21 +11785,7 @@
                 <a:latin typeface="Courier New" panose="02070309020205020404" pitchFamily="49" charset="0"/>
                 <a:cs typeface="Courier New" panose="02070309020205020404" pitchFamily="49" charset="0"/>
               </a:rPr>
-              <a:t>": "Jansen", "</a:t>
-            </a:r>
-            <a:r>
-              <a:rPr lang="nl-NL" sz="2000" noProof="0" dirty="0" err="1">
-                <a:latin typeface="Courier New" panose="02070309020205020404" pitchFamily="49" charset="0"/>
-                <a:cs typeface="Courier New" panose="02070309020205020404" pitchFamily="49" charset="0"/>
-              </a:rPr>
-              <a:t>age</a:t>
-            </a:r>
-            <a:r>
-              <a:rPr lang="nl-NL" sz="2000" noProof="0" dirty="0">
-                <a:latin typeface="Courier New" panose="02070309020205020404" pitchFamily="49" charset="0"/>
-                <a:cs typeface="Courier New" panose="02070309020205020404" pitchFamily="49" charset="0"/>
-              </a:rPr>
-              <a:t>": 45}</a:t>
+              <a:t>": "Jansen", "score": 7.6245}</a:t>
             </a:r>
           </a:p>
           <a:p>
@@ -17295,7 +17361,7 @@
           <a:p>
             <a:r>
               <a:rPr lang="nl-NL" sz="3600" noProof="0" dirty="0"/>
-              <a:t>Oefening</a:t>
+              <a:t>Oefeningen II</a:t>
             </a:r>
           </a:p>
         </p:txBody>
@@ -19890,7 +19956,7 @@
           <a:p>
             <a:r>
               <a:rPr lang="nl-NL" sz="3600" noProof="0" dirty="0"/>
-              <a:t>Oefeningen</a:t>
+              <a:t>Oefeningen III</a:t>
             </a:r>
           </a:p>
         </p:txBody>
@@ -21377,7 +21443,7 @@
             </a:r>
             <a:r>
               <a:rPr lang="nl-NL" sz="2000" noProof="0" dirty="0"/>
-              <a:t> methodes hebben een speciale functie.</a:t>
+              <a:t> methodes hebben een speciale betekenis.</a:t>
             </a:r>
           </a:p>
           <a:p>
@@ -21409,19 +21475,25 @@
                 <a:latin typeface="Courier New" panose="02070309020205020404" pitchFamily="49" charset="0"/>
                 <a:cs typeface="Courier New" panose="02070309020205020404" pitchFamily="49" charset="0"/>
               </a:rPr>
-              <a:t>__()</a:t>
+              <a:t>__</a:t>
+            </a:r>
+            <a:endParaRPr lang="nl-NL" sz="2000" noProof="0" dirty="0"/>
+          </a:p>
+          <a:p>
+            <a:pPr marL="0" indent="0">
+              <a:buNone/>
+            </a:pPr>
+            <a:r>
+              <a:rPr lang="nl-NL" sz="2000" dirty="0" err="1"/>
+              <a:t>Constructor</a:t>
+            </a:r>
+            <a:r>
+              <a:rPr lang="nl-NL" sz="2000" dirty="0"/>
+              <a:t>:</a:t>
             </a:r>
             <a:r>
               <a:rPr lang="nl-NL" sz="2000" noProof="0" dirty="0"/>
-              <a:t> wordt bijvoorbeeld gebruikt om een object te initialiseren (de </a:t>
-            </a:r>
-            <a:r>
-              <a:rPr lang="nl-NL" sz="2000" noProof="0" dirty="0" err="1"/>
-              <a:t>constructor</a:t>
-            </a:r>
-            <a:r>
-              <a:rPr lang="nl-NL" sz="2000" noProof="0" dirty="0"/>
-              <a:t>).</a:t>
+              <a:t> Gebruikt om een object te initialiseren.</a:t>
             </a:r>
           </a:p>
           <a:p>
@@ -21429,41 +21501,6 @@
               <a:buNone/>
             </a:pPr>
             <a:endParaRPr lang="nl-NL" sz="2000" dirty="0"/>
-          </a:p>
-          <a:p>
-            <a:pPr marL="0" indent="0">
-              <a:buNone/>
-            </a:pPr>
-            <a:r>
-              <a:rPr lang="nl-NL" sz="2000" noProof="0" dirty="0"/>
-              <a:t>Er zijn veel </a:t>
-            </a:r>
-            <a:r>
-              <a:rPr lang="nl-NL" sz="2000" noProof="0" dirty="0" err="1"/>
-              <a:t>dunder</a:t>
-            </a:r>
-            <a:r>
-              <a:rPr lang="nl-NL" sz="2000" noProof="0" dirty="0"/>
-              <a:t> methodes, zie het data model voor meer info:</a:t>
-            </a:r>
-          </a:p>
-          <a:p>
-            <a:pPr marL="0" indent="0">
-              <a:buNone/>
-            </a:pPr>
-            <a:endParaRPr lang="nl-NL" sz="2000" dirty="0"/>
-          </a:p>
-          <a:p>
-            <a:pPr marL="0" indent="0">
-              <a:buNone/>
-            </a:pPr>
-            <a:r>
-              <a:rPr lang="nl-NL" sz="2000" dirty="0">
-                <a:hlinkClick r:id="rId2"/>
-              </a:rPr>
-              <a:t>https://docs.python.org/3/reference/datamodel.html#special-method-names</a:t>
-            </a:r>
-            <a:endParaRPr lang="nl-NL" sz="2000" noProof="0" dirty="0"/>
           </a:p>
         </p:txBody>
       </p:sp>
@@ -21753,7 +21790,7 @@
                 <a:latin typeface="Courier New" panose="02070309020205020404" pitchFamily="49" charset="0"/>
                 <a:cs typeface="Courier New" panose="02070309020205020404" pitchFamily="49" charset="0"/>
               </a:rPr>
-              <a:t>self.voornaam</a:t>
+              <a:t>self.voor</a:t>
             </a:r>
             <a:r>
               <a:rPr lang="nl-NL" sz="1600" dirty="0">
@@ -21780,7 +21817,7 @@
                 <a:latin typeface="Courier New" panose="02070309020205020404" pitchFamily="49" charset="0"/>
                 <a:cs typeface="Courier New" panose="02070309020205020404" pitchFamily="49" charset="0"/>
               </a:rPr>
-              <a:t>self.achternaam</a:t>
+              <a:t>self.achter</a:t>
             </a:r>
             <a:r>
               <a:rPr lang="nl-NL" sz="1600" dirty="0">
@@ -21989,6 +22026,1204 @@
           <a:lstStyle/>
           <a:p>
             <a:r>
+              <a:rPr lang="nl-NL" sz="3600" dirty="0"/>
+              <a:t>Weergave object</a:t>
+            </a:r>
+            <a:endParaRPr lang="nl-NL" sz="3600" noProof="0" dirty="0"/>
+          </a:p>
+        </p:txBody>
+      </p:sp>
+      <p:sp>
+        <p:nvSpPr>
+          <p:cNvPr id="3" name="Content Placeholder 2">
+            <a:extLst>
+              <a:ext uri="{FF2B5EF4-FFF2-40B4-BE49-F238E27FC236}">
+                <a16:creationId xmlns:a16="http://schemas.microsoft.com/office/drawing/2014/main" id="{F4C2D286-E049-0AAB-1360-B7157E11AD7E}"/>
+              </a:ext>
+            </a:extLst>
+          </p:cNvPr>
+          <p:cNvSpPr>
+            <a:spLocks noGrp="1"/>
+          </p:cNvSpPr>
+          <p:nvPr>
+            <p:ph idx="1"/>
+          </p:nvPr>
+        </p:nvSpPr>
+        <p:spPr>
+          <a:xfrm>
+            <a:off x="838200" y="1456267"/>
+            <a:ext cx="4571999" cy="4720696"/>
+          </a:xfrm>
+        </p:spPr>
+        <p:txBody>
+          <a:bodyPr>
+            <a:normAutofit/>
+          </a:bodyPr>
+          <a:lstStyle/>
+          <a:p>
+            <a:pPr marL="0" indent="0">
+              <a:buNone/>
+            </a:pPr>
+            <a:r>
+              <a:rPr lang="nl-NL" sz="2000" noProof="0" dirty="0">
+                <a:latin typeface="Courier New" panose="02070309020205020404" pitchFamily="49" charset="0"/>
+                <a:cs typeface="Courier New" panose="02070309020205020404" pitchFamily="49" charset="0"/>
+              </a:rPr>
+              <a:t>__</a:t>
+            </a:r>
+            <a:r>
+              <a:rPr lang="nl-NL" sz="2000" noProof="0" dirty="0" err="1">
+                <a:latin typeface="Courier New" panose="02070309020205020404" pitchFamily="49" charset="0"/>
+                <a:cs typeface="Courier New" panose="02070309020205020404" pitchFamily="49" charset="0"/>
+              </a:rPr>
+              <a:t>str</a:t>
+            </a:r>
+            <a:r>
+              <a:rPr lang="nl-NL" sz="2000" noProof="0" dirty="0">
+                <a:latin typeface="Courier New" panose="02070309020205020404" pitchFamily="49" charset="0"/>
+                <a:cs typeface="Courier New" panose="02070309020205020404" pitchFamily="49" charset="0"/>
+              </a:rPr>
+              <a:t>__</a:t>
+            </a:r>
+            <a:endParaRPr lang="nl-NL" sz="2000" noProof="0" dirty="0"/>
+          </a:p>
+          <a:p>
+            <a:pPr marL="0" indent="0">
+              <a:buNone/>
+            </a:pPr>
+            <a:r>
+              <a:rPr lang="nl-NL" sz="2000" dirty="0"/>
+              <a:t>Weergave van het object als tekst, bijvoorbeeld in </a:t>
+            </a:r>
+            <a:r>
+              <a:rPr lang="nl-NL" sz="2000" dirty="0">
+                <a:latin typeface="Courier New" panose="02070309020205020404" pitchFamily="49" charset="0"/>
+                <a:cs typeface="Courier New" panose="02070309020205020404" pitchFamily="49" charset="0"/>
+              </a:rPr>
+              <a:t>print()</a:t>
+            </a:r>
+            <a:r>
+              <a:rPr lang="nl-NL" sz="2000" dirty="0"/>
+              <a:t>.</a:t>
+            </a:r>
+          </a:p>
+          <a:p>
+            <a:pPr marL="0" indent="0">
+              <a:buNone/>
+            </a:pPr>
+            <a:endParaRPr lang="nl-NL" sz="2000" dirty="0"/>
+          </a:p>
+          <a:p>
+            <a:pPr marL="0" indent="0">
+              <a:buNone/>
+            </a:pPr>
+            <a:r>
+              <a:rPr lang="nl-NL" sz="2000" dirty="0">
+                <a:latin typeface="Courier New" panose="02070309020205020404" pitchFamily="49" charset="0"/>
+                <a:cs typeface="Courier New" panose="02070309020205020404" pitchFamily="49" charset="0"/>
+              </a:rPr>
+              <a:t>__</a:t>
+            </a:r>
+            <a:r>
+              <a:rPr lang="nl-NL" sz="2000" dirty="0" err="1">
+                <a:latin typeface="Courier New" panose="02070309020205020404" pitchFamily="49" charset="0"/>
+                <a:cs typeface="Courier New" panose="02070309020205020404" pitchFamily="49" charset="0"/>
+              </a:rPr>
+              <a:t>repr</a:t>
+            </a:r>
+            <a:r>
+              <a:rPr lang="nl-NL" sz="2000" dirty="0">
+                <a:latin typeface="Courier New" panose="02070309020205020404" pitchFamily="49" charset="0"/>
+                <a:cs typeface="Courier New" panose="02070309020205020404" pitchFamily="49" charset="0"/>
+              </a:rPr>
+              <a:t>__</a:t>
+            </a:r>
+          </a:p>
+          <a:p>
+            <a:pPr marL="0" indent="0">
+              <a:buNone/>
+            </a:pPr>
+            <a:r>
+              <a:rPr lang="nl-NL" sz="2000" dirty="0"/>
+              <a:t>Representatie van het object zoals je het zou aanmaken.</a:t>
+            </a:r>
+          </a:p>
+          <a:p>
+            <a:pPr marL="0" indent="0">
+              <a:buNone/>
+            </a:pPr>
+            <a:endParaRPr lang="nl-NL" sz="2000" dirty="0"/>
+          </a:p>
+          <a:p>
+            <a:pPr marL="0" indent="0">
+              <a:buNone/>
+            </a:pPr>
+            <a:endParaRPr lang="nl-NL" sz="2000" dirty="0"/>
+          </a:p>
+          <a:p>
+            <a:pPr marL="0" indent="0">
+              <a:buNone/>
+            </a:pPr>
+            <a:r>
+              <a:rPr lang="nl-NL" sz="2000" noProof="0" dirty="0"/>
+              <a:t>Voor meer, zie </a:t>
+            </a:r>
+            <a:r>
+              <a:rPr lang="nl-NL" sz="2000" noProof="0" dirty="0" err="1"/>
+              <a:t>Python's</a:t>
+            </a:r>
+            <a:r>
+              <a:rPr lang="nl-NL" sz="2000" noProof="0" dirty="0"/>
+              <a:t>  data model:</a:t>
+            </a:r>
+          </a:p>
+          <a:p>
+            <a:pPr marL="0" indent="0">
+              <a:buNone/>
+            </a:pPr>
+            <a:r>
+              <a:rPr lang="nl-NL" sz="2000" dirty="0">
+                <a:hlinkClick r:id="rId2"/>
+              </a:rPr>
+              <a:t>https://docs.python.org/3/reference/datamodel.html#special-method-names</a:t>
+            </a:r>
+            <a:endParaRPr lang="nl-NL" sz="2000" noProof="0" dirty="0"/>
+          </a:p>
+          <a:p>
+            <a:pPr marL="0" indent="0">
+              <a:buNone/>
+            </a:pPr>
+            <a:endParaRPr lang="nl-NL" sz="2000" dirty="0"/>
+          </a:p>
+        </p:txBody>
+      </p:sp>
+      <p:sp>
+        <p:nvSpPr>
+          <p:cNvPr id="4" name="Content Placeholder 2">
+            <a:extLst>
+              <a:ext uri="{FF2B5EF4-FFF2-40B4-BE49-F238E27FC236}">
+                <a16:creationId xmlns:a16="http://schemas.microsoft.com/office/drawing/2014/main" id="{98EFE1E9-4D56-5081-678F-F94DE9C3DCC6}"/>
+              </a:ext>
+            </a:extLst>
+          </p:cNvPr>
+          <p:cNvSpPr txBox="1">
+            <a:spLocks/>
+          </p:cNvSpPr>
+          <p:nvPr/>
+        </p:nvSpPr>
+        <p:spPr>
+          <a:xfrm>
+            <a:off x="6095999" y="1456267"/>
+            <a:ext cx="5327651" cy="4720696"/>
+          </a:xfrm>
+          <a:prstGeom prst="rect">
+            <a:avLst/>
+          </a:prstGeom>
+        </p:spPr>
+        <p:txBody>
+          <a:bodyPr vert="horz" lIns="91440" tIns="45720" rIns="91440" bIns="45720" rtlCol="0">
+            <a:normAutofit/>
+          </a:bodyPr>
+          <a:lstStyle>
+            <a:lvl1pPr marL="228600" indent="-228600" algn="l" defTabSz="914400" rtl="0" eaLnBrk="1" latinLnBrk="0" hangingPunct="1">
+              <a:lnSpc>
+                <a:spcPct val="90000"/>
+              </a:lnSpc>
+              <a:spcBef>
+                <a:spcPts val="1000"/>
+              </a:spcBef>
+              <a:buFont typeface="Arial" panose="020B0604020202020204" pitchFamily="34" charset="0"/>
+              <a:buChar char="•"/>
+              <a:defRPr sz="2800" kern="1200">
+                <a:solidFill>
+                  <a:schemeClr val="tx1"/>
+                </a:solidFill>
+                <a:latin typeface="+mn-lt"/>
+                <a:ea typeface="+mn-ea"/>
+                <a:cs typeface="+mn-cs"/>
+              </a:defRPr>
+            </a:lvl1pPr>
+            <a:lvl2pPr marL="685800" indent="-228600" algn="l" defTabSz="914400" rtl="0" eaLnBrk="1" latinLnBrk="0" hangingPunct="1">
+              <a:lnSpc>
+                <a:spcPct val="90000"/>
+              </a:lnSpc>
+              <a:spcBef>
+                <a:spcPts val="500"/>
+              </a:spcBef>
+              <a:buFont typeface="Arial" panose="020B0604020202020204" pitchFamily="34" charset="0"/>
+              <a:buChar char="•"/>
+              <a:defRPr sz="2400" kern="1200">
+                <a:solidFill>
+                  <a:schemeClr val="tx1"/>
+                </a:solidFill>
+                <a:latin typeface="+mn-lt"/>
+                <a:ea typeface="+mn-ea"/>
+                <a:cs typeface="+mn-cs"/>
+              </a:defRPr>
+            </a:lvl2pPr>
+            <a:lvl3pPr marL="1143000" indent="-228600" algn="l" defTabSz="914400" rtl="0" eaLnBrk="1" latinLnBrk="0" hangingPunct="1">
+              <a:lnSpc>
+                <a:spcPct val="90000"/>
+              </a:lnSpc>
+              <a:spcBef>
+                <a:spcPts val="500"/>
+              </a:spcBef>
+              <a:buFont typeface="Arial" panose="020B0604020202020204" pitchFamily="34" charset="0"/>
+              <a:buChar char="•"/>
+              <a:defRPr sz="2000" kern="1200">
+                <a:solidFill>
+                  <a:schemeClr val="tx1"/>
+                </a:solidFill>
+                <a:latin typeface="+mn-lt"/>
+                <a:ea typeface="+mn-ea"/>
+                <a:cs typeface="+mn-cs"/>
+              </a:defRPr>
+            </a:lvl3pPr>
+            <a:lvl4pPr marL="1600200" indent="-228600" algn="l" defTabSz="914400" rtl="0" eaLnBrk="1" latinLnBrk="0" hangingPunct="1">
+              <a:lnSpc>
+                <a:spcPct val="90000"/>
+              </a:lnSpc>
+              <a:spcBef>
+                <a:spcPts val="500"/>
+              </a:spcBef>
+              <a:buFont typeface="Arial" panose="020B0604020202020204" pitchFamily="34" charset="0"/>
+              <a:buChar char="•"/>
+              <a:defRPr sz="1800" kern="1200">
+                <a:solidFill>
+                  <a:schemeClr val="tx1"/>
+                </a:solidFill>
+                <a:latin typeface="+mn-lt"/>
+                <a:ea typeface="+mn-ea"/>
+                <a:cs typeface="+mn-cs"/>
+              </a:defRPr>
+            </a:lvl4pPr>
+            <a:lvl5pPr marL="2057400" indent="-228600" algn="l" defTabSz="914400" rtl="0" eaLnBrk="1" latinLnBrk="0" hangingPunct="1">
+              <a:lnSpc>
+                <a:spcPct val="90000"/>
+              </a:lnSpc>
+              <a:spcBef>
+                <a:spcPts val="500"/>
+              </a:spcBef>
+              <a:buFont typeface="Arial" panose="020B0604020202020204" pitchFamily="34" charset="0"/>
+              <a:buChar char="•"/>
+              <a:defRPr sz="1800" kern="1200">
+                <a:solidFill>
+                  <a:schemeClr val="tx1"/>
+                </a:solidFill>
+                <a:latin typeface="+mn-lt"/>
+                <a:ea typeface="+mn-ea"/>
+                <a:cs typeface="+mn-cs"/>
+              </a:defRPr>
+            </a:lvl5pPr>
+            <a:lvl6pPr marL="2514600" indent="-228600" algn="l" defTabSz="914400" rtl="0" eaLnBrk="1" latinLnBrk="0" hangingPunct="1">
+              <a:lnSpc>
+                <a:spcPct val="90000"/>
+              </a:lnSpc>
+              <a:spcBef>
+                <a:spcPts val="500"/>
+              </a:spcBef>
+              <a:buFont typeface="Arial" panose="020B0604020202020204" pitchFamily="34" charset="0"/>
+              <a:buChar char="•"/>
+              <a:defRPr sz="1800" kern="1200">
+                <a:solidFill>
+                  <a:schemeClr val="tx1"/>
+                </a:solidFill>
+                <a:latin typeface="+mn-lt"/>
+                <a:ea typeface="+mn-ea"/>
+                <a:cs typeface="+mn-cs"/>
+              </a:defRPr>
+            </a:lvl6pPr>
+            <a:lvl7pPr marL="2971800" indent="-228600" algn="l" defTabSz="914400" rtl="0" eaLnBrk="1" latinLnBrk="0" hangingPunct="1">
+              <a:lnSpc>
+                <a:spcPct val="90000"/>
+              </a:lnSpc>
+              <a:spcBef>
+                <a:spcPts val="500"/>
+              </a:spcBef>
+              <a:buFont typeface="Arial" panose="020B0604020202020204" pitchFamily="34" charset="0"/>
+              <a:buChar char="•"/>
+              <a:defRPr sz="1800" kern="1200">
+                <a:solidFill>
+                  <a:schemeClr val="tx1"/>
+                </a:solidFill>
+                <a:latin typeface="+mn-lt"/>
+                <a:ea typeface="+mn-ea"/>
+                <a:cs typeface="+mn-cs"/>
+              </a:defRPr>
+            </a:lvl7pPr>
+            <a:lvl8pPr marL="3429000" indent="-228600" algn="l" defTabSz="914400" rtl="0" eaLnBrk="1" latinLnBrk="0" hangingPunct="1">
+              <a:lnSpc>
+                <a:spcPct val="90000"/>
+              </a:lnSpc>
+              <a:spcBef>
+                <a:spcPts val="500"/>
+              </a:spcBef>
+              <a:buFont typeface="Arial" panose="020B0604020202020204" pitchFamily="34" charset="0"/>
+              <a:buChar char="•"/>
+              <a:defRPr sz="1800" kern="1200">
+                <a:solidFill>
+                  <a:schemeClr val="tx1"/>
+                </a:solidFill>
+                <a:latin typeface="+mn-lt"/>
+                <a:ea typeface="+mn-ea"/>
+                <a:cs typeface="+mn-cs"/>
+              </a:defRPr>
+            </a:lvl8pPr>
+            <a:lvl9pPr marL="3886200" indent="-228600" algn="l" defTabSz="914400" rtl="0" eaLnBrk="1" latinLnBrk="0" hangingPunct="1">
+              <a:lnSpc>
+                <a:spcPct val="90000"/>
+              </a:lnSpc>
+              <a:spcBef>
+                <a:spcPts val="500"/>
+              </a:spcBef>
+              <a:buFont typeface="Arial" panose="020B0604020202020204" pitchFamily="34" charset="0"/>
+              <a:buChar char="•"/>
+              <a:defRPr sz="1800" kern="1200">
+                <a:solidFill>
+                  <a:schemeClr val="tx1"/>
+                </a:solidFill>
+                <a:latin typeface="+mn-lt"/>
+                <a:ea typeface="+mn-ea"/>
+                <a:cs typeface="+mn-cs"/>
+              </a:defRPr>
+            </a:lvl9pPr>
+          </a:lstStyle>
+          <a:p>
+            <a:pPr marL="0" indent="0">
+              <a:buFont typeface="Arial" panose="020B0604020202020204" pitchFamily="34" charset="0"/>
+              <a:buNone/>
+            </a:pPr>
+            <a:r>
+              <a:rPr lang="nl-NL" sz="1400" b="1" dirty="0">
+                <a:latin typeface="Courier New" panose="02070309020205020404" pitchFamily="49" charset="0"/>
+                <a:cs typeface="Courier New" panose="02070309020205020404" pitchFamily="49" charset="0"/>
+              </a:rPr>
+              <a:t>class Persoon:</a:t>
+            </a:r>
+          </a:p>
+          <a:p>
+            <a:pPr marL="0" indent="0">
+              <a:buFont typeface="Arial" panose="020B0604020202020204" pitchFamily="34" charset="0"/>
+              <a:buNone/>
+            </a:pPr>
+            <a:endParaRPr lang="nl-NL" sz="1400" dirty="0">
+              <a:latin typeface="Courier New" panose="02070309020205020404" pitchFamily="49" charset="0"/>
+              <a:cs typeface="Courier New" panose="02070309020205020404" pitchFamily="49" charset="0"/>
+            </a:endParaRPr>
+          </a:p>
+          <a:p>
+            <a:pPr marL="0" indent="0">
+              <a:buFont typeface="Arial" panose="020B0604020202020204" pitchFamily="34" charset="0"/>
+              <a:buNone/>
+            </a:pPr>
+            <a:r>
+              <a:rPr lang="nl-NL" sz="1400" dirty="0">
+                <a:latin typeface="Courier New" panose="02070309020205020404" pitchFamily="49" charset="0"/>
+                <a:cs typeface="Courier New" panose="02070309020205020404" pitchFamily="49" charset="0"/>
+              </a:rPr>
+              <a:t>  </a:t>
+            </a:r>
+            <a:r>
+              <a:rPr lang="nl-NL" sz="1400" b="1" dirty="0" err="1">
+                <a:latin typeface="Courier New" panose="02070309020205020404" pitchFamily="49" charset="0"/>
+                <a:cs typeface="Courier New" panose="02070309020205020404" pitchFamily="49" charset="0"/>
+              </a:rPr>
+              <a:t>def</a:t>
+            </a:r>
+            <a:r>
+              <a:rPr lang="nl-NL" sz="1400" b="1" dirty="0">
+                <a:latin typeface="Courier New" panose="02070309020205020404" pitchFamily="49" charset="0"/>
+                <a:cs typeface="Courier New" panose="02070309020205020404" pitchFamily="49" charset="0"/>
+              </a:rPr>
+              <a:t> __</a:t>
+            </a:r>
+            <a:r>
+              <a:rPr lang="nl-NL" sz="1400" b="1" dirty="0" err="1">
+                <a:latin typeface="Courier New" panose="02070309020205020404" pitchFamily="49" charset="0"/>
+                <a:cs typeface="Courier New" panose="02070309020205020404" pitchFamily="49" charset="0"/>
+              </a:rPr>
+              <a:t>str</a:t>
+            </a:r>
+            <a:r>
+              <a:rPr lang="nl-NL" sz="1400" b="1" dirty="0">
+                <a:latin typeface="Courier New" panose="02070309020205020404" pitchFamily="49" charset="0"/>
+                <a:cs typeface="Courier New" panose="02070309020205020404" pitchFamily="49" charset="0"/>
+              </a:rPr>
+              <a:t>__(): </a:t>
+            </a:r>
+          </a:p>
+          <a:p>
+            <a:pPr marL="0" indent="0">
+              <a:buFont typeface="Arial" panose="020B0604020202020204" pitchFamily="34" charset="0"/>
+              <a:buNone/>
+            </a:pPr>
+            <a:r>
+              <a:rPr lang="nl-NL" sz="1400" dirty="0">
+                <a:latin typeface="Courier New" panose="02070309020205020404" pitchFamily="49" charset="0"/>
+                <a:cs typeface="Courier New" panose="02070309020205020404" pitchFamily="49" charset="0"/>
+              </a:rPr>
+              <a:t>    return f"{</a:t>
+            </a:r>
+            <a:r>
+              <a:rPr lang="nl-NL" sz="1400" dirty="0" err="1">
+                <a:latin typeface="Courier New" panose="02070309020205020404" pitchFamily="49" charset="0"/>
+                <a:cs typeface="Courier New" panose="02070309020205020404" pitchFamily="49" charset="0"/>
+              </a:rPr>
+              <a:t>self.voor</a:t>
+            </a:r>
+            <a:r>
+              <a:rPr lang="nl-NL" sz="1400" dirty="0">
+                <a:latin typeface="Courier New" panose="02070309020205020404" pitchFamily="49" charset="0"/>
+                <a:cs typeface="Courier New" panose="02070309020205020404" pitchFamily="49" charset="0"/>
+              </a:rPr>
+              <a:t>} {</a:t>
+            </a:r>
+            <a:r>
+              <a:rPr lang="nl-NL" sz="1400" dirty="0" err="1">
+                <a:latin typeface="Courier New" panose="02070309020205020404" pitchFamily="49" charset="0"/>
+                <a:cs typeface="Courier New" panose="02070309020205020404" pitchFamily="49" charset="0"/>
+              </a:rPr>
+              <a:t>self.achter</a:t>
+            </a:r>
+            <a:r>
+              <a:rPr lang="nl-NL" sz="1400" dirty="0">
+                <a:latin typeface="Courier New" panose="02070309020205020404" pitchFamily="49" charset="0"/>
+                <a:cs typeface="Courier New" panose="02070309020205020404" pitchFamily="49" charset="0"/>
+              </a:rPr>
+              <a:t>}"</a:t>
+            </a:r>
+          </a:p>
+          <a:p>
+            <a:pPr marL="0" indent="0">
+              <a:buFont typeface="Arial" panose="020B0604020202020204" pitchFamily="34" charset="0"/>
+              <a:buNone/>
+            </a:pPr>
+            <a:endParaRPr lang="nl-NL" sz="1400" dirty="0">
+              <a:latin typeface="Courier New" panose="02070309020205020404" pitchFamily="49" charset="0"/>
+              <a:cs typeface="Courier New" panose="02070309020205020404" pitchFamily="49" charset="0"/>
+            </a:endParaRPr>
+          </a:p>
+          <a:p>
+            <a:pPr marL="0" indent="0">
+              <a:buFont typeface="Arial" panose="020B0604020202020204" pitchFamily="34" charset="0"/>
+              <a:buNone/>
+            </a:pPr>
+            <a:r>
+              <a:rPr lang="nl-NL" sz="1400" dirty="0">
+                <a:latin typeface="Courier New" panose="02070309020205020404" pitchFamily="49" charset="0"/>
+                <a:cs typeface="Courier New" panose="02070309020205020404" pitchFamily="49" charset="0"/>
+              </a:rPr>
+              <a:t>   </a:t>
+            </a:r>
+            <a:r>
+              <a:rPr lang="nl-NL" sz="1400" b="1" dirty="0" err="1">
+                <a:latin typeface="Courier New" panose="02070309020205020404" pitchFamily="49" charset="0"/>
+                <a:cs typeface="Courier New" panose="02070309020205020404" pitchFamily="49" charset="0"/>
+              </a:rPr>
+              <a:t>def</a:t>
+            </a:r>
+            <a:r>
+              <a:rPr lang="nl-NL" sz="1400" b="1" dirty="0">
+                <a:latin typeface="Courier New" panose="02070309020205020404" pitchFamily="49" charset="0"/>
+                <a:cs typeface="Courier New" panose="02070309020205020404" pitchFamily="49" charset="0"/>
+              </a:rPr>
+              <a:t> __</a:t>
+            </a:r>
+            <a:r>
+              <a:rPr lang="nl-NL" sz="1400" b="1" dirty="0" err="1">
+                <a:latin typeface="Courier New" panose="02070309020205020404" pitchFamily="49" charset="0"/>
+                <a:cs typeface="Courier New" panose="02070309020205020404" pitchFamily="49" charset="0"/>
+              </a:rPr>
+              <a:t>repr</a:t>
+            </a:r>
+            <a:r>
+              <a:rPr lang="nl-NL" sz="1400" b="1" dirty="0">
+                <a:latin typeface="Courier New" panose="02070309020205020404" pitchFamily="49" charset="0"/>
+                <a:cs typeface="Courier New" panose="02070309020205020404" pitchFamily="49" charset="0"/>
+              </a:rPr>
+              <a:t>__(): </a:t>
+            </a:r>
+          </a:p>
+          <a:p>
+            <a:pPr marL="0" indent="0">
+              <a:buFont typeface="Arial" panose="020B0604020202020204" pitchFamily="34" charset="0"/>
+              <a:buNone/>
+            </a:pPr>
+            <a:r>
+              <a:rPr lang="nl-NL" sz="1400" dirty="0">
+                <a:latin typeface="Courier New" panose="02070309020205020404" pitchFamily="49" charset="0"/>
+                <a:cs typeface="Courier New" panose="02070309020205020404" pitchFamily="49" charset="0"/>
+              </a:rPr>
+              <a:t>    return (</a:t>
+            </a:r>
+          </a:p>
+          <a:p>
+            <a:pPr marL="0" indent="0">
+              <a:buFont typeface="Arial" panose="020B0604020202020204" pitchFamily="34" charset="0"/>
+              <a:buNone/>
+            </a:pPr>
+            <a:r>
+              <a:rPr lang="nl-NL" sz="1400" dirty="0">
+                <a:latin typeface="Courier New" panose="02070309020205020404" pitchFamily="49" charset="0"/>
+                <a:cs typeface="Courier New" panose="02070309020205020404" pitchFamily="49" charset="0"/>
+              </a:rPr>
+              <a:t>      </a:t>
+            </a:r>
+            <a:r>
+              <a:rPr lang="nl-NL" sz="1400" dirty="0" err="1">
+                <a:latin typeface="Courier New" panose="02070309020205020404" pitchFamily="49" charset="0"/>
+                <a:cs typeface="Courier New" panose="02070309020205020404" pitchFamily="49" charset="0"/>
+              </a:rPr>
+              <a:t>f"Persoon</a:t>
+            </a:r>
+            <a:r>
+              <a:rPr lang="nl-NL" sz="1400" dirty="0">
+                <a:latin typeface="Courier New" panose="02070309020205020404" pitchFamily="49" charset="0"/>
+                <a:cs typeface="Courier New" panose="02070309020205020404" pitchFamily="49" charset="0"/>
+              </a:rPr>
+              <a:t>('{</a:t>
+            </a:r>
+            <a:r>
+              <a:rPr lang="nl-NL" sz="1400" dirty="0" err="1">
+                <a:latin typeface="Courier New" panose="02070309020205020404" pitchFamily="49" charset="0"/>
+                <a:cs typeface="Courier New" panose="02070309020205020404" pitchFamily="49" charset="0"/>
+              </a:rPr>
+              <a:t>self.voor</a:t>
+            </a:r>
+            <a:r>
+              <a:rPr lang="nl-NL" sz="1400" dirty="0">
+                <a:latin typeface="Courier New" panose="02070309020205020404" pitchFamily="49" charset="0"/>
+                <a:cs typeface="Courier New" panose="02070309020205020404" pitchFamily="49" charset="0"/>
+              </a:rPr>
+              <a:t>}', '{</a:t>
+            </a:r>
+            <a:r>
+              <a:rPr lang="nl-NL" sz="1400" dirty="0" err="1">
+                <a:latin typeface="Courier New" panose="02070309020205020404" pitchFamily="49" charset="0"/>
+                <a:cs typeface="Courier New" panose="02070309020205020404" pitchFamily="49" charset="0"/>
+              </a:rPr>
+              <a:t>self.achter</a:t>
+            </a:r>
+            <a:r>
+              <a:rPr lang="nl-NL" sz="1400" dirty="0">
+                <a:latin typeface="Courier New" panose="02070309020205020404" pitchFamily="49" charset="0"/>
+                <a:cs typeface="Courier New" panose="02070309020205020404" pitchFamily="49" charset="0"/>
+              </a:rPr>
+              <a:t>}')"</a:t>
+            </a:r>
+          </a:p>
+          <a:p>
+            <a:pPr marL="0" indent="0">
+              <a:buFont typeface="Arial" panose="020B0604020202020204" pitchFamily="34" charset="0"/>
+              <a:buNone/>
+            </a:pPr>
+            <a:r>
+              <a:rPr lang="nl-NL" sz="1400" dirty="0">
+                <a:latin typeface="Courier New" panose="02070309020205020404" pitchFamily="49" charset="0"/>
+                <a:cs typeface="Courier New" panose="02070309020205020404" pitchFamily="49" charset="0"/>
+              </a:rPr>
+              <a:t>    )</a:t>
+            </a:r>
+          </a:p>
+          <a:p>
+            <a:pPr marL="0" indent="0">
+              <a:buFont typeface="Arial" panose="020B0604020202020204" pitchFamily="34" charset="0"/>
+              <a:buNone/>
+            </a:pPr>
+            <a:endParaRPr lang="nl-NL" sz="1400" dirty="0">
+              <a:latin typeface="Courier New" panose="02070309020205020404" pitchFamily="49" charset="0"/>
+              <a:cs typeface="Courier New" panose="02070309020205020404" pitchFamily="49" charset="0"/>
+            </a:endParaRPr>
+          </a:p>
+          <a:p>
+            <a:pPr marL="0" indent="0">
+              <a:buFont typeface="Arial" panose="020B0604020202020204" pitchFamily="34" charset="0"/>
+              <a:buNone/>
+            </a:pPr>
+            <a:endParaRPr lang="nl-NL" sz="1400" dirty="0">
+              <a:latin typeface="Courier New" panose="02070309020205020404" pitchFamily="49" charset="0"/>
+              <a:cs typeface="Courier New" panose="02070309020205020404" pitchFamily="49" charset="0"/>
+            </a:endParaRPr>
+          </a:p>
+          <a:p>
+            <a:pPr marL="0" indent="0">
+              <a:buNone/>
+            </a:pPr>
+            <a:r>
+              <a:rPr lang="nl-NL" sz="1400" dirty="0" err="1">
+                <a:latin typeface="Courier New" panose="02070309020205020404" pitchFamily="49" charset="0"/>
+                <a:cs typeface="Courier New" panose="02070309020205020404" pitchFamily="49" charset="0"/>
+              </a:rPr>
+              <a:t>henk</a:t>
+            </a:r>
+            <a:r>
+              <a:rPr lang="nl-NL" sz="1400" dirty="0">
+                <a:latin typeface="Courier New" panose="02070309020205020404" pitchFamily="49" charset="0"/>
+                <a:cs typeface="Courier New" panose="02070309020205020404" pitchFamily="49" charset="0"/>
+              </a:rPr>
+              <a:t> = Persoon("Henk", "Jansen")</a:t>
+            </a:r>
+          </a:p>
+          <a:p>
+            <a:pPr marL="0" indent="0">
+              <a:buFont typeface="Arial" panose="020B0604020202020204" pitchFamily="34" charset="0"/>
+              <a:buNone/>
+            </a:pPr>
+            <a:r>
+              <a:rPr lang="nl-NL" sz="1400" dirty="0">
+                <a:latin typeface="Courier New" panose="02070309020205020404" pitchFamily="49" charset="0"/>
+                <a:cs typeface="Courier New" panose="02070309020205020404" pitchFamily="49" charset="0"/>
+              </a:rPr>
+              <a:t>print(</a:t>
+            </a:r>
+            <a:r>
+              <a:rPr lang="nl-NL" sz="1400" dirty="0" err="1">
+                <a:latin typeface="Courier New" panose="02070309020205020404" pitchFamily="49" charset="0"/>
+                <a:cs typeface="Courier New" panose="02070309020205020404" pitchFamily="49" charset="0"/>
+              </a:rPr>
+              <a:t>henk</a:t>
+            </a:r>
+            <a:r>
+              <a:rPr lang="nl-NL" sz="1400" dirty="0">
+                <a:latin typeface="Courier New" panose="02070309020205020404" pitchFamily="49" charset="0"/>
+                <a:cs typeface="Courier New" panose="02070309020205020404" pitchFamily="49" charset="0"/>
+              </a:rPr>
+              <a:t>)   # "Henk Jansen"</a:t>
+            </a:r>
+          </a:p>
+          <a:p>
+            <a:pPr marL="0" indent="0">
+              <a:buNone/>
+            </a:pPr>
+            <a:r>
+              <a:rPr lang="nl-NL" sz="1400" dirty="0" err="1">
+                <a:latin typeface="Courier New" panose="02070309020205020404" pitchFamily="49" charset="0"/>
+                <a:cs typeface="Courier New" panose="02070309020205020404" pitchFamily="49" charset="0"/>
+              </a:rPr>
+              <a:t>repr</a:t>
+            </a:r>
+            <a:r>
+              <a:rPr lang="nl-NL" sz="1400" dirty="0">
+                <a:latin typeface="Courier New" panose="02070309020205020404" pitchFamily="49" charset="0"/>
+                <a:cs typeface="Courier New" panose="02070309020205020404" pitchFamily="49" charset="0"/>
+              </a:rPr>
+              <a:t>(</a:t>
+            </a:r>
+            <a:r>
+              <a:rPr lang="nl-NL" sz="1400" dirty="0" err="1">
+                <a:latin typeface="Courier New" panose="02070309020205020404" pitchFamily="49" charset="0"/>
+                <a:cs typeface="Courier New" panose="02070309020205020404" pitchFamily="49" charset="0"/>
+              </a:rPr>
+              <a:t>henk</a:t>
+            </a:r>
+            <a:r>
+              <a:rPr lang="nl-NL" sz="1400" dirty="0">
+                <a:latin typeface="Courier New" panose="02070309020205020404" pitchFamily="49" charset="0"/>
+                <a:cs typeface="Courier New" panose="02070309020205020404" pitchFamily="49" charset="0"/>
+              </a:rPr>
+              <a:t>)    # "Persoon('Henk', 'Jansen')"</a:t>
+            </a:r>
+          </a:p>
+        </p:txBody>
+      </p:sp>
+      <p:cxnSp>
+        <p:nvCxnSpPr>
+          <p:cNvPr id="6" name="Straight Connector 5">
+            <a:extLst>
+              <a:ext uri="{FF2B5EF4-FFF2-40B4-BE49-F238E27FC236}">
+                <a16:creationId xmlns:a16="http://schemas.microsoft.com/office/drawing/2014/main" id="{7F162173-AD9E-1ED9-F92B-186066229DD6}"/>
+              </a:ext>
+            </a:extLst>
+          </p:cNvPr>
+          <p:cNvCxnSpPr>
+            <a:cxnSpLocks/>
+          </p:cNvCxnSpPr>
+          <p:nvPr/>
+        </p:nvCxnSpPr>
+        <p:spPr>
+          <a:xfrm>
+            <a:off x="5655733" y="1456267"/>
+            <a:ext cx="0" cy="4809066"/>
+          </a:xfrm>
+          <a:prstGeom prst="line">
+            <a:avLst/>
+          </a:prstGeom>
+        </p:spPr>
+        <p:style>
+          <a:lnRef idx="3">
+            <a:schemeClr val="dk1"/>
+          </a:lnRef>
+          <a:fillRef idx="0">
+            <a:schemeClr val="dk1"/>
+          </a:fillRef>
+          <a:effectRef idx="2">
+            <a:schemeClr val="dk1"/>
+          </a:effectRef>
+          <a:fontRef idx="minor">
+            <a:schemeClr val="tx1"/>
+          </a:fontRef>
+        </p:style>
+      </p:cxnSp>
+    </p:spTree>
+    <p:extLst>
+      <p:ext uri="{BB962C8B-B14F-4D97-AF65-F5344CB8AC3E}">
+        <p14:creationId xmlns:p14="http://schemas.microsoft.com/office/powerpoint/2010/main" val="1057875604"/>
+      </p:ext>
+    </p:extLst>
+  </p:cSld>
+  <p:clrMapOvr>
+    <a:masterClrMapping/>
+  </p:clrMapOvr>
+</p:sld>
+</file>
+
+<file path=ppt/slides/slide47.xml><?xml version="1.0" encoding="utf-8"?>
+<p:sld xmlns:a="http://schemas.openxmlformats.org/drawingml/2006/main" xmlns:r="http://schemas.openxmlformats.org/officeDocument/2006/relationships" xmlns:p="http://schemas.openxmlformats.org/presentationml/2006/main">
+  <p:cSld>
+    <p:spTree>
+      <p:nvGrpSpPr>
+        <p:cNvPr id="1" name=""/>
+        <p:cNvGrpSpPr/>
+        <p:nvPr/>
+      </p:nvGrpSpPr>
+      <p:grpSpPr>
+        <a:xfrm>
+          <a:off x="0" y="0"/>
+          <a:ext cx="0" cy="0"/>
+          <a:chOff x="0" y="0"/>
+          <a:chExt cx="0" cy="0"/>
+        </a:xfrm>
+      </p:grpSpPr>
+      <p:sp>
+        <p:nvSpPr>
+          <p:cNvPr id="2" name="Title 1">
+            <a:extLst>
+              <a:ext uri="{FF2B5EF4-FFF2-40B4-BE49-F238E27FC236}">
+                <a16:creationId xmlns:a16="http://schemas.microsoft.com/office/drawing/2014/main" id="{39A1D606-8DD1-369C-5C09-471CDD551AD5}"/>
+              </a:ext>
+            </a:extLst>
+          </p:cNvPr>
+          <p:cNvSpPr>
+            <a:spLocks noGrp="1"/>
+          </p:cNvSpPr>
+          <p:nvPr>
+            <p:ph type="title"/>
+          </p:nvPr>
+        </p:nvSpPr>
+        <p:spPr>
+          <a:xfrm>
+            <a:off x="838200" y="365126"/>
+            <a:ext cx="10515600" cy="718608"/>
+          </a:xfrm>
+        </p:spPr>
+        <p:txBody>
+          <a:bodyPr>
+            <a:normAutofit/>
+          </a:bodyPr>
+          <a:lstStyle/>
+          <a:p>
+            <a:r>
+              <a:rPr lang="nl-NL" sz="3600" noProof="0" dirty="0"/>
+              <a:t>Oefeningen IV</a:t>
+            </a:r>
+          </a:p>
+        </p:txBody>
+      </p:sp>
+      <p:sp>
+        <p:nvSpPr>
+          <p:cNvPr id="3" name="Content Placeholder 2">
+            <a:extLst>
+              <a:ext uri="{FF2B5EF4-FFF2-40B4-BE49-F238E27FC236}">
+                <a16:creationId xmlns:a16="http://schemas.microsoft.com/office/drawing/2014/main" id="{F4C2D286-E049-0AAB-1360-B7157E11AD7E}"/>
+              </a:ext>
+            </a:extLst>
+          </p:cNvPr>
+          <p:cNvSpPr>
+            <a:spLocks noGrp="1"/>
+          </p:cNvSpPr>
+          <p:nvPr>
+            <p:ph idx="1"/>
+          </p:nvPr>
+        </p:nvSpPr>
+        <p:spPr>
+          <a:xfrm>
+            <a:off x="838200" y="1456267"/>
+            <a:ext cx="10375900" cy="4720696"/>
+          </a:xfrm>
+        </p:spPr>
+        <p:txBody>
+          <a:bodyPr>
+            <a:normAutofit/>
+          </a:bodyPr>
+          <a:lstStyle/>
+          <a:p>
+            <a:pPr marL="457200" indent="-457200">
+              <a:buFont typeface="Arial" panose="020B0604020202020204" pitchFamily="34" charset="0"/>
+              <a:buAutoNum type="arabicPeriod"/>
+            </a:pPr>
+            <a:r>
+              <a:rPr lang="nl-NL" sz="2000" dirty="0"/>
+              <a:t>Open Notebook </a:t>
+            </a:r>
+            <a:r>
+              <a:rPr lang="nl-NL" sz="2000" dirty="0" err="1">
+                <a:latin typeface="Courier New" panose="02070309020205020404" pitchFamily="49" charset="0"/>
+                <a:cs typeface="Courier New" panose="02070309020205020404" pitchFamily="49" charset="0"/>
+              </a:rPr>
+              <a:t>exercises</a:t>
+            </a:r>
+            <a:r>
+              <a:rPr lang="nl-NL" sz="2000" dirty="0">
+                <a:latin typeface="Courier New" panose="02070309020205020404" pitchFamily="49" charset="0"/>
+                <a:cs typeface="Courier New" panose="02070309020205020404" pitchFamily="49" charset="0"/>
+              </a:rPr>
+              <a:t>/4_fuzzy_dict.ipynb</a:t>
+            </a:r>
+          </a:p>
+          <a:p>
+            <a:pPr marL="457200" indent="-457200">
+              <a:buFont typeface="Arial" panose="020B0604020202020204" pitchFamily="34" charset="0"/>
+              <a:buAutoNum type="arabicPeriod"/>
+            </a:pPr>
+            <a:endParaRPr lang="nl-NL" sz="2000" dirty="0"/>
+          </a:p>
+          <a:p>
+            <a:pPr marL="457200" indent="-457200">
+              <a:buFont typeface="Arial" panose="020B0604020202020204" pitchFamily="34" charset="0"/>
+              <a:buAutoNum type="arabicPeriod"/>
+            </a:pPr>
+            <a:r>
+              <a:rPr lang="nl-NL" sz="2000" dirty="0"/>
+              <a:t>Werk de </a:t>
+            </a:r>
+            <a:r>
+              <a:rPr lang="nl-NL" sz="2000" dirty="0" err="1">
+                <a:latin typeface="Courier New" panose="02070309020205020404" pitchFamily="49" charset="0"/>
+                <a:cs typeface="Courier New" panose="02070309020205020404" pitchFamily="49" charset="0"/>
+              </a:rPr>
+              <a:t>FuzzyDict</a:t>
+            </a:r>
+            <a:r>
+              <a:rPr lang="nl-NL" sz="2000" dirty="0"/>
+              <a:t> class die niet hoofdlettergevoelig is:</a:t>
+            </a:r>
+          </a:p>
+          <a:p>
+            <a:pPr marL="457200" indent="-457200">
+              <a:buFont typeface="Arial" panose="020B0604020202020204" pitchFamily="34" charset="0"/>
+              <a:buAutoNum type="arabicPeriod"/>
+            </a:pPr>
+            <a:endParaRPr lang="nl-NL" sz="2000" dirty="0"/>
+          </a:p>
+          <a:p>
+            <a:pPr lvl="1"/>
+            <a:r>
+              <a:rPr lang="nl-NL" sz="1600" dirty="0" err="1">
+                <a:latin typeface="Courier New" panose="02070309020205020404" pitchFamily="49" charset="0"/>
+                <a:cs typeface="Courier New" panose="02070309020205020404" pitchFamily="49" charset="0"/>
+              </a:rPr>
+              <a:t>fuzzydict</a:t>
+            </a:r>
+            <a:r>
+              <a:rPr lang="nl-NL" sz="1600" dirty="0">
+                <a:latin typeface="Courier New" panose="02070309020205020404" pitchFamily="49" charset="0"/>
+                <a:cs typeface="Courier New" panose="02070309020205020404" pitchFamily="49" charset="0"/>
+              </a:rPr>
+              <a:t>["NAAM"]</a:t>
+            </a:r>
+            <a:r>
+              <a:rPr lang="nl-NL" sz="1600" dirty="0"/>
+              <a:t> is gelijk aan </a:t>
+            </a:r>
+            <a:r>
+              <a:rPr lang="nl-NL" sz="1600" dirty="0" err="1">
+                <a:latin typeface="Courier New" panose="02070309020205020404" pitchFamily="49" charset="0"/>
+                <a:cs typeface="Courier New" panose="02070309020205020404" pitchFamily="49" charset="0"/>
+              </a:rPr>
+              <a:t>fuzzydict</a:t>
+            </a:r>
+            <a:r>
+              <a:rPr lang="nl-NL" sz="1600" dirty="0">
+                <a:latin typeface="Courier New" panose="02070309020205020404" pitchFamily="49" charset="0"/>
+                <a:cs typeface="Courier New" panose="02070309020205020404" pitchFamily="49" charset="0"/>
+              </a:rPr>
+              <a:t>["naam"]</a:t>
+            </a:r>
+            <a:endParaRPr lang="nl-NL" sz="1600" dirty="0"/>
+          </a:p>
+          <a:p>
+            <a:pPr lvl="1"/>
+            <a:r>
+              <a:rPr lang="nl-NL" sz="1600" dirty="0" err="1">
+                <a:latin typeface="Courier New" panose="02070309020205020404" pitchFamily="49" charset="0"/>
+                <a:cs typeface="Courier New" panose="02070309020205020404" pitchFamily="49" charset="0"/>
+              </a:rPr>
+              <a:t>fuzzydict</a:t>
+            </a:r>
+            <a:r>
+              <a:rPr lang="nl-NL" sz="1600" dirty="0">
+                <a:latin typeface="Courier New" panose="02070309020205020404" pitchFamily="49" charset="0"/>
+                <a:cs typeface="Courier New" panose="02070309020205020404" pitchFamily="49" charset="0"/>
+              </a:rPr>
+              <a:t>["NAAM"] = "Henk"</a:t>
+            </a:r>
+            <a:r>
+              <a:rPr lang="nl-NL" sz="1600" dirty="0"/>
+              <a:t> is gelijk aan </a:t>
+            </a:r>
+            <a:r>
+              <a:rPr lang="nl-NL" sz="1600" dirty="0" err="1">
+                <a:latin typeface="Courier New" panose="02070309020205020404" pitchFamily="49" charset="0"/>
+                <a:cs typeface="Courier New" panose="02070309020205020404" pitchFamily="49" charset="0"/>
+              </a:rPr>
+              <a:t>fuzzydict</a:t>
+            </a:r>
+            <a:r>
+              <a:rPr lang="nl-NL" sz="1600" dirty="0">
+                <a:latin typeface="Courier New" panose="02070309020205020404" pitchFamily="49" charset="0"/>
+                <a:cs typeface="Courier New" panose="02070309020205020404" pitchFamily="49" charset="0"/>
+              </a:rPr>
+              <a:t>["naam"] = "Henk"</a:t>
+            </a:r>
+            <a:endParaRPr lang="nl-NL" sz="1200" dirty="0"/>
+          </a:p>
+          <a:p>
+            <a:pPr marL="457200" indent="-457200">
+              <a:buFont typeface="Arial" panose="020B0604020202020204" pitchFamily="34" charset="0"/>
+              <a:buAutoNum type="arabicPeriod"/>
+            </a:pPr>
+            <a:endParaRPr lang="nl-NL" sz="2000" dirty="0"/>
+          </a:p>
+          <a:p>
+            <a:pPr marL="457200" indent="-457200">
+              <a:buFont typeface="Arial" panose="020B0604020202020204" pitchFamily="34" charset="0"/>
+              <a:buAutoNum type="arabicPeriod"/>
+            </a:pPr>
+            <a:r>
+              <a:rPr lang="nl-NL" sz="2000" dirty="0"/>
+              <a:t>Gebruik </a:t>
+            </a:r>
+            <a:r>
+              <a:rPr lang="nl-NL" sz="2000" dirty="0">
+                <a:latin typeface="Courier New" panose="02070309020205020404" pitchFamily="49" charset="0"/>
+                <a:cs typeface="Courier New" panose="02070309020205020404" pitchFamily="49" charset="0"/>
+              </a:rPr>
+              <a:t>__</a:t>
+            </a:r>
+            <a:r>
+              <a:rPr lang="nl-NL" sz="2000" dirty="0" err="1">
+                <a:latin typeface="Courier New" panose="02070309020205020404" pitchFamily="49" charset="0"/>
+                <a:cs typeface="Courier New" panose="02070309020205020404" pitchFamily="49" charset="0"/>
+              </a:rPr>
+              <a:t>getitem</a:t>
+            </a:r>
+            <a:r>
+              <a:rPr lang="nl-NL" sz="2000" dirty="0">
+                <a:latin typeface="Courier New" panose="02070309020205020404" pitchFamily="49" charset="0"/>
+                <a:cs typeface="Courier New" panose="02070309020205020404" pitchFamily="49" charset="0"/>
+              </a:rPr>
+              <a:t>__</a:t>
+            </a:r>
+            <a:r>
+              <a:rPr lang="nl-NL" sz="2000" dirty="0"/>
+              <a:t> om sleutels op te halen.</a:t>
+            </a:r>
+          </a:p>
+          <a:p>
+            <a:pPr marL="457200" indent="-457200">
+              <a:buFont typeface="Arial" panose="020B0604020202020204" pitchFamily="34" charset="0"/>
+              <a:buAutoNum type="arabicPeriod"/>
+            </a:pPr>
+            <a:endParaRPr lang="nl-NL" sz="2000" dirty="0"/>
+          </a:p>
+          <a:p>
+            <a:pPr marL="457200" indent="-457200">
+              <a:buFont typeface="Arial" panose="020B0604020202020204" pitchFamily="34" charset="0"/>
+              <a:buAutoNum type="arabicPeriod"/>
+            </a:pPr>
+            <a:r>
+              <a:rPr lang="nl-NL" sz="2000" dirty="0"/>
+              <a:t>Gebruik </a:t>
+            </a:r>
+            <a:r>
+              <a:rPr lang="nl-NL" sz="2000" dirty="0">
+                <a:latin typeface="Courier New" panose="02070309020205020404" pitchFamily="49" charset="0"/>
+                <a:cs typeface="Courier New" panose="02070309020205020404" pitchFamily="49" charset="0"/>
+              </a:rPr>
+              <a:t>__</a:t>
+            </a:r>
+            <a:r>
+              <a:rPr lang="nl-NL" sz="2000" dirty="0" err="1">
+                <a:latin typeface="Courier New" panose="02070309020205020404" pitchFamily="49" charset="0"/>
+                <a:cs typeface="Courier New" panose="02070309020205020404" pitchFamily="49" charset="0"/>
+              </a:rPr>
+              <a:t>setitem</a:t>
+            </a:r>
+            <a:r>
+              <a:rPr lang="nl-NL" sz="2000" dirty="0">
+                <a:latin typeface="Courier New" panose="02070309020205020404" pitchFamily="49" charset="0"/>
+                <a:cs typeface="Courier New" panose="02070309020205020404" pitchFamily="49" charset="0"/>
+              </a:rPr>
+              <a:t>__</a:t>
+            </a:r>
+            <a:r>
+              <a:rPr lang="nl-NL" sz="2000" dirty="0"/>
+              <a:t> om waardes op te slaan.</a:t>
+            </a:r>
+          </a:p>
+          <a:p>
+            <a:pPr marL="457200" indent="-457200">
+              <a:buFont typeface="Arial" panose="020B0604020202020204" pitchFamily="34" charset="0"/>
+              <a:buAutoNum type="arabicPeriod"/>
+            </a:pPr>
+            <a:endParaRPr lang="nl-NL" sz="2000" dirty="0"/>
+          </a:p>
+          <a:p>
+            <a:pPr marL="457200" indent="-457200">
+              <a:buFont typeface="Arial" panose="020B0604020202020204" pitchFamily="34" charset="0"/>
+              <a:buAutoNum type="arabicPeriod"/>
+            </a:pPr>
+            <a:r>
+              <a:rPr lang="nl-NL" sz="2000" dirty="0"/>
+              <a:t>Optioneel: Implementeer </a:t>
+            </a:r>
+            <a:r>
+              <a:rPr lang="nl-NL" sz="2000" dirty="0">
+                <a:latin typeface="Courier New" panose="02070309020205020404" pitchFamily="49" charset="0"/>
+                <a:cs typeface="Courier New" panose="02070309020205020404" pitchFamily="49" charset="0"/>
+              </a:rPr>
+              <a:t>__</a:t>
+            </a:r>
+            <a:r>
+              <a:rPr lang="nl-NL" sz="2000" dirty="0" err="1">
+                <a:latin typeface="Courier New" panose="02070309020205020404" pitchFamily="49" charset="0"/>
+                <a:cs typeface="Courier New" panose="02070309020205020404" pitchFamily="49" charset="0"/>
+              </a:rPr>
+              <a:t>len</a:t>
+            </a:r>
+            <a:r>
+              <a:rPr lang="nl-NL" sz="2000" dirty="0">
+                <a:latin typeface="Courier New" panose="02070309020205020404" pitchFamily="49" charset="0"/>
+                <a:cs typeface="Courier New" panose="02070309020205020404" pitchFamily="49" charset="0"/>
+              </a:rPr>
+              <a:t>__</a:t>
+            </a:r>
+            <a:r>
+              <a:rPr lang="nl-NL" sz="2000" dirty="0"/>
+              <a:t>, </a:t>
+            </a:r>
+            <a:r>
+              <a:rPr lang="nl-NL" sz="2000" dirty="0">
+                <a:latin typeface="Courier New" panose="02070309020205020404" pitchFamily="49" charset="0"/>
+                <a:cs typeface="Courier New" panose="02070309020205020404" pitchFamily="49" charset="0"/>
+              </a:rPr>
+              <a:t>__</a:t>
+            </a:r>
+            <a:r>
+              <a:rPr lang="nl-NL" sz="2000" dirty="0" err="1">
+                <a:latin typeface="Courier New" panose="02070309020205020404" pitchFamily="49" charset="0"/>
+                <a:cs typeface="Courier New" panose="02070309020205020404" pitchFamily="49" charset="0"/>
+              </a:rPr>
+              <a:t>str</a:t>
+            </a:r>
+            <a:r>
+              <a:rPr lang="nl-NL" sz="2000" dirty="0">
+                <a:latin typeface="Courier New" panose="02070309020205020404" pitchFamily="49" charset="0"/>
+                <a:cs typeface="Courier New" panose="02070309020205020404" pitchFamily="49" charset="0"/>
+              </a:rPr>
+              <a:t>__</a:t>
+            </a:r>
+            <a:r>
+              <a:rPr lang="nl-NL" sz="2000" dirty="0"/>
+              <a:t> en </a:t>
+            </a:r>
+            <a:r>
+              <a:rPr lang="nl-NL" sz="2000" dirty="0">
+                <a:latin typeface="Courier New" panose="02070309020205020404" pitchFamily="49" charset="0"/>
+                <a:cs typeface="Courier New" panose="02070309020205020404" pitchFamily="49" charset="0"/>
+              </a:rPr>
+              <a:t>__</a:t>
+            </a:r>
+            <a:r>
+              <a:rPr lang="nl-NL" sz="2000" dirty="0" err="1">
+                <a:latin typeface="Courier New" panose="02070309020205020404" pitchFamily="49" charset="0"/>
+                <a:cs typeface="Courier New" panose="02070309020205020404" pitchFamily="49" charset="0"/>
+              </a:rPr>
+              <a:t>repr</a:t>
+            </a:r>
+            <a:r>
+              <a:rPr lang="nl-NL" sz="2000" dirty="0">
+                <a:latin typeface="Courier New" panose="02070309020205020404" pitchFamily="49" charset="0"/>
+                <a:cs typeface="Courier New" panose="02070309020205020404" pitchFamily="49" charset="0"/>
+              </a:rPr>
+              <a:t>__</a:t>
+            </a:r>
+            <a:r>
+              <a:rPr lang="nl-NL" sz="2000" dirty="0"/>
+              <a:t> methodes.</a:t>
+            </a:r>
+          </a:p>
+        </p:txBody>
+      </p:sp>
+    </p:spTree>
+    <p:extLst>
+      <p:ext uri="{BB962C8B-B14F-4D97-AF65-F5344CB8AC3E}">
+        <p14:creationId xmlns:p14="http://schemas.microsoft.com/office/powerpoint/2010/main" val="4287688984"/>
+      </p:ext>
+    </p:extLst>
+  </p:cSld>
+  <p:clrMapOvr>
+    <a:masterClrMapping/>
+  </p:clrMapOvr>
+</p:sld>
+</file>
+
+<file path=ppt/slides/slide48.xml><?xml version="1.0" encoding="utf-8"?>
+<p:sld xmlns:a="http://schemas.openxmlformats.org/drawingml/2006/main" xmlns:r="http://schemas.openxmlformats.org/officeDocument/2006/relationships" xmlns:p="http://schemas.openxmlformats.org/presentationml/2006/main">
+  <p:cSld>
+    <p:spTree>
+      <p:nvGrpSpPr>
+        <p:cNvPr id="1" name=""/>
+        <p:cNvGrpSpPr/>
+        <p:nvPr/>
+      </p:nvGrpSpPr>
+      <p:grpSpPr>
+        <a:xfrm>
+          <a:off x="0" y="0"/>
+          <a:ext cx="0" cy="0"/>
+          <a:chOff x="0" y="0"/>
+          <a:chExt cx="0" cy="0"/>
+        </a:xfrm>
+      </p:grpSpPr>
+      <p:sp>
+        <p:nvSpPr>
+          <p:cNvPr id="2" name="Title 1">
+            <a:extLst>
+              <a:ext uri="{FF2B5EF4-FFF2-40B4-BE49-F238E27FC236}">
+                <a16:creationId xmlns:a16="http://schemas.microsoft.com/office/drawing/2014/main" id="{39A1D606-8DD1-369C-5C09-471CDD551AD5}"/>
+              </a:ext>
+            </a:extLst>
+          </p:cNvPr>
+          <p:cNvSpPr>
+            <a:spLocks noGrp="1"/>
+          </p:cNvSpPr>
+          <p:nvPr>
+            <p:ph type="title"/>
+          </p:nvPr>
+        </p:nvSpPr>
+        <p:spPr>
+          <a:xfrm>
+            <a:off x="838200" y="365126"/>
+            <a:ext cx="10515600" cy="718608"/>
+          </a:xfrm>
+        </p:spPr>
+        <p:txBody>
+          <a:bodyPr>
+            <a:normAutofit/>
+          </a:bodyPr>
+          <a:lstStyle/>
+          <a:p>
+            <a:r>
               <a:rPr lang="nl-NL" sz="3600" noProof="0" dirty="0"/>
               <a:t>Statische en private methodes</a:t>
             </a:r>
@@ -22591,7 +23826,7 @@
 </p:sld>
 </file>
 
-<file path=ppt/slides/slide47.xml><?xml version="1.0" encoding="utf-8"?>
+<file path=ppt/slides/slide49.xml><?xml version="1.0" encoding="utf-8"?>
 <p:sld xmlns:a="http://schemas.openxmlformats.org/drawingml/2006/main" xmlns:r="http://schemas.openxmlformats.org/officeDocument/2006/relationships" xmlns:p="http://schemas.openxmlformats.org/presentationml/2006/main">
   <p:cSld>
     <p:spTree>
@@ -23341,7 +24576,427 @@
 </p:sld>
 </file>
 
-<file path=ppt/slides/slide48.xml><?xml version="1.0" encoding="utf-8"?>
+<file path=ppt/slides/slide5.xml><?xml version="1.0" encoding="utf-8"?>
+<p:sld xmlns:a="http://schemas.openxmlformats.org/drawingml/2006/main" xmlns:r="http://schemas.openxmlformats.org/officeDocument/2006/relationships" xmlns:p="http://schemas.openxmlformats.org/presentationml/2006/main">
+  <p:cSld>
+    <p:spTree>
+      <p:nvGrpSpPr>
+        <p:cNvPr id="1" name=""/>
+        <p:cNvGrpSpPr/>
+        <p:nvPr/>
+      </p:nvGrpSpPr>
+      <p:grpSpPr>
+        <a:xfrm>
+          <a:off x="0" y="0"/>
+          <a:ext cx="0" cy="0"/>
+          <a:chOff x="0" y="0"/>
+          <a:chExt cx="0" cy="0"/>
+        </a:xfrm>
+      </p:grpSpPr>
+      <p:sp>
+        <p:nvSpPr>
+          <p:cNvPr id="2" name="Title 1">
+            <a:extLst>
+              <a:ext uri="{FF2B5EF4-FFF2-40B4-BE49-F238E27FC236}">
+                <a16:creationId xmlns:a16="http://schemas.microsoft.com/office/drawing/2014/main" id="{39A1D606-8DD1-369C-5C09-471CDD551AD5}"/>
+              </a:ext>
+            </a:extLst>
+          </p:cNvPr>
+          <p:cNvSpPr>
+            <a:spLocks noGrp="1"/>
+          </p:cNvSpPr>
+          <p:nvPr>
+            <p:ph type="title"/>
+          </p:nvPr>
+        </p:nvSpPr>
+        <p:spPr>
+          <a:xfrm>
+            <a:off x="838200" y="365126"/>
+            <a:ext cx="10515600" cy="718608"/>
+          </a:xfrm>
+        </p:spPr>
+        <p:txBody>
+          <a:bodyPr>
+            <a:normAutofit/>
+          </a:bodyPr>
+          <a:lstStyle/>
+          <a:p>
+            <a:r>
+              <a:rPr lang="nl-NL" sz="3600" noProof="0" dirty="0"/>
+              <a:t>Hoe werkt Python?</a:t>
+            </a:r>
+          </a:p>
+        </p:txBody>
+      </p:sp>
+      <p:sp>
+        <p:nvSpPr>
+          <p:cNvPr id="8" name="Rectangle 7">
+            <a:extLst>
+              <a:ext uri="{FF2B5EF4-FFF2-40B4-BE49-F238E27FC236}">
+                <a16:creationId xmlns:a16="http://schemas.microsoft.com/office/drawing/2014/main" id="{8F8A90BB-468A-6D0A-002C-262602B18B4B}"/>
+              </a:ext>
+            </a:extLst>
+          </p:cNvPr>
+          <p:cNvSpPr/>
+          <p:nvPr/>
+        </p:nvSpPr>
+        <p:spPr>
+          <a:xfrm>
+            <a:off x="838200" y="1667934"/>
+            <a:ext cx="1667933" cy="982134"/>
+          </a:xfrm>
+          <a:prstGeom prst="rect">
+            <a:avLst/>
+          </a:prstGeom>
+        </p:spPr>
+        <p:style>
+          <a:lnRef idx="1">
+            <a:schemeClr val="accent4"/>
+          </a:lnRef>
+          <a:fillRef idx="2">
+            <a:schemeClr val="accent4"/>
+          </a:fillRef>
+          <a:effectRef idx="1">
+            <a:schemeClr val="accent4"/>
+          </a:effectRef>
+          <a:fontRef idx="minor">
+            <a:schemeClr val="dk1"/>
+          </a:fontRef>
+        </p:style>
+        <p:txBody>
+          <a:bodyPr rtlCol="0" anchor="ctr"/>
+          <a:lstStyle/>
+          <a:p>
+            <a:pPr algn="ctr"/>
+            <a:r>
+              <a:rPr lang="nl-NL" dirty="0"/>
+              <a:t>Python code</a:t>
+            </a:r>
+          </a:p>
+        </p:txBody>
+      </p:sp>
+      <p:sp>
+        <p:nvSpPr>
+          <p:cNvPr id="9" name="Rectangle 8">
+            <a:extLst>
+              <a:ext uri="{FF2B5EF4-FFF2-40B4-BE49-F238E27FC236}">
+                <a16:creationId xmlns:a16="http://schemas.microsoft.com/office/drawing/2014/main" id="{4F0F36A3-E63F-438C-664E-6CCFFF26537D}"/>
+              </a:ext>
+            </a:extLst>
+          </p:cNvPr>
+          <p:cNvSpPr/>
+          <p:nvPr/>
+        </p:nvSpPr>
+        <p:spPr>
+          <a:xfrm>
+            <a:off x="3787422" y="1667934"/>
+            <a:ext cx="1667933" cy="982134"/>
+          </a:xfrm>
+          <a:prstGeom prst="rect">
+            <a:avLst/>
+          </a:prstGeom>
+        </p:spPr>
+        <p:style>
+          <a:lnRef idx="1">
+            <a:schemeClr val="accent5"/>
+          </a:lnRef>
+          <a:fillRef idx="2">
+            <a:schemeClr val="accent5"/>
+          </a:fillRef>
+          <a:effectRef idx="1">
+            <a:schemeClr val="accent5"/>
+          </a:effectRef>
+          <a:fontRef idx="minor">
+            <a:schemeClr val="dk1"/>
+          </a:fontRef>
+        </p:style>
+        <p:txBody>
+          <a:bodyPr rtlCol="0" anchor="ctr"/>
+          <a:lstStyle/>
+          <a:p>
+            <a:pPr algn="ctr"/>
+            <a:r>
+              <a:rPr lang="nl-NL" dirty="0"/>
+              <a:t>Python interpreter</a:t>
+            </a:r>
+          </a:p>
+        </p:txBody>
+      </p:sp>
+      <p:sp>
+        <p:nvSpPr>
+          <p:cNvPr id="10" name="Rectangle 9">
+            <a:extLst>
+              <a:ext uri="{FF2B5EF4-FFF2-40B4-BE49-F238E27FC236}">
+                <a16:creationId xmlns:a16="http://schemas.microsoft.com/office/drawing/2014/main" id="{4176E6D8-DC0A-C2D6-09E4-B96454281B96}"/>
+              </a:ext>
+            </a:extLst>
+          </p:cNvPr>
+          <p:cNvSpPr/>
+          <p:nvPr/>
+        </p:nvSpPr>
+        <p:spPr>
+          <a:xfrm>
+            <a:off x="6736644" y="1667934"/>
+            <a:ext cx="1667933" cy="982134"/>
+          </a:xfrm>
+          <a:prstGeom prst="rect">
+            <a:avLst/>
+          </a:prstGeom>
+        </p:spPr>
+        <p:style>
+          <a:lnRef idx="1">
+            <a:schemeClr val="accent6"/>
+          </a:lnRef>
+          <a:fillRef idx="2">
+            <a:schemeClr val="accent6"/>
+          </a:fillRef>
+          <a:effectRef idx="1">
+            <a:schemeClr val="accent6"/>
+          </a:effectRef>
+          <a:fontRef idx="minor">
+            <a:schemeClr val="dk1"/>
+          </a:fontRef>
+        </p:style>
+        <p:txBody>
+          <a:bodyPr rtlCol="0" anchor="ctr"/>
+          <a:lstStyle/>
+          <a:p>
+            <a:pPr algn="ctr"/>
+            <a:r>
+              <a:rPr lang="nl-NL" dirty="0"/>
+              <a:t>C instructies / byte code</a:t>
+            </a:r>
+          </a:p>
+        </p:txBody>
+      </p:sp>
+      <p:sp>
+        <p:nvSpPr>
+          <p:cNvPr id="11" name="Rectangle 10">
+            <a:extLst>
+              <a:ext uri="{FF2B5EF4-FFF2-40B4-BE49-F238E27FC236}">
+                <a16:creationId xmlns:a16="http://schemas.microsoft.com/office/drawing/2014/main" id="{B0FD3C67-D8CC-C794-10C4-88ED519F20DB}"/>
+              </a:ext>
+            </a:extLst>
+          </p:cNvPr>
+          <p:cNvSpPr/>
+          <p:nvPr/>
+        </p:nvSpPr>
+        <p:spPr>
+          <a:xfrm>
+            <a:off x="9685867" y="1667934"/>
+            <a:ext cx="1667933" cy="982134"/>
+          </a:xfrm>
+          <a:prstGeom prst="rect">
+            <a:avLst/>
+          </a:prstGeom>
+        </p:spPr>
+        <p:style>
+          <a:lnRef idx="1">
+            <a:schemeClr val="accent5"/>
+          </a:lnRef>
+          <a:fillRef idx="2">
+            <a:schemeClr val="accent5"/>
+          </a:fillRef>
+          <a:effectRef idx="1">
+            <a:schemeClr val="accent5"/>
+          </a:effectRef>
+          <a:fontRef idx="minor">
+            <a:schemeClr val="dk1"/>
+          </a:fontRef>
+        </p:style>
+        <p:txBody>
+          <a:bodyPr rtlCol="0" anchor="ctr"/>
+          <a:lstStyle/>
+          <a:p>
+            <a:pPr algn="ctr"/>
+            <a:r>
+              <a:rPr lang="nl-NL" dirty="0"/>
+              <a:t>Operating System</a:t>
+            </a:r>
+          </a:p>
+        </p:txBody>
+      </p:sp>
+      <p:cxnSp>
+        <p:nvCxnSpPr>
+          <p:cNvPr id="13" name="Straight Arrow Connector 12">
+            <a:extLst>
+              <a:ext uri="{FF2B5EF4-FFF2-40B4-BE49-F238E27FC236}">
+                <a16:creationId xmlns:a16="http://schemas.microsoft.com/office/drawing/2014/main" id="{8265E0D1-D7B2-8FC7-CB34-5F6DF972F3AF}"/>
+              </a:ext>
+            </a:extLst>
+          </p:cNvPr>
+          <p:cNvCxnSpPr>
+            <a:stCxn id="8" idx="3"/>
+            <a:endCxn id="9" idx="1"/>
+          </p:cNvCxnSpPr>
+          <p:nvPr/>
+        </p:nvCxnSpPr>
+        <p:spPr>
+          <a:xfrm>
+            <a:off x="2506133" y="2159001"/>
+            <a:ext cx="1281289" cy="0"/>
+          </a:xfrm>
+          <a:prstGeom prst="straightConnector1">
+            <a:avLst/>
+          </a:prstGeom>
+          <a:ln>
+            <a:tailEnd type="triangle"/>
+          </a:ln>
+        </p:spPr>
+        <p:style>
+          <a:lnRef idx="3">
+            <a:schemeClr val="dk1"/>
+          </a:lnRef>
+          <a:fillRef idx="0">
+            <a:schemeClr val="dk1"/>
+          </a:fillRef>
+          <a:effectRef idx="2">
+            <a:schemeClr val="dk1"/>
+          </a:effectRef>
+          <a:fontRef idx="minor">
+            <a:schemeClr val="tx1"/>
+          </a:fontRef>
+        </p:style>
+      </p:cxnSp>
+      <p:cxnSp>
+        <p:nvCxnSpPr>
+          <p:cNvPr id="15" name="Straight Arrow Connector 14">
+            <a:extLst>
+              <a:ext uri="{FF2B5EF4-FFF2-40B4-BE49-F238E27FC236}">
+                <a16:creationId xmlns:a16="http://schemas.microsoft.com/office/drawing/2014/main" id="{8C3C5DD2-A631-1618-C932-ECFF2819726D}"/>
+              </a:ext>
+            </a:extLst>
+          </p:cNvPr>
+          <p:cNvCxnSpPr>
+            <a:stCxn id="9" idx="3"/>
+            <a:endCxn id="10" idx="1"/>
+          </p:cNvCxnSpPr>
+          <p:nvPr/>
+        </p:nvCxnSpPr>
+        <p:spPr>
+          <a:xfrm>
+            <a:off x="5455355" y="2159001"/>
+            <a:ext cx="1281289" cy="0"/>
+          </a:xfrm>
+          <a:prstGeom prst="straightConnector1">
+            <a:avLst/>
+          </a:prstGeom>
+          <a:ln>
+            <a:tailEnd type="triangle"/>
+          </a:ln>
+        </p:spPr>
+        <p:style>
+          <a:lnRef idx="3">
+            <a:schemeClr val="dk1"/>
+          </a:lnRef>
+          <a:fillRef idx="0">
+            <a:schemeClr val="dk1"/>
+          </a:fillRef>
+          <a:effectRef idx="2">
+            <a:schemeClr val="dk1"/>
+          </a:effectRef>
+          <a:fontRef idx="minor">
+            <a:schemeClr val="tx1"/>
+          </a:fontRef>
+        </p:style>
+      </p:cxnSp>
+      <p:cxnSp>
+        <p:nvCxnSpPr>
+          <p:cNvPr id="17" name="Straight Arrow Connector 16">
+            <a:extLst>
+              <a:ext uri="{FF2B5EF4-FFF2-40B4-BE49-F238E27FC236}">
+                <a16:creationId xmlns:a16="http://schemas.microsoft.com/office/drawing/2014/main" id="{D389E14B-226F-6202-8A59-1853118CADB2}"/>
+              </a:ext>
+            </a:extLst>
+          </p:cNvPr>
+          <p:cNvCxnSpPr>
+            <a:stCxn id="10" idx="3"/>
+            <a:endCxn id="11" idx="1"/>
+          </p:cNvCxnSpPr>
+          <p:nvPr/>
+        </p:nvCxnSpPr>
+        <p:spPr>
+          <a:xfrm>
+            <a:off x="8404577" y="2159001"/>
+            <a:ext cx="1281290" cy="0"/>
+          </a:xfrm>
+          <a:prstGeom prst="straightConnector1">
+            <a:avLst/>
+          </a:prstGeom>
+          <a:ln>
+            <a:tailEnd type="triangle"/>
+          </a:ln>
+        </p:spPr>
+        <p:style>
+          <a:lnRef idx="3">
+            <a:schemeClr val="dk1"/>
+          </a:lnRef>
+          <a:fillRef idx="0">
+            <a:schemeClr val="dk1"/>
+          </a:fillRef>
+          <a:effectRef idx="2">
+            <a:schemeClr val="dk1"/>
+          </a:effectRef>
+          <a:fontRef idx="minor">
+            <a:schemeClr val="tx1"/>
+          </a:fontRef>
+        </p:style>
+      </p:cxnSp>
+      <p:sp>
+        <p:nvSpPr>
+          <p:cNvPr id="20" name="Content Placeholder 2">
+            <a:extLst>
+              <a:ext uri="{FF2B5EF4-FFF2-40B4-BE49-F238E27FC236}">
+                <a16:creationId xmlns:a16="http://schemas.microsoft.com/office/drawing/2014/main" id="{A79043AF-CAAF-445D-CBBE-67C45DBAB764}"/>
+              </a:ext>
+            </a:extLst>
+          </p:cNvPr>
+          <p:cNvSpPr>
+            <a:spLocks noGrp="1"/>
+          </p:cNvSpPr>
+          <p:nvPr>
+            <p:ph idx="1"/>
+          </p:nvPr>
+        </p:nvSpPr>
+        <p:spPr>
+          <a:xfrm>
+            <a:off x="2650065" y="3974574"/>
+            <a:ext cx="6891867" cy="1215492"/>
+          </a:xfrm>
+        </p:spPr>
+        <p:txBody>
+          <a:bodyPr>
+            <a:normAutofit/>
+          </a:bodyPr>
+          <a:lstStyle/>
+          <a:p>
+            <a:r>
+              <a:rPr lang="nl-NL" sz="2000" noProof="0" dirty="0"/>
+              <a:t>Python code wordt geïnterpreteerd (i.t.t. gecompileerd).</a:t>
+            </a:r>
+          </a:p>
+          <a:p>
+            <a:r>
+              <a:rPr lang="nl-NL" sz="2000" noProof="0" dirty="0"/>
+              <a:t>Python interpreter is vereist om de code uit te kunnen voeren.</a:t>
+            </a:r>
+          </a:p>
+        </p:txBody>
+      </p:sp>
+    </p:spTree>
+    <p:extLst>
+      <p:ext uri="{BB962C8B-B14F-4D97-AF65-F5344CB8AC3E}">
+        <p14:creationId xmlns:p14="http://schemas.microsoft.com/office/powerpoint/2010/main" val="440605360"/>
+      </p:ext>
+    </p:extLst>
+  </p:cSld>
+  <p:clrMapOvr>
+    <a:masterClrMapping/>
+  </p:clrMapOvr>
+</p:sld>
+</file>
+
+<file path=ppt/slides/slide50.xml><?xml version="1.0" encoding="utf-8"?>
 <p:sld xmlns:a="http://schemas.openxmlformats.org/drawingml/2006/main" xmlns:r="http://schemas.openxmlformats.org/officeDocument/2006/relationships" xmlns:p="http://schemas.openxmlformats.org/presentationml/2006/main">
   <p:cSld>
     <p:spTree>
@@ -23943,7 +25598,7 @@
 </p:sld>
 </file>
 
-<file path=ppt/slides/slide49.xml><?xml version="1.0" encoding="utf-8"?>
+<file path=ppt/slides/slide51.xml><?xml version="1.0" encoding="utf-8"?>
 <p:sld xmlns:a="http://schemas.openxmlformats.org/drawingml/2006/main" xmlns:r="http://schemas.openxmlformats.org/officeDocument/2006/relationships" xmlns:p="http://schemas.openxmlformats.org/presentationml/2006/main">
   <p:cSld>
     <p:spTree>
@@ -24414,426 +26069,6 @@
     <p:extLst>
       <p:ext uri="{BB962C8B-B14F-4D97-AF65-F5344CB8AC3E}">
         <p14:creationId xmlns:p14="http://schemas.microsoft.com/office/powerpoint/2010/main" val="2784587510"/>
-      </p:ext>
-    </p:extLst>
-  </p:cSld>
-  <p:clrMapOvr>
-    <a:masterClrMapping/>
-  </p:clrMapOvr>
-</p:sld>
-</file>
-
-<file path=ppt/slides/slide5.xml><?xml version="1.0" encoding="utf-8"?>
-<p:sld xmlns:a="http://schemas.openxmlformats.org/drawingml/2006/main" xmlns:r="http://schemas.openxmlformats.org/officeDocument/2006/relationships" xmlns:p="http://schemas.openxmlformats.org/presentationml/2006/main">
-  <p:cSld>
-    <p:spTree>
-      <p:nvGrpSpPr>
-        <p:cNvPr id="1" name=""/>
-        <p:cNvGrpSpPr/>
-        <p:nvPr/>
-      </p:nvGrpSpPr>
-      <p:grpSpPr>
-        <a:xfrm>
-          <a:off x="0" y="0"/>
-          <a:ext cx="0" cy="0"/>
-          <a:chOff x="0" y="0"/>
-          <a:chExt cx="0" cy="0"/>
-        </a:xfrm>
-      </p:grpSpPr>
-      <p:sp>
-        <p:nvSpPr>
-          <p:cNvPr id="2" name="Title 1">
-            <a:extLst>
-              <a:ext uri="{FF2B5EF4-FFF2-40B4-BE49-F238E27FC236}">
-                <a16:creationId xmlns:a16="http://schemas.microsoft.com/office/drawing/2014/main" id="{39A1D606-8DD1-369C-5C09-471CDD551AD5}"/>
-              </a:ext>
-            </a:extLst>
-          </p:cNvPr>
-          <p:cNvSpPr>
-            <a:spLocks noGrp="1"/>
-          </p:cNvSpPr>
-          <p:nvPr>
-            <p:ph type="title"/>
-          </p:nvPr>
-        </p:nvSpPr>
-        <p:spPr>
-          <a:xfrm>
-            <a:off x="838200" y="365126"/>
-            <a:ext cx="10515600" cy="718608"/>
-          </a:xfrm>
-        </p:spPr>
-        <p:txBody>
-          <a:bodyPr>
-            <a:normAutofit/>
-          </a:bodyPr>
-          <a:lstStyle/>
-          <a:p>
-            <a:r>
-              <a:rPr lang="nl-NL" sz="3600" noProof="0" dirty="0"/>
-              <a:t>Hoe werkt Python?</a:t>
-            </a:r>
-          </a:p>
-        </p:txBody>
-      </p:sp>
-      <p:sp>
-        <p:nvSpPr>
-          <p:cNvPr id="8" name="Rectangle 7">
-            <a:extLst>
-              <a:ext uri="{FF2B5EF4-FFF2-40B4-BE49-F238E27FC236}">
-                <a16:creationId xmlns:a16="http://schemas.microsoft.com/office/drawing/2014/main" id="{8F8A90BB-468A-6D0A-002C-262602B18B4B}"/>
-              </a:ext>
-            </a:extLst>
-          </p:cNvPr>
-          <p:cNvSpPr/>
-          <p:nvPr/>
-        </p:nvSpPr>
-        <p:spPr>
-          <a:xfrm>
-            <a:off x="838200" y="1667934"/>
-            <a:ext cx="1667933" cy="982134"/>
-          </a:xfrm>
-          <a:prstGeom prst="rect">
-            <a:avLst/>
-          </a:prstGeom>
-        </p:spPr>
-        <p:style>
-          <a:lnRef idx="1">
-            <a:schemeClr val="accent4"/>
-          </a:lnRef>
-          <a:fillRef idx="2">
-            <a:schemeClr val="accent4"/>
-          </a:fillRef>
-          <a:effectRef idx="1">
-            <a:schemeClr val="accent4"/>
-          </a:effectRef>
-          <a:fontRef idx="minor">
-            <a:schemeClr val="dk1"/>
-          </a:fontRef>
-        </p:style>
-        <p:txBody>
-          <a:bodyPr rtlCol="0" anchor="ctr"/>
-          <a:lstStyle/>
-          <a:p>
-            <a:pPr algn="ctr"/>
-            <a:r>
-              <a:rPr lang="nl-NL" dirty="0"/>
-              <a:t>Python code</a:t>
-            </a:r>
-          </a:p>
-        </p:txBody>
-      </p:sp>
-      <p:sp>
-        <p:nvSpPr>
-          <p:cNvPr id="9" name="Rectangle 8">
-            <a:extLst>
-              <a:ext uri="{FF2B5EF4-FFF2-40B4-BE49-F238E27FC236}">
-                <a16:creationId xmlns:a16="http://schemas.microsoft.com/office/drawing/2014/main" id="{4F0F36A3-E63F-438C-664E-6CCFFF26537D}"/>
-              </a:ext>
-            </a:extLst>
-          </p:cNvPr>
-          <p:cNvSpPr/>
-          <p:nvPr/>
-        </p:nvSpPr>
-        <p:spPr>
-          <a:xfrm>
-            <a:off x="3787422" y="1667934"/>
-            <a:ext cx="1667933" cy="982134"/>
-          </a:xfrm>
-          <a:prstGeom prst="rect">
-            <a:avLst/>
-          </a:prstGeom>
-        </p:spPr>
-        <p:style>
-          <a:lnRef idx="1">
-            <a:schemeClr val="accent5"/>
-          </a:lnRef>
-          <a:fillRef idx="2">
-            <a:schemeClr val="accent5"/>
-          </a:fillRef>
-          <a:effectRef idx="1">
-            <a:schemeClr val="accent5"/>
-          </a:effectRef>
-          <a:fontRef idx="minor">
-            <a:schemeClr val="dk1"/>
-          </a:fontRef>
-        </p:style>
-        <p:txBody>
-          <a:bodyPr rtlCol="0" anchor="ctr"/>
-          <a:lstStyle/>
-          <a:p>
-            <a:pPr algn="ctr"/>
-            <a:r>
-              <a:rPr lang="nl-NL" dirty="0"/>
-              <a:t>Python interpreter</a:t>
-            </a:r>
-          </a:p>
-        </p:txBody>
-      </p:sp>
-      <p:sp>
-        <p:nvSpPr>
-          <p:cNvPr id="10" name="Rectangle 9">
-            <a:extLst>
-              <a:ext uri="{FF2B5EF4-FFF2-40B4-BE49-F238E27FC236}">
-                <a16:creationId xmlns:a16="http://schemas.microsoft.com/office/drawing/2014/main" id="{4176E6D8-DC0A-C2D6-09E4-B96454281B96}"/>
-              </a:ext>
-            </a:extLst>
-          </p:cNvPr>
-          <p:cNvSpPr/>
-          <p:nvPr/>
-        </p:nvSpPr>
-        <p:spPr>
-          <a:xfrm>
-            <a:off x="6736644" y="1667934"/>
-            <a:ext cx="1667933" cy="982134"/>
-          </a:xfrm>
-          <a:prstGeom prst="rect">
-            <a:avLst/>
-          </a:prstGeom>
-        </p:spPr>
-        <p:style>
-          <a:lnRef idx="1">
-            <a:schemeClr val="accent6"/>
-          </a:lnRef>
-          <a:fillRef idx="2">
-            <a:schemeClr val="accent6"/>
-          </a:fillRef>
-          <a:effectRef idx="1">
-            <a:schemeClr val="accent6"/>
-          </a:effectRef>
-          <a:fontRef idx="minor">
-            <a:schemeClr val="dk1"/>
-          </a:fontRef>
-        </p:style>
-        <p:txBody>
-          <a:bodyPr rtlCol="0" anchor="ctr"/>
-          <a:lstStyle/>
-          <a:p>
-            <a:pPr algn="ctr"/>
-            <a:r>
-              <a:rPr lang="nl-NL" dirty="0"/>
-              <a:t>C instructies / byte code</a:t>
-            </a:r>
-          </a:p>
-        </p:txBody>
-      </p:sp>
-      <p:sp>
-        <p:nvSpPr>
-          <p:cNvPr id="11" name="Rectangle 10">
-            <a:extLst>
-              <a:ext uri="{FF2B5EF4-FFF2-40B4-BE49-F238E27FC236}">
-                <a16:creationId xmlns:a16="http://schemas.microsoft.com/office/drawing/2014/main" id="{B0FD3C67-D8CC-C794-10C4-88ED519F20DB}"/>
-              </a:ext>
-            </a:extLst>
-          </p:cNvPr>
-          <p:cNvSpPr/>
-          <p:nvPr/>
-        </p:nvSpPr>
-        <p:spPr>
-          <a:xfrm>
-            <a:off x="9685867" y="1667934"/>
-            <a:ext cx="1667933" cy="982134"/>
-          </a:xfrm>
-          <a:prstGeom prst="rect">
-            <a:avLst/>
-          </a:prstGeom>
-        </p:spPr>
-        <p:style>
-          <a:lnRef idx="1">
-            <a:schemeClr val="accent5"/>
-          </a:lnRef>
-          <a:fillRef idx="2">
-            <a:schemeClr val="accent5"/>
-          </a:fillRef>
-          <a:effectRef idx="1">
-            <a:schemeClr val="accent5"/>
-          </a:effectRef>
-          <a:fontRef idx="minor">
-            <a:schemeClr val="dk1"/>
-          </a:fontRef>
-        </p:style>
-        <p:txBody>
-          <a:bodyPr rtlCol="0" anchor="ctr"/>
-          <a:lstStyle/>
-          <a:p>
-            <a:pPr algn="ctr"/>
-            <a:r>
-              <a:rPr lang="nl-NL" dirty="0"/>
-              <a:t>Operating System</a:t>
-            </a:r>
-          </a:p>
-        </p:txBody>
-      </p:sp>
-      <p:cxnSp>
-        <p:nvCxnSpPr>
-          <p:cNvPr id="13" name="Straight Arrow Connector 12">
-            <a:extLst>
-              <a:ext uri="{FF2B5EF4-FFF2-40B4-BE49-F238E27FC236}">
-                <a16:creationId xmlns:a16="http://schemas.microsoft.com/office/drawing/2014/main" id="{8265E0D1-D7B2-8FC7-CB34-5F6DF972F3AF}"/>
-              </a:ext>
-            </a:extLst>
-          </p:cNvPr>
-          <p:cNvCxnSpPr>
-            <a:stCxn id="8" idx="3"/>
-            <a:endCxn id="9" idx="1"/>
-          </p:cNvCxnSpPr>
-          <p:nvPr/>
-        </p:nvCxnSpPr>
-        <p:spPr>
-          <a:xfrm>
-            <a:off x="2506133" y="2159001"/>
-            <a:ext cx="1281289" cy="0"/>
-          </a:xfrm>
-          <a:prstGeom prst="straightConnector1">
-            <a:avLst/>
-          </a:prstGeom>
-          <a:ln>
-            <a:tailEnd type="triangle"/>
-          </a:ln>
-        </p:spPr>
-        <p:style>
-          <a:lnRef idx="3">
-            <a:schemeClr val="dk1"/>
-          </a:lnRef>
-          <a:fillRef idx="0">
-            <a:schemeClr val="dk1"/>
-          </a:fillRef>
-          <a:effectRef idx="2">
-            <a:schemeClr val="dk1"/>
-          </a:effectRef>
-          <a:fontRef idx="minor">
-            <a:schemeClr val="tx1"/>
-          </a:fontRef>
-        </p:style>
-      </p:cxnSp>
-      <p:cxnSp>
-        <p:nvCxnSpPr>
-          <p:cNvPr id="15" name="Straight Arrow Connector 14">
-            <a:extLst>
-              <a:ext uri="{FF2B5EF4-FFF2-40B4-BE49-F238E27FC236}">
-                <a16:creationId xmlns:a16="http://schemas.microsoft.com/office/drawing/2014/main" id="{8C3C5DD2-A631-1618-C932-ECFF2819726D}"/>
-              </a:ext>
-            </a:extLst>
-          </p:cNvPr>
-          <p:cNvCxnSpPr>
-            <a:stCxn id="9" idx="3"/>
-            <a:endCxn id="10" idx="1"/>
-          </p:cNvCxnSpPr>
-          <p:nvPr/>
-        </p:nvCxnSpPr>
-        <p:spPr>
-          <a:xfrm>
-            <a:off x="5455355" y="2159001"/>
-            <a:ext cx="1281289" cy="0"/>
-          </a:xfrm>
-          <a:prstGeom prst="straightConnector1">
-            <a:avLst/>
-          </a:prstGeom>
-          <a:ln>
-            <a:tailEnd type="triangle"/>
-          </a:ln>
-        </p:spPr>
-        <p:style>
-          <a:lnRef idx="3">
-            <a:schemeClr val="dk1"/>
-          </a:lnRef>
-          <a:fillRef idx="0">
-            <a:schemeClr val="dk1"/>
-          </a:fillRef>
-          <a:effectRef idx="2">
-            <a:schemeClr val="dk1"/>
-          </a:effectRef>
-          <a:fontRef idx="minor">
-            <a:schemeClr val="tx1"/>
-          </a:fontRef>
-        </p:style>
-      </p:cxnSp>
-      <p:cxnSp>
-        <p:nvCxnSpPr>
-          <p:cNvPr id="17" name="Straight Arrow Connector 16">
-            <a:extLst>
-              <a:ext uri="{FF2B5EF4-FFF2-40B4-BE49-F238E27FC236}">
-                <a16:creationId xmlns:a16="http://schemas.microsoft.com/office/drawing/2014/main" id="{D389E14B-226F-6202-8A59-1853118CADB2}"/>
-              </a:ext>
-            </a:extLst>
-          </p:cNvPr>
-          <p:cNvCxnSpPr>
-            <a:stCxn id="10" idx="3"/>
-            <a:endCxn id="11" idx="1"/>
-          </p:cNvCxnSpPr>
-          <p:nvPr/>
-        </p:nvCxnSpPr>
-        <p:spPr>
-          <a:xfrm>
-            <a:off x="8404577" y="2159001"/>
-            <a:ext cx="1281290" cy="0"/>
-          </a:xfrm>
-          <a:prstGeom prst="straightConnector1">
-            <a:avLst/>
-          </a:prstGeom>
-          <a:ln>
-            <a:tailEnd type="triangle"/>
-          </a:ln>
-        </p:spPr>
-        <p:style>
-          <a:lnRef idx="3">
-            <a:schemeClr val="dk1"/>
-          </a:lnRef>
-          <a:fillRef idx="0">
-            <a:schemeClr val="dk1"/>
-          </a:fillRef>
-          <a:effectRef idx="2">
-            <a:schemeClr val="dk1"/>
-          </a:effectRef>
-          <a:fontRef idx="minor">
-            <a:schemeClr val="tx1"/>
-          </a:fontRef>
-        </p:style>
-      </p:cxnSp>
-      <p:sp>
-        <p:nvSpPr>
-          <p:cNvPr id="20" name="Content Placeholder 2">
-            <a:extLst>
-              <a:ext uri="{FF2B5EF4-FFF2-40B4-BE49-F238E27FC236}">
-                <a16:creationId xmlns:a16="http://schemas.microsoft.com/office/drawing/2014/main" id="{A79043AF-CAAF-445D-CBBE-67C45DBAB764}"/>
-              </a:ext>
-            </a:extLst>
-          </p:cNvPr>
-          <p:cNvSpPr>
-            <a:spLocks noGrp="1"/>
-          </p:cNvSpPr>
-          <p:nvPr>
-            <p:ph idx="1"/>
-          </p:nvPr>
-        </p:nvSpPr>
-        <p:spPr>
-          <a:xfrm>
-            <a:off x="2650065" y="3974574"/>
-            <a:ext cx="6891867" cy="1215492"/>
-          </a:xfrm>
-        </p:spPr>
-        <p:txBody>
-          <a:bodyPr>
-            <a:normAutofit/>
-          </a:bodyPr>
-          <a:lstStyle/>
-          <a:p>
-            <a:r>
-              <a:rPr lang="nl-NL" sz="2000" noProof="0" dirty="0"/>
-              <a:t>Python code wordt geïnterpreteerd (i.t.t. gecompileerd).</a:t>
-            </a:r>
-          </a:p>
-          <a:p>
-            <a:r>
-              <a:rPr lang="nl-NL" sz="2000" noProof="0" dirty="0"/>
-              <a:t>Python interpreter is vereist om de code uit te kunnen voeren.</a:t>
-            </a:r>
-          </a:p>
-        </p:txBody>
-      </p:sp>
-    </p:spTree>
-    <p:extLst>
-      <p:ext uri="{BB962C8B-B14F-4D97-AF65-F5344CB8AC3E}">
-        <p14:creationId xmlns:p14="http://schemas.microsoft.com/office/powerpoint/2010/main" val="440605360"/>
       </p:ext>
     </p:extLst>
   </p:cSld>

--- a/python_trainees/1_basics_classes/python_traineeship_1.pptx
+++ b/python_trainees/1_basics_classes/python_traineeship_1.pptx
@@ -11296,7 +11296,21 @@
                 <a:latin typeface="Courier New" panose="02070309020205020404" pitchFamily="49" charset="0"/>
                 <a:cs typeface="Courier New" panose="02070309020205020404" pitchFamily="49" charset="0"/>
               </a:rPr>
-              <a:t>"Henk,44".split(",")</a:t>
+              <a:t>"</a:t>
+            </a:r>
+            <a:r>
+              <a:rPr lang="nl-NL" sz="2000" noProof="0" dirty="0" err="1">
+                <a:latin typeface="Courier New" panose="02070309020205020404" pitchFamily="49" charset="0"/>
+                <a:cs typeface="Courier New" panose="02070309020205020404" pitchFamily="49" charset="0"/>
+              </a:rPr>
+              <a:t>John,Jane".split</a:t>
+            </a:r>
+            <a:r>
+              <a:rPr lang="nl-NL" sz="2000" noProof="0" dirty="0">
+                <a:latin typeface="Courier New" panose="02070309020205020404" pitchFamily="49" charset="0"/>
+                <a:cs typeface="Courier New" panose="02070309020205020404" pitchFamily="49" charset="0"/>
+              </a:rPr>
+              <a:t>(",")</a:t>
             </a:r>
           </a:p>
           <a:p>
@@ -11337,7 +11351,7 @@
                 <a:latin typeface="Courier New" panose="02070309020205020404" pitchFamily="49" charset="0"/>
                 <a:cs typeface="Courier New" panose="02070309020205020404" pitchFamily="49" charset="0"/>
               </a:rPr>
-              <a:t>(["Henk", "44"])</a:t>
+              <a:t>(["John", "Jane"])</a:t>
             </a:r>
           </a:p>
           <a:p>
@@ -11771,21 +11785,21 @@
                 <a:latin typeface="Courier New" panose="02070309020205020404" pitchFamily="49" charset="0"/>
                 <a:cs typeface="Courier New" panose="02070309020205020404" pitchFamily="49" charset="0"/>
               </a:rPr>
-              <a:t>{"name": "Jan", "</a:t>
+              <a:t>{"name": "John", "</a:t>
             </a:r>
             <a:r>
               <a:rPr lang="nl-NL" sz="2000" noProof="0" dirty="0" err="1">
                 <a:latin typeface="Courier New" panose="02070309020205020404" pitchFamily="49" charset="0"/>
                 <a:cs typeface="Courier New" panose="02070309020205020404" pitchFamily="49" charset="0"/>
               </a:rPr>
-              <a:t>last_name</a:t>
+              <a:t>lastname</a:t>
             </a:r>
             <a:r>
               <a:rPr lang="nl-NL" sz="2000" noProof="0" dirty="0">
                 <a:latin typeface="Courier New" panose="02070309020205020404" pitchFamily="49" charset="0"/>
                 <a:cs typeface="Courier New" panose="02070309020205020404" pitchFamily="49" charset="0"/>
               </a:rPr>
-              <a:t>": "Jansen", "score": 7.6245}</a:t>
+              <a:t>": "Doe", "score": 7.6245}</a:t>
             </a:r>
           </a:p>
           <a:p>
@@ -21044,7 +21058,7 @@
               <a:buNone/>
             </a:pPr>
             <a:r>
-              <a:rPr lang="nl-NL" sz="1600" b="1" dirty="0">
+              <a:rPr lang="nl-NL" sz="1400" b="1" dirty="0">
                 <a:latin typeface="Courier New" panose="02070309020205020404" pitchFamily="49" charset="0"/>
                 <a:cs typeface="Courier New" panose="02070309020205020404" pitchFamily="49" charset="0"/>
               </a:rPr>
@@ -21056,7 +21070,7 @@
               <a:buFont typeface="Arial" panose="020B0604020202020204" pitchFamily="34" charset="0"/>
               <a:buNone/>
             </a:pPr>
-            <a:endParaRPr lang="nl-NL" sz="1600" dirty="0">
+            <a:endParaRPr lang="nl-NL" sz="1400" dirty="0">
               <a:latin typeface="Courier New" panose="02070309020205020404" pitchFamily="49" charset="0"/>
               <a:cs typeface="Courier New" panose="02070309020205020404" pitchFamily="49" charset="0"/>
             </a:endParaRPr>
@@ -21067,32 +21081,46 @@
               <a:buNone/>
             </a:pPr>
             <a:r>
-              <a:rPr lang="nl-NL" sz="1600" dirty="0">
-                <a:latin typeface="Courier New" panose="02070309020205020404" pitchFamily="49" charset="0"/>
-                <a:cs typeface="Courier New" panose="02070309020205020404" pitchFamily="49" charset="0"/>
-              </a:rPr>
-              <a:t>  voor = "Jan"</a:t>
-            </a:r>
-          </a:p>
-          <a:p>
-            <a:pPr marL="0" indent="0">
-              <a:buFont typeface="Arial" panose="020B0604020202020204" pitchFamily="34" charset="0"/>
-              <a:buNone/>
-            </a:pPr>
-            <a:r>
-              <a:rPr lang="nl-NL" sz="1600" dirty="0">
-                <a:latin typeface="Courier New" panose="02070309020205020404" pitchFamily="49" charset="0"/>
-                <a:cs typeface="Courier New" panose="02070309020205020404" pitchFamily="49" charset="0"/>
-              </a:rPr>
-              <a:t>  achter = "Jansen"</a:t>
-            </a:r>
-          </a:p>
-          <a:p>
-            <a:pPr marL="0" indent="0">
-              <a:buFont typeface="Arial" panose="020B0604020202020204" pitchFamily="34" charset="0"/>
-              <a:buNone/>
-            </a:pPr>
-            <a:endParaRPr lang="nl-NL" sz="1600" b="1" dirty="0">
+              <a:rPr lang="nl-NL" sz="1400" dirty="0">
+                <a:latin typeface="Courier New" panose="02070309020205020404" pitchFamily="49" charset="0"/>
+                <a:cs typeface="Courier New" panose="02070309020205020404" pitchFamily="49" charset="0"/>
+              </a:rPr>
+              <a:t>  name = "John"</a:t>
+            </a:r>
+          </a:p>
+          <a:p>
+            <a:pPr marL="0" indent="0">
+              <a:buFont typeface="Arial" panose="020B0604020202020204" pitchFamily="34" charset="0"/>
+              <a:buNone/>
+            </a:pPr>
+            <a:r>
+              <a:rPr lang="nl-NL" sz="1400" dirty="0">
+                <a:latin typeface="Courier New" panose="02070309020205020404" pitchFamily="49" charset="0"/>
+                <a:cs typeface="Courier New" panose="02070309020205020404" pitchFamily="49" charset="0"/>
+              </a:rPr>
+              <a:t>  </a:t>
+            </a:r>
+            <a:r>
+              <a:rPr lang="nl-NL" sz="1400" dirty="0" err="1">
+                <a:latin typeface="Courier New" panose="02070309020205020404" pitchFamily="49" charset="0"/>
+                <a:cs typeface="Courier New" panose="02070309020205020404" pitchFamily="49" charset="0"/>
+              </a:rPr>
+              <a:t>lastname</a:t>
+            </a:r>
+            <a:r>
+              <a:rPr lang="nl-NL" sz="1400" dirty="0">
+                <a:latin typeface="Courier New" panose="02070309020205020404" pitchFamily="49" charset="0"/>
+                <a:cs typeface="Courier New" panose="02070309020205020404" pitchFamily="49" charset="0"/>
+              </a:rPr>
+              <a:t> = "Doe"</a:t>
+            </a:r>
+          </a:p>
+          <a:p>
+            <a:pPr marL="0" indent="0">
+              <a:buFont typeface="Arial" panose="020B0604020202020204" pitchFamily="34" charset="0"/>
+              <a:buNone/>
+            </a:pPr>
+            <a:endParaRPr lang="nl-NL" sz="1400" b="1" dirty="0">
               <a:latin typeface="Courier New" panose="02070309020205020404" pitchFamily="49" charset="0"/>
               <a:cs typeface="Courier New" panose="02070309020205020404" pitchFamily="49" charset="0"/>
             </a:endParaRPr>
@@ -21103,49 +21131,49 @@
               <a:buNone/>
             </a:pPr>
             <a:r>
-              <a:rPr lang="nl-NL" sz="1600" b="1" dirty="0">
+              <a:rPr lang="nl-NL" sz="1400" b="1" dirty="0">
                 <a:latin typeface="Courier New" panose="02070309020205020404" pitchFamily="49" charset="0"/>
                 <a:cs typeface="Courier New" panose="02070309020205020404" pitchFamily="49" charset="0"/>
               </a:rPr>
               <a:t>  </a:t>
             </a:r>
             <a:r>
-              <a:rPr lang="nl-NL" sz="1600" b="1" dirty="0" err="1">
+              <a:rPr lang="nl-NL" sz="1400" b="1" dirty="0" err="1">
                 <a:latin typeface="Courier New" panose="02070309020205020404" pitchFamily="49" charset="0"/>
                 <a:cs typeface="Courier New" panose="02070309020205020404" pitchFamily="49" charset="0"/>
               </a:rPr>
               <a:t>def</a:t>
             </a:r>
             <a:r>
-              <a:rPr lang="nl-NL" sz="1600" b="1" dirty="0">
+              <a:rPr lang="nl-NL" sz="1400" b="1" dirty="0">
                 <a:latin typeface="Courier New" panose="02070309020205020404" pitchFamily="49" charset="0"/>
                 <a:cs typeface="Courier New" panose="02070309020205020404" pitchFamily="49" charset="0"/>
               </a:rPr>
               <a:t> </a:t>
             </a:r>
             <a:r>
-              <a:rPr lang="nl-NL" sz="1600" b="1" dirty="0" err="1">
-                <a:latin typeface="Courier New" panose="02070309020205020404" pitchFamily="49" charset="0"/>
-                <a:cs typeface="Courier New" panose="02070309020205020404" pitchFamily="49" charset="0"/>
-              </a:rPr>
-              <a:t>volledige_naam</a:t>
-            </a:r>
-            <a:r>
-              <a:rPr lang="nl-NL" sz="1600" b="1" dirty="0">
+              <a:rPr lang="nl-NL" sz="1400" b="1" dirty="0" err="1">
+                <a:latin typeface="Courier New" panose="02070309020205020404" pitchFamily="49" charset="0"/>
+                <a:cs typeface="Courier New" panose="02070309020205020404" pitchFamily="49" charset="0"/>
+              </a:rPr>
+              <a:t>full_naam</a:t>
+            </a:r>
+            <a:r>
+              <a:rPr lang="nl-NL" sz="1400" b="1" dirty="0">
                 <a:latin typeface="Courier New" panose="02070309020205020404" pitchFamily="49" charset="0"/>
                 <a:cs typeface="Courier New" panose="02070309020205020404" pitchFamily="49" charset="0"/>
               </a:rPr>
               <a:t>(</a:t>
             </a:r>
             <a:r>
-              <a:rPr lang="nl-NL" sz="1600" b="1" dirty="0" err="1">
+              <a:rPr lang="nl-NL" sz="1400" b="1" dirty="0" err="1">
                 <a:latin typeface="Courier New" panose="02070309020205020404" pitchFamily="49" charset="0"/>
                 <a:cs typeface="Courier New" panose="02070309020205020404" pitchFamily="49" charset="0"/>
               </a:rPr>
               <a:t>self</a:t>
             </a:r>
             <a:r>
-              <a:rPr lang="nl-NL" sz="1600" b="1" dirty="0">
+              <a:rPr lang="nl-NL" sz="1400" b="1" dirty="0">
                 <a:latin typeface="Courier New" panose="02070309020205020404" pitchFamily="49" charset="0"/>
                 <a:cs typeface="Courier New" panose="02070309020205020404" pitchFamily="49" charset="0"/>
               </a:rPr>
@@ -21158,35 +21186,35 @@
               <a:buNone/>
             </a:pPr>
             <a:r>
-              <a:rPr lang="nl-NL" sz="1600" dirty="0">
+              <a:rPr lang="nl-NL" sz="1400" dirty="0">
                 <a:latin typeface="Courier New" panose="02070309020205020404" pitchFamily="49" charset="0"/>
                 <a:cs typeface="Courier New" panose="02070309020205020404" pitchFamily="49" charset="0"/>
               </a:rPr>
               <a:t>    return f"{</a:t>
             </a:r>
             <a:r>
-              <a:rPr lang="nl-NL" sz="1600" b="1" dirty="0" err="1">
-                <a:latin typeface="Courier New" panose="02070309020205020404" pitchFamily="49" charset="0"/>
-                <a:cs typeface="Courier New" panose="02070309020205020404" pitchFamily="49" charset="0"/>
-              </a:rPr>
-              <a:t>self.voor</a:t>
-            </a:r>
-            <a:r>
-              <a:rPr lang="nl-NL" sz="1600" dirty="0">
+              <a:rPr lang="nl-NL" sz="1400" b="1" dirty="0">
+                <a:latin typeface="Courier New" panose="02070309020205020404" pitchFamily="49" charset="0"/>
+                <a:cs typeface="Courier New" panose="02070309020205020404" pitchFamily="49" charset="0"/>
+              </a:rPr>
+              <a:t>self.name</a:t>
+            </a:r>
+            <a:r>
+              <a:rPr lang="nl-NL" sz="1400" dirty="0">
                 <a:latin typeface="Courier New" panose="02070309020205020404" pitchFamily="49" charset="0"/>
                 <a:cs typeface="Courier New" panose="02070309020205020404" pitchFamily="49" charset="0"/>
               </a:rPr>
               <a:t>} {</a:t>
             </a:r>
             <a:r>
-              <a:rPr lang="nl-NL" sz="1600" b="1" dirty="0" err="1">
-                <a:latin typeface="Courier New" panose="02070309020205020404" pitchFamily="49" charset="0"/>
-                <a:cs typeface="Courier New" panose="02070309020205020404" pitchFamily="49" charset="0"/>
-              </a:rPr>
-              <a:t>self.achter</a:t>
-            </a:r>
-            <a:r>
-              <a:rPr lang="nl-NL" sz="1600" dirty="0">
+              <a:rPr lang="nl-NL" sz="1400" b="1" dirty="0" err="1">
+                <a:latin typeface="Courier New" panose="02070309020205020404" pitchFamily="49" charset="0"/>
+                <a:cs typeface="Courier New" panose="02070309020205020404" pitchFamily="49" charset="0"/>
+              </a:rPr>
+              <a:t>self.lastname</a:t>
+            </a:r>
+            <a:r>
+              <a:rPr lang="nl-NL" sz="1400" dirty="0">
                 <a:latin typeface="Courier New" panose="02070309020205020404" pitchFamily="49" charset="0"/>
                 <a:cs typeface="Courier New" panose="02070309020205020404" pitchFamily="49" charset="0"/>
               </a:rPr>
@@ -21198,7 +21226,7 @@
               <a:buFont typeface="Arial" panose="020B0604020202020204" pitchFamily="34" charset="0"/>
               <a:buNone/>
             </a:pPr>
-            <a:endParaRPr lang="nl-NL" sz="1600" b="1" dirty="0">
+            <a:endParaRPr lang="nl-NL" sz="1400" b="1" dirty="0">
               <a:latin typeface="Courier New" panose="02070309020205020404" pitchFamily="49" charset="0"/>
               <a:cs typeface="Courier New" panose="02070309020205020404" pitchFamily="49" charset="0"/>
             </a:endParaRPr>
@@ -21209,35 +21237,49 @@
               <a:buNone/>
             </a:pPr>
             <a:r>
-              <a:rPr lang="nl-NL" sz="1600" b="1" dirty="0">
+              <a:rPr lang="nl-NL" sz="1400" b="1" dirty="0">
                 <a:latin typeface="Courier New" panose="02070309020205020404" pitchFamily="49" charset="0"/>
                 <a:cs typeface="Courier New" panose="02070309020205020404" pitchFamily="49" charset="0"/>
               </a:rPr>
               <a:t>  </a:t>
             </a:r>
             <a:r>
-              <a:rPr lang="nl-NL" sz="1600" b="1" dirty="0" err="1">
+              <a:rPr lang="nl-NL" sz="1400" b="1" dirty="0" err="1">
                 <a:latin typeface="Courier New" panose="02070309020205020404" pitchFamily="49" charset="0"/>
                 <a:cs typeface="Courier New" panose="02070309020205020404" pitchFamily="49" charset="0"/>
               </a:rPr>
               <a:t>def</a:t>
             </a:r>
             <a:r>
-              <a:rPr lang="nl-NL" sz="1600" b="1" dirty="0">
-                <a:latin typeface="Courier New" panose="02070309020205020404" pitchFamily="49" charset="0"/>
-                <a:cs typeface="Courier New" panose="02070309020205020404" pitchFamily="49" charset="0"/>
-              </a:rPr>
-              <a:t> groet(</a:t>
-            </a:r>
-            <a:r>
-              <a:rPr lang="nl-NL" sz="1600" b="1" dirty="0" err="1">
+              <a:rPr lang="nl-NL" sz="1400" b="1" dirty="0">
+                <a:latin typeface="Courier New" panose="02070309020205020404" pitchFamily="49" charset="0"/>
+                <a:cs typeface="Courier New" panose="02070309020205020404" pitchFamily="49" charset="0"/>
+              </a:rPr>
+              <a:t> </a:t>
+            </a:r>
+            <a:r>
+              <a:rPr lang="nl-NL" sz="1400" b="1" dirty="0" err="1">
+                <a:latin typeface="Courier New" panose="02070309020205020404" pitchFamily="49" charset="0"/>
+                <a:cs typeface="Courier New" panose="02070309020205020404" pitchFamily="49" charset="0"/>
+              </a:rPr>
+              <a:t>greeting</a:t>
+            </a:r>
+            <a:r>
+              <a:rPr lang="nl-NL" sz="1400" b="1" dirty="0">
+                <a:latin typeface="Courier New" panose="02070309020205020404" pitchFamily="49" charset="0"/>
+                <a:cs typeface="Courier New" panose="02070309020205020404" pitchFamily="49" charset="0"/>
+              </a:rPr>
+              <a:t>(</a:t>
+            </a:r>
+            <a:r>
+              <a:rPr lang="nl-NL" sz="1400" b="1" dirty="0" err="1">
                 <a:latin typeface="Courier New" panose="02070309020205020404" pitchFamily="49" charset="0"/>
                 <a:cs typeface="Courier New" panose="02070309020205020404" pitchFamily="49" charset="0"/>
               </a:rPr>
               <a:t>self</a:t>
             </a:r>
             <a:r>
-              <a:rPr lang="nl-NL" sz="1600" b="1" dirty="0">
+              <a:rPr lang="nl-NL" sz="1400" b="1" dirty="0">
                 <a:latin typeface="Courier New" panose="02070309020205020404" pitchFamily="49" charset="0"/>
                 <a:cs typeface="Courier New" panose="02070309020205020404" pitchFamily="49" charset="0"/>
               </a:rPr>
@@ -21250,35 +21292,35 @@
               <a:buNone/>
             </a:pPr>
             <a:r>
-              <a:rPr lang="nl-NL" sz="1600" dirty="0">
+              <a:rPr lang="nl-NL" sz="1400" dirty="0">
                 <a:latin typeface="Courier New" panose="02070309020205020404" pitchFamily="49" charset="0"/>
                 <a:cs typeface="Courier New" panose="02070309020205020404" pitchFamily="49" charset="0"/>
               </a:rPr>
               <a:t>    return </a:t>
             </a:r>
             <a:r>
-              <a:rPr lang="nl-NL" sz="1600" dirty="0" err="1">
-                <a:latin typeface="Courier New" panose="02070309020205020404" pitchFamily="49" charset="0"/>
-                <a:cs typeface="Courier New" panose="02070309020205020404" pitchFamily="49" charset="0"/>
-              </a:rPr>
-              <a:t>f"Hallo</a:t>
-            </a:r>
-            <a:r>
-              <a:rPr lang="nl-NL" sz="1600" dirty="0">
+              <a:rPr lang="nl-NL" sz="1400" dirty="0" err="1">
+                <a:latin typeface="Courier New" panose="02070309020205020404" pitchFamily="49" charset="0"/>
+                <a:cs typeface="Courier New" panose="02070309020205020404" pitchFamily="49" charset="0"/>
+              </a:rPr>
+              <a:t>f"Hello</a:t>
+            </a:r>
+            <a:r>
+              <a:rPr lang="nl-NL" sz="1400" dirty="0">
                 <a:latin typeface="Courier New" panose="02070309020205020404" pitchFamily="49" charset="0"/>
                 <a:cs typeface="Courier New" panose="02070309020205020404" pitchFamily="49" charset="0"/>
               </a:rPr>
               <a:t> {</a:t>
             </a:r>
             <a:r>
-              <a:rPr lang="nl-NL" sz="1600" b="1" dirty="0" err="1">
-                <a:latin typeface="Courier New" panose="02070309020205020404" pitchFamily="49" charset="0"/>
-                <a:cs typeface="Courier New" panose="02070309020205020404" pitchFamily="49" charset="0"/>
-              </a:rPr>
-              <a:t>self.voor</a:t>
-            </a:r>
-            <a:r>
-              <a:rPr lang="nl-NL" sz="1600" dirty="0">
+              <a:rPr lang="nl-NL" sz="1400" b="1" dirty="0">
+                <a:latin typeface="Courier New" panose="02070309020205020404" pitchFamily="49" charset="0"/>
+                <a:cs typeface="Courier New" panose="02070309020205020404" pitchFamily="49" charset="0"/>
+              </a:rPr>
+              <a:t>self.name</a:t>
+            </a:r>
+            <a:r>
+              <a:rPr lang="nl-NL" sz="1400" dirty="0">
                 <a:latin typeface="Courier New" panose="02070309020205020404" pitchFamily="49" charset="0"/>
                 <a:cs typeface="Courier New" panose="02070309020205020404" pitchFamily="49" charset="0"/>
               </a:rPr>
@@ -21701,19 +21743,19 @@
               <a:buNone/>
             </a:pPr>
             <a:r>
-              <a:rPr lang="nl-NL" sz="1600" b="1" dirty="0">
-                <a:latin typeface="Courier New" panose="02070309020205020404" pitchFamily="49" charset="0"/>
-                <a:cs typeface="Courier New" panose="02070309020205020404" pitchFamily="49" charset="0"/>
-              </a:rPr>
-              <a:t>class Persoon:</a:t>
-            </a:r>
-          </a:p>
-          <a:p>
-            <a:pPr marL="0" indent="0">
-              <a:buFont typeface="Arial" panose="020B0604020202020204" pitchFamily="34" charset="0"/>
-              <a:buNone/>
-            </a:pPr>
-            <a:endParaRPr lang="nl-NL" sz="1600" dirty="0">
+              <a:rPr lang="nl-NL" sz="1400" b="1" dirty="0">
+                <a:latin typeface="Courier New" panose="02070309020205020404" pitchFamily="49" charset="0"/>
+                <a:cs typeface="Courier New" panose="02070309020205020404" pitchFamily="49" charset="0"/>
+              </a:rPr>
+              <a:t>class Person:</a:t>
+            </a:r>
+          </a:p>
+          <a:p>
+            <a:pPr marL="0" indent="0">
+              <a:buFont typeface="Arial" panose="020B0604020202020204" pitchFamily="34" charset="0"/>
+              <a:buNone/>
+            </a:pPr>
+            <a:endParaRPr lang="nl-NL" sz="1400" dirty="0">
               <a:latin typeface="Courier New" panose="02070309020205020404" pitchFamily="49" charset="0"/>
               <a:cs typeface="Courier New" panose="02070309020205020404" pitchFamily="49" charset="0"/>
             </a:endParaRPr>
@@ -21724,115 +21766,115 @@
               <a:buNone/>
             </a:pPr>
             <a:r>
-              <a:rPr lang="nl-NL" sz="1600" dirty="0">
+              <a:rPr lang="nl-NL" sz="1400" dirty="0">
                 <a:latin typeface="Courier New" panose="02070309020205020404" pitchFamily="49" charset="0"/>
                 <a:cs typeface="Courier New" panose="02070309020205020404" pitchFamily="49" charset="0"/>
               </a:rPr>
               <a:t>  </a:t>
             </a:r>
             <a:r>
-              <a:rPr lang="nl-NL" sz="1600" b="1" dirty="0" err="1">
+              <a:rPr lang="nl-NL" sz="1400" b="1" dirty="0" err="1">
                 <a:latin typeface="Courier New" panose="02070309020205020404" pitchFamily="49" charset="0"/>
                 <a:cs typeface="Courier New" panose="02070309020205020404" pitchFamily="49" charset="0"/>
               </a:rPr>
               <a:t>def</a:t>
             </a:r>
             <a:r>
-              <a:rPr lang="nl-NL" sz="1600" b="1" dirty="0">
+              <a:rPr lang="nl-NL" sz="1400" b="1" dirty="0">
                 <a:latin typeface="Courier New" panose="02070309020205020404" pitchFamily="49" charset="0"/>
                 <a:cs typeface="Courier New" panose="02070309020205020404" pitchFamily="49" charset="0"/>
               </a:rPr>
               <a:t> __</a:t>
             </a:r>
             <a:r>
-              <a:rPr lang="nl-NL" sz="1600" b="1" dirty="0" err="1">
+              <a:rPr lang="nl-NL" sz="1400" b="1" dirty="0" err="1">
                 <a:latin typeface="Courier New" panose="02070309020205020404" pitchFamily="49" charset="0"/>
                 <a:cs typeface="Courier New" panose="02070309020205020404" pitchFamily="49" charset="0"/>
               </a:rPr>
               <a:t>init</a:t>
             </a:r>
             <a:r>
-              <a:rPr lang="nl-NL" sz="1600" b="1" dirty="0">
+              <a:rPr lang="nl-NL" sz="1400" b="1" dirty="0">
                 <a:latin typeface="Courier New" panose="02070309020205020404" pitchFamily="49" charset="0"/>
                 <a:cs typeface="Courier New" panose="02070309020205020404" pitchFamily="49" charset="0"/>
               </a:rPr>
               <a:t>__(</a:t>
             </a:r>
             <a:r>
-              <a:rPr lang="nl-NL" sz="1600" b="1" dirty="0" err="1">
+              <a:rPr lang="nl-NL" sz="1400" b="1" dirty="0" err="1">
                 <a:latin typeface="Courier New" panose="02070309020205020404" pitchFamily="49" charset="0"/>
                 <a:cs typeface="Courier New" panose="02070309020205020404" pitchFamily="49" charset="0"/>
               </a:rPr>
               <a:t>self</a:t>
             </a:r>
             <a:r>
-              <a:rPr lang="nl-NL" sz="1600" b="1" dirty="0">
-                <a:latin typeface="Courier New" panose="02070309020205020404" pitchFamily="49" charset="0"/>
-                <a:cs typeface="Courier New" panose="02070309020205020404" pitchFamily="49" charset="0"/>
-              </a:rPr>
-              <a:t>, naam, achternaam): </a:t>
-            </a:r>
-          </a:p>
-          <a:p>
-            <a:pPr marL="0" indent="0">
-              <a:buFont typeface="Arial" panose="020B0604020202020204" pitchFamily="34" charset="0"/>
-              <a:buNone/>
-            </a:pPr>
-            <a:r>
-              <a:rPr lang="nl-NL" sz="1600" dirty="0">
+              <a:rPr lang="nl-NL" sz="1400" b="1" dirty="0">
+                <a:latin typeface="Courier New" panose="02070309020205020404" pitchFamily="49" charset="0"/>
+                <a:cs typeface="Courier New" panose="02070309020205020404" pitchFamily="49" charset="0"/>
+              </a:rPr>
+              <a:t>, name, </a:t>
+            </a:r>
+            <a:r>
+              <a:rPr lang="nl-NL" sz="1400" b="1" dirty="0" err="1">
+                <a:latin typeface="Courier New" panose="02070309020205020404" pitchFamily="49" charset="0"/>
+                <a:cs typeface="Courier New" panose="02070309020205020404" pitchFamily="49" charset="0"/>
+              </a:rPr>
+              <a:t>lastname</a:t>
+            </a:r>
+            <a:r>
+              <a:rPr lang="nl-NL" sz="1400" b="1" dirty="0">
+                <a:latin typeface="Courier New" panose="02070309020205020404" pitchFamily="49" charset="0"/>
+                <a:cs typeface="Courier New" panose="02070309020205020404" pitchFamily="49" charset="0"/>
+              </a:rPr>
+              <a:t>): </a:t>
+            </a:r>
+          </a:p>
+          <a:p>
+            <a:pPr marL="0" indent="0">
+              <a:buFont typeface="Arial" panose="020B0604020202020204" pitchFamily="34" charset="0"/>
+              <a:buNone/>
+            </a:pPr>
+            <a:r>
+              <a:rPr lang="nl-NL" sz="1400" dirty="0">
+                <a:latin typeface="Courier New" panose="02070309020205020404" pitchFamily="49" charset="0"/>
+                <a:cs typeface="Courier New" panose="02070309020205020404" pitchFamily="49" charset="0"/>
+              </a:rPr>
+              <a:t>    self.name = name</a:t>
+            </a:r>
+          </a:p>
+          <a:p>
+            <a:pPr marL="0" indent="0">
+              <a:buFont typeface="Arial" panose="020B0604020202020204" pitchFamily="34" charset="0"/>
+              <a:buNone/>
+            </a:pPr>
+            <a:r>
+              <a:rPr lang="nl-NL" sz="1400" dirty="0">
                 <a:latin typeface="Courier New" panose="02070309020205020404" pitchFamily="49" charset="0"/>
                 <a:cs typeface="Courier New" panose="02070309020205020404" pitchFamily="49" charset="0"/>
               </a:rPr>
               <a:t>    </a:t>
             </a:r>
             <a:r>
-              <a:rPr lang="nl-NL" sz="1600" dirty="0" err="1">
-                <a:latin typeface="Courier New" panose="02070309020205020404" pitchFamily="49" charset="0"/>
-                <a:cs typeface="Courier New" panose="02070309020205020404" pitchFamily="49" charset="0"/>
-              </a:rPr>
-              <a:t>self.voor</a:t>
-            </a:r>
-            <a:r>
-              <a:rPr lang="nl-NL" sz="1600" dirty="0">
-                <a:latin typeface="Courier New" panose="02070309020205020404" pitchFamily="49" charset="0"/>
-                <a:cs typeface="Courier New" panose="02070309020205020404" pitchFamily="49" charset="0"/>
-              </a:rPr>
-              <a:t> = naam</a:t>
-            </a:r>
-          </a:p>
-          <a:p>
-            <a:pPr marL="0" indent="0">
-              <a:buFont typeface="Arial" panose="020B0604020202020204" pitchFamily="34" charset="0"/>
-              <a:buNone/>
-            </a:pPr>
-            <a:r>
-              <a:rPr lang="nl-NL" sz="1600" dirty="0">
-                <a:latin typeface="Courier New" panose="02070309020205020404" pitchFamily="49" charset="0"/>
-                <a:cs typeface="Courier New" panose="02070309020205020404" pitchFamily="49" charset="0"/>
-              </a:rPr>
-              <a:t>    </a:t>
-            </a:r>
-            <a:r>
-              <a:rPr lang="nl-NL" sz="1600" dirty="0" err="1">
-                <a:latin typeface="Courier New" panose="02070309020205020404" pitchFamily="49" charset="0"/>
-                <a:cs typeface="Courier New" panose="02070309020205020404" pitchFamily="49" charset="0"/>
-              </a:rPr>
-              <a:t>self.achter</a:t>
-            </a:r>
-            <a:r>
-              <a:rPr lang="nl-NL" sz="1600" dirty="0">
-                <a:latin typeface="Courier New" panose="02070309020205020404" pitchFamily="49" charset="0"/>
-                <a:cs typeface="Courier New" panose="02070309020205020404" pitchFamily="49" charset="0"/>
-              </a:rPr>
-              <a:t> = achternaam</a:t>
-            </a:r>
-          </a:p>
-          <a:p>
-            <a:pPr marL="0" indent="0">
-              <a:buFont typeface="Arial" panose="020B0604020202020204" pitchFamily="34" charset="0"/>
-              <a:buNone/>
-            </a:pPr>
-            <a:endParaRPr lang="nl-NL" sz="1600" b="1" dirty="0">
+              <a:rPr lang="nl-NL" sz="1400" dirty="0" err="1">
+                <a:latin typeface="Courier New" panose="02070309020205020404" pitchFamily="49" charset="0"/>
+                <a:cs typeface="Courier New" panose="02070309020205020404" pitchFamily="49" charset="0"/>
+              </a:rPr>
+              <a:t>self.lastname</a:t>
+            </a:r>
+            <a:r>
+              <a:rPr lang="nl-NL" sz="1400" dirty="0">
+                <a:latin typeface="Courier New" panose="02070309020205020404" pitchFamily="49" charset="0"/>
+                <a:cs typeface="Courier New" panose="02070309020205020404" pitchFamily="49" charset="0"/>
+              </a:rPr>
+              <a:t> = lastnaam</a:t>
+            </a:r>
+          </a:p>
+          <a:p>
+            <a:pPr marL="0" indent="0">
+              <a:buFont typeface="Arial" panose="020B0604020202020204" pitchFamily="34" charset="0"/>
+              <a:buNone/>
+            </a:pPr>
+            <a:endParaRPr lang="nl-NL" sz="1400" b="1" dirty="0">
               <a:latin typeface="Courier New" panose="02070309020205020404" pitchFamily="49" charset="0"/>
               <a:cs typeface="Courier New" panose="02070309020205020404" pitchFamily="49" charset="0"/>
             </a:endParaRPr>
@@ -21842,7 +21884,7 @@
               <a:buFont typeface="Arial" panose="020B0604020202020204" pitchFamily="34" charset="0"/>
               <a:buNone/>
             </a:pPr>
-            <a:endParaRPr lang="nl-NL" sz="1600" dirty="0">
+            <a:endParaRPr lang="nl-NL" sz="1400" dirty="0">
               <a:latin typeface="Courier New" panose="02070309020205020404" pitchFamily="49" charset="0"/>
               <a:cs typeface="Courier New" panose="02070309020205020404" pitchFamily="49" charset="0"/>
             </a:endParaRPr>
@@ -21853,78 +21895,106 @@
               <a:buNone/>
             </a:pPr>
             <a:r>
-              <a:rPr lang="nl-NL" sz="1600" dirty="0">
+              <a:rPr lang="nl-NL" sz="1400" dirty="0">
                 <a:latin typeface="Courier New" panose="02070309020205020404" pitchFamily="49" charset="0"/>
                 <a:cs typeface="Courier New" panose="02070309020205020404" pitchFamily="49" charset="0"/>
               </a:rPr>
               <a:t># </a:t>
             </a:r>
             <a:r>
-              <a:rPr lang="nl-NL" sz="1600" dirty="0" err="1">
-                <a:latin typeface="Courier New" panose="02070309020205020404" pitchFamily="49" charset="0"/>
-                <a:cs typeface="Courier New" panose="02070309020205020404" pitchFamily="49" charset="0"/>
-              </a:rPr>
-              <a:t>Initialiseer</a:t>
-            </a:r>
-            <a:r>
-              <a:rPr lang="nl-NL" sz="1600" dirty="0">
-                <a:latin typeface="Courier New" panose="02070309020205020404" pitchFamily="49" charset="0"/>
-                <a:cs typeface="Courier New" panose="02070309020205020404" pitchFamily="49" charset="0"/>
-              </a:rPr>
-              <a:t> personen</a:t>
-            </a:r>
-          </a:p>
-          <a:p>
-            <a:pPr marL="0" indent="0">
-              <a:buFont typeface="Arial" panose="020B0604020202020204" pitchFamily="34" charset="0"/>
-              <a:buNone/>
-            </a:pPr>
-            <a:r>
-              <a:rPr lang="nl-NL" sz="1600" dirty="0" err="1">
-                <a:latin typeface="Courier New" panose="02070309020205020404" pitchFamily="49" charset="0"/>
-                <a:cs typeface="Courier New" panose="02070309020205020404" pitchFamily="49" charset="0"/>
-              </a:rPr>
-              <a:t>henk</a:t>
-            </a:r>
-            <a:r>
-              <a:rPr lang="nl-NL" sz="1600" dirty="0">
+              <a:rPr lang="nl-NL" sz="1400" dirty="0" err="1">
+                <a:latin typeface="Courier New" panose="02070309020205020404" pitchFamily="49" charset="0"/>
+                <a:cs typeface="Courier New" panose="02070309020205020404" pitchFamily="49" charset="0"/>
+              </a:rPr>
+              <a:t>Initialize</a:t>
+            </a:r>
+            <a:r>
+              <a:rPr lang="nl-NL" sz="1400" dirty="0">
+                <a:latin typeface="Courier New" panose="02070309020205020404" pitchFamily="49" charset="0"/>
+                <a:cs typeface="Courier New" panose="02070309020205020404" pitchFamily="49" charset="0"/>
+              </a:rPr>
+              <a:t> persons</a:t>
+            </a:r>
+          </a:p>
+          <a:p>
+            <a:pPr marL="0" indent="0">
+              <a:buFont typeface="Arial" panose="020B0604020202020204" pitchFamily="34" charset="0"/>
+              <a:buNone/>
+            </a:pPr>
+            <a:r>
+              <a:rPr lang="nl-NL" sz="1400" dirty="0" err="1">
+                <a:latin typeface="Courier New" panose="02070309020205020404" pitchFamily="49" charset="0"/>
+                <a:cs typeface="Courier New" panose="02070309020205020404" pitchFamily="49" charset="0"/>
+              </a:rPr>
+              <a:t>john_doe</a:t>
+            </a:r>
+            <a:r>
+              <a:rPr lang="nl-NL" sz="1400" dirty="0">
                 <a:latin typeface="Courier New" panose="02070309020205020404" pitchFamily="49" charset="0"/>
                 <a:cs typeface="Courier New" panose="02070309020205020404" pitchFamily="49" charset="0"/>
               </a:rPr>
               <a:t> = </a:t>
             </a:r>
             <a:r>
-              <a:rPr lang="nl-NL" sz="1600" b="1" dirty="0">
-                <a:latin typeface="Courier New" panose="02070309020205020404" pitchFamily="49" charset="0"/>
-                <a:cs typeface="Courier New" panose="02070309020205020404" pitchFamily="49" charset="0"/>
-              </a:rPr>
-              <a:t>Persoon("Henk", "Jansen")</a:t>
-            </a:r>
-          </a:p>
-          <a:p>
-            <a:pPr marL="0" indent="0">
-              <a:buNone/>
-            </a:pPr>
-            <a:r>
-              <a:rPr lang="nl-NL" sz="1600" dirty="0" err="1">
-                <a:latin typeface="Courier New" panose="02070309020205020404" pitchFamily="49" charset="0"/>
-                <a:cs typeface="Courier New" panose="02070309020205020404" pitchFamily="49" charset="0"/>
-              </a:rPr>
-              <a:t>ingrid</a:t>
-            </a:r>
-            <a:r>
-              <a:rPr lang="nl-NL" sz="1600" dirty="0">
+              <a:rPr lang="nl-NL" sz="1400" b="1" dirty="0">
+                <a:latin typeface="Courier New" panose="02070309020205020404" pitchFamily="49" charset="0"/>
+                <a:cs typeface="Courier New" panose="02070309020205020404" pitchFamily="49" charset="0"/>
+              </a:rPr>
+              <a:t>Person(</a:t>
+            </a:r>
+            <a:r>
+              <a:rPr lang="nl-NL" sz="1400" dirty="0">
+                <a:latin typeface="Courier New" panose="02070309020205020404" pitchFamily="49" charset="0"/>
+                <a:cs typeface="Courier New" panose="02070309020205020404" pitchFamily="49" charset="0"/>
+              </a:rPr>
+              <a:t>"John", "Doe"</a:t>
+            </a:r>
+            <a:r>
+              <a:rPr lang="nl-NL" sz="1400" b="1" dirty="0">
+                <a:latin typeface="Courier New" panose="02070309020205020404" pitchFamily="49" charset="0"/>
+                <a:cs typeface="Courier New" panose="02070309020205020404" pitchFamily="49" charset="0"/>
+              </a:rPr>
+              <a:t>)</a:t>
+            </a:r>
+          </a:p>
+          <a:p>
+            <a:pPr marL="0" indent="0">
+              <a:buNone/>
+            </a:pPr>
+            <a:r>
+              <a:rPr lang="nl-NL" sz="1400" dirty="0" err="1">
+                <a:latin typeface="Courier New" panose="02070309020205020404" pitchFamily="49" charset="0"/>
+                <a:cs typeface="Courier New" panose="02070309020205020404" pitchFamily="49" charset="0"/>
+              </a:rPr>
+              <a:t>jane_doe</a:t>
+            </a:r>
+            <a:r>
+              <a:rPr lang="nl-NL" sz="1400" dirty="0">
                 <a:latin typeface="Courier New" panose="02070309020205020404" pitchFamily="49" charset="0"/>
                 <a:cs typeface="Courier New" panose="02070309020205020404" pitchFamily="49" charset="0"/>
               </a:rPr>
               <a:t> = </a:t>
             </a:r>
             <a:r>
-              <a:rPr lang="nl-NL" sz="1600" b="1" dirty="0">
-                <a:latin typeface="Courier New" panose="02070309020205020404" pitchFamily="49" charset="0"/>
-                <a:cs typeface="Courier New" panose="02070309020205020404" pitchFamily="49" charset="0"/>
-              </a:rPr>
-              <a:t>Persoon("Ingrid", "Maassen")</a:t>
+              <a:rPr lang="nl-NL" sz="1400" b="1" dirty="0">
+                <a:latin typeface="Courier New" panose="02070309020205020404" pitchFamily="49" charset="0"/>
+                <a:cs typeface="Courier New" panose="02070309020205020404" pitchFamily="49" charset="0"/>
+              </a:rPr>
+              <a:t>Person(</a:t>
+            </a:r>
+            <a:r>
+              <a:rPr lang="nl-NL" sz="1400" dirty="0">
+                <a:latin typeface="Courier New" panose="02070309020205020404" pitchFamily="49" charset="0"/>
+                <a:cs typeface="Courier New" panose="02070309020205020404" pitchFamily="49" charset="0"/>
+              </a:rPr>
+              <a:t>"Jane", "Doe"</a:t>
+            </a:r>
+            <a:r>
+              <a:rPr lang="nl-NL" sz="1400" b="1" dirty="0">
+                <a:latin typeface="Courier New" panose="02070309020205020404" pitchFamily="49" charset="0"/>
+                <a:cs typeface="Courier New" panose="02070309020205020404" pitchFamily="49" charset="0"/>
+              </a:rPr>
+              <a:t>)</a:t>
             </a:r>
           </a:p>
         </p:txBody>
@@ -22398,7 +22468,7 @@
                 <a:latin typeface="Courier New" panose="02070309020205020404" pitchFamily="49" charset="0"/>
                 <a:cs typeface="Courier New" panose="02070309020205020404" pitchFamily="49" charset="0"/>
               </a:rPr>
-              <a:t>class Persoon:</a:t>
+              <a:t>class Person:</a:t>
             </a:r>
           </a:p>
           <a:p>
@@ -22462,28 +22532,14 @@
                 <a:latin typeface="Courier New" panose="02070309020205020404" pitchFamily="49" charset="0"/>
                 <a:cs typeface="Courier New" panose="02070309020205020404" pitchFamily="49" charset="0"/>
               </a:rPr>
-              <a:t>    return f"{</a:t>
+              <a:t>    return f"{self.name} {</a:t>
             </a:r>
             <a:r>
               <a:rPr lang="nl-NL" sz="1400" dirty="0" err="1">
                 <a:latin typeface="Courier New" panose="02070309020205020404" pitchFamily="49" charset="0"/>
                 <a:cs typeface="Courier New" panose="02070309020205020404" pitchFamily="49" charset="0"/>
               </a:rPr>
-              <a:t>self.voor</a:t>
-            </a:r>
-            <a:r>
-              <a:rPr lang="nl-NL" sz="1400" dirty="0">
-                <a:latin typeface="Courier New" panose="02070309020205020404" pitchFamily="49" charset="0"/>
-                <a:cs typeface="Courier New" panose="02070309020205020404" pitchFamily="49" charset="0"/>
-              </a:rPr>
-              <a:t>} {</a:t>
-            </a:r>
-            <a:r>
-              <a:rPr lang="nl-NL" sz="1400" dirty="0" err="1">
-                <a:latin typeface="Courier New" panose="02070309020205020404" pitchFamily="49" charset="0"/>
-                <a:cs typeface="Courier New" panose="02070309020205020404" pitchFamily="49" charset="0"/>
-              </a:rPr>
-              <a:t>self.achter</a:t>
+              <a:t>self.last</a:t>
             </a:r>
             <a:r>
               <a:rPr lang="nl-NL" sz="1400" dirty="0">
@@ -22574,35 +22630,21 @@
                 <a:latin typeface="Courier New" panose="02070309020205020404" pitchFamily="49" charset="0"/>
                 <a:cs typeface="Courier New" panose="02070309020205020404" pitchFamily="49" charset="0"/>
               </a:rPr>
-              <a:t>f"Persoon</a:t>
+              <a:t>f"Person</a:t>
             </a:r>
             <a:r>
               <a:rPr lang="nl-NL" sz="1400" dirty="0">
                 <a:latin typeface="Courier New" panose="02070309020205020404" pitchFamily="49" charset="0"/>
                 <a:cs typeface="Courier New" panose="02070309020205020404" pitchFamily="49" charset="0"/>
               </a:rPr>
-              <a:t>('{</a:t>
+              <a:t>('{self.name}', '{</a:t>
             </a:r>
             <a:r>
               <a:rPr lang="nl-NL" sz="1400" dirty="0" err="1">
                 <a:latin typeface="Courier New" panose="02070309020205020404" pitchFamily="49" charset="0"/>
                 <a:cs typeface="Courier New" panose="02070309020205020404" pitchFamily="49" charset="0"/>
               </a:rPr>
-              <a:t>self.voor</a:t>
-            </a:r>
-            <a:r>
-              <a:rPr lang="nl-NL" sz="1400" dirty="0">
-                <a:latin typeface="Courier New" panose="02070309020205020404" pitchFamily="49" charset="0"/>
-                <a:cs typeface="Courier New" panose="02070309020205020404" pitchFamily="49" charset="0"/>
-              </a:rPr>
-              <a:t>}', '{</a:t>
-            </a:r>
-            <a:r>
-              <a:rPr lang="nl-NL" sz="1400" dirty="0" err="1">
-                <a:latin typeface="Courier New" panose="02070309020205020404" pitchFamily="49" charset="0"/>
-                <a:cs typeface="Courier New" panose="02070309020205020404" pitchFamily="49" charset="0"/>
-              </a:rPr>
-              <a:t>self.achter</a:t>
+              <a:t>self.last</a:t>
             </a:r>
             <a:r>
               <a:rPr lang="nl-NL" sz="1400" dirty="0">
@@ -22654,14 +22696,14 @@
                 <a:latin typeface="Courier New" panose="02070309020205020404" pitchFamily="49" charset="0"/>
                 <a:cs typeface="Courier New" panose="02070309020205020404" pitchFamily="49" charset="0"/>
               </a:rPr>
-              <a:t>henk</a:t>
+              <a:t>john_doe</a:t>
             </a:r>
             <a:r>
               <a:rPr lang="nl-NL" sz="1400" dirty="0">
                 <a:latin typeface="Courier New" panose="02070309020205020404" pitchFamily="49" charset="0"/>
                 <a:cs typeface="Courier New" panose="02070309020205020404" pitchFamily="49" charset="0"/>
               </a:rPr>
-              <a:t> = Persoon("Henk", "Jansen")</a:t>
+              <a:t> = Persoon("John", "Doe")</a:t>
             </a:r>
           </a:p>
           <a:p>
@@ -22681,14 +22723,14 @@
                 <a:latin typeface="Courier New" panose="02070309020205020404" pitchFamily="49" charset="0"/>
                 <a:cs typeface="Courier New" panose="02070309020205020404" pitchFamily="49" charset="0"/>
               </a:rPr>
-              <a:t>henk</a:t>
+              <a:t>john_doe</a:t>
             </a:r>
             <a:r>
               <a:rPr lang="nl-NL" sz="1400" dirty="0">
                 <a:latin typeface="Courier New" panose="02070309020205020404" pitchFamily="49" charset="0"/>
                 <a:cs typeface="Courier New" panose="02070309020205020404" pitchFamily="49" charset="0"/>
               </a:rPr>
-              <a:t>)   # "Henk Jansen"</a:t>
+              <a:t>)     # "John Doe"</a:t>
             </a:r>
           </a:p>
           <a:p>
@@ -22714,14 +22756,14 @@
                 <a:latin typeface="Courier New" panose="02070309020205020404" pitchFamily="49" charset="0"/>
                 <a:cs typeface="Courier New" panose="02070309020205020404" pitchFamily="49" charset="0"/>
               </a:rPr>
-              <a:t>henk</a:t>
+              <a:t>john_doe</a:t>
             </a:r>
             <a:r>
               <a:rPr lang="nl-NL" sz="1400" dirty="0">
                 <a:latin typeface="Courier New" panose="02070309020205020404" pitchFamily="49" charset="0"/>
                 <a:cs typeface="Courier New" panose="02070309020205020404" pitchFamily="49" charset="0"/>
               </a:rPr>
-              <a:t>)    # "Persoon('Henk', 'Jansen')"</a:t>
+              <a:t>)      # "Person('John', 'Doe')"</a:t>
             </a:r>
           </a:p>
         </p:txBody>
@@ -22905,7 +22947,15 @@
             </a:r>
             <a:r>
               <a:rPr lang="nl-NL" sz="2000" dirty="0"/>
-              <a:t> class die niet hoofdlettergevoelig is:</a:t>
+              <a:t> class uit als </a:t>
+            </a:r>
+            <a:r>
+              <a:rPr lang="nl-NL" sz="2000" dirty="0" err="1"/>
+              <a:t>dict</a:t>
+            </a:r>
+            <a:r>
+              <a:rPr lang="nl-NL" sz="2000" dirty="0"/>
+              <a:t> dat niet hoofdlettergevoelig is:</a:t>
             </a:r>
           </a:p>
           <a:p>
@@ -23225,7 +23275,7 @@
           <a:p>
             <a:r>
               <a:rPr lang="nl-NL" sz="3600" noProof="0" dirty="0"/>
-              <a:t>Statische en private methodes</a:t>
+              <a:t>Private attributen</a:t>
             </a:r>
           </a:p>
         </p:txBody>
@@ -23267,6 +23317,15 @@
             <a:pPr marL="0" indent="0">
               <a:buNone/>
             </a:pPr>
+            <a:r>
+              <a:rPr lang="nl-NL" sz="2000" dirty="0"/>
+              <a:t>Een privaat attribuut wordt alleen intern gebruikt in de class.</a:t>
+            </a:r>
+          </a:p>
+          <a:p>
+            <a:pPr marL="0" indent="0">
+              <a:buNone/>
+            </a:pPr>
             <a:endParaRPr lang="nl-NL" sz="2000" dirty="0"/>
           </a:p>
           <a:p>
@@ -23275,71 +23334,7 @@
             </a:pPr>
             <a:r>
               <a:rPr lang="nl-NL" sz="2000" noProof="0" dirty="0"/>
-              <a:t>Gebruik </a:t>
-            </a:r>
-            <a:r>
-              <a:rPr lang="nl-NL" sz="2000" noProof="0" dirty="0">
-                <a:latin typeface="Courier New" panose="02070309020205020404" pitchFamily="49" charset="0"/>
-                <a:cs typeface="Courier New" panose="02070309020205020404" pitchFamily="49" charset="0"/>
-              </a:rPr>
-              <a:t>@staticmethod</a:t>
-            </a:r>
-            <a:r>
-              <a:rPr lang="nl-NL" sz="2000" noProof="0" dirty="0"/>
-              <a:t> wanneer een methode </a:t>
-            </a:r>
-            <a:r>
-              <a:rPr lang="nl-NL" sz="2000" noProof="0" dirty="0" err="1">
-                <a:latin typeface="Courier New" panose="02070309020205020404" pitchFamily="49" charset="0"/>
-                <a:cs typeface="Courier New" panose="02070309020205020404" pitchFamily="49" charset="0"/>
-              </a:rPr>
-              <a:t>self</a:t>
-            </a:r>
-            <a:r>
-              <a:rPr lang="nl-NL" sz="2000" noProof="0" dirty="0"/>
-              <a:t> niet nodig heeft.</a:t>
-            </a:r>
-          </a:p>
-          <a:p>
-            <a:pPr marL="0" indent="0">
-              <a:buNone/>
-            </a:pPr>
-            <a:endParaRPr lang="nl-NL" sz="2000" dirty="0"/>
-          </a:p>
-          <a:p>
-            <a:pPr marL="0" indent="0">
-              <a:buNone/>
-            </a:pPr>
-            <a:endParaRPr lang="nl-NL" sz="2000" noProof="0" dirty="0"/>
-          </a:p>
-          <a:p>
-            <a:pPr marL="0" indent="0">
-              <a:buNone/>
-            </a:pPr>
-            <a:endParaRPr lang="nl-NL" sz="2000" dirty="0"/>
-          </a:p>
-          <a:p>
-            <a:pPr marL="0" indent="0">
-              <a:buNone/>
-            </a:pPr>
-            <a:r>
-              <a:rPr lang="nl-NL" sz="2000" dirty="0"/>
-              <a:t>Private methodes of attributen bestaan niet in Python.</a:t>
-            </a:r>
-          </a:p>
-          <a:p>
-            <a:pPr marL="0" indent="0">
-              <a:buNone/>
-            </a:pPr>
-            <a:endParaRPr lang="nl-NL" sz="2000" noProof="0" dirty="0"/>
-          </a:p>
-          <a:p>
-            <a:pPr marL="0" indent="0">
-              <a:buNone/>
-            </a:pPr>
-            <a:r>
-              <a:rPr lang="nl-NL" sz="2000" noProof="0" dirty="0"/>
-              <a:t>Gebruik een </a:t>
+              <a:t>Conventie: Attributen die beginnen met een </a:t>
             </a:r>
             <a:r>
               <a:rPr lang="nl-NL" sz="2000" noProof="0" dirty="0" err="1"/>
@@ -23347,9 +23342,68 @@
             </a:r>
             <a:r>
               <a:rPr lang="nl-NL" sz="2000" dirty="0"/>
-              <a:t>ore om te signaleren dat een methode privaat is.</a:t>
-            </a:r>
+              <a:t>ore zijn privaat.</a:t>
+            </a:r>
+          </a:p>
+          <a:p>
+            <a:pPr marL="0" indent="0">
+              <a:buNone/>
+            </a:pPr>
             <a:endParaRPr lang="nl-NL" sz="2000" noProof="0" dirty="0"/>
+          </a:p>
+          <a:p>
+            <a:pPr marL="0" indent="0">
+              <a:buNone/>
+            </a:pPr>
+            <a:r>
+              <a:rPr lang="nl-NL" sz="2000" dirty="0"/>
+              <a:t>Een dubbele </a:t>
+            </a:r>
+            <a:r>
+              <a:rPr lang="nl-NL" sz="2000" dirty="0" err="1"/>
+              <a:t>underscore</a:t>
+            </a:r>
+            <a:r>
+              <a:rPr lang="nl-NL" sz="2000" dirty="0"/>
+              <a:t> maakt het onmogelijk om het attribuut direct te gebruiken. </a:t>
+            </a:r>
+            <a:endParaRPr lang="nl-NL" sz="2000" noProof="0" dirty="0"/>
+          </a:p>
+          <a:p>
+            <a:pPr marL="0" indent="0">
+              <a:buNone/>
+            </a:pPr>
+            <a:endParaRPr lang="nl-NL" sz="2000" dirty="0"/>
+          </a:p>
+          <a:p>
+            <a:pPr marL="0" indent="0">
+              <a:buNone/>
+            </a:pPr>
+            <a:endParaRPr lang="nl-NL" sz="2000" dirty="0"/>
+          </a:p>
+          <a:p>
+            <a:pPr marL="0" indent="0">
+              <a:buNone/>
+            </a:pPr>
+            <a:endParaRPr lang="nl-NL" sz="2000" noProof="0" dirty="0"/>
+          </a:p>
+          <a:p>
+            <a:pPr marL="0" indent="0">
+              <a:buNone/>
+            </a:pPr>
+            <a:endParaRPr lang="nl-NL" sz="2000" dirty="0"/>
+          </a:p>
+          <a:p>
+            <a:pPr marL="0" indent="0">
+              <a:buNone/>
+            </a:pPr>
+            <a:endParaRPr lang="nl-NL" sz="2000" noProof="0" dirty="0"/>
+          </a:p>
+          <a:p>
+            <a:pPr marL="0" indent="0">
+              <a:buNone/>
+            </a:pPr>
+            <a:endParaRPr lang="nl-NL" sz="2000" dirty="0"/>
           </a:p>
         </p:txBody>
       </p:sp>
@@ -23550,19 +23604,19 @@
               <a:buNone/>
             </a:pPr>
             <a:r>
-              <a:rPr lang="nl-NL" sz="1600" b="1" dirty="0">
-                <a:latin typeface="Courier New" panose="02070309020205020404" pitchFamily="49" charset="0"/>
-                <a:cs typeface="Courier New" panose="02070309020205020404" pitchFamily="49" charset="0"/>
-              </a:rPr>
-              <a:t>class Persoon:</a:t>
-            </a:r>
-          </a:p>
-          <a:p>
-            <a:pPr marL="0" indent="0">
-              <a:buFont typeface="Arial" panose="020B0604020202020204" pitchFamily="34" charset="0"/>
-              <a:buNone/>
-            </a:pPr>
-            <a:endParaRPr lang="nl-NL" sz="1600" dirty="0">
+              <a:rPr lang="nl-NL" sz="1400" b="1" dirty="0">
+                <a:latin typeface="Courier New" panose="02070309020205020404" pitchFamily="49" charset="0"/>
+                <a:cs typeface="Courier New" panose="02070309020205020404" pitchFamily="49" charset="0"/>
+              </a:rPr>
+              <a:t>class Person:</a:t>
+            </a:r>
+          </a:p>
+          <a:p>
+            <a:pPr marL="0" indent="0">
+              <a:buFont typeface="Arial" panose="020B0604020202020204" pitchFamily="34" charset="0"/>
+              <a:buNone/>
+            </a:pPr>
+            <a:endParaRPr lang="nl-NL" sz="1400" dirty="0">
               <a:latin typeface="Courier New" panose="02070309020205020404" pitchFamily="49" charset="0"/>
               <a:cs typeface="Courier New" panose="02070309020205020404" pitchFamily="49" charset="0"/>
             </a:endParaRPr>
@@ -23573,101 +23627,19 @@
               <a:buNone/>
             </a:pPr>
             <a:r>
-              <a:rPr lang="nl-NL" sz="1600" dirty="0">
-                <a:latin typeface="Courier New" panose="02070309020205020404" pitchFamily="49" charset="0"/>
-                <a:cs typeface="Courier New" panose="02070309020205020404" pitchFamily="49" charset="0"/>
-              </a:rPr>
-              <a:t>  @staticmethod</a:t>
-            </a:r>
-          </a:p>
-          <a:p>
-            <a:pPr marL="0" indent="0">
-              <a:buFont typeface="Arial" panose="020B0604020202020204" pitchFamily="34" charset="0"/>
-              <a:buNone/>
-            </a:pPr>
-            <a:r>
-              <a:rPr lang="nl-NL" sz="1600" dirty="0">
-                <a:latin typeface="Courier New" panose="02070309020205020404" pitchFamily="49" charset="0"/>
-                <a:cs typeface="Courier New" panose="02070309020205020404" pitchFamily="49" charset="0"/>
-              </a:rPr>
-              <a:t>  </a:t>
-            </a:r>
-            <a:r>
-              <a:rPr lang="nl-NL" sz="1600" b="1" dirty="0" err="1">
-                <a:latin typeface="Courier New" panose="02070309020205020404" pitchFamily="49" charset="0"/>
-                <a:cs typeface="Courier New" panose="02070309020205020404" pitchFamily="49" charset="0"/>
-              </a:rPr>
-              <a:t>def</a:t>
-            </a:r>
-            <a:r>
-              <a:rPr lang="nl-NL" sz="1600" b="1" dirty="0">
-                <a:latin typeface="Courier New" panose="02070309020205020404" pitchFamily="49" charset="0"/>
-                <a:cs typeface="Courier New" panose="02070309020205020404" pitchFamily="49" charset="0"/>
-              </a:rPr>
-              <a:t> </a:t>
-            </a:r>
-            <a:r>
-              <a:rPr lang="nl-NL" sz="1600" b="1" dirty="0" err="1">
-                <a:latin typeface="Courier New" panose="02070309020205020404" pitchFamily="49" charset="0"/>
-                <a:cs typeface="Courier New" panose="02070309020205020404" pitchFamily="49" charset="0"/>
-              </a:rPr>
-              <a:t>bewerk_naam</a:t>
-            </a:r>
-            <a:r>
-              <a:rPr lang="nl-NL" sz="1600" b="1" dirty="0">
-                <a:latin typeface="Courier New" panose="02070309020205020404" pitchFamily="49" charset="0"/>
-                <a:cs typeface="Courier New" panose="02070309020205020404" pitchFamily="49" charset="0"/>
-              </a:rPr>
-              <a:t>(naam): </a:t>
-            </a:r>
-          </a:p>
-          <a:p>
-            <a:pPr marL="0" indent="0">
-              <a:buFont typeface="Arial" panose="020B0604020202020204" pitchFamily="34" charset="0"/>
-              <a:buNone/>
-            </a:pPr>
-            <a:r>
-              <a:rPr lang="nl-NL" sz="1600" dirty="0">
-                <a:latin typeface="Courier New" panose="02070309020205020404" pitchFamily="49" charset="0"/>
-                <a:cs typeface="Courier New" panose="02070309020205020404" pitchFamily="49" charset="0"/>
-              </a:rPr>
-              <a:t>    return </a:t>
-            </a:r>
-            <a:r>
-              <a:rPr lang="nl-NL" sz="1600" dirty="0" err="1">
-                <a:latin typeface="Courier New" panose="02070309020205020404" pitchFamily="49" charset="0"/>
-                <a:cs typeface="Courier New" panose="02070309020205020404" pitchFamily="49" charset="0"/>
-              </a:rPr>
-              <a:t>naam.strip</a:t>
-            </a:r>
-            <a:r>
-              <a:rPr lang="nl-NL" sz="1600" dirty="0">
-                <a:latin typeface="Courier New" panose="02070309020205020404" pitchFamily="49" charset="0"/>
-                <a:cs typeface="Courier New" panose="02070309020205020404" pitchFamily="49" charset="0"/>
-              </a:rPr>
-              <a:t>().</a:t>
-            </a:r>
-            <a:r>
-              <a:rPr lang="nl-NL" sz="1600" dirty="0" err="1">
-                <a:latin typeface="Courier New" panose="02070309020205020404" pitchFamily="49" charset="0"/>
-                <a:cs typeface="Courier New" panose="02070309020205020404" pitchFamily="49" charset="0"/>
-              </a:rPr>
-              <a:t>capitalize</a:t>
-            </a:r>
-            <a:r>
-              <a:rPr lang="nl-NL" sz="1600" dirty="0">
-                <a:latin typeface="Courier New" panose="02070309020205020404" pitchFamily="49" charset="0"/>
-                <a:cs typeface="Courier New" panose="02070309020205020404" pitchFamily="49" charset="0"/>
-              </a:rPr>
-              <a:t>()</a:t>
-            </a:r>
-          </a:p>
-          <a:p>
-            <a:pPr marL="0" indent="0">
-              <a:buFont typeface="Arial" panose="020B0604020202020204" pitchFamily="34" charset="0"/>
-              <a:buNone/>
-            </a:pPr>
-            <a:endParaRPr lang="nl-NL" sz="1600" dirty="0">
+              <a:rPr lang="nl-NL" sz="1400" b="1" dirty="0">
+                <a:latin typeface="Courier New" panose="02070309020205020404" pitchFamily="49" charset="0"/>
+                <a:cs typeface="Courier New" panose="02070309020205020404" pitchFamily="49" charset="0"/>
+              </a:rPr>
+              <a:t>  ...</a:t>
+            </a:r>
+          </a:p>
+          <a:p>
+            <a:pPr marL="0" indent="0">
+              <a:buFont typeface="Arial" panose="020B0604020202020204" pitchFamily="34" charset="0"/>
+              <a:buNone/>
+            </a:pPr>
+            <a:endParaRPr lang="nl-NL" sz="1400" b="1" dirty="0">
               <a:latin typeface="Courier New" panose="02070309020205020404" pitchFamily="49" charset="0"/>
               <a:cs typeface="Courier New" panose="02070309020205020404" pitchFamily="49" charset="0"/>
             </a:endParaRPr>
@@ -23677,7 +23649,7 @@
               <a:buFont typeface="Arial" panose="020B0604020202020204" pitchFamily="34" charset="0"/>
               <a:buNone/>
             </a:pPr>
-            <a:endParaRPr lang="nl-NL" sz="1600" dirty="0">
+            <a:endParaRPr lang="nl-NL" sz="1400" b="1" dirty="0">
               <a:latin typeface="Courier New" panose="02070309020205020404" pitchFamily="49" charset="0"/>
               <a:cs typeface="Courier New" panose="02070309020205020404" pitchFamily="49" charset="0"/>
             </a:endParaRPr>
@@ -23687,7 +23659,75 @@
               <a:buFont typeface="Arial" panose="020B0604020202020204" pitchFamily="34" charset="0"/>
               <a:buNone/>
             </a:pPr>
-            <a:endParaRPr lang="nl-NL" sz="1600" dirty="0">
+            <a:r>
+              <a:rPr lang="nl-NL" sz="1400" b="1" dirty="0">
+                <a:latin typeface="Courier New" panose="02070309020205020404" pitchFamily="49" charset="0"/>
+                <a:cs typeface="Courier New" panose="02070309020205020404" pitchFamily="49" charset="0"/>
+              </a:rPr>
+              <a:t>  </a:t>
+            </a:r>
+            <a:r>
+              <a:rPr lang="nl-NL" sz="1400" b="1" dirty="0" err="1">
+                <a:latin typeface="Courier New" panose="02070309020205020404" pitchFamily="49" charset="0"/>
+                <a:cs typeface="Courier New" panose="02070309020205020404" pitchFamily="49" charset="0"/>
+              </a:rPr>
+              <a:t>def</a:t>
+            </a:r>
+            <a:r>
+              <a:rPr lang="nl-NL" sz="1400" b="1" dirty="0">
+                <a:latin typeface="Courier New" panose="02070309020205020404" pitchFamily="49" charset="0"/>
+                <a:cs typeface="Courier New" panose="02070309020205020404" pitchFamily="49" charset="0"/>
+              </a:rPr>
+              <a:t> _</a:t>
+            </a:r>
+            <a:r>
+              <a:rPr lang="nl-NL" sz="1400" b="1" dirty="0" err="1">
+                <a:latin typeface="Courier New" panose="02070309020205020404" pitchFamily="49" charset="0"/>
+                <a:cs typeface="Courier New" panose="02070309020205020404" pitchFamily="49" charset="0"/>
+              </a:rPr>
+              <a:t>is_valid_name</a:t>
+            </a:r>
+            <a:r>
+              <a:rPr lang="nl-NL" sz="1400" b="1" dirty="0">
+                <a:latin typeface="Courier New" panose="02070309020205020404" pitchFamily="49" charset="0"/>
+                <a:cs typeface="Courier New" panose="02070309020205020404" pitchFamily="49" charset="0"/>
+              </a:rPr>
+              <a:t>(name): </a:t>
+            </a:r>
+          </a:p>
+          <a:p>
+            <a:pPr marL="0" indent="0">
+              <a:buFont typeface="Arial" panose="020B0604020202020204" pitchFamily="34" charset="0"/>
+              <a:buNone/>
+            </a:pPr>
+            <a:r>
+              <a:rPr lang="nl-NL" sz="1400" dirty="0">
+                <a:latin typeface="Courier New" panose="02070309020205020404" pitchFamily="49" charset="0"/>
+                <a:cs typeface="Courier New" panose="02070309020205020404" pitchFamily="49" charset="0"/>
+              </a:rPr>
+              <a:t>    return </a:t>
+            </a:r>
+            <a:r>
+              <a:rPr lang="nl-NL" sz="1400" dirty="0" err="1">
+                <a:latin typeface="Courier New" panose="02070309020205020404" pitchFamily="49" charset="0"/>
+                <a:cs typeface="Courier New" panose="02070309020205020404" pitchFamily="49" charset="0"/>
+              </a:rPr>
+              <a:t>len</a:t>
+            </a:r>
+            <a:r>
+              <a:rPr lang="nl-NL" sz="1400" dirty="0">
+                <a:latin typeface="Courier New" panose="02070309020205020404" pitchFamily="49" charset="0"/>
+                <a:cs typeface="Courier New" panose="02070309020205020404" pitchFamily="49" charset="0"/>
+              </a:rPr>
+              <a:t>(name) &gt; 3</a:t>
+            </a:r>
+          </a:p>
+          <a:p>
+            <a:pPr marL="0" indent="0">
+              <a:buFont typeface="Arial" panose="020B0604020202020204" pitchFamily="34" charset="0"/>
+              <a:buNone/>
+            </a:pPr>
+            <a:endParaRPr lang="nl-NL" sz="1400" dirty="0">
               <a:latin typeface="Courier New" panose="02070309020205020404" pitchFamily="49" charset="0"/>
               <a:cs typeface="Courier New" panose="02070309020205020404" pitchFamily="49" charset="0"/>
             </a:endParaRPr>
@@ -23698,80 +23738,119 @@
               <a:buNone/>
             </a:pPr>
             <a:r>
-              <a:rPr lang="nl-NL" sz="1600" b="1" dirty="0">
+              <a:rPr lang="nl-NL" sz="1400" dirty="0">
                 <a:latin typeface="Courier New" panose="02070309020205020404" pitchFamily="49" charset="0"/>
                 <a:cs typeface="Courier New" panose="02070309020205020404" pitchFamily="49" charset="0"/>
               </a:rPr>
               <a:t>  </a:t>
             </a:r>
             <a:r>
-              <a:rPr lang="nl-NL" sz="1600" b="1" dirty="0" err="1">
+              <a:rPr lang="nl-NL" sz="1400" b="1" dirty="0" err="1">
                 <a:latin typeface="Courier New" panose="02070309020205020404" pitchFamily="49" charset="0"/>
                 <a:cs typeface="Courier New" panose="02070309020205020404" pitchFamily="49" charset="0"/>
               </a:rPr>
               <a:t>def</a:t>
             </a:r>
             <a:r>
-              <a:rPr lang="nl-NL" sz="1600" b="1" dirty="0">
-                <a:latin typeface="Courier New" panose="02070309020205020404" pitchFamily="49" charset="0"/>
-                <a:cs typeface="Courier New" panose="02070309020205020404" pitchFamily="49" charset="0"/>
-              </a:rPr>
-              <a:t> _</a:t>
-            </a:r>
-            <a:r>
-              <a:rPr lang="nl-NL" sz="1600" b="1" dirty="0" err="1">
-                <a:latin typeface="Courier New" panose="02070309020205020404" pitchFamily="49" charset="0"/>
-                <a:cs typeface="Courier New" panose="02070309020205020404" pitchFamily="49" charset="0"/>
-              </a:rPr>
-              <a:t>geldige_naam</a:t>
-            </a:r>
-            <a:r>
-              <a:rPr lang="nl-NL" sz="1600" b="1" dirty="0">
-                <a:latin typeface="Courier New" panose="02070309020205020404" pitchFamily="49" charset="0"/>
-                <a:cs typeface="Courier New" panose="02070309020205020404" pitchFamily="49" charset="0"/>
-              </a:rPr>
-              <a:t>(naam): </a:t>
-            </a:r>
-          </a:p>
-          <a:p>
-            <a:pPr marL="0" indent="0">
-              <a:buFont typeface="Arial" panose="020B0604020202020204" pitchFamily="34" charset="0"/>
-              <a:buNone/>
-            </a:pPr>
-            <a:r>
-              <a:rPr lang="nl-NL" sz="1600" dirty="0">
-                <a:latin typeface="Courier New" panose="02070309020205020404" pitchFamily="49" charset="0"/>
-                <a:cs typeface="Courier New" panose="02070309020205020404" pitchFamily="49" charset="0"/>
-              </a:rPr>
-              <a:t>    return </a:t>
-            </a:r>
-            <a:r>
-              <a:rPr lang="nl-NL" sz="1600" dirty="0" err="1">
-                <a:latin typeface="Courier New" panose="02070309020205020404" pitchFamily="49" charset="0"/>
-                <a:cs typeface="Courier New" panose="02070309020205020404" pitchFamily="49" charset="0"/>
-              </a:rPr>
-              <a:t>len</a:t>
-            </a:r>
-            <a:r>
-              <a:rPr lang="nl-NL" sz="1600" dirty="0">
-                <a:latin typeface="Courier New" panose="02070309020205020404" pitchFamily="49" charset="0"/>
-                <a:cs typeface="Courier New" panose="02070309020205020404" pitchFamily="49" charset="0"/>
-              </a:rPr>
-              <a:t>(naam) &gt; 3</a:t>
-            </a:r>
-          </a:p>
-          <a:p>
-            <a:pPr marL="0" indent="0">
-              <a:buFont typeface="Arial" panose="020B0604020202020204" pitchFamily="34" charset="0"/>
-              <a:buNone/>
-            </a:pPr>
-            <a:r>
-              <a:rPr lang="nl-NL" sz="1600" b="1" dirty="0">
-                <a:latin typeface="Courier New" panose="02070309020205020404" pitchFamily="49" charset="0"/>
-                <a:cs typeface="Courier New" panose="02070309020205020404" pitchFamily="49" charset="0"/>
-              </a:rPr>
-              <a:t>      </a:t>
-            </a:r>
+              <a:rPr lang="nl-NL" sz="1400" b="1" dirty="0">
+                <a:latin typeface="Courier New" panose="02070309020205020404" pitchFamily="49" charset="0"/>
+                <a:cs typeface="Courier New" panose="02070309020205020404" pitchFamily="49" charset="0"/>
+              </a:rPr>
+              <a:t> __</a:t>
+            </a:r>
+            <a:r>
+              <a:rPr lang="nl-NL" sz="1400" b="1" dirty="0" err="1">
+                <a:latin typeface="Courier New" panose="02070309020205020404" pitchFamily="49" charset="0"/>
+                <a:cs typeface="Courier New" panose="02070309020205020404" pitchFamily="49" charset="0"/>
+              </a:rPr>
+              <a:t>restricted</a:t>
+            </a:r>
+            <a:r>
+              <a:rPr lang="nl-NL" sz="1400" b="1" dirty="0">
+                <a:latin typeface="Courier New" panose="02070309020205020404" pitchFamily="49" charset="0"/>
+                <a:cs typeface="Courier New" panose="02070309020205020404" pitchFamily="49" charset="0"/>
+              </a:rPr>
+              <a:t>(</a:t>
+            </a:r>
+            <a:r>
+              <a:rPr lang="nl-NL" sz="1400" b="1" dirty="0" err="1">
+                <a:latin typeface="Courier New" panose="02070309020205020404" pitchFamily="49" charset="0"/>
+                <a:cs typeface="Courier New" panose="02070309020205020404" pitchFamily="49" charset="0"/>
+              </a:rPr>
+              <a:t>self</a:t>
+            </a:r>
+            <a:r>
+              <a:rPr lang="nl-NL" sz="1400" b="1" dirty="0">
+                <a:latin typeface="Courier New" panose="02070309020205020404" pitchFamily="49" charset="0"/>
+                <a:cs typeface="Courier New" panose="02070309020205020404" pitchFamily="49" charset="0"/>
+              </a:rPr>
+              <a:t>):</a:t>
+            </a:r>
+          </a:p>
+          <a:p>
+            <a:pPr marL="0" indent="0">
+              <a:buFont typeface="Arial" panose="020B0604020202020204" pitchFamily="34" charset="0"/>
+              <a:buNone/>
+            </a:pPr>
+            <a:r>
+              <a:rPr lang="nl-NL" sz="1400" dirty="0">
+                <a:latin typeface="Courier New" panose="02070309020205020404" pitchFamily="49" charset="0"/>
+                <a:cs typeface="Courier New" panose="02070309020205020404" pitchFamily="49" charset="0"/>
+              </a:rPr>
+              <a:t>    print("</a:t>
+            </a:r>
+            <a:r>
+              <a:rPr lang="nl-NL" sz="1400" dirty="0" err="1">
+                <a:latin typeface="Courier New" panose="02070309020205020404" pitchFamily="49" charset="0"/>
+                <a:cs typeface="Courier New" panose="02070309020205020404" pitchFamily="49" charset="0"/>
+              </a:rPr>
+              <a:t>Cannot</a:t>
+            </a:r>
+            <a:r>
+              <a:rPr lang="nl-NL" sz="1400" dirty="0">
+                <a:latin typeface="Courier New" panose="02070309020205020404" pitchFamily="49" charset="0"/>
+                <a:cs typeface="Courier New" panose="02070309020205020404" pitchFamily="49" charset="0"/>
+              </a:rPr>
+              <a:t> access </a:t>
+            </a:r>
+            <a:r>
+              <a:rPr lang="nl-NL" sz="1400" dirty="0" err="1">
+                <a:latin typeface="Courier New" panose="02070309020205020404" pitchFamily="49" charset="0"/>
+                <a:cs typeface="Courier New" panose="02070309020205020404" pitchFamily="49" charset="0"/>
+              </a:rPr>
+              <a:t>from</a:t>
+            </a:r>
+            <a:r>
+              <a:rPr lang="nl-NL" sz="1400" dirty="0">
+                <a:latin typeface="Courier New" panose="02070309020205020404" pitchFamily="49" charset="0"/>
+                <a:cs typeface="Courier New" panose="02070309020205020404" pitchFamily="49" charset="0"/>
+              </a:rPr>
+              <a:t> </a:t>
+            </a:r>
+            <a:r>
+              <a:rPr lang="nl-NL" sz="1400" dirty="0" err="1">
+                <a:latin typeface="Courier New" panose="02070309020205020404" pitchFamily="49" charset="0"/>
+                <a:cs typeface="Courier New" panose="02070309020205020404" pitchFamily="49" charset="0"/>
+              </a:rPr>
+              <a:t>outside</a:t>
+            </a:r>
+            <a:r>
+              <a:rPr lang="nl-NL" sz="1400" dirty="0">
+                <a:latin typeface="Courier New" panose="02070309020205020404" pitchFamily="49" charset="0"/>
+                <a:cs typeface="Courier New" panose="02070309020205020404" pitchFamily="49" charset="0"/>
+              </a:rPr>
+              <a:t>")</a:t>
+            </a:r>
+          </a:p>
+          <a:p>
+            <a:pPr marL="0" indent="0">
+              <a:buFont typeface="Arial" panose="020B0604020202020204" pitchFamily="34" charset="0"/>
+              <a:buNone/>
+            </a:pPr>
+            <a:endParaRPr lang="nl-NL" sz="1400" b="1" dirty="0">
+              <a:latin typeface="Courier New" panose="02070309020205020404" pitchFamily="49" charset="0"/>
+              <a:cs typeface="Courier New" panose="02070309020205020404" pitchFamily="49" charset="0"/>
+            </a:endParaRPr>
           </a:p>
         </p:txBody>
       </p:sp>
@@ -23872,8 +23951,12 @@
           <a:lstStyle/>
           <a:p>
             <a:r>
+              <a:rPr lang="nl-NL" sz="3600" noProof="0" dirty="0" err="1"/>
+              <a:t>Static</a:t>
+            </a:r>
+            <a:r>
               <a:rPr lang="nl-NL" sz="3600" noProof="0" dirty="0"/>
-              <a:t>Class methodes</a:t>
+              <a:t> en class methodes</a:t>
             </a:r>
           </a:p>
         </p:txBody>
@@ -23909,10 +23992,54 @@
             <a:pPr marL="0" indent="0">
               <a:buNone/>
             </a:pPr>
+            <a:endParaRPr lang="nl-NL" sz="2000" noProof="0" dirty="0"/>
+          </a:p>
+          <a:p>
+            <a:pPr marL="0" indent="0">
+              <a:buNone/>
+            </a:pPr>
+            <a:endParaRPr lang="nl-NL" sz="2000" noProof="0" dirty="0"/>
+          </a:p>
+          <a:p>
+            <a:pPr marL="0" indent="0">
+              <a:buNone/>
+            </a:pPr>
+            <a:r>
+              <a:rPr lang="nl-NL" sz="2000" noProof="0" dirty="0">
+                <a:latin typeface="Courier New" panose="02070309020205020404" pitchFamily="49" charset="0"/>
+                <a:cs typeface="Courier New" panose="02070309020205020404" pitchFamily="49" charset="0"/>
+              </a:rPr>
+              <a:t>@staticmethod</a:t>
+            </a:r>
             <a:r>
               <a:rPr lang="nl-NL" sz="2000" noProof="0" dirty="0"/>
-              <a:t>Normale methodes worden gebruikt op een instantie…</a:t>
-            </a:r>
+              <a:t> </a:t>
+            </a:r>
+          </a:p>
+          <a:p>
+            <a:pPr marL="0" indent="0">
+              <a:buNone/>
+            </a:pPr>
+            <a:r>
+              <a:rPr lang="nl-NL" sz="2000" noProof="0" dirty="0"/>
+              <a:t>Statische methodes</a:t>
+            </a:r>
+            <a:r>
+              <a:rPr lang="nl-NL" sz="2000" dirty="0"/>
+              <a:t> waarin </a:t>
+            </a:r>
+            <a:r>
+              <a:rPr lang="nl-NL" sz="2000" dirty="0" err="1">
+                <a:latin typeface="Courier New" panose="02070309020205020404" pitchFamily="49" charset="0"/>
+                <a:cs typeface="Courier New" panose="02070309020205020404" pitchFamily="49" charset="0"/>
+              </a:rPr>
+              <a:t>self</a:t>
+            </a:r>
+            <a:r>
+              <a:rPr lang="nl-NL" sz="2000" dirty="0"/>
+              <a:t> niet nodig / beschikbaar is.</a:t>
+            </a:r>
+            <a:endParaRPr lang="nl-NL" sz="2000" noProof="0" dirty="0"/>
           </a:p>
           <a:p>
             <a:pPr marL="0" indent="0">
@@ -23925,38 +24052,28 @@
               <a:buNone/>
             </a:pPr>
             <a:r>
+              <a:rPr lang="nl-NL" sz="2000" noProof="0" dirty="0">
+                <a:latin typeface="Courier New" panose="02070309020205020404" pitchFamily="49" charset="0"/>
+                <a:cs typeface="Courier New" panose="02070309020205020404" pitchFamily="49" charset="0"/>
+              </a:rPr>
+              <a:t>@classmethod</a:t>
+            </a:r>
+            <a:r>
+              <a:rPr lang="nl-NL" sz="2000" noProof="0" dirty="0"/>
+              <a:t> </a:t>
+            </a:r>
+          </a:p>
+          <a:p>
+            <a:pPr marL="0" indent="0">
+              <a:buNone/>
+            </a:pPr>
+            <a:r>
+              <a:rPr lang="nl-NL" sz="2000" noProof="0" dirty="0"/>
+              <a:t>Methodes die op een class werken (i.p.v. een object). Eerste argument verwijst naar de class. </a:t>
+            </a:r>
+            <a:r>
               <a:rPr lang="nl-NL" sz="2000" dirty="0"/>
-              <a:t>Met </a:t>
-            </a:r>
-            <a:r>
-              <a:rPr lang="nl-NL" sz="2000" noProof="0" dirty="0">
-                <a:latin typeface="Courier New" panose="02070309020205020404" pitchFamily="49" charset="0"/>
-                <a:cs typeface="Courier New" panose="02070309020205020404" pitchFamily="49" charset="0"/>
-              </a:rPr>
-              <a:t>@classmethod</a:t>
-            </a:r>
-            <a:r>
-              <a:rPr lang="nl-NL" sz="2000" noProof="0" dirty="0"/>
-              <a:t> definieer je methodes die op de class zelf werken.</a:t>
-            </a:r>
-          </a:p>
-          <a:p>
-            <a:pPr marL="0" indent="0">
-              <a:buNone/>
-            </a:pPr>
-            <a:endParaRPr lang="nl-NL" sz="2000" dirty="0"/>
-          </a:p>
-          <a:p>
-            <a:pPr marL="0" indent="0">
-              <a:buNone/>
-            </a:pPr>
-            <a:r>
-              <a:rPr lang="nl-NL" sz="2000" noProof="0" dirty="0" err="1"/>
-              <a:t>Clas</a:t>
-            </a:r>
-            <a:r>
-              <a:rPr lang="nl-NL" sz="2000" dirty="0"/>
-              <a:t>s methodes worden vaak gebruikt voor "</a:t>
+              <a:t>Vaak gebruikt voor "</a:t>
             </a:r>
             <a:r>
               <a:rPr lang="nl-NL" sz="2000" dirty="0" err="1"/>
@@ -23995,7 +24112,7 @@
         </p:spPr>
         <p:txBody>
           <a:bodyPr vert="horz" lIns="91440" tIns="45720" rIns="91440" bIns="45720" rtlCol="0">
-            <a:normAutofit lnSpcReduction="10000"/>
+            <a:normAutofit/>
           </a:bodyPr>
           <a:lstStyle>
             <a:lvl1pPr marL="228600" indent="-228600" algn="l" defTabSz="914400" rtl="0" eaLnBrk="1" latinLnBrk="0" hangingPunct="1">
@@ -24167,20 +24284,20 @@
               <a:buNone/>
             </a:pPr>
             <a:r>
-              <a:rPr lang="nl-NL" sz="1600" b="1" dirty="0">
-                <a:latin typeface="Courier New" panose="02070309020205020404" pitchFamily="49" charset="0"/>
-                <a:cs typeface="Courier New" panose="02070309020205020404" pitchFamily="49" charset="0"/>
-              </a:rPr>
-              <a:t>class Persoon:</a:t>
-            </a:r>
-          </a:p>
-          <a:p>
-            <a:pPr marL="0" indent="0">
-              <a:buFont typeface="Arial" panose="020B0604020202020204" pitchFamily="34" charset="0"/>
-              <a:buNone/>
-            </a:pPr>
-            <a:r>
-              <a:rPr lang="nl-NL" sz="1600" dirty="0">
+              <a:rPr lang="nl-NL" sz="1400" b="1" dirty="0">
+                <a:latin typeface="Courier New" panose="02070309020205020404" pitchFamily="49" charset="0"/>
+                <a:cs typeface="Courier New" panose="02070309020205020404" pitchFamily="49" charset="0"/>
+              </a:rPr>
+              <a:t>class Person:</a:t>
+            </a:r>
+          </a:p>
+          <a:p>
+            <a:pPr marL="0" indent="0">
+              <a:buFont typeface="Arial" panose="020B0604020202020204" pitchFamily="34" charset="0"/>
+              <a:buNone/>
+            </a:pPr>
+            <a:r>
+              <a:rPr lang="nl-NL" sz="1400" dirty="0">
                 <a:latin typeface="Courier New" panose="02070309020205020404" pitchFamily="49" charset="0"/>
                 <a:cs typeface="Courier New" panose="02070309020205020404" pitchFamily="49" charset="0"/>
               </a:rPr>
@@ -24193,115 +24310,87 @@
               <a:buNone/>
             </a:pPr>
             <a:r>
-              <a:rPr lang="nl-NL" sz="1600" b="1" dirty="0">
+              <a:rPr lang="nl-NL" sz="1400" dirty="0">
+                <a:latin typeface="Courier New" panose="02070309020205020404" pitchFamily="49" charset="0"/>
+                <a:cs typeface="Courier New" panose="02070309020205020404" pitchFamily="49" charset="0"/>
+              </a:rPr>
+              <a:t>  @staticmethod</a:t>
+            </a:r>
+          </a:p>
+          <a:p>
+            <a:pPr marL="0" indent="0">
+              <a:buFont typeface="Arial" panose="020B0604020202020204" pitchFamily="34" charset="0"/>
+              <a:buNone/>
+            </a:pPr>
+            <a:r>
+              <a:rPr lang="nl-NL" sz="1400" b="1" dirty="0">
                 <a:latin typeface="Courier New" panose="02070309020205020404" pitchFamily="49" charset="0"/>
                 <a:cs typeface="Courier New" panose="02070309020205020404" pitchFamily="49" charset="0"/>
               </a:rPr>
               <a:t>  </a:t>
             </a:r>
             <a:r>
-              <a:rPr lang="nl-NL" sz="1600" b="1" dirty="0" err="1">
+              <a:rPr lang="nl-NL" sz="1400" b="1" dirty="0" err="1">
                 <a:latin typeface="Courier New" panose="02070309020205020404" pitchFamily="49" charset="0"/>
                 <a:cs typeface="Courier New" panose="02070309020205020404" pitchFamily="49" charset="0"/>
               </a:rPr>
               <a:t>def</a:t>
             </a:r>
             <a:r>
-              <a:rPr lang="nl-NL" sz="1600" b="1" dirty="0">
-                <a:latin typeface="Courier New" panose="02070309020205020404" pitchFamily="49" charset="0"/>
-                <a:cs typeface="Courier New" panose="02070309020205020404" pitchFamily="49" charset="0"/>
-              </a:rPr>
-              <a:t> __</a:t>
-            </a:r>
-            <a:r>
-              <a:rPr lang="nl-NL" sz="1600" b="1" dirty="0" err="1">
-                <a:latin typeface="Courier New" panose="02070309020205020404" pitchFamily="49" charset="0"/>
-                <a:cs typeface="Courier New" panose="02070309020205020404" pitchFamily="49" charset="0"/>
-              </a:rPr>
-              <a:t>init</a:t>
-            </a:r>
-            <a:r>
-              <a:rPr lang="nl-NL" sz="1600" b="1" dirty="0">
-                <a:latin typeface="Courier New" panose="02070309020205020404" pitchFamily="49" charset="0"/>
-                <a:cs typeface="Courier New" panose="02070309020205020404" pitchFamily="49" charset="0"/>
-              </a:rPr>
-              <a:t>__(</a:t>
-            </a:r>
-            <a:r>
-              <a:rPr lang="nl-NL" sz="1600" b="1" dirty="0" err="1">
-                <a:latin typeface="Courier New" panose="02070309020205020404" pitchFamily="49" charset="0"/>
-                <a:cs typeface="Courier New" panose="02070309020205020404" pitchFamily="49" charset="0"/>
-              </a:rPr>
-              <a:t>self</a:t>
-            </a:r>
-            <a:r>
-              <a:rPr lang="nl-NL" sz="1600" b="1" dirty="0">
-                <a:latin typeface="Courier New" panose="02070309020205020404" pitchFamily="49" charset="0"/>
-                <a:cs typeface="Courier New" panose="02070309020205020404" pitchFamily="49" charset="0"/>
-              </a:rPr>
-              <a:t>, naam, achternaam): </a:t>
-            </a:r>
-          </a:p>
-          <a:p>
-            <a:pPr marL="0" indent="0">
-              <a:buFont typeface="Arial" panose="020B0604020202020204" pitchFamily="34" charset="0"/>
-              <a:buNone/>
-            </a:pPr>
-            <a:r>
-              <a:rPr lang="nl-NL" sz="1600" dirty="0">
-                <a:latin typeface="Courier New" panose="02070309020205020404" pitchFamily="49" charset="0"/>
-                <a:cs typeface="Courier New" panose="02070309020205020404" pitchFamily="49" charset="0"/>
-              </a:rPr>
-              <a:t>    </a:t>
-            </a:r>
-            <a:r>
-              <a:rPr lang="nl-NL" sz="1600" dirty="0" err="1">
-                <a:latin typeface="Courier New" panose="02070309020205020404" pitchFamily="49" charset="0"/>
-                <a:cs typeface="Courier New" panose="02070309020205020404" pitchFamily="49" charset="0"/>
-              </a:rPr>
-              <a:t>self.voornaam</a:t>
-            </a:r>
-            <a:r>
-              <a:rPr lang="nl-NL" sz="1600" dirty="0">
-                <a:latin typeface="Courier New" panose="02070309020205020404" pitchFamily="49" charset="0"/>
-                <a:cs typeface="Courier New" panose="02070309020205020404" pitchFamily="49" charset="0"/>
-              </a:rPr>
-              <a:t> = naam</a:t>
-            </a:r>
-          </a:p>
-          <a:p>
-            <a:pPr marL="0" indent="0">
-              <a:buFont typeface="Arial" panose="020B0604020202020204" pitchFamily="34" charset="0"/>
-              <a:buNone/>
-            </a:pPr>
-            <a:r>
-              <a:rPr lang="nl-NL" sz="1600" dirty="0">
-                <a:latin typeface="Courier New" panose="02070309020205020404" pitchFamily="49" charset="0"/>
-                <a:cs typeface="Courier New" panose="02070309020205020404" pitchFamily="49" charset="0"/>
-              </a:rPr>
-              <a:t>    </a:t>
-            </a:r>
-            <a:r>
-              <a:rPr lang="nl-NL" sz="1600" dirty="0" err="1">
-                <a:latin typeface="Courier New" panose="02070309020205020404" pitchFamily="49" charset="0"/>
-                <a:cs typeface="Courier New" panose="02070309020205020404" pitchFamily="49" charset="0"/>
-              </a:rPr>
-              <a:t>self.achternaam</a:t>
-            </a:r>
-            <a:r>
-              <a:rPr lang="nl-NL" sz="1600" dirty="0">
-                <a:latin typeface="Courier New" panose="02070309020205020404" pitchFamily="49" charset="0"/>
-                <a:cs typeface="Courier New" panose="02070309020205020404" pitchFamily="49" charset="0"/>
-              </a:rPr>
-              <a:t> = achternaam</a:t>
-            </a:r>
-          </a:p>
-          <a:p>
-            <a:pPr marL="0" indent="0">
-              <a:buFont typeface="Arial" panose="020B0604020202020204" pitchFamily="34" charset="0"/>
-              <a:buNone/>
-            </a:pPr>
-            <a:endParaRPr lang="nl-NL" sz="1600" dirty="0">
+              <a:rPr lang="nl-NL" sz="1400" b="1" dirty="0">
+                <a:latin typeface="Courier New" panose="02070309020205020404" pitchFamily="49" charset="0"/>
+                <a:cs typeface="Courier New" panose="02070309020205020404" pitchFamily="49" charset="0"/>
+              </a:rPr>
+              <a:t> _</a:t>
+            </a:r>
+            <a:r>
+              <a:rPr lang="nl-NL" sz="1400" b="1" dirty="0" err="1">
+                <a:latin typeface="Courier New" panose="02070309020205020404" pitchFamily="49" charset="0"/>
+                <a:cs typeface="Courier New" panose="02070309020205020404" pitchFamily="49" charset="0"/>
+              </a:rPr>
+              <a:t>is_valid_name</a:t>
+            </a:r>
+            <a:r>
+              <a:rPr lang="nl-NL" sz="1400" b="1" dirty="0">
+                <a:latin typeface="Courier New" panose="02070309020205020404" pitchFamily="49" charset="0"/>
+                <a:cs typeface="Courier New" panose="02070309020205020404" pitchFamily="49" charset="0"/>
+              </a:rPr>
+              <a:t>(name): </a:t>
+            </a:r>
+          </a:p>
+          <a:p>
+            <a:pPr marL="0" indent="0">
+              <a:buFont typeface="Arial" panose="020B0604020202020204" pitchFamily="34" charset="0"/>
+              <a:buNone/>
+            </a:pPr>
+            <a:r>
+              <a:rPr lang="nl-NL" sz="1400" dirty="0">
+                <a:latin typeface="Courier New" panose="02070309020205020404" pitchFamily="49" charset="0"/>
+                <a:cs typeface="Courier New" panose="02070309020205020404" pitchFamily="49" charset="0"/>
+              </a:rPr>
+              <a:t>    return </a:t>
+            </a:r>
+            <a:r>
+              <a:rPr lang="nl-NL" sz="1400" dirty="0" err="1">
+                <a:latin typeface="Courier New" panose="02070309020205020404" pitchFamily="49" charset="0"/>
+                <a:cs typeface="Courier New" panose="02070309020205020404" pitchFamily="49" charset="0"/>
+              </a:rPr>
+              <a:t>len</a:t>
+            </a:r>
+            <a:r>
+              <a:rPr lang="nl-NL" sz="1400" dirty="0">
+                <a:latin typeface="Courier New" panose="02070309020205020404" pitchFamily="49" charset="0"/>
+                <a:cs typeface="Courier New" panose="02070309020205020404" pitchFamily="49" charset="0"/>
+              </a:rPr>
+              <a:t>(name) &gt; 3</a:t>
+            </a:r>
+          </a:p>
+          <a:p>
+            <a:pPr marL="0" indent="0">
+              <a:buFont typeface="Arial" panose="020B0604020202020204" pitchFamily="34" charset="0"/>
+              <a:buNone/>
+            </a:pPr>
+            <a:endParaRPr lang="nl-NL" sz="1400" dirty="0">
               <a:latin typeface="Courier New" panose="02070309020205020404" pitchFamily="49" charset="0"/>
               <a:cs typeface="Courier New" panose="02070309020205020404" pitchFamily="49" charset="0"/>
             </a:endParaRPr>
@@ -24312,7 +24401,7 @@
               <a:buNone/>
             </a:pPr>
             <a:r>
-              <a:rPr lang="nl-NL" sz="1600" dirty="0">
+              <a:rPr lang="nl-NL" sz="1400" dirty="0">
                 <a:latin typeface="Courier New" panose="02070309020205020404" pitchFamily="49" charset="0"/>
                 <a:cs typeface="Courier New" panose="02070309020205020404" pitchFamily="49" charset="0"/>
               </a:rPr>
@@ -24325,63 +24414,63 @@
               <a:buNone/>
             </a:pPr>
             <a:r>
-              <a:rPr lang="nl-NL" sz="1600" dirty="0">
+              <a:rPr lang="nl-NL" sz="1400" dirty="0">
                 <a:latin typeface="Courier New" panose="02070309020205020404" pitchFamily="49" charset="0"/>
                 <a:cs typeface="Courier New" panose="02070309020205020404" pitchFamily="49" charset="0"/>
               </a:rPr>
               <a:t>  </a:t>
             </a:r>
             <a:r>
-              <a:rPr lang="nl-NL" sz="1600" b="1" dirty="0" err="1">
+              <a:rPr lang="nl-NL" sz="1400" b="1" dirty="0" err="1">
                 <a:latin typeface="Courier New" panose="02070309020205020404" pitchFamily="49" charset="0"/>
                 <a:cs typeface="Courier New" panose="02070309020205020404" pitchFamily="49" charset="0"/>
               </a:rPr>
               <a:t>def</a:t>
             </a:r>
             <a:r>
-              <a:rPr lang="nl-NL" sz="1600" b="1" dirty="0">
+              <a:rPr lang="nl-NL" sz="1400" b="1" dirty="0">
                 <a:latin typeface="Courier New" panose="02070309020205020404" pitchFamily="49" charset="0"/>
                 <a:cs typeface="Courier New" panose="02070309020205020404" pitchFamily="49" charset="0"/>
               </a:rPr>
               <a:t> </a:t>
             </a:r>
             <a:r>
-              <a:rPr lang="nl-NL" sz="1600" b="1" dirty="0" err="1">
-                <a:latin typeface="Courier New" panose="02070309020205020404" pitchFamily="49" charset="0"/>
-                <a:cs typeface="Courier New" panose="02070309020205020404" pitchFamily="49" charset="0"/>
-              </a:rPr>
-              <a:t>van_csv</a:t>
-            </a:r>
-            <a:r>
-              <a:rPr lang="nl-NL" sz="1600" b="1" dirty="0">
+              <a:rPr lang="nl-NL" sz="1400" b="1" dirty="0" err="1">
+                <a:latin typeface="Courier New" panose="02070309020205020404" pitchFamily="49" charset="0"/>
+                <a:cs typeface="Courier New" panose="02070309020205020404" pitchFamily="49" charset="0"/>
+              </a:rPr>
+              <a:t>from_str</a:t>
+            </a:r>
+            <a:r>
+              <a:rPr lang="nl-NL" sz="1400" b="1" dirty="0">
                 <a:latin typeface="Courier New" panose="02070309020205020404" pitchFamily="49" charset="0"/>
                 <a:cs typeface="Courier New" panose="02070309020205020404" pitchFamily="49" charset="0"/>
               </a:rPr>
               <a:t>(</a:t>
             </a:r>
             <a:r>
-              <a:rPr lang="nl-NL" sz="1600" b="1" dirty="0" err="1">
+              <a:rPr lang="nl-NL" sz="1400" b="1" dirty="0" err="1">
                 <a:latin typeface="Courier New" panose="02070309020205020404" pitchFamily="49" charset="0"/>
                 <a:cs typeface="Courier New" panose="02070309020205020404" pitchFamily="49" charset="0"/>
               </a:rPr>
               <a:t>cls</a:t>
             </a:r>
             <a:r>
-              <a:rPr lang="nl-NL" sz="1600" b="1" dirty="0">
+              <a:rPr lang="nl-NL" sz="1400" b="1" dirty="0">
                 <a:latin typeface="Courier New" panose="02070309020205020404" pitchFamily="49" charset="0"/>
                 <a:cs typeface="Courier New" panose="02070309020205020404" pitchFamily="49" charset="0"/>
               </a:rPr>
               <a:t>, </a:t>
             </a:r>
             <a:r>
-              <a:rPr lang="nl-NL" sz="1600" b="1" dirty="0" err="1">
-                <a:latin typeface="Courier New" panose="02070309020205020404" pitchFamily="49" charset="0"/>
-                <a:cs typeface="Courier New" panose="02070309020205020404" pitchFamily="49" charset="0"/>
-              </a:rPr>
-              <a:t>csv</a:t>
-            </a:r>
-            <a:r>
-              <a:rPr lang="nl-NL" sz="1600" b="1" dirty="0">
+              <a:rPr lang="nl-NL" sz="1400" b="1" dirty="0" err="1">
+                <a:latin typeface="Courier New" panose="02070309020205020404" pitchFamily="49" charset="0"/>
+                <a:cs typeface="Courier New" panose="02070309020205020404" pitchFamily="49" charset="0"/>
+              </a:rPr>
+              <a:t>person_str</a:t>
+            </a:r>
+            <a:r>
+              <a:rPr lang="nl-NL" sz="1400" b="1" dirty="0">
                 <a:latin typeface="Courier New" panose="02070309020205020404" pitchFamily="49" charset="0"/>
                 <a:cs typeface="Courier New" panose="02070309020205020404" pitchFamily="49" charset="0"/>
               </a:rPr>
@@ -24394,21 +24483,35 @@
               <a:buNone/>
             </a:pPr>
             <a:r>
-              <a:rPr lang="nl-NL" sz="1600" dirty="0">
-                <a:latin typeface="Courier New" panose="02070309020205020404" pitchFamily="49" charset="0"/>
-                <a:cs typeface="Courier New" panose="02070309020205020404" pitchFamily="49" charset="0"/>
-              </a:rPr>
-              <a:t>    voor, achter = </a:t>
-            </a:r>
-            <a:r>
-              <a:rPr lang="nl-NL" sz="1600" dirty="0" err="1">
-                <a:latin typeface="Courier New" panose="02070309020205020404" pitchFamily="49" charset="0"/>
-                <a:cs typeface="Courier New" panose="02070309020205020404" pitchFamily="49" charset="0"/>
-              </a:rPr>
-              <a:t>csv.split</a:t>
-            </a:r>
-            <a:r>
-              <a:rPr lang="nl-NL" sz="1600" dirty="0">
+              <a:rPr lang="nl-NL" sz="1400" dirty="0">
+                <a:latin typeface="Courier New" panose="02070309020205020404" pitchFamily="49" charset="0"/>
+                <a:cs typeface="Courier New" panose="02070309020205020404" pitchFamily="49" charset="0"/>
+              </a:rPr>
+              <a:t>    name, </a:t>
+            </a:r>
+            <a:r>
+              <a:rPr lang="nl-NL" sz="1400" dirty="0" err="1">
+                <a:latin typeface="Courier New" panose="02070309020205020404" pitchFamily="49" charset="0"/>
+                <a:cs typeface="Courier New" panose="02070309020205020404" pitchFamily="49" charset="0"/>
+              </a:rPr>
+              <a:t>lastname</a:t>
+            </a:r>
+            <a:r>
+              <a:rPr lang="nl-NL" sz="1400" dirty="0">
+                <a:latin typeface="Courier New" panose="02070309020205020404" pitchFamily="49" charset="0"/>
+                <a:cs typeface="Courier New" panose="02070309020205020404" pitchFamily="49" charset="0"/>
+              </a:rPr>
+              <a:t> = </a:t>
+            </a:r>
+            <a:r>
+              <a:rPr lang="nl-NL" sz="1400" dirty="0" err="1">
+                <a:latin typeface="Courier New" panose="02070309020205020404" pitchFamily="49" charset="0"/>
+                <a:cs typeface="Courier New" panose="02070309020205020404" pitchFamily="49" charset="0"/>
+              </a:rPr>
+              <a:t>person_str.split</a:t>
+            </a:r>
+            <a:r>
+              <a:rPr lang="nl-NL" sz="1400" dirty="0">
                 <a:latin typeface="Courier New" panose="02070309020205020404" pitchFamily="49" charset="0"/>
                 <a:cs typeface="Courier New" panose="02070309020205020404" pitchFamily="49" charset="0"/>
               </a:rPr>
@@ -24421,33 +24524,47 @@
               <a:buNone/>
             </a:pPr>
             <a:r>
-              <a:rPr lang="nl-NL" sz="1600" dirty="0">
+              <a:rPr lang="nl-NL" sz="1400" dirty="0">
                 <a:latin typeface="Courier New" panose="02070309020205020404" pitchFamily="49" charset="0"/>
                 <a:cs typeface="Courier New" panose="02070309020205020404" pitchFamily="49" charset="0"/>
               </a:rPr>
               <a:t>    return </a:t>
             </a:r>
             <a:r>
-              <a:rPr lang="nl-NL" sz="1600" dirty="0" err="1">
+              <a:rPr lang="nl-NL" sz="1400" dirty="0" err="1">
                 <a:latin typeface="Courier New" panose="02070309020205020404" pitchFamily="49" charset="0"/>
                 <a:cs typeface="Courier New" panose="02070309020205020404" pitchFamily="49" charset="0"/>
               </a:rPr>
               <a:t>cls</a:t>
             </a:r>
             <a:r>
-              <a:rPr lang="nl-NL" sz="1600" dirty="0">
-                <a:latin typeface="Courier New" panose="02070309020205020404" pitchFamily="49" charset="0"/>
-                <a:cs typeface="Courier New" panose="02070309020205020404" pitchFamily="49" charset="0"/>
-              </a:rPr>
-              <a:t>(voor, achter)</a:t>
-            </a:r>
-          </a:p>
-          <a:p>
-            <a:pPr marL="0" indent="0">
-              <a:buFont typeface="Arial" panose="020B0604020202020204" pitchFamily="34" charset="0"/>
-              <a:buNone/>
-            </a:pPr>
-            <a:endParaRPr lang="nl-NL" sz="1600" dirty="0">
+              <a:rPr lang="nl-NL" sz="1400" dirty="0">
+                <a:latin typeface="Courier New" panose="02070309020205020404" pitchFamily="49" charset="0"/>
+                <a:cs typeface="Courier New" panose="02070309020205020404" pitchFamily="49" charset="0"/>
+              </a:rPr>
+              <a:t>(name, </a:t>
+            </a:r>
+            <a:r>
+              <a:rPr lang="nl-NL" sz="1400" dirty="0" err="1">
+                <a:latin typeface="Courier New" panose="02070309020205020404" pitchFamily="49" charset="0"/>
+                <a:cs typeface="Courier New" panose="02070309020205020404" pitchFamily="49" charset="0"/>
+              </a:rPr>
+              <a:t>lastname</a:t>
+            </a:r>
+            <a:r>
+              <a:rPr lang="nl-NL" sz="1400" dirty="0">
+                <a:latin typeface="Courier New" panose="02070309020205020404" pitchFamily="49" charset="0"/>
+                <a:cs typeface="Courier New" panose="02070309020205020404" pitchFamily="49" charset="0"/>
+              </a:rPr>
+              <a:t>)</a:t>
+            </a:r>
+          </a:p>
+          <a:p>
+            <a:pPr marL="0" indent="0">
+              <a:buFont typeface="Arial" panose="020B0604020202020204" pitchFamily="34" charset="0"/>
+              <a:buNone/>
+            </a:pPr>
+            <a:endParaRPr lang="nl-NL" sz="1400" dirty="0">
               <a:latin typeface="Courier New" panose="02070309020205020404" pitchFamily="49" charset="0"/>
               <a:cs typeface="Courier New" panose="02070309020205020404" pitchFamily="49" charset="0"/>
             </a:endParaRPr>
@@ -24457,7 +24574,7 @@
               <a:buFont typeface="Arial" panose="020B0604020202020204" pitchFamily="34" charset="0"/>
               <a:buNone/>
             </a:pPr>
-            <a:endParaRPr lang="nl-NL" sz="1600" dirty="0">
+            <a:endParaRPr lang="nl-NL" sz="1400" dirty="0">
               <a:latin typeface="Courier New" panose="02070309020205020404" pitchFamily="49" charset="0"/>
               <a:cs typeface="Courier New" panose="02070309020205020404" pitchFamily="49" charset="0"/>
             </a:endParaRPr>
@@ -24468,55 +24585,42 @@
               <a:buNone/>
             </a:pPr>
             <a:r>
-              <a:rPr lang="nl-NL" sz="1600" dirty="0">
-                <a:latin typeface="Courier New" panose="02070309020205020404" pitchFamily="49" charset="0"/>
-                <a:cs typeface="Courier New" panose="02070309020205020404" pitchFamily="49" charset="0"/>
-              </a:rPr>
-              <a:t># Maak persoon aan vanuit CSV</a:t>
-            </a:r>
-          </a:p>
-          <a:p>
-            <a:pPr marL="0" indent="0">
-              <a:buFont typeface="Arial" panose="020B0604020202020204" pitchFamily="34" charset="0"/>
-              <a:buNone/>
-            </a:pPr>
-            <a:r>
-              <a:rPr lang="nl-NL" sz="1600" dirty="0" err="1">
-                <a:latin typeface="Courier New" panose="02070309020205020404" pitchFamily="49" charset="0"/>
-                <a:cs typeface="Courier New" panose="02070309020205020404" pitchFamily="49" charset="0"/>
-              </a:rPr>
-              <a:t>henk</a:t>
-            </a:r>
-            <a:r>
-              <a:rPr lang="nl-NL" sz="1600" dirty="0">
+              <a:rPr lang="nl-NL" sz="1400" dirty="0" err="1">
+                <a:latin typeface="Courier New" panose="02070309020205020404" pitchFamily="49" charset="0"/>
+                <a:cs typeface="Courier New" panose="02070309020205020404" pitchFamily="49" charset="0"/>
+              </a:rPr>
+              <a:t>john</a:t>
+            </a:r>
+            <a:r>
+              <a:rPr lang="nl-NL" sz="1400" dirty="0">
                 <a:latin typeface="Courier New" panose="02070309020205020404" pitchFamily="49" charset="0"/>
                 <a:cs typeface="Courier New" panose="02070309020205020404" pitchFamily="49" charset="0"/>
               </a:rPr>
               <a:t> = </a:t>
             </a:r>
             <a:r>
-              <a:rPr lang="nl-NL" sz="1600" b="1" dirty="0" err="1">
-                <a:latin typeface="Courier New" panose="02070309020205020404" pitchFamily="49" charset="0"/>
-                <a:cs typeface="Courier New" panose="02070309020205020404" pitchFamily="49" charset="0"/>
-              </a:rPr>
-              <a:t>Persoon.van_csv</a:t>
-            </a:r>
-            <a:r>
-              <a:rPr lang="nl-NL" sz="1600" dirty="0">
+              <a:rPr lang="nl-NL" sz="1400" b="1" dirty="0" err="1">
+                <a:latin typeface="Courier New" panose="02070309020205020404" pitchFamily="49" charset="0"/>
+                <a:cs typeface="Courier New" panose="02070309020205020404" pitchFamily="49" charset="0"/>
+              </a:rPr>
+              <a:t>Person.from_str</a:t>
+            </a:r>
+            <a:r>
+              <a:rPr lang="nl-NL" sz="1400" dirty="0">
                 <a:latin typeface="Courier New" panose="02070309020205020404" pitchFamily="49" charset="0"/>
                 <a:cs typeface="Courier New" panose="02070309020205020404" pitchFamily="49" charset="0"/>
               </a:rPr>
               <a:t>("</a:t>
             </a:r>
             <a:r>
-              <a:rPr lang="nl-NL" sz="1600" dirty="0" err="1">
-                <a:latin typeface="Courier New" panose="02070309020205020404" pitchFamily="49" charset="0"/>
-                <a:cs typeface="Courier New" panose="02070309020205020404" pitchFamily="49" charset="0"/>
-              </a:rPr>
-              <a:t>Henk,Jansen</a:t>
-            </a:r>
-            <a:r>
-              <a:rPr lang="nl-NL" sz="1600" dirty="0">
+              <a:rPr lang="nl-NL" sz="1400" dirty="0" err="1">
+                <a:latin typeface="Courier New" panose="02070309020205020404" pitchFamily="49" charset="0"/>
+                <a:cs typeface="Courier New" panose="02070309020205020404" pitchFamily="49" charset="0"/>
+              </a:rPr>
+              <a:t>John,Doe</a:t>
+            </a:r>
+            <a:r>
+              <a:rPr lang="nl-NL" sz="1400" dirty="0">
                 <a:latin typeface="Courier New" panose="02070309020205020404" pitchFamily="49" charset="0"/>
                 <a:cs typeface="Courier New" panose="02070309020205020404" pitchFamily="49" charset="0"/>
               </a:rPr>

--- a/python_trainees/1_basics_classes/python_traineeship_1.pptx
+++ b/python_trainees/1_basics_classes/python_traineeship_1.pptx
@@ -11,9 +11,9 @@
     <p:sldId id="258" r:id="rId5"/>
     <p:sldId id="261" r:id="rId6"/>
     <p:sldId id="262" r:id="rId7"/>
-    <p:sldId id="259" r:id="rId8"/>
-    <p:sldId id="297" r:id="rId9"/>
-    <p:sldId id="296" r:id="rId10"/>
+    <p:sldId id="297" r:id="rId8"/>
+    <p:sldId id="296" r:id="rId9"/>
+    <p:sldId id="259" r:id="rId10"/>
     <p:sldId id="268" r:id="rId11"/>
     <p:sldId id="263" r:id="rId12"/>
     <p:sldId id="266" r:id="rId13"/>
@@ -311,7 +311,7 @@
           <a:p>
             <a:fld id="{0EBB069A-003F-4FC0-8534-236B0C5C7B5F}" type="datetimeFigureOut">
               <a:rPr lang="en-NL" smtClean="0"/>
-              <a:t>22/02/2023</a:t>
+              <a:t>02/03/2023</a:t>
             </a:fld>
             <a:endParaRPr lang="en-NL"/>
           </a:p>
@@ -511,7 +511,7 @@
           <a:p>
             <a:fld id="{0EBB069A-003F-4FC0-8534-236B0C5C7B5F}" type="datetimeFigureOut">
               <a:rPr lang="en-NL" smtClean="0"/>
-              <a:t>22/02/2023</a:t>
+              <a:t>02/03/2023</a:t>
             </a:fld>
             <a:endParaRPr lang="en-NL"/>
           </a:p>
@@ -721,7 +721,7 @@
           <a:p>
             <a:fld id="{0EBB069A-003F-4FC0-8534-236B0C5C7B5F}" type="datetimeFigureOut">
               <a:rPr lang="en-NL" smtClean="0"/>
-              <a:t>22/02/2023</a:t>
+              <a:t>02/03/2023</a:t>
             </a:fld>
             <a:endParaRPr lang="en-NL"/>
           </a:p>
@@ -921,7 +921,7 @@
           <a:p>
             <a:fld id="{0EBB069A-003F-4FC0-8534-236B0C5C7B5F}" type="datetimeFigureOut">
               <a:rPr lang="en-NL" smtClean="0"/>
-              <a:t>22/02/2023</a:t>
+              <a:t>02/03/2023</a:t>
             </a:fld>
             <a:endParaRPr lang="en-NL"/>
           </a:p>
@@ -1197,7 +1197,7 @@
           <a:p>
             <a:fld id="{0EBB069A-003F-4FC0-8534-236B0C5C7B5F}" type="datetimeFigureOut">
               <a:rPr lang="en-NL" smtClean="0"/>
-              <a:t>22/02/2023</a:t>
+              <a:t>02/03/2023</a:t>
             </a:fld>
             <a:endParaRPr lang="en-NL"/>
           </a:p>
@@ -1465,7 +1465,7 @@
           <a:p>
             <a:fld id="{0EBB069A-003F-4FC0-8534-236B0C5C7B5F}" type="datetimeFigureOut">
               <a:rPr lang="en-NL" smtClean="0"/>
-              <a:t>22/02/2023</a:t>
+              <a:t>02/03/2023</a:t>
             </a:fld>
             <a:endParaRPr lang="en-NL"/>
           </a:p>
@@ -1880,7 +1880,7 @@
           <a:p>
             <a:fld id="{0EBB069A-003F-4FC0-8534-236B0C5C7B5F}" type="datetimeFigureOut">
               <a:rPr lang="en-NL" smtClean="0"/>
-              <a:t>22/02/2023</a:t>
+              <a:t>02/03/2023</a:t>
             </a:fld>
             <a:endParaRPr lang="en-NL"/>
           </a:p>
@@ -2022,7 +2022,7 @@
           <a:p>
             <a:fld id="{0EBB069A-003F-4FC0-8534-236B0C5C7B5F}" type="datetimeFigureOut">
               <a:rPr lang="en-NL" smtClean="0"/>
-              <a:t>22/02/2023</a:t>
+              <a:t>02/03/2023</a:t>
             </a:fld>
             <a:endParaRPr lang="en-NL"/>
           </a:p>
@@ -2135,7 +2135,7 @@
           <a:p>
             <a:fld id="{0EBB069A-003F-4FC0-8534-236B0C5C7B5F}" type="datetimeFigureOut">
               <a:rPr lang="en-NL" smtClean="0"/>
-              <a:t>22/02/2023</a:t>
+              <a:t>02/03/2023</a:t>
             </a:fld>
             <a:endParaRPr lang="en-NL"/>
           </a:p>
@@ -2448,7 +2448,7 @@
           <a:p>
             <a:fld id="{0EBB069A-003F-4FC0-8534-236B0C5C7B5F}" type="datetimeFigureOut">
               <a:rPr lang="en-NL" smtClean="0"/>
-              <a:t>22/02/2023</a:t>
+              <a:t>02/03/2023</a:t>
             </a:fld>
             <a:endParaRPr lang="en-NL"/>
           </a:p>
@@ -2737,7 +2737,7 @@
           <a:p>
             <a:fld id="{0EBB069A-003F-4FC0-8534-236B0C5C7B5F}" type="datetimeFigureOut">
               <a:rPr lang="en-NL" smtClean="0"/>
-              <a:t>22/02/2023</a:t>
+              <a:t>02/03/2023</a:t>
             </a:fld>
             <a:endParaRPr lang="en-NL"/>
           </a:p>
@@ -2980,7 +2980,7 @@
           <a:p>
             <a:fld id="{0EBB069A-003F-4FC0-8534-236B0C5C7B5F}" type="datetimeFigureOut">
               <a:rPr lang="en-NL" smtClean="0"/>
-              <a:t>22/02/2023</a:t>
+              <a:t>02/03/2023</a:t>
             </a:fld>
             <a:endParaRPr lang="en-NL"/>
           </a:p>
@@ -7385,7 +7385,7 @@
                 <a:latin typeface="Courier New" panose="02070309020205020404" pitchFamily="49" charset="0"/>
                 <a:cs typeface="Courier New" panose="02070309020205020404" pitchFamily="49" charset="0"/>
               </a:rPr>
-              <a:t>type(&lt;object&gt;)</a:t>
+              <a:t>help(&lt;object&gt;)</a:t>
             </a:r>
           </a:p>
           <a:p>
@@ -7412,7 +7412,7 @@
                 <a:latin typeface="Courier New" panose="02070309020205020404" pitchFamily="49" charset="0"/>
                 <a:cs typeface="Courier New" panose="02070309020205020404" pitchFamily="49" charset="0"/>
               </a:rPr>
-              <a:t>help(&lt;object&gt;)</a:t>
+              <a:t>dir(&lt;object&gt;)</a:t>
             </a:r>
           </a:p>
           <a:p>
@@ -7422,7 +7422,7 @@
               </a:lnSpc>
               <a:buNone/>
             </a:pPr>
-            <a:endParaRPr lang="nl-NL" sz="2000" noProof="0" dirty="0">
+            <a:endParaRPr lang="nl-NL" sz="2000" dirty="0">
               <a:latin typeface="Courier New" panose="02070309020205020404" pitchFamily="49" charset="0"/>
               <a:cs typeface="Courier New" panose="02070309020205020404" pitchFamily="49" charset="0"/>
             </a:endParaRPr>
@@ -7439,7 +7439,7 @@
                 <a:latin typeface="Courier New" panose="02070309020205020404" pitchFamily="49" charset="0"/>
                 <a:cs typeface="Courier New" panose="02070309020205020404" pitchFamily="49" charset="0"/>
               </a:rPr>
-              <a:t>dir(&lt;object&gt;)</a:t>
+              <a:t>type(&lt;object&gt;)</a:t>
             </a:r>
           </a:p>
           <a:p>
@@ -7560,25 +7560,6 @@
             </a:pPr>
             <a:r>
               <a:rPr lang="nl-NL" sz="2000" dirty="0"/>
-              <a:t>Geeft type van een object weer.</a:t>
-            </a:r>
-          </a:p>
-          <a:p>
-            <a:pPr>
-              <a:spcBef>
-                <a:spcPts val="1000"/>
-              </a:spcBef>
-            </a:pPr>
-            <a:endParaRPr lang="nl-NL" sz="2000" dirty="0"/>
-          </a:p>
-          <a:p>
-            <a:pPr>
-              <a:spcBef>
-                <a:spcPts val="1000"/>
-              </a:spcBef>
-            </a:pPr>
-            <a:r>
-              <a:rPr lang="nl-NL" sz="2000" dirty="0"/>
               <a:t>Geeft hulp over het object.</a:t>
             </a:r>
           </a:p>
@@ -7617,13 +7598,27 @@
             </a:pPr>
             <a:r>
               <a:rPr lang="nl-NL" sz="2000" dirty="0"/>
-              <a:t>Geeft unieke ID van </a:t>
-            </a:r>
-            <a:r>
-              <a:rPr lang="nl-NL" sz="2000"/>
-              <a:t>het object weer.</a:t>
-            </a:r>
+              <a:t>Geeft unieke ID van het object weer.</a:t>
+            </a:r>
+          </a:p>
+          <a:p>
+            <a:pPr>
+              <a:spcBef>
+                <a:spcPts val="1000"/>
+              </a:spcBef>
+            </a:pPr>
             <a:endParaRPr lang="nl-NL" sz="2000" dirty="0"/>
+          </a:p>
+          <a:p>
+            <a:pPr>
+              <a:spcBef>
+                <a:spcPts val="1000"/>
+              </a:spcBef>
+            </a:pPr>
+            <a:r>
+              <a:rPr lang="nl-NL" sz="2000" dirty="0"/>
+              <a:t>Geeft type van een object weer.</a:t>
+            </a:r>
           </a:p>
         </p:txBody>
       </p:sp>
@@ -7711,7 +7706,7 @@
         <p:spPr>
           <a:xfrm>
             <a:off x="838199" y="1456267"/>
-            <a:ext cx="4453467" cy="1794933"/>
+            <a:ext cx="4453467" cy="2042367"/>
           </a:xfrm>
         </p:spPr>
         <p:style>
@@ -7794,7 +7789,7 @@
         <p:spPr>
           <a:xfrm>
             <a:off x="6096000" y="4013200"/>
-            <a:ext cx="4453467" cy="1794933"/>
+            <a:ext cx="4453467" cy="2042367"/>
           </a:xfrm>
           <a:prstGeom prst="rect">
             <a:avLst/>
@@ -8007,6 +8002,19 @@
                 <a:latin typeface="Courier New" panose="02070309020205020404" pitchFamily="49" charset="0"/>
                 <a:cs typeface="Courier New" panose="02070309020205020404" pitchFamily="49" charset="0"/>
               </a:rPr>
+              <a:t>set   = {1, 2, 3, 3}</a:t>
+            </a:r>
+          </a:p>
+          <a:p>
+            <a:pPr marL="0" indent="0">
+              <a:buFont typeface="Arial" panose="020B0604020202020204" pitchFamily="34" charset="0"/>
+              <a:buNone/>
+            </a:pPr>
+            <a:r>
+              <a:rPr lang="en-US" sz="2000" dirty="0">
+                <a:latin typeface="Courier New" panose="02070309020205020404" pitchFamily="49" charset="0"/>
+                <a:cs typeface="Courier New" panose="02070309020205020404" pitchFamily="49" charset="0"/>
+              </a:rPr>
               <a:t>tuple = (1, 2, 3)</a:t>
             </a:r>
           </a:p>
@@ -8062,7 +8070,7 @@
         <p:spPr>
           <a:xfrm>
             <a:off x="6096000" y="1456266"/>
-            <a:ext cx="4453466" cy="1794933"/>
+            <a:ext cx="4453466" cy="2042367"/>
           </a:xfrm>
           <a:prstGeom prst="rect">
             <a:avLst/>
@@ -8310,7 +8318,7 @@
         <p:spPr>
           <a:xfrm>
             <a:off x="838199" y="4013200"/>
-            <a:ext cx="4453467" cy="1794933"/>
+            <a:ext cx="4453467" cy="2042367"/>
           </a:xfrm>
           <a:prstGeom prst="rect">
             <a:avLst/>
@@ -9711,7 +9719,7 @@
                 <a:latin typeface="Courier New" panose="02070309020205020404" pitchFamily="49" charset="0"/>
                 <a:cs typeface="Courier New" panose="02070309020205020404" pitchFamily="49" charset="0"/>
               </a:rPr>
-              <a:t>0, None, "", [], {}</a:t>
+              <a:t>0, "", [], {}, None</a:t>
             </a:r>
             <a:r>
               <a:rPr lang="nl-NL" sz="2000" dirty="0">
@@ -10001,6 +10009,27 @@
               <a:t>x[-1:]    # [4]</a:t>
             </a:r>
           </a:p>
+          <a:p>
+            <a:pPr marL="0" indent="0">
+              <a:buNone/>
+            </a:pPr>
+            <a:endParaRPr lang="nl-NL" sz="1600" dirty="0">
+              <a:latin typeface="Courier New" panose="02070309020205020404" pitchFamily="49" charset="0"/>
+              <a:cs typeface="Courier New" panose="02070309020205020404" pitchFamily="49" charset="0"/>
+            </a:endParaRPr>
+          </a:p>
+          <a:p>
+            <a:pPr marL="0" indent="0">
+              <a:buNone/>
+            </a:pPr>
+            <a:r>
+              <a:rPr lang="nl-NL" sz="1600" noProof="0" dirty="0">
+                <a:latin typeface="Courier New" panose="02070309020205020404" pitchFamily="49" charset="0"/>
+                <a:cs typeface="Courier New" panose="02070309020205020404" pitchFamily="49" charset="0"/>
+              </a:rPr>
+              <a:t>X[2] = 0  # toewijzen (alleen list)</a:t>
+            </a:r>
+          </a:p>
         </p:txBody>
       </p:sp>
       <p:sp>
@@ -10314,6 +10343,40 @@
               </a:rPr>
               <a:t>("c", 3)    # 3</a:t>
             </a:r>
+          </a:p>
+          <a:p>
+            <a:pPr marL="0" indent="0">
+              <a:buFont typeface="Arial" panose="020B0604020202020204" pitchFamily="34" charset="0"/>
+              <a:buNone/>
+            </a:pPr>
+            <a:endParaRPr lang="en-US" sz="1600" dirty="0">
+              <a:latin typeface="Courier New" panose="02070309020205020404" pitchFamily="49" charset="0"/>
+              <a:cs typeface="Courier New" panose="02070309020205020404" pitchFamily="49" charset="0"/>
+            </a:endParaRPr>
+          </a:p>
+          <a:p>
+            <a:pPr marL="0" indent="0">
+              <a:buFont typeface="Arial" panose="020B0604020202020204" pitchFamily="34" charset="0"/>
+              <a:buNone/>
+            </a:pPr>
+            <a:r>
+              <a:rPr lang="en-US" sz="1600" dirty="0">
+                <a:latin typeface="Courier New" panose="02070309020205020404" pitchFamily="49" charset="0"/>
+                <a:cs typeface="Courier New" panose="02070309020205020404" pitchFamily="49" charset="0"/>
+              </a:rPr>
+              <a:t>d["a"] = 0       # </a:t>
+            </a:r>
+            <a:r>
+              <a:rPr lang="en-US" sz="1600" dirty="0" err="1">
+                <a:latin typeface="Courier New" panose="02070309020205020404" pitchFamily="49" charset="0"/>
+                <a:cs typeface="Courier New" panose="02070309020205020404" pitchFamily="49" charset="0"/>
+              </a:rPr>
+              <a:t>toewijzen</a:t>
+            </a:r>
+            <a:endParaRPr lang="en-US" sz="1600" dirty="0">
+              <a:latin typeface="Courier New" panose="02070309020205020404" pitchFamily="49" charset="0"/>
+              <a:cs typeface="Courier New" panose="02070309020205020404" pitchFamily="49" charset="0"/>
+            </a:endParaRPr>
           </a:p>
           <a:p>
             <a:pPr marL="0" indent="0">
@@ -11642,7 +11705,6 @@
               <a:rPr lang="nl-NL" sz="2000" dirty="0"/>
               <a:t>?</a:t>
             </a:r>
-            <a:endParaRPr lang="nl-NL" sz="2000" noProof="0" dirty="0"/>
           </a:p>
           <a:p>
             <a:pPr marL="457200" indent="-457200">
@@ -11652,6 +11714,7 @@
           </a:p>
           <a:p>
             <a:pPr marL="457200" indent="-457200">
+              <a:buFont typeface="Arial" panose="020B0604020202020204" pitchFamily="34" charset="0"/>
               <a:buAutoNum type="arabicPeriod"/>
             </a:pPr>
             <a:r>
@@ -11663,7 +11726,7 @@
                 <a:latin typeface="Courier New" panose="02070309020205020404" pitchFamily="49" charset="0"/>
                 <a:cs typeface="Courier New" panose="02070309020205020404" pitchFamily="49" charset="0"/>
               </a:rPr>
-              <a:t>[1, 2, 3] * 3</a:t>
+              <a:t>"abc" * 3</a:t>
             </a:r>
             <a:r>
               <a:rPr lang="nl-NL" sz="2000" dirty="0"/>
@@ -11681,22 +11744,63 @@
               <a:buAutoNum type="arabicPeriod"/>
             </a:pPr>
             <a:r>
+              <a:rPr lang="nl-NL" sz="2000" noProof="0" dirty="0"/>
+              <a:t>Maak een template dat deze data weergeeft als tabel:</a:t>
+            </a:r>
+          </a:p>
+          <a:p>
+            <a:pPr marL="0" indent="0">
+              <a:buNone/>
+            </a:pPr>
+            <a:r>
+              <a:rPr lang="nl-NL" sz="2000" noProof="0" dirty="0"/>
+              <a:t>       </a:t>
+            </a:r>
+            <a:r>
+              <a:rPr lang="nl-NL" sz="2000" noProof="0" dirty="0">
+                <a:latin typeface="Courier New" panose="02070309020205020404" pitchFamily="49" charset="0"/>
+                <a:cs typeface="Courier New" panose="02070309020205020404" pitchFamily="49" charset="0"/>
+              </a:rPr>
+              <a:t>{"name": "John", "</a:t>
+            </a:r>
+            <a:r>
+              <a:rPr lang="nl-NL" sz="2000" noProof="0" dirty="0" err="1">
+                <a:latin typeface="Courier New" panose="02070309020205020404" pitchFamily="49" charset="0"/>
+                <a:cs typeface="Courier New" panose="02070309020205020404" pitchFamily="49" charset="0"/>
+              </a:rPr>
+              <a:t>lastname</a:t>
+            </a:r>
+            <a:r>
+              <a:rPr lang="nl-NL" sz="2000" noProof="0" dirty="0">
+                <a:latin typeface="Courier New" panose="02070309020205020404" pitchFamily="49" charset="0"/>
+                <a:cs typeface="Courier New" panose="02070309020205020404" pitchFamily="49" charset="0"/>
+              </a:rPr>
+              <a:t>": "Doe", "score": 7.6245}</a:t>
+            </a:r>
+          </a:p>
+          <a:p>
+            <a:pPr marL="0" indent="0">
+              <a:buNone/>
+            </a:pPr>
+            <a:endParaRPr lang="nl-NL" sz="2000" dirty="0">
+              <a:latin typeface="Courier New" panose="02070309020205020404" pitchFamily="49" charset="0"/>
+              <a:cs typeface="Courier New" panose="02070309020205020404" pitchFamily="49" charset="0"/>
+            </a:endParaRPr>
+          </a:p>
+          <a:p>
+            <a:pPr marL="457200" indent="-457200">
+              <a:buAutoNum type="arabicPeriod" startAt="4"/>
+            </a:pPr>
+            <a:r>
               <a:rPr lang="nl-NL" sz="2000" dirty="0"/>
-              <a:t>En wat is de waarde van </a:t>
-            </a:r>
-            <a:r>
-              <a:rPr lang="nl-NL" sz="2000" dirty="0" err="1">
-                <a:latin typeface="Courier New" panose="02070309020205020404" pitchFamily="49" charset="0"/>
-                <a:cs typeface="Courier New" panose="02070309020205020404" pitchFamily="49" charset="0"/>
-              </a:rPr>
-              <a:t>zeroes</a:t>
+              <a:t>Wat is het resultaat van </a:t>
             </a:r>
             <a:r>
               <a:rPr lang="nl-NL" sz="2000" dirty="0">
                 <a:latin typeface="Courier New" panose="02070309020205020404" pitchFamily="49" charset="0"/>
                 <a:cs typeface="Courier New" panose="02070309020205020404" pitchFamily="49" charset="0"/>
               </a:rPr>
-              <a:t> = [[0] * 3] * 3</a:t>
+              <a:t>[1, 2, 3] * 3</a:t>
             </a:r>
             <a:r>
               <a:rPr lang="nl-NL" sz="2000" dirty="0"/>
@@ -11704,12 +11808,18 @@
             </a:r>
           </a:p>
           <a:p>
-            <a:pPr marL="457200" lvl="1" indent="0">
-              <a:buNone/>
+            <a:pPr marL="457200" indent="-457200">
+              <a:buAutoNum type="arabicPeriod" startAt="4"/>
+            </a:pPr>
+            <a:endParaRPr lang="nl-NL" sz="2000" dirty="0"/>
+          </a:p>
+          <a:p>
+            <a:pPr marL="457200" indent="-457200">
+              <a:buAutoNum type="arabicPeriod" startAt="4"/>
             </a:pPr>
             <a:r>
               <a:rPr lang="nl-NL" sz="2000" dirty="0"/>
-              <a:t>En wat is het resultaat van </a:t>
+              <a:t>Wat is het resultaat van </a:t>
             </a:r>
             <a:r>
               <a:rPr lang="nl-NL" sz="2000" dirty="0" err="1">
@@ -11723,7 +11833,7 @@
                 <a:latin typeface="Courier New" panose="02070309020205020404" pitchFamily="49" charset="0"/>
                 <a:cs typeface="Courier New" panose="02070309020205020404" pitchFamily="49" charset="0"/>
               </a:rPr>
-              <a:t>[0][0] = 1</a:t>
+              <a:t> = [[0] * 3] * 3</a:t>
             </a:r>
             <a:r>
               <a:rPr lang="nl-NL" sz="2000" dirty="0"/>
@@ -11731,75 +11841,30 @@
             </a:r>
           </a:p>
           <a:p>
-            <a:pPr marL="457200" indent="-457200">
-              <a:buAutoNum type="arabicPeriod"/>
-            </a:pPr>
-            <a:endParaRPr lang="nl-NL" sz="2000" dirty="0"/>
-          </a:p>
-          <a:p>
-            <a:pPr marL="457200" indent="-457200">
-              <a:buFont typeface="Arial" panose="020B0604020202020204" pitchFamily="34" charset="0"/>
-              <a:buAutoNum type="arabicPeriod"/>
+            <a:pPr marL="457200" lvl="1" indent="0">
+              <a:buNone/>
             </a:pPr>
             <a:r>
               <a:rPr lang="nl-NL" sz="2000" dirty="0"/>
-              <a:t>Wat is het resultaat van </a:t>
+              <a:t>En wat van </a:t>
+            </a:r>
+            <a:r>
+              <a:rPr lang="nl-NL" sz="2000" dirty="0" err="1">
+                <a:latin typeface="Courier New" panose="02070309020205020404" pitchFamily="49" charset="0"/>
+                <a:cs typeface="Courier New" panose="02070309020205020404" pitchFamily="49" charset="0"/>
+              </a:rPr>
+              <a:t>zeroes</a:t>
             </a:r>
             <a:r>
               <a:rPr lang="nl-NL" sz="2000" dirty="0">
                 <a:latin typeface="Courier New" panose="02070309020205020404" pitchFamily="49" charset="0"/>
                 <a:cs typeface="Courier New" panose="02070309020205020404" pitchFamily="49" charset="0"/>
               </a:rPr>
-              <a:t>"abc" * 3</a:t>
+              <a:t>[0][0] = 1</a:t>
             </a:r>
             <a:r>
               <a:rPr lang="nl-NL" sz="2000" dirty="0"/>
               <a:t>?</a:t>
-            </a:r>
-          </a:p>
-          <a:p>
-            <a:pPr marL="457200" indent="-457200">
-              <a:buAutoNum type="arabicPeriod"/>
-            </a:pPr>
-            <a:endParaRPr lang="nl-NL" sz="2000" dirty="0"/>
-          </a:p>
-          <a:p>
-            <a:pPr marL="457200" indent="-457200">
-              <a:buAutoNum type="arabicPeriod"/>
-            </a:pPr>
-            <a:r>
-              <a:rPr lang="nl-NL" sz="2000" noProof="0" dirty="0"/>
-              <a:t>Maak een template dat deze data weergeeft als tabel:</a:t>
-            </a:r>
-          </a:p>
-          <a:p>
-            <a:pPr marL="0" indent="0">
-              <a:buNone/>
-            </a:pPr>
-            <a:r>
-              <a:rPr lang="nl-NL" sz="2000" noProof="0" dirty="0"/>
-              <a:t>       </a:t>
-            </a:r>
-            <a:r>
-              <a:rPr lang="nl-NL" sz="2000" noProof="0" dirty="0">
-                <a:latin typeface="Courier New" panose="02070309020205020404" pitchFamily="49" charset="0"/>
-                <a:cs typeface="Courier New" panose="02070309020205020404" pitchFamily="49" charset="0"/>
-              </a:rPr>
-              <a:t>{"name": "John", "</a:t>
-            </a:r>
-            <a:r>
-              <a:rPr lang="nl-NL" sz="2000" noProof="0" dirty="0" err="1">
-                <a:latin typeface="Courier New" panose="02070309020205020404" pitchFamily="49" charset="0"/>
-                <a:cs typeface="Courier New" panose="02070309020205020404" pitchFamily="49" charset="0"/>
-              </a:rPr>
-              <a:t>lastname</a:t>
-            </a:r>
-            <a:r>
-              <a:rPr lang="nl-NL" sz="2000" noProof="0" dirty="0">
-                <a:latin typeface="Courier New" panose="02070309020205020404" pitchFamily="49" charset="0"/>
-                <a:cs typeface="Courier New" panose="02070309020205020404" pitchFamily="49" charset="0"/>
-              </a:rPr>
-              <a:t>": "Doe", "score": 7.6245}</a:t>
             </a:r>
           </a:p>
           <a:p>
@@ -13184,7 +13249,7 @@
                 <a:latin typeface="Courier New" panose="02070309020205020404" pitchFamily="49" charset="0"/>
                 <a:cs typeface="Courier New" panose="02070309020205020404" pitchFamily="49" charset="0"/>
               </a:rPr>
-              <a:t>[0] = None</a:t>
+              <a:t>[0] = 0</a:t>
             </a:r>
           </a:p>
           <a:p>
@@ -13596,7 +13661,7 @@
                 <a:latin typeface="Courier New" panose="02070309020205020404" pitchFamily="49" charset="0"/>
                 <a:cs typeface="Courier New" panose="02070309020205020404" pitchFamily="49" charset="0"/>
               </a:rPr>
-              <a:t> = None</a:t>
+              <a:t> = 0</a:t>
             </a:r>
           </a:p>
           <a:p>
@@ -14207,18 +14272,46 @@
               </a:spcBef>
             </a:pPr>
             <a:r>
-              <a:rPr lang="nl-NL" sz="2000"/>
+              <a:rPr lang="nl-NL" sz="2000" dirty="0"/>
               <a:t>Met </a:t>
             </a:r>
             <a:r>
-              <a:rPr lang="nl-NL" sz="2000">
-                <a:latin typeface="Courier New" panose="02070309020205020404" pitchFamily="49" charset="0"/>
-                <a:cs typeface="Courier New" panose="02070309020205020404" pitchFamily="49" charset="0"/>
-              </a:rPr>
-              <a:t>if … elif … else</a:t>
-            </a:r>
-            <a:r>
-              <a:rPr lang="nl-NL" sz="2000"/>
+              <a:rPr lang="nl-NL" sz="2000" dirty="0" err="1">
+                <a:latin typeface="Courier New" panose="02070309020205020404" pitchFamily="49" charset="0"/>
+                <a:cs typeface="Courier New" panose="02070309020205020404" pitchFamily="49" charset="0"/>
+              </a:rPr>
+              <a:t>if</a:t>
+            </a:r>
+            <a:r>
+              <a:rPr lang="nl-NL" sz="2000" dirty="0">
+                <a:latin typeface="Courier New" panose="02070309020205020404" pitchFamily="49" charset="0"/>
+                <a:cs typeface="Courier New" panose="02070309020205020404" pitchFamily="49" charset="0"/>
+              </a:rPr>
+              <a:t> … </a:t>
+            </a:r>
+            <a:r>
+              <a:rPr lang="nl-NL" sz="2000" dirty="0" err="1">
+                <a:latin typeface="Courier New" panose="02070309020205020404" pitchFamily="49" charset="0"/>
+                <a:cs typeface="Courier New" panose="02070309020205020404" pitchFamily="49" charset="0"/>
+              </a:rPr>
+              <a:t>elif</a:t>
+            </a:r>
+            <a:r>
+              <a:rPr lang="nl-NL" sz="2000" dirty="0">
+                <a:latin typeface="Courier New" panose="02070309020205020404" pitchFamily="49" charset="0"/>
+                <a:cs typeface="Courier New" panose="02070309020205020404" pitchFamily="49" charset="0"/>
+              </a:rPr>
+              <a:t> … </a:t>
+            </a:r>
+            <a:r>
+              <a:rPr lang="nl-NL" sz="2000" dirty="0" err="1">
+                <a:latin typeface="Courier New" panose="02070309020205020404" pitchFamily="49" charset="0"/>
+                <a:cs typeface="Courier New" panose="02070309020205020404" pitchFamily="49" charset="0"/>
+              </a:rPr>
+              <a:t>else</a:t>
+            </a:r>
+            <a:r>
+              <a:rPr lang="nl-NL" sz="2000" dirty="0"/>
               <a:t> maak je</a:t>
             </a:r>
           </a:p>
@@ -14229,7 +14322,7 @@
               </a:spcBef>
             </a:pPr>
             <a:r>
-              <a:rPr lang="nl-NL" sz="2000"/>
+              <a:rPr lang="nl-NL" sz="2000" dirty="0"/>
               <a:t>conditionele code.</a:t>
             </a:r>
           </a:p>
@@ -14239,7 +14332,7 @@
                 <a:spcPts val="1000"/>
               </a:spcBef>
             </a:pPr>
-            <a:endParaRPr lang="nl-NL" sz="2000"/>
+            <a:endParaRPr lang="nl-NL" sz="2000" dirty="0"/>
           </a:p>
           <a:p>
             <a:pPr>
@@ -14248,29 +14341,29 @@
               </a:spcBef>
             </a:pPr>
             <a:r>
-              <a:rPr lang="nl-NL" sz="2000"/>
+              <a:rPr lang="nl-NL" sz="2000" dirty="0"/>
               <a:t>Combineer condities met </a:t>
             </a:r>
             <a:r>
-              <a:rPr lang="nl-NL" sz="2000">
+              <a:rPr lang="nl-NL" sz="2000" dirty="0">
                 <a:latin typeface="Courier New" panose="02070309020205020404" pitchFamily="49" charset="0"/>
                 <a:cs typeface="Courier New" panose="02070309020205020404" pitchFamily="49" charset="0"/>
               </a:rPr>
               <a:t>or</a:t>
             </a:r>
             <a:r>
-              <a:rPr lang="nl-NL" sz="2000"/>
+              <a:rPr lang="nl-NL" sz="2000" dirty="0"/>
               <a:t> / </a:t>
             </a:r>
             <a:r>
-              <a:rPr lang="nl-NL" sz="2000">
+              <a:rPr lang="nl-NL" sz="2000" dirty="0" err="1">
                 <a:latin typeface="Courier New" panose="02070309020205020404" pitchFamily="49" charset="0"/>
                 <a:cs typeface="Courier New" panose="02070309020205020404" pitchFamily="49" charset="0"/>
               </a:rPr>
               <a:t>and</a:t>
             </a:r>
             <a:r>
-              <a:rPr lang="nl-NL" sz="2000"/>
+              <a:rPr lang="nl-NL" sz="2000" dirty="0"/>
               <a:t>.</a:t>
             </a:r>
           </a:p>
@@ -14280,7 +14373,7 @@
                 <a:spcPts val="1000"/>
               </a:spcBef>
             </a:pPr>
-            <a:endParaRPr lang="nl-NL" sz="2000"/>
+            <a:endParaRPr lang="nl-NL" sz="2000" dirty="0"/>
           </a:p>
           <a:p>
             <a:pPr>
@@ -14288,7 +14381,7 @@
                 <a:spcPts val="1000"/>
               </a:spcBef>
             </a:pPr>
-            <a:endParaRPr lang="nl-NL" sz="2000"/>
+            <a:endParaRPr lang="nl-NL" sz="2000" dirty="0"/>
           </a:p>
           <a:p>
             <a:pPr>
@@ -14297,19 +14390,54 @@
               </a:spcBef>
             </a:pPr>
             <a:r>
-              <a:rPr lang="nl-NL" sz="2000"/>
+              <a:rPr lang="nl-NL" sz="2000" dirty="0"/>
+              <a:t>Komt waarde voor in een </a:t>
+            </a:r>
+            <a:r>
+              <a:rPr lang="nl-NL" sz="2000" dirty="0" err="1"/>
+              <a:t>tuple</a:t>
+            </a:r>
+            <a:r>
+              <a:rPr lang="nl-NL" sz="2000" dirty="0"/>
+              <a:t> / list.</a:t>
+            </a:r>
+          </a:p>
+          <a:p>
+            <a:pPr>
+              <a:spcBef>
+                <a:spcPts val="1000"/>
+              </a:spcBef>
+            </a:pPr>
+            <a:endParaRPr lang="nl-NL" sz="2000" dirty="0"/>
+          </a:p>
+          <a:p>
+            <a:pPr>
+              <a:spcBef>
+                <a:spcPts val="1000"/>
+              </a:spcBef>
+            </a:pPr>
+            <a:endParaRPr lang="nl-NL" sz="2000" dirty="0"/>
+          </a:p>
+          <a:p>
+            <a:pPr>
+              <a:spcBef>
+                <a:spcPts val="1000"/>
+              </a:spcBef>
+            </a:pPr>
+            <a:r>
+              <a:rPr lang="nl-NL" sz="2000" dirty="0"/>
               <a:t>Met </a:t>
             </a:r>
             <a:r>
-              <a:rPr lang="nl-NL" sz="2000">
-                <a:latin typeface="Courier New" panose="02070309020205020404" pitchFamily="49" charset="0"/>
-                <a:cs typeface="Courier New" panose="02070309020205020404" pitchFamily="49" charset="0"/>
-              </a:rPr>
-              <a:t>in</a:t>
-            </a:r>
-            <a:r>
-              <a:rPr lang="nl-NL" sz="2000"/>
-              <a:t> test je of een waarde voorkomt in</a:t>
+              <a:rPr lang="nl-NL" sz="2000" dirty="0" err="1">
+                <a:latin typeface="Courier New" panose="02070309020205020404" pitchFamily="49" charset="0"/>
+                <a:cs typeface="Courier New" panose="02070309020205020404" pitchFamily="49" charset="0"/>
+              </a:rPr>
+              <a:t>else</a:t>
+            </a:r>
+            <a:r>
+              <a:rPr lang="nl-NL" sz="2000" dirty="0"/>
+              <a:t> vang je alles dat niet voldoet</a:t>
             </a:r>
           </a:p>
           <a:p>
@@ -14319,48 +14447,7 @@
               </a:spcBef>
             </a:pPr>
             <a:r>
-              <a:rPr lang="nl-NL" sz="2000"/>
-              <a:t>een tuple / list.</a:t>
-            </a:r>
-          </a:p>
-          <a:p>
-            <a:pPr>
-              <a:spcBef>
-                <a:spcPts val="1000"/>
-              </a:spcBef>
-            </a:pPr>
-            <a:endParaRPr lang="nl-NL" sz="2000"/>
-          </a:p>
-          <a:p>
-            <a:pPr>
-              <a:spcBef>
-                <a:spcPts val="1000"/>
-              </a:spcBef>
-            </a:pPr>
-            <a:r>
-              <a:rPr lang="nl-NL" sz="2000"/>
-              <a:t>Met </a:t>
-            </a:r>
-            <a:r>
-              <a:rPr lang="nl-NL" sz="2000">
-                <a:latin typeface="Courier New" panose="02070309020205020404" pitchFamily="49" charset="0"/>
-                <a:cs typeface="Courier New" panose="02070309020205020404" pitchFamily="49" charset="0"/>
-              </a:rPr>
-              <a:t>else</a:t>
-            </a:r>
-            <a:r>
-              <a:rPr lang="nl-NL" sz="2000"/>
-              <a:t> vang je alles dat niet voldoet</a:t>
-            </a:r>
-          </a:p>
-          <a:p>
-            <a:pPr>
-              <a:spcBef>
-                <a:spcPts val="1000"/>
-              </a:spcBef>
-            </a:pPr>
-            <a:r>
-              <a:rPr lang="nl-NL" sz="2000"/>
+              <a:rPr lang="nl-NL" sz="2000" dirty="0"/>
               <a:t>aan de voorgaande condities.</a:t>
             </a:r>
           </a:p>
@@ -14562,7 +14649,7 @@
                 <a:latin typeface="Courier New" panose="02070309020205020404" pitchFamily="49" charset="0"/>
                 <a:cs typeface="Courier New" panose="02070309020205020404" pitchFamily="49" charset="0"/>
               </a:rPr>
-              <a:t>((1, 2):</a:t>
+              <a:t>((1, 2)):</a:t>
             </a:r>
           </a:p>
           <a:p>
@@ -14600,46 +14687,18 @@
               <a:buNone/>
             </a:pPr>
             <a:r>
-              <a:rPr lang="nl-NL" sz="1600" noProof="0" dirty="0" err="1">
+              <a:rPr lang="nl-NL" sz="1600" dirty="0" err="1">
                 <a:latin typeface="Courier New" panose="02070309020205020404" pitchFamily="49" charset="0"/>
                 <a:cs typeface="Courier New" panose="02070309020205020404" pitchFamily="49" charset="0"/>
               </a:rPr>
               <a:t>for</a:t>
             </a:r>
             <a:r>
-              <a:rPr lang="nl-NL" sz="1600" noProof="0" dirty="0">
-                <a:latin typeface="Courier New" panose="02070309020205020404" pitchFamily="49" charset="0"/>
-                <a:cs typeface="Courier New" panose="02070309020205020404" pitchFamily="49" charset="0"/>
-              </a:rPr>
-              <a:t> </a:t>
-            </a:r>
-            <a:r>
-              <a:rPr lang="nl-NL" sz="1600" noProof="0" dirty="0" err="1">
-                <a:latin typeface="Courier New" panose="02070309020205020404" pitchFamily="49" charset="0"/>
-                <a:cs typeface="Courier New" panose="02070309020205020404" pitchFamily="49" charset="0"/>
-              </a:rPr>
-              <a:t>age</a:t>
-            </a:r>
-            <a:r>
-              <a:rPr lang="nl-NL" sz="1600" noProof="0" dirty="0">
-                <a:latin typeface="Courier New" panose="02070309020205020404" pitchFamily="49" charset="0"/>
-                <a:cs typeface="Courier New" panose="02070309020205020404" pitchFamily="49" charset="0"/>
-              </a:rPr>
-              <a:t> in </a:t>
-            </a:r>
-            <a:r>
-              <a:rPr lang="nl-NL" sz="1600" noProof="0" dirty="0" err="1">
-                <a:latin typeface="Courier New" panose="02070309020205020404" pitchFamily="49" charset="0"/>
-                <a:cs typeface="Courier New" panose="02070309020205020404" pitchFamily="49" charset="0"/>
-              </a:rPr>
-              <a:t>ages</a:t>
-            </a:r>
-            <a:r>
-              <a:rPr lang="nl-NL" sz="1600" noProof="0" dirty="0">
-                <a:latin typeface="Courier New" panose="02070309020205020404" pitchFamily="49" charset="0"/>
-                <a:cs typeface="Courier New" panose="02070309020205020404" pitchFamily="49" charset="0"/>
-              </a:rPr>
-              <a:t>:</a:t>
+              <a:rPr lang="nl-NL" sz="1600" dirty="0">
+                <a:latin typeface="Courier New" panose="02070309020205020404" pitchFamily="49" charset="0"/>
+                <a:cs typeface="Courier New" panose="02070309020205020404" pitchFamily="49" charset="0"/>
+              </a:rPr>
+              <a:t> k, v in {"a": 1}.items():</a:t>
             </a:r>
           </a:p>
           <a:p>
@@ -14650,54 +14709,11 @@
               <a:buNone/>
             </a:pPr>
             <a:r>
-              <a:rPr lang="nl-NL" sz="1600" noProof="0" dirty="0">
-                <a:latin typeface="Courier New" panose="02070309020205020404" pitchFamily="49" charset="0"/>
-                <a:cs typeface="Courier New" panose="02070309020205020404" pitchFamily="49" charset="0"/>
-              </a:rPr>
-              <a:t>  </a:t>
-            </a:r>
-            <a:r>
-              <a:rPr lang="nl-NL" sz="1600" noProof="0" dirty="0" err="1">
-                <a:latin typeface="Courier New" panose="02070309020205020404" pitchFamily="49" charset="0"/>
-                <a:cs typeface="Courier New" panose="02070309020205020404" pitchFamily="49" charset="0"/>
-              </a:rPr>
-              <a:t>if</a:t>
-            </a:r>
-            <a:r>
-              <a:rPr lang="nl-NL" sz="1600" noProof="0" dirty="0">
-                <a:latin typeface="Courier New" panose="02070309020205020404" pitchFamily="49" charset="0"/>
-                <a:cs typeface="Courier New" panose="02070309020205020404" pitchFamily="49" charset="0"/>
-              </a:rPr>
-              <a:t> </a:t>
-            </a:r>
-            <a:r>
-              <a:rPr lang="nl-NL" sz="1600" noProof="0" dirty="0" err="1">
-                <a:latin typeface="Courier New" panose="02070309020205020404" pitchFamily="49" charset="0"/>
-                <a:cs typeface="Courier New" panose="02070309020205020404" pitchFamily="49" charset="0"/>
-              </a:rPr>
-              <a:t>age</a:t>
-            </a:r>
-            <a:r>
-              <a:rPr lang="nl-NL" sz="1600" noProof="0" dirty="0">
-                <a:latin typeface="Courier New" panose="02070309020205020404" pitchFamily="49" charset="0"/>
-                <a:cs typeface="Courier New" panose="02070309020205020404" pitchFamily="49" charset="0"/>
-              </a:rPr>
-              <a:t> % 2 == 0:</a:t>
-            </a:r>
-          </a:p>
-          <a:p>
-            <a:pPr marL="0" indent="0">
-              <a:lnSpc>
-                <a:spcPct val="110000"/>
-              </a:lnSpc>
-              <a:buNone/>
-            </a:pPr>
-            <a:r>
-              <a:rPr lang="nl-NL" sz="1600" noProof="0" dirty="0">
-                <a:latin typeface="Courier New" panose="02070309020205020404" pitchFamily="49" charset="0"/>
-                <a:cs typeface="Courier New" panose="02070309020205020404" pitchFamily="49" charset="0"/>
-              </a:rPr>
-              <a:t>    continue</a:t>
+              <a:rPr lang="nl-NL" sz="1600" dirty="0">
+                <a:latin typeface="Courier New" panose="02070309020205020404" pitchFamily="49" charset="0"/>
+                <a:cs typeface="Courier New" panose="02070309020205020404" pitchFamily="49" charset="0"/>
+              </a:rPr>
+              <a:t>  print(k, v)    # a 1</a:t>
             </a:r>
           </a:p>
           <a:p>
@@ -14720,75 +14736,62 @@
               <a:buNone/>
             </a:pPr>
             <a:r>
+              <a:rPr lang="nl-NL" sz="1600" noProof="0" dirty="0" err="1">
+                <a:latin typeface="Courier New" panose="02070309020205020404" pitchFamily="49" charset="0"/>
+                <a:cs typeface="Courier New" panose="02070309020205020404" pitchFamily="49" charset="0"/>
+              </a:rPr>
+              <a:t>for</a:t>
+            </a:r>
+            <a:r>
               <a:rPr lang="nl-NL" sz="1600" noProof="0" dirty="0">
                 <a:latin typeface="Courier New" panose="02070309020205020404" pitchFamily="49" charset="0"/>
                 <a:cs typeface="Courier New" panose="02070309020205020404" pitchFamily="49" charset="0"/>
               </a:rPr>
-              <a:t>  </a:t>
+              <a:t> x in </a:t>
             </a:r>
             <a:r>
               <a:rPr lang="nl-NL" sz="1600" noProof="0" dirty="0" err="1">
                 <a:latin typeface="Courier New" panose="02070309020205020404" pitchFamily="49" charset="0"/>
                 <a:cs typeface="Courier New" panose="02070309020205020404" pitchFamily="49" charset="0"/>
               </a:rPr>
-              <a:t>if</a:t>
+              <a:t>ages</a:t>
             </a:r>
             <a:r>
               <a:rPr lang="nl-NL" sz="1600" noProof="0" dirty="0">
                 <a:latin typeface="Courier New" panose="02070309020205020404" pitchFamily="49" charset="0"/>
                 <a:cs typeface="Courier New" panose="02070309020205020404" pitchFamily="49" charset="0"/>
               </a:rPr>
-              <a:t> </a:t>
-            </a:r>
-            <a:r>
-              <a:rPr lang="nl-NL" sz="1600" noProof="0" dirty="0" err="1">
-                <a:latin typeface="Courier New" panose="02070309020205020404" pitchFamily="49" charset="0"/>
-                <a:cs typeface="Courier New" panose="02070309020205020404" pitchFamily="49" charset="0"/>
-              </a:rPr>
-              <a:t>age</a:t>
-            </a:r>
+              <a:t>:</a:t>
+            </a:r>
+          </a:p>
+          <a:p>
+            <a:pPr marL="0" indent="0">
+              <a:lnSpc>
+                <a:spcPct val="110000"/>
+              </a:lnSpc>
+              <a:buNone/>
+            </a:pPr>
             <a:r>
               <a:rPr lang="nl-NL" sz="1600" noProof="0" dirty="0">
                 <a:latin typeface="Courier New" panose="02070309020205020404" pitchFamily="49" charset="0"/>
                 <a:cs typeface="Courier New" panose="02070309020205020404" pitchFamily="49" charset="0"/>
               </a:rPr>
-              <a:t> &lt; 0 or </a:t>
-            </a:r>
-            <a:r>
-              <a:rPr lang="nl-NL" sz="1600" noProof="0" dirty="0" err="1">
-                <a:latin typeface="Courier New" panose="02070309020205020404" pitchFamily="49" charset="0"/>
-                <a:cs typeface="Courier New" panose="02070309020205020404" pitchFamily="49" charset="0"/>
-              </a:rPr>
-              <a:t>age</a:t>
-            </a:r>
+              <a:t>  continue</a:t>
+            </a:r>
+          </a:p>
+          <a:p>
+            <a:pPr marL="0" indent="0">
+              <a:lnSpc>
+                <a:spcPct val="110000"/>
+              </a:lnSpc>
+              <a:buNone/>
+            </a:pPr>
             <a:r>
               <a:rPr lang="nl-NL" sz="1600" noProof="0" dirty="0">
                 <a:latin typeface="Courier New" panose="02070309020205020404" pitchFamily="49" charset="0"/>
                 <a:cs typeface="Courier New" panose="02070309020205020404" pitchFamily="49" charset="0"/>
               </a:rPr>
-              <a:t> &gt; 120:</a:t>
-            </a:r>
-          </a:p>
-          <a:p>
-            <a:pPr marL="0" indent="0">
-              <a:lnSpc>
-                <a:spcPct val="110000"/>
-              </a:lnSpc>
-              <a:buNone/>
-            </a:pPr>
-            <a:r>
-              <a:rPr lang="nl-NL" sz="1600" b="1" noProof="0" dirty="0">
-                <a:latin typeface="Courier New" panose="02070309020205020404" pitchFamily="49" charset="0"/>
-                <a:cs typeface="Courier New" panose="02070309020205020404" pitchFamily="49" charset="0"/>
-              </a:rPr>
-              <a:t>    </a:t>
-            </a:r>
-            <a:r>
-              <a:rPr lang="nl-NL" sz="1600" noProof="0" dirty="0">
-                <a:latin typeface="Courier New" panose="02070309020205020404" pitchFamily="49" charset="0"/>
-                <a:cs typeface="Courier New" panose="02070309020205020404" pitchFamily="49" charset="0"/>
-              </a:rPr>
-              <a:t>break</a:t>
+              <a:t>  break</a:t>
             </a:r>
           </a:p>
         </p:txBody>
@@ -14898,12 +14901,26 @@
               <a:t>(</a:t>
             </a:r>
             <a:r>
-              <a:rPr lang="nl-NL" sz="1600" dirty="0" err="1"/>
+              <a:rPr lang="nl-NL" sz="1600" dirty="0" err="1">
+                <a:latin typeface="Courier New" panose="02070309020205020404" pitchFamily="49" charset="0"/>
+                <a:cs typeface="Courier New" panose="02070309020205020404" pitchFamily="49" charset="0"/>
+              </a:rPr>
               <a:t>tuple</a:t>
             </a:r>
             <a:r>
               <a:rPr lang="nl-NL" sz="1600" dirty="0"/>
-              <a:t>, list) op na </a:t>
+              <a:t>, </a:t>
+            </a:r>
+            <a:r>
+              <a:rPr lang="nl-NL" sz="1600" dirty="0">
+                <a:latin typeface="Courier New" panose="02070309020205020404" pitchFamily="49" charset="0"/>
+                <a:cs typeface="Courier New" panose="02070309020205020404" pitchFamily="49" charset="0"/>
+              </a:rPr>
+              <a:t>list</a:t>
+            </a:r>
+            <a:r>
+              <a:rPr lang="nl-NL" sz="1600" dirty="0"/>
+              <a:t>) op na </a:t>
             </a:r>
             <a:r>
               <a:rPr lang="nl-NL" sz="1600" dirty="0">
@@ -14933,7 +14950,7 @@
             </a:pPr>
             <a:r>
               <a:rPr lang="nl-NL" sz="1600" dirty="0"/>
-              <a:t>Tel met </a:t>
+              <a:t>Met </a:t>
             </a:r>
             <a:r>
               <a:rPr lang="nl-NL" sz="1600" dirty="0" err="1">
@@ -14951,7 +14968,7 @@
             </a:r>
             <a:r>
               <a:rPr lang="nl-NL" sz="1600" dirty="0"/>
-              <a:t> het aantal iteraties.</a:t>
+              <a:t> tel je het aantal iteraties.</a:t>
             </a:r>
           </a:p>
           <a:p>
@@ -14998,14 +15015,6 @@
                 <a:spcPts val="1000"/>
               </a:spcBef>
             </a:pPr>
-            <a:endParaRPr lang="nl-NL" sz="1600" dirty="0"/>
-          </a:p>
-          <a:p>
-            <a:pPr>
-              <a:spcBef>
-                <a:spcPts val="1000"/>
-              </a:spcBef>
-            </a:pPr>
             <a:r>
               <a:rPr lang="nl-NL" sz="1600" dirty="0"/>
               <a:t>Gebruik </a:t>
@@ -15015,28 +15024,61 @@
                 <a:latin typeface="Courier New" panose="02070309020205020404" pitchFamily="49" charset="0"/>
                 <a:cs typeface="Courier New" panose="02070309020205020404" pitchFamily="49" charset="0"/>
               </a:rPr>
+              <a:t>items()</a:t>
+            </a:r>
+            <a:r>
+              <a:rPr lang="nl-NL" sz="1600" dirty="0"/>
+              <a:t> om door een </a:t>
+            </a:r>
+            <a:r>
+              <a:rPr lang="nl-NL" sz="1600" dirty="0" err="1">
+                <a:latin typeface="Courier New" panose="02070309020205020404" pitchFamily="49" charset="0"/>
+                <a:cs typeface="Courier New" panose="02070309020205020404" pitchFamily="49" charset="0"/>
+              </a:rPr>
+              <a:t>dict</a:t>
+            </a:r>
+            <a:r>
+              <a:rPr lang="nl-NL" sz="1600" dirty="0"/>
+              <a:t> heen te lopen</a:t>
+            </a:r>
+          </a:p>
+          <a:p>
+            <a:pPr>
+              <a:spcBef>
+                <a:spcPts val="1000"/>
+              </a:spcBef>
+            </a:pPr>
+            <a:endParaRPr lang="nl-NL" sz="1600" dirty="0"/>
+          </a:p>
+          <a:p>
+            <a:pPr>
+              <a:spcBef>
+                <a:spcPts val="1000"/>
+              </a:spcBef>
+            </a:pPr>
+            <a:endParaRPr lang="nl-NL" sz="1600" dirty="0"/>
+          </a:p>
+          <a:p>
+            <a:pPr>
+              <a:spcBef>
+                <a:spcPts val="1000"/>
+              </a:spcBef>
+            </a:pPr>
+            <a:r>
+              <a:rPr lang="nl-NL" sz="1600" dirty="0"/>
+              <a:t>Gebruik </a:t>
+            </a:r>
+            <a:r>
+              <a:rPr lang="nl-NL" sz="1600" dirty="0">
+                <a:latin typeface="Courier New" panose="02070309020205020404" pitchFamily="49" charset="0"/>
+                <a:cs typeface="Courier New" panose="02070309020205020404" pitchFamily="49" charset="0"/>
+              </a:rPr>
               <a:t>continue</a:t>
             </a:r>
             <a:r>
               <a:rPr lang="nl-NL" sz="1600" dirty="0"/>
-              <a:t> om naar de volgende loop te gaan.</a:t>
-            </a:r>
-          </a:p>
-          <a:p>
-            <a:pPr>
-              <a:spcBef>
-                <a:spcPts val="1000"/>
-              </a:spcBef>
-            </a:pPr>
-            <a:endParaRPr lang="nl-NL" sz="1600" dirty="0"/>
-          </a:p>
-          <a:p>
-            <a:pPr>
-              <a:spcBef>
-                <a:spcPts val="1000"/>
-              </a:spcBef>
-            </a:pPr>
-            <a:endParaRPr lang="nl-NL" sz="1600" dirty="0"/>
+              <a:t> om iteratie over te slaan.</a:t>
+            </a:r>
           </a:p>
           <a:p>
             <a:pPr>
@@ -15129,17 +15171,10 @@
           <a:lstStyle/>
           <a:p>
             <a:r>
-              <a:rPr lang="nl-NL" sz="3600" noProof="0" dirty="0"/>
-              <a:t>De </a:t>
-            </a:r>
-            <a:r>
               <a:rPr lang="nl-NL" sz="3600" noProof="0" dirty="0" err="1"/>
-              <a:t>for</a:t>
-            </a:r>
-            <a:r>
-              <a:rPr lang="nl-NL" sz="3600" noProof="0" dirty="0"/>
-              <a:t> loop</a:t>
-            </a:r>
+              <a:t>Comprehensions</a:t>
+            </a:r>
+            <a:endParaRPr lang="nl-NL" sz="3600" noProof="0" dirty="0"/>
           </a:p>
         </p:txBody>
       </p:sp>
@@ -15192,33 +15227,80 @@
               <a:buNone/>
             </a:pPr>
             <a:r>
-              <a:rPr lang="nl-NL" sz="1600" noProof="0" dirty="0" err="1">
+              <a:rPr lang="nl-NL" sz="1600" b="1" dirty="0">
+                <a:latin typeface="Courier New" panose="02070309020205020404" pitchFamily="49" charset="0"/>
+                <a:cs typeface="Courier New" panose="02070309020205020404" pitchFamily="49" charset="0"/>
+              </a:rPr>
+              <a:t>[</a:t>
+            </a:r>
+          </a:p>
+          <a:p>
+            <a:pPr marL="0" indent="0">
+              <a:lnSpc>
+                <a:spcPct val="110000"/>
+              </a:lnSpc>
+              <a:buNone/>
+            </a:pPr>
+            <a:r>
+              <a:rPr lang="nl-NL" sz="1600" dirty="0">
+                <a:latin typeface="Courier New" panose="02070309020205020404" pitchFamily="49" charset="0"/>
+                <a:cs typeface="Courier New" panose="02070309020205020404" pitchFamily="49" charset="0"/>
+              </a:rPr>
+              <a:t>  </a:t>
+            </a:r>
+            <a:r>
+              <a:rPr lang="nl-NL" sz="1600" dirty="0" err="1">
+                <a:latin typeface="Courier New" panose="02070309020205020404" pitchFamily="49" charset="0"/>
+                <a:cs typeface="Courier New" panose="02070309020205020404" pitchFamily="49" charset="0"/>
+              </a:rPr>
+              <a:t>name.lower</a:t>
+            </a:r>
+            <a:r>
+              <a:rPr lang="nl-NL" sz="1600" dirty="0">
+                <a:latin typeface="Courier New" panose="02070309020205020404" pitchFamily="49" charset="0"/>
+                <a:cs typeface="Courier New" panose="02070309020205020404" pitchFamily="49" charset="0"/>
+              </a:rPr>
+              <a:t>() </a:t>
+            </a:r>
+            <a:r>
+              <a:rPr lang="nl-NL" sz="1600" b="1" dirty="0" err="1">
                 <a:latin typeface="Courier New" panose="02070309020205020404" pitchFamily="49" charset="0"/>
                 <a:cs typeface="Courier New" panose="02070309020205020404" pitchFamily="49" charset="0"/>
               </a:rPr>
               <a:t>for</a:t>
             </a:r>
             <a:r>
-              <a:rPr lang="nl-NL" sz="1600" noProof="0" dirty="0">
-                <a:latin typeface="Courier New" panose="02070309020205020404" pitchFamily="49" charset="0"/>
-                <a:cs typeface="Courier New" panose="02070309020205020404" pitchFamily="49" charset="0"/>
-              </a:rPr>
-              <a:t> k, v in </a:t>
-            </a:r>
-            <a:r>
-              <a:rPr lang="nl-NL" sz="1600" noProof="0" dirty="0" err="1">
-                <a:latin typeface="Courier New" panose="02070309020205020404" pitchFamily="49" charset="0"/>
-                <a:cs typeface="Courier New" panose="02070309020205020404" pitchFamily="49" charset="0"/>
-              </a:rPr>
-              <a:t>my_dict.items</a:t>
-            </a:r>
-            <a:r>
-              <a:rPr lang="nl-NL" sz="1600" noProof="0" dirty="0">
-                <a:latin typeface="Courier New" panose="02070309020205020404" pitchFamily="49" charset="0"/>
-                <a:cs typeface="Courier New" panose="02070309020205020404" pitchFamily="49" charset="0"/>
-              </a:rPr>
-              <a:t>():</a:t>
-            </a:r>
+              <a:rPr lang="nl-NL" sz="1600" dirty="0">
+                <a:latin typeface="Courier New" panose="02070309020205020404" pitchFamily="49" charset="0"/>
+                <a:cs typeface="Courier New" panose="02070309020205020404" pitchFamily="49" charset="0"/>
+              </a:rPr>
+              <a:t> name </a:t>
+            </a:r>
+            <a:r>
+              <a:rPr lang="nl-NL" sz="1600" b="1" dirty="0">
+                <a:latin typeface="Courier New" panose="02070309020205020404" pitchFamily="49" charset="0"/>
+                <a:cs typeface="Courier New" panose="02070309020205020404" pitchFamily="49" charset="0"/>
+              </a:rPr>
+              <a:t>in</a:t>
+            </a:r>
+            <a:r>
+              <a:rPr lang="nl-NL" sz="1600" dirty="0">
+                <a:latin typeface="Courier New" panose="02070309020205020404" pitchFamily="49" charset="0"/>
+                <a:cs typeface="Courier New" panose="02070309020205020404" pitchFamily="49" charset="0"/>
+              </a:rPr>
+              <a:t> </a:t>
+            </a:r>
+            <a:r>
+              <a:rPr lang="nl-NL" sz="1600" dirty="0" err="1">
+                <a:latin typeface="Courier New" panose="02070309020205020404" pitchFamily="49" charset="0"/>
+                <a:cs typeface="Courier New" panose="02070309020205020404" pitchFamily="49" charset="0"/>
+              </a:rPr>
+              <a:t>names</a:t>
+            </a:r>
+            <a:endParaRPr lang="nl-NL" sz="1600" dirty="0">
+              <a:latin typeface="Courier New" panose="02070309020205020404" pitchFamily="49" charset="0"/>
+              <a:cs typeface="Courier New" panose="02070309020205020404" pitchFamily="49" charset="0"/>
+            </a:endParaRPr>
           </a:p>
           <a:p>
             <a:pPr marL="0" indent="0">
@@ -15228,12 +15310,16 @@
               <a:buNone/>
             </a:pPr>
             <a:r>
-              <a:rPr lang="nl-NL" sz="1600" noProof="0" dirty="0">
-                <a:latin typeface="Courier New" panose="02070309020205020404" pitchFamily="49" charset="0"/>
-                <a:cs typeface="Courier New" panose="02070309020205020404" pitchFamily="49" charset="0"/>
-              </a:rPr>
-              <a:t>  print(k, v)</a:t>
-            </a:r>
+              <a:rPr lang="nl-NL" sz="1600" b="1" dirty="0">
+                <a:latin typeface="Courier New" panose="02070309020205020404" pitchFamily="49" charset="0"/>
+                <a:cs typeface="Courier New" panose="02070309020205020404" pitchFamily="49" charset="0"/>
+              </a:rPr>
+              <a:t>]</a:t>
+            </a:r>
+            <a:endParaRPr lang="nl-NL" sz="1600" b="1" noProof="0" dirty="0">
+              <a:latin typeface="Courier New" panose="02070309020205020404" pitchFamily="49" charset="0"/>
+              <a:cs typeface="Courier New" panose="02070309020205020404" pitchFamily="49" charset="0"/>
+            </a:endParaRPr>
           </a:p>
           <a:p>
             <a:pPr marL="0" indent="0">
@@ -15267,58 +15353,140 @@
               <a:buNone/>
             </a:pPr>
             <a:r>
+              <a:rPr lang="nl-NL" sz="1600" b="1" noProof="0" dirty="0">
+                <a:latin typeface="Courier New" panose="02070309020205020404" pitchFamily="49" charset="0"/>
+                <a:cs typeface="Courier New" panose="02070309020205020404" pitchFamily="49" charset="0"/>
+              </a:rPr>
+              <a:t>{</a:t>
+            </a:r>
+          </a:p>
+          <a:p>
+            <a:pPr marL="0" indent="0">
+              <a:lnSpc>
+                <a:spcPct val="110000"/>
+              </a:lnSpc>
+              <a:buNone/>
+            </a:pPr>
+            <a:r>
               <a:rPr lang="nl-NL" sz="1600" dirty="0">
                 <a:latin typeface="Courier New" panose="02070309020205020404" pitchFamily="49" charset="0"/>
                 <a:cs typeface="Courier New" panose="02070309020205020404" pitchFamily="49" charset="0"/>
               </a:rPr>
-              <a:t>[</a:t>
+              <a:t>    </a:t>
+            </a:r>
+            <a:r>
+              <a:rPr lang="nl-NL" sz="1600" noProof="0" dirty="0" err="1">
+                <a:latin typeface="Courier New" panose="02070309020205020404" pitchFamily="49" charset="0"/>
+                <a:cs typeface="Courier New" panose="02070309020205020404" pitchFamily="49" charset="0"/>
+              </a:rPr>
+              <a:t>key</a:t>
+            </a:r>
+            <a:r>
+              <a:rPr lang="nl-NL" sz="1600" noProof="0" dirty="0">
+                <a:latin typeface="Courier New" panose="02070309020205020404" pitchFamily="49" charset="0"/>
+                <a:cs typeface="Courier New" panose="02070309020205020404" pitchFamily="49" charset="0"/>
+              </a:rPr>
+              <a:t>: </a:t>
+            </a:r>
+            <a:r>
+              <a:rPr lang="nl-NL" sz="1600" noProof="0" dirty="0" err="1">
+                <a:latin typeface="Courier New" panose="02070309020205020404" pitchFamily="49" charset="0"/>
+                <a:cs typeface="Courier New" panose="02070309020205020404" pitchFamily="49" charset="0"/>
+              </a:rPr>
+              <a:t>value.lower</a:t>
+            </a:r>
+            <a:r>
+              <a:rPr lang="nl-NL" sz="1600" noProof="0" dirty="0">
+                <a:latin typeface="Courier New" panose="02070309020205020404" pitchFamily="49" charset="0"/>
+                <a:cs typeface="Courier New" panose="02070309020205020404" pitchFamily="49" charset="0"/>
+              </a:rPr>
+              <a:t>()</a:t>
+            </a:r>
+          </a:p>
+          <a:p>
+            <a:pPr marL="0" indent="0">
+              <a:lnSpc>
+                <a:spcPct val="110000"/>
+              </a:lnSpc>
+              <a:buNone/>
+            </a:pPr>
+            <a:r>
+              <a:rPr lang="nl-NL" sz="1600" dirty="0">
+                <a:latin typeface="Courier New" panose="02070309020205020404" pitchFamily="49" charset="0"/>
+                <a:cs typeface="Courier New" panose="02070309020205020404" pitchFamily="49" charset="0"/>
+              </a:rPr>
+              <a:t>    </a:t>
+            </a:r>
+            <a:r>
+              <a:rPr lang="nl-NL" sz="1600" b="1" dirty="0" err="1">
+                <a:latin typeface="Courier New" panose="02070309020205020404" pitchFamily="49" charset="0"/>
+                <a:cs typeface="Courier New" panose="02070309020205020404" pitchFamily="49" charset="0"/>
+              </a:rPr>
+              <a:t>for</a:t>
+            </a:r>
+            <a:r>
+              <a:rPr lang="nl-NL" sz="1600" dirty="0">
+                <a:latin typeface="Courier New" panose="02070309020205020404" pitchFamily="49" charset="0"/>
+                <a:cs typeface="Courier New" panose="02070309020205020404" pitchFamily="49" charset="0"/>
+              </a:rPr>
+              <a:t> </a:t>
             </a:r>
             <a:r>
               <a:rPr lang="nl-NL" sz="1600" dirty="0" err="1">
                 <a:latin typeface="Courier New" panose="02070309020205020404" pitchFamily="49" charset="0"/>
                 <a:cs typeface="Courier New" panose="02070309020205020404" pitchFamily="49" charset="0"/>
               </a:rPr>
-              <a:t>name.lower</a:t>
+              <a:t>key</a:t>
             </a:r>
             <a:r>
               <a:rPr lang="nl-NL" sz="1600" dirty="0">
                 <a:latin typeface="Courier New" panose="02070309020205020404" pitchFamily="49" charset="0"/>
                 <a:cs typeface="Courier New" panose="02070309020205020404" pitchFamily="49" charset="0"/>
               </a:rPr>
-              <a:t>() </a:t>
+              <a:t>, </a:t>
             </a:r>
             <a:r>
               <a:rPr lang="nl-NL" sz="1600" dirty="0" err="1">
                 <a:latin typeface="Courier New" panose="02070309020205020404" pitchFamily="49" charset="0"/>
                 <a:cs typeface="Courier New" panose="02070309020205020404" pitchFamily="49" charset="0"/>
               </a:rPr>
-              <a:t>for</a:t>
+              <a:t>value</a:t>
             </a:r>
             <a:r>
               <a:rPr lang="nl-NL" sz="1600" dirty="0">
                 <a:latin typeface="Courier New" panose="02070309020205020404" pitchFamily="49" charset="0"/>
                 <a:cs typeface="Courier New" panose="02070309020205020404" pitchFamily="49" charset="0"/>
               </a:rPr>
-              <a:t> name in </a:t>
+              <a:t> </a:t>
+            </a:r>
+            <a:r>
+              <a:rPr lang="nl-NL" sz="1600" b="1" dirty="0">
+                <a:latin typeface="Courier New" panose="02070309020205020404" pitchFamily="49" charset="0"/>
+                <a:cs typeface="Courier New" panose="02070309020205020404" pitchFamily="49" charset="0"/>
+              </a:rPr>
+              <a:t>in</a:t>
+            </a:r>
+            <a:r>
+              <a:rPr lang="nl-NL" sz="1600" dirty="0">
+                <a:latin typeface="Courier New" panose="02070309020205020404" pitchFamily="49" charset="0"/>
+                <a:cs typeface="Courier New" panose="02070309020205020404" pitchFamily="49" charset="0"/>
+              </a:rPr>
+              <a:t> </a:t>
             </a:r>
             <a:r>
               <a:rPr lang="nl-NL" sz="1600" dirty="0" err="1">
                 <a:latin typeface="Courier New" panose="02070309020205020404" pitchFamily="49" charset="0"/>
                 <a:cs typeface="Courier New" panose="02070309020205020404" pitchFamily="49" charset="0"/>
               </a:rPr>
-              <a:t>names</a:t>
+              <a:t>my_dict.items</a:t>
             </a:r>
             <a:r>
               <a:rPr lang="nl-NL" sz="1600" dirty="0">
                 <a:latin typeface="Courier New" panose="02070309020205020404" pitchFamily="49" charset="0"/>
                 <a:cs typeface="Courier New" panose="02070309020205020404" pitchFamily="49" charset="0"/>
               </a:rPr>
-              <a:t>]</a:t>
-            </a:r>
-            <a:endParaRPr lang="nl-NL" sz="1600" noProof="0" dirty="0">
-              <a:latin typeface="Courier New" panose="02070309020205020404" pitchFamily="49" charset="0"/>
-              <a:cs typeface="Courier New" panose="02070309020205020404" pitchFamily="49" charset="0"/>
-            </a:endParaRPr>
+              <a:t>()</a:t>
+            </a:r>
           </a:p>
           <a:p>
             <a:pPr marL="0" indent="0">
@@ -15327,161 +15495,8 @@
               </a:lnSpc>
               <a:buNone/>
             </a:pPr>
-            <a:endParaRPr lang="nl-NL" sz="1600" noProof="0" dirty="0">
-              <a:latin typeface="Courier New" panose="02070309020205020404" pitchFamily="49" charset="0"/>
-              <a:cs typeface="Courier New" panose="02070309020205020404" pitchFamily="49" charset="0"/>
-            </a:endParaRPr>
-          </a:p>
-          <a:p>
-            <a:pPr marL="0" indent="0">
-              <a:lnSpc>
-                <a:spcPct val="110000"/>
-              </a:lnSpc>
-              <a:buNone/>
-            </a:pPr>
-            <a:endParaRPr lang="nl-NL" sz="1600" dirty="0">
-              <a:latin typeface="Courier New" panose="02070309020205020404" pitchFamily="49" charset="0"/>
-              <a:cs typeface="Courier New" panose="02070309020205020404" pitchFamily="49" charset="0"/>
-            </a:endParaRPr>
-          </a:p>
-          <a:p>
-            <a:pPr marL="0" indent="0">
-              <a:lnSpc>
-                <a:spcPct val="110000"/>
-              </a:lnSpc>
-              <a:buNone/>
-            </a:pPr>
-            <a:r>
-              <a:rPr lang="nl-NL" sz="1600" noProof="0" dirty="0">
-                <a:latin typeface="Courier New" panose="02070309020205020404" pitchFamily="49" charset="0"/>
-                <a:cs typeface="Courier New" panose="02070309020205020404" pitchFamily="49" charset="0"/>
-              </a:rPr>
-              <a:t>{</a:t>
-            </a:r>
-          </a:p>
-          <a:p>
-            <a:pPr marL="0" indent="0">
-              <a:lnSpc>
-                <a:spcPct val="110000"/>
-              </a:lnSpc>
-              <a:buNone/>
-            </a:pPr>
-            <a:r>
-              <a:rPr lang="nl-NL" sz="1600" dirty="0">
-                <a:latin typeface="Courier New" panose="02070309020205020404" pitchFamily="49" charset="0"/>
-                <a:cs typeface="Courier New" panose="02070309020205020404" pitchFamily="49" charset="0"/>
-              </a:rPr>
-              <a:t>    </a:t>
-            </a:r>
-            <a:r>
-              <a:rPr lang="nl-NL" sz="1600" noProof="0" dirty="0" err="1">
-                <a:latin typeface="Courier New" panose="02070309020205020404" pitchFamily="49" charset="0"/>
-                <a:cs typeface="Courier New" panose="02070309020205020404" pitchFamily="49" charset="0"/>
-              </a:rPr>
-              <a:t>key.lower</a:t>
-            </a:r>
-            <a:r>
-              <a:rPr lang="nl-NL" sz="1600" noProof="0" dirty="0">
-                <a:latin typeface="Courier New" panose="02070309020205020404" pitchFamily="49" charset="0"/>
-                <a:cs typeface="Courier New" panose="02070309020205020404" pitchFamily="49" charset="0"/>
-              </a:rPr>
-              <a:t>(): </a:t>
-            </a:r>
-            <a:r>
-              <a:rPr lang="nl-NL" sz="1600" noProof="0" dirty="0" err="1">
-                <a:latin typeface="Courier New" panose="02070309020205020404" pitchFamily="49" charset="0"/>
-                <a:cs typeface="Courier New" panose="02070309020205020404" pitchFamily="49" charset="0"/>
-              </a:rPr>
-              <a:t>val.lower</a:t>
-            </a:r>
-            <a:r>
-              <a:rPr lang="nl-NL" sz="1600" noProof="0" dirty="0">
-                <a:latin typeface="Courier New" panose="02070309020205020404" pitchFamily="49" charset="0"/>
-                <a:cs typeface="Courier New" panose="02070309020205020404" pitchFamily="49" charset="0"/>
-              </a:rPr>
-              <a:t>()</a:t>
-            </a:r>
-          </a:p>
-          <a:p>
-            <a:pPr marL="0" indent="0">
-              <a:lnSpc>
-                <a:spcPct val="110000"/>
-              </a:lnSpc>
-              <a:buNone/>
-            </a:pPr>
-            <a:r>
-              <a:rPr lang="nl-NL" sz="1600" dirty="0">
-                <a:latin typeface="Courier New" panose="02070309020205020404" pitchFamily="49" charset="0"/>
-                <a:cs typeface="Courier New" panose="02070309020205020404" pitchFamily="49" charset="0"/>
-              </a:rPr>
-              <a:t>    </a:t>
-            </a:r>
-            <a:r>
-              <a:rPr lang="nl-NL" sz="1600" dirty="0" err="1">
-                <a:latin typeface="Courier New" panose="02070309020205020404" pitchFamily="49" charset="0"/>
-                <a:cs typeface="Courier New" panose="02070309020205020404" pitchFamily="49" charset="0"/>
-              </a:rPr>
-              <a:t>for</a:t>
-            </a:r>
-            <a:r>
-              <a:rPr lang="nl-NL" sz="1600" dirty="0">
-                <a:latin typeface="Courier New" panose="02070309020205020404" pitchFamily="49" charset="0"/>
-                <a:cs typeface="Courier New" panose="02070309020205020404" pitchFamily="49" charset="0"/>
-              </a:rPr>
-              <a:t> </a:t>
-            </a:r>
-            <a:r>
-              <a:rPr lang="nl-NL" sz="1600" dirty="0" err="1">
-                <a:latin typeface="Courier New" panose="02070309020205020404" pitchFamily="49" charset="0"/>
-                <a:cs typeface="Courier New" panose="02070309020205020404" pitchFamily="49" charset="0"/>
-              </a:rPr>
-              <a:t>key</a:t>
-            </a:r>
-            <a:r>
-              <a:rPr lang="nl-NL" sz="1600" dirty="0">
-                <a:latin typeface="Courier New" panose="02070309020205020404" pitchFamily="49" charset="0"/>
-                <a:cs typeface="Courier New" panose="02070309020205020404" pitchFamily="49" charset="0"/>
-              </a:rPr>
-              <a:t>, </a:t>
-            </a:r>
-            <a:r>
-              <a:rPr lang="nl-NL" sz="1600" dirty="0" err="1">
-                <a:latin typeface="Courier New" panose="02070309020205020404" pitchFamily="49" charset="0"/>
-                <a:cs typeface="Courier New" panose="02070309020205020404" pitchFamily="49" charset="0"/>
-              </a:rPr>
-              <a:t>value</a:t>
-            </a:r>
-            <a:r>
-              <a:rPr lang="nl-NL" sz="1600" dirty="0">
-                <a:latin typeface="Courier New" panose="02070309020205020404" pitchFamily="49" charset="0"/>
-                <a:cs typeface="Courier New" panose="02070309020205020404" pitchFamily="49" charset="0"/>
-              </a:rPr>
-              <a:t> in </a:t>
-            </a:r>
-            <a:r>
-              <a:rPr lang="nl-NL" sz="1600" dirty="0" err="1">
-                <a:latin typeface="Courier New" panose="02070309020205020404" pitchFamily="49" charset="0"/>
-                <a:cs typeface="Courier New" panose="02070309020205020404" pitchFamily="49" charset="0"/>
-              </a:rPr>
-              <a:t>my_dict.items</a:t>
-            </a:r>
-            <a:r>
-              <a:rPr lang="nl-NL" sz="1600" dirty="0">
-                <a:latin typeface="Courier New" panose="02070309020205020404" pitchFamily="49" charset="0"/>
-                <a:cs typeface="Courier New" panose="02070309020205020404" pitchFamily="49" charset="0"/>
-              </a:rPr>
-              <a:t>()</a:t>
-            </a:r>
-          </a:p>
-          <a:p>
-            <a:pPr marL="0" indent="0">
-              <a:lnSpc>
-                <a:spcPct val="110000"/>
-              </a:lnSpc>
-              <a:buNone/>
-            </a:pPr>
-            <a:r>
-              <a:rPr lang="nl-NL" sz="1600" noProof="0" dirty="0">
+            <a:r>
+              <a:rPr lang="nl-NL" sz="1600" b="1" noProof="0" dirty="0">
                 <a:latin typeface="Courier New" panose="02070309020205020404" pitchFamily="49" charset="0"/>
                 <a:cs typeface="Courier New" panose="02070309020205020404" pitchFamily="49" charset="0"/>
               </a:rPr>
@@ -15635,63 +15650,6 @@
                 <a:spcPts val="1000"/>
               </a:spcBef>
             </a:pPr>
-            <a:r>
-              <a:rPr lang="nl-NL" sz="1600" dirty="0"/>
-              <a:t>Gebruik </a:t>
-            </a:r>
-            <a:r>
-              <a:rPr lang="nl-NL" sz="1600" dirty="0">
-                <a:latin typeface="Courier New" panose="02070309020205020404" pitchFamily="49" charset="0"/>
-                <a:cs typeface="Courier New" panose="02070309020205020404" pitchFamily="49" charset="0"/>
-              </a:rPr>
-              <a:t>items()</a:t>
-            </a:r>
-            <a:r>
-              <a:rPr lang="nl-NL" sz="1600" dirty="0"/>
-              <a:t> om door een </a:t>
-            </a:r>
-            <a:r>
-              <a:rPr lang="nl-NL" sz="1600" dirty="0" err="1">
-                <a:latin typeface="Courier New" panose="02070309020205020404" pitchFamily="49" charset="0"/>
-                <a:cs typeface="Courier New" panose="02070309020205020404" pitchFamily="49" charset="0"/>
-              </a:rPr>
-              <a:t>dict</a:t>
-            </a:r>
-            <a:r>
-              <a:rPr lang="nl-NL" sz="1600" dirty="0"/>
-              <a:t> te </a:t>
-            </a:r>
-            <a:r>
-              <a:rPr lang="nl-NL" sz="1600" dirty="0" err="1"/>
-              <a:t>loopen</a:t>
-            </a:r>
-            <a:r>
-              <a:rPr lang="nl-NL" sz="1600" dirty="0"/>
-              <a:t>.</a:t>
-            </a:r>
-          </a:p>
-          <a:p>
-            <a:pPr>
-              <a:spcBef>
-                <a:spcPts val="1000"/>
-              </a:spcBef>
-            </a:pPr>
-            <a:endParaRPr lang="nl-NL" sz="1600" dirty="0"/>
-          </a:p>
-          <a:p>
-            <a:pPr>
-              <a:spcBef>
-                <a:spcPts val="1000"/>
-              </a:spcBef>
-            </a:pPr>
-            <a:endParaRPr lang="nl-NL" sz="1600" dirty="0"/>
-          </a:p>
-          <a:p>
-            <a:pPr>
-              <a:spcBef>
-                <a:spcPts val="1000"/>
-              </a:spcBef>
-            </a:pPr>
             <a:endParaRPr lang="nl-NL" sz="1600" dirty="0"/>
           </a:p>
           <a:p>
@@ -15712,6 +15670,22 @@
               <a:rPr lang="nl-NL" sz="1600" dirty="0"/>
               <a:t>" als je alle items van een lijst wilt bewerken.</a:t>
             </a:r>
+          </a:p>
+          <a:p>
+            <a:pPr>
+              <a:spcBef>
+                <a:spcPts val="1000"/>
+              </a:spcBef>
+            </a:pPr>
+            <a:endParaRPr lang="nl-NL" sz="1600" dirty="0"/>
+          </a:p>
+          <a:p>
+            <a:pPr>
+              <a:spcBef>
+                <a:spcPts val="1000"/>
+              </a:spcBef>
+            </a:pPr>
+            <a:endParaRPr lang="nl-NL" sz="1600" dirty="0"/>
           </a:p>
           <a:p>
             <a:pPr>
@@ -15872,28 +15846,28 @@
               <a:buNone/>
             </a:pPr>
             <a:r>
-              <a:rPr lang="nl-NL" sz="2000" noProof="0" dirty="0" err="1">
+              <a:rPr lang="nl-NL" sz="2000" b="1" noProof="0" dirty="0" err="1">
                 <a:latin typeface="Courier New" panose="02070309020205020404" pitchFamily="49" charset="0"/>
                 <a:cs typeface="Courier New" panose="02070309020205020404" pitchFamily="49" charset="0"/>
               </a:rPr>
               <a:t>def</a:t>
             </a:r>
             <a:r>
-              <a:rPr lang="nl-NL" sz="2000" noProof="0" dirty="0">
+              <a:rPr lang="nl-NL" sz="2000" b="1" noProof="0" dirty="0">
                 <a:latin typeface="Courier New" panose="02070309020205020404" pitchFamily="49" charset="0"/>
                 <a:cs typeface="Courier New" panose="02070309020205020404" pitchFamily="49" charset="0"/>
               </a:rPr>
               <a:t> </a:t>
             </a:r>
             <a:r>
-              <a:rPr lang="nl-NL" sz="2000" noProof="0" dirty="0" err="1">
+              <a:rPr lang="nl-NL" sz="2000" b="1" noProof="0" dirty="0" err="1">
                 <a:latin typeface="Courier New" panose="02070309020205020404" pitchFamily="49" charset="0"/>
                 <a:cs typeface="Courier New" panose="02070309020205020404" pitchFamily="49" charset="0"/>
               </a:rPr>
               <a:t>say_hello</a:t>
             </a:r>
             <a:r>
-              <a:rPr lang="nl-NL" sz="2000" noProof="0" dirty="0">
+              <a:rPr lang="nl-NL" sz="2000" b="1" noProof="0" dirty="0">
                 <a:latin typeface="Courier New" panose="02070309020205020404" pitchFamily="49" charset="0"/>
                 <a:cs typeface="Courier New" panose="02070309020205020404" pitchFamily="49" charset="0"/>
               </a:rPr>
@@ -15961,32 +15935,46 @@
               <a:buNone/>
             </a:pPr>
             <a:r>
-              <a:rPr lang="nl-NL" sz="2000" noProof="0" dirty="0" err="1">
+              <a:rPr lang="nl-NL" sz="2000" b="1" noProof="0" dirty="0" err="1">
                 <a:latin typeface="Courier New" panose="02070309020205020404" pitchFamily="49" charset="0"/>
                 <a:cs typeface="Courier New" panose="02070309020205020404" pitchFamily="49" charset="0"/>
               </a:rPr>
               <a:t>def</a:t>
             </a:r>
             <a:r>
-              <a:rPr lang="nl-NL" sz="2000" noProof="0" dirty="0">
+              <a:rPr lang="nl-NL" sz="2000" b="1" noProof="0" dirty="0">
                 <a:latin typeface="Courier New" panose="02070309020205020404" pitchFamily="49" charset="0"/>
                 <a:cs typeface="Courier New" panose="02070309020205020404" pitchFamily="49" charset="0"/>
               </a:rPr>
               <a:t> </a:t>
             </a:r>
             <a:r>
-              <a:rPr lang="nl-NL" sz="2000" noProof="0" dirty="0" err="1">
+              <a:rPr lang="nl-NL" sz="2000" b="1" noProof="0" dirty="0" err="1">
                 <a:latin typeface="Courier New" panose="02070309020205020404" pitchFamily="49" charset="0"/>
                 <a:cs typeface="Courier New" panose="02070309020205020404" pitchFamily="49" charset="0"/>
               </a:rPr>
               <a:t>say_hello</a:t>
             </a:r>
             <a:r>
-              <a:rPr lang="nl-NL" sz="2000" noProof="0" dirty="0">
-                <a:latin typeface="Courier New" panose="02070309020205020404" pitchFamily="49" charset="0"/>
-                <a:cs typeface="Courier New" panose="02070309020205020404" pitchFamily="49" charset="0"/>
-              </a:rPr>
-              <a:t>(name="Anoniem"):</a:t>
+              <a:rPr lang="nl-NL" sz="2000" b="1" noProof="0" dirty="0">
+                <a:latin typeface="Courier New" panose="02070309020205020404" pitchFamily="49" charset="0"/>
+                <a:cs typeface="Courier New" panose="02070309020205020404" pitchFamily="49" charset="0"/>
+              </a:rPr>
+              <a:t>(name="</a:t>
+            </a:r>
+            <a:r>
+              <a:rPr lang="nl-NL" sz="2000" b="1" noProof="0" dirty="0" err="1">
+                <a:latin typeface="Courier New" panose="02070309020205020404" pitchFamily="49" charset="0"/>
+                <a:cs typeface="Courier New" panose="02070309020205020404" pitchFamily="49" charset="0"/>
+              </a:rPr>
+              <a:t>you</a:t>
+            </a:r>
+            <a:r>
+              <a:rPr lang="nl-NL" sz="2000" b="1" noProof="0" dirty="0">
+                <a:latin typeface="Courier New" panose="02070309020205020404" pitchFamily="49" charset="0"/>
+                <a:cs typeface="Courier New" panose="02070309020205020404" pitchFamily="49" charset="0"/>
+              </a:rPr>
+              <a:t>"):</a:t>
             </a:r>
           </a:p>
           <a:p>
@@ -16050,42 +16038,42 @@
               <a:buNone/>
             </a:pPr>
             <a:r>
-              <a:rPr lang="nl-NL" sz="2000" noProof="0" dirty="0" err="1">
+              <a:rPr lang="nl-NL" sz="2000" b="1" noProof="0" dirty="0" err="1">
                 <a:latin typeface="Courier New" panose="02070309020205020404" pitchFamily="49" charset="0"/>
                 <a:cs typeface="Courier New" panose="02070309020205020404" pitchFamily="49" charset="0"/>
               </a:rPr>
               <a:t>def</a:t>
             </a:r>
             <a:r>
-              <a:rPr lang="nl-NL" sz="2000" noProof="0" dirty="0">
+              <a:rPr lang="nl-NL" sz="2000" b="1" noProof="0" dirty="0">
                 <a:latin typeface="Courier New" panose="02070309020205020404" pitchFamily="49" charset="0"/>
                 <a:cs typeface="Courier New" panose="02070309020205020404" pitchFamily="49" charset="0"/>
               </a:rPr>
               <a:t> </a:t>
             </a:r>
             <a:r>
-              <a:rPr lang="nl-NL" sz="2000" noProof="0" dirty="0" err="1">
+              <a:rPr lang="nl-NL" sz="2000" b="1" noProof="0" dirty="0" err="1">
                 <a:latin typeface="Courier New" panose="02070309020205020404" pitchFamily="49" charset="0"/>
                 <a:cs typeface="Courier New" panose="02070309020205020404" pitchFamily="49" charset="0"/>
               </a:rPr>
               <a:t>is_even</a:t>
             </a:r>
             <a:r>
-              <a:rPr lang="nl-NL" sz="2000" noProof="0" dirty="0">
+              <a:rPr lang="nl-NL" sz="2000" b="1" noProof="0" dirty="0">
                 <a:latin typeface="Courier New" panose="02070309020205020404" pitchFamily="49" charset="0"/>
                 <a:cs typeface="Courier New" panose="02070309020205020404" pitchFamily="49" charset="0"/>
               </a:rPr>
               <a:t>(</a:t>
             </a:r>
             <a:r>
-              <a:rPr lang="nl-NL" sz="2000" noProof="0" dirty="0" err="1">
+              <a:rPr lang="nl-NL" sz="2000" b="1" noProof="0" dirty="0" err="1">
                 <a:latin typeface="Courier New" panose="02070309020205020404" pitchFamily="49" charset="0"/>
                 <a:cs typeface="Courier New" panose="02070309020205020404" pitchFamily="49" charset="0"/>
               </a:rPr>
               <a:t>value</a:t>
             </a:r>
             <a:r>
-              <a:rPr lang="nl-NL" sz="2000" noProof="0" dirty="0">
+              <a:rPr lang="nl-NL" sz="2000" b="1" noProof="0" dirty="0">
                 <a:latin typeface="Courier New" panose="02070309020205020404" pitchFamily="49" charset="0"/>
                 <a:cs typeface="Courier New" panose="02070309020205020404" pitchFamily="49" charset="0"/>
               </a:rPr>
@@ -16208,7 +16196,7 @@
             </a:pPr>
             <a:r>
               <a:rPr lang="nl-NL" sz="2000" dirty="0"/>
-              <a:t>Spring 2 spaties in voor de functie code.</a:t>
+              <a:t>Spring 4 spaties in voor de functie code.</a:t>
             </a:r>
           </a:p>
           <a:p>
@@ -16769,7 +16757,7 @@
             </a:pPr>
             <a:r>
               <a:rPr lang="nl-NL" sz="2000" dirty="0"/>
-              <a:t>De contextmanager </a:t>
+              <a:t>Contextmanager </a:t>
             </a:r>
             <a:r>
               <a:rPr lang="nl-NL" sz="2000" dirty="0" err="1">
@@ -16780,7 +16768,7 @@
             </a:r>
             <a:r>
               <a:rPr lang="nl-NL" sz="2000" dirty="0"/>
-              <a:t> biedt een elegante manier om bestanden te openen en sluiten.</a:t>
+              <a:t> biedt een nette manier om bestanden te openen en sluiten.</a:t>
             </a:r>
           </a:p>
         </p:txBody>
@@ -17450,71 +17438,45 @@
             </a:r>
           </a:p>
           <a:p>
-            <a:pPr marL="0" indent="0">
-              <a:buNone/>
-            </a:pPr>
-            <a:endParaRPr lang="nl-NL" sz="2000" noProof="0" dirty="0"/>
-          </a:p>
-          <a:p>
-            <a:pPr marL="0" indent="0">
-              <a:buNone/>
-            </a:pPr>
-            <a:r>
-              <a:rPr lang="nl-NL" sz="2000" b="1" noProof="0" dirty="0"/>
-              <a:t>Bonuspunten:</a:t>
-            </a:r>
-          </a:p>
-          <a:p>
-            <a:pPr>
-              <a:buFontTx/>
-              <a:buChar char="-"/>
-            </a:pPr>
-            <a:endParaRPr lang="nl-NL" sz="2000" noProof="0" dirty="0"/>
-          </a:p>
-          <a:p>
-            <a:pPr>
-              <a:buFontTx/>
-              <a:buChar char="-"/>
+            <a:pPr marL="457200" indent="-457200">
+              <a:buAutoNum type="arabicPeriod"/>
             </a:pPr>
             <a:r>
               <a:rPr lang="nl-NL" sz="2000" noProof="0" dirty="0"/>
-              <a:t>Zorg voor een nette structuur (</a:t>
-            </a:r>
-            <a:r>
-              <a:rPr lang="nl-NL" sz="2000" noProof="0"/>
-              <a:t>opdelen in functies</a:t>
-            </a:r>
-            <a:r>
-              <a:rPr lang="nl-NL" sz="2000" noProof="0" dirty="0"/>
-              <a:t>).</a:t>
-            </a:r>
-          </a:p>
-          <a:p>
-            <a:pPr>
-              <a:buFontTx/>
-              <a:buChar char="-"/>
-            </a:pPr>
-            <a:r>
-              <a:rPr lang="nl-NL" sz="2000" noProof="0" dirty="0"/>
-              <a:t>Maak goede documentatie.</a:t>
-            </a:r>
-          </a:p>
-          <a:p>
-            <a:pPr>
-              <a:buFontTx/>
-              <a:buChar char="-"/>
-            </a:pPr>
-            <a:r>
-              <a:rPr lang="nl-NL" sz="2000" noProof="0" dirty="0"/>
-              <a:t>Zorg voor </a:t>
-            </a:r>
-            <a:r>
-              <a:rPr lang="nl-NL" sz="2000" noProof="0" dirty="0" err="1"/>
-              <a:t>logging</a:t>
-            </a:r>
-            <a:r>
-              <a:rPr lang="nl-NL" sz="2000" noProof="0" dirty="0"/>
-              <a:t> naar de terminal.</a:t>
+              <a:t>Maak geen gebruik van (externe) modules!</a:t>
+            </a:r>
+          </a:p>
+          <a:p>
+            <a:pPr marL="0" indent="0">
+              <a:buNone/>
+            </a:pPr>
+            <a:endParaRPr lang="nl-NL" sz="2000" dirty="0"/>
+          </a:p>
+          <a:p>
+            <a:pPr marL="0" indent="0">
+              <a:buNone/>
+            </a:pPr>
+            <a:endParaRPr lang="nl-NL" sz="2000" dirty="0"/>
+          </a:p>
+          <a:p>
+            <a:pPr marL="0" indent="0">
+              <a:buNone/>
+            </a:pPr>
+            <a:r>
+              <a:rPr lang="nl-NL" sz="2000" dirty="0"/>
+              <a:t>Voorbeeld data staan in:</a:t>
+            </a:r>
+          </a:p>
+          <a:p>
+            <a:pPr marL="0" indent="0">
+              <a:buNone/>
+            </a:pPr>
+            <a:r>
+              <a:rPr lang="nl-NL" sz="2000" dirty="0">
+                <a:latin typeface="Courier New" panose="02070309020205020404" pitchFamily="49" charset="0"/>
+                <a:cs typeface="Courier New" panose="02070309020205020404" pitchFamily="49" charset="0"/>
+              </a:rPr>
+              <a:t>0_data/persons/personal_data.csv</a:t>
             </a:r>
           </a:p>
         </p:txBody>
@@ -18482,7 +18444,7 @@
             </a:pPr>
             <a:r>
               <a:rPr lang="nl-NL" sz="2000" noProof="0" dirty="0"/>
-              <a:t>Objecten in een script komen in de </a:t>
+              <a:t>Namen in een script komen in de </a:t>
             </a:r>
             <a:r>
               <a:rPr lang="nl-NL" sz="2000" b="1" noProof="0" dirty="0"/>
@@ -18490,7 +18452,37 @@
             </a:r>
             <a:r>
               <a:rPr lang="nl-NL" sz="2000" noProof="0" dirty="0"/>
-              <a:t> namespace.</a:t>
+              <a:t> </a:t>
+            </a:r>
+            <a:r>
+              <a:rPr lang="nl-NL" sz="2000" noProof="0" dirty="0" err="1"/>
+              <a:t>namespace</a:t>
+            </a:r>
+            <a:r>
+              <a:rPr lang="nl-NL" sz="2000" noProof="0" dirty="0"/>
+              <a:t>: </a:t>
+            </a:r>
+            <a:r>
+              <a:rPr lang="nl-NL" sz="2000" noProof="0" dirty="0">
+                <a:latin typeface="Courier New" panose="02070309020205020404" pitchFamily="49" charset="0"/>
+                <a:cs typeface="Courier New" panose="02070309020205020404" pitchFamily="49" charset="0"/>
+              </a:rPr>
+              <a:t>g</a:t>
+            </a:r>
+            <a:r>
+              <a:rPr lang="nl-NL" sz="2000" noProof="0" dirty="0"/>
+              <a:t> en </a:t>
+            </a:r>
+            <a:r>
+              <a:rPr lang="nl-NL" sz="2000" noProof="0" dirty="0">
+                <a:latin typeface="Courier New" panose="02070309020205020404" pitchFamily="49" charset="0"/>
+                <a:cs typeface="Courier New" panose="02070309020205020404" pitchFamily="49" charset="0"/>
+              </a:rPr>
+              <a:t>test</a:t>
+            </a:r>
+            <a:r>
+              <a:rPr lang="nl-NL" sz="2000" noProof="0" dirty="0"/>
+              <a:t>.</a:t>
             </a:r>
           </a:p>
           <a:p>
@@ -18505,7 +18497,7 @@
             </a:pPr>
             <a:r>
               <a:rPr lang="nl-NL" sz="2000" noProof="0" dirty="0"/>
-              <a:t>Objecten in een functie komen in een </a:t>
+              <a:t>Namen in een functie komen in een </a:t>
             </a:r>
             <a:r>
               <a:rPr lang="nl-NL" sz="2000" b="1" noProof="0" dirty="0"/>
@@ -18513,7 +18505,26 @@
             </a:r>
             <a:r>
               <a:rPr lang="nl-NL" sz="2000" noProof="0" dirty="0"/>
-              <a:t> namespace.</a:t>
+              <a:t> </a:t>
+            </a:r>
+            <a:r>
+              <a:rPr lang="nl-NL" sz="2000" noProof="0" dirty="0" err="1"/>
+              <a:t>namespace</a:t>
+            </a:r>
+            <a:r>
+              <a:rPr lang="nl-NL" sz="2000" noProof="0" dirty="0"/>
+              <a:t>: </a:t>
+            </a:r>
+            <a:r>
+              <a:rPr lang="nl-NL" sz="2000" noProof="0" dirty="0">
+                <a:latin typeface="Courier New" panose="02070309020205020404" pitchFamily="49" charset="0"/>
+                <a:cs typeface="Courier New" panose="02070309020205020404" pitchFamily="49" charset="0"/>
+              </a:rPr>
+              <a:t>l</a:t>
+            </a:r>
+            <a:r>
+              <a:rPr lang="nl-NL" sz="2000" noProof="0" dirty="0"/>
+              <a:t>.</a:t>
             </a:r>
           </a:p>
         </p:txBody>
@@ -19088,7 +19099,7 @@
                 <a:latin typeface="Courier New" panose="02070309020205020404" pitchFamily="49" charset="0"/>
                 <a:cs typeface="Courier New" panose="02070309020205020404" pitchFamily="49" charset="0"/>
               </a:rPr>
-              <a:t>g = "Globale variabele"</a:t>
+              <a:t>g = "globale variabele"</a:t>
             </a:r>
           </a:p>
           <a:p>
@@ -19131,7 +19142,7 @@
                 <a:latin typeface="Courier New" panose="02070309020205020404" pitchFamily="49" charset="0"/>
                 <a:cs typeface="Courier New" panose="02070309020205020404" pitchFamily="49" charset="0"/>
               </a:rPr>
-              <a:t>    l = "Lokale variabele"</a:t>
+              <a:t>    l = "lokale variabele"</a:t>
             </a:r>
           </a:p>
         </p:txBody>
@@ -23051,7 +23062,16 @@
             </a:pPr>
             <a:r>
               <a:rPr lang="nl-NL" sz="2000" dirty="0"/>
-              <a:t>Gebruik </a:t>
+              <a:t>Gebruik:</a:t>
+            </a:r>
+          </a:p>
+          <a:p>
+            <a:pPr marL="0" indent="0">
+              <a:buNone/>
+            </a:pPr>
+            <a:r>
+              <a:rPr lang="nl-NL" sz="2000" dirty="0"/>
+              <a:t>	</a:t>
             </a:r>
             <a:r>
               <a:rPr lang="nl-NL" sz="2000" dirty="0">
@@ -23076,24 +23096,21 @@
             </a:r>
             <a:r>
               <a:rPr lang="nl-NL" sz="2000" dirty="0"/>
-              <a:t> om sleutels op te halen.</a:t>
-            </a:r>
-          </a:p>
-          <a:p>
-            <a:pPr marL="457200" indent="-457200">
-              <a:buFont typeface="Arial" panose="020B0604020202020204" pitchFamily="34" charset="0"/>
-              <a:buAutoNum type="arabicPeriod"/>
-            </a:pPr>
+              <a:t> om sleutels op </a:t>
+            </a:r>
+            <a:r>
+              <a:rPr lang="nl-NL" sz="2000"/>
+              <a:t>te halen.</a:t>
+            </a:r>
             <a:endParaRPr lang="nl-NL" sz="2000" dirty="0"/>
           </a:p>
           <a:p>
-            <a:pPr marL="457200" indent="-457200">
-              <a:buFont typeface="Arial" panose="020B0604020202020204" pitchFamily="34" charset="0"/>
-              <a:buAutoNum type="arabicPeriod"/>
+            <a:pPr marL="0" indent="0">
+              <a:buNone/>
             </a:pPr>
             <a:r>
               <a:rPr lang="nl-NL" sz="2000" dirty="0"/>
-              <a:t>Gebruik </a:t>
+              <a:t>	</a:t>
             </a:r>
             <a:r>
               <a:rPr lang="nl-NL" sz="2000" dirty="0">
@@ -23129,9 +23146,8 @@
             <a:endParaRPr lang="nl-NL" sz="2000" dirty="0"/>
           </a:p>
           <a:p>
-            <a:pPr marL="457200" indent="-457200">
-              <a:buFont typeface="Arial" panose="020B0604020202020204" pitchFamily="34" charset="0"/>
-              <a:buAutoNum type="arabicPeriod"/>
+            <a:pPr marL="0" indent="0">
+              <a:buNone/>
             </a:pPr>
             <a:r>
               <a:rPr lang="nl-NL" sz="2000" dirty="0"/>
@@ -27033,651 +27049,6 @@
           <a:p>
             <a:r>
               <a:rPr lang="nl-NL" sz="3600" noProof="0" dirty="0"/>
-              <a:t>Distributie met virtuele omgevingen</a:t>
-            </a:r>
-          </a:p>
-        </p:txBody>
-      </p:sp>
-      <p:sp>
-        <p:nvSpPr>
-          <p:cNvPr id="4" name="Rectangle 3">
-            <a:extLst>
-              <a:ext uri="{FF2B5EF4-FFF2-40B4-BE49-F238E27FC236}">
-                <a16:creationId xmlns:a16="http://schemas.microsoft.com/office/drawing/2014/main" id="{5AF8AD5B-D911-6ADB-8A30-27C44CBE9DFD}"/>
-              </a:ext>
-            </a:extLst>
-          </p:cNvPr>
-          <p:cNvSpPr/>
-          <p:nvPr/>
-        </p:nvSpPr>
-        <p:spPr>
-          <a:xfrm>
-            <a:off x="838200" y="1456267"/>
-            <a:ext cx="2548467" cy="4720696"/>
-          </a:xfrm>
-          <a:prstGeom prst="rect">
-            <a:avLst/>
-          </a:prstGeom>
-          <a:ln>
-            <a:solidFill>
-              <a:schemeClr val="tx1"/>
-            </a:solidFill>
-          </a:ln>
-        </p:spPr>
-        <p:style>
-          <a:lnRef idx="2">
-            <a:schemeClr val="accent1">
-              <a:shade val="50000"/>
-            </a:schemeClr>
-          </a:lnRef>
-          <a:fillRef idx="1">
-            <a:schemeClr val="accent1"/>
-          </a:fillRef>
-          <a:effectRef idx="0">
-            <a:schemeClr val="accent1"/>
-          </a:effectRef>
-          <a:fontRef idx="minor">
-            <a:schemeClr val="lt1"/>
-          </a:fontRef>
-        </p:style>
-        <p:txBody>
-          <a:bodyPr rtlCol="0" anchor="t"/>
-          <a:lstStyle/>
-          <a:p>
-            <a:pPr algn="ctr"/>
-            <a:r>
-              <a:rPr lang="en-US" dirty="0">
-                <a:solidFill>
-                  <a:schemeClr val="tx1"/>
-                </a:solidFill>
-              </a:rPr>
-              <a:t>Hardware</a:t>
-            </a:r>
-            <a:endParaRPr lang="en-NL" dirty="0">
-              <a:solidFill>
-                <a:schemeClr val="tx1"/>
-              </a:solidFill>
-            </a:endParaRPr>
-          </a:p>
-        </p:txBody>
-      </p:sp>
-      <p:sp>
-        <p:nvSpPr>
-          <p:cNvPr id="5" name="Rectangle 4">
-            <a:extLst>
-              <a:ext uri="{FF2B5EF4-FFF2-40B4-BE49-F238E27FC236}">
-                <a16:creationId xmlns:a16="http://schemas.microsoft.com/office/drawing/2014/main" id="{82E204ED-EA82-B378-3376-EFDDF50F88E7}"/>
-              </a:ext>
-            </a:extLst>
-          </p:cNvPr>
-          <p:cNvSpPr/>
-          <p:nvPr/>
-        </p:nvSpPr>
-        <p:spPr>
-          <a:xfrm>
-            <a:off x="994833" y="2006601"/>
-            <a:ext cx="2235201" cy="3996266"/>
-          </a:xfrm>
-          <a:prstGeom prst="rect">
-            <a:avLst/>
-          </a:prstGeom>
-          <a:solidFill>
-            <a:schemeClr val="accent1">
-              <a:lumMod val="60000"/>
-              <a:lumOff val="40000"/>
-            </a:schemeClr>
-          </a:solidFill>
-          <a:ln>
-            <a:solidFill>
-              <a:schemeClr val="tx1"/>
-            </a:solidFill>
-          </a:ln>
-        </p:spPr>
-        <p:style>
-          <a:lnRef idx="2">
-            <a:schemeClr val="accent1">
-              <a:shade val="50000"/>
-            </a:schemeClr>
-          </a:lnRef>
-          <a:fillRef idx="1">
-            <a:schemeClr val="accent1"/>
-          </a:fillRef>
-          <a:effectRef idx="0">
-            <a:schemeClr val="accent1"/>
-          </a:effectRef>
-          <a:fontRef idx="minor">
-            <a:schemeClr val="lt1"/>
-          </a:fontRef>
-        </p:style>
-        <p:txBody>
-          <a:bodyPr rtlCol="0" anchor="t"/>
-          <a:lstStyle/>
-          <a:p>
-            <a:pPr algn="ctr"/>
-            <a:r>
-              <a:rPr lang="en-US" dirty="0">
-                <a:solidFill>
-                  <a:schemeClr val="tx1"/>
-                </a:solidFill>
-              </a:rPr>
-              <a:t>Operating system</a:t>
-            </a:r>
-            <a:endParaRPr lang="en-NL" dirty="0">
-              <a:solidFill>
-                <a:schemeClr val="tx1"/>
-              </a:solidFill>
-            </a:endParaRPr>
-          </a:p>
-        </p:txBody>
-      </p:sp>
-      <p:sp>
-        <p:nvSpPr>
-          <p:cNvPr id="6" name="Rectangle 5">
-            <a:extLst>
-              <a:ext uri="{FF2B5EF4-FFF2-40B4-BE49-F238E27FC236}">
-                <a16:creationId xmlns:a16="http://schemas.microsoft.com/office/drawing/2014/main" id="{9BEEF3B5-77E3-5EC9-4749-99D0C3618CDF}"/>
-              </a:ext>
-            </a:extLst>
-          </p:cNvPr>
-          <p:cNvSpPr/>
-          <p:nvPr/>
-        </p:nvSpPr>
-        <p:spPr>
-          <a:xfrm>
-            <a:off x="1164166" y="2556935"/>
-            <a:ext cx="1896534" cy="3285065"/>
-          </a:xfrm>
-          <a:prstGeom prst="rect">
-            <a:avLst/>
-          </a:prstGeom>
-          <a:solidFill>
-            <a:schemeClr val="accent1">
-              <a:lumMod val="40000"/>
-              <a:lumOff val="60000"/>
-            </a:schemeClr>
-          </a:solidFill>
-          <a:ln>
-            <a:solidFill>
-              <a:schemeClr val="tx1"/>
-            </a:solidFill>
-          </a:ln>
-        </p:spPr>
-        <p:style>
-          <a:lnRef idx="2">
-            <a:schemeClr val="accent1">
-              <a:shade val="50000"/>
-            </a:schemeClr>
-          </a:lnRef>
-          <a:fillRef idx="1">
-            <a:schemeClr val="accent1"/>
-          </a:fillRef>
-          <a:effectRef idx="0">
-            <a:schemeClr val="accent1"/>
-          </a:effectRef>
-          <a:fontRef idx="minor">
-            <a:schemeClr val="lt1"/>
-          </a:fontRef>
-        </p:style>
-        <p:txBody>
-          <a:bodyPr rtlCol="0" anchor="t"/>
-          <a:lstStyle/>
-          <a:p>
-            <a:pPr algn="ctr"/>
-            <a:r>
-              <a:rPr lang="en-US" dirty="0" err="1">
-                <a:solidFill>
-                  <a:schemeClr val="tx1"/>
-                </a:solidFill>
-              </a:rPr>
-              <a:t>Applicaties</a:t>
-            </a:r>
-            <a:endParaRPr lang="en-NL" dirty="0">
-              <a:solidFill>
-                <a:schemeClr val="tx1"/>
-              </a:solidFill>
-            </a:endParaRPr>
-          </a:p>
-        </p:txBody>
-      </p:sp>
-      <p:sp>
-        <p:nvSpPr>
-          <p:cNvPr id="7" name="Rectangle 6">
-            <a:extLst>
-              <a:ext uri="{FF2B5EF4-FFF2-40B4-BE49-F238E27FC236}">
-                <a16:creationId xmlns:a16="http://schemas.microsoft.com/office/drawing/2014/main" id="{70A6CEB2-D13F-D0E3-022E-0BD76F950249}"/>
-              </a:ext>
-            </a:extLst>
-          </p:cNvPr>
-          <p:cNvSpPr/>
-          <p:nvPr/>
-        </p:nvSpPr>
-        <p:spPr>
-          <a:xfrm>
-            <a:off x="1346200" y="3096685"/>
-            <a:ext cx="1532467" cy="2567516"/>
-          </a:xfrm>
-          <a:prstGeom prst="rect">
-            <a:avLst/>
-          </a:prstGeom>
-          <a:ln>
-            <a:solidFill>
-              <a:schemeClr val="tx1"/>
-            </a:solidFill>
-          </a:ln>
-        </p:spPr>
-        <p:style>
-          <a:lnRef idx="1">
-            <a:schemeClr val="accent4"/>
-          </a:lnRef>
-          <a:fillRef idx="2">
-            <a:schemeClr val="accent4"/>
-          </a:fillRef>
-          <a:effectRef idx="1">
-            <a:schemeClr val="accent4"/>
-          </a:effectRef>
-          <a:fontRef idx="minor">
-            <a:schemeClr val="dk1"/>
-          </a:fontRef>
-        </p:style>
-        <p:txBody>
-          <a:bodyPr rtlCol="0" anchor="t"/>
-          <a:lstStyle/>
-          <a:p>
-            <a:pPr algn="ctr"/>
-            <a:r>
-              <a:rPr lang="en-US" dirty="0"/>
-              <a:t>Python</a:t>
-            </a:r>
-            <a:endParaRPr lang="en-NL" dirty="0"/>
-          </a:p>
-        </p:txBody>
-      </p:sp>
-      <p:sp>
-        <p:nvSpPr>
-          <p:cNvPr id="8" name="Rectangle 7">
-            <a:extLst>
-              <a:ext uri="{FF2B5EF4-FFF2-40B4-BE49-F238E27FC236}">
-                <a16:creationId xmlns:a16="http://schemas.microsoft.com/office/drawing/2014/main" id="{7F0A639F-9CA4-77AE-C749-8396D23DE15C}"/>
-              </a:ext>
-            </a:extLst>
-          </p:cNvPr>
-          <p:cNvSpPr/>
-          <p:nvPr/>
-        </p:nvSpPr>
-        <p:spPr>
-          <a:xfrm>
-            <a:off x="1566333" y="3647018"/>
-            <a:ext cx="1092201" cy="1839381"/>
-          </a:xfrm>
-          <a:prstGeom prst="rect">
-            <a:avLst/>
-          </a:prstGeom>
-          <a:solidFill>
-            <a:schemeClr val="accent4">
-              <a:lumMod val="20000"/>
-              <a:lumOff val="80000"/>
-            </a:schemeClr>
-          </a:solidFill>
-          <a:ln>
-            <a:solidFill>
-              <a:schemeClr val="tx1"/>
-            </a:solidFill>
-          </a:ln>
-        </p:spPr>
-        <p:style>
-          <a:lnRef idx="2">
-            <a:schemeClr val="accent1">
-              <a:shade val="50000"/>
-            </a:schemeClr>
-          </a:lnRef>
-          <a:fillRef idx="1">
-            <a:schemeClr val="accent1"/>
-          </a:fillRef>
-          <a:effectRef idx="0">
-            <a:schemeClr val="accent1"/>
-          </a:effectRef>
-          <a:fontRef idx="minor">
-            <a:schemeClr val="lt1"/>
-          </a:fontRef>
-        </p:style>
-        <p:txBody>
-          <a:bodyPr rtlCol="0" anchor="t"/>
-          <a:lstStyle/>
-          <a:p>
-            <a:pPr algn="ctr"/>
-            <a:r>
-              <a:rPr lang="en-US" dirty="0">
-                <a:solidFill>
-                  <a:sysClr val="windowText" lastClr="000000"/>
-                </a:solidFill>
-              </a:rPr>
-              <a:t>Packages</a:t>
-            </a:r>
-            <a:endParaRPr lang="en-NL" dirty="0">
-              <a:solidFill>
-                <a:sysClr val="windowText" lastClr="000000"/>
-              </a:solidFill>
-            </a:endParaRPr>
-          </a:p>
-        </p:txBody>
-      </p:sp>
-      <p:sp>
-        <p:nvSpPr>
-          <p:cNvPr id="11" name="Speech Bubble: Rectangle 10">
-            <a:extLst>
-              <a:ext uri="{FF2B5EF4-FFF2-40B4-BE49-F238E27FC236}">
-                <a16:creationId xmlns:a16="http://schemas.microsoft.com/office/drawing/2014/main" id="{F887BF95-0A93-06F9-A3E6-0A35F09BF39F}"/>
-              </a:ext>
-            </a:extLst>
-          </p:cNvPr>
-          <p:cNvSpPr/>
-          <p:nvPr/>
-        </p:nvSpPr>
-        <p:spPr>
-          <a:xfrm>
-            <a:off x="4445000" y="1456267"/>
-            <a:ext cx="6908800" cy="999066"/>
-          </a:xfrm>
-          <a:prstGeom prst="wedgeRectCallout">
-            <a:avLst>
-              <a:gd name="adj1" fmla="val -68084"/>
-              <a:gd name="adj2" fmla="val -23307"/>
-            </a:avLst>
-          </a:prstGeom>
-        </p:spPr>
-        <p:style>
-          <a:lnRef idx="1">
-            <a:schemeClr val="accent3"/>
-          </a:lnRef>
-          <a:fillRef idx="2">
-            <a:schemeClr val="accent3"/>
-          </a:fillRef>
-          <a:effectRef idx="1">
-            <a:schemeClr val="accent3"/>
-          </a:effectRef>
-          <a:fontRef idx="minor">
-            <a:schemeClr val="dk1"/>
-          </a:fontRef>
-        </p:style>
-        <p:txBody>
-          <a:bodyPr rtlCol="0" anchor="ctr"/>
-          <a:lstStyle/>
-          <a:p>
-            <a:pPr algn="ctr"/>
-            <a:r>
-              <a:rPr lang="en-US" b="1" dirty="0"/>
-              <a:t>Virtual Machine</a:t>
-            </a:r>
-          </a:p>
-          <a:p>
-            <a:pPr algn="ctr"/>
-            <a:r>
-              <a:rPr lang="en-US" dirty="0"/>
-              <a:t>Hardware + OS + </a:t>
-            </a:r>
-            <a:r>
-              <a:rPr lang="en-US" dirty="0" err="1"/>
-              <a:t>Applicaties</a:t>
-            </a:r>
-            <a:r>
-              <a:rPr lang="en-US" dirty="0"/>
-              <a:t> + Python + Packages</a:t>
-            </a:r>
-            <a:endParaRPr lang="en-NL" dirty="0"/>
-          </a:p>
-        </p:txBody>
-      </p:sp>
-      <p:sp>
-        <p:nvSpPr>
-          <p:cNvPr id="12" name="Speech Bubble: Rectangle 11">
-            <a:extLst>
-              <a:ext uri="{FF2B5EF4-FFF2-40B4-BE49-F238E27FC236}">
-                <a16:creationId xmlns:a16="http://schemas.microsoft.com/office/drawing/2014/main" id="{B2279DDA-AD71-F6E3-D77F-38005ABD9406}"/>
-              </a:ext>
-            </a:extLst>
-          </p:cNvPr>
-          <p:cNvSpPr/>
-          <p:nvPr/>
-        </p:nvSpPr>
-        <p:spPr>
-          <a:xfrm>
-            <a:off x="4445000" y="2633134"/>
-            <a:ext cx="6908800" cy="999066"/>
-          </a:xfrm>
-          <a:prstGeom prst="wedgeRectCallout">
-            <a:avLst>
-              <a:gd name="adj1" fmla="val -72251"/>
-              <a:gd name="adj2" fmla="val -19917"/>
-            </a:avLst>
-          </a:prstGeom>
-        </p:spPr>
-        <p:style>
-          <a:lnRef idx="1">
-            <a:schemeClr val="accent3"/>
-          </a:lnRef>
-          <a:fillRef idx="2">
-            <a:schemeClr val="accent3"/>
-          </a:fillRef>
-          <a:effectRef idx="1">
-            <a:schemeClr val="accent3"/>
-          </a:effectRef>
-          <a:fontRef idx="minor">
-            <a:schemeClr val="dk1"/>
-          </a:fontRef>
-        </p:style>
-        <p:txBody>
-          <a:bodyPr rtlCol="0" anchor="ctr"/>
-          <a:lstStyle/>
-          <a:p>
-            <a:pPr algn="ctr"/>
-            <a:r>
-              <a:rPr lang="en-US" b="1" dirty="0"/>
-              <a:t>Docker</a:t>
-            </a:r>
-          </a:p>
-          <a:p>
-            <a:pPr algn="ctr"/>
-            <a:r>
-              <a:rPr lang="en-US" dirty="0" err="1"/>
-              <a:t>Applicaties</a:t>
-            </a:r>
-            <a:r>
-              <a:rPr lang="en-US" dirty="0"/>
-              <a:t> + Python + Packages</a:t>
-            </a:r>
-            <a:endParaRPr lang="en-NL" dirty="0"/>
-          </a:p>
-        </p:txBody>
-      </p:sp>
-      <p:sp>
-        <p:nvSpPr>
-          <p:cNvPr id="13" name="Speech Bubble: Rectangle 12">
-            <a:extLst>
-              <a:ext uri="{FF2B5EF4-FFF2-40B4-BE49-F238E27FC236}">
-                <a16:creationId xmlns:a16="http://schemas.microsoft.com/office/drawing/2014/main" id="{5223656E-6FF4-76FB-DA71-C8EC2814C8A8}"/>
-              </a:ext>
-            </a:extLst>
-          </p:cNvPr>
-          <p:cNvSpPr/>
-          <p:nvPr/>
-        </p:nvSpPr>
-        <p:spPr>
-          <a:xfrm>
-            <a:off x="4445000" y="3810001"/>
-            <a:ext cx="6908800" cy="999066"/>
-          </a:xfrm>
-          <a:prstGeom prst="wedgeRectCallout">
-            <a:avLst>
-              <a:gd name="adj1" fmla="val -74334"/>
-              <a:gd name="adj2" fmla="val -25002"/>
-            </a:avLst>
-          </a:prstGeom>
-        </p:spPr>
-        <p:style>
-          <a:lnRef idx="1">
-            <a:schemeClr val="accent6"/>
-          </a:lnRef>
-          <a:fillRef idx="2">
-            <a:schemeClr val="accent6"/>
-          </a:fillRef>
-          <a:effectRef idx="1">
-            <a:schemeClr val="accent6"/>
-          </a:effectRef>
-          <a:fontRef idx="minor">
-            <a:schemeClr val="dk1"/>
-          </a:fontRef>
-        </p:style>
-        <p:txBody>
-          <a:bodyPr rtlCol="0" anchor="ctr"/>
-          <a:lstStyle/>
-          <a:p>
-            <a:pPr algn="ctr"/>
-            <a:r>
-              <a:rPr lang="en-US" b="1" dirty="0"/>
-              <a:t>Anaconda</a:t>
-            </a:r>
-          </a:p>
-          <a:p>
-            <a:pPr algn="ctr"/>
-            <a:r>
-              <a:rPr lang="en-US" dirty="0"/>
-              <a:t>Python + Packages</a:t>
-            </a:r>
-            <a:endParaRPr lang="en-NL" dirty="0"/>
-          </a:p>
-        </p:txBody>
-      </p:sp>
-      <p:sp>
-        <p:nvSpPr>
-          <p:cNvPr id="14" name="Speech Bubble: Rectangle 13">
-            <a:extLst>
-              <a:ext uri="{FF2B5EF4-FFF2-40B4-BE49-F238E27FC236}">
-                <a16:creationId xmlns:a16="http://schemas.microsoft.com/office/drawing/2014/main" id="{B15092BF-DCC0-F424-9E5A-EA29A8B1F79A}"/>
-              </a:ext>
-            </a:extLst>
-          </p:cNvPr>
-          <p:cNvSpPr/>
-          <p:nvPr/>
-        </p:nvSpPr>
-        <p:spPr>
-          <a:xfrm>
-            <a:off x="4445000" y="4986867"/>
-            <a:ext cx="6908800" cy="999066"/>
-          </a:xfrm>
-          <a:prstGeom prst="wedgeRectCallout">
-            <a:avLst>
-              <a:gd name="adj1" fmla="val -78133"/>
-              <a:gd name="adj2" fmla="val -25002"/>
-            </a:avLst>
-          </a:prstGeom>
-        </p:spPr>
-        <p:style>
-          <a:lnRef idx="1">
-            <a:schemeClr val="accent3"/>
-          </a:lnRef>
-          <a:fillRef idx="2">
-            <a:schemeClr val="accent3"/>
-          </a:fillRef>
-          <a:effectRef idx="1">
-            <a:schemeClr val="accent3"/>
-          </a:effectRef>
-          <a:fontRef idx="minor">
-            <a:schemeClr val="dk1"/>
-          </a:fontRef>
-        </p:style>
-        <p:txBody>
-          <a:bodyPr rtlCol="0" anchor="ctr"/>
-          <a:lstStyle/>
-          <a:p>
-            <a:pPr algn="ctr"/>
-            <a:r>
-              <a:rPr lang="en-US" b="1" dirty="0" err="1"/>
-              <a:t>venv</a:t>
-            </a:r>
-            <a:r>
-              <a:rPr lang="en-US" b="1" dirty="0"/>
-              <a:t> / </a:t>
-            </a:r>
-            <a:r>
-              <a:rPr lang="en-US" b="1" dirty="0" err="1"/>
-              <a:t>virtualenv</a:t>
-            </a:r>
-            <a:endParaRPr lang="en-US" b="1" dirty="0"/>
-          </a:p>
-          <a:p>
-            <a:pPr algn="ctr"/>
-            <a:r>
-              <a:rPr lang="en-US" dirty="0" err="1"/>
-              <a:t>Alleen</a:t>
-            </a:r>
-            <a:r>
-              <a:rPr lang="en-US" dirty="0"/>
-              <a:t> packages</a:t>
-            </a:r>
-            <a:endParaRPr lang="en-NL" dirty="0"/>
-          </a:p>
-        </p:txBody>
-      </p:sp>
-    </p:spTree>
-    <p:extLst>
-      <p:ext uri="{BB962C8B-B14F-4D97-AF65-F5344CB8AC3E}">
-        <p14:creationId xmlns:p14="http://schemas.microsoft.com/office/powerpoint/2010/main" val="2756391724"/>
-      </p:ext>
-    </p:extLst>
-  </p:cSld>
-  <p:clrMapOvr>
-    <a:masterClrMapping/>
-  </p:clrMapOvr>
-</p:sld>
-</file>
-
-<file path=ppt/slides/slide8.xml><?xml version="1.0" encoding="utf-8"?>
-<p:sld xmlns:a="http://schemas.openxmlformats.org/drawingml/2006/main" xmlns:r="http://schemas.openxmlformats.org/officeDocument/2006/relationships" xmlns:p="http://schemas.openxmlformats.org/presentationml/2006/main">
-  <p:cSld>
-    <p:spTree>
-      <p:nvGrpSpPr>
-        <p:cNvPr id="1" name=""/>
-        <p:cNvGrpSpPr/>
-        <p:nvPr/>
-      </p:nvGrpSpPr>
-      <p:grpSpPr>
-        <a:xfrm>
-          <a:off x="0" y="0"/>
-          <a:ext cx="0" cy="0"/>
-          <a:chOff x="0" y="0"/>
-          <a:chExt cx="0" cy="0"/>
-        </a:xfrm>
-      </p:grpSpPr>
-      <p:sp>
-        <p:nvSpPr>
-          <p:cNvPr id="2" name="Title 1">
-            <a:extLst>
-              <a:ext uri="{FF2B5EF4-FFF2-40B4-BE49-F238E27FC236}">
-                <a16:creationId xmlns:a16="http://schemas.microsoft.com/office/drawing/2014/main" id="{39A1D606-8DD1-369C-5C09-471CDD551AD5}"/>
-              </a:ext>
-            </a:extLst>
-          </p:cNvPr>
-          <p:cNvSpPr>
-            <a:spLocks noGrp="1"/>
-          </p:cNvSpPr>
-          <p:nvPr>
-            <p:ph type="title"/>
-          </p:nvPr>
-        </p:nvSpPr>
-        <p:spPr>
-          <a:xfrm>
-            <a:off x="838200" y="365126"/>
-            <a:ext cx="10515600" cy="718608"/>
-          </a:xfrm>
-        </p:spPr>
-        <p:txBody>
-          <a:bodyPr>
-            <a:normAutofit/>
-          </a:bodyPr>
-          <a:lstStyle/>
-          <a:p>
-            <a:r>
-              <a:rPr lang="nl-NL" sz="3600" noProof="0" dirty="0"/>
               <a:t>Wat is een package?</a:t>
             </a:r>
           </a:p>
@@ -28356,7 +27727,7 @@
 </p:sld>
 </file>
 
-<file path=ppt/slides/slide9.xml><?xml version="1.0" encoding="utf-8"?>
+<file path=ppt/slides/slide8.xml><?xml version="1.0" encoding="utf-8"?>
 <p:sld xmlns:a="http://schemas.openxmlformats.org/drawingml/2006/main" xmlns:r="http://schemas.openxmlformats.org/officeDocument/2006/relationships" xmlns:p="http://schemas.openxmlformats.org/presentationml/2006/main">
   <p:cSld>
     <p:spTree>
@@ -28501,7 +27872,7 @@
             </a:r>
             <a:r>
               <a:rPr lang="nl-NL" dirty="0" err="1"/>
-              <a:t>json</a:t>
+              <a:t>pandas</a:t>
             </a:r>
             <a:endParaRPr lang="nl-NL" dirty="0"/>
           </a:p>
@@ -29087,6 +28458,651 @@
     <p:extLst>
       <p:ext uri="{BB962C8B-B14F-4D97-AF65-F5344CB8AC3E}">
         <p14:creationId xmlns:p14="http://schemas.microsoft.com/office/powerpoint/2010/main" val="1615583847"/>
+      </p:ext>
+    </p:extLst>
+  </p:cSld>
+  <p:clrMapOvr>
+    <a:masterClrMapping/>
+  </p:clrMapOvr>
+</p:sld>
+</file>
+
+<file path=ppt/slides/slide9.xml><?xml version="1.0" encoding="utf-8"?>
+<p:sld xmlns:a="http://schemas.openxmlformats.org/drawingml/2006/main" xmlns:r="http://schemas.openxmlformats.org/officeDocument/2006/relationships" xmlns:p="http://schemas.openxmlformats.org/presentationml/2006/main">
+  <p:cSld>
+    <p:spTree>
+      <p:nvGrpSpPr>
+        <p:cNvPr id="1" name=""/>
+        <p:cNvGrpSpPr/>
+        <p:nvPr/>
+      </p:nvGrpSpPr>
+      <p:grpSpPr>
+        <a:xfrm>
+          <a:off x="0" y="0"/>
+          <a:ext cx="0" cy="0"/>
+          <a:chOff x="0" y="0"/>
+          <a:chExt cx="0" cy="0"/>
+        </a:xfrm>
+      </p:grpSpPr>
+      <p:sp>
+        <p:nvSpPr>
+          <p:cNvPr id="2" name="Title 1">
+            <a:extLst>
+              <a:ext uri="{FF2B5EF4-FFF2-40B4-BE49-F238E27FC236}">
+                <a16:creationId xmlns:a16="http://schemas.microsoft.com/office/drawing/2014/main" id="{39A1D606-8DD1-369C-5C09-471CDD551AD5}"/>
+              </a:ext>
+            </a:extLst>
+          </p:cNvPr>
+          <p:cNvSpPr>
+            <a:spLocks noGrp="1"/>
+          </p:cNvSpPr>
+          <p:nvPr>
+            <p:ph type="title"/>
+          </p:nvPr>
+        </p:nvSpPr>
+        <p:spPr>
+          <a:xfrm>
+            <a:off x="838200" y="365126"/>
+            <a:ext cx="10515600" cy="718608"/>
+          </a:xfrm>
+        </p:spPr>
+        <p:txBody>
+          <a:bodyPr>
+            <a:normAutofit/>
+          </a:bodyPr>
+          <a:lstStyle/>
+          <a:p>
+            <a:r>
+              <a:rPr lang="nl-NL" sz="3600" noProof="0" dirty="0"/>
+              <a:t>Distributie met virtuele omgevingen</a:t>
+            </a:r>
+          </a:p>
+        </p:txBody>
+      </p:sp>
+      <p:sp>
+        <p:nvSpPr>
+          <p:cNvPr id="4" name="Rectangle 3">
+            <a:extLst>
+              <a:ext uri="{FF2B5EF4-FFF2-40B4-BE49-F238E27FC236}">
+                <a16:creationId xmlns:a16="http://schemas.microsoft.com/office/drawing/2014/main" id="{5AF8AD5B-D911-6ADB-8A30-27C44CBE9DFD}"/>
+              </a:ext>
+            </a:extLst>
+          </p:cNvPr>
+          <p:cNvSpPr/>
+          <p:nvPr/>
+        </p:nvSpPr>
+        <p:spPr>
+          <a:xfrm>
+            <a:off x="838200" y="1456267"/>
+            <a:ext cx="2548467" cy="4720696"/>
+          </a:xfrm>
+          <a:prstGeom prst="rect">
+            <a:avLst/>
+          </a:prstGeom>
+          <a:ln>
+            <a:solidFill>
+              <a:schemeClr val="tx1"/>
+            </a:solidFill>
+          </a:ln>
+        </p:spPr>
+        <p:style>
+          <a:lnRef idx="2">
+            <a:schemeClr val="accent1">
+              <a:shade val="50000"/>
+            </a:schemeClr>
+          </a:lnRef>
+          <a:fillRef idx="1">
+            <a:schemeClr val="accent1"/>
+          </a:fillRef>
+          <a:effectRef idx="0">
+            <a:schemeClr val="accent1"/>
+          </a:effectRef>
+          <a:fontRef idx="minor">
+            <a:schemeClr val="lt1"/>
+          </a:fontRef>
+        </p:style>
+        <p:txBody>
+          <a:bodyPr rtlCol="0" anchor="t"/>
+          <a:lstStyle/>
+          <a:p>
+            <a:pPr algn="ctr"/>
+            <a:r>
+              <a:rPr lang="en-US" dirty="0">
+                <a:solidFill>
+                  <a:schemeClr val="tx1"/>
+                </a:solidFill>
+              </a:rPr>
+              <a:t>Hardware</a:t>
+            </a:r>
+            <a:endParaRPr lang="en-NL" dirty="0">
+              <a:solidFill>
+                <a:schemeClr val="tx1"/>
+              </a:solidFill>
+            </a:endParaRPr>
+          </a:p>
+        </p:txBody>
+      </p:sp>
+      <p:sp>
+        <p:nvSpPr>
+          <p:cNvPr id="5" name="Rectangle 4">
+            <a:extLst>
+              <a:ext uri="{FF2B5EF4-FFF2-40B4-BE49-F238E27FC236}">
+                <a16:creationId xmlns:a16="http://schemas.microsoft.com/office/drawing/2014/main" id="{82E204ED-EA82-B378-3376-EFDDF50F88E7}"/>
+              </a:ext>
+            </a:extLst>
+          </p:cNvPr>
+          <p:cNvSpPr/>
+          <p:nvPr/>
+        </p:nvSpPr>
+        <p:spPr>
+          <a:xfrm>
+            <a:off x="994833" y="2006601"/>
+            <a:ext cx="2235201" cy="3996266"/>
+          </a:xfrm>
+          <a:prstGeom prst="rect">
+            <a:avLst/>
+          </a:prstGeom>
+          <a:solidFill>
+            <a:schemeClr val="accent1">
+              <a:lumMod val="60000"/>
+              <a:lumOff val="40000"/>
+            </a:schemeClr>
+          </a:solidFill>
+          <a:ln>
+            <a:solidFill>
+              <a:schemeClr val="tx1"/>
+            </a:solidFill>
+          </a:ln>
+        </p:spPr>
+        <p:style>
+          <a:lnRef idx="2">
+            <a:schemeClr val="accent1">
+              <a:shade val="50000"/>
+            </a:schemeClr>
+          </a:lnRef>
+          <a:fillRef idx="1">
+            <a:schemeClr val="accent1"/>
+          </a:fillRef>
+          <a:effectRef idx="0">
+            <a:schemeClr val="accent1"/>
+          </a:effectRef>
+          <a:fontRef idx="minor">
+            <a:schemeClr val="lt1"/>
+          </a:fontRef>
+        </p:style>
+        <p:txBody>
+          <a:bodyPr rtlCol="0" anchor="t"/>
+          <a:lstStyle/>
+          <a:p>
+            <a:pPr algn="ctr"/>
+            <a:r>
+              <a:rPr lang="en-US" dirty="0">
+                <a:solidFill>
+                  <a:schemeClr val="tx1"/>
+                </a:solidFill>
+              </a:rPr>
+              <a:t>Operating system</a:t>
+            </a:r>
+            <a:endParaRPr lang="en-NL" dirty="0">
+              <a:solidFill>
+                <a:schemeClr val="tx1"/>
+              </a:solidFill>
+            </a:endParaRPr>
+          </a:p>
+        </p:txBody>
+      </p:sp>
+      <p:sp>
+        <p:nvSpPr>
+          <p:cNvPr id="6" name="Rectangle 5">
+            <a:extLst>
+              <a:ext uri="{FF2B5EF4-FFF2-40B4-BE49-F238E27FC236}">
+                <a16:creationId xmlns:a16="http://schemas.microsoft.com/office/drawing/2014/main" id="{9BEEF3B5-77E3-5EC9-4749-99D0C3618CDF}"/>
+              </a:ext>
+            </a:extLst>
+          </p:cNvPr>
+          <p:cNvSpPr/>
+          <p:nvPr/>
+        </p:nvSpPr>
+        <p:spPr>
+          <a:xfrm>
+            <a:off x="1164166" y="2556935"/>
+            <a:ext cx="1896534" cy="3285065"/>
+          </a:xfrm>
+          <a:prstGeom prst="rect">
+            <a:avLst/>
+          </a:prstGeom>
+          <a:solidFill>
+            <a:schemeClr val="accent1">
+              <a:lumMod val="40000"/>
+              <a:lumOff val="60000"/>
+            </a:schemeClr>
+          </a:solidFill>
+          <a:ln>
+            <a:solidFill>
+              <a:schemeClr val="tx1"/>
+            </a:solidFill>
+          </a:ln>
+        </p:spPr>
+        <p:style>
+          <a:lnRef idx="2">
+            <a:schemeClr val="accent1">
+              <a:shade val="50000"/>
+            </a:schemeClr>
+          </a:lnRef>
+          <a:fillRef idx="1">
+            <a:schemeClr val="accent1"/>
+          </a:fillRef>
+          <a:effectRef idx="0">
+            <a:schemeClr val="accent1"/>
+          </a:effectRef>
+          <a:fontRef idx="minor">
+            <a:schemeClr val="lt1"/>
+          </a:fontRef>
+        </p:style>
+        <p:txBody>
+          <a:bodyPr rtlCol="0" anchor="t"/>
+          <a:lstStyle/>
+          <a:p>
+            <a:pPr algn="ctr"/>
+            <a:r>
+              <a:rPr lang="en-US" dirty="0" err="1">
+                <a:solidFill>
+                  <a:schemeClr val="tx1"/>
+                </a:solidFill>
+              </a:rPr>
+              <a:t>Applicaties</a:t>
+            </a:r>
+            <a:endParaRPr lang="en-NL" dirty="0">
+              <a:solidFill>
+                <a:schemeClr val="tx1"/>
+              </a:solidFill>
+            </a:endParaRPr>
+          </a:p>
+        </p:txBody>
+      </p:sp>
+      <p:sp>
+        <p:nvSpPr>
+          <p:cNvPr id="7" name="Rectangle 6">
+            <a:extLst>
+              <a:ext uri="{FF2B5EF4-FFF2-40B4-BE49-F238E27FC236}">
+                <a16:creationId xmlns:a16="http://schemas.microsoft.com/office/drawing/2014/main" id="{70A6CEB2-D13F-D0E3-022E-0BD76F950249}"/>
+              </a:ext>
+            </a:extLst>
+          </p:cNvPr>
+          <p:cNvSpPr/>
+          <p:nvPr/>
+        </p:nvSpPr>
+        <p:spPr>
+          <a:xfrm>
+            <a:off x="1346200" y="3096685"/>
+            <a:ext cx="1532467" cy="2567516"/>
+          </a:xfrm>
+          <a:prstGeom prst="rect">
+            <a:avLst/>
+          </a:prstGeom>
+          <a:ln>
+            <a:solidFill>
+              <a:schemeClr val="tx1"/>
+            </a:solidFill>
+          </a:ln>
+        </p:spPr>
+        <p:style>
+          <a:lnRef idx="1">
+            <a:schemeClr val="accent4"/>
+          </a:lnRef>
+          <a:fillRef idx="2">
+            <a:schemeClr val="accent4"/>
+          </a:fillRef>
+          <a:effectRef idx="1">
+            <a:schemeClr val="accent4"/>
+          </a:effectRef>
+          <a:fontRef idx="minor">
+            <a:schemeClr val="dk1"/>
+          </a:fontRef>
+        </p:style>
+        <p:txBody>
+          <a:bodyPr rtlCol="0" anchor="t"/>
+          <a:lstStyle/>
+          <a:p>
+            <a:pPr algn="ctr"/>
+            <a:r>
+              <a:rPr lang="en-US" dirty="0"/>
+              <a:t>Python</a:t>
+            </a:r>
+            <a:endParaRPr lang="en-NL" dirty="0"/>
+          </a:p>
+        </p:txBody>
+      </p:sp>
+      <p:sp>
+        <p:nvSpPr>
+          <p:cNvPr id="8" name="Rectangle 7">
+            <a:extLst>
+              <a:ext uri="{FF2B5EF4-FFF2-40B4-BE49-F238E27FC236}">
+                <a16:creationId xmlns:a16="http://schemas.microsoft.com/office/drawing/2014/main" id="{7F0A639F-9CA4-77AE-C749-8396D23DE15C}"/>
+              </a:ext>
+            </a:extLst>
+          </p:cNvPr>
+          <p:cNvSpPr/>
+          <p:nvPr/>
+        </p:nvSpPr>
+        <p:spPr>
+          <a:xfrm>
+            <a:off x="1566333" y="3647018"/>
+            <a:ext cx="1092201" cy="1839381"/>
+          </a:xfrm>
+          <a:prstGeom prst="rect">
+            <a:avLst/>
+          </a:prstGeom>
+          <a:solidFill>
+            <a:schemeClr val="accent4">
+              <a:lumMod val="20000"/>
+              <a:lumOff val="80000"/>
+            </a:schemeClr>
+          </a:solidFill>
+          <a:ln>
+            <a:solidFill>
+              <a:schemeClr val="tx1"/>
+            </a:solidFill>
+          </a:ln>
+        </p:spPr>
+        <p:style>
+          <a:lnRef idx="2">
+            <a:schemeClr val="accent1">
+              <a:shade val="50000"/>
+            </a:schemeClr>
+          </a:lnRef>
+          <a:fillRef idx="1">
+            <a:schemeClr val="accent1"/>
+          </a:fillRef>
+          <a:effectRef idx="0">
+            <a:schemeClr val="accent1"/>
+          </a:effectRef>
+          <a:fontRef idx="minor">
+            <a:schemeClr val="lt1"/>
+          </a:fontRef>
+        </p:style>
+        <p:txBody>
+          <a:bodyPr rtlCol="0" anchor="t"/>
+          <a:lstStyle/>
+          <a:p>
+            <a:pPr algn="ctr"/>
+            <a:r>
+              <a:rPr lang="en-US" dirty="0">
+                <a:solidFill>
+                  <a:sysClr val="windowText" lastClr="000000"/>
+                </a:solidFill>
+              </a:rPr>
+              <a:t>Packages</a:t>
+            </a:r>
+            <a:endParaRPr lang="en-NL" dirty="0">
+              <a:solidFill>
+                <a:sysClr val="windowText" lastClr="000000"/>
+              </a:solidFill>
+            </a:endParaRPr>
+          </a:p>
+        </p:txBody>
+      </p:sp>
+      <p:sp>
+        <p:nvSpPr>
+          <p:cNvPr id="11" name="Speech Bubble: Rectangle 10">
+            <a:extLst>
+              <a:ext uri="{FF2B5EF4-FFF2-40B4-BE49-F238E27FC236}">
+                <a16:creationId xmlns:a16="http://schemas.microsoft.com/office/drawing/2014/main" id="{F887BF95-0A93-06F9-A3E6-0A35F09BF39F}"/>
+              </a:ext>
+            </a:extLst>
+          </p:cNvPr>
+          <p:cNvSpPr/>
+          <p:nvPr/>
+        </p:nvSpPr>
+        <p:spPr>
+          <a:xfrm>
+            <a:off x="4445000" y="1456267"/>
+            <a:ext cx="6908800" cy="999066"/>
+          </a:xfrm>
+          <a:prstGeom prst="wedgeRectCallout">
+            <a:avLst>
+              <a:gd name="adj1" fmla="val -68084"/>
+              <a:gd name="adj2" fmla="val -23307"/>
+            </a:avLst>
+          </a:prstGeom>
+        </p:spPr>
+        <p:style>
+          <a:lnRef idx="1">
+            <a:schemeClr val="accent3"/>
+          </a:lnRef>
+          <a:fillRef idx="2">
+            <a:schemeClr val="accent3"/>
+          </a:fillRef>
+          <a:effectRef idx="1">
+            <a:schemeClr val="accent3"/>
+          </a:effectRef>
+          <a:fontRef idx="minor">
+            <a:schemeClr val="dk1"/>
+          </a:fontRef>
+        </p:style>
+        <p:txBody>
+          <a:bodyPr rtlCol="0" anchor="ctr"/>
+          <a:lstStyle/>
+          <a:p>
+            <a:pPr algn="ctr"/>
+            <a:r>
+              <a:rPr lang="en-US" b="1" dirty="0"/>
+              <a:t>Virtual Machine</a:t>
+            </a:r>
+          </a:p>
+          <a:p>
+            <a:pPr algn="ctr"/>
+            <a:r>
+              <a:rPr lang="en-US" dirty="0"/>
+              <a:t>Hardware + OS + </a:t>
+            </a:r>
+            <a:r>
+              <a:rPr lang="en-US" dirty="0" err="1"/>
+              <a:t>Applicaties</a:t>
+            </a:r>
+            <a:r>
+              <a:rPr lang="en-US" dirty="0"/>
+              <a:t> + Python + Packages</a:t>
+            </a:r>
+            <a:endParaRPr lang="en-NL" dirty="0"/>
+          </a:p>
+        </p:txBody>
+      </p:sp>
+      <p:sp>
+        <p:nvSpPr>
+          <p:cNvPr id="12" name="Speech Bubble: Rectangle 11">
+            <a:extLst>
+              <a:ext uri="{FF2B5EF4-FFF2-40B4-BE49-F238E27FC236}">
+                <a16:creationId xmlns:a16="http://schemas.microsoft.com/office/drawing/2014/main" id="{B2279DDA-AD71-F6E3-D77F-38005ABD9406}"/>
+              </a:ext>
+            </a:extLst>
+          </p:cNvPr>
+          <p:cNvSpPr/>
+          <p:nvPr/>
+        </p:nvSpPr>
+        <p:spPr>
+          <a:xfrm>
+            <a:off x="4445000" y="2633134"/>
+            <a:ext cx="6908800" cy="999066"/>
+          </a:xfrm>
+          <a:prstGeom prst="wedgeRectCallout">
+            <a:avLst>
+              <a:gd name="adj1" fmla="val -72251"/>
+              <a:gd name="adj2" fmla="val -19917"/>
+            </a:avLst>
+          </a:prstGeom>
+        </p:spPr>
+        <p:style>
+          <a:lnRef idx="1">
+            <a:schemeClr val="accent3"/>
+          </a:lnRef>
+          <a:fillRef idx="2">
+            <a:schemeClr val="accent3"/>
+          </a:fillRef>
+          <a:effectRef idx="1">
+            <a:schemeClr val="accent3"/>
+          </a:effectRef>
+          <a:fontRef idx="minor">
+            <a:schemeClr val="dk1"/>
+          </a:fontRef>
+        </p:style>
+        <p:txBody>
+          <a:bodyPr rtlCol="0" anchor="ctr"/>
+          <a:lstStyle/>
+          <a:p>
+            <a:pPr algn="ctr"/>
+            <a:r>
+              <a:rPr lang="en-US" b="1" dirty="0"/>
+              <a:t>Docker</a:t>
+            </a:r>
+          </a:p>
+          <a:p>
+            <a:pPr algn="ctr"/>
+            <a:r>
+              <a:rPr lang="en-US" dirty="0" err="1"/>
+              <a:t>Applicaties</a:t>
+            </a:r>
+            <a:r>
+              <a:rPr lang="en-US" dirty="0"/>
+              <a:t> + Python + Packages</a:t>
+            </a:r>
+            <a:endParaRPr lang="en-NL" dirty="0"/>
+          </a:p>
+        </p:txBody>
+      </p:sp>
+      <p:sp>
+        <p:nvSpPr>
+          <p:cNvPr id="13" name="Speech Bubble: Rectangle 12">
+            <a:extLst>
+              <a:ext uri="{FF2B5EF4-FFF2-40B4-BE49-F238E27FC236}">
+                <a16:creationId xmlns:a16="http://schemas.microsoft.com/office/drawing/2014/main" id="{5223656E-6FF4-76FB-DA71-C8EC2814C8A8}"/>
+              </a:ext>
+            </a:extLst>
+          </p:cNvPr>
+          <p:cNvSpPr/>
+          <p:nvPr/>
+        </p:nvSpPr>
+        <p:spPr>
+          <a:xfrm>
+            <a:off x="4445000" y="3810001"/>
+            <a:ext cx="6908800" cy="999066"/>
+          </a:xfrm>
+          <a:prstGeom prst="wedgeRectCallout">
+            <a:avLst>
+              <a:gd name="adj1" fmla="val -74334"/>
+              <a:gd name="adj2" fmla="val -25002"/>
+            </a:avLst>
+          </a:prstGeom>
+        </p:spPr>
+        <p:style>
+          <a:lnRef idx="1">
+            <a:schemeClr val="accent6"/>
+          </a:lnRef>
+          <a:fillRef idx="2">
+            <a:schemeClr val="accent6"/>
+          </a:fillRef>
+          <a:effectRef idx="1">
+            <a:schemeClr val="accent6"/>
+          </a:effectRef>
+          <a:fontRef idx="minor">
+            <a:schemeClr val="dk1"/>
+          </a:fontRef>
+        </p:style>
+        <p:txBody>
+          <a:bodyPr rtlCol="0" anchor="ctr"/>
+          <a:lstStyle/>
+          <a:p>
+            <a:pPr algn="ctr"/>
+            <a:r>
+              <a:rPr lang="en-US" b="1" dirty="0"/>
+              <a:t>Anaconda</a:t>
+            </a:r>
+          </a:p>
+          <a:p>
+            <a:pPr algn="ctr"/>
+            <a:r>
+              <a:rPr lang="en-US" dirty="0"/>
+              <a:t>Python + Packages</a:t>
+            </a:r>
+            <a:endParaRPr lang="en-NL" dirty="0"/>
+          </a:p>
+        </p:txBody>
+      </p:sp>
+      <p:sp>
+        <p:nvSpPr>
+          <p:cNvPr id="14" name="Speech Bubble: Rectangle 13">
+            <a:extLst>
+              <a:ext uri="{FF2B5EF4-FFF2-40B4-BE49-F238E27FC236}">
+                <a16:creationId xmlns:a16="http://schemas.microsoft.com/office/drawing/2014/main" id="{B15092BF-DCC0-F424-9E5A-EA29A8B1F79A}"/>
+              </a:ext>
+            </a:extLst>
+          </p:cNvPr>
+          <p:cNvSpPr/>
+          <p:nvPr/>
+        </p:nvSpPr>
+        <p:spPr>
+          <a:xfrm>
+            <a:off x="4445000" y="4986867"/>
+            <a:ext cx="6908800" cy="999066"/>
+          </a:xfrm>
+          <a:prstGeom prst="wedgeRectCallout">
+            <a:avLst>
+              <a:gd name="adj1" fmla="val -78133"/>
+              <a:gd name="adj2" fmla="val -25002"/>
+            </a:avLst>
+          </a:prstGeom>
+        </p:spPr>
+        <p:style>
+          <a:lnRef idx="1">
+            <a:schemeClr val="accent3"/>
+          </a:lnRef>
+          <a:fillRef idx="2">
+            <a:schemeClr val="accent3"/>
+          </a:fillRef>
+          <a:effectRef idx="1">
+            <a:schemeClr val="accent3"/>
+          </a:effectRef>
+          <a:fontRef idx="minor">
+            <a:schemeClr val="dk1"/>
+          </a:fontRef>
+        </p:style>
+        <p:txBody>
+          <a:bodyPr rtlCol="0" anchor="ctr"/>
+          <a:lstStyle/>
+          <a:p>
+            <a:pPr algn="ctr"/>
+            <a:r>
+              <a:rPr lang="en-US" b="1" dirty="0" err="1"/>
+              <a:t>venv</a:t>
+            </a:r>
+            <a:r>
+              <a:rPr lang="en-US" b="1" dirty="0"/>
+              <a:t> / </a:t>
+            </a:r>
+            <a:r>
+              <a:rPr lang="en-US" b="1" dirty="0" err="1"/>
+              <a:t>virtualenv</a:t>
+            </a:r>
+            <a:endParaRPr lang="en-US" b="1" dirty="0"/>
+          </a:p>
+          <a:p>
+            <a:pPr algn="ctr"/>
+            <a:r>
+              <a:rPr lang="en-US" dirty="0" err="1"/>
+              <a:t>Alleen</a:t>
+            </a:r>
+            <a:r>
+              <a:rPr lang="en-US" dirty="0"/>
+              <a:t> packages</a:t>
+            </a:r>
+            <a:endParaRPr lang="en-NL" dirty="0"/>
+          </a:p>
+        </p:txBody>
+      </p:sp>
+    </p:spTree>
+    <p:extLst>
+      <p:ext uri="{BB962C8B-B14F-4D97-AF65-F5344CB8AC3E}">
+        <p14:creationId xmlns:p14="http://schemas.microsoft.com/office/powerpoint/2010/main" val="2756391724"/>
       </p:ext>
     </p:extLst>
   </p:cSld>

--- a/python_trainees/1_basics_classes/python_traineeship_1.pptx
+++ b/python_trainees/1_basics_classes/python_traineeship_1.pptx
@@ -49,13 +49,17 @@
     <p:sldId id="329" r:id="rId43"/>
     <p:sldId id="312" r:id="rId44"/>
     <p:sldId id="313" r:id="rId45"/>
-    <p:sldId id="323" r:id="rId46"/>
-    <p:sldId id="331" r:id="rId47"/>
-    <p:sldId id="332" r:id="rId48"/>
+    <p:sldId id="333" r:id="rId46"/>
+    <p:sldId id="323" r:id="rId47"/>
+    <p:sldId id="331" r:id="rId48"/>
     <p:sldId id="324" r:id="rId49"/>
     <p:sldId id="325" r:id="rId50"/>
-    <p:sldId id="326" r:id="rId51"/>
-    <p:sldId id="327" r:id="rId52"/>
+    <p:sldId id="332" r:id="rId51"/>
+    <p:sldId id="326" r:id="rId52"/>
+    <p:sldId id="334" r:id="rId53"/>
+    <p:sldId id="335" r:id="rId54"/>
+    <p:sldId id="336" r:id="rId55"/>
+    <p:sldId id="327" r:id="rId56"/>
   </p:sldIdLst>
   <p:sldSz cx="12192000" cy="6858000"/>
   <p:notesSz cx="6858000" cy="9144000"/>
@@ -311,7 +315,7 @@
           <a:p>
             <a:fld id="{0EBB069A-003F-4FC0-8534-236B0C5C7B5F}" type="datetimeFigureOut">
               <a:rPr lang="en-NL" smtClean="0"/>
-              <a:t>02/03/2023</a:t>
+              <a:t>04/03/2023</a:t>
             </a:fld>
             <a:endParaRPr lang="en-NL"/>
           </a:p>
@@ -511,7 +515,7 @@
           <a:p>
             <a:fld id="{0EBB069A-003F-4FC0-8534-236B0C5C7B5F}" type="datetimeFigureOut">
               <a:rPr lang="en-NL" smtClean="0"/>
-              <a:t>02/03/2023</a:t>
+              <a:t>04/03/2023</a:t>
             </a:fld>
             <a:endParaRPr lang="en-NL"/>
           </a:p>
@@ -721,7 +725,7 @@
           <a:p>
             <a:fld id="{0EBB069A-003F-4FC0-8534-236B0C5C7B5F}" type="datetimeFigureOut">
               <a:rPr lang="en-NL" smtClean="0"/>
-              <a:t>02/03/2023</a:t>
+              <a:t>04/03/2023</a:t>
             </a:fld>
             <a:endParaRPr lang="en-NL"/>
           </a:p>
@@ -921,7 +925,7 @@
           <a:p>
             <a:fld id="{0EBB069A-003F-4FC0-8534-236B0C5C7B5F}" type="datetimeFigureOut">
               <a:rPr lang="en-NL" smtClean="0"/>
-              <a:t>02/03/2023</a:t>
+              <a:t>04/03/2023</a:t>
             </a:fld>
             <a:endParaRPr lang="en-NL"/>
           </a:p>
@@ -1197,7 +1201,7 @@
           <a:p>
             <a:fld id="{0EBB069A-003F-4FC0-8534-236B0C5C7B5F}" type="datetimeFigureOut">
               <a:rPr lang="en-NL" smtClean="0"/>
-              <a:t>02/03/2023</a:t>
+              <a:t>04/03/2023</a:t>
             </a:fld>
             <a:endParaRPr lang="en-NL"/>
           </a:p>
@@ -1465,7 +1469,7 @@
           <a:p>
             <a:fld id="{0EBB069A-003F-4FC0-8534-236B0C5C7B5F}" type="datetimeFigureOut">
               <a:rPr lang="en-NL" smtClean="0"/>
-              <a:t>02/03/2023</a:t>
+              <a:t>04/03/2023</a:t>
             </a:fld>
             <a:endParaRPr lang="en-NL"/>
           </a:p>
@@ -1880,7 +1884,7 @@
           <a:p>
             <a:fld id="{0EBB069A-003F-4FC0-8534-236B0C5C7B5F}" type="datetimeFigureOut">
               <a:rPr lang="en-NL" smtClean="0"/>
-              <a:t>02/03/2023</a:t>
+              <a:t>04/03/2023</a:t>
             </a:fld>
             <a:endParaRPr lang="en-NL"/>
           </a:p>
@@ -2022,7 +2026,7 @@
           <a:p>
             <a:fld id="{0EBB069A-003F-4FC0-8534-236B0C5C7B5F}" type="datetimeFigureOut">
               <a:rPr lang="en-NL" smtClean="0"/>
-              <a:t>02/03/2023</a:t>
+              <a:t>04/03/2023</a:t>
             </a:fld>
             <a:endParaRPr lang="en-NL"/>
           </a:p>
@@ -2135,7 +2139,7 @@
           <a:p>
             <a:fld id="{0EBB069A-003F-4FC0-8534-236B0C5C7B5F}" type="datetimeFigureOut">
               <a:rPr lang="en-NL" smtClean="0"/>
-              <a:t>02/03/2023</a:t>
+              <a:t>04/03/2023</a:t>
             </a:fld>
             <a:endParaRPr lang="en-NL"/>
           </a:p>
@@ -2448,7 +2452,7 @@
           <a:p>
             <a:fld id="{0EBB069A-003F-4FC0-8534-236B0C5C7B5F}" type="datetimeFigureOut">
               <a:rPr lang="en-NL" smtClean="0"/>
-              <a:t>02/03/2023</a:t>
+              <a:t>04/03/2023</a:t>
             </a:fld>
             <a:endParaRPr lang="en-NL"/>
           </a:p>
@@ -2737,7 +2741,7 @@
           <a:p>
             <a:fld id="{0EBB069A-003F-4FC0-8534-236B0C5C7B5F}" type="datetimeFigureOut">
               <a:rPr lang="en-NL" smtClean="0"/>
-              <a:t>02/03/2023</a:t>
+              <a:t>04/03/2023</a:t>
             </a:fld>
             <a:endParaRPr lang="en-NL"/>
           </a:p>
@@ -2980,7 +2984,7 @@
           <a:p>
             <a:fld id="{0EBB069A-003F-4FC0-8534-236B0C5C7B5F}" type="datetimeFigureOut">
               <a:rPr lang="en-NL" smtClean="0"/>
-              <a:t>02/03/2023</a:t>
+              <a:t>04/03/2023</a:t>
             </a:fld>
             <a:endParaRPr lang="en-NL"/>
           </a:p>
@@ -20796,7 +20800,7 @@
             </a:pPr>
             <a:r>
               <a:rPr lang="nl-NL" sz="2000" noProof="0" dirty="0"/>
-              <a:t>Bundeling in classes maakt importeren en hergebruik eenvoudiger.</a:t>
+              <a:t>Bundeling in classes maakt importeren eenvoudiger.</a:t>
             </a:r>
           </a:p>
           <a:p>
@@ -20811,7 +20815,7 @@
             </a:pPr>
             <a:r>
               <a:rPr lang="nl-NL" sz="2000" noProof="0" dirty="0"/>
-              <a:t>Attributen kunnen worden hergebruikt door verschillende methodes.</a:t>
+              <a:t>Attributen kunnen worden gebruikt door verschillende methodes.</a:t>
             </a:r>
           </a:p>
           <a:p>
@@ -21437,12 +21441,8 @@
           <a:lstStyle/>
           <a:p>
             <a:r>
-              <a:rPr lang="nl-NL" sz="3600" noProof="0" dirty="0" err="1"/>
-              <a:t>Dunder</a:t>
-            </a:r>
-            <a:r>
               <a:rPr lang="nl-NL" sz="3600" noProof="0" dirty="0"/>
-              <a:t> methodes</a:t>
+              <a:t>Class versus object</a:t>
             </a:r>
           </a:p>
         </p:txBody>
@@ -21480,80 +21480,64 @@
             </a:pPr>
             <a:r>
               <a:rPr lang="nl-NL" sz="2000" noProof="0" dirty="0"/>
-              <a:t>Double </a:t>
-            </a:r>
-            <a:r>
-              <a:rPr lang="nl-NL" sz="2000" noProof="0" dirty="0" err="1"/>
-              <a:t>underscore</a:t>
+              <a:t>Een class (</a:t>
+            </a:r>
+            <a:r>
+              <a:rPr lang="nl-NL" sz="2000" noProof="0" dirty="0">
+                <a:latin typeface="Courier New" panose="02070309020205020404" pitchFamily="49" charset="0"/>
+                <a:cs typeface="Courier New" panose="02070309020205020404" pitchFamily="49" charset="0"/>
+              </a:rPr>
+              <a:t>Type</a:t>
             </a:r>
             <a:r>
               <a:rPr lang="nl-NL" sz="2000" noProof="0" dirty="0"/>
-              <a:t> / </a:t>
-            </a:r>
-            <a:r>
-              <a:rPr lang="nl-NL" sz="2000" noProof="0" dirty="0" err="1"/>
-              <a:t>dunder</a:t>
-            </a:r>
+              <a:t>) is als een soort blauwdruk / sjabloon.</a:t>
+            </a:r>
+          </a:p>
+          <a:p>
+            <a:pPr marL="0" indent="0">
+              <a:buNone/>
+            </a:pPr>
+            <a:endParaRPr lang="nl-NL" sz="2000" noProof="0" dirty="0"/>
+          </a:p>
+          <a:p>
+            <a:pPr marL="0" indent="0">
+              <a:buNone/>
+            </a:pPr>
+            <a:r>
+              <a:rPr lang="nl-NL" sz="2000" dirty="0"/>
+              <a:t>Door de class te initialiseren maak je en instantie / object.</a:t>
+            </a:r>
+          </a:p>
+          <a:p>
+            <a:pPr marL="0" indent="0">
+              <a:buNone/>
+            </a:pPr>
+            <a:endParaRPr lang="nl-NL" sz="2000" dirty="0"/>
+          </a:p>
+          <a:p>
+            <a:pPr marL="0" indent="0">
+              <a:buNone/>
+            </a:pPr>
+            <a:r>
+              <a:rPr lang="nl-NL" sz="2000" dirty="0"/>
+              <a:t>Gebruik de naam van de class met haken om te initialiseren.</a:t>
+            </a:r>
+          </a:p>
+          <a:p>
+            <a:pPr marL="0" indent="0">
+              <a:buNone/>
+            </a:pPr>
+            <a:endParaRPr lang="nl-NL" sz="2000" dirty="0"/>
+          </a:p>
+          <a:p>
+            <a:pPr marL="0" indent="0">
+              <a:buNone/>
+            </a:pPr>
             <a:r>
               <a:rPr lang="nl-NL" sz="2000" noProof="0" dirty="0"/>
-              <a:t> methodes hebben een speciale betekenis.</a:t>
-            </a:r>
-          </a:p>
-          <a:p>
-            <a:pPr marL="0" indent="0">
-              <a:buNone/>
-            </a:pPr>
-            <a:endParaRPr lang="nl-NL" sz="2000" dirty="0"/>
-          </a:p>
-          <a:p>
-            <a:pPr marL="0" indent="0">
-              <a:buNone/>
-            </a:pPr>
-            <a:r>
-              <a:rPr lang="nl-NL" sz="2000" noProof="0" dirty="0">
-                <a:latin typeface="Courier New" panose="02070309020205020404" pitchFamily="49" charset="0"/>
-                <a:cs typeface="Courier New" panose="02070309020205020404" pitchFamily="49" charset="0"/>
-              </a:rPr>
-              <a:t>__</a:t>
-            </a:r>
-            <a:r>
-              <a:rPr lang="nl-NL" sz="2000" noProof="0" dirty="0" err="1">
-                <a:latin typeface="Courier New" panose="02070309020205020404" pitchFamily="49" charset="0"/>
-                <a:cs typeface="Courier New" panose="02070309020205020404" pitchFamily="49" charset="0"/>
-              </a:rPr>
-              <a:t>init</a:t>
-            </a:r>
-            <a:r>
-              <a:rPr lang="nl-NL" sz="2000" noProof="0" dirty="0">
-                <a:latin typeface="Courier New" panose="02070309020205020404" pitchFamily="49" charset="0"/>
-                <a:cs typeface="Courier New" panose="02070309020205020404" pitchFamily="49" charset="0"/>
-              </a:rPr>
-              <a:t>__</a:t>
-            </a:r>
-            <a:endParaRPr lang="nl-NL" sz="2000" noProof="0" dirty="0"/>
-          </a:p>
-          <a:p>
-            <a:pPr marL="0" indent="0">
-              <a:buNone/>
-            </a:pPr>
-            <a:r>
-              <a:rPr lang="nl-NL" sz="2000" dirty="0" err="1"/>
-              <a:t>Constructor</a:t>
-            </a:r>
-            <a:r>
-              <a:rPr lang="nl-NL" sz="2000" dirty="0"/>
-              <a:t>:</a:t>
-            </a:r>
-            <a:r>
-              <a:rPr lang="nl-NL" sz="2000" noProof="0" dirty="0"/>
-              <a:t> Gebruikt om een object te initialiseren.</a:t>
-            </a:r>
-          </a:p>
-          <a:p>
-            <a:pPr marL="0" indent="0">
-              <a:buNone/>
-            </a:pPr>
-            <a:endParaRPr lang="nl-NL" sz="2000" dirty="0"/>
+              <a:t>Dit levert unieke objecten op, maar mogelijk met dezelfde attributen…</a:t>
+            </a:r>
           </a:p>
         </p:txBody>
       </p:sp>
@@ -21754,6 +21738,603 @@
               <a:buNone/>
             </a:pPr>
             <a:r>
+              <a:rPr lang="en-US" sz="1400" dirty="0">
+                <a:latin typeface="Courier New" panose="02070309020205020404" pitchFamily="49" charset="0"/>
+                <a:cs typeface="Courier New" panose="02070309020205020404" pitchFamily="49" charset="0"/>
+              </a:rPr>
+              <a:t># Define the class / type</a:t>
+            </a:r>
+          </a:p>
+          <a:p>
+            <a:pPr marL="0" indent="0">
+              <a:buFont typeface="Arial" panose="020B0604020202020204" pitchFamily="34" charset="0"/>
+              <a:buNone/>
+            </a:pPr>
+            <a:r>
+              <a:rPr lang="en-US" sz="1400" b="1" dirty="0">
+                <a:latin typeface="Courier New" panose="02070309020205020404" pitchFamily="49" charset="0"/>
+                <a:cs typeface="Courier New" panose="02070309020205020404" pitchFamily="49" charset="0"/>
+              </a:rPr>
+              <a:t>class Person:</a:t>
+            </a:r>
+          </a:p>
+          <a:p>
+            <a:pPr marL="0" indent="0">
+              <a:buFont typeface="Arial" panose="020B0604020202020204" pitchFamily="34" charset="0"/>
+              <a:buNone/>
+            </a:pPr>
+            <a:r>
+              <a:rPr lang="en-US" sz="1400" dirty="0">
+                <a:latin typeface="Courier New" panose="02070309020205020404" pitchFamily="49" charset="0"/>
+                <a:cs typeface="Courier New" panose="02070309020205020404" pitchFamily="49" charset="0"/>
+              </a:rPr>
+              <a:t>  name = "John"</a:t>
+            </a:r>
+          </a:p>
+          <a:p>
+            <a:pPr marL="0" indent="0">
+              <a:buFont typeface="Arial" panose="020B0604020202020204" pitchFamily="34" charset="0"/>
+              <a:buNone/>
+            </a:pPr>
+            <a:r>
+              <a:rPr lang="en-US" sz="1400" dirty="0">
+                <a:latin typeface="Courier New" panose="02070309020205020404" pitchFamily="49" charset="0"/>
+                <a:cs typeface="Courier New" panose="02070309020205020404" pitchFamily="49" charset="0"/>
+              </a:rPr>
+              <a:t>  </a:t>
+            </a:r>
+            <a:r>
+              <a:rPr lang="en-US" sz="1400" dirty="0" err="1">
+                <a:latin typeface="Courier New" panose="02070309020205020404" pitchFamily="49" charset="0"/>
+                <a:cs typeface="Courier New" panose="02070309020205020404" pitchFamily="49" charset="0"/>
+              </a:rPr>
+              <a:t>lastname</a:t>
+            </a:r>
+            <a:r>
+              <a:rPr lang="en-US" sz="1400" dirty="0">
+                <a:latin typeface="Courier New" panose="02070309020205020404" pitchFamily="49" charset="0"/>
+                <a:cs typeface="Courier New" panose="02070309020205020404" pitchFamily="49" charset="0"/>
+              </a:rPr>
+              <a:t> = "Doe"</a:t>
+            </a:r>
+          </a:p>
+          <a:p>
+            <a:pPr marL="0" indent="0">
+              <a:buFont typeface="Arial" panose="020B0604020202020204" pitchFamily="34" charset="0"/>
+              <a:buNone/>
+            </a:pPr>
+            <a:endParaRPr lang="en-US" sz="1400" b="1" dirty="0">
+              <a:latin typeface="Courier New" panose="02070309020205020404" pitchFamily="49" charset="0"/>
+              <a:cs typeface="Courier New" panose="02070309020205020404" pitchFamily="49" charset="0"/>
+            </a:endParaRPr>
+          </a:p>
+          <a:p>
+            <a:pPr marL="0" indent="0">
+              <a:buFont typeface="Arial" panose="020B0604020202020204" pitchFamily="34" charset="0"/>
+              <a:buNone/>
+            </a:pPr>
+            <a:r>
+              <a:rPr lang="en-US" sz="1400" dirty="0">
+                <a:latin typeface="Courier New" panose="02070309020205020404" pitchFamily="49" charset="0"/>
+                <a:cs typeface="Courier New" panose="02070309020205020404" pitchFamily="49" charset="0"/>
+              </a:rPr>
+              <a:t># Initialize an object / instance</a:t>
+            </a:r>
+          </a:p>
+          <a:p>
+            <a:pPr marL="0" indent="0">
+              <a:buFont typeface="Arial" panose="020B0604020202020204" pitchFamily="34" charset="0"/>
+              <a:buNone/>
+            </a:pPr>
+            <a:r>
+              <a:rPr lang="en-US" sz="1400" b="1" dirty="0">
+                <a:latin typeface="Courier New" panose="02070309020205020404" pitchFamily="49" charset="0"/>
+                <a:cs typeface="Courier New" panose="02070309020205020404" pitchFamily="49" charset="0"/>
+              </a:rPr>
+              <a:t>person1 = Person()</a:t>
+            </a:r>
+          </a:p>
+          <a:p>
+            <a:pPr marL="0" indent="0">
+              <a:buFont typeface="Arial" panose="020B0604020202020204" pitchFamily="34" charset="0"/>
+              <a:buNone/>
+            </a:pPr>
+            <a:endParaRPr lang="en-US" sz="1400" b="1" dirty="0">
+              <a:latin typeface="Courier New" panose="02070309020205020404" pitchFamily="49" charset="0"/>
+              <a:cs typeface="Courier New" panose="02070309020205020404" pitchFamily="49" charset="0"/>
+            </a:endParaRPr>
+          </a:p>
+          <a:p>
+            <a:pPr marL="0" indent="0">
+              <a:buFont typeface="Arial" panose="020B0604020202020204" pitchFamily="34" charset="0"/>
+              <a:buNone/>
+            </a:pPr>
+            <a:r>
+              <a:rPr lang="en-US" sz="1400" dirty="0">
+                <a:latin typeface="Courier New" panose="02070309020205020404" pitchFamily="49" charset="0"/>
+                <a:cs typeface="Courier New" panose="02070309020205020404" pitchFamily="49" charset="0"/>
+              </a:rPr>
+              <a:t># And another...</a:t>
+            </a:r>
+          </a:p>
+          <a:p>
+            <a:pPr marL="0" indent="0">
+              <a:buFont typeface="Arial" panose="020B0604020202020204" pitchFamily="34" charset="0"/>
+              <a:buNone/>
+            </a:pPr>
+            <a:r>
+              <a:rPr lang="en-US" sz="1400" b="1" dirty="0">
+                <a:latin typeface="Courier New" panose="02070309020205020404" pitchFamily="49" charset="0"/>
+                <a:cs typeface="Courier New" panose="02070309020205020404" pitchFamily="49" charset="0"/>
+              </a:rPr>
+              <a:t>person2 = Person()</a:t>
+            </a:r>
+          </a:p>
+          <a:p>
+            <a:pPr marL="0" indent="0">
+              <a:buFont typeface="Arial" panose="020B0604020202020204" pitchFamily="34" charset="0"/>
+              <a:buNone/>
+            </a:pPr>
+            <a:endParaRPr lang="en-US" sz="1400" b="1" dirty="0">
+              <a:latin typeface="Courier New" panose="02070309020205020404" pitchFamily="49" charset="0"/>
+              <a:cs typeface="Courier New" panose="02070309020205020404" pitchFamily="49" charset="0"/>
+            </a:endParaRPr>
+          </a:p>
+          <a:p>
+            <a:pPr marL="0" indent="0">
+              <a:buFont typeface="Arial" panose="020B0604020202020204" pitchFamily="34" charset="0"/>
+              <a:buNone/>
+            </a:pPr>
+            <a:r>
+              <a:rPr lang="en-US" sz="1400" dirty="0">
+                <a:latin typeface="Courier New" panose="02070309020205020404" pitchFamily="49" charset="0"/>
+                <a:cs typeface="Courier New" panose="02070309020205020404" pitchFamily="49" charset="0"/>
+              </a:rPr>
+              <a:t># Both have the same attributes...</a:t>
+            </a:r>
+          </a:p>
+          <a:p>
+            <a:pPr marL="0" indent="0">
+              <a:buFont typeface="Arial" panose="020B0604020202020204" pitchFamily="34" charset="0"/>
+              <a:buNone/>
+            </a:pPr>
+            <a:r>
+              <a:rPr lang="en-US" sz="1400" b="1" dirty="0">
+                <a:latin typeface="Courier New" panose="02070309020205020404" pitchFamily="49" charset="0"/>
+                <a:cs typeface="Courier New" panose="02070309020205020404" pitchFamily="49" charset="0"/>
+              </a:rPr>
+              <a:t>person1.name == person2.name</a:t>
+            </a:r>
+          </a:p>
+        </p:txBody>
+      </p:sp>
+      <p:cxnSp>
+        <p:nvCxnSpPr>
+          <p:cNvPr id="6" name="Straight Connector 5">
+            <a:extLst>
+              <a:ext uri="{FF2B5EF4-FFF2-40B4-BE49-F238E27FC236}">
+                <a16:creationId xmlns:a16="http://schemas.microsoft.com/office/drawing/2014/main" id="{7F162173-AD9E-1ED9-F92B-186066229DD6}"/>
+              </a:ext>
+            </a:extLst>
+          </p:cNvPr>
+          <p:cNvCxnSpPr>
+            <a:cxnSpLocks/>
+          </p:cNvCxnSpPr>
+          <p:nvPr/>
+        </p:nvCxnSpPr>
+        <p:spPr>
+          <a:xfrm>
+            <a:off x="5655733" y="1456267"/>
+            <a:ext cx="0" cy="4809066"/>
+          </a:xfrm>
+          <a:prstGeom prst="line">
+            <a:avLst/>
+          </a:prstGeom>
+        </p:spPr>
+        <p:style>
+          <a:lnRef idx="3">
+            <a:schemeClr val="dk1"/>
+          </a:lnRef>
+          <a:fillRef idx="0">
+            <a:schemeClr val="dk1"/>
+          </a:fillRef>
+          <a:effectRef idx="2">
+            <a:schemeClr val="dk1"/>
+          </a:effectRef>
+          <a:fontRef idx="minor">
+            <a:schemeClr val="tx1"/>
+          </a:fontRef>
+        </p:style>
+      </p:cxnSp>
+    </p:spTree>
+    <p:extLst>
+      <p:ext uri="{BB962C8B-B14F-4D97-AF65-F5344CB8AC3E}">
+        <p14:creationId xmlns:p14="http://schemas.microsoft.com/office/powerpoint/2010/main" val="2581186041"/>
+      </p:ext>
+    </p:extLst>
+  </p:cSld>
+  <p:clrMapOvr>
+    <a:masterClrMapping/>
+  </p:clrMapOvr>
+</p:sld>
+</file>
+
+<file path=ppt/slides/slide46.xml><?xml version="1.0" encoding="utf-8"?>
+<p:sld xmlns:a="http://schemas.openxmlformats.org/drawingml/2006/main" xmlns:r="http://schemas.openxmlformats.org/officeDocument/2006/relationships" xmlns:p="http://schemas.openxmlformats.org/presentationml/2006/main">
+  <p:cSld>
+    <p:spTree>
+      <p:nvGrpSpPr>
+        <p:cNvPr id="1" name=""/>
+        <p:cNvGrpSpPr/>
+        <p:nvPr/>
+      </p:nvGrpSpPr>
+      <p:grpSpPr>
+        <a:xfrm>
+          <a:off x="0" y="0"/>
+          <a:ext cx="0" cy="0"/>
+          <a:chOff x="0" y="0"/>
+          <a:chExt cx="0" cy="0"/>
+        </a:xfrm>
+      </p:grpSpPr>
+      <p:sp>
+        <p:nvSpPr>
+          <p:cNvPr id="2" name="Title 1">
+            <a:extLst>
+              <a:ext uri="{FF2B5EF4-FFF2-40B4-BE49-F238E27FC236}">
+                <a16:creationId xmlns:a16="http://schemas.microsoft.com/office/drawing/2014/main" id="{39A1D606-8DD1-369C-5C09-471CDD551AD5}"/>
+              </a:ext>
+            </a:extLst>
+          </p:cNvPr>
+          <p:cNvSpPr>
+            <a:spLocks noGrp="1"/>
+          </p:cNvSpPr>
+          <p:nvPr>
+            <p:ph type="title"/>
+          </p:nvPr>
+        </p:nvSpPr>
+        <p:spPr>
+          <a:xfrm>
+            <a:off x="838200" y="365126"/>
+            <a:ext cx="10515600" cy="718608"/>
+          </a:xfrm>
+        </p:spPr>
+        <p:txBody>
+          <a:bodyPr>
+            <a:normAutofit/>
+          </a:bodyPr>
+          <a:lstStyle/>
+          <a:p>
+            <a:r>
+              <a:rPr lang="nl-NL" sz="3600" noProof="0" dirty="0" err="1"/>
+              <a:t>Dunder</a:t>
+            </a:r>
+            <a:r>
+              <a:rPr lang="nl-NL" sz="3600" noProof="0" dirty="0"/>
+              <a:t> </a:t>
+            </a:r>
+            <a:r>
+              <a:rPr lang="nl-NL" sz="3600" noProof="0" dirty="0" err="1"/>
+              <a:t>methods</a:t>
+            </a:r>
+            <a:endParaRPr lang="nl-NL" sz="3600" noProof="0" dirty="0"/>
+          </a:p>
+        </p:txBody>
+      </p:sp>
+      <p:sp>
+        <p:nvSpPr>
+          <p:cNvPr id="3" name="Content Placeholder 2">
+            <a:extLst>
+              <a:ext uri="{FF2B5EF4-FFF2-40B4-BE49-F238E27FC236}">
+                <a16:creationId xmlns:a16="http://schemas.microsoft.com/office/drawing/2014/main" id="{F4C2D286-E049-0AAB-1360-B7157E11AD7E}"/>
+              </a:ext>
+            </a:extLst>
+          </p:cNvPr>
+          <p:cNvSpPr>
+            <a:spLocks noGrp="1"/>
+          </p:cNvSpPr>
+          <p:nvPr>
+            <p:ph idx="1"/>
+          </p:nvPr>
+        </p:nvSpPr>
+        <p:spPr>
+          <a:xfrm>
+            <a:off x="838200" y="1456267"/>
+            <a:ext cx="4571999" cy="4720696"/>
+          </a:xfrm>
+        </p:spPr>
+        <p:txBody>
+          <a:bodyPr>
+            <a:normAutofit/>
+          </a:bodyPr>
+          <a:lstStyle/>
+          <a:p>
+            <a:pPr marL="0" indent="0">
+              <a:buNone/>
+            </a:pPr>
+            <a:r>
+              <a:rPr lang="nl-NL" sz="2000" noProof="0" dirty="0"/>
+              <a:t>Double </a:t>
+            </a:r>
+            <a:r>
+              <a:rPr lang="nl-NL" sz="2000" noProof="0" dirty="0" err="1"/>
+              <a:t>underscore</a:t>
+            </a:r>
+            <a:r>
+              <a:rPr lang="nl-NL" sz="2000" noProof="0" dirty="0"/>
+              <a:t> of </a:t>
+            </a:r>
+            <a:r>
+              <a:rPr lang="nl-NL" sz="2000" noProof="0" dirty="0" err="1"/>
+              <a:t>dunder</a:t>
+            </a:r>
+            <a:r>
+              <a:rPr lang="nl-NL" sz="2000" noProof="0" dirty="0"/>
+              <a:t> </a:t>
+            </a:r>
+            <a:r>
+              <a:rPr lang="nl-NL" sz="2000" noProof="0" dirty="0" err="1"/>
+              <a:t>methods</a:t>
+            </a:r>
+            <a:r>
+              <a:rPr lang="nl-NL" sz="2000" noProof="0" dirty="0"/>
+              <a:t> hebben een speciale betekenis.</a:t>
+            </a:r>
+          </a:p>
+          <a:p>
+            <a:pPr marL="0" indent="0">
+              <a:buNone/>
+            </a:pPr>
+            <a:endParaRPr lang="nl-NL" sz="2000" dirty="0"/>
+          </a:p>
+          <a:p>
+            <a:pPr marL="0" indent="0">
+              <a:buNone/>
+            </a:pPr>
+            <a:r>
+              <a:rPr lang="nl-NL" sz="2000" noProof="0" dirty="0">
+                <a:latin typeface="Courier New" panose="02070309020205020404" pitchFamily="49" charset="0"/>
+                <a:cs typeface="Courier New" panose="02070309020205020404" pitchFamily="49" charset="0"/>
+              </a:rPr>
+              <a:t>__</a:t>
+            </a:r>
+            <a:r>
+              <a:rPr lang="nl-NL" sz="2000" noProof="0" dirty="0" err="1">
+                <a:latin typeface="Courier New" panose="02070309020205020404" pitchFamily="49" charset="0"/>
+                <a:cs typeface="Courier New" panose="02070309020205020404" pitchFamily="49" charset="0"/>
+              </a:rPr>
+              <a:t>init</a:t>
+            </a:r>
+            <a:r>
+              <a:rPr lang="nl-NL" sz="2000" noProof="0" dirty="0">
+                <a:latin typeface="Courier New" panose="02070309020205020404" pitchFamily="49" charset="0"/>
+                <a:cs typeface="Courier New" panose="02070309020205020404" pitchFamily="49" charset="0"/>
+              </a:rPr>
+              <a:t>__</a:t>
+            </a:r>
+            <a:endParaRPr lang="nl-NL" sz="2000" noProof="0" dirty="0"/>
+          </a:p>
+          <a:p>
+            <a:pPr marL="0" indent="0">
+              <a:buNone/>
+            </a:pPr>
+            <a:r>
+              <a:rPr lang="nl-NL" sz="2000" dirty="0" err="1"/>
+              <a:t>Constructor</a:t>
+            </a:r>
+            <a:r>
+              <a:rPr lang="nl-NL" sz="2000" dirty="0"/>
+              <a:t>:</a:t>
+            </a:r>
+            <a:r>
+              <a:rPr lang="nl-NL" sz="2000" noProof="0" dirty="0"/>
+              <a:t> Gebruikt om een object te initialiseren.</a:t>
+            </a:r>
+          </a:p>
+          <a:p>
+            <a:pPr marL="0" indent="0">
+              <a:buNone/>
+            </a:pPr>
+            <a:endParaRPr lang="nl-NL" sz="2000" dirty="0"/>
+          </a:p>
+        </p:txBody>
+      </p:sp>
+      <p:sp>
+        <p:nvSpPr>
+          <p:cNvPr id="4" name="Content Placeholder 2">
+            <a:extLst>
+              <a:ext uri="{FF2B5EF4-FFF2-40B4-BE49-F238E27FC236}">
+                <a16:creationId xmlns:a16="http://schemas.microsoft.com/office/drawing/2014/main" id="{98EFE1E9-4D56-5081-678F-F94DE9C3DCC6}"/>
+              </a:ext>
+            </a:extLst>
+          </p:cNvPr>
+          <p:cNvSpPr txBox="1">
+            <a:spLocks/>
+          </p:cNvSpPr>
+          <p:nvPr/>
+        </p:nvSpPr>
+        <p:spPr>
+          <a:xfrm>
+            <a:off x="6095999" y="1456267"/>
+            <a:ext cx="5063067" cy="4720696"/>
+          </a:xfrm>
+          <a:prstGeom prst="rect">
+            <a:avLst/>
+          </a:prstGeom>
+        </p:spPr>
+        <p:txBody>
+          <a:bodyPr vert="horz" lIns="91440" tIns="45720" rIns="91440" bIns="45720" rtlCol="0">
+            <a:normAutofit/>
+          </a:bodyPr>
+          <a:lstStyle>
+            <a:lvl1pPr marL="228600" indent="-228600" algn="l" defTabSz="914400" rtl="0" eaLnBrk="1" latinLnBrk="0" hangingPunct="1">
+              <a:lnSpc>
+                <a:spcPct val="90000"/>
+              </a:lnSpc>
+              <a:spcBef>
+                <a:spcPts val="1000"/>
+              </a:spcBef>
+              <a:buFont typeface="Arial" panose="020B0604020202020204" pitchFamily="34" charset="0"/>
+              <a:buChar char="•"/>
+              <a:defRPr sz="2800" kern="1200">
+                <a:solidFill>
+                  <a:schemeClr val="tx1"/>
+                </a:solidFill>
+                <a:latin typeface="+mn-lt"/>
+                <a:ea typeface="+mn-ea"/>
+                <a:cs typeface="+mn-cs"/>
+              </a:defRPr>
+            </a:lvl1pPr>
+            <a:lvl2pPr marL="685800" indent="-228600" algn="l" defTabSz="914400" rtl="0" eaLnBrk="1" latinLnBrk="0" hangingPunct="1">
+              <a:lnSpc>
+                <a:spcPct val="90000"/>
+              </a:lnSpc>
+              <a:spcBef>
+                <a:spcPts val="500"/>
+              </a:spcBef>
+              <a:buFont typeface="Arial" panose="020B0604020202020204" pitchFamily="34" charset="0"/>
+              <a:buChar char="•"/>
+              <a:defRPr sz="2400" kern="1200">
+                <a:solidFill>
+                  <a:schemeClr val="tx1"/>
+                </a:solidFill>
+                <a:latin typeface="+mn-lt"/>
+                <a:ea typeface="+mn-ea"/>
+                <a:cs typeface="+mn-cs"/>
+              </a:defRPr>
+            </a:lvl2pPr>
+            <a:lvl3pPr marL="1143000" indent="-228600" algn="l" defTabSz="914400" rtl="0" eaLnBrk="1" latinLnBrk="0" hangingPunct="1">
+              <a:lnSpc>
+                <a:spcPct val="90000"/>
+              </a:lnSpc>
+              <a:spcBef>
+                <a:spcPts val="500"/>
+              </a:spcBef>
+              <a:buFont typeface="Arial" panose="020B0604020202020204" pitchFamily="34" charset="0"/>
+              <a:buChar char="•"/>
+              <a:defRPr sz="2000" kern="1200">
+                <a:solidFill>
+                  <a:schemeClr val="tx1"/>
+                </a:solidFill>
+                <a:latin typeface="+mn-lt"/>
+                <a:ea typeface="+mn-ea"/>
+                <a:cs typeface="+mn-cs"/>
+              </a:defRPr>
+            </a:lvl3pPr>
+            <a:lvl4pPr marL="1600200" indent="-228600" algn="l" defTabSz="914400" rtl="0" eaLnBrk="1" latinLnBrk="0" hangingPunct="1">
+              <a:lnSpc>
+                <a:spcPct val="90000"/>
+              </a:lnSpc>
+              <a:spcBef>
+                <a:spcPts val="500"/>
+              </a:spcBef>
+              <a:buFont typeface="Arial" panose="020B0604020202020204" pitchFamily="34" charset="0"/>
+              <a:buChar char="•"/>
+              <a:defRPr sz="1800" kern="1200">
+                <a:solidFill>
+                  <a:schemeClr val="tx1"/>
+                </a:solidFill>
+                <a:latin typeface="+mn-lt"/>
+                <a:ea typeface="+mn-ea"/>
+                <a:cs typeface="+mn-cs"/>
+              </a:defRPr>
+            </a:lvl4pPr>
+            <a:lvl5pPr marL="2057400" indent="-228600" algn="l" defTabSz="914400" rtl="0" eaLnBrk="1" latinLnBrk="0" hangingPunct="1">
+              <a:lnSpc>
+                <a:spcPct val="90000"/>
+              </a:lnSpc>
+              <a:spcBef>
+                <a:spcPts val="500"/>
+              </a:spcBef>
+              <a:buFont typeface="Arial" panose="020B0604020202020204" pitchFamily="34" charset="0"/>
+              <a:buChar char="•"/>
+              <a:defRPr sz="1800" kern="1200">
+                <a:solidFill>
+                  <a:schemeClr val="tx1"/>
+                </a:solidFill>
+                <a:latin typeface="+mn-lt"/>
+                <a:ea typeface="+mn-ea"/>
+                <a:cs typeface="+mn-cs"/>
+              </a:defRPr>
+            </a:lvl5pPr>
+            <a:lvl6pPr marL="2514600" indent="-228600" algn="l" defTabSz="914400" rtl="0" eaLnBrk="1" latinLnBrk="0" hangingPunct="1">
+              <a:lnSpc>
+                <a:spcPct val="90000"/>
+              </a:lnSpc>
+              <a:spcBef>
+                <a:spcPts val="500"/>
+              </a:spcBef>
+              <a:buFont typeface="Arial" panose="020B0604020202020204" pitchFamily="34" charset="0"/>
+              <a:buChar char="•"/>
+              <a:defRPr sz="1800" kern="1200">
+                <a:solidFill>
+                  <a:schemeClr val="tx1"/>
+                </a:solidFill>
+                <a:latin typeface="+mn-lt"/>
+                <a:ea typeface="+mn-ea"/>
+                <a:cs typeface="+mn-cs"/>
+              </a:defRPr>
+            </a:lvl6pPr>
+            <a:lvl7pPr marL="2971800" indent="-228600" algn="l" defTabSz="914400" rtl="0" eaLnBrk="1" latinLnBrk="0" hangingPunct="1">
+              <a:lnSpc>
+                <a:spcPct val="90000"/>
+              </a:lnSpc>
+              <a:spcBef>
+                <a:spcPts val="500"/>
+              </a:spcBef>
+              <a:buFont typeface="Arial" panose="020B0604020202020204" pitchFamily="34" charset="0"/>
+              <a:buChar char="•"/>
+              <a:defRPr sz="1800" kern="1200">
+                <a:solidFill>
+                  <a:schemeClr val="tx1"/>
+                </a:solidFill>
+                <a:latin typeface="+mn-lt"/>
+                <a:ea typeface="+mn-ea"/>
+                <a:cs typeface="+mn-cs"/>
+              </a:defRPr>
+            </a:lvl7pPr>
+            <a:lvl8pPr marL="3429000" indent="-228600" algn="l" defTabSz="914400" rtl="0" eaLnBrk="1" latinLnBrk="0" hangingPunct="1">
+              <a:lnSpc>
+                <a:spcPct val="90000"/>
+              </a:lnSpc>
+              <a:spcBef>
+                <a:spcPts val="500"/>
+              </a:spcBef>
+              <a:buFont typeface="Arial" panose="020B0604020202020204" pitchFamily="34" charset="0"/>
+              <a:buChar char="•"/>
+              <a:defRPr sz="1800" kern="1200">
+                <a:solidFill>
+                  <a:schemeClr val="tx1"/>
+                </a:solidFill>
+                <a:latin typeface="+mn-lt"/>
+                <a:ea typeface="+mn-ea"/>
+                <a:cs typeface="+mn-cs"/>
+              </a:defRPr>
+            </a:lvl8pPr>
+            <a:lvl9pPr marL="3886200" indent="-228600" algn="l" defTabSz="914400" rtl="0" eaLnBrk="1" latinLnBrk="0" hangingPunct="1">
+              <a:lnSpc>
+                <a:spcPct val="90000"/>
+              </a:lnSpc>
+              <a:spcBef>
+                <a:spcPts val="500"/>
+              </a:spcBef>
+              <a:buFont typeface="Arial" panose="020B0604020202020204" pitchFamily="34" charset="0"/>
+              <a:buChar char="•"/>
+              <a:defRPr sz="1800" kern="1200">
+                <a:solidFill>
+                  <a:schemeClr val="tx1"/>
+                </a:solidFill>
+                <a:latin typeface="+mn-lt"/>
+                <a:ea typeface="+mn-ea"/>
+                <a:cs typeface="+mn-cs"/>
+              </a:defRPr>
+            </a:lvl9pPr>
+          </a:lstStyle>
+          <a:p>
+            <a:pPr marL="0" indent="0">
+              <a:buFont typeface="Arial" panose="020B0604020202020204" pitchFamily="34" charset="0"/>
+              <a:buNone/>
+            </a:pPr>
+            <a:r>
               <a:rPr lang="nl-NL" sz="1400" b="1" dirty="0">
                 <a:latin typeface="Courier New" panose="02070309020205020404" pitchFamily="49" charset="0"/>
                 <a:cs typeface="Courier New" panose="02070309020205020404" pitchFamily="49" charset="0"/>
@@ -21877,8 +22458,19 @@
                 <a:latin typeface="Courier New" panose="02070309020205020404" pitchFamily="49" charset="0"/>
                 <a:cs typeface="Courier New" panose="02070309020205020404" pitchFamily="49" charset="0"/>
               </a:rPr>
-              <a:t> = lastnaam</a:t>
-            </a:r>
+              <a:t> = </a:t>
+            </a:r>
+            <a:r>
+              <a:rPr lang="nl-NL" sz="1400" dirty="0" err="1">
+                <a:latin typeface="Courier New" panose="02070309020205020404" pitchFamily="49" charset="0"/>
+                <a:cs typeface="Courier New" panose="02070309020205020404" pitchFamily="49" charset="0"/>
+              </a:rPr>
+              <a:t>lastname</a:t>
+            </a:r>
+            <a:endParaRPr lang="nl-NL" sz="1400" dirty="0">
+              <a:latin typeface="Courier New" panose="02070309020205020404" pitchFamily="49" charset="0"/>
+              <a:cs typeface="Courier New" panose="02070309020205020404" pitchFamily="49" charset="0"/>
+            </a:endParaRPr>
           </a:p>
           <a:p>
             <a:pPr marL="0" indent="0">
@@ -21918,6 +22510,20 @@
                 <a:cs typeface="Courier New" panose="02070309020205020404" pitchFamily="49" charset="0"/>
               </a:rPr>
               <a:t>Initialize</a:t>
+            </a:r>
+            <a:r>
+              <a:rPr lang="nl-NL" sz="1400" dirty="0">
+                <a:latin typeface="Courier New" panose="02070309020205020404" pitchFamily="49" charset="0"/>
+                <a:cs typeface="Courier New" panose="02070309020205020404" pitchFamily="49" charset="0"/>
+              </a:rPr>
+              <a:t> </a:t>
+            </a:r>
+            <a:r>
+              <a:rPr lang="nl-NL" sz="1400" dirty="0" err="1">
+                <a:latin typeface="Courier New" panose="02070309020205020404" pitchFamily="49" charset="0"/>
+                <a:cs typeface="Courier New" panose="02070309020205020404" pitchFamily="49" charset="0"/>
+              </a:rPr>
+              <a:t>two</a:t>
             </a:r>
             <a:r>
               <a:rPr lang="nl-NL" sz="1400" dirty="0">
@@ -22061,7 +22667,7 @@
 </p:sld>
 </file>
 
-<file path=ppt/slides/slide46.xml><?xml version="1.0" encoding="utf-8"?>
+<file path=ppt/slides/slide47.xml><?xml version="1.0" encoding="utf-8"?>
 <p:sld xmlns:a="http://schemas.openxmlformats.org/drawingml/2006/main" xmlns:r="http://schemas.openxmlformats.org/officeDocument/2006/relationships" xmlns:p="http://schemas.openxmlformats.org/presentationml/2006/main">
   <p:cSld>
     <p:spTree>
@@ -22226,7 +22832,15 @@
             </a:pPr>
             <a:r>
               <a:rPr lang="nl-NL" sz="2000" dirty="0"/>
-              <a:t>Representatie van het object zoals je het zou aanmaken.</a:t>
+              <a:t>Representatie van het object; hoe je het object </a:t>
+            </a:r>
+            <a:r>
+              <a:rPr lang="nl-NL" sz="2000" dirty="0" err="1"/>
+              <a:t>initialiseert</a:t>
+            </a:r>
+            <a:r>
+              <a:rPr lang="nl-NL" sz="2000" dirty="0"/>
+              <a:t>.</a:t>
             </a:r>
           </a:p>
           <a:p>
@@ -22475,7 +23089,7 @@
               <a:buNone/>
             </a:pPr>
             <a:r>
-              <a:rPr lang="nl-NL" sz="1400" b="1" dirty="0">
+              <a:rPr lang="nl-NL" sz="1300" b="1" dirty="0">
                 <a:latin typeface="Courier New" panose="02070309020205020404" pitchFamily="49" charset="0"/>
                 <a:cs typeface="Courier New" panose="02070309020205020404" pitchFamily="49" charset="0"/>
               </a:rPr>
@@ -22487,7 +23101,7 @@
               <a:buFont typeface="Arial" panose="020B0604020202020204" pitchFamily="34" charset="0"/>
               <a:buNone/>
             </a:pPr>
-            <a:endParaRPr lang="nl-NL" sz="1400" dirty="0">
+            <a:endParaRPr lang="nl-NL" sz="1300" dirty="0">
               <a:latin typeface="Courier New" panose="02070309020205020404" pitchFamily="49" charset="0"/>
               <a:cs typeface="Courier New" panose="02070309020205020404" pitchFamily="49" charset="0"/>
             </a:endParaRPr>
@@ -22498,35 +23112,35 @@
               <a:buNone/>
             </a:pPr>
             <a:r>
-              <a:rPr lang="nl-NL" sz="1400" dirty="0">
+              <a:rPr lang="nl-NL" sz="1300" dirty="0">
                 <a:latin typeface="Courier New" panose="02070309020205020404" pitchFamily="49" charset="0"/>
                 <a:cs typeface="Courier New" panose="02070309020205020404" pitchFamily="49" charset="0"/>
               </a:rPr>
               <a:t>  </a:t>
             </a:r>
             <a:r>
-              <a:rPr lang="nl-NL" sz="1400" b="1" dirty="0" err="1">
+              <a:rPr lang="nl-NL" sz="1300" b="1" dirty="0" err="1">
                 <a:latin typeface="Courier New" panose="02070309020205020404" pitchFamily="49" charset="0"/>
                 <a:cs typeface="Courier New" panose="02070309020205020404" pitchFamily="49" charset="0"/>
               </a:rPr>
               <a:t>def</a:t>
             </a:r>
             <a:r>
-              <a:rPr lang="nl-NL" sz="1400" b="1" dirty="0">
+              <a:rPr lang="nl-NL" sz="1300" b="1" dirty="0">
                 <a:latin typeface="Courier New" panose="02070309020205020404" pitchFamily="49" charset="0"/>
                 <a:cs typeface="Courier New" panose="02070309020205020404" pitchFamily="49" charset="0"/>
               </a:rPr>
               <a:t> __</a:t>
             </a:r>
             <a:r>
-              <a:rPr lang="nl-NL" sz="1400" b="1" dirty="0" err="1">
+              <a:rPr lang="nl-NL" sz="1300" b="1" dirty="0" err="1">
                 <a:latin typeface="Courier New" panose="02070309020205020404" pitchFamily="49" charset="0"/>
                 <a:cs typeface="Courier New" panose="02070309020205020404" pitchFamily="49" charset="0"/>
               </a:rPr>
               <a:t>str</a:t>
             </a:r>
             <a:r>
-              <a:rPr lang="nl-NL" sz="1400" b="1" dirty="0">
+              <a:rPr lang="nl-NL" sz="1300" b="1" dirty="0">
                 <a:latin typeface="Courier New" panose="02070309020205020404" pitchFamily="49" charset="0"/>
                 <a:cs typeface="Courier New" panose="02070309020205020404" pitchFamily="49" charset="0"/>
               </a:rPr>
@@ -22539,21 +23153,21 @@
               <a:buNone/>
             </a:pPr>
             <a:r>
-              <a:rPr lang="nl-NL" sz="1400" dirty="0">
+              <a:rPr lang="nl-NL" sz="1300" dirty="0">
                 <a:latin typeface="Courier New" panose="02070309020205020404" pitchFamily="49" charset="0"/>
                 <a:cs typeface="Courier New" panose="02070309020205020404" pitchFamily="49" charset="0"/>
               </a:rPr>
               <a:t>    return f"{self.name} {</a:t>
             </a:r>
             <a:r>
-              <a:rPr lang="nl-NL" sz="1400" dirty="0" err="1">
-                <a:latin typeface="Courier New" panose="02070309020205020404" pitchFamily="49" charset="0"/>
-                <a:cs typeface="Courier New" panose="02070309020205020404" pitchFamily="49" charset="0"/>
-              </a:rPr>
-              <a:t>self.last</a:t>
-            </a:r>
-            <a:r>
-              <a:rPr lang="nl-NL" sz="1400" dirty="0">
+              <a:rPr lang="nl-NL" sz="1300" dirty="0" err="1">
+                <a:latin typeface="Courier New" panose="02070309020205020404" pitchFamily="49" charset="0"/>
+                <a:cs typeface="Courier New" panose="02070309020205020404" pitchFamily="49" charset="0"/>
+              </a:rPr>
+              <a:t>self.lastname</a:t>
+            </a:r>
+            <a:r>
+              <a:rPr lang="nl-NL" sz="1300" dirty="0">
                 <a:latin typeface="Courier New" panose="02070309020205020404" pitchFamily="49" charset="0"/>
                 <a:cs typeface="Courier New" panose="02070309020205020404" pitchFamily="49" charset="0"/>
               </a:rPr>
@@ -22565,7 +23179,7 @@
               <a:buFont typeface="Arial" panose="020B0604020202020204" pitchFamily="34" charset="0"/>
               <a:buNone/>
             </a:pPr>
-            <a:endParaRPr lang="nl-NL" sz="1400" dirty="0">
+            <a:endParaRPr lang="nl-NL" sz="1300" dirty="0">
               <a:latin typeface="Courier New" panose="02070309020205020404" pitchFamily="49" charset="0"/>
               <a:cs typeface="Courier New" panose="02070309020205020404" pitchFamily="49" charset="0"/>
             </a:endParaRPr>
@@ -22576,35 +23190,35 @@
               <a:buNone/>
             </a:pPr>
             <a:r>
-              <a:rPr lang="nl-NL" sz="1400" dirty="0">
+              <a:rPr lang="nl-NL" sz="1300" dirty="0">
                 <a:latin typeface="Courier New" panose="02070309020205020404" pitchFamily="49" charset="0"/>
                 <a:cs typeface="Courier New" panose="02070309020205020404" pitchFamily="49" charset="0"/>
               </a:rPr>
               <a:t>   </a:t>
             </a:r>
             <a:r>
-              <a:rPr lang="nl-NL" sz="1400" b="1" dirty="0" err="1">
+              <a:rPr lang="nl-NL" sz="1300" b="1" dirty="0" err="1">
                 <a:latin typeface="Courier New" panose="02070309020205020404" pitchFamily="49" charset="0"/>
                 <a:cs typeface="Courier New" panose="02070309020205020404" pitchFamily="49" charset="0"/>
               </a:rPr>
               <a:t>def</a:t>
             </a:r>
             <a:r>
-              <a:rPr lang="nl-NL" sz="1400" b="1" dirty="0">
+              <a:rPr lang="nl-NL" sz="1300" b="1" dirty="0">
                 <a:latin typeface="Courier New" panose="02070309020205020404" pitchFamily="49" charset="0"/>
                 <a:cs typeface="Courier New" panose="02070309020205020404" pitchFamily="49" charset="0"/>
               </a:rPr>
               <a:t> __</a:t>
             </a:r>
             <a:r>
-              <a:rPr lang="nl-NL" sz="1400" b="1" dirty="0" err="1">
+              <a:rPr lang="nl-NL" sz="1300" b="1" dirty="0" err="1">
                 <a:latin typeface="Courier New" panose="02070309020205020404" pitchFamily="49" charset="0"/>
                 <a:cs typeface="Courier New" panose="02070309020205020404" pitchFamily="49" charset="0"/>
               </a:rPr>
               <a:t>repr</a:t>
             </a:r>
             <a:r>
-              <a:rPr lang="nl-NL" sz="1400" b="1" dirty="0">
+              <a:rPr lang="nl-NL" sz="1300" b="1" dirty="0">
                 <a:latin typeface="Courier New" panose="02070309020205020404" pitchFamily="49" charset="0"/>
                 <a:cs typeface="Courier New" panose="02070309020205020404" pitchFamily="49" charset="0"/>
               </a:rPr>
@@ -22617,7 +23231,7 @@
               <a:buNone/>
             </a:pPr>
             <a:r>
-              <a:rPr lang="nl-NL" sz="1400" dirty="0">
+              <a:rPr lang="nl-NL" sz="1300" dirty="0">
                 <a:latin typeface="Courier New" panose="02070309020205020404" pitchFamily="49" charset="0"/>
                 <a:cs typeface="Courier New" panose="02070309020205020404" pitchFamily="49" charset="0"/>
               </a:rPr>
@@ -22630,35 +23244,35 @@
               <a:buNone/>
             </a:pPr>
             <a:r>
-              <a:rPr lang="nl-NL" sz="1400" dirty="0">
+              <a:rPr lang="nl-NL" sz="1300" dirty="0">
                 <a:latin typeface="Courier New" panose="02070309020205020404" pitchFamily="49" charset="0"/>
                 <a:cs typeface="Courier New" panose="02070309020205020404" pitchFamily="49" charset="0"/>
               </a:rPr>
               <a:t>      </a:t>
             </a:r>
             <a:r>
-              <a:rPr lang="nl-NL" sz="1400" dirty="0" err="1">
+              <a:rPr lang="nl-NL" sz="1300" dirty="0" err="1">
                 <a:latin typeface="Courier New" panose="02070309020205020404" pitchFamily="49" charset="0"/>
                 <a:cs typeface="Courier New" panose="02070309020205020404" pitchFamily="49" charset="0"/>
               </a:rPr>
               <a:t>f"Person</a:t>
             </a:r>
             <a:r>
-              <a:rPr lang="nl-NL" sz="1400" dirty="0">
+              <a:rPr lang="nl-NL" sz="1300" dirty="0">
                 <a:latin typeface="Courier New" panose="02070309020205020404" pitchFamily="49" charset="0"/>
                 <a:cs typeface="Courier New" panose="02070309020205020404" pitchFamily="49" charset="0"/>
               </a:rPr>
               <a:t>('{self.name}', '{</a:t>
             </a:r>
             <a:r>
-              <a:rPr lang="nl-NL" sz="1400" dirty="0" err="1">
-                <a:latin typeface="Courier New" panose="02070309020205020404" pitchFamily="49" charset="0"/>
-                <a:cs typeface="Courier New" panose="02070309020205020404" pitchFamily="49" charset="0"/>
-              </a:rPr>
-              <a:t>self.last</a:t>
-            </a:r>
-            <a:r>
-              <a:rPr lang="nl-NL" sz="1400" dirty="0">
+              <a:rPr lang="nl-NL" sz="1300" dirty="0" err="1">
+                <a:latin typeface="Courier New" panose="02070309020205020404" pitchFamily="49" charset="0"/>
+                <a:cs typeface="Courier New" panose="02070309020205020404" pitchFamily="49" charset="0"/>
+              </a:rPr>
+              <a:t>self.lastname</a:t>
+            </a:r>
+            <a:r>
+              <a:rPr lang="nl-NL" sz="1300" dirty="0">
                 <a:latin typeface="Courier New" panose="02070309020205020404" pitchFamily="49" charset="0"/>
                 <a:cs typeface="Courier New" panose="02070309020205020404" pitchFamily="49" charset="0"/>
               </a:rPr>
@@ -22671,7 +23285,7 @@
               <a:buNone/>
             </a:pPr>
             <a:r>
-              <a:rPr lang="nl-NL" sz="1400" dirty="0">
+              <a:rPr lang="nl-NL" sz="1300" dirty="0">
                 <a:latin typeface="Courier New" panose="02070309020205020404" pitchFamily="49" charset="0"/>
                 <a:cs typeface="Courier New" panose="02070309020205020404" pitchFamily="49" charset="0"/>
               </a:rPr>
@@ -22683,7 +23297,7 @@
               <a:buFont typeface="Arial" panose="020B0604020202020204" pitchFamily="34" charset="0"/>
               <a:buNone/>
             </a:pPr>
-            <a:endParaRPr lang="nl-NL" sz="1400" dirty="0">
+            <a:endParaRPr lang="nl-NL" sz="1300" dirty="0">
               <a:latin typeface="Courier New" panose="02070309020205020404" pitchFamily="49" charset="0"/>
               <a:cs typeface="Courier New" panose="02070309020205020404" pitchFamily="49" charset="0"/>
             </a:endParaRPr>
@@ -22693,7 +23307,7 @@
               <a:buFont typeface="Arial" panose="020B0604020202020204" pitchFamily="34" charset="0"/>
               <a:buNone/>
             </a:pPr>
-            <a:endParaRPr lang="nl-NL" sz="1400" dirty="0">
+            <a:endParaRPr lang="nl-NL" sz="1300" dirty="0">
               <a:latin typeface="Courier New" panose="02070309020205020404" pitchFamily="49" charset="0"/>
               <a:cs typeface="Courier New" panose="02070309020205020404" pitchFamily="49" charset="0"/>
             </a:endParaRPr>
@@ -22703,14 +23317,14 @@
               <a:buNone/>
             </a:pPr>
             <a:r>
-              <a:rPr lang="nl-NL" sz="1400" dirty="0" err="1">
+              <a:rPr lang="nl-NL" sz="1300" dirty="0" err="1">
                 <a:latin typeface="Courier New" panose="02070309020205020404" pitchFamily="49" charset="0"/>
                 <a:cs typeface="Courier New" panose="02070309020205020404" pitchFamily="49" charset="0"/>
               </a:rPr>
               <a:t>john_doe</a:t>
             </a:r>
             <a:r>
-              <a:rPr lang="nl-NL" sz="1400" dirty="0">
+              <a:rPr lang="nl-NL" sz="1300" dirty="0">
                 <a:latin typeface="Courier New" panose="02070309020205020404" pitchFamily="49" charset="0"/>
                 <a:cs typeface="Courier New" panose="02070309020205020404" pitchFamily="49" charset="0"/>
               </a:rPr>
@@ -22723,21 +23337,21 @@
               <a:buNone/>
             </a:pPr>
             <a:r>
-              <a:rPr lang="nl-NL" sz="1400" dirty="0">
+              <a:rPr lang="nl-NL" sz="1300" dirty="0">
                 <a:latin typeface="Courier New" panose="02070309020205020404" pitchFamily="49" charset="0"/>
                 <a:cs typeface="Courier New" panose="02070309020205020404" pitchFamily="49" charset="0"/>
               </a:rPr>
               <a:t>print(</a:t>
             </a:r>
             <a:r>
-              <a:rPr lang="nl-NL" sz="1400" dirty="0" err="1">
+              <a:rPr lang="nl-NL" sz="1300" dirty="0" err="1">
                 <a:latin typeface="Courier New" panose="02070309020205020404" pitchFamily="49" charset="0"/>
                 <a:cs typeface="Courier New" panose="02070309020205020404" pitchFamily="49" charset="0"/>
               </a:rPr>
               <a:t>john_doe</a:t>
             </a:r>
             <a:r>
-              <a:rPr lang="nl-NL" sz="1400" dirty="0">
+              <a:rPr lang="nl-NL" sz="1300" dirty="0">
                 <a:latin typeface="Courier New" panose="02070309020205020404" pitchFamily="49" charset="0"/>
                 <a:cs typeface="Courier New" panose="02070309020205020404" pitchFamily="49" charset="0"/>
               </a:rPr>
@@ -22749,28 +23363,28 @@
               <a:buNone/>
             </a:pPr>
             <a:r>
-              <a:rPr lang="nl-NL" sz="1400" dirty="0" err="1">
+              <a:rPr lang="nl-NL" sz="1300" dirty="0" err="1">
                 <a:latin typeface="Courier New" panose="02070309020205020404" pitchFamily="49" charset="0"/>
                 <a:cs typeface="Courier New" panose="02070309020205020404" pitchFamily="49" charset="0"/>
               </a:rPr>
               <a:t>repr</a:t>
             </a:r>
             <a:r>
-              <a:rPr lang="nl-NL" sz="1400" dirty="0">
+              <a:rPr lang="nl-NL" sz="1300" dirty="0">
                 <a:latin typeface="Courier New" panose="02070309020205020404" pitchFamily="49" charset="0"/>
                 <a:cs typeface="Courier New" panose="02070309020205020404" pitchFamily="49" charset="0"/>
               </a:rPr>
               <a:t>(</a:t>
             </a:r>
             <a:r>
-              <a:rPr lang="nl-NL" sz="1400" dirty="0" err="1">
+              <a:rPr lang="nl-NL" sz="1300" dirty="0" err="1">
                 <a:latin typeface="Courier New" panose="02070309020205020404" pitchFamily="49" charset="0"/>
                 <a:cs typeface="Courier New" panose="02070309020205020404" pitchFamily="49" charset="0"/>
               </a:rPr>
               <a:t>john_doe</a:t>
             </a:r>
             <a:r>
-              <a:rPr lang="nl-NL" sz="1400" dirty="0">
+              <a:rPr lang="nl-NL" sz="1300" dirty="0">
                 <a:latin typeface="Courier New" panose="02070309020205020404" pitchFamily="49" charset="0"/>
                 <a:cs typeface="Courier New" panose="02070309020205020404" pitchFamily="49" charset="0"/>
               </a:rPr>
@@ -22830,420 +23444,6 @@
 </p:sld>
 </file>
 
-<file path=ppt/slides/slide47.xml><?xml version="1.0" encoding="utf-8"?>
-<p:sld xmlns:a="http://schemas.openxmlformats.org/drawingml/2006/main" xmlns:r="http://schemas.openxmlformats.org/officeDocument/2006/relationships" xmlns:p="http://schemas.openxmlformats.org/presentationml/2006/main">
-  <p:cSld>
-    <p:spTree>
-      <p:nvGrpSpPr>
-        <p:cNvPr id="1" name=""/>
-        <p:cNvGrpSpPr/>
-        <p:nvPr/>
-      </p:nvGrpSpPr>
-      <p:grpSpPr>
-        <a:xfrm>
-          <a:off x="0" y="0"/>
-          <a:ext cx="0" cy="0"/>
-          <a:chOff x="0" y="0"/>
-          <a:chExt cx="0" cy="0"/>
-        </a:xfrm>
-      </p:grpSpPr>
-      <p:sp>
-        <p:nvSpPr>
-          <p:cNvPr id="2" name="Title 1">
-            <a:extLst>
-              <a:ext uri="{FF2B5EF4-FFF2-40B4-BE49-F238E27FC236}">
-                <a16:creationId xmlns:a16="http://schemas.microsoft.com/office/drawing/2014/main" id="{39A1D606-8DD1-369C-5C09-471CDD551AD5}"/>
-              </a:ext>
-            </a:extLst>
-          </p:cNvPr>
-          <p:cNvSpPr>
-            <a:spLocks noGrp="1"/>
-          </p:cNvSpPr>
-          <p:nvPr>
-            <p:ph type="title"/>
-          </p:nvPr>
-        </p:nvSpPr>
-        <p:spPr>
-          <a:xfrm>
-            <a:off x="838200" y="365126"/>
-            <a:ext cx="10515600" cy="718608"/>
-          </a:xfrm>
-        </p:spPr>
-        <p:txBody>
-          <a:bodyPr>
-            <a:normAutofit/>
-          </a:bodyPr>
-          <a:lstStyle/>
-          <a:p>
-            <a:r>
-              <a:rPr lang="nl-NL" sz="3600" noProof="0" dirty="0"/>
-              <a:t>Oefeningen IV</a:t>
-            </a:r>
-          </a:p>
-        </p:txBody>
-      </p:sp>
-      <p:sp>
-        <p:nvSpPr>
-          <p:cNvPr id="3" name="Content Placeholder 2">
-            <a:extLst>
-              <a:ext uri="{FF2B5EF4-FFF2-40B4-BE49-F238E27FC236}">
-                <a16:creationId xmlns:a16="http://schemas.microsoft.com/office/drawing/2014/main" id="{F4C2D286-E049-0AAB-1360-B7157E11AD7E}"/>
-              </a:ext>
-            </a:extLst>
-          </p:cNvPr>
-          <p:cNvSpPr>
-            <a:spLocks noGrp="1"/>
-          </p:cNvSpPr>
-          <p:nvPr>
-            <p:ph idx="1"/>
-          </p:nvPr>
-        </p:nvSpPr>
-        <p:spPr>
-          <a:xfrm>
-            <a:off x="838200" y="1456267"/>
-            <a:ext cx="10375900" cy="4720696"/>
-          </a:xfrm>
-        </p:spPr>
-        <p:txBody>
-          <a:bodyPr>
-            <a:normAutofit/>
-          </a:bodyPr>
-          <a:lstStyle/>
-          <a:p>
-            <a:pPr marL="457200" indent="-457200">
-              <a:buFont typeface="Arial" panose="020B0604020202020204" pitchFamily="34" charset="0"/>
-              <a:buAutoNum type="arabicPeriod"/>
-            </a:pPr>
-            <a:r>
-              <a:rPr lang="nl-NL" sz="2000" dirty="0"/>
-              <a:t>Open Notebook </a:t>
-            </a:r>
-            <a:r>
-              <a:rPr lang="nl-NL" sz="2000" dirty="0" err="1">
-                <a:latin typeface="Courier New" panose="02070309020205020404" pitchFamily="49" charset="0"/>
-                <a:cs typeface="Courier New" panose="02070309020205020404" pitchFamily="49" charset="0"/>
-              </a:rPr>
-              <a:t>exercises</a:t>
-            </a:r>
-            <a:r>
-              <a:rPr lang="nl-NL" sz="2000" dirty="0">
-                <a:latin typeface="Courier New" panose="02070309020205020404" pitchFamily="49" charset="0"/>
-                <a:cs typeface="Courier New" panose="02070309020205020404" pitchFamily="49" charset="0"/>
-              </a:rPr>
-              <a:t>/4_fuzzy_dict.ipynb</a:t>
-            </a:r>
-          </a:p>
-          <a:p>
-            <a:pPr marL="457200" indent="-457200">
-              <a:buFont typeface="Arial" panose="020B0604020202020204" pitchFamily="34" charset="0"/>
-              <a:buAutoNum type="arabicPeriod"/>
-            </a:pPr>
-            <a:endParaRPr lang="nl-NL" sz="2000" dirty="0"/>
-          </a:p>
-          <a:p>
-            <a:pPr marL="457200" indent="-457200">
-              <a:buFont typeface="Arial" panose="020B0604020202020204" pitchFamily="34" charset="0"/>
-              <a:buAutoNum type="arabicPeriod"/>
-            </a:pPr>
-            <a:r>
-              <a:rPr lang="nl-NL" sz="2000" dirty="0"/>
-              <a:t>Werk de </a:t>
-            </a:r>
-            <a:r>
-              <a:rPr lang="nl-NL" sz="2000" dirty="0" err="1">
-                <a:latin typeface="Courier New" panose="02070309020205020404" pitchFamily="49" charset="0"/>
-                <a:cs typeface="Courier New" panose="02070309020205020404" pitchFamily="49" charset="0"/>
-              </a:rPr>
-              <a:t>FuzzyDict</a:t>
-            </a:r>
-            <a:r>
-              <a:rPr lang="nl-NL" sz="2000" dirty="0"/>
-              <a:t> class uit als </a:t>
-            </a:r>
-            <a:r>
-              <a:rPr lang="nl-NL" sz="2000" dirty="0" err="1"/>
-              <a:t>dict</a:t>
-            </a:r>
-            <a:r>
-              <a:rPr lang="nl-NL" sz="2000" dirty="0"/>
-              <a:t> dat niet hoofdlettergevoelig is:</a:t>
-            </a:r>
-          </a:p>
-          <a:p>
-            <a:pPr marL="457200" indent="-457200">
-              <a:buFont typeface="Arial" panose="020B0604020202020204" pitchFamily="34" charset="0"/>
-              <a:buAutoNum type="arabicPeriod"/>
-            </a:pPr>
-            <a:endParaRPr lang="nl-NL" sz="2000" dirty="0"/>
-          </a:p>
-          <a:p>
-            <a:pPr lvl="1"/>
-            <a:r>
-              <a:rPr lang="nl-NL" sz="1600" dirty="0" err="1">
-                <a:latin typeface="Courier New" panose="02070309020205020404" pitchFamily="49" charset="0"/>
-                <a:cs typeface="Courier New" panose="02070309020205020404" pitchFamily="49" charset="0"/>
-              </a:rPr>
-              <a:t>fuzzydict</a:t>
-            </a:r>
-            <a:r>
-              <a:rPr lang="nl-NL" sz="1600" dirty="0">
-                <a:latin typeface="Courier New" panose="02070309020205020404" pitchFamily="49" charset="0"/>
-                <a:cs typeface="Courier New" panose="02070309020205020404" pitchFamily="49" charset="0"/>
-              </a:rPr>
-              <a:t>["NAAM"]</a:t>
-            </a:r>
-            <a:r>
-              <a:rPr lang="nl-NL" sz="1600" dirty="0"/>
-              <a:t> is gelijk aan </a:t>
-            </a:r>
-            <a:r>
-              <a:rPr lang="nl-NL" sz="1600" dirty="0" err="1">
-                <a:latin typeface="Courier New" panose="02070309020205020404" pitchFamily="49" charset="0"/>
-                <a:cs typeface="Courier New" panose="02070309020205020404" pitchFamily="49" charset="0"/>
-              </a:rPr>
-              <a:t>fuzzydict</a:t>
-            </a:r>
-            <a:r>
-              <a:rPr lang="nl-NL" sz="1600" dirty="0">
-                <a:latin typeface="Courier New" panose="02070309020205020404" pitchFamily="49" charset="0"/>
-                <a:cs typeface="Courier New" panose="02070309020205020404" pitchFamily="49" charset="0"/>
-              </a:rPr>
-              <a:t>["naam"]</a:t>
-            </a:r>
-            <a:endParaRPr lang="nl-NL" sz="1600" dirty="0"/>
-          </a:p>
-          <a:p>
-            <a:pPr lvl="1"/>
-            <a:r>
-              <a:rPr lang="nl-NL" sz="1600" dirty="0" err="1">
-                <a:latin typeface="Courier New" panose="02070309020205020404" pitchFamily="49" charset="0"/>
-                <a:cs typeface="Courier New" panose="02070309020205020404" pitchFamily="49" charset="0"/>
-              </a:rPr>
-              <a:t>fuzzydict</a:t>
-            </a:r>
-            <a:r>
-              <a:rPr lang="nl-NL" sz="1600" dirty="0">
-                <a:latin typeface="Courier New" panose="02070309020205020404" pitchFamily="49" charset="0"/>
-                <a:cs typeface="Courier New" panose="02070309020205020404" pitchFamily="49" charset="0"/>
-              </a:rPr>
-              <a:t>["NAAM"] = "Henk"</a:t>
-            </a:r>
-            <a:r>
-              <a:rPr lang="nl-NL" sz="1600" dirty="0"/>
-              <a:t> is gelijk aan </a:t>
-            </a:r>
-            <a:r>
-              <a:rPr lang="nl-NL" sz="1600" dirty="0" err="1">
-                <a:latin typeface="Courier New" panose="02070309020205020404" pitchFamily="49" charset="0"/>
-                <a:cs typeface="Courier New" panose="02070309020205020404" pitchFamily="49" charset="0"/>
-              </a:rPr>
-              <a:t>fuzzydict</a:t>
-            </a:r>
-            <a:r>
-              <a:rPr lang="nl-NL" sz="1600" dirty="0">
-                <a:latin typeface="Courier New" panose="02070309020205020404" pitchFamily="49" charset="0"/>
-                <a:cs typeface="Courier New" panose="02070309020205020404" pitchFamily="49" charset="0"/>
-              </a:rPr>
-              <a:t>["naam"] = "Henk"</a:t>
-            </a:r>
-            <a:endParaRPr lang="nl-NL" sz="1200" dirty="0"/>
-          </a:p>
-          <a:p>
-            <a:pPr marL="457200" indent="-457200">
-              <a:buFont typeface="Arial" panose="020B0604020202020204" pitchFamily="34" charset="0"/>
-              <a:buAutoNum type="arabicPeriod"/>
-            </a:pPr>
-            <a:endParaRPr lang="nl-NL" sz="2000" dirty="0"/>
-          </a:p>
-          <a:p>
-            <a:pPr marL="457200" indent="-457200">
-              <a:buFont typeface="Arial" panose="020B0604020202020204" pitchFamily="34" charset="0"/>
-              <a:buAutoNum type="arabicPeriod"/>
-            </a:pPr>
-            <a:r>
-              <a:rPr lang="nl-NL" sz="2000" dirty="0"/>
-              <a:t>Gebruik:</a:t>
-            </a:r>
-          </a:p>
-          <a:p>
-            <a:pPr marL="0" indent="0">
-              <a:buNone/>
-            </a:pPr>
-            <a:r>
-              <a:rPr lang="nl-NL" sz="2000" dirty="0"/>
-              <a:t>	</a:t>
-            </a:r>
-            <a:r>
-              <a:rPr lang="nl-NL" sz="2000" dirty="0">
-                <a:latin typeface="Courier New" panose="02070309020205020404" pitchFamily="49" charset="0"/>
-                <a:cs typeface="Courier New" panose="02070309020205020404" pitchFamily="49" charset="0"/>
-              </a:rPr>
-              <a:t>__</a:t>
-            </a:r>
-            <a:r>
-              <a:rPr lang="nl-NL" sz="2000" dirty="0" err="1">
-                <a:latin typeface="Courier New" panose="02070309020205020404" pitchFamily="49" charset="0"/>
-                <a:cs typeface="Courier New" panose="02070309020205020404" pitchFamily="49" charset="0"/>
-              </a:rPr>
-              <a:t>getitem</a:t>
-            </a:r>
-            <a:r>
-              <a:rPr lang="nl-NL" sz="2000" dirty="0">
-                <a:latin typeface="Courier New" panose="02070309020205020404" pitchFamily="49" charset="0"/>
-                <a:cs typeface="Courier New" panose="02070309020205020404" pitchFamily="49" charset="0"/>
-              </a:rPr>
-              <a:t>__</a:t>
-            </a:r>
-            <a:r>
-              <a:rPr lang="nl-NL" sz="2000" dirty="0"/>
-              <a:t> om sleutels op </a:t>
-            </a:r>
-            <a:r>
-              <a:rPr lang="nl-NL" sz="2000"/>
-              <a:t>te halen.</a:t>
-            </a:r>
-            <a:endParaRPr lang="nl-NL" sz="2000" dirty="0"/>
-          </a:p>
-          <a:p>
-            <a:pPr marL="0" indent="0">
-              <a:buNone/>
-            </a:pPr>
-            <a:r>
-              <a:rPr lang="nl-NL" sz="2000" dirty="0"/>
-              <a:t>	</a:t>
-            </a:r>
-            <a:r>
-              <a:rPr lang="nl-NL" sz="2000" dirty="0">
-                <a:latin typeface="Courier New" panose="02070309020205020404" pitchFamily="49" charset="0"/>
-                <a:cs typeface="Courier New" panose="02070309020205020404" pitchFamily="49" charset="0"/>
-              </a:rPr>
-              <a:t>__</a:t>
-            </a:r>
-            <a:r>
-              <a:rPr lang="nl-NL" sz="2000" dirty="0" err="1">
-                <a:latin typeface="Courier New" panose="02070309020205020404" pitchFamily="49" charset="0"/>
-                <a:cs typeface="Courier New" panose="02070309020205020404" pitchFamily="49" charset="0"/>
-              </a:rPr>
-              <a:t>setitem</a:t>
-            </a:r>
-            <a:r>
-              <a:rPr lang="nl-NL" sz="2000" dirty="0">
-                <a:latin typeface="Courier New" panose="02070309020205020404" pitchFamily="49" charset="0"/>
-                <a:cs typeface="Courier New" panose="02070309020205020404" pitchFamily="49" charset="0"/>
-              </a:rPr>
-              <a:t>__</a:t>
-            </a:r>
-            <a:r>
-              <a:rPr lang="nl-NL" sz="2000" dirty="0"/>
-              <a:t> om waardes op te slaan.</a:t>
-            </a:r>
-          </a:p>
-          <a:p>
-            <a:pPr marL="457200" indent="-457200">
-              <a:buFont typeface="Arial" panose="020B0604020202020204" pitchFamily="34" charset="0"/>
-              <a:buAutoNum type="arabicPeriod"/>
-            </a:pPr>
-            <a:endParaRPr lang="nl-NL" sz="2000" dirty="0"/>
-          </a:p>
-          <a:p>
-            <a:pPr marL="0" indent="0">
-              <a:buNone/>
-            </a:pPr>
-            <a:r>
-              <a:rPr lang="nl-NL" sz="2000" dirty="0"/>
-              <a:t>Optioneel: Implementeer </a:t>
-            </a:r>
-            <a:r>
-              <a:rPr lang="nl-NL" sz="2000" dirty="0">
-                <a:latin typeface="Courier New" panose="02070309020205020404" pitchFamily="49" charset="0"/>
-                <a:cs typeface="Courier New" panose="02070309020205020404" pitchFamily="49" charset="0"/>
-              </a:rPr>
-              <a:t>__</a:t>
-            </a:r>
-            <a:r>
-              <a:rPr lang="nl-NL" sz="2000" dirty="0" err="1">
-                <a:latin typeface="Courier New" panose="02070309020205020404" pitchFamily="49" charset="0"/>
-                <a:cs typeface="Courier New" panose="02070309020205020404" pitchFamily="49" charset="0"/>
-              </a:rPr>
-              <a:t>len</a:t>
-            </a:r>
-            <a:r>
-              <a:rPr lang="nl-NL" sz="2000" dirty="0">
-                <a:latin typeface="Courier New" panose="02070309020205020404" pitchFamily="49" charset="0"/>
-                <a:cs typeface="Courier New" panose="02070309020205020404" pitchFamily="49" charset="0"/>
-              </a:rPr>
-              <a:t>__</a:t>
-            </a:r>
-            <a:r>
-              <a:rPr lang="nl-NL" sz="2000" dirty="0"/>
-              <a:t>, </a:t>
-            </a:r>
-            <a:r>
-              <a:rPr lang="nl-NL" sz="2000" dirty="0">
-                <a:latin typeface="Courier New" panose="02070309020205020404" pitchFamily="49" charset="0"/>
-                <a:cs typeface="Courier New" panose="02070309020205020404" pitchFamily="49" charset="0"/>
-              </a:rPr>
-              <a:t>__</a:t>
-            </a:r>
-            <a:r>
-              <a:rPr lang="nl-NL" sz="2000" dirty="0" err="1">
-                <a:latin typeface="Courier New" panose="02070309020205020404" pitchFamily="49" charset="0"/>
-                <a:cs typeface="Courier New" panose="02070309020205020404" pitchFamily="49" charset="0"/>
-              </a:rPr>
-              <a:t>str</a:t>
-            </a:r>
-            <a:r>
-              <a:rPr lang="nl-NL" sz="2000" dirty="0">
-                <a:latin typeface="Courier New" panose="02070309020205020404" pitchFamily="49" charset="0"/>
-                <a:cs typeface="Courier New" panose="02070309020205020404" pitchFamily="49" charset="0"/>
-              </a:rPr>
-              <a:t>__</a:t>
-            </a:r>
-            <a:r>
-              <a:rPr lang="nl-NL" sz="2000" dirty="0"/>
-              <a:t> en </a:t>
-            </a:r>
-            <a:r>
-              <a:rPr lang="nl-NL" sz="2000" dirty="0">
-                <a:latin typeface="Courier New" panose="02070309020205020404" pitchFamily="49" charset="0"/>
-                <a:cs typeface="Courier New" panose="02070309020205020404" pitchFamily="49" charset="0"/>
-              </a:rPr>
-              <a:t>__</a:t>
-            </a:r>
-            <a:r>
-              <a:rPr lang="nl-NL" sz="2000" dirty="0" err="1">
-                <a:latin typeface="Courier New" panose="02070309020205020404" pitchFamily="49" charset="0"/>
-                <a:cs typeface="Courier New" panose="02070309020205020404" pitchFamily="49" charset="0"/>
-              </a:rPr>
-              <a:t>repr</a:t>
-            </a:r>
-            <a:r>
-              <a:rPr lang="nl-NL" sz="2000" dirty="0">
-                <a:latin typeface="Courier New" panose="02070309020205020404" pitchFamily="49" charset="0"/>
-                <a:cs typeface="Courier New" panose="02070309020205020404" pitchFamily="49" charset="0"/>
-              </a:rPr>
-              <a:t>__</a:t>
-            </a:r>
-            <a:r>
-              <a:rPr lang="nl-NL" sz="2000" dirty="0"/>
-              <a:t> methodes.</a:t>
-            </a:r>
-          </a:p>
-        </p:txBody>
-      </p:sp>
-    </p:spTree>
-    <p:extLst>
-      <p:ext uri="{BB962C8B-B14F-4D97-AF65-F5344CB8AC3E}">
-        <p14:creationId xmlns:p14="http://schemas.microsoft.com/office/powerpoint/2010/main" val="4287688984"/>
-      </p:ext>
-    </p:extLst>
-  </p:cSld>
-  <p:clrMapOvr>
-    <a:masterClrMapping/>
-  </p:clrMapOvr>
-</p:sld>
-</file>
-
 <file path=ppt/slides/slide48.xml><?xml version="1.0" encoding="utf-8"?>
 <p:sld xmlns:a="http://schemas.openxmlformats.org/drawingml/2006/main" xmlns:r="http://schemas.openxmlformats.org/officeDocument/2006/relationships" xmlns:p="http://schemas.openxmlformats.org/presentationml/2006/main">
   <p:cSld>
@@ -23381,7 +23581,7 @@
             </a:r>
             <a:r>
               <a:rPr lang="nl-NL" sz="2000" dirty="0"/>
-              <a:t> maakt het onmogelijk om het attribuut direct te gebruiken. </a:t>
+              <a:t> maakt het lastig om het attribuut direct te gebruiken. </a:t>
             </a:r>
             <a:endParaRPr lang="nl-NL" sz="2000" noProof="0" dirty="0"/>
           </a:p>
@@ -24085,8 +24285,25 @@
             </a:pPr>
             <a:r>
               <a:rPr lang="nl-NL" sz="2000" noProof="0" dirty="0"/>
-              <a:t>Methodes die op een class werken (i.p.v. een object). Eerste argument verwijst naar de class. </a:t>
-            </a:r>
+              <a:t>Methodes die met de class werken. Eerste argument verwijst naar de class zelf.</a:t>
+            </a:r>
+          </a:p>
+          <a:p>
+            <a:pPr marL="0" indent="0">
+              <a:buNone/>
+            </a:pPr>
+            <a:endParaRPr lang="nl-NL" sz="2000" dirty="0"/>
+          </a:p>
+          <a:p>
+            <a:pPr marL="0" indent="0">
+              <a:buNone/>
+            </a:pPr>
+            <a:endParaRPr lang="nl-NL" sz="2000" dirty="0"/>
+          </a:p>
+          <a:p>
+            <a:pPr marL="0" indent="0">
+              <a:buNone/>
+            </a:pPr>
             <a:r>
               <a:rPr lang="nl-NL" sz="2000" dirty="0"/>
               <a:t>Vaak gebruikt voor "</a:t>
@@ -24312,100 +24529,6 @@
               <a:buFont typeface="Arial" panose="020B0604020202020204" pitchFamily="34" charset="0"/>
               <a:buNone/>
             </a:pPr>
-            <a:r>
-              <a:rPr lang="nl-NL" sz="1400" dirty="0">
-                <a:latin typeface="Courier New" panose="02070309020205020404" pitchFamily="49" charset="0"/>
-                <a:cs typeface="Courier New" panose="02070309020205020404" pitchFamily="49" charset="0"/>
-              </a:rPr>
-              <a:t>  </a:t>
-            </a:r>
-          </a:p>
-          <a:p>
-            <a:pPr marL="0" indent="0">
-              <a:buFont typeface="Arial" panose="020B0604020202020204" pitchFamily="34" charset="0"/>
-              <a:buNone/>
-            </a:pPr>
-            <a:r>
-              <a:rPr lang="nl-NL" sz="1400" dirty="0">
-                <a:latin typeface="Courier New" panose="02070309020205020404" pitchFamily="49" charset="0"/>
-                <a:cs typeface="Courier New" panose="02070309020205020404" pitchFamily="49" charset="0"/>
-              </a:rPr>
-              <a:t>  @staticmethod</a:t>
-            </a:r>
-          </a:p>
-          <a:p>
-            <a:pPr marL="0" indent="0">
-              <a:buFont typeface="Arial" panose="020B0604020202020204" pitchFamily="34" charset="0"/>
-              <a:buNone/>
-            </a:pPr>
-            <a:r>
-              <a:rPr lang="nl-NL" sz="1400" b="1" dirty="0">
-                <a:latin typeface="Courier New" panose="02070309020205020404" pitchFamily="49" charset="0"/>
-                <a:cs typeface="Courier New" panose="02070309020205020404" pitchFamily="49" charset="0"/>
-              </a:rPr>
-              <a:t>  </a:t>
-            </a:r>
-            <a:r>
-              <a:rPr lang="nl-NL" sz="1400" b="1" dirty="0" err="1">
-                <a:latin typeface="Courier New" panose="02070309020205020404" pitchFamily="49" charset="0"/>
-                <a:cs typeface="Courier New" panose="02070309020205020404" pitchFamily="49" charset="0"/>
-              </a:rPr>
-              <a:t>def</a:t>
-            </a:r>
-            <a:r>
-              <a:rPr lang="nl-NL" sz="1400" b="1" dirty="0">
-                <a:latin typeface="Courier New" panose="02070309020205020404" pitchFamily="49" charset="0"/>
-                <a:cs typeface="Courier New" panose="02070309020205020404" pitchFamily="49" charset="0"/>
-              </a:rPr>
-              <a:t> _</a:t>
-            </a:r>
-            <a:r>
-              <a:rPr lang="nl-NL" sz="1400" b="1" dirty="0" err="1">
-                <a:latin typeface="Courier New" panose="02070309020205020404" pitchFamily="49" charset="0"/>
-                <a:cs typeface="Courier New" panose="02070309020205020404" pitchFamily="49" charset="0"/>
-              </a:rPr>
-              <a:t>is_valid_name</a:t>
-            </a:r>
-            <a:r>
-              <a:rPr lang="nl-NL" sz="1400" b="1" dirty="0">
-                <a:latin typeface="Courier New" panose="02070309020205020404" pitchFamily="49" charset="0"/>
-                <a:cs typeface="Courier New" panose="02070309020205020404" pitchFamily="49" charset="0"/>
-              </a:rPr>
-              <a:t>(name): </a:t>
-            </a:r>
-          </a:p>
-          <a:p>
-            <a:pPr marL="0" indent="0">
-              <a:buFont typeface="Arial" panose="020B0604020202020204" pitchFamily="34" charset="0"/>
-              <a:buNone/>
-            </a:pPr>
-            <a:r>
-              <a:rPr lang="nl-NL" sz="1400" dirty="0">
-                <a:latin typeface="Courier New" panose="02070309020205020404" pitchFamily="49" charset="0"/>
-                <a:cs typeface="Courier New" panose="02070309020205020404" pitchFamily="49" charset="0"/>
-              </a:rPr>
-              <a:t>    return </a:t>
-            </a:r>
-            <a:r>
-              <a:rPr lang="nl-NL" sz="1400" dirty="0" err="1">
-                <a:latin typeface="Courier New" panose="02070309020205020404" pitchFamily="49" charset="0"/>
-                <a:cs typeface="Courier New" panose="02070309020205020404" pitchFamily="49" charset="0"/>
-              </a:rPr>
-              <a:t>len</a:t>
-            </a:r>
-            <a:r>
-              <a:rPr lang="nl-NL" sz="1400" dirty="0">
-                <a:latin typeface="Courier New" panose="02070309020205020404" pitchFamily="49" charset="0"/>
-                <a:cs typeface="Courier New" panose="02070309020205020404" pitchFamily="49" charset="0"/>
-              </a:rPr>
-              <a:t>(name) &gt; 3</a:t>
-            </a:r>
-          </a:p>
-          <a:p>
-            <a:pPr marL="0" indent="0">
-              <a:buFont typeface="Arial" panose="020B0604020202020204" pitchFamily="34" charset="0"/>
-              <a:buNone/>
-            </a:pPr>
             <a:endParaRPr lang="nl-NL" sz="1400" dirty="0">
               <a:latin typeface="Courier New" panose="02070309020205020404" pitchFamily="49" charset="0"/>
               <a:cs typeface="Courier New" panose="02070309020205020404" pitchFamily="49" charset="0"/>
@@ -24421,6 +24544,107 @@
                 <a:latin typeface="Courier New" panose="02070309020205020404" pitchFamily="49" charset="0"/>
                 <a:cs typeface="Courier New" panose="02070309020205020404" pitchFamily="49" charset="0"/>
               </a:rPr>
+              <a:t>  @staticmethod</a:t>
+            </a:r>
+          </a:p>
+          <a:p>
+            <a:pPr marL="0" indent="0">
+              <a:buFont typeface="Arial" panose="020B0604020202020204" pitchFamily="34" charset="0"/>
+              <a:buNone/>
+            </a:pPr>
+            <a:r>
+              <a:rPr lang="nl-NL" sz="1400" b="1" dirty="0">
+                <a:latin typeface="Courier New" panose="02070309020205020404" pitchFamily="49" charset="0"/>
+                <a:cs typeface="Courier New" panose="02070309020205020404" pitchFamily="49" charset="0"/>
+              </a:rPr>
+              <a:t>  </a:t>
+            </a:r>
+            <a:r>
+              <a:rPr lang="nl-NL" sz="1400" b="1" dirty="0" err="1">
+                <a:latin typeface="Courier New" panose="02070309020205020404" pitchFamily="49" charset="0"/>
+                <a:cs typeface="Courier New" panose="02070309020205020404" pitchFamily="49" charset="0"/>
+              </a:rPr>
+              <a:t>def</a:t>
+            </a:r>
+            <a:r>
+              <a:rPr lang="nl-NL" sz="1400" b="1" dirty="0">
+                <a:latin typeface="Courier New" panose="02070309020205020404" pitchFamily="49" charset="0"/>
+                <a:cs typeface="Courier New" panose="02070309020205020404" pitchFamily="49" charset="0"/>
+              </a:rPr>
+              <a:t> _</a:t>
+            </a:r>
+            <a:r>
+              <a:rPr lang="nl-NL" sz="1400" b="1" dirty="0" err="1">
+                <a:latin typeface="Courier New" panose="02070309020205020404" pitchFamily="49" charset="0"/>
+                <a:cs typeface="Courier New" panose="02070309020205020404" pitchFamily="49" charset="0"/>
+              </a:rPr>
+              <a:t>is_valid_name</a:t>
+            </a:r>
+            <a:r>
+              <a:rPr lang="nl-NL" sz="1400" b="1" dirty="0">
+                <a:latin typeface="Courier New" panose="02070309020205020404" pitchFamily="49" charset="0"/>
+                <a:cs typeface="Courier New" panose="02070309020205020404" pitchFamily="49" charset="0"/>
+              </a:rPr>
+              <a:t>(name): </a:t>
+            </a:r>
+          </a:p>
+          <a:p>
+            <a:pPr marL="0" indent="0">
+              <a:buFont typeface="Arial" panose="020B0604020202020204" pitchFamily="34" charset="0"/>
+              <a:buNone/>
+            </a:pPr>
+            <a:r>
+              <a:rPr lang="nl-NL" sz="1400" dirty="0">
+                <a:latin typeface="Courier New" panose="02070309020205020404" pitchFamily="49" charset="0"/>
+                <a:cs typeface="Courier New" panose="02070309020205020404" pitchFamily="49" charset="0"/>
+              </a:rPr>
+              <a:t>    return </a:t>
+            </a:r>
+            <a:r>
+              <a:rPr lang="nl-NL" sz="1400" dirty="0" err="1">
+                <a:latin typeface="Courier New" panose="02070309020205020404" pitchFamily="49" charset="0"/>
+                <a:cs typeface="Courier New" panose="02070309020205020404" pitchFamily="49" charset="0"/>
+              </a:rPr>
+              <a:t>len</a:t>
+            </a:r>
+            <a:r>
+              <a:rPr lang="nl-NL" sz="1400" dirty="0">
+                <a:latin typeface="Courier New" panose="02070309020205020404" pitchFamily="49" charset="0"/>
+                <a:cs typeface="Courier New" panose="02070309020205020404" pitchFamily="49" charset="0"/>
+              </a:rPr>
+              <a:t>(name) &gt; 3</a:t>
+            </a:r>
+          </a:p>
+          <a:p>
+            <a:pPr marL="0" indent="0">
+              <a:buFont typeface="Arial" panose="020B0604020202020204" pitchFamily="34" charset="0"/>
+              <a:buNone/>
+            </a:pPr>
+            <a:endParaRPr lang="nl-NL" sz="1400" dirty="0">
+              <a:latin typeface="Courier New" panose="02070309020205020404" pitchFamily="49" charset="0"/>
+              <a:cs typeface="Courier New" panose="02070309020205020404" pitchFamily="49" charset="0"/>
+            </a:endParaRPr>
+          </a:p>
+          <a:p>
+            <a:pPr marL="0" indent="0">
+              <a:buFont typeface="Arial" panose="020B0604020202020204" pitchFamily="34" charset="0"/>
+              <a:buNone/>
+            </a:pPr>
+            <a:endParaRPr lang="nl-NL" sz="1400" dirty="0">
+              <a:latin typeface="Courier New" panose="02070309020205020404" pitchFamily="49" charset="0"/>
+              <a:cs typeface="Courier New" panose="02070309020205020404" pitchFamily="49" charset="0"/>
+            </a:endParaRPr>
+          </a:p>
+          <a:p>
+            <a:pPr marL="0" indent="0">
+              <a:buFont typeface="Arial" panose="020B0604020202020204" pitchFamily="34" charset="0"/>
+              <a:buNone/>
+            </a:pPr>
+            <a:r>
+              <a:rPr lang="nl-NL" sz="1400" dirty="0">
+                <a:latin typeface="Courier New" panose="02070309020205020404" pitchFamily="49" charset="0"/>
+                <a:cs typeface="Courier New" panose="02070309020205020404" pitchFamily="49" charset="0"/>
+              </a:rPr>
               <a:t>  @classmethod</a:t>
             </a:r>
           </a:p>
@@ -24547,7 +24771,7 @@
               <a:t>    return </a:t>
             </a:r>
             <a:r>
-              <a:rPr lang="nl-NL" sz="1400" dirty="0" err="1">
+              <a:rPr lang="nl-NL" sz="1400" b="1" dirty="0" err="1">
                 <a:latin typeface="Courier New" panose="02070309020205020404" pitchFamily="49" charset="0"/>
                 <a:cs typeface="Courier New" panose="02070309020205020404" pitchFamily="49" charset="0"/>
               </a:rPr>
@@ -25163,460 +25387,17 @@
           <a:p>
             <a:r>
               <a:rPr lang="nl-NL" sz="3600" noProof="0" dirty="0"/>
-              <a:t>Overerving</a:t>
+              <a:t>Oefeningen IV</a:t>
             </a:r>
           </a:p>
         </p:txBody>
       </p:sp>
-      <p:grpSp>
-        <p:nvGrpSpPr>
-          <p:cNvPr id="38" name="Group 37">
+      <p:sp>
+        <p:nvSpPr>
+          <p:cNvPr id="3" name="Content Placeholder 2">
             <a:extLst>
               <a:ext uri="{FF2B5EF4-FFF2-40B4-BE49-F238E27FC236}">
-                <a16:creationId xmlns:a16="http://schemas.microsoft.com/office/drawing/2014/main" id="{D0E1F31E-EFE7-2088-6547-845DD4CD334B}"/>
-              </a:ext>
-            </a:extLst>
-          </p:cNvPr>
-          <p:cNvGrpSpPr/>
-          <p:nvPr/>
-        </p:nvGrpSpPr>
-        <p:grpSpPr>
-          <a:xfrm>
-            <a:off x="6096000" y="1682506"/>
-            <a:ext cx="5604933" cy="3492987"/>
-            <a:chOff x="5545666" y="724430"/>
-            <a:chExt cx="5604933" cy="3492987"/>
-          </a:xfrm>
-        </p:grpSpPr>
-        <p:sp>
-          <p:nvSpPr>
-            <p:cNvPr id="8" name="Rectangle 7">
-              <a:extLst>
-                <a:ext uri="{FF2B5EF4-FFF2-40B4-BE49-F238E27FC236}">
-                  <a16:creationId xmlns:a16="http://schemas.microsoft.com/office/drawing/2014/main" id="{8F8A90BB-468A-6D0A-002C-262602B18B4B}"/>
-                </a:ext>
-              </a:extLst>
-            </p:cNvPr>
-            <p:cNvSpPr/>
-            <p:nvPr/>
-          </p:nvSpPr>
-          <p:spPr>
-            <a:xfrm>
-              <a:off x="7514167" y="724430"/>
-              <a:ext cx="1667933" cy="1307570"/>
-            </a:xfrm>
-            <a:prstGeom prst="rect">
-              <a:avLst/>
-            </a:prstGeom>
-          </p:spPr>
-          <p:style>
-            <a:lnRef idx="1">
-              <a:schemeClr val="accent4"/>
-            </a:lnRef>
-            <a:fillRef idx="2">
-              <a:schemeClr val="accent4"/>
-            </a:fillRef>
-            <a:effectRef idx="1">
-              <a:schemeClr val="accent4"/>
-            </a:effectRef>
-            <a:fontRef idx="minor">
-              <a:schemeClr val="dk1"/>
-            </a:fontRef>
-          </p:style>
-          <p:txBody>
-            <a:bodyPr lIns="180000" tIns="180000" rIns="180000" bIns="180000" rtlCol="0" anchor="ctr"/>
-            <a:lstStyle/>
-            <a:p>
-              <a:r>
-                <a:rPr lang="nl-NL" b="1" dirty="0"/>
-                <a:t>Voertuig</a:t>
-              </a:r>
-            </a:p>
-            <a:p>
-              <a:pPr marL="285750" indent="-285750">
-                <a:buFontTx/>
-                <a:buChar char="-"/>
-              </a:pPr>
-              <a:endParaRPr lang="nl-NL" sz="1400" dirty="0"/>
-            </a:p>
-            <a:p>
-              <a:pPr marL="285750" indent="-285750">
-                <a:buFontTx/>
-                <a:buChar char="-"/>
-              </a:pPr>
-              <a:r>
-                <a:rPr lang="nl-NL" sz="1400" dirty="0"/>
-                <a:t>afmetingen</a:t>
-              </a:r>
-            </a:p>
-            <a:p>
-              <a:pPr marL="285750" indent="-285750">
-                <a:buFontTx/>
-                <a:buChar char="-"/>
-              </a:pPr>
-              <a:r>
-                <a:rPr lang="nl-NL" sz="1400" dirty="0"/>
-                <a:t>prijs</a:t>
-              </a:r>
-            </a:p>
-          </p:txBody>
-        </p:sp>
-        <p:sp>
-          <p:nvSpPr>
-            <p:cNvPr id="9" name="Rectangle 8">
-              <a:extLst>
-                <a:ext uri="{FF2B5EF4-FFF2-40B4-BE49-F238E27FC236}">
-                  <a16:creationId xmlns:a16="http://schemas.microsoft.com/office/drawing/2014/main" id="{4F0F36A3-E63F-438C-664E-6CCFFF26537D}"/>
-                </a:ext>
-              </a:extLst>
-            </p:cNvPr>
-            <p:cNvSpPr/>
-            <p:nvPr/>
-          </p:nvSpPr>
-          <p:spPr>
-            <a:xfrm>
-              <a:off x="7514166" y="2909848"/>
-              <a:ext cx="1667933" cy="1307568"/>
-            </a:xfrm>
-            <a:prstGeom prst="rect">
-              <a:avLst/>
-            </a:prstGeom>
-          </p:spPr>
-          <p:style>
-            <a:lnRef idx="1">
-              <a:schemeClr val="accent5"/>
-            </a:lnRef>
-            <a:fillRef idx="2">
-              <a:schemeClr val="accent5"/>
-            </a:fillRef>
-            <a:effectRef idx="1">
-              <a:schemeClr val="accent5"/>
-            </a:effectRef>
-            <a:fontRef idx="minor">
-              <a:schemeClr val="dk1"/>
-            </a:fontRef>
-          </p:style>
-          <p:txBody>
-            <a:bodyPr lIns="180000" tIns="180000" rIns="180000" bIns="180000" rtlCol="0" anchor="ctr"/>
-            <a:lstStyle/>
-            <a:p>
-              <a:r>
-                <a:rPr lang="nl-NL" b="1" dirty="0"/>
-                <a:t>Auto</a:t>
-              </a:r>
-            </a:p>
-            <a:p>
-              <a:pPr marL="285750" indent="-285750">
-                <a:buFontTx/>
-                <a:buChar char="-"/>
-              </a:pPr>
-              <a:endParaRPr lang="nl-NL" sz="1400" dirty="0"/>
-            </a:p>
-            <a:p>
-              <a:pPr marL="285750" indent="-285750">
-                <a:buFontTx/>
-                <a:buChar char="-"/>
-              </a:pPr>
-              <a:r>
-                <a:rPr lang="nl-NL" sz="1400" dirty="0"/>
-                <a:t>zitplaatsen</a:t>
-              </a:r>
-            </a:p>
-            <a:p>
-              <a:pPr marL="285750" indent="-285750">
-                <a:buFontTx/>
-                <a:buChar char="-"/>
-              </a:pPr>
-              <a:r>
-                <a:rPr lang="nl-NL" sz="1400" dirty="0"/>
-                <a:t>airco</a:t>
-              </a:r>
-            </a:p>
-          </p:txBody>
-        </p:sp>
-        <p:sp>
-          <p:nvSpPr>
-            <p:cNvPr id="19" name="Rectangle 18">
-              <a:extLst>
-                <a:ext uri="{FF2B5EF4-FFF2-40B4-BE49-F238E27FC236}">
-                  <a16:creationId xmlns:a16="http://schemas.microsoft.com/office/drawing/2014/main" id="{3177325D-D211-A5CE-6947-92EF15DD9D6B}"/>
-                </a:ext>
-              </a:extLst>
-            </p:cNvPr>
-            <p:cNvSpPr/>
-            <p:nvPr/>
-          </p:nvSpPr>
-          <p:spPr>
-            <a:xfrm>
-              <a:off x="9482666" y="2909849"/>
-              <a:ext cx="1667933" cy="1307567"/>
-            </a:xfrm>
-            <a:prstGeom prst="rect">
-              <a:avLst/>
-            </a:prstGeom>
-          </p:spPr>
-          <p:style>
-            <a:lnRef idx="1">
-              <a:schemeClr val="accent5"/>
-            </a:lnRef>
-            <a:fillRef idx="2">
-              <a:schemeClr val="accent5"/>
-            </a:fillRef>
-            <a:effectRef idx="1">
-              <a:schemeClr val="accent5"/>
-            </a:effectRef>
-            <a:fontRef idx="minor">
-              <a:schemeClr val="dk1"/>
-            </a:fontRef>
-          </p:style>
-          <p:txBody>
-            <a:bodyPr lIns="180000" tIns="180000" rIns="180000" bIns="180000" rtlCol="0" anchor="ctr"/>
-            <a:lstStyle/>
-            <a:p>
-              <a:r>
-                <a:rPr lang="nl-NL" b="1" dirty="0"/>
-                <a:t>Fiets</a:t>
-              </a:r>
-              <a:endParaRPr lang="nl-NL" dirty="0"/>
-            </a:p>
-            <a:p>
-              <a:pPr marL="285750" indent="-285750">
-                <a:buFontTx/>
-                <a:buChar char="-"/>
-              </a:pPr>
-              <a:endParaRPr lang="nl-NL" sz="1400" dirty="0"/>
-            </a:p>
-            <a:p>
-              <a:pPr marL="285750" indent="-285750">
-                <a:buFontTx/>
-                <a:buChar char="-"/>
-              </a:pPr>
-              <a:r>
-                <a:rPr lang="nl-NL" sz="1400" dirty="0"/>
-                <a:t>materiaal</a:t>
-              </a:r>
-            </a:p>
-            <a:p>
-              <a:pPr marL="285750" indent="-285750">
-                <a:buFontTx/>
-                <a:buChar char="-"/>
-              </a:pPr>
-              <a:r>
-                <a:rPr lang="nl-NL" sz="1400" dirty="0"/>
-                <a:t>schijfremmen</a:t>
-              </a:r>
-            </a:p>
-          </p:txBody>
-        </p:sp>
-        <p:sp>
-          <p:nvSpPr>
-            <p:cNvPr id="24" name="Rectangle 23">
-              <a:extLst>
-                <a:ext uri="{FF2B5EF4-FFF2-40B4-BE49-F238E27FC236}">
-                  <a16:creationId xmlns:a16="http://schemas.microsoft.com/office/drawing/2014/main" id="{1A4682BB-885A-5C60-F919-EE42752F11CB}"/>
-                </a:ext>
-              </a:extLst>
-            </p:cNvPr>
-            <p:cNvSpPr/>
-            <p:nvPr/>
-          </p:nvSpPr>
-          <p:spPr>
-            <a:xfrm>
-              <a:off x="5545666" y="2909848"/>
-              <a:ext cx="1667933" cy="1307569"/>
-            </a:xfrm>
-            <a:prstGeom prst="rect">
-              <a:avLst/>
-            </a:prstGeom>
-          </p:spPr>
-          <p:style>
-            <a:lnRef idx="1">
-              <a:schemeClr val="accent6"/>
-            </a:lnRef>
-            <a:fillRef idx="2">
-              <a:schemeClr val="accent6"/>
-            </a:fillRef>
-            <a:effectRef idx="1">
-              <a:schemeClr val="accent6"/>
-            </a:effectRef>
-            <a:fontRef idx="minor">
-              <a:schemeClr val="dk1"/>
-            </a:fontRef>
-          </p:style>
-          <p:txBody>
-            <a:bodyPr lIns="180000" tIns="180000" rIns="180000" bIns="180000" rtlCol="0" anchor="ctr"/>
-            <a:lstStyle/>
-            <a:p>
-              <a:r>
-                <a:rPr lang="nl-NL" b="1" dirty="0"/>
-                <a:t>Vrachtwagen</a:t>
-              </a:r>
-              <a:endParaRPr lang="nl-NL" dirty="0"/>
-            </a:p>
-            <a:p>
-              <a:pPr marL="285750" indent="-285750">
-                <a:buFontTx/>
-                <a:buChar char="-"/>
-              </a:pPr>
-              <a:endParaRPr lang="nl-NL" sz="1400" dirty="0"/>
-            </a:p>
-            <a:p>
-              <a:pPr marL="285750" indent="-285750">
-                <a:buFontTx/>
-                <a:buChar char="-"/>
-              </a:pPr>
-              <a:r>
-                <a:rPr lang="nl-NL" sz="1400" dirty="0" err="1"/>
-                <a:t>aantal_assen</a:t>
-              </a:r>
-              <a:endParaRPr lang="nl-NL" sz="1400" dirty="0"/>
-            </a:p>
-            <a:p>
-              <a:pPr marL="285750" indent="-285750">
-                <a:buFontTx/>
-                <a:buChar char="-"/>
-              </a:pPr>
-              <a:r>
-                <a:rPr lang="nl-NL" sz="1400" dirty="0" err="1"/>
-                <a:t>max_lading</a:t>
-              </a:r>
-              <a:endParaRPr lang="nl-NL" sz="1400" dirty="0"/>
-            </a:p>
-          </p:txBody>
-        </p:sp>
-        <p:cxnSp>
-          <p:nvCxnSpPr>
-            <p:cNvPr id="28" name="Connector: Elbow 27">
-              <a:extLst>
-                <a:ext uri="{FF2B5EF4-FFF2-40B4-BE49-F238E27FC236}">
-                  <a16:creationId xmlns:a16="http://schemas.microsoft.com/office/drawing/2014/main" id="{26AA4622-4E45-61DD-9BD4-049BD243D7DA}"/>
-                </a:ext>
-              </a:extLst>
-            </p:cNvPr>
-            <p:cNvCxnSpPr>
-              <a:stCxn id="8" idx="2"/>
-              <a:endCxn id="24" idx="0"/>
-            </p:cNvCxnSpPr>
-            <p:nvPr/>
-          </p:nvCxnSpPr>
-          <p:spPr>
-            <a:xfrm rot="5400000">
-              <a:off x="6924960" y="1486674"/>
-              <a:ext cx="877848" cy="1968501"/>
-            </a:xfrm>
-            <a:prstGeom prst="bentConnector3">
-              <a:avLst/>
-            </a:prstGeom>
-            <a:ln>
-              <a:tailEnd type="triangle"/>
-            </a:ln>
-          </p:spPr>
-          <p:style>
-            <a:lnRef idx="3">
-              <a:schemeClr val="dk1"/>
-            </a:lnRef>
-            <a:fillRef idx="0">
-              <a:schemeClr val="dk1"/>
-            </a:fillRef>
-            <a:effectRef idx="2">
-              <a:schemeClr val="dk1"/>
-            </a:effectRef>
-            <a:fontRef idx="minor">
-              <a:schemeClr val="tx1"/>
-            </a:fontRef>
-          </p:style>
-        </p:cxnSp>
-        <p:cxnSp>
-          <p:nvCxnSpPr>
-            <p:cNvPr id="30" name="Connector: Elbow 29">
-              <a:extLst>
-                <a:ext uri="{FF2B5EF4-FFF2-40B4-BE49-F238E27FC236}">
-                  <a16:creationId xmlns:a16="http://schemas.microsoft.com/office/drawing/2014/main" id="{3D6C7873-5F95-3A57-2507-53B1F8234C85}"/>
-                </a:ext>
-              </a:extLst>
-            </p:cNvPr>
-            <p:cNvCxnSpPr>
-              <a:stCxn id="8" idx="2"/>
-              <a:endCxn id="19" idx="0"/>
-            </p:cNvCxnSpPr>
-            <p:nvPr/>
-          </p:nvCxnSpPr>
-          <p:spPr>
-            <a:xfrm rot="16200000" flipH="1">
-              <a:off x="8893459" y="1486674"/>
-              <a:ext cx="877849" cy="1968499"/>
-            </a:xfrm>
-            <a:prstGeom prst="bentConnector3">
-              <a:avLst/>
-            </a:prstGeom>
-            <a:ln>
-              <a:tailEnd type="triangle"/>
-            </a:ln>
-          </p:spPr>
-          <p:style>
-            <a:lnRef idx="3">
-              <a:schemeClr val="dk1"/>
-            </a:lnRef>
-            <a:fillRef idx="0">
-              <a:schemeClr val="dk1"/>
-            </a:fillRef>
-            <a:effectRef idx="2">
-              <a:schemeClr val="dk1"/>
-            </a:effectRef>
-            <a:fontRef idx="minor">
-              <a:schemeClr val="tx1"/>
-            </a:fontRef>
-          </p:style>
-        </p:cxnSp>
-        <p:cxnSp>
-          <p:nvCxnSpPr>
-            <p:cNvPr id="32" name="Straight Arrow Connector 31">
-              <a:extLst>
-                <a:ext uri="{FF2B5EF4-FFF2-40B4-BE49-F238E27FC236}">
-                  <a16:creationId xmlns:a16="http://schemas.microsoft.com/office/drawing/2014/main" id="{31B8FE0B-0300-8DD6-DF7A-614F3B346ABB}"/>
-                </a:ext>
-              </a:extLst>
-            </p:cNvPr>
-            <p:cNvCxnSpPr>
-              <a:stCxn id="8" idx="2"/>
-              <a:endCxn id="9" idx="0"/>
-            </p:cNvCxnSpPr>
-            <p:nvPr/>
-          </p:nvCxnSpPr>
-          <p:spPr>
-            <a:xfrm flipH="1">
-              <a:off x="8348133" y="2032000"/>
-              <a:ext cx="1" cy="877848"/>
-            </a:xfrm>
-            <a:prstGeom prst="straightConnector1">
-              <a:avLst/>
-            </a:prstGeom>
-            <a:ln>
-              <a:tailEnd type="triangle"/>
-            </a:ln>
-          </p:spPr>
-          <p:style>
-            <a:lnRef idx="3">
-              <a:schemeClr val="dk1"/>
-            </a:lnRef>
-            <a:fillRef idx="0">
-              <a:schemeClr val="dk1"/>
-            </a:fillRef>
-            <a:effectRef idx="2">
-              <a:schemeClr val="dk1"/>
-            </a:effectRef>
-            <a:fontRef idx="minor">
-              <a:schemeClr val="tx1"/>
-            </a:fontRef>
-          </p:style>
-        </p:cxnSp>
-      </p:grpSp>
-      <p:sp>
-        <p:nvSpPr>
-          <p:cNvPr id="39" name="Content Placeholder 2">
-            <a:extLst>
-              <a:ext uri="{FF2B5EF4-FFF2-40B4-BE49-F238E27FC236}">
-                <a16:creationId xmlns:a16="http://schemas.microsoft.com/office/drawing/2014/main" id="{0D9BB673-766C-2B9E-E2A1-0A38CF168E71}"/>
+                <a16:creationId xmlns:a16="http://schemas.microsoft.com/office/drawing/2014/main" id="{F4C2D286-E049-0AAB-1360-B7157E11AD7E}"/>
               </a:ext>
             </a:extLst>
           </p:cNvPr>
@@ -25630,7 +25411,7 @@
         <p:spPr>
           <a:xfrm>
             <a:off x="838200" y="1456267"/>
-            <a:ext cx="4571999" cy="4720696"/>
+            <a:ext cx="10375900" cy="4720696"/>
           </a:xfrm>
         </p:spPr>
         <p:txBody>
@@ -25639,76 +25420,328 @@
           </a:bodyPr>
           <a:lstStyle/>
           <a:p>
-            <a:pPr marL="0" indent="0">
-              <a:buNone/>
-            </a:pPr>
-            <a:r>
-              <a:rPr lang="nl-NL" sz="2000" noProof="0" dirty="0"/>
-              <a:t>Classes bundelen:</a:t>
-            </a:r>
-          </a:p>
-          <a:p>
-            <a:pPr>
-              <a:buFontTx/>
-              <a:buChar char="-"/>
-            </a:pPr>
-            <a:r>
-              <a:rPr lang="nl-NL" sz="2000" noProof="0" dirty="0"/>
-              <a:t>Variabelen	  </a:t>
-            </a:r>
-            <a:r>
-              <a:rPr lang="nl-NL" sz="2000" noProof="0" dirty="0" err="1"/>
-              <a:t>properties</a:t>
-            </a:r>
-            <a:r>
-              <a:rPr lang="nl-NL" sz="2000" noProof="0" dirty="0"/>
-              <a:t>    (state)</a:t>
-            </a:r>
-          </a:p>
-          <a:p>
-            <a:pPr>
-              <a:buFontTx/>
-              <a:buChar char="-"/>
-            </a:pPr>
-            <a:r>
-              <a:rPr lang="nl-NL" sz="2000" noProof="0" dirty="0"/>
-              <a:t>Functies	  </a:t>
-            </a:r>
-            <a:r>
-              <a:rPr lang="nl-NL" sz="2000" noProof="0" dirty="0" err="1"/>
-              <a:t>methods</a:t>
-            </a:r>
-            <a:r>
-              <a:rPr lang="nl-NL" sz="2000" noProof="0" dirty="0"/>
-              <a:t>       (</a:t>
-            </a:r>
-            <a:r>
-              <a:rPr lang="nl-NL" sz="2000" noProof="0" dirty="0" err="1"/>
-              <a:t>behavior</a:t>
-            </a:r>
-            <a:r>
-              <a:rPr lang="nl-NL" sz="2000" noProof="0" dirty="0"/>
-              <a:t>)</a:t>
-            </a:r>
-          </a:p>
-          <a:p>
-            <a:pPr marL="0" indent="0">
-              <a:buNone/>
-            </a:pPr>
-            <a:endParaRPr lang="nl-NL" sz="2000" noProof="0" dirty="0"/>
-          </a:p>
-          <a:p>
-            <a:pPr marL="0" indent="0">
-              <a:buNone/>
-            </a:pPr>
-            <a:endParaRPr lang="nl-NL" sz="2000" noProof="0" dirty="0"/>
+            <a:pPr marL="457200" indent="-457200">
+              <a:buFont typeface="Arial" panose="020B0604020202020204" pitchFamily="34" charset="0"/>
+              <a:buAutoNum type="arabicPeriod"/>
+            </a:pPr>
+            <a:r>
+              <a:rPr lang="nl-NL" sz="2000" dirty="0"/>
+              <a:t>Open Notebook </a:t>
+            </a:r>
+            <a:r>
+              <a:rPr lang="nl-NL" sz="2000" dirty="0" err="1">
+                <a:latin typeface="Courier New" panose="02070309020205020404" pitchFamily="49" charset="0"/>
+                <a:cs typeface="Courier New" panose="02070309020205020404" pitchFamily="49" charset="0"/>
+              </a:rPr>
+              <a:t>exercises</a:t>
+            </a:r>
+            <a:r>
+              <a:rPr lang="nl-NL" sz="2000" dirty="0">
+                <a:latin typeface="Courier New" panose="02070309020205020404" pitchFamily="49" charset="0"/>
+                <a:cs typeface="Courier New" panose="02070309020205020404" pitchFamily="49" charset="0"/>
+              </a:rPr>
+              <a:t>/4_fuzzy_dict.ipynb</a:t>
+            </a:r>
+          </a:p>
+          <a:p>
+            <a:pPr marL="457200" indent="-457200">
+              <a:buFont typeface="Arial" panose="020B0604020202020204" pitchFamily="34" charset="0"/>
+              <a:buAutoNum type="arabicPeriod"/>
+            </a:pPr>
+            <a:endParaRPr lang="nl-NL" sz="2000" dirty="0"/>
+          </a:p>
+          <a:p>
+            <a:pPr marL="457200" indent="-457200">
+              <a:buFont typeface="Arial" panose="020B0604020202020204" pitchFamily="34" charset="0"/>
+              <a:buAutoNum type="arabicPeriod"/>
+            </a:pPr>
+            <a:r>
+              <a:rPr lang="nl-NL" sz="2000" dirty="0"/>
+              <a:t>Werk de </a:t>
+            </a:r>
+            <a:r>
+              <a:rPr lang="nl-NL" sz="2000" dirty="0" err="1">
+                <a:latin typeface="Courier New" panose="02070309020205020404" pitchFamily="49" charset="0"/>
+                <a:cs typeface="Courier New" panose="02070309020205020404" pitchFamily="49" charset="0"/>
+              </a:rPr>
+              <a:t>FuzzyDict</a:t>
+            </a:r>
+            <a:r>
+              <a:rPr lang="nl-NL" sz="2000" dirty="0"/>
+              <a:t> class uit als </a:t>
+            </a:r>
+            <a:r>
+              <a:rPr lang="nl-NL" sz="2000" dirty="0" err="1"/>
+              <a:t>dict</a:t>
+            </a:r>
+            <a:r>
+              <a:rPr lang="nl-NL" sz="2000" dirty="0"/>
+              <a:t> dat niet hoofdlettergevoelig is:</a:t>
+            </a:r>
+          </a:p>
+          <a:p>
+            <a:pPr marL="457200" indent="-457200">
+              <a:buFont typeface="Arial" panose="020B0604020202020204" pitchFamily="34" charset="0"/>
+              <a:buAutoNum type="arabicPeriod"/>
+            </a:pPr>
+            <a:endParaRPr lang="nl-NL" sz="2000" dirty="0"/>
+          </a:p>
+          <a:p>
+            <a:pPr lvl="1"/>
+            <a:r>
+              <a:rPr lang="nl-NL" sz="1600" dirty="0" err="1">
+                <a:latin typeface="Courier New" panose="02070309020205020404" pitchFamily="49" charset="0"/>
+                <a:cs typeface="Courier New" panose="02070309020205020404" pitchFamily="49" charset="0"/>
+              </a:rPr>
+              <a:t>fuzzydict</a:t>
+            </a:r>
+            <a:r>
+              <a:rPr lang="nl-NL" sz="1600" dirty="0">
+                <a:latin typeface="Courier New" panose="02070309020205020404" pitchFamily="49" charset="0"/>
+                <a:cs typeface="Courier New" panose="02070309020205020404" pitchFamily="49" charset="0"/>
+              </a:rPr>
+              <a:t>["NAAM"]</a:t>
+            </a:r>
+            <a:r>
+              <a:rPr lang="nl-NL" sz="1600" dirty="0"/>
+              <a:t> is gelijk aan </a:t>
+            </a:r>
+            <a:r>
+              <a:rPr lang="nl-NL" sz="1600" dirty="0" err="1">
+                <a:latin typeface="Courier New" panose="02070309020205020404" pitchFamily="49" charset="0"/>
+                <a:cs typeface="Courier New" panose="02070309020205020404" pitchFamily="49" charset="0"/>
+              </a:rPr>
+              <a:t>fuzzydict</a:t>
+            </a:r>
+            <a:r>
+              <a:rPr lang="nl-NL" sz="1600" dirty="0">
+                <a:latin typeface="Courier New" panose="02070309020205020404" pitchFamily="49" charset="0"/>
+                <a:cs typeface="Courier New" panose="02070309020205020404" pitchFamily="49" charset="0"/>
+              </a:rPr>
+              <a:t>["naam"]</a:t>
+            </a:r>
+            <a:endParaRPr lang="nl-NL" sz="1600" dirty="0"/>
+          </a:p>
+          <a:p>
+            <a:pPr lvl="1"/>
+            <a:r>
+              <a:rPr lang="nl-NL" sz="1600" dirty="0" err="1">
+                <a:latin typeface="Courier New" panose="02070309020205020404" pitchFamily="49" charset="0"/>
+                <a:cs typeface="Courier New" panose="02070309020205020404" pitchFamily="49" charset="0"/>
+              </a:rPr>
+              <a:t>fuzzydict</a:t>
+            </a:r>
+            <a:r>
+              <a:rPr lang="nl-NL" sz="1600" dirty="0">
+                <a:latin typeface="Courier New" panose="02070309020205020404" pitchFamily="49" charset="0"/>
+                <a:cs typeface="Courier New" panose="02070309020205020404" pitchFamily="49" charset="0"/>
+              </a:rPr>
+              <a:t>["NAAM"] = "Henk"</a:t>
+            </a:r>
+            <a:r>
+              <a:rPr lang="nl-NL" sz="1600" dirty="0"/>
+              <a:t> is gelijk aan </a:t>
+            </a:r>
+            <a:r>
+              <a:rPr lang="nl-NL" sz="1600" dirty="0" err="1">
+                <a:latin typeface="Courier New" panose="02070309020205020404" pitchFamily="49" charset="0"/>
+                <a:cs typeface="Courier New" panose="02070309020205020404" pitchFamily="49" charset="0"/>
+              </a:rPr>
+              <a:t>fuzzydict</a:t>
+            </a:r>
+            <a:r>
+              <a:rPr lang="nl-NL" sz="1600" dirty="0">
+                <a:latin typeface="Courier New" panose="02070309020205020404" pitchFamily="49" charset="0"/>
+                <a:cs typeface="Courier New" panose="02070309020205020404" pitchFamily="49" charset="0"/>
+              </a:rPr>
+              <a:t>["naam"] = "Henk"</a:t>
+            </a:r>
+            <a:endParaRPr lang="nl-NL" sz="1200" dirty="0"/>
+          </a:p>
+          <a:p>
+            <a:pPr marL="457200" indent="-457200">
+              <a:buFont typeface="Arial" panose="020B0604020202020204" pitchFamily="34" charset="0"/>
+              <a:buAutoNum type="arabicPeriod"/>
+            </a:pPr>
+            <a:endParaRPr lang="nl-NL" sz="2000" dirty="0"/>
+          </a:p>
+          <a:p>
+            <a:pPr marL="457200" indent="-457200">
+              <a:buFont typeface="Arial" panose="020B0604020202020204" pitchFamily="34" charset="0"/>
+              <a:buAutoNum type="arabicPeriod"/>
+            </a:pPr>
+            <a:r>
+              <a:rPr lang="nl-NL" sz="2000" dirty="0"/>
+              <a:t>Gebruik:</a:t>
+            </a:r>
+          </a:p>
+          <a:p>
+            <a:pPr marL="0" indent="0">
+              <a:buNone/>
+            </a:pPr>
+            <a:r>
+              <a:rPr lang="nl-NL" sz="2000" dirty="0"/>
+              <a:t>	</a:t>
+            </a:r>
+            <a:r>
+              <a:rPr lang="nl-NL" sz="2000" dirty="0">
+                <a:latin typeface="Courier New" panose="02070309020205020404" pitchFamily="49" charset="0"/>
+                <a:cs typeface="Courier New" panose="02070309020205020404" pitchFamily="49" charset="0"/>
+              </a:rPr>
+              <a:t>__</a:t>
+            </a:r>
+            <a:r>
+              <a:rPr lang="nl-NL" sz="2000" dirty="0" err="1">
+                <a:latin typeface="Courier New" panose="02070309020205020404" pitchFamily="49" charset="0"/>
+                <a:cs typeface="Courier New" panose="02070309020205020404" pitchFamily="49" charset="0"/>
+              </a:rPr>
+              <a:t>getitem</a:t>
+            </a:r>
+            <a:r>
+              <a:rPr lang="nl-NL" sz="2000" dirty="0">
+                <a:latin typeface="Courier New" panose="02070309020205020404" pitchFamily="49" charset="0"/>
+                <a:cs typeface="Courier New" panose="02070309020205020404" pitchFamily="49" charset="0"/>
+              </a:rPr>
+              <a:t>__</a:t>
+            </a:r>
+            <a:r>
+              <a:rPr lang="nl-NL" sz="2000" dirty="0"/>
+              <a:t> om sleutels op te halen.</a:t>
+            </a:r>
+          </a:p>
+          <a:p>
+            <a:pPr marL="0" indent="0">
+              <a:buNone/>
+            </a:pPr>
+            <a:r>
+              <a:rPr lang="nl-NL" sz="2000" dirty="0"/>
+              <a:t>	</a:t>
+            </a:r>
+            <a:r>
+              <a:rPr lang="nl-NL" sz="2000" dirty="0">
+                <a:latin typeface="Courier New" panose="02070309020205020404" pitchFamily="49" charset="0"/>
+                <a:cs typeface="Courier New" panose="02070309020205020404" pitchFamily="49" charset="0"/>
+              </a:rPr>
+              <a:t>__</a:t>
+            </a:r>
+            <a:r>
+              <a:rPr lang="nl-NL" sz="2000" dirty="0" err="1">
+                <a:latin typeface="Courier New" panose="02070309020205020404" pitchFamily="49" charset="0"/>
+                <a:cs typeface="Courier New" panose="02070309020205020404" pitchFamily="49" charset="0"/>
+              </a:rPr>
+              <a:t>setitem</a:t>
+            </a:r>
+            <a:r>
+              <a:rPr lang="nl-NL" sz="2000" dirty="0">
+                <a:latin typeface="Courier New" panose="02070309020205020404" pitchFamily="49" charset="0"/>
+                <a:cs typeface="Courier New" panose="02070309020205020404" pitchFamily="49" charset="0"/>
+              </a:rPr>
+              <a:t>__</a:t>
+            </a:r>
+            <a:r>
+              <a:rPr lang="nl-NL" sz="2000" dirty="0"/>
+              <a:t> om waardes op te slaan.</a:t>
+            </a:r>
+          </a:p>
+          <a:p>
+            <a:pPr marL="457200" indent="-457200">
+              <a:buFont typeface="Arial" panose="020B0604020202020204" pitchFamily="34" charset="0"/>
+              <a:buAutoNum type="arabicPeriod"/>
+            </a:pPr>
+            <a:endParaRPr lang="nl-NL" sz="2000" dirty="0"/>
+          </a:p>
+          <a:p>
+            <a:pPr marL="0" indent="0">
+              <a:buNone/>
+            </a:pPr>
+            <a:r>
+              <a:rPr lang="nl-NL" sz="2000" dirty="0"/>
+              <a:t>Optioneel: </a:t>
+            </a:r>
+            <a:r>
+              <a:rPr lang="nl-NL" sz="2000" dirty="0">
+                <a:latin typeface="Courier New" panose="02070309020205020404" pitchFamily="49" charset="0"/>
+                <a:cs typeface="Courier New" panose="02070309020205020404" pitchFamily="49" charset="0"/>
+              </a:rPr>
+              <a:t>__</a:t>
+            </a:r>
+            <a:r>
+              <a:rPr lang="nl-NL" sz="2000" dirty="0" err="1">
+                <a:latin typeface="Courier New" panose="02070309020205020404" pitchFamily="49" charset="0"/>
+                <a:cs typeface="Courier New" panose="02070309020205020404" pitchFamily="49" charset="0"/>
+              </a:rPr>
+              <a:t>str</a:t>
+            </a:r>
+            <a:r>
+              <a:rPr lang="nl-NL" sz="2000" dirty="0">
+                <a:latin typeface="Courier New" panose="02070309020205020404" pitchFamily="49" charset="0"/>
+                <a:cs typeface="Courier New" panose="02070309020205020404" pitchFamily="49" charset="0"/>
+              </a:rPr>
+              <a:t>__ / __</a:t>
+            </a:r>
+            <a:r>
+              <a:rPr lang="nl-NL" sz="2000" dirty="0" err="1">
+                <a:latin typeface="Courier New" panose="02070309020205020404" pitchFamily="49" charset="0"/>
+                <a:cs typeface="Courier New" panose="02070309020205020404" pitchFamily="49" charset="0"/>
+              </a:rPr>
+              <a:t>repr</a:t>
+            </a:r>
+            <a:r>
+              <a:rPr lang="nl-NL" sz="2000" dirty="0">
+                <a:latin typeface="Courier New" panose="02070309020205020404" pitchFamily="49" charset="0"/>
+                <a:cs typeface="Courier New" panose="02070309020205020404" pitchFamily="49" charset="0"/>
+              </a:rPr>
+              <a:t>__ / __</a:t>
+            </a:r>
+            <a:r>
+              <a:rPr lang="nl-NL" sz="2000" dirty="0" err="1">
+                <a:latin typeface="Courier New" panose="02070309020205020404" pitchFamily="49" charset="0"/>
+                <a:cs typeface="Courier New" panose="02070309020205020404" pitchFamily="49" charset="0"/>
+              </a:rPr>
+              <a:t>len</a:t>
+            </a:r>
+            <a:r>
+              <a:rPr lang="nl-NL" sz="2000" dirty="0">
+                <a:latin typeface="Courier New" panose="02070309020205020404" pitchFamily="49" charset="0"/>
+                <a:cs typeface="Courier New" panose="02070309020205020404" pitchFamily="49" charset="0"/>
+              </a:rPr>
+              <a:t>__ / </a:t>
+            </a:r>
+            <a:r>
+              <a:rPr lang="nl-NL" sz="2000" dirty="0" err="1">
+                <a:latin typeface="Courier New" panose="02070309020205020404" pitchFamily="49" charset="0"/>
+                <a:cs typeface="Courier New" panose="02070309020205020404" pitchFamily="49" charset="0"/>
+              </a:rPr>
+              <a:t>keys</a:t>
+            </a:r>
+            <a:r>
+              <a:rPr lang="nl-NL" sz="2000" dirty="0">
+                <a:latin typeface="Courier New" panose="02070309020205020404" pitchFamily="49" charset="0"/>
+                <a:cs typeface="Courier New" panose="02070309020205020404" pitchFamily="49" charset="0"/>
+              </a:rPr>
+              <a:t> / </a:t>
+            </a:r>
+            <a:r>
+              <a:rPr lang="nl-NL" sz="2000" dirty="0" err="1">
+                <a:latin typeface="Courier New" panose="02070309020205020404" pitchFamily="49" charset="0"/>
+                <a:cs typeface="Courier New" panose="02070309020205020404" pitchFamily="49" charset="0"/>
+              </a:rPr>
+              <a:t>values</a:t>
+            </a:r>
+            <a:r>
+              <a:rPr lang="nl-NL" sz="2000" dirty="0">
+                <a:latin typeface="Courier New" panose="02070309020205020404" pitchFamily="49" charset="0"/>
+                <a:cs typeface="Courier New" panose="02070309020205020404" pitchFamily="49" charset="0"/>
+              </a:rPr>
+              <a:t> / items</a:t>
+            </a:r>
           </a:p>
         </p:txBody>
       </p:sp>
     </p:spTree>
     <p:extLst>
       <p:ext uri="{BB962C8B-B14F-4D97-AF65-F5344CB8AC3E}">
-        <p14:creationId xmlns:p14="http://schemas.microsoft.com/office/powerpoint/2010/main" val="3078479861"/>
+        <p14:creationId xmlns:p14="http://schemas.microsoft.com/office/powerpoint/2010/main" val="4287688984"/>
       </p:ext>
     </p:extLst>
   </p:cSld>
@@ -25765,6 +25798,4784 @@
           <a:p>
             <a:r>
               <a:rPr lang="nl-NL" sz="3600" noProof="0" dirty="0"/>
+              <a:t>Overerving</a:t>
+            </a:r>
+          </a:p>
+        </p:txBody>
+      </p:sp>
+      <p:sp>
+        <p:nvSpPr>
+          <p:cNvPr id="8" name="Rectangle 7">
+            <a:extLst>
+              <a:ext uri="{FF2B5EF4-FFF2-40B4-BE49-F238E27FC236}">
+                <a16:creationId xmlns:a16="http://schemas.microsoft.com/office/drawing/2014/main" id="{8F8A90BB-468A-6D0A-002C-262602B18B4B}"/>
+              </a:ext>
+            </a:extLst>
+          </p:cNvPr>
+          <p:cNvSpPr/>
+          <p:nvPr/>
+        </p:nvSpPr>
+        <p:spPr>
+          <a:xfrm>
+            <a:off x="8119533" y="724430"/>
+            <a:ext cx="2368547" cy="2189973"/>
+          </a:xfrm>
+          <a:prstGeom prst="rect">
+            <a:avLst/>
+          </a:prstGeom>
+        </p:spPr>
+        <p:style>
+          <a:lnRef idx="1">
+            <a:schemeClr val="accent4"/>
+          </a:lnRef>
+          <a:fillRef idx="2">
+            <a:schemeClr val="accent4"/>
+          </a:fillRef>
+          <a:effectRef idx="1">
+            <a:schemeClr val="accent4"/>
+          </a:effectRef>
+          <a:fontRef idx="minor">
+            <a:schemeClr val="dk1"/>
+          </a:fontRef>
+        </p:style>
+        <p:txBody>
+          <a:bodyPr lIns="180000" tIns="180000" rIns="180000" bIns="180000" rtlCol="0" anchor="t"/>
+          <a:lstStyle/>
+          <a:p>
+            <a:pPr algn="ctr"/>
+            <a:r>
+              <a:rPr lang="nl-NL" b="1" dirty="0">
+                <a:latin typeface="Courier New" panose="02070309020205020404" pitchFamily="49" charset="0"/>
+                <a:cs typeface="Courier New" panose="02070309020205020404" pitchFamily="49" charset="0"/>
+              </a:rPr>
+              <a:t>Voertuig</a:t>
+            </a:r>
+          </a:p>
+          <a:p>
+            <a:pPr marL="285750" indent="-285750">
+              <a:buFontTx/>
+              <a:buChar char="-"/>
+            </a:pPr>
+            <a:endParaRPr lang="nl-NL" sz="1400" dirty="0">
+              <a:latin typeface="Courier New" panose="02070309020205020404" pitchFamily="49" charset="0"/>
+              <a:cs typeface="Courier New" panose="02070309020205020404" pitchFamily="49" charset="0"/>
+            </a:endParaRPr>
+          </a:p>
+          <a:p>
+            <a:pPr marL="285750" indent="-285750">
+              <a:buFontTx/>
+              <a:buChar char="-"/>
+            </a:pPr>
+            <a:r>
+              <a:rPr lang="nl-NL" sz="1400" dirty="0">
+                <a:latin typeface="Courier New" panose="02070309020205020404" pitchFamily="49" charset="0"/>
+                <a:cs typeface="Courier New" panose="02070309020205020404" pitchFamily="49" charset="0"/>
+              </a:rPr>
+              <a:t>afmetingen</a:t>
+            </a:r>
+          </a:p>
+          <a:p>
+            <a:pPr marL="285750" indent="-285750">
+              <a:buFontTx/>
+              <a:buChar char="-"/>
+            </a:pPr>
+            <a:r>
+              <a:rPr lang="nl-NL" sz="1400" dirty="0">
+                <a:latin typeface="Courier New" panose="02070309020205020404" pitchFamily="49" charset="0"/>
+                <a:cs typeface="Courier New" panose="02070309020205020404" pitchFamily="49" charset="0"/>
+              </a:rPr>
+              <a:t>prijs</a:t>
+            </a:r>
+          </a:p>
+          <a:p>
+            <a:pPr marL="285750" indent="-285750">
+              <a:buFontTx/>
+              <a:buChar char="-"/>
+            </a:pPr>
+            <a:r>
+              <a:rPr lang="nl-NL" sz="1400" dirty="0">
+                <a:latin typeface="Courier New" panose="02070309020205020404" pitchFamily="49" charset="0"/>
+                <a:cs typeface="Courier New" panose="02070309020205020404" pitchFamily="49" charset="0"/>
+              </a:rPr>
+              <a:t>verplaatsen()</a:t>
+            </a:r>
+          </a:p>
+        </p:txBody>
+      </p:sp>
+      <p:sp>
+        <p:nvSpPr>
+          <p:cNvPr id="9" name="Rectangle 8">
+            <a:extLst>
+              <a:ext uri="{FF2B5EF4-FFF2-40B4-BE49-F238E27FC236}">
+                <a16:creationId xmlns:a16="http://schemas.microsoft.com/office/drawing/2014/main" id="{4F0F36A3-E63F-438C-664E-6CCFFF26537D}"/>
+              </a:ext>
+            </a:extLst>
+          </p:cNvPr>
+          <p:cNvSpPr/>
+          <p:nvPr/>
+        </p:nvSpPr>
+        <p:spPr>
+          <a:xfrm>
+            <a:off x="6781803" y="3664726"/>
+            <a:ext cx="2368547" cy="2189974"/>
+          </a:xfrm>
+          <a:prstGeom prst="rect">
+            <a:avLst/>
+          </a:prstGeom>
+        </p:spPr>
+        <p:style>
+          <a:lnRef idx="1">
+            <a:schemeClr val="accent5"/>
+          </a:lnRef>
+          <a:fillRef idx="2">
+            <a:schemeClr val="accent5"/>
+          </a:fillRef>
+          <a:effectRef idx="1">
+            <a:schemeClr val="accent5"/>
+          </a:effectRef>
+          <a:fontRef idx="minor">
+            <a:schemeClr val="dk1"/>
+          </a:fontRef>
+        </p:style>
+        <p:txBody>
+          <a:bodyPr lIns="180000" tIns="180000" rIns="180000" bIns="180000" rtlCol="0" anchor="t"/>
+          <a:lstStyle/>
+          <a:p>
+            <a:pPr algn="ctr"/>
+            <a:r>
+              <a:rPr lang="nl-NL" b="1" dirty="0">
+                <a:latin typeface="Courier New" panose="02070309020205020404" pitchFamily="49" charset="0"/>
+                <a:cs typeface="Courier New" panose="02070309020205020404" pitchFamily="49" charset="0"/>
+              </a:rPr>
+              <a:t>Auto</a:t>
+            </a:r>
+          </a:p>
+          <a:p>
+            <a:pPr marL="285750" indent="-285750">
+              <a:buFontTx/>
+              <a:buChar char="-"/>
+            </a:pPr>
+            <a:endParaRPr lang="nl-NL" sz="1400" dirty="0">
+              <a:latin typeface="Courier New" panose="02070309020205020404" pitchFamily="49" charset="0"/>
+              <a:cs typeface="Courier New" panose="02070309020205020404" pitchFamily="49" charset="0"/>
+            </a:endParaRPr>
+          </a:p>
+          <a:p>
+            <a:pPr marL="285750" indent="-285750">
+              <a:buFontTx/>
+              <a:buChar char="-"/>
+            </a:pPr>
+            <a:r>
+              <a:rPr lang="nl-NL" sz="1400" dirty="0">
+                <a:solidFill>
+                  <a:schemeClr val="tx1"/>
+                </a:solidFill>
+                <a:latin typeface="Courier New" panose="02070309020205020404" pitchFamily="49" charset="0"/>
+                <a:cs typeface="Courier New" panose="02070309020205020404" pitchFamily="49" charset="0"/>
+              </a:rPr>
+              <a:t>afmetingen</a:t>
+            </a:r>
+          </a:p>
+          <a:p>
+            <a:pPr marL="285750" indent="-285750">
+              <a:buFontTx/>
+              <a:buChar char="-"/>
+            </a:pPr>
+            <a:r>
+              <a:rPr lang="nl-NL" sz="1400" dirty="0">
+                <a:solidFill>
+                  <a:schemeClr val="tx1"/>
+                </a:solidFill>
+                <a:latin typeface="Courier New" panose="02070309020205020404" pitchFamily="49" charset="0"/>
+                <a:cs typeface="Courier New" panose="02070309020205020404" pitchFamily="49" charset="0"/>
+              </a:rPr>
+              <a:t>prijs</a:t>
+            </a:r>
+          </a:p>
+          <a:p>
+            <a:pPr marL="285750" indent="-285750">
+              <a:buFontTx/>
+              <a:buChar char="-"/>
+            </a:pPr>
+            <a:r>
+              <a:rPr lang="nl-NL" sz="1400" dirty="0">
+                <a:solidFill>
+                  <a:schemeClr val="tx1"/>
+                </a:solidFill>
+                <a:latin typeface="Courier New" panose="02070309020205020404" pitchFamily="49" charset="0"/>
+                <a:cs typeface="Courier New" panose="02070309020205020404" pitchFamily="49" charset="0"/>
+              </a:rPr>
+              <a:t>verplaatsen()</a:t>
+            </a:r>
+          </a:p>
+          <a:p>
+            <a:endParaRPr lang="nl-NL" sz="1400" dirty="0">
+              <a:latin typeface="Courier New" panose="02070309020205020404" pitchFamily="49" charset="0"/>
+              <a:cs typeface="Courier New" panose="02070309020205020404" pitchFamily="49" charset="0"/>
+            </a:endParaRPr>
+          </a:p>
+          <a:p>
+            <a:pPr marL="285750" indent="-285750">
+              <a:buFontTx/>
+              <a:buChar char="-"/>
+            </a:pPr>
+            <a:r>
+              <a:rPr lang="nl-NL" sz="1400" dirty="0">
+                <a:latin typeface="Courier New" panose="02070309020205020404" pitchFamily="49" charset="0"/>
+                <a:cs typeface="Courier New" panose="02070309020205020404" pitchFamily="49" charset="0"/>
+              </a:rPr>
+              <a:t>zitplaatsen</a:t>
+            </a:r>
+          </a:p>
+          <a:p>
+            <a:pPr marL="285750" indent="-285750">
+              <a:buFontTx/>
+              <a:buChar char="-"/>
+            </a:pPr>
+            <a:r>
+              <a:rPr lang="nl-NL" sz="1400" dirty="0">
+                <a:latin typeface="Courier New" panose="02070309020205020404" pitchFamily="49" charset="0"/>
+                <a:cs typeface="Courier New" panose="02070309020205020404" pitchFamily="49" charset="0"/>
+              </a:rPr>
+              <a:t>trekhaak</a:t>
+            </a:r>
+          </a:p>
+        </p:txBody>
+      </p:sp>
+      <p:sp>
+        <p:nvSpPr>
+          <p:cNvPr id="24" name="Rectangle 23">
+            <a:extLst>
+              <a:ext uri="{FF2B5EF4-FFF2-40B4-BE49-F238E27FC236}">
+                <a16:creationId xmlns:a16="http://schemas.microsoft.com/office/drawing/2014/main" id="{1A4682BB-885A-5C60-F919-EE42752F11CB}"/>
+              </a:ext>
+            </a:extLst>
+          </p:cNvPr>
+          <p:cNvSpPr/>
+          <p:nvPr/>
+        </p:nvSpPr>
+        <p:spPr>
+          <a:xfrm>
+            <a:off x="9518650" y="3664725"/>
+            <a:ext cx="2368547" cy="2189974"/>
+          </a:xfrm>
+          <a:prstGeom prst="rect">
+            <a:avLst/>
+          </a:prstGeom>
+        </p:spPr>
+        <p:style>
+          <a:lnRef idx="1">
+            <a:schemeClr val="accent6"/>
+          </a:lnRef>
+          <a:fillRef idx="2">
+            <a:schemeClr val="accent6"/>
+          </a:fillRef>
+          <a:effectRef idx="1">
+            <a:schemeClr val="accent6"/>
+          </a:effectRef>
+          <a:fontRef idx="minor">
+            <a:schemeClr val="dk1"/>
+          </a:fontRef>
+        </p:style>
+        <p:txBody>
+          <a:bodyPr lIns="180000" tIns="180000" rIns="180000" bIns="180000" rtlCol="0" anchor="t"/>
+          <a:lstStyle/>
+          <a:p>
+            <a:pPr algn="ctr"/>
+            <a:r>
+              <a:rPr lang="nl-NL" b="1" dirty="0">
+                <a:latin typeface="Courier New" panose="02070309020205020404" pitchFamily="49" charset="0"/>
+                <a:cs typeface="Courier New" panose="02070309020205020404" pitchFamily="49" charset="0"/>
+              </a:rPr>
+              <a:t>Vrachtwagen</a:t>
+            </a:r>
+            <a:endParaRPr lang="nl-NL" dirty="0">
+              <a:latin typeface="Courier New" panose="02070309020205020404" pitchFamily="49" charset="0"/>
+              <a:cs typeface="Courier New" panose="02070309020205020404" pitchFamily="49" charset="0"/>
+            </a:endParaRPr>
+          </a:p>
+          <a:p>
+            <a:pPr marL="285750" indent="-285750">
+              <a:buFontTx/>
+              <a:buChar char="-"/>
+            </a:pPr>
+            <a:endParaRPr lang="nl-NL" sz="1400" dirty="0">
+              <a:latin typeface="Courier New" panose="02070309020205020404" pitchFamily="49" charset="0"/>
+              <a:cs typeface="Courier New" panose="02070309020205020404" pitchFamily="49" charset="0"/>
+            </a:endParaRPr>
+          </a:p>
+          <a:p>
+            <a:pPr marL="285750" indent="-285750">
+              <a:buFontTx/>
+              <a:buChar char="-"/>
+            </a:pPr>
+            <a:r>
+              <a:rPr lang="nl-NL" sz="1400" dirty="0">
+                <a:solidFill>
+                  <a:schemeClr val="tx1"/>
+                </a:solidFill>
+                <a:latin typeface="Courier New" panose="02070309020205020404" pitchFamily="49" charset="0"/>
+                <a:cs typeface="Courier New" panose="02070309020205020404" pitchFamily="49" charset="0"/>
+              </a:rPr>
+              <a:t>afmetingen</a:t>
+            </a:r>
+          </a:p>
+          <a:p>
+            <a:pPr marL="285750" indent="-285750">
+              <a:buFontTx/>
+              <a:buChar char="-"/>
+            </a:pPr>
+            <a:r>
+              <a:rPr lang="nl-NL" sz="1400" dirty="0">
+                <a:solidFill>
+                  <a:schemeClr val="tx1"/>
+                </a:solidFill>
+                <a:latin typeface="Courier New" panose="02070309020205020404" pitchFamily="49" charset="0"/>
+                <a:cs typeface="Courier New" panose="02070309020205020404" pitchFamily="49" charset="0"/>
+              </a:rPr>
+              <a:t>prijs</a:t>
+            </a:r>
+          </a:p>
+          <a:p>
+            <a:pPr marL="285750" indent="-285750">
+              <a:buFontTx/>
+              <a:buChar char="-"/>
+            </a:pPr>
+            <a:r>
+              <a:rPr lang="nl-NL" sz="1400" dirty="0">
+                <a:solidFill>
+                  <a:schemeClr val="tx1"/>
+                </a:solidFill>
+                <a:latin typeface="Courier New" panose="02070309020205020404" pitchFamily="49" charset="0"/>
+                <a:cs typeface="Courier New" panose="02070309020205020404" pitchFamily="49" charset="0"/>
+              </a:rPr>
+              <a:t>verplaatsen()</a:t>
+            </a:r>
+          </a:p>
+          <a:p>
+            <a:pPr marL="285750" indent="-285750">
+              <a:buFontTx/>
+              <a:buChar char="-"/>
+            </a:pPr>
+            <a:endParaRPr lang="nl-NL" sz="1400" dirty="0">
+              <a:latin typeface="Courier New" panose="02070309020205020404" pitchFamily="49" charset="0"/>
+              <a:cs typeface="Courier New" panose="02070309020205020404" pitchFamily="49" charset="0"/>
+            </a:endParaRPr>
+          </a:p>
+          <a:p>
+            <a:pPr marL="285750" indent="-285750">
+              <a:buFontTx/>
+              <a:buChar char="-"/>
+            </a:pPr>
+            <a:r>
+              <a:rPr lang="nl-NL" sz="1400" dirty="0" err="1">
+                <a:latin typeface="Courier New" panose="02070309020205020404" pitchFamily="49" charset="0"/>
+                <a:cs typeface="Courier New" panose="02070309020205020404" pitchFamily="49" charset="0"/>
+              </a:rPr>
+              <a:t>aantal_assen</a:t>
+            </a:r>
+            <a:endParaRPr lang="nl-NL" sz="1400" dirty="0">
+              <a:latin typeface="Courier New" panose="02070309020205020404" pitchFamily="49" charset="0"/>
+              <a:cs typeface="Courier New" panose="02070309020205020404" pitchFamily="49" charset="0"/>
+            </a:endParaRPr>
+          </a:p>
+          <a:p>
+            <a:pPr marL="285750" indent="-285750">
+              <a:buFontTx/>
+              <a:buChar char="-"/>
+            </a:pPr>
+            <a:r>
+              <a:rPr lang="nl-NL" sz="1400" dirty="0" err="1">
+                <a:latin typeface="Courier New" panose="02070309020205020404" pitchFamily="49" charset="0"/>
+                <a:cs typeface="Courier New" panose="02070309020205020404" pitchFamily="49" charset="0"/>
+              </a:rPr>
+              <a:t>max_lading</a:t>
+            </a:r>
+            <a:endParaRPr lang="nl-NL" sz="1400" dirty="0">
+              <a:latin typeface="Courier New" panose="02070309020205020404" pitchFamily="49" charset="0"/>
+              <a:cs typeface="Courier New" panose="02070309020205020404" pitchFamily="49" charset="0"/>
+            </a:endParaRPr>
+          </a:p>
+        </p:txBody>
+      </p:sp>
+      <p:sp>
+        <p:nvSpPr>
+          <p:cNvPr id="39" name="Content Placeholder 2">
+            <a:extLst>
+              <a:ext uri="{FF2B5EF4-FFF2-40B4-BE49-F238E27FC236}">
+                <a16:creationId xmlns:a16="http://schemas.microsoft.com/office/drawing/2014/main" id="{0D9BB673-766C-2B9E-E2A1-0A38CF168E71}"/>
+              </a:ext>
+            </a:extLst>
+          </p:cNvPr>
+          <p:cNvSpPr>
+            <a:spLocks noGrp="1"/>
+          </p:cNvSpPr>
+          <p:nvPr>
+            <p:ph idx="1"/>
+          </p:nvPr>
+        </p:nvSpPr>
+        <p:spPr>
+          <a:xfrm>
+            <a:off x="838200" y="1456267"/>
+            <a:ext cx="4940300" cy="4720696"/>
+          </a:xfrm>
+        </p:spPr>
+        <p:txBody>
+          <a:bodyPr>
+            <a:normAutofit/>
+          </a:bodyPr>
+          <a:lstStyle/>
+          <a:p>
+            <a:pPr marL="0" indent="0">
+              <a:buNone/>
+            </a:pPr>
+            <a:r>
+              <a:rPr lang="nl-NL" sz="2000" noProof="0" dirty="0"/>
+              <a:t>Overerving: overnemen eigenschappen van een andere class.</a:t>
+            </a:r>
+          </a:p>
+          <a:p>
+            <a:pPr marL="0" indent="0">
+              <a:buNone/>
+            </a:pPr>
+            <a:endParaRPr lang="nl-NL" sz="2000" dirty="0"/>
+          </a:p>
+          <a:p>
+            <a:pPr marL="0" indent="0">
+              <a:buNone/>
+            </a:pPr>
+            <a:r>
+              <a:rPr lang="nl-NL" sz="2000" noProof="0" dirty="0"/>
+              <a:t>M.a.w. een andere class vormt de basis van de class.</a:t>
+            </a:r>
+          </a:p>
+          <a:p>
+            <a:pPr marL="0" indent="0">
+              <a:buNone/>
+            </a:pPr>
+            <a:endParaRPr lang="nl-NL" sz="2000" dirty="0"/>
+          </a:p>
+          <a:p>
+            <a:pPr marL="0" indent="0">
+              <a:buNone/>
+            </a:pPr>
+            <a:r>
+              <a:rPr lang="nl-NL" sz="2000" noProof="0" dirty="0"/>
+              <a:t>Overerving werkt via overschrijven:</a:t>
+            </a:r>
+          </a:p>
+          <a:p>
+            <a:pPr marL="457200" indent="-457200">
+              <a:buAutoNum type="arabicPeriod"/>
+            </a:pPr>
+            <a:endParaRPr lang="nl-NL" sz="2000" noProof="0" dirty="0"/>
+          </a:p>
+          <a:p>
+            <a:pPr marL="457200" indent="-457200">
+              <a:buAutoNum type="arabicPeriod"/>
+            </a:pPr>
+            <a:r>
+              <a:rPr lang="nl-NL" sz="2000" noProof="0" dirty="0"/>
+              <a:t>De nieuwe class krijgt alle eigenschappen van de oude.</a:t>
+            </a:r>
+          </a:p>
+          <a:p>
+            <a:pPr marL="457200" indent="-457200">
+              <a:buAutoNum type="arabicPeriod"/>
+            </a:pPr>
+            <a:r>
+              <a:rPr lang="nl-NL" sz="2000" dirty="0"/>
+              <a:t>Nieuwe eigenschappen vullen de oude aan of overschrijven deze.</a:t>
+            </a:r>
+            <a:endParaRPr lang="nl-NL" sz="2000" noProof="0" dirty="0"/>
+          </a:p>
+        </p:txBody>
+      </p:sp>
+      <p:cxnSp>
+        <p:nvCxnSpPr>
+          <p:cNvPr id="6" name="Connector: Elbow 5">
+            <a:extLst>
+              <a:ext uri="{FF2B5EF4-FFF2-40B4-BE49-F238E27FC236}">
+                <a16:creationId xmlns:a16="http://schemas.microsoft.com/office/drawing/2014/main" id="{3BA34EC5-79B8-5BCB-B5BE-F7367CAD8F12}"/>
+              </a:ext>
+            </a:extLst>
+          </p:cNvPr>
+          <p:cNvCxnSpPr>
+            <a:stCxn id="8" idx="2"/>
+            <a:endCxn id="9" idx="0"/>
+          </p:cNvCxnSpPr>
+          <p:nvPr/>
+        </p:nvCxnSpPr>
+        <p:spPr>
+          <a:xfrm rot="5400000">
+            <a:off x="8259781" y="2620699"/>
+            <a:ext cx="750323" cy="1337730"/>
+          </a:xfrm>
+          <a:prstGeom prst="bentConnector3">
+            <a:avLst/>
+          </a:prstGeom>
+          <a:ln>
+            <a:tailEnd type="triangle"/>
+          </a:ln>
+        </p:spPr>
+        <p:style>
+          <a:lnRef idx="2">
+            <a:schemeClr val="dk1"/>
+          </a:lnRef>
+          <a:fillRef idx="0">
+            <a:schemeClr val="dk1"/>
+          </a:fillRef>
+          <a:effectRef idx="1">
+            <a:schemeClr val="dk1"/>
+          </a:effectRef>
+          <a:fontRef idx="minor">
+            <a:schemeClr val="tx1"/>
+          </a:fontRef>
+        </p:style>
+      </p:cxnSp>
+      <p:cxnSp>
+        <p:nvCxnSpPr>
+          <p:cNvPr id="10" name="Connector: Elbow 9">
+            <a:extLst>
+              <a:ext uri="{FF2B5EF4-FFF2-40B4-BE49-F238E27FC236}">
+                <a16:creationId xmlns:a16="http://schemas.microsoft.com/office/drawing/2014/main" id="{2FE3FE61-57C2-FED8-1814-1B179B8CE73D}"/>
+              </a:ext>
+            </a:extLst>
+          </p:cNvPr>
+          <p:cNvCxnSpPr>
+            <a:stCxn id="8" idx="2"/>
+            <a:endCxn id="24" idx="0"/>
+          </p:cNvCxnSpPr>
+          <p:nvPr/>
+        </p:nvCxnSpPr>
+        <p:spPr>
+          <a:xfrm rot="16200000" flipH="1">
+            <a:off x="9628204" y="2590005"/>
+            <a:ext cx="750322" cy="1399117"/>
+          </a:xfrm>
+          <a:prstGeom prst="bentConnector3">
+            <a:avLst/>
+          </a:prstGeom>
+          <a:ln>
+            <a:tailEnd type="triangle"/>
+          </a:ln>
+        </p:spPr>
+        <p:style>
+          <a:lnRef idx="2">
+            <a:schemeClr val="dk1"/>
+          </a:lnRef>
+          <a:fillRef idx="0">
+            <a:schemeClr val="dk1"/>
+          </a:fillRef>
+          <a:effectRef idx="1">
+            <a:schemeClr val="dk1"/>
+          </a:effectRef>
+          <a:fontRef idx="minor">
+            <a:schemeClr val="tx1"/>
+          </a:fontRef>
+        </p:style>
+      </p:cxnSp>
+    </p:spTree>
+    <p:extLst>
+      <p:ext uri="{BB962C8B-B14F-4D97-AF65-F5344CB8AC3E}">
+        <p14:creationId xmlns:p14="http://schemas.microsoft.com/office/powerpoint/2010/main" val="3078479861"/>
+      </p:ext>
+    </p:extLst>
+  </p:cSld>
+  <p:clrMapOvr>
+    <a:masterClrMapping/>
+  </p:clrMapOvr>
+</p:sld>
+</file>
+
+<file path=ppt/slides/slide52.xml><?xml version="1.0" encoding="utf-8"?>
+<p:sld xmlns:a="http://schemas.openxmlformats.org/drawingml/2006/main" xmlns:r="http://schemas.openxmlformats.org/officeDocument/2006/relationships" xmlns:p="http://schemas.openxmlformats.org/presentationml/2006/main">
+  <p:cSld>
+    <p:spTree>
+      <p:nvGrpSpPr>
+        <p:cNvPr id="1" name=""/>
+        <p:cNvGrpSpPr/>
+        <p:nvPr/>
+      </p:nvGrpSpPr>
+      <p:grpSpPr>
+        <a:xfrm>
+          <a:off x="0" y="0"/>
+          <a:ext cx="0" cy="0"/>
+          <a:chOff x="0" y="0"/>
+          <a:chExt cx="0" cy="0"/>
+        </a:xfrm>
+      </p:grpSpPr>
+      <p:sp>
+        <p:nvSpPr>
+          <p:cNvPr id="2" name="Title 1">
+            <a:extLst>
+              <a:ext uri="{FF2B5EF4-FFF2-40B4-BE49-F238E27FC236}">
+                <a16:creationId xmlns:a16="http://schemas.microsoft.com/office/drawing/2014/main" id="{39A1D606-8DD1-369C-5C09-471CDD551AD5}"/>
+              </a:ext>
+            </a:extLst>
+          </p:cNvPr>
+          <p:cNvSpPr>
+            <a:spLocks noGrp="1"/>
+          </p:cNvSpPr>
+          <p:nvPr>
+            <p:ph type="title"/>
+          </p:nvPr>
+        </p:nvSpPr>
+        <p:spPr>
+          <a:xfrm>
+            <a:off x="838200" y="365126"/>
+            <a:ext cx="10515600" cy="718608"/>
+          </a:xfrm>
+        </p:spPr>
+        <p:txBody>
+          <a:bodyPr>
+            <a:normAutofit/>
+          </a:bodyPr>
+          <a:lstStyle/>
+          <a:p>
+            <a:r>
+              <a:rPr lang="nl-NL" sz="3600" noProof="0" dirty="0"/>
+              <a:t>Overerving van meerdere classes</a:t>
+            </a:r>
+          </a:p>
+        </p:txBody>
+      </p:sp>
+      <p:graphicFrame>
+        <p:nvGraphicFramePr>
+          <p:cNvPr id="13" name="Table 13">
+            <a:extLst>
+              <a:ext uri="{FF2B5EF4-FFF2-40B4-BE49-F238E27FC236}">
+                <a16:creationId xmlns:a16="http://schemas.microsoft.com/office/drawing/2014/main" id="{B27AE4E2-70D6-7A0D-E69B-B672CD55466D}"/>
+              </a:ext>
+            </a:extLst>
+          </p:cNvPr>
+          <p:cNvGraphicFramePr>
+            <a:graphicFrameLocks noGrp="1"/>
+          </p:cNvGraphicFramePr>
+          <p:nvPr>
+            <p:extLst>
+              <p:ext uri="{D42A27DB-BD31-4B8C-83A1-F6EECF244321}">
+                <p14:modId xmlns:p14="http://schemas.microsoft.com/office/powerpoint/2010/main" val="2942716467"/>
+              </p:ext>
+            </p:extLst>
+          </p:nvPr>
+        </p:nvGraphicFramePr>
+        <p:xfrm>
+          <a:off x="838200" y="2199429"/>
+          <a:ext cx="4787901" cy="736600"/>
+        </p:xfrm>
+        <a:graphic>
+          <a:graphicData uri="http://schemas.openxmlformats.org/drawingml/2006/table">
+            <a:tbl>
+              <a:tblPr firstRow="1" bandRow="1">
+                <a:tableStyleId>{21E4AEA4-8DFA-4A89-87EB-49C32662AFE0}</a:tableStyleId>
+              </a:tblPr>
+              <a:tblGrid>
+                <a:gridCol w="1595967">
+                  <a:extLst>
+                    <a:ext uri="{9D8B030D-6E8A-4147-A177-3AD203B41FA5}">
+                      <a16:colId xmlns:a16="http://schemas.microsoft.com/office/drawing/2014/main" val="3073575854"/>
+                    </a:ext>
+                  </a:extLst>
+                </a:gridCol>
+                <a:gridCol w="1595967">
+                  <a:extLst>
+                    <a:ext uri="{9D8B030D-6E8A-4147-A177-3AD203B41FA5}">
+                      <a16:colId xmlns:a16="http://schemas.microsoft.com/office/drawing/2014/main" val="1785459708"/>
+                    </a:ext>
+                  </a:extLst>
+                </a:gridCol>
+                <a:gridCol w="1595967">
+                  <a:extLst>
+                    <a:ext uri="{9D8B030D-6E8A-4147-A177-3AD203B41FA5}">
+                      <a16:colId xmlns:a16="http://schemas.microsoft.com/office/drawing/2014/main" val="3617932867"/>
+                    </a:ext>
+                  </a:extLst>
+                </a:gridCol>
+              </a:tblGrid>
+              <a:tr h="0">
+                <a:tc gridSpan="3">
+                  <a:txBody>
+                    <a:bodyPr/>
+                    <a:lstStyle/>
+                    <a:p>
+                      <a:pPr algn="ctr"/>
+                      <a:r>
+                        <a:rPr lang="en-US" dirty="0">
+                          <a:latin typeface="Courier New" panose="02070309020205020404" pitchFamily="49" charset="0"/>
+                          <a:cs typeface="Courier New" panose="02070309020205020404" pitchFamily="49" charset="0"/>
+                        </a:rPr>
+                        <a:t>class C(B)</a:t>
+                      </a:r>
+                      <a:endParaRPr lang="en-NL" dirty="0">
+                        <a:latin typeface="Courier New" panose="02070309020205020404" pitchFamily="49" charset="0"/>
+                        <a:cs typeface="Courier New" panose="02070309020205020404" pitchFamily="49" charset="0"/>
+                      </a:endParaRPr>
+                    </a:p>
+                  </a:txBody>
+                  <a:tcPr/>
+                </a:tc>
+                <a:tc hMerge="1">
+                  <a:txBody>
+                    <a:bodyPr/>
+                    <a:lstStyle/>
+                    <a:p>
+                      <a:endParaRPr lang="en-NL" dirty="0"/>
+                    </a:p>
+                  </a:txBody>
+                  <a:tcPr/>
+                </a:tc>
+                <a:tc hMerge="1">
+                  <a:txBody>
+                    <a:bodyPr/>
+                    <a:lstStyle/>
+                    <a:p>
+                      <a:endParaRPr lang="en-NL" dirty="0"/>
+                    </a:p>
+                  </a:txBody>
+                  <a:tcPr/>
+                </a:tc>
+                <a:extLst>
+                  <a:ext uri="{0D108BD9-81ED-4DB2-BD59-A6C34878D82A}">
+                    <a16:rowId xmlns:a16="http://schemas.microsoft.com/office/drawing/2014/main" val="2290352773"/>
+                  </a:ext>
+                </a:extLst>
+              </a:tr>
+              <a:tr h="370840">
+                <a:tc>
+                  <a:txBody>
+                    <a:bodyPr/>
+                    <a:lstStyle/>
+                    <a:p>
+                      <a:pPr algn="ctr"/>
+                      <a:r>
+                        <a:rPr lang="en-US" b="1" dirty="0">
+                          <a:solidFill>
+                            <a:schemeClr val="accent6">
+                              <a:lumMod val="75000"/>
+                            </a:schemeClr>
+                          </a:solidFill>
+                          <a:latin typeface="Courier New" panose="02070309020205020404" pitchFamily="49" charset="0"/>
+                          <a:cs typeface="Courier New" panose="02070309020205020404" pitchFamily="49" charset="0"/>
+                        </a:rPr>
+                        <a:t>x</a:t>
+                      </a:r>
+                      <a:endParaRPr lang="en-NL" b="1" dirty="0">
+                        <a:solidFill>
+                          <a:schemeClr val="accent6">
+                            <a:lumMod val="75000"/>
+                          </a:schemeClr>
+                        </a:solidFill>
+                        <a:latin typeface="Courier New" panose="02070309020205020404" pitchFamily="49" charset="0"/>
+                        <a:cs typeface="Courier New" panose="02070309020205020404" pitchFamily="49" charset="0"/>
+                      </a:endParaRPr>
+                    </a:p>
+                  </a:txBody>
+                  <a:tcPr/>
+                </a:tc>
+                <a:tc>
+                  <a:txBody>
+                    <a:bodyPr/>
+                    <a:lstStyle/>
+                    <a:p>
+                      <a:pPr algn="ctr"/>
+                      <a:r>
+                        <a:rPr lang="en-US" b="1" dirty="0">
+                          <a:solidFill>
+                            <a:schemeClr val="accent5">
+                              <a:lumMod val="75000"/>
+                            </a:schemeClr>
+                          </a:solidFill>
+                          <a:latin typeface="Courier New" panose="02070309020205020404" pitchFamily="49" charset="0"/>
+                          <a:cs typeface="Courier New" panose="02070309020205020404" pitchFamily="49" charset="0"/>
+                        </a:rPr>
+                        <a:t>y</a:t>
+                      </a:r>
+                      <a:endParaRPr lang="en-NL" b="1" dirty="0">
+                        <a:solidFill>
+                          <a:schemeClr val="accent5">
+                            <a:lumMod val="75000"/>
+                          </a:schemeClr>
+                        </a:solidFill>
+                        <a:latin typeface="Courier New" panose="02070309020205020404" pitchFamily="49" charset="0"/>
+                        <a:cs typeface="Courier New" panose="02070309020205020404" pitchFamily="49" charset="0"/>
+                      </a:endParaRPr>
+                    </a:p>
+                  </a:txBody>
+                  <a:tcPr/>
+                </a:tc>
+                <a:tc>
+                  <a:txBody>
+                    <a:bodyPr/>
+                    <a:lstStyle/>
+                    <a:p>
+                      <a:pPr algn="ctr"/>
+                      <a:r>
+                        <a:rPr lang="en-US" b="1" dirty="0">
+                          <a:solidFill>
+                            <a:schemeClr val="accent2">
+                              <a:lumMod val="75000"/>
+                            </a:schemeClr>
+                          </a:solidFill>
+                          <a:latin typeface="Courier New" panose="02070309020205020404" pitchFamily="49" charset="0"/>
+                          <a:cs typeface="Courier New" panose="02070309020205020404" pitchFamily="49" charset="0"/>
+                        </a:rPr>
+                        <a:t>def z</a:t>
+                      </a:r>
+                      <a:endParaRPr lang="en-NL" b="1" dirty="0">
+                        <a:solidFill>
+                          <a:schemeClr val="accent2">
+                            <a:lumMod val="75000"/>
+                          </a:schemeClr>
+                        </a:solidFill>
+                        <a:latin typeface="Courier New" panose="02070309020205020404" pitchFamily="49" charset="0"/>
+                        <a:cs typeface="Courier New" panose="02070309020205020404" pitchFamily="49" charset="0"/>
+                      </a:endParaRPr>
+                    </a:p>
+                  </a:txBody>
+                  <a:tcPr/>
+                </a:tc>
+                <a:extLst>
+                  <a:ext uri="{0D108BD9-81ED-4DB2-BD59-A6C34878D82A}">
+                    <a16:rowId xmlns:a16="http://schemas.microsoft.com/office/drawing/2014/main" val="785041814"/>
+                  </a:ext>
+                </a:extLst>
+              </a:tr>
+            </a:tbl>
+          </a:graphicData>
+        </a:graphic>
+      </p:graphicFrame>
+      <p:graphicFrame>
+        <p:nvGraphicFramePr>
+          <p:cNvPr id="14" name="Table 13">
+            <a:extLst>
+              <a:ext uri="{FF2B5EF4-FFF2-40B4-BE49-F238E27FC236}">
+                <a16:creationId xmlns:a16="http://schemas.microsoft.com/office/drawing/2014/main" id="{D1E6095E-7DAB-1E45-97B7-08734FD4069A}"/>
+              </a:ext>
+            </a:extLst>
+          </p:cNvPr>
+          <p:cNvGraphicFramePr>
+            <a:graphicFrameLocks noGrp="1"/>
+          </p:cNvGraphicFramePr>
+          <p:nvPr>
+            <p:extLst>
+              <p:ext uri="{D42A27DB-BD31-4B8C-83A1-F6EECF244321}">
+                <p14:modId xmlns:p14="http://schemas.microsoft.com/office/powerpoint/2010/main" val="3222805855"/>
+              </p:ext>
+            </p:extLst>
+          </p:nvPr>
+        </p:nvGraphicFramePr>
+        <p:xfrm>
+          <a:off x="838199" y="3444665"/>
+          <a:ext cx="3191924" cy="736600"/>
+        </p:xfrm>
+        <a:graphic>
+          <a:graphicData uri="http://schemas.openxmlformats.org/drawingml/2006/table">
+            <a:tbl>
+              <a:tblPr firstRow="1" bandRow="1">
+                <a:tableStyleId>{93296810-A885-4BE3-A3E7-6D5BEEA58F35}</a:tableStyleId>
+              </a:tblPr>
+              <a:tblGrid>
+                <a:gridCol w="1595962">
+                  <a:extLst>
+                    <a:ext uri="{9D8B030D-6E8A-4147-A177-3AD203B41FA5}">
+                      <a16:colId xmlns:a16="http://schemas.microsoft.com/office/drawing/2014/main" val="3073575854"/>
+                    </a:ext>
+                  </a:extLst>
+                </a:gridCol>
+                <a:gridCol w="1595962">
+                  <a:extLst>
+                    <a:ext uri="{9D8B030D-6E8A-4147-A177-3AD203B41FA5}">
+                      <a16:colId xmlns:a16="http://schemas.microsoft.com/office/drawing/2014/main" val="4251551100"/>
+                    </a:ext>
+                  </a:extLst>
+                </a:gridCol>
+              </a:tblGrid>
+              <a:tr h="0">
+                <a:tc gridSpan="2">
+                  <a:txBody>
+                    <a:bodyPr/>
+                    <a:lstStyle/>
+                    <a:p>
+                      <a:pPr algn="ctr"/>
+                      <a:r>
+                        <a:rPr lang="en-US" dirty="0">
+                          <a:latin typeface="Courier New" panose="02070309020205020404" pitchFamily="49" charset="0"/>
+                          <a:cs typeface="Courier New" panose="02070309020205020404" pitchFamily="49" charset="0"/>
+                        </a:rPr>
+                        <a:t>class B(A)</a:t>
+                      </a:r>
+                      <a:endParaRPr lang="en-NL" dirty="0">
+                        <a:latin typeface="Courier New" panose="02070309020205020404" pitchFamily="49" charset="0"/>
+                        <a:cs typeface="Courier New" panose="02070309020205020404" pitchFamily="49" charset="0"/>
+                      </a:endParaRPr>
+                    </a:p>
+                  </a:txBody>
+                  <a:tcPr/>
+                </a:tc>
+                <a:tc hMerge="1">
+                  <a:txBody>
+                    <a:bodyPr/>
+                    <a:lstStyle/>
+                    <a:p>
+                      <a:pPr algn="ctr"/>
+                      <a:endParaRPr lang="en-NL" dirty="0">
+                        <a:latin typeface="Courier New" panose="02070309020205020404" pitchFamily="49" charset="0"/>
+                        <a:cs typeface="Courier New" panose="02070309020205020404" pitchFamily="49" charset="0"/>
+                      </a:endParaRPr>
+                    </a:p>
+                  </a:txBody>
+                  <a:tcPr/>
+                </a:tc>
+                <a:extLst>
+                  <a:ext uri="{0D108BD9-81ED-4DB2-BD59-A6C34878D82A}">
+                    <a16:rowId xmlns:a16="http://schemas.microsoft.com/office/drawing/2014/main" val="2290352773"/>
+                  </a:ext>
+                </a:extLst>
+              </a:tr>
+              <a:tr h="370840">
+                <a:tc>
+                  <a:txBody>
+                    <a:bodyPr/>
+                    <a:lstStyle/>
+                    <a:p>
+                      <a:pPr algn="ctr"/>
+                      <a:r>
+                        <a:rPr lang="en-US" b="1" dirty="0">
+                          <a:solidFill>
+                            <a:schemeClr val="accent6">
+                              <a:lumMod val="75000"/>
+                            </a:schemeClr>
+                          </a:solidFill>
+                          <a:latin typeface="Courier New" panose="02070309020205020404" pitchFamily="49" charset="0"/>
+                          <a:cs typeface="Courier New" panose="02070309020205020404" pitchFamily="49" charset="0"/>
+                        </a:rPr>
+                        <a:t>def x</a:t>
+                      </a:r>
+                      <a:endParaRPr lang="en-NL" b="1" dirty="0">
+                        <a:solidFill>
+                          <a:schemeClr val="accent6">
+                            <a:lumMod val="75000"/>
+                          </a:schemeClr>
+                        </a:solidFill>
+                        <a:latin typeface="Courier New" panose="02070309020205020404" pitchFamily="49" charset="0"/>
+                        <a:cs typeface="Courier New" panose="02070309020205020404" pitchFamily="49" charset="0"/>
+                      </a:endParaRPr>
+                    </a:p>
+                  </a:txBody>
+                  <a:tcPr/>
+                </a:tc>
+                <a:tc>
+                  <a:txBody>
+                    <a:bodyPr/>
+                    <a:lstStyle/>
+                    <a:p>
+                      <a:pPr marL="0" marR="0" lvl="0" indent="0" algn="ctr" defTabSz="914400" rtl="0" eaLnBrk="1" fontAlgn="auto" latinLnBrk="0" hangingPunct="1">
+                        <a:lnSpc>
+                          <a:spcPct val="100000"/>
+                        </a:lnSpc>
+                        <a:spcBef>
+                          <a:spcPts val="0"/>
+                        </a:spcBef>
+                        <a:spcAft>
+                          <a:spcPts val="0"/>
+                        </a:spcAft>
+                        <a:buClrTx/>
+                        <a:buSzTx/>
+                        <a:buFontTx/>
+                        <a:buNone/>
+                        <a:tabLst/>
+                        <a:defRPr/>
+                      </a:pPr>
+                      <a:r>
+                        <a:rPr lang="en-US" b="1" dirty="0">
+                          <a:solidFill>
+                            <a:schemeClr val="accent5">
+                              <a:lumMod val="75000"/>
+                            </a:schemeClr>
+                          </a:solidFill>
+                          <a:latin typeface="Courier New" panose="02070309020205020404" pitchFamily="49" charset="0"/>
+                          <a:cs typeface="Courier New" panose="02070309020205020404" pitchFamily="49" charset="0"/>
+                        </a:rPr>
+                        <a:t>y</a:t>
+                      </a:r>
+                      <a:endParaRPr lang="en-NL" b="1" dirty="0">
+                        <a:solidFill>
+                          <a:schemeClr val="accent5">
+                            <a:lumMod val="75000"/>
+                          </a:schemeClr>
+                        </a:solidFill>
+                        <a:latin typeface="Courier New" panose="02070309020205020404" pitchFamily="49" charset="0"/>
+                        <a:cs typeface="Courier New" panose="02070309020205020404" pitchFamily="49" charset="0"/>
+                      </a:endParaRPr>
+                    </a:p>
+                  </a:txBody>
+                  <a:tcPr/>
+                </a:tc>
+                <a:extLst>
+                  <a:ext uri="{0D108BD9-81ED-4DB2-BD59-A6C34878D82A}">
+                    <a16:rowId xmlns:a16="http://schemas.microsoft.com/office/drawing/2014/main" val="785041814"/>
+                  </a:ext>
+                </a:extLst>
+              </a:tr>
+            </a:tbl>
+          </a:graphicData>
+        </a:graphic>
+      </p:graphicFrame>
+      <p:graphicFrame>
+        <p:nvGraphicFramePr>
+          <p:cNvPr id="15" name="Table 13">
+            <a:extLst>
+              <a:ext uri="{FF2B5EF4-FFF2-40B4-BE49-F238E27FC236}">
+                <a16:creationId xmlns:a16="http://schemas.microsoft.com/office/drawing/2014/main" id="{4F2A733B-E4CD-912B-B22F-EF2CFBBB1DEE}"/>
+              </a:ext>
+            </a:extLst>
+          </p:cNvPr>
+          <p:cNvGraphicFramePr>
+            <a:graphicFrameLocks noGrp="1"/>
+          </p:cNvGraphicFramePr>
+          <p:nvPr>
+            <p:extLst>
+              <p:ext uri="{D42A27DB-BD31-4B8C-83A1-F6EECF244321}">
+                <p14:modId xmlns:p14="http://schemas.microsoft.com/office/powerpoint/2010/main" val="3297290865"/>
+              </p:ext>
+            </p:extLst>
+          </p:nvPr>
+        </p:nvGraphicFramePr>
+        <p:xfrm>
+          <a:off x="838200" y="4689901"/>
+          <a:ext cx="3191934" cy="736600"/>
+        </p:xfrm>
+        <a:graphic>
+          <a:graphicData uri="http://schemas.openxmlformats.org/drawingml/2006/table">
+            <a:tbl>
+              <a:tblPr firstRow="1" bandRow="1">
+                <a:tableStyleId>{5C22544A-7EE6-4342-B048-85BDC9FD1C3A}</a:tableStyleId>
+              </a:tblPr>
+              <a:tblGrid>
+                <a:gridCol w="1595967">
+                  <a:extLst>
+                    <a:ext uri="{9D8B030D-6E8A-4147-A177-3AD203B41FA5}">
+                      <a16:colId xmlns:a16="http://schemas.microsoft.com/office/drawing/2014/main" val="3073575854"/>
+                    </a:ext>
+                  </a:extLst>
+                </a:gridCol>
+                <a:gridCol w="1595967">
+                  <a:extLst>
+                    <a:ext uri="{9D8B030D-6E8A-4147-A177-3AD203B41FA5}">
+                      <a16:colId xmlns:a16="http://schemas.microsoft.com/office/drawing/2014/main" val="1785459708"/>
+                    </a:ext>
+                  </a:extLst>
+                </a:gridCol>
+              </a:tblGrid>
+              <a:tr h="0">
+                <a:tc gridSpan="2">
+                  <a:txBody>
+                    <a:bodyPr/>
+                    <a:lstStyle/>
+                    <a:p>
+                      <a:pPr algn="ctr"/>
+                      <a:r>
+                        <a:rPr lang="en-US" dirty="0">
+                          <a:latin typeface="Courier New" panose="02070309020205020404" pitchFamily="49" charset="0"/>
+                          <a:cs typeface="Courier New" panose="02070309020205020404" pitchFamily="49" charset="0"/>
+                        </a:rPr>
+                        <a:t>class A</a:t>
+                      </a:r>
+                      <a:endParaRPr lang="en-NL" dirty="0">
+                        <a:latin typeface="Courier New" panose="02070309020205020404" pitchFamily="49" charset="0"/>
+                        <a:cs typeface="Courier New" panose="02070309020205020404" pitchFamily="49" charset="0"/>
+                      </a:endParaRPr>
+                    </a:p>
+                  </a:txBody>
+                  <a:tcPr/>
+                </a:tc>
+                <a:tc hMerge="1">
+                  <a:txBody>
+                    <a:bodyPr/>
+                    <a:lstStyle/>
+                    <a:p>
+                      <a:endParaRPr lang="en-NL" dirty="0"/>
+                    </a:p>
+                  </a:txBody>
+                  <a:tcPr/>
+                </a:tc>
+                <a:extLst>
+                  <a:ext uri="{0D108BD9-81ED-4DB2-BD59-A6C34878D82A}">
+                    <a16:rowId xmlns:a16="http://schemas.microsoft.com/office/drawing/2014/main" val="2290352773"/>
+                  </a:ext>
+                </a:extLst>
+              </a:tr>
+              <a:tr h="370840">
+                <a:tc>
+                  <a:txBody>
+                    <a:bodyPr/>
+                    <a:lstStyle/>
+                    <a:p>
+                      <a:pPr algn="ctr"/>
+                      <a:r>
+                        <a:rPr lang="en-US" b="1" dirty="0">
+                          <a:solidFill>
+                            <a:schemeClr val="accent5">
+                              <a:lumMod val="75000"/>
+                            </a:schemeClr>
+                          </a:solidFill>
+                          <a:latin typeface="Courier New" panose="02070309020205020404" pitchFamily="49" charset="0"/>
+                          <a:cs typeface="Courier New" panose="02070309020205020404" pitchFamily="49" charset="0"/>
+                        </a:rPr>
+                        <a:t>def x</a:t>
+                      </a:r>
+                      <a:endParaRPr lang="en-NL" b="1" dirty="0">
+                        <a:solidFill>
+                          <a:schemeClr val="accent5">
+                            <a:lumMod val="75000"/>
+                          </a:schemeClr>
+                        </a:solidFill>
+                        <a:latin typeface="Courier New" panose="02070309020205020404" pitchFamily="49" charset="0"/>
+                        <a:cs typeface="Courier New" panose="02070309020205020404" pitchFamily="49" charset="0"/>
+                      </a:endParaRPr>
+                    </a:p>
+                  </a:txBody>
+                  <a:tcPr/>
+                </a:tc>
+                <a:tc>
+                  <a:txBody>
+                    <a:bodyPr/>
+                    <a:lstStyle/>
+                    <a:p>
+                      <a:pPr algn="ctr"/>
+                      <a:r>
+                        <a:rPr lang="en-US" b="1" dirty="0">
+                          <a:solidFill>
+                            <a:schemeClr val="accent5">
+                              <a:lumMod val="75000"/>
+                            </a:schemeClr>
+                          </a:solidFill>
+                          <a:latin typeface="Courier New" panose="02070309020205020404" pitchFamily="49" charset="0"/>
+                          <a:cs typeface="Courier New" panose="02070309020205020404" pitchFamily="49" charset="0"/>
+                        </a:rPr>
+                        <a:t>def y</a:t>
+                      </a:r>
+                      <a:endParaRPr lang="en-NL" b="1" dirty="0">
+                        <a:solidFill>
+                          <a:schemeClr val="accent5">
+                            <a:lumMod val="75000"/>
+                          </a:schemeClr>
+                        </a:solidFill>
+                        <a:latin typeface="Courier New" panose="02070309020205020404" pitchFamily="49" charset="0"/>
+                        <a:cs typeface="Courier New" panose="02070309020205020404" pitchFamily="49" charset="0"/>
+                      </a:endParaRPr>
+                    </a:p>
+                  </a:txBody>
+                  <a:tcPr/>
+                </a:tc>
+                <a:extLst>
+                  <a:ext uri="{0D108BD9-81ED-4DB2-BD59-A6C34878D82A}">
+                    <a16:rowId xmlns:a16="http://schemas.microsoft.com/office/drawing/2014/main" val="785041814"/>
+                  </a:ext>
+                </a:extLst>
+              </a:tr>
+            </a:tbl>
+          </a:graphicData>
+        </a:graphic>
+      </p:graphicFrame>
+      <p:cxnSp>
+        <p:nvCxnSpPr>
+          <p:cNvPr id="20" name="Straight Arrow Connector 19">
+            <a:extLst>
+              <a:ext uri="{FF2B5EF4-FFF2-40B4-BE49-F238E27FC236}">
+                <a16:creationId xmlns:a16="http://schemas.microsoft.com/office/drawing/2014/main" id="{6E7AC5FE-664D-BC4D-2089-A98B1DA8332F}"/>
+              </a:ext>
+            </a:extLst>
+          </p:cNvPr>
+          <p:cNvCxnSpPr/>
+          <p:nvPr/>
+        </p:nvCxnSpPr>
+        <p:spPr>
+          <a:xfrm flipV="1">
+            <a:off x="1636183" y="2936029"/>
+            <a:ext cx="0" cy="508636"/>
+          </a:xfrm>
+          <a:prstGeom prst="straightConnector1">
+            <a:avLst/>
+          </a:prstGeom>
+          <a:ln>
+            <a:tailEnd type="triangle"/>
+          </a:ln>
+        </p:spPr>
+        <p:style>
+          <a:lnRef idx="3">
+            <a:schemeClr val="accent6"/>
+          </a:lnRef>
+          <a:fillRef idx="0">
+            <a:schemeClr val="accent6"/>
+          </a:fillRef>
+          <a:effectRef idx="2">
+            <a:schemeClr val="accent6"/>
+          </a:effectRef>
+          <a:fontRef idx="minor">
+            <a:schemeClr val="tx1"/>
+          </a:fontRef>
+        </p:style>
+      </p:cxnSp>
+      <p:sp>
+        <p:nvSpPr>
+          <p:cNvPr id="25" name="TextBox 24">
+            <a:extLst>
+              <a:ext uri="{FF2B5EF4-FFF2-40B4-BE49-F238E27FC236}">
+                <a16:creationId xmlns:a16="http://schemas.microsoft.com/office/drawing/2014/main" id="{7E29C54E-8E31-8697-5A5D-3133381BC0DD}"/>
+              </a:ext>
+            </a:extLst>
+          </p:cNvPr>
+          <p:cNvSpPr txBox="1"/>
+          <p:nvPr/>
+        </p:nvSpPr>
+        <p:spPr>
+          <a:xfrm>
+            <a:off x="838199" y="1407704"/>
+            <a:ext cx="4787901" cy="369332"/>
+          </a:xfrm>
+          <a:prstGeom prst="rect">
+            <a:avLst/>
+          </a:prstGeom>
+          <a:noFill/>
+        </p:spPr>
+        <p:txBody>
+          <a:bodyPr wrap="square" rtlCol="0">
+            <a:spAutoFit/>
+          </a:bodyPr>
+          <a:lstStyle/>
+          <a:p>
+            <a:r>
+              <a:rPr lang="en-US" dirty="0" err="1"/>
+              <a:t>Gestapelde</a:t>
+            </a:r>
+            <a:r>
+              <a:rPr lang="en-US" dirty="0"/>
+              <a:t> basis classes:</a:t>
+            </a:r>
+            <a:endParaRPr lang="en-NL" dirty="0"/>
+          </a:p>
+        </p:txBody>
+      </p:sp>
+      <p:cxnSp>
+        <p:nvCxnSpPr>
+          <p:cNvPr id="35" name="Straight Arrow Connector 34">
+            <a:extLst>
+              <a:ext uri="{FF2B5EF4-FFF2-40B4-BE49-F238E27FC236}">
+                <a16:creationId xmlns:a16="http://schemas.microsoft.com/office/drawing/2014/main" id="{077064D2-0639-4331-F791-351BE7441628}"/>
+              </a:ext>
+            </a:extLst>
+          </p:cNvPr>
+          <p:cNvCxnSpPr>
+            <a:cxnSpLocks/>
+            <a:endCxn id="36" idx="2"/>
+          </p:cNvCxnSpPr>
+          <p:nvPr/>
+        </p:nvCxnSpPr>
+        <p:spPr>
+          <a:xfrm flipV="1">
+            <a:off x="8959849" y="2936029"/>
+            <a:ext cx="0" cy="1753872"/>
+          </a:xfrm>
+          <a:prstGeom prst="straightConnector1">
+            <a:avLst/>
+          </a:prstGeom>
+          <a:ln>
+            <a:tailEnd type="triangle"/>
+          </a:ln>
+        </p:spPr>
+        <p:style>
+          <a:lnRef idx="3">
+            <a:schemeClr val="accent1"/>
+          </a:lnRef>
+          <a:fillRef idx="0">
+            <a:schemeClr val="accent1"/>
+          </a:fillRef>
+          <a:effectRef idx="2">
+            <a:schemeClr val="accent1"/>
+          </a:effectRef>
+          <a:fontRef idx="minor">
+            <a:schemeClr val="tx1"/>
+          </a:fontRef>
+        </p:style>
+      </p:cxnSp>
+      <p:graphicFrame>
+        <p:nvGraphicFramePr>
+          <p:cNvPr id="36" name="Table 13">
+            <a:extLst>
+              <a:ext uri="{FF2B5EF4-FFF2-40B4-BE49-F238E27FC236}">
+                <a16:creationId xmlns:a16="http://schemas.microsoft.com/office/drawing/2014/main" id="{65F8BC86-C019-6DFA-8B7D-D2524383A76D}"/>
+              </a:ext>
+            </a:extLst>
+          </p:cNvPr>
+          <p:cNvGraphicFramePr>
+            <a:graphicFrameLocks noGrp="1"/>
+          </p:cNvGraphicFramePr>
+          <p:nvPr>
+            <p:extLst>
+              <p:ext uri="{D42A27DB-BD31-4B8C-83A1-F6EECF244321}">
+                <p14:modId xmlns:p14="http://schemas.microsoft.com/office/powerpoint/2010/main" val="4076376609"/>
+              </p:ext>
+            </p:extLst>
+          </p:nvPr>
+        </p:nvGraphicFramePr>
+        <p:xfrm>
+          <a:off x="6565899" y="2199429"/>
+          <a:ext cx="4787901" cy="736600"/>
+        </p:xfrm>
+        <a:graphic>
+          <a:graphicData uri="http://schemas.openxmlformats.org/drawingml/2006/table">
+            <a:tbl>
+              <a:tblPr firstRow="1" bandRow="1">
+                <a:tableStyleId>{21E4AEA4-8DFA-4A89-87EB-49C32662AFE0}</a:tableStyleId>
+              </a:tblPr>
+              <a:tblGrid>
+                <a:gridCol w="1595967">
+                  <a:extLst>
+                    <a:ext uri="{9D8B030D-6E8A-4147-A177-3AD203B41FA5}">
+                      <a16:colId xmlns:a16="http://schemas.microsoft.com/office/drawing/2014/main" val="3073575854"/>
+                    </a:ext>
+                  </a:extLst>
+                </a:gridCol>
+                <a:gridCol w="1595967">
+                  <a:extLst>
+                    <a:ext uri="{9D8B030D-6E8A-4147-A177-3AD203B41FA5}">
+                      <a16:colId xmlns:a16="http://schemas.microsoft.com/office/drawing/2014/main" val="1785459708"/>
+                    </a:ext>
+                  </a:extLst>
+                </a:gridCol>
+                <a:gridCol w="1595967">
+                  <a:extLst>
+                    <a:ext uri="{9D8B030D-6E8A-4147-A177-3AD203B41FA5}">
+                      <a16:colId xmlns:a16="http://schemas.microsoft.com/office/drawing/2014/main" val="3617932867"/>
+                    </a:ext>
+                  </a:extLst>
+                </a:gridCol>
+              </a:tblGrid>
+              <a:tr h="0">
+                <a:tc gridSpan="3">
+                  <a:txBody>
+                    <a:bodyPr/>
+                    <a:lstStyle/>
+                    <a:p>
+                      <a:pPr algn="ctr"/>
+                      <a:r>
+                        <a:rPr lang="en-US" dirty="0">
+                          <a:latin typeface="Courier New" panose="02070309020205020404" pitchFamily="49" charset="0"/>
+                          <a:cs typeface="Courier New" panose="02070309020205020404" pitchFamily="49" charset="0"/>
+                        </a:rPr>
+                        <a:t>class C(B, A)</a:t>
+                      </a:r>
+                      <a:endParaRPr lang="en-NL" dirty="0">
+                        <a:latin typeface="Courier New" panose="02070309020205020404" pitchFamily="49" charset="0"/>
+                        <a:cs typeface="Courier New" panose="02070309020205020404" pitchFamily="49" charset="0"/>
+                      </a:endParaRPr>
+                    </a:p>
+                  </a:txBody>
+                  <a:tcPr/>
+                </a:tc>
+                <a:tc hMerge="1">
+                  <a:txBody>
+                    <a:bodyPr/>
+                    <a:lstStyle/>
+                    <a:p>
+                      <a:endParaRPr lang="en-NL" dirty="0"/>
+                    </a:p>
+                  </a:txBody>
+                  <a:tcPr/>
+                </a:tc>
+                <a:tc hMerge="1">
+                  <a:txBody>
+                    <a:bodyPr/>
+                    <a:lstStyle/>
+                    <a:p>
+                      <a:endParaRPr lang="en-NL" dirty="0"/>
+                    </a:p>
+                  </a:txBody>
+                  <a:tcPr/>
+                </a:tc>
+                <a:extLst>
+                  <a:ext uri="{0D108BD9-81ED-4DB2-BD59-A6C34878D82A}">
+                    <a16:rowId xmlns:a16="http://schemas.microsoft.com/office/drawing/2014/main" val="2290352773"/>
+                  </a:ext>
+                </a:extLst>
+              </a:tr>
+              <a:tr h="370840">
+                <a:tc>
+                  <a:txBody>
+                    <a:bodyPr/>
+                    <a:lstStyle/>
+                    <a:p>
+                      <a:pPr algn="ctr"/>
+                      <a:r>
+                        <a:rPr lang="en-US" b="1" dirty="0">
+                          <a:solidFill>
+                            <a:schemeClr val="accent6">
+                              <a:lumMod val="75000"/>
+                            </a:schemeClr>
+                          </a:solidFill>
+                          <a:latin typeface="Courier New" panose="02070309020205020404" pitchFamily="49" charset="0"/>
+                          <a:cs typeface="Courier New" panose="02070309020205020404" pitchFamily="49" charset="0"/>
+                        </a:rPr>
+                        <a:t>x</a:t>
+                      </a:r>
+                      <a:endParaRPr lang="en-NL" b="1" dirty="0">
+                        <a:solidFill>
+                          <a:schemeClr val="accent6">
+                            <a:lumMod val="75000"/>
+                          </a:schemeClr>
+                        </a:solidFill>
+                        <a:latin typeface="Courier New" panose="02070309020205020404" pitchFamily="49" charset="0"/>
+                        <a:cs typeface="Courier New" panose="02070309020205020404" pitchFamily="49" charset="0"/>
+                      </a:endParaRPr>
+                    </a:p>
+                  </a:txBody>
+                  <a:tcPr/>
+                </a:tc>
+                <a:tc>
+                  <a:txBody>
+                    <a:bodyPr/>
+                    <a:lstStyle/>
+                    <a:p>
+                      <a:pPr algn="ctr"/>
+                      <a:r>
+                        <a:rPr lang="en-US" b="1" dirty="0">
+                          <a:solidFill>
+                            <a:schemeClr val="accent5">
+                              <a:lumMod val="75000"/>
+                            </a:schemeClr>
+                          </a:solidFill>
+                          <a:latin typeface="Courier New" panose="02070309020205020404" pitchFamily="49" charset="0"/>
+                          <a:cs typeface="Courier New" panose="02070309020205020404" pitchFamily="49" charset="0"/>
+                        </a:rPr>
+                        <a:t>y</a:t>
+                      </a:r>
+                      <a:endParaRPr lang="en-NL" b="1" dirty="0">
+                        <a:solidFill>
+                          <a:schemeClr val="accent5">
+                            <a:lumMod val="75000"/>
+                          </a:schemeClr>
+                        </a:solidFill>
+                        <a:latin typeface="Courier New" panose="02070309020205020404" pitchFamily="49" charset="0"/>
+                        <a:cs typeface="Courier New" panose="02070309020205020404" pitchFamily="49" charset="0"/>
+                      </a:endParaRPr>
+                    </a:p>
+                  </a:txBody>
+                  <a:tcPr/>
+                </a:tc>
+                <a:tc>
+                  <a:txBody>
+                    <a:bodyPr/>
+                    <a:lstStyle/>
+                    <a:p>
+                      <a:pPr algn="ctr"/>
+                      <a:r>
+                        <a:rPr lang="en-US" b="1" dirty="0">
+                          <a:solidFill>
+                            <a:schemeClr val="accent2">
+                              <a:lumMod val="75000"/>
+                            </a:schemeClr>
+                          </a:solidFill>
+                          <a:latin typeface="Courier New" panose="02070309020205020404" pitchFamily="49" charset="0"/>
+                          <a:cs typeface="Courier New" panose="02070309020205020404" pitchFamily="49" charset="0"/>
+                        </a:rPr>
+                        <a:t>def z</a:t>
+                      </a:r>
+                      <a:endParaRPr lang="en-NL" b="1" dirty="0">
+                        <a:solidFill>
+                          <a:schemeClr val="accent2">
+                            <a:lumMod val="75000"/>
+                          </a:schemeClr>
+                        </a:solidFill>
+                        <a:latin typeface="Courier New" panose="02070309020205020404" pitchFamily="49" charset="0"/>
+                        <a:cs typeface="Courier New" panose="02070309020205020404" pitchFamily="49" charset="0"/>
+                      </a:endParaRPr>
+                    </a:p>
+                  </a:txBody>
+                  <a:tcPr/>
+                </a:tc>
+                <a:extLst>
+                  <a:ext uri="{0D108BD9-81ED-4DB2-BD59-A6C34878D82A}">
+                    <a16:rowId xmlns:a16="http://schemas.microsoft.com/office/drawing/2014/main" val="785041814"/>
+                  </a:ext>
+                </a:extLst>
+              </a:tr>
+            </a:tbl>
+          </a:graphicData>
+        </a:graphic>
+      </p:graphicFrame>
+      <p:graphicFrame>
+        <p:nvGraphicFramePr>
+          <p:cNvPr id="37" name="Table 36">
+            <a:extLst>
+              <a:ext uri="{FF2B5EF4-FFF2-40B4-BE49-F238E27FC236}">
+                <a16:creationId xmlns:a16="http://schemas.microsoft.com/office/drawing/2014/main" id="{F78B0BB4-C1B5-70FA-1D00-756DCF22428E}"/>
+              </a:ext>
+            </a:extLst>
+          </p:cNvPr>
+          <p:cNvGraphicFramePr>
+            <a:graphicFrameLocks noGrp="1"/>
+          </p:cNvGraphicFramePr>
+          <p:nvPr>
+            <p:extLst>
+              <p:ext uri="{D42A27DB-BD31-4B8C-83A1-F6EECF244321}">
+                <p14:modId xmlns:p14="http://schemas.microsoft.com/office/powerpoint/2010/main" val="94119683"/>
+              </p:ext>
+            </p:extLst>
+          </p:nvPr>
+        </p:nvGraphicFramePr>
+        <p:xfrm>
+          <a:off x="6565898" y="3444665"/>
+          <a:ext cx="1595962" cy="736600"/>
+        </p:xfrm>
+        <a:graphic>
+          <a:graphicData uri="http://schemas.openxmlformats.org/drawingml/2006/table">
+            <a:tbl>
+              <a:tblPr firstRow="1" bandRow="1">
+                <a:tableStyleId>{93296810-A885-4BE3-A3E7-6D5BEEA58F35}</a:tableStyleId>
+              </a:tblPr>
+              <a:tblGrid>
+                <a:gridCol w="1595962">
+                  <a:extLst>
+                    <a:ext uri="{9D8B030D-6E8A-4147-A177-3AD203B41FA5}">
+                      <a16:colId xmlns:a16="http://schemas.microsoft.com/office/drawing/2014/main" val="3073575854"/>
+                    </a:ext>
+                  </a:extLst>
+                </a:gridCol>
+              </a:tblGrid>
+              <a:tr h="0">
+                <a:tc>
+                  <a:txBody>
+                    <a:bodyPr/>
+                    <a:lstStyle/>
+                    <a:p>
+                      <a:pPr algn="ctr"/>
+                      <a:r>
+                        <a:rPr lang="en-US" dirty="0">
+                          <a:latin typeface="Courier New" panose="02070309020205020404" pitchFamily="49" charset="0"/>
+                          <a:cs typeface="Courier New" panose="02070309020205020404" pitchFamily="49" charset="0"/>
+                        </a:rPr>
+                        <a:t>class B</a:t>
+                      </a:r>
+                      <a:endParaRPr lang="en-NL" dirty="0">
+                        <a:latin typeface="Courier New" panose="02070309020205020404" pitchFamily="49" charset="0"/>
+                        <a:cs typeface="Courier New" panose="02070309020205020404" pitchFamily="49" charset="0"/>
+                      </a:endParaRPr>
+                    </a:p>
+                  </a:txBody>
+                  <a:tcPr/>
+                </a:tc>
+                <a:extLst>
+                  <a:ext uri="{0D108BD9-81ED-4DB2-BD59-A6C34878D82A}">
+                    <a16:rowId xmlns:a16="http://schemas.microsoft.com/office/drawing/2014/main" val="2290352773"/>
+                  </a:ext>
+                </a:extLst>
+              </a:tr>
+              <a:tr h="370840">
+                <a:tc>
+                  <a:txBody>
+                    <a:bodyPr/>
+                    <a:lstStyle/>
+                    <a:p>
+                      <a:pPr algn="ctr"/>
+                      <a:r>
+                        <a:rPr lang="en-US" b="1" dirty="0">
+                          <a:solidFill>
+                            <a:schemeClr val="accent6">
+                              <a:lumMod val="75000"/>
+                            </a:schemeClr>
+                          </a:solidFill>
+                          <a:latin typeface="Courier New" panose="02070309020205020404" pitchFamily="49" charset="0"/>
+                          <a:cs typeface="Courier New" panose="02070309020205020404" pitchFamily="49" charset="0"/>
+                        </a:rPr>
+                        <a:t>def x</a:t>
+                      </a:r>
+                      <a:endParaRPr lang="en-NL" b="1" dirty="0">
+                        <a:solidFill>
+                          <a:schemeClr val="accent6">
+                            <a:lumMod val="75000"/>
+                          </a:schemeClr>
+                        </a:solidFill>
+                        <a:latin typeface="Courier New" panose="02070309020205020404" pitchFamily="49" charset="0"/>
+                        <a:cs typeface="Courier New" panose="02070309020205020404" pitchFamily="49" charset="0"/>
+                      </a:endParaRPr>
+                    </a:p>
+                  </a:txBody>
+                  <a:tcPr/>
+                </a:tc>
+                <a:extLst>
+                  <a:ext uri="{0D108BD9-81ED-4DB2-BD59-A6C34878D82A}">
+                    <a16:rowId xmlns:a16="http://schemas.microsoft.com/office/drawing/2014/main" val="785041814"/>
+                  </a:ext>
+                </a:extLst>
+              </a:tr>
+            </a:tbl>
+          </a:graphicData>
+        </a:graphic>
+      </p:graphicFrame>
+      <p:graphicFrame>
+        <p:nvGraphicFramePr>
+          <p:cNvPr id="40" name="Table 13">
+            <a:extLst>
+              <a:ext uri="{FF2B5EF4-FFF2-40B4-BE49-F238E27FC236}">
+                <a16:creationId xmlns:a16="http://schemas.microsoft.com/office/drawing/2014/main" id="{B3D6C019-4EB3-9634-3803-1CF3FF3B0DCF}"/>
+              </a:ext>
+            </a:extLst>
+          </p:cNvPr>
+          <p:cNvGraphicFramePr>
+            <a:graphicFrameLocks noGrp="1"/>
+          </p:cNvGraphicFramePr>
+          <p:nvPr>
+            <p:extLst>
+              <p:ext uri="{D42A27DB-BD31-4B8C-83A1-F6EECF244321}">
+                <p14:modId xmlns:p14="http://schemas.microsoft.com/office/powerpoint/2010/main" val="1539121039"/>
+              </p:ext>
+            </p:extLst>
+          </p:nvPr>
+        </p:nvGraphicFramePr>
+        <p:xfrm>
+          <a:off x="6565899" y="4689901"/>
+          <a:ext cx="3191934" cy="736600"/>
+        </p:xfrm>
+        <a:graphic>
+          <a:graphicData uri="http://schemas.openxmlformats.org/drawingml/2006/table">
+            <a:tbl>
+              <a:tblPr firstRow="1" bandRow="1">
+                <a:tableStyleId>{5C22544A-7EE6-4342-B048-85BDC9FD1C3A}</a:tableStyleId>
+              </a:tblPr>
+              <a:tblGrid>
+                <a:gridCol w="1595967">
+                  <a:extLst>
+                    <a:ext uri="{9D8B030D-6E8A-4147-A177-3AD203B41FA5}">
+                      <a16:colId xmlns:a16="http://schemas.microsoft.com/office/drawing/2014/main" val="3073575854"/>
+                    </a:ext>
+                  </a:extLst>
+                </a:gridCol>
+                <a:gridCol w="1595967">
+                  <a:extLst>
+                    <a:ext uri="{9D8B030D-6E8A-4147-A177-3AD203B41FA5}">
+                      <a16:colId xmlns:a16="http://schemas.microsoft.com/office/drawing/2014/main" val="1785459708"/>
+                    </a:ext>
+                  </a:extLst>
+                </a:gridCol>
+              </a:tblGrid>
+              <a:tr h="0">
+                <a:tc gridSpan="2">
+                  <a:txBody>
+                    <a:bodyPr/>
+                    <a:lstStyle/>
+                    <a:p>
+                      <a:pPr algn="ctr"/>
+                      <a:r>
+                        <a:rPr lang="en-US" dirty="0">
+                          <a:latin typeface="Courier New" panose="02070309020205020404" pitchFamily="49" charset="0"/>
+                          <a:cs typeface="Courier New" panose="02070309020205020404" pitchFamily="49" charset="0"/>
+                        </a:rPr>
+                        <a:t>class A</a:t>
+                      </a:r>
+                      <a:endParaRPr lang="en-NL" dirty="0">
+                        <a:latin typeface="Courier New" panose="02070309020205020404" pitchFamily="49" charset="0"/>
+                        <a:cs typeface="Courier New" panose="02070309020205020404" pitchFamily="49" charset="0"/>
+                      </a:endParaRPr>
+                    </a:p>
+                  </a:txBody>
+                  <a:tcPr/>
+                </a:tc>
+                <a:tc hMerge="1">
+                  <a:txBody>
+                    <a:bodyPr/>
+                    <a:lstStyle/>
+                    <a:p>
+                      <a:endParaRPr lang="en-NL" dirty="0"/>
+                    </a:p>
+                  </a:txBody>
+                  <a:tcPr/>
+                </a:tc>
+                <a:extLst>
+                  <a:ext uri="{0D108BD9-81ED-4DB2-BD59-A6C34878D82A}">
+                    <a16:rowId xmlns:a16="http://schemas.microsoft.com/office/drawing/2014/main" val="2290352773"/>
+                  </a:ext>
+                </a:extLst>
+              </a:tr>
+              <a:tr h="370840">
+                <a:tc>
+                  <a:txBody>
+                    <a:bodyPr/>
+                    <a:lstStyle/>
+                    <a:p>
+                      <a:pPr algn="ctr"/>
+                      <a:r>
+                        <a:rPr lang="en-US" b="1" dirty="0">
+                          <a:solidFill>
+                            <a:schemeClr val="accent5">
+                              <a:lumMod val="75000"/>
+                            </a:schemeClr>
+                          </a:solidFill>
+                          <a:latin typeface="Courier New" panose="02070309020205020404" pitchFamily="49" charset="0"/>
+                          <a:cs typeface="Courier New" panose="02070309020205020404" pitchFamily="49" charset="0"/>
+                        </a:rPr>
+                        <a:t>def x</a:t>
+                      </a:r>
+                      <a:endParaRPr lang="en-NL" b="1" dirty="0">
+                        <a:solidFill>
+                          <a:schemeClr val="accent5">
+                            <a:lumMod val="75000"/>
+                          </a:schemeClr>
+                        </a:solidFill>
+                        <a:latin typeface="Courier New" panose="02070309020205020404" pitchFamily="49" charset="0"/>
+                        <a:cs typeface="Courier New" panose="02070309020205020404" pitchFamily="49" charset="0"/>
+                      </a:endParaRPr>
+                    </a:p>
+                  </a:txBody>
+                  <a:tcPr/>
+                </a:tc>
+                <a:tc>
+                  <a:txBody>
+                    <a:bodyPr/>
+                    <a:lstStyle/>
+                    <a:p>
+                      <a:pPr algn="ctr"/>
+                      <a:r>
+                        <a:rPr lang="en-US" b="1" dirty="0">
+                          <a:solidFill>
+                            <a:schemeClr val="accent5">
+                              <a:lumMod val="75000"/>
+                            </a:schemeClr>
+                          </a:solidFill>
+                          <a:latin typeface="Courier New" panose="02070309020205020404" pitchFamily="49" charset="0"/>
+                          <a:cs typeface="Courier New" panose="02070309020205020404" pitchFamily="49" charset="0"/>
+                        </a:rPr>
+                        <a:t>def y</a:t>
+                      </a:r>
+                      <a:endParaRPr lang="en-NL" b="1" dirty="0">
+                        <a:solidFill>
+                          <a:schemeClr val="accent5">
+                            <a:lumMod val="75000"/>
+                          </a:schemeClr>
+                        </a:solidFill>
+                        <a:latin typeface="Courier New" panose="02070309020205020404" pitchFamily="49" charset="0"/>
+                        <a:cs typeface="Courier New" panose="02070309020205020404" pitchFamily="49" charset="0"/>
+                      </a:endParaRPr>
+                    </a:p>
+                  </a:txBody>
+                  <a:tcPr/>
+                </a:tc>
+                <a:extLst>
+                  <a:ext uri="{0D108BD9-81ED-4DB2-BD59-A6C34878D82A}">
+                    <a16:rowId xmlns:a16="http://schemas.microsoft.com/office/drawing/2014/main" val="785041814"/>
+                  </a:ext>
+                </a:extLst>
+              </a:tr>
+            </a:tbl>
+          </a:graphicData>
+        </a:graphic>
+      </p:graphicFrame>
+      <p:cxnSp>
+        <p:nvCxnSpPr>
+          <p:cNvPr id="41" name="Straight Arrow Connector 40">
+            <a:extLst>
+              <a:ext uri="{FF2B5EF4-FFF2-40B4-BE49-F238E27FC236}">
+                <a16:creationId xmlns:a16="http://schemas.microsoft.com/office/drawing/2014/main" id="{46EFC27A-93C4-8674-F8BC-E8B8D394A8F4}"/>
+              </a:ext>
+            </a:extLst>
+          </p:cNvPr>
+          <p:cNvCxnSpPr/>
+          <p:nvPr/>
+        </p:nvCxnSpPr>
+        <p:spPr>
+          <a:xfrm flipV="1">
+            <a:off x="7363882" y="2936029"/>
+            <a:ext cx="0" cy="508636"/>
+          </a:xfrm>
+          <a:prstGeom prst="straightConnector1">
+            <a:avLst/>
+          </a:prstGeom>
+          <a:ln>
+            <a:tailEnd type="triangle"/>
+          </a:ln>
+        </p:spPr>
+        <p:style>
+          <a:lnRef idx="3">
+            <a:schemeClr val="accent6"/>
+          </a:lnRef>
+          <a:fillRef idx="0">
+            <a:schemeClr val="accent6"/>
+          </a:fillRef>
+          <a:effectRef idx="2">
+            <a:schemeClr val="accent6"/>
+          </a:effectRef>
+          <a:fontRef idx="minor">
+            <a:schemeClr val="tx1"/>
+          </a:fontRef>
+        </p:style>
+      </p:cxnSp>
+      <p:sp>
+        <p:nvSpPr>
+          <p:cNvPr id="42" name="TextBox 41">
+            <a:extLst>
+              <a:ext uri="{FF2B5EF4-FFF2-40B4-BE49-F238E27FC236}">
+                <a16:creationId xmlns:a16="http://schemas.microsoft.com/office/drawing/2014/main" id="{660B0507-D999-C8F2-7321-B2A621FB3901}"/>
+              </a:ext>
+            </a:extLst>
+          </p:cNvPr>
+          <p:cNvSpPr txBox="1"/>
+          <p:nvPr/>
+        </p:nvSpPr>
+        <p:spPr>
+          <a:xfrm>
+            <a:off x="6565898" y="1406521"/>
+            <a:ext cx="4787901" cy="369332"/>
+          </a:xfrm>
+          <a:prstGeom prst="rect">
+            <a:avLst/>
+          </a:prstGeom>
+          <a:noFill/>
+        </p:spPr>
+        <p:txBody>
+          <a:bodyPr wrap="square" rtlCol="0">
+            <a:spAutoFit/>
+          </a:bodyPr>
+          <a:lstStyle/>
+          <a:p>
+            <a:r>
+              <a:rPr lang="en-US" dirty="0" err="1"/>
+              <a:t>Meerdere</a:t>
+            </a:r>
+            <a:r>
+              <a:rPr lang="en-US" dirty="0"/>
+              <a:t> basis classes:</a:t>
+            </a:r>
+            <a:endParaRPr lang="en-NL" dirty="0"/>
+          </a:p>
+        </p:txBody>
+      </p:sp>
+      <p:grpSp>
+        <p:nvGrpSpPr>
+          <p:cNvPr id="46" name="Group 45">
+            <a:extLst>
+              <a:ext uri="{FF2B5EF4-FFF2-40B4-BE49-F238E27FC236}">
+                <a16:creationId xmlns:a16="http://schemas.microsoft.com/office/drawing/2014/main" id="{43E25EED-092A-E1CB-7DBB-299AF75B9D41}"/>
+              </a:ext>
+            </a:extLst>
+          </p:cNvPr>
+          <p:cNvGrpSpPr/>
+          <p:nvPr/>
+        </p:nvGrpSpPr>
+        <p:grpSpPr>
+          <a:xfrm>
+            <a:off x="1532464" y="4181265"/>
+            <a:ext cx="207428" cy="508636"/>
+            <a:chOff x="1532464" y="4181265"/>
+            <a:chExt cx="207428" cy="508636"/>
+          </a:xfrm>
+        </p:grpSpPr>
+        <p:cxnSp>
+          <p:nvCxnSpPr>
+            <p:cNvPr id="43" name="Straight Arrow Connector 42">
+              <a:extLst>
+                <a:ext uri="{FF2B5EF4-FFF2-40B4-BE49-F238E27FC236}">
+                  <a16:creationId xmlns:a16="http://schemas.microsoft.com/office/drawing/2014/main" id="{EFD692D0-5F50-9D82-5201-ABC0A469DCFD}"/>
+                </a:ext>
+              </a:extLst>
+            </p:cNvPr>
+            <p:cNvCxnSpPr>
+              <a:cxnSpLocks/>
+            </p:cNvCxnSpPr>
+            <p:nvPr/>
+          </p:nvCxnSpPr>
+          <p:spPr>
+            <a:xfrm flipV="1">
+              <a:off x="1636183" y="4181265"/>
+              <a:ext cx="0" cy="508636"/>
+            </a:xfrm>
+            <a:prstGeom prst="straightConnector1">
+              <a:avLst/>
+            </a:prstGeom>
+            <a:ln>
+              <a:tailEnd type="triangle"/>
+            </a:ln>
+          </p:spPr>
+          <p:style>
+            <a:lnRef idx="3">
+              <a:schemeClr val="accent1"/>
+            </a:lnRef>
+            <a:fillRef idx="0">
+              <a:schemeClr val="accent1"/>
+            </a:fillRef>
+            <a:effectRef idx="2">
+              <a:schemeClr val="accent1"/>
+            </a:effectRef>
+            <a:fontRef idx="minor">
+              <a:schemeClr val="tx1"/>
+            </a:fontRef>
+          </p:style>
+        </p:cxnSp>
+        <p:sp>
+          <p:nvSpPr>
+            <p:cNvPr id="45" name="&quot;Not Allowed&quot; Symbol 44">
+              <a:extLst>
+                <a:ext uri="{FF2B5EF4-FFF2-40B4-BE49-F238E27FC236}">
+                  <a16:creationId xmlns:a16="http://schemas.microsoft.com/office/drawing/2014/main" id="{590B82F8-58DB-52DE-6F22-8243E36770A4}"/>
+                </a:ext>
+              </a:extLst>
+            </p:cNvPr>
+            <p:cNvSpPr/>
+            <p:nvPr/>
+          </p:nvSpPr>
+          <p:spPr>
+            <a:xfrm>
+              <a:off x="1532464" y="4340379"/>
+              <a:ext cx="207428" cy="190408"/>
+            </a:xfrm>
+            <a:prstGeom prst="noSmoking">
+              <a:avLst/>
+            </a:prstGeom>
+            <a:solidFill>
+              <a:srgbClr val="FF0000"/>
+            </a:solidFill>
+          </p:spPr>
+          <p:style>
+            <a:lnRef idx="2">
+              <a:schemeClr val="accent1">
+                <a:shade val="50000"/>
+              </a:schemeClr>
+            </a:lnRef>
+            <a:fillRef idx="1">
+              <a:schemeClr val="accent1"/>
+            </a:fillRef>
+            <a:effectRef idx="0">
+              <a:schemeClr val="accent1"/>
+            </a:effectRef>
+            <a:fontRef idx="minor">
+              <a:schemeClr val="lt1"/>
+            </a:fontRef>
+          </p:style>
+          <p:txBody>
+            <a:bodyPr rtlCol="0" anchor="ctr"/>
+            <a:lstStyle/>
+            <a:p>
+              <a:pPr algn="ctr"/>
+              <a:endParaRPr lang="en-NL">
+                <a:solidFill>
+                  <a:schemeClr val="tx1"/>
+                </a:solidFill>
+              </a:endParaRPr>
+            </a:p>
+          </p:txBody>
+        </p:sp>
+      </p:grpSp>
+      <p:grpSp>
+        <p:nvGrpSpPr>
+          <p:cNvPr id="47" name="Group 46">
+            <a:extLst>
+              <a:ext uri="{FF2B5EF4-FFF2-40B4-BE49-F238E27FC236}">
+                <a16:creationId xmlns:a16="http://schemas.microsoft.com/office/drawing/2014/main" id="{4A2A4214-1E82-59D6-6101-490CD4892C88}"/>
+              </a:ext>
+            </a:extLst>
+          </p:cNvPr>
+          <p:cNvGrpSpPr/>
+          <p:nvPr/>
+        </p:nvGrpSpPr>
+        <p:grpSpPr>
+          <a:xfrm>
+            <a:off x="7254868" y="4184548"/>
+            <a:ext cx="207428" cy="508636"/>
+            <a:chOff x="1532464" y="4181265"/>
+            <a:chExt cx="207428" cy="508636"/>
+          </a:xfrm>
+        </p:grpSpPr>
+        <p:cxnSp>
+          <p:nvCxnSpPr>
+            <p:cNvPr id="48" name="Straight Arrow Connector 47">
+              <a:extLst>
+                <a:ext uri="{FF2B5EF4-FFF2-40B4-BE49-F238E27FC236}">
+                  <a16:creationId xmlns:a16="http://schemas.microsoft.com/office/drawing/2014/main" id="{78DC037C-6F9C-5881-0C1F-EB92DCB2AE3D}"/>
+                </a:ext>
+              </a:extLst>
+            </p:cNvPr>
+            <p:cNvCxnSpPr>
+              <a:cxnSpLocks/>
+            </p:cNvCxnSpPr>
+            <p:nvPr/>
+          </p:nvCxnSpPr>
+          <p:spPr>
+            <a:xfrm flipV="1">
+              <a:off x="1636183" y="4181265"/>
+              <a:ext cx="0" cy="508636"/>
+            </a:xfrm>
+            <a:prstGeom prst="straightConnector1">
+              <a:avLst/>
+            </a:prstGeom>
+            <a:ln>
+              <a:tailEnd type="triangle"/>
+            </a:ln>
+          </p:spPr>
+          <p:style>
+            <a:lnRef idx="3">
+              <a:schemeClr val="accent1"/>
+            </a:lnRef>
+            <a:fillRef idx="0">
+              <a:schemeClr val="accent1"/>
+            </a:fillRef>
+            <a:effectRef idx="2">
+              <a:schemeClr val="accent1"/>
+            </a:effectRef>
+            <a:fontRef idx="minor">
+              <a:schemeClr val="tx1"/>
+            </a:fontRef>
+          </p:style>
+        </p:cxnSp>
+        <p:sp>
+          <p:nvSpPr>
+            <p:cNvPr id="49" name="&quot;Not Allowed&quot; Symbol 48">
+              <a:extLst>
+                <a:ext uri="{FF2B5EF4-FFF2-40B4-BE49-F238E27FC236}">
+                  <a16:creationId xmlns:a16="http://schemas.microsoft.com/office/drawing/2014/main" id="{7B5D8BCB-8B94-0ADC-9919-3F68DEB0A34C}"/>
+                </a:ext>
+              </a:extLst>
+            </p:cNvPr>
+            <p:cNvSpPr/>
+            <p:nvPr/>
+          </p:nvSpPr>
+          <p:spPr>
+            <a:xfrm>
+              <a:off x="1532464" y="4340379"/>
+              <a:ext cx="207428" cy="190408"/>
+            </a:xfrm>
+            <a:prstGeom prst="noSmoking">
+              <a:avLst/>
+            </a:prstGeom>
+            <a:solidFill>
+              <a:srgbClr val="FF0000"/>
+            </a:solidFill>
+          </p:spPr>
+          <p:style>
+            <a:lnRef idx="2">
+              <a:schemeClr val="accent1">
+                <a:shade val="50000"/>
+              </a:schemeClr>
+            </a:lnRef>
+            <a:fillRef idx="1">
+              <a:schemeClr val="accent1"/>
+            </a:fillRef>
+            <a:effectRef idx="0">
+              <a:schemeClr val="accent1"/>
+            </a:effectRef>
+            <a:fontRef idx="minor">
+              <a:schemeClr val="lt1"/>
+            </a:fontRef>
+          </p:style>
+          <p:txBody>
+            <a:bodyPr rtlCol="0" anchor="ctr"/>
+            <a:lstStyle/>
+            <a:p>
+              <a:pPr algn="ctr"/>
+              <a:endParaRPr lang="en-NL" dirty="0">
+                <a:solidFill>
+                  <a:schemeClr val="tx1"/>
+                </a:solidFill>
+              </a:endParaRPr>
+            </a:p>
+          </p:txBody>
+        </p:sp>
+      </p:grpSp>
+      <p:cxnSp>
+        <p:nvCxnSpPr>
+          <p:cNvPr id="51" name="Straight Arrow Connector 50">
+            <a:extLst>
+              <a:ext uri="{FF2B5EF4-FFF2-40B4-BE49-F238E27FC236}">
+                <a16:creationId xmlns:a16="http://schemas.microsoft.com/office/drawing/2014/main" id="{5D3DDD5F-3374-0BC6-1C14-EB47F2BBACA9}"/>
+              </a:ext>
+            </a:extLst>
+          </p:cNvPr>
+          <p:cNvCxnSpPr>
+            <a:cxnSpLocks/>
+          </p:cNvCxnSpPr>
+          <p:nvPr/>
+        </p:nvCxnSpPr>
+        <p:spPr>
+          <a:xfrm flipV="1">
+            <a:off x="3232150" y="2936029"/>
+            <a:ext cx="0" cy="508636"/>
+          </a:xfrm>
+          <a:prstGeom prst="straightConnector1">
+            <a:avLst/>
+          </a:prstGeom>
+          <a:ln>
+            <a:tailEnd type="triangle"/>
+          </a:ln>
+        </p:spPr>
+        <p:style>
+          <a:lnRef idx="3">
+            <a:schemeClr val="accent1"/>
+          </a:lnRef>
+          <a:fillRef idx="0">
+            <a:schemeClr val="accent1"/>
+          </a:fillRef>
+          <a:effectRef idx="2">
+            <a:schemeClr val="accent1"/>
+          </a:effectRef>
+          <a:fontRef idx="minor">
+            <a:schemeClr val="tx1"/>
+          </a:fontRef>
+        </p:style>
+      </p:cxnSp>
+      <p:cxnSp>
+        <p:nvCxnSpPr>
+          <p:cNvPr id="53" name="Straight Arrow Connector 52">
+            <a:extLst>
+              <a:ext uri="{FF2B5EF4-FFF2-40B4-BE49-F238E27FC236}">
+                <a16:creationId xmlns:a16="http://schemas.microsoft.com/office/drawing/2014/main" id="{E7900520-4524-63D0-52CB-89C29C0978BB}"/>
+              </a:ext>
+            </a:extLst>
+          </p:cNvPr>
+          <p:cNvCxnSpPr>
+            <a:cxnSpLocks/>
+          </p:cNvCxnSpPr>
+          <p:nvPr/>
+        </p:nvCxnSpPr>
+        <p:spPr>
+          <a:xfrm flipV="1">
+            <a:off x="3232150" y="4181265"/>
+            <a:ext cx="0" cy="508636"/>
+          </a:xfrm>
+          <a:prstGeom prst="straightConnector1">
+            <a:avLst/>
+          </a:prstGeom>
+          <a:ln>
+            <a:tailEnd type="triangle"/>
+          </a:ln>
+        </p:spPr>
+        <p:style>
+          <a:lnRef idx="3">
+            <a:schemeClr val="accent1"/>
+          </a:lnRef>
+          <a:fillRef idx="0">
+            <a:schemeClr val="accent1"/>
+          </a:fillRef>
+          <a:effectRef idx="2">
+            <a:schemeClr val="accent1"/>
+          </a:effectRef>
+          <a:fontRef idx="minor">
+            <a:schemeClr val="tx1"/>
+          </a:fontRef>
+        </p:style>
+      </p:cxnSp>
+    </p:spTree>
+    <p:extLst>
+      <p:ext uri="{BB962C8B-B14F-4D97-AF65-F5344CB8AC3E}">
+        <p14:creationId xmlns:p14="http://schemas.microsoft.com/office/powerpoint/2010/main" val="2863989584"/>
+      </p:ext>
+    </p:extLst>
+  </p:cSld>
+  <p:clrMapOvr>
+    <a:masterClrMapping/>
+  </p:clrMapOvr>
+</p:sld>
+</file>
+
+<file path=ppt/slides/slide53.xml><?xml version="1.0" encoding="utf-8"?>
+<p:sld xmlns:a="http://schemas.openxmlformats.org/drawingml/2006/main" xmlns:r="http://schemas.openxmlformats.org/officeDocument/2006/relationships" xmlns:p="http://schemas.openxmlformats.org/presentationml/2006/main">
+  <p:cSld>
+    <p:spTree>
+      <p:nvGrpSpPr>
+        <p:cNvPr id="1" name=""/>
+        <p:cNvGrpSpPr/>
+        <p:nvPr/>
+      </p:nvGrpSpPr>
+      <p:grpSpPr>
+        <a:xfrm>
+          <a:off x="0" y="0"/>
+          <a:ext cx="0" cy="0"/>
+          <a:chOff x="0" y="0"/>
+          <a:chExt cx="0" cy="0"/>
+        </a:xfrm>
+      </p:grpSpPr>
+      <p:sp>
+        <p:nvSpPr>
+          <p:cNvPr id="2" name="Title 1">
+            <a:extLst>
+              <a:ext uri="{FF2B5EF4-FFF2-40B4-BE49-F238E27FC236}">
+                <a16:creationId xmlns:a16="http://schemas.microsoft.com/office/drawing/2014/main" id="{39A1D606-8DD1-369C-5C09-471CDD551AD5}"/>
+              </a:ext>
+            </a:extLst>
+          </p:cNvPr>
+          <p:cNvSpPr>
+            <a:spLocks noGrp="1"/>
+          </p:cNvSpPr>
+          <p:nvPr>
+            <p:ph type="title"/>
+          </p:nvPr>
+        </p:nvSpPr>
+        <p:spPr>
+          <a:xfrm>
+            <a:off x="838200" y="365126"/>
+            <a:ext cx="10515600" cy="718608"/>
+          </a:xfrm>
+        </p:spPr>
+        <p:txBody>
+          <a:bodyPr>
+            <a:normAutofit/>
+          </a:bodyPr>
+          <a:lstStyle/>
+          <a:p>
+            <a:r>
+              <a:rPr lang="nl-NL" sz="3600" noProof="0" dirty="0"/>
+              <a:t>Overerving van meerdere classes</a:t>
+            </a:r>
+          </a:p>
+        </p:txBody>
+      </p:sp>
+      <p:graphicFrame>
+        <p:nvGraphicFramePr>
+          <p:cNvPr id="13" name="Table 13">
+            <a:extLst>
+              <a:ext uri="{FF2B5EF4-FFF2-40B4-BE49-F238E27FC236}">
+                <a16:creationId xmlns:a16="http://schemas.microsoft.com/office/drawing/2014/main" id="{B27AE4E2-70D6-7A0D-E69B-B672CD55466D}"/>
+              </a:ext>
+            </a:extLst>
+          </p:cNvPr>
+          <p:cNvGraphicFramePr>
+            <a:graphicFrameLocks noGrp="1"/>
+          </p:cNvGraphicFramePr>
+          <p:nvPr/>
+        </p:nvGraphicFramePr>
+        <p:xfrm>
+          <a:off x="838200" y="2199429"/>
+          <a:ext cx="4787901" cy="736600"/>
+        </p:xfrm>
+        <a:graphic>
+          <a:graphicData uri="http://schemas.openxmlformats.org/drawingml/2006/table">
+            <a:tbl>
+              <a:tblPr firstRow="1" bandRow="1">
+                <a:tableStyleId>{21E4AEA4-8DFA-4A89-87EB-49C32662AFE0}</a:tableStyleId>
+              </a:tblPr>
+              <a:tblGrid>
+                <a:gridCol w="1595967">
+                  <a:extLst>
+                    <a:ext uri="{9D8B030D-6E8A-4147-A177-3AD203B41FA5}">
+                      <a16:colId xmlns:a16="http://schemas.microsoft.com/office/drawing/2014/main" val="3073575854"/>
+                    </a:ext>
+                  </a:extLst>
+                </a:gridCol>
+                <a:gridCol w="1595967">
+                  <a:extLst>
+                    <a:ext uri="{9D8B030D-6E8A-4147-A177-3AD203B41FA5}">
+                      <a16:colId xmlns:a16="http://schemas.microsoft.com/office/drawing/2014/main" val="1785459708"/>
+                    </a:ext>
+                  </a:extLst>
+                </a:gridCol>
+                <a:gridCol w="1595967">
+                  <a:extLst>
+                    <a:ext uri="{9D8B030D-6E8A-4147-A177-3AD203B41FA5}">
+                      <a16:colId xmlns:a16="http://schemas.microsoft.com/office/drawing/2014/main" val="3617932867"/>
+                    </a:ext>
+                  </a:extLst>
+                </a:gridCol>
+              </a:tblGrid>
+              <a:tr h="0">
+                <a:tc gridSpan="3">
+                  <a:txBody>
+                    <a:bodyPr/>
+                    <a:lstStyle/>
+                    <a:p>
+                      <a:pPr algn="ctr"/>
+                      <a:r>
+                        <a:rPr lang="en-US" dirty="0">
+                          <a:latin typeface="Courier New" panose="02070309020205020404" pitchFamily="49" charset="0"/>
+                          <a:cs typeface="Courier New" panose="02070309020205020404" pitchFamily="49" charset="0"/>
+                        </a:rPr>
+                        <a:t>class C(B)</a:t>
+                      </a:r>
+                      <a:endParaRPr lang="en-NL" dirty="0">
+                        <a:latin typeface="Courier New" panose="02070309020205020404" pitchFamily="49" charset="0"/>
+                        <a:cs typeface="Courier New" panose="02070309020205020404" pitchFamily="49" charset="0"/>
+                      </a:endParaRPr>
+                    </a:p>
+                  </a:txBody>
+                  <a:tcPr/>
+                </a:tc>
+                <a:tc hMerge="1">
+                  <a:txBody>
+                    <a:bodyPr/>
+                    <a:lstStyle/>
+                    <a:p>
+                      <a:endParaRPr lang="en-NL" dirty="0"/>
+                    </a:p>
+                  </a:txBody>
+                  <a:tcPr/>
+                </a:tc>
+                <a:tc hMerge="1">
+                  <a:txBody>
+                    <a:bodyPr/>
+                    <a:lstStyle/>
+                    <a:p>
+                      <a:endParaRPr lang="en-NL" dirty="0"/>
+                    </a:p>
+                  </a:txBody>
+                  <a:tcPr/>
+                </a:tc>
+                <a:extLst>
+                  <a:ext uri="{0D108BD9-81ED-4DB2-BD59-A6C34878D82A}">
+                    <a16:rowId xmlns:a16="http://schemas.microsoft.com/office/drawing/2014/main" val="2290352773"/>
+                  </a:ext>
+                </a:extLst>
+              </a:tr>
+              <a:tr h="370840">
+                <a:tc>
+                  <a:txBody>
+                    <a:bodyPr/>
+                    <a:lstStyle/>
+                    <a:p>
+                      <a:pPr algn="ctr"/>
+                      <a:r>
+                        <a:rPr lang="en-US" b="1" dirty="0">
+                          <a:solidFill>
+                            <a:schemeClr val="accent6">
+                              <a:lumMod val="75000"/>
+                            </a:schemeClr>
+                          </a:solidFill>
+                          <a:latin typeface="Courier New" panose="02070309020205020404" pitchFamily="49" charset="0"/>
+                          <a:cs typeface="Courier New" panose="02070309020205020404" pitchFamily="49" charset="0"/>
+                        </a:rPr>
+                        <a:t>x</a:t>
+                      </a:r>
+                      <a:endParaRPr lang="en-NL" b="1" dirty="0">
+                        <a:solidFill>
+                          <a:schemeClr val="accent6">
+                            <a:lumMod val="75000"/>
+                          </a:schemeClr>
+                        </a:solidFill>
+                        <a:latin typeface="Courier New" panose="02070309020205020404" pitchFamily="49" charset="0"/>
+                        <a:cs typeface="Courier New" panose="02070309020205020404" pitchFamily="49" charset="0"/>
+                      </a:endParaRPr>
+                    </a:p>
+                  </a:txBody>
+                  <a:tcPr/>
+                </a:tc>
+                <a:tc>
+                  <a:txBody>
+                    <a:bodyPr/>
+                    <a:lstStyle/>
+                    <a:p>
+                      <a:pPr algn="ctr"/>
+                      <a:r>
+                        <a:rPr lang="en-US" b="1" dirty="0">
+                          <a:solidFill>
+                            <a:schemeClr val="accent5">
+                              <a:lumMod val="75000"/>
+                            </a:schemeClr>
+                          </a:solidFill>
+                          <a:latin typeface="Courier New" panose="02070309020205020404" pitchFamily="49" charset="0"/>
+                          <a:cs typeface="Courier New" panose="02070309020205020404" pitchFamily="49" charset="0"/>
+                        </a:rPr>
+                        <a:t>y</a:t>
+                      </a:r>
+                      <a:endParaRPr lang="en-NL" b="1" dirty="0">
+                        <a:solidFill>
+                          <a:schemeClr val="accent5">
+                            <a:lumMod val="75000"/>
+                          </a:schemeClr>
+                        </a:solidFill>
+                        <a:latin typeface="Courier New" panose="02070309020205020404" pitchFamily="49" charset="0"/>
+                        <a:cs typeface="Courier New" panose="02070309020205020404" pitchFamily="49" charset="0"/>
+                      </a:endParaRPr>
+                    </a:p>
+                  </a:txBody>
+                  <a:tcPr/>
+                </a:tc>
+                <a:tc>
+                  <a:txBody>
+                    <a:bodyPr/>
+                    <a:lstStyle/>
+                    <a:p>
+                      <a:pPr algn="ctr"/>
+                      <a:r>
+                        <a:rPr lang="en-US" b="1" dirty="0">
+                          <a:solidFill>
+                            <a:schemeClr val="accent2">
+                              <a:lumMod val="75000"/>
+                            </a:schemeClr>
+                          </a:solidFill>
+                          <a:latin typeface="Courier New" panose="02070309020205020404" pitchFamily="49" charset="0"/>
+                          <a:cs typeface="Courier New" panose="02070309020205020404" pitchFamily="49" charset="0"/>
+                        </a:rPr>
+                        <a:t>def z</a:t>
+                      </a:r>
+                      <a:endParaRPr lang="en-NL" b="1" dirty="0">
+                        <a:solidFill>
+                          <a:schemeClr val="accent2">
+                            <a:lumMod val="75000"/>
+                          </a:schemeClr>
+                        </a:solidFill>
+                        <a:latin typeface="Courier New" panose="02070309020205020404" pitchFamily="49" charset="0"/>
+                        <a:cs typeface="Courier New" panose="02070309020205020404" pitchFamily="49" charset="0"/>
+                      </a:endParaRPr>
+                    </a:p>
+                  </a:txBody>
+                  <a:tcPr/>
+                </a:tc>
+                <a:extLst>
+                  <a:ext uri="{0D108BD9-81ED-4DB2-BD59-A6C34878D82A}">
+                    <a16:rowId xmlns:a16="http://schemas.microsoft.com/office/drawing/2014/main" val="785041814"/>
+                  </a:ext>
+                </a:extLst>
+              </a:tr>
+            </a:tbl>
+          </a:graphicData>
+        </a:graphic>
+      </p:graphicFrame>
+      <p:graphicFrame>
+        <p:nvGraphicFramePr>
+          <p:cNvPr id="14" name="Table 13">
+            <a:extLst>
+              <a:ext uri="{FF2B5EF4-FFF2-40B4-BE49-F238E27FC236}">
+                <a16:creationId xmlns:a16="http://schemas.microsoft.com/office/drawing/2014/main" id="{D1E6095E-7DAB-1E45-97B7-08734FD4069A}"/>
+              </a:ext>
+            </a:extLst>
+          </p:cNvPr>
+          <p:cNvGraphicFramePr>
+            <a:graphicFrameLocks noGrp="1"/>
+          </p:cNvGraphicFramePr>
+          <p:nvPr/>
+        </p:nvGraphicFramePr>
+        <p:xfrm>
+          <a:off x="838199" y="3444665"/>
+          <a:ext cx="3191924" cy="736600"/>
+        </p:xfrm>
+        <a:graphic>
+          <a:graphicData uri="http://schemas.openxmlformats.org/drawingml/2006/table">
+            <a:tbl>
+              <a:tblPr firstRow="1" bandRow="1">
+                <a:tableStyleId>{93296810-A885-4BE3-A3E7-6D5BEEA58F35}</a:tableStyleId>
+              </a:tblPr>
+              <a:tblGrid>
+                <a:gridCol w="1595962">
+                  <a:extLst>
+                    <a:ext uri="{9D8B030D-6E8A-4147-A177-3AD203B41FA5}">
+                      <a16:colId xmlns:a16="http://schemas.microsoft.com/office/drawing/2014/main" val="3073575854"/>
+                    </a:ext>
+                  </a:extLst>
+                </a:gridCol>
+                <a:gridCol w="1595962">
+                  <a:extLst>
+                    <a:ext uri="{9D8B030D-6E8A-4147-A177-3AD203B41FA5}">
+                      <a16:colId xmlns:a16="http://schemas.microsoft.com/office/drawing/2014/main" val="4251551100"/>
+                    </a:ext>
+                  </a:extLst>
+                </a:gridCol>
+              </a:tblGrid>
+              <a:tr h="0">
+                <a:tc gridSpan="2">
+                  <a:txBody>
+                    <a:bodyPr/>
+                    <a:lstStyle/>
+                    <a:p>
+                      <a:pPr algn="ctr"/>
+                      <a:r>
+                        <a:rPr lang="en-US" dirty="0">
+                          <a:latin typeface="Courier New" panose="02070309020205020404" pitchFamily="49" charset="0"/>
+                          <a:cs typeface="Courier New" panose="02070309020205020404" pitchFamily="49" charset="0"/>
+                        </a:rPr>
+                        <a:t>class B(A)</a:t>
+                      </a:r>
+                      <a:endParaRPr lang="en-NL" dirty="0">
+                        <a:latin typeface="Courier New" panose="02070309020205020404" pitchFamily="49" charset="0"/>
+                        <a:cs typeface="Courier New" panose="02070309020205020404" pitchFamily="49" charset="0"/>
+                      </a:endParaRPr>
+                    </a:p>
+                  </a:txBody>
+                  <a:tcPr/>
+                </a:tc>
+                <a:tc hMerge="1">
+                  <a:txBody>
+                    <a:bodyPr/>
+                    <a:lstStyle/>
+                    <a:p>
+                      <a:pPr algn="ctr"/>
+                      <a:endParaRPr lang="en-NL" dirty="0">
+                        <a:latin typeface="Courier New" panose="02070309020205020404" pitchFamily="49" charset="0"/>
+                        <a:cs typeface="Courier New" panose="02070309020205020404" pitchFamily="49" charset="0"/>
+                      </a:endParaRPr>
+                    </a:p>
+                  </a:txBody>
+                  <a:tcPr/>
+                </a:tc>
+                <a:extLst>
+                  <a:ext uri="{0D108BD9-81ED-4DB2-BD59-A6C34878D82A}">
+                    <a16:rowId xmlns:a16="http://schemas.microsoft.com/office/drawing/2014/main" val="2290352773"/>
+                  </a:ext>
+                </a:extLst>
+              </a:tr>
+              <a:tr h="370840">
+                <a:tc>
+                  <a:txBody>
+                    <a:bodyPr/>
+                    <a:lstStyle/>
+                    <a:p>
+                      <a:pPr algn="ctr"/>
+                      <a:r>
+                        <a:rPr lang="en-US" b="1" dirty="0">
+                          <a:solidFill>
+                            <a:schemeClr val="accent6">
+                              <a:lumMod val="75000"/>
+                            </a:schemeClr>
+                          </a:solidFill>
+                          <a:latin typeface="Courier New" panose="02070309020205020404" pitchFamily="49" charset="0"/>
+                          <a:cs typeface="Courier New" panose="02070309020205020404" pitchFamily="49" charset="0"/>
+                        </a:rPr>
+                        <a:t>def x</a:t>
+                      </a:r>
+                      <a:endParaRPr lang="en-NL" b="1" dirty="0">
+                        <a:solidFill>
+                          <a:schemeClr val="accent6">
+                            <a:lumMod val="75000"/>
+                          </a:schemeClr>
+                        </a:solidFill>
+                        <a:latin typeface="Courier New" panose="02070309020205020404" pitchFamily="49" charset="0"/>
+                        <a:cs typeface="Courier New" panose="02070309020205020404" pitchFamily="49" charset="0"/>
+                      </a:endParaRPr>
+                    </a:p>
+                  </a:txBody>
+                  <a:tcPr/>
+                </a:tc>
+                <a:tc>
+                  <a:txBody>
+                    <a:bodyPr/>
+                    <a:lstStyle/>
+                    <a:p>
+                      <a:pPr marL="0" marR="0" lvl="0" indent="0" algn="ctr" defTabSz="914400" rtl="0" eaLnBrk="1" fontAlgn="auto" latinLnBrk="0" hangingPunct="1">
+                        <a:lnSpc>
+                          <a:spcPct val="100000"/>
+                        </a:lnSpc>
+                        <a:spcBef>
+                          <a:spcPts val="0"/>
+                        </a:spcBef>
+                        <a:spcAft>
+                          <a:spcPts val="0"/>
+                        </a:spcAft>
+                        <a:buClrTx/>
+                        <a:buSzTx/>
+                        <a:buFontTx/>
+                        <a:buNone/>
+                        <a:tabLst/>
+                        <a:defRPr/>
+                      </a:pPr>
+                      <a:r>
+                        <a:rPr lang="en-US" b="1" dirty="0">
+                          <a:solidFill>
+                            <a:schemeClr val="accent5">
+                              <a:lumMod val="75000"/>
+                            </a:schemeClr>
+                          </a:solidFill>
+                          <a:latin typeface="Courier New" panose="02070309020205020404" pitchFamily="49" charset="0"/>
+                          <a:cs typeface="Courier New" panose="02070309020205020404" pitchFamily="49" charset="0"/>
+                        </a:rPr>
+                        <a:t>y</a:t>
+                      </a:r>
+                      <a:endParaRPr lang="en-NL" b="1" dirty="0">
+                        <a:solidFill>
+                          <a:schemeClr val="accent5">
+                            <a:lumMod val="75000"/>
+                          </a:schemeClr>
+                        </a:solidFill>
+                        <a:latin typeface="Courier New" panose="02070309020205020404" pitchFamily="49" charset="0"/>
+                        <a:cs typeface="Courier New" panose="02070309020205020404" pitchFamily="49" charset="0"/>
+                      </a:endParaRPr>
+                    </a:p>
+                  </a:txBody>
+                  <a:tcPr/>
+                </a:tc>
+                <a:extLst>
+                  <a:ext uri="{0D108BD9-81ED-4DB2-BD59-A6C34878D82A}">
+                    <a16:rowId xmlns:a16="http://schemas.microsoft.com/office/drawing/2014/main" val="785041814"/>
+                  </a:ext>
+                </a:extLst>
+              </a:tr>
+            </a:tbl>
+          </a:graphicData>
+        </a:graphic>
+      </p:graphicFrame>
+      <p:graphicFrame>
+        <p:nvGraphicFramePr>
+          <p:cNvPr id="15" name="Table 13">
+            <a:extLst>
+              <a:ext uri="{FF2B5EF4-FFF2-40B4-BE49-F238E27FC236}">
+                <a16:creationId xmlns:a16="http://schemas.microsoft.com/office/drawing/2014/main" id="{4F2A733B-E4CD-912B-B22F-EF2CFBBB1DEE}"/>
+              </a:ext>
+            </a:extLst>
+          </p:cNvPr>
+          <p:cNvGraphicFramePr>
+            <a:graphicFrameLocks noGrp="1"/>
+          </p:cNvGraphicFramePr>
+          <p:nvPr/>
+        </p:nvGraphicFramePr>
+        <p:xfrm>
+          <a:off x="838200" y="4689901"/>
+          <a:ext cx="3191934" cy="736600"/>
+        </p:xfrm>
+        <a:graphic>
+          <a:graphicData uri="http://schemas.openxmlformats.org/drawingml/2006/table">
+            <a:tbl>
+              <a:tblPr firstRow="1" bandRow="1">
+                <a:tableStyleId>{5C22544A-7EE6-4342-B048-85BDC9FD1C3A}</a:tableStyleId>
+              </a:tblPr>
+              <a:tblGrid>
+                <a:gridCol w="1595967">
+                  <a:extLst>
+                    <a:ext uri="{9D8B030D-6E8A-4147-A177-3AD203B41FA5}">
+                      <a16:colId xmlns:a16="http://schemas.microsoft.com/office/drawing/2014/main" val="3073575854"/>
+                    </a:ext>
+                  </a:extLst>
+                </a:gridCol>
+                <a:gridCol w="1595967">
+                  <a:extLst>
+                    <a:ext uri="{9D8B030D-6E8A-4147-A177-3AD203B41FA5}">
+                      <a16:colId xmlns:a16="http://schemas.microsoft.com/office/drawing/2014/main" val="1785459708"/>
+                    </a:ext>
+                  </a:extLst>
+                </a:gridCol>
+              </a:tblGrid>
+              <a:tr h="0">
+                <a:tc gridSpan="2">
+                  <a:txBody>
+                    <a:bodyPr/>
+                    <a:lstStyle/>
+                    <a:p>
+                      <a:pPr algn="ctr"/>
+                      <a:r>
+                        <a:rPr lang="en-US" dirty="0">
+                          <a:latin typeface="Courier New" panose="02070309020205020404" pitchFamily="49" charset="0"/>
+                          <a:cs typeface="Courier New" panose="02070309020205020404" pitchFamily="49" charset="0"/>
+                        </a:rPr>
+                        <a:t>class A</a:t>
+                      </a:r>
+                      <a:endParaRPr lang="en-NL" dirty="0">
+                        <a:latin typeface="Courier New" panose="02070309020205020404" pitchFamily="49" charset="0"/>
+                        <a:cs typeface="Courier New" panose="02070309020205020404" pitchFamily="49" charset="0"/>
+                      </a:endParaRPr>
+                    </a:p>
+                  </a:txBody>
+                  <a:tcPr/>
+                </a:tc>
+                <a:tc hMerge="1">
+                  <a:txBody>
+                    <a:bodyPr/>
+                    <a:lstStyle/>
+                    <a:p>
+                      <a:endParaRPr lang="en-NL" dirty="0"/>
+                    </a:p>
+                  </a:txBody>
+                  <a:tcPr/>
+                </a:tc>
+                <a:extLst>
+                  <a:ext uri="{0D108BD9-81ED-4DB2-BD59-A6C34878D82A}">
+                    <a16:rowId xmlns:a16="http://schemas.microsoft.com/office/drawing/2014/main" val="2290352773"/>
+                  </a:ext>
+                </a:extLst>
+              </a:tr>
+              <a:tr h="370840">
+                <a:tc>
+                  <a:txBody>
+                    <a:bodyPr/>
+                    <a:lstStyle/>
+                    <a:p>
+                      <a:pPr algn="ctr"/>
+                      <a:r>
+                        <a:rPr lang="en-US" b="1" dirty="0">
+                          <a:solidFill>
+                            <a:schemeClr val="accent5">
+                              <a:lumMod val="75000"/>
+                            </a:schemeClr>
+                          </a:solidFill>
+                          <a:latin typeface="Courier New" panose="02070309020205020404" pitchFamily="49" charset="0"/>
+                          <a:cs typeface="Courier New" panose="02070309020205020404" pitchFamily="49" charset="0"/>
+                        </a:rPr>
+                        <a:t>def x</a:t>
+                      </a:r>
+                      <a:endParaRPr lang="en-NL" b="1" dirty="0">
+                        <a:solidFill>
+                          <a:schemeClr val="accent5">
+                            <a:lumMod val="75000"/>
+                          </a:schemeClr>
+                        </a:solidFill>
+                        <a:latin typeface="Courier New" panose="02070309020205020404" pitchFamily="49" charset="0"/>
+                        <a:cs typeface="Courier New" panose="02070309020205020404" pitchFamily="49" charset="0"/>
+                      </a:endParaRPr>
+                    </a:p>
+                  </a:txBody>
+                  <a:tcPr/>
+                </a:tc>
+                <a:tc>
+                  <a:txBody>
+                    <a:bodyPr/>
+                    <a:lstStyle/>
+                    <a:p>
+                      <a:pPr algn="ctr"/>
+                      <a:r>
+                        <a:rPr lang="en-US" b="1" dirty="0">
+                          <a:solidFill>
+                            <a:schemeClr val="accent5">
+                              <a:lumMod val="75000"/>
+                            </a:schemeClr>
+                          </a:solidFill>
+                          <a:latin typeface="Courier New" panose="02070309020205020404" pitchFamily="49" charset="0"/>
+                          <a:cs typeface="Courier New" panose="02070309020205020404" pitchFamily="49" charset="0"/>
+                        </a:rPr>
+                        <a:t>def y</a:t>
+                      </a:r>
+                      <a:endParaRPr lang="en-NL" b="1" dirty="0">
+                        <a:solidFill>
+                          <a:schemeClr val="accent5">
+                            <a:lumMod val="75000"/>
+                          </a:schemeClr>
+                        </a:solidFill>
+                        <a:latin typeface="Courier New" panose="02070309020205020404" pitchFamily="49" charset="0"/>
+                        <a:cs typeface="Courier New" panose="02070309020205020404" pitchFamily="49" charset="0"/>
+                      </a:endParaRPr>
+                    </a:p>
+                  </a:txBody>
+                  <a:tcPr/>
+                </a:tc>
+                <a:extLst>
+                  <a:ext uri="{0D108BD9-81ED-4DB2-BD59-A6C34878D82A}">
+                    <a16:rowId xmlns:a16="http://schemas.microsoft.com/office/drawing/2014/main" val="785041814"/>
+                  </a:ext>
+                </a:extLst>
+              </a:tr>
+            </a:tbl>
+          </a:graphicData>
+        </a:graphic>
+      </p:graphicFrame>
+      <p:cxnSp>
+        <p:nvCxnSpPr>
+          <p:cNvPr id="20" name="Straight Arrow Connector 19">
+            <a:extLst>
+              <a:ext uri="{FF2B5EF4-FFF2-40B4-BE49-F238E27FC236}">
+                <a16:creationId xmlns:a16="http://schemas.microsoft.com/office/drawing/2014/main" id="{6E7AC5FE-664D-BC4D-2089-A98B1DA8332F}"/>
+              </a:ext>
+            </a:extLst>
+          </p:cNvPr>
+          <p:cNvCxnSpPr/>
+          <p:nvPr/>
+        </p:nvCxnSpPr>
+        <p:spPr>
+          <a:xfrm flipV="1">
+            <a:off x="1636183" y="2936029"/>
+            <a:ext cx="0" cy="508636"/>
+          </a:xfrm>
+          <a:prstGeom prst="straightConnector1">
+            <a:avLst/>
+          </a:prstGeom>
+          <a:ln>
+            <a:tailEnd type="triangle"/>
+          </a:ln>
+        </p:spPr>
+        <p:style>
+          <a:lnRef idx="3">
+            <a:schemeClr val="accent6"/>
+          </a:lnRef>
+          <a:fillRef idx="0">
+            <a:schemeClr val="accent6"/>
+          </a:fillRef>
+          <a:effectRef idx="2">
+            <a:schemeClr val="accent6"/>
+          </a:effectRef>
+          <a:fontRef idx="minor">
+            <a:schemeClr val="tx1"/>
+          </a:fontRef>
+        </p:style>
+      </p:cxnSp>
+      <p:sp>
+        <p:nvSpPr>
+          <p:cNvPr id="25" name="TextBox 24">
+            <a:extLst>
+              <a:ext uri="{FF2B5EF4-FFF2-40B4-BE49-F238E27FC236}">
+                <a16:creationId xmlns:a16="http://schemas.microsoft.com/office/drawing/2014/main" id="{7E29C54E-8E31-8697-5A5D-3133381BC0DD}"/>
+              </a:ext>
+            </a:extLst>
+          </p:cNvPr>
+          <p:cNvSpPr txBox="1"/>
+          <p:nvPr/>
+        </p:nvSpPr>
+        <p:spPr>
+          <a:xfrm>
+            <a:off x="838199" y="1407704"/>
+            <a:ext cx="4787901" cy="369332"/>
+          </a:xfrm>
+          <a:prstGeom prst="rect">
+            <a:avLst/>
+          </a:prstGeom>
+          <a:noFill/>
+        </p:spPr>
+        <p:txBody>
+          <a:bodyPr wrap="square" rtlCol="0">
+            <a:spAutoFit/>
+          </a:bodyPr>
+          <a:lstStyle/>
+          <a:p>
+            <a:r>
+              <a:rPr lang="en-US" dirty="0" err="1"/>
+              <a:t>Gestapelde</a:t>
+            </a:r>
+            <a:r>
+              <a:rPr lang="en-US" dirty="0"/>
+              <a:t> basis classes:</a:t>
+            </a:r>
+            <a:endParaRPr lang="en-NL" dirty="0"/>
+          </a:p>
+        </p:txBody>
+      </p:sp>
+      <p:cxnSp>
+        <p:nvCxnSpPr>
+          <p:cNvPr id="35" name="Straight Arrow Connector 34">
+            <a:extLst>
+              <a:ext uri="{FF2B5EF4-FFF2-40B4-BE49-F238E27FC236}">
+                <a16:creationId xmlns:a16="http://schemas.microsoft.com/office/drawing/2014/main" id="{077064D2-0639-4331-F791-351BE7441628}"/>
+              </a:ext>
+            </a:extLst>
+          </p:cNvPr>
+          <p:cNvCxnSpPr>
+            <a:cxnSpLocks/>
+            <a:endCxn id="36" idx="2"/>
+          </p:cNvCxnSpPr>
+          <p:nvPr/>
+        </p:nvCxnSpPr>
+        <p:spPr>
+          <a:xfrm flipV="1">
+            <a:off x="8959849" y="2936029"/>
+            <a:ext cx="0" cy="1753872"/>
+          </a:xfrm>
+          <a:prstGeom prst="straightConnector1">
+            <a:avLst/>
+          </a:prstGeom>
+          <a:ln>
+            <a:tailEnd type="triangle"/>
+          </a:ln>
+        </p:spPr>
+        <p:style>
+          <a:lnRef idx="3">
+            <a:schemeClr val="accent1"/>
+          </a:lnRef>
+          <a:fillRef idx="0">
+            <a:schemeClr val="accent1"/>
+          </a:fillRef>
+          <a:effectRef idx="2">
+            <a:schemeClr val="accent1"/>
+          </a:effectRef>
+          <a:fontRef idx="minor">
+            <a:schemeClr val="tx1"/>
+          </a:fontRef>
+        </p:style>
+      </p:cxnSp>
+      <p:graphicFrame>
+        <p:nvGraphicFramePr>
+          <p:cNvPr id="36" name="Table 13">
+            <a:extLst>
+              <a:ext uri="{FF2B5EF4-FFF2-40B4-BE49-F238E27FC236}">
+                <a16:creationId xmlns:a16="http://schemas.microsoft.com/office/drawing/2014/main" id="{65F8BC86-C019-6DFA-8B7D-D2524383A76D}"/>
+              </a:ext>
+            </a:extLst>
+          </p:cNvPr>
+          <p:cNvGraphicFramePr>
+            <a:graphicFrameLocks noGrp="1"/>
+          </p:cNvGraphicFramePr>
+          <p:nvPr/>
+        </p:nvGraphicFramePr>
+        <p:xfrm>
+          <a:off x="6565899" y="2199429"/>
+          <a:ext cx="4787901" cy="736600"/>
+        </p:xfrm>
+        <a:graphic>
+          <a:graphicData uri="http://schemas.openxmlformats.org/drawingml/2006/table">
+            <a:tbl>
+              <a:tblPr firstRow="1" bandRow="1">
+                <a:tableStyleId>{21E4AEA4-8DFA-4A89-87EB-49C32662AFE0}</a:tableStyleId>
+              </a:tblPr>
+              <a:tblGrid>
+                <a:gridCol w="1595967">
+                  <a:extLst>
+                    <a:ext uri="{9D8B030D-6E8A-4147-A177-3AD203B41FA5}">
+                      <a16:colId xmlns:a16="http://schemas.microsoft.com/office/drawing/2014/main" val="3073575854"/>
+                    </a:ext>
+                  </a:extLst>
+                </a:gridCol>
+                <a:gridCol w="1595967">
+                  <a:extLst>
+                    <a:ext uri="{9D8B030D-6E8A-4147-A177-3AD203B41FA5}">
+                      <a16:colId xmlns:a16="http://schemas.microsoft.com/office/drawing/2014/main" val="1785459708"/>
+                    </a:ext>
+                  </a:extLst>
+                </a:gridCol>
+                <a:gridCol w="1595967">
+                  <a:extLst>
+                    <a:ext uri="{9D8B030D-6E8A-4147-A177-3AD203B41FA5}">
+                      <a16:colId xmlns:a16="http://schemas.microsoft.com/office/drawing/2014/main" val="3617932867"/>
+                    </a:ext>
+                  </a:extLst>
+                </a:gridCol>
+              </a:tblGrid>
+              <a:tr h="0">
+                <a:tc gridSpan="3">
+                  <a:txBody>
+                    <a:bodyPr/>
+                    <a:lstStyle/>
+                    <a:p>
+                      <a:pPr algn="ctr"/>
+                      <a:r>
+                        <a:rPr lang="en-US" dirty="0">
+                          <a:latin typeface="Courier New" panose="02070309020205020404" pitchFamily="49" charset="0"/>
+                          <a:cs typeface="Courier New" panose="02070309020205020404" pitchFamily="49" charset="0"/>
+                        </a:rPr>
+                        <a:t>class C(B, A)</a:t>
+                      </a:r>
+                      <a:endParaRPr lang="en-NL" dirty="0">
+                        <a:latin typeface="Courier New" panose="02070309020205020404" pitchFamily="49" charset="0"/>
+                        <a:cs typeface="Courier New" panose="02070309020205020404" pitchFamily="49" charset="0"/>
+                      </a:endParaRPr>
+                    </a:p>
+                  </a:txBody>
+                  <a:tcPr/>
+                </a:tc>
+                <a:tc hMerge="1">
+                  <a:txBody>
+                    <a:bodyPr/>
+                    <a:lstStyle/>
+                    <a:p>
+                      <a:endParaRPr lang="en-NL" dirty="0"/>
+                    </a:p>
+                  </a:txBody>
+                  <a:tcPr/>
+                </a:tc>
+                <a:tc hMerge="1">
+                  <a:txBody>
+                    <a:bodyPr/>
+                    <a:lstStyle/>
+                    <a:p>
+                      <a:endParaRPr lang="en-NL" dirty="0"/>
+                    </a:p>
+                  </a:txBody>
+                  <a:tcPr/>
+                </a:tc>
+                <a:extLst>
+                  <a:ext uri="{0D108BD9-81ED-4DB2-BD59-A6C34878D82A}">
+                    <a16:rowId xmlns:a16="http://schemas.microsoft.com/office/drawing/2014/main" val="2290352773"/>
+                  </a:ext>
+                </a:extLst>
+              </a:tr>
+              <a:tr h="370840">
+                <a:tc>
+                  <a:txBody>
+                    <a:bodyPr/>
+                    <a:lstStyle/>
+                    <a:p>
+                      <a:pPr algn="ctr"/>
+                      <a:r>
+                        <a:rPr lang="en-US" b="1" dirty="0">
+                          <a:solidFill>
+                            <a:schemeClr val="accent6">
+                              <a:lumMod val="75000"/>
+                            </a:schemeClr>
+                          </a:solidFill>
+                          <a:latin typeface="Courier New" panose="02070309020205020404" pitchFamily="49" charset="0"/>
+                          <a:cs typeface="Courier New" panose="02070309020205020404" pitchFamily="49" charset="0"/>
+                        </a:rPr>
+                        <a:t>x</a:t>
+                      </a:r>
+                      <a:endParaRPr lang="en-NL" b="1" dirty="0">
+                        <a:solidFill>
+                          <a:schemeClr val="accent6">
+                            <a:lumMod val="75000"/>
+                          </a:schemeClr>
+                        </a:solidFill>
+                        <a:latin typeface="Courier New" panose="02070309020205020404" pitchFamily="49" charset="0"/>
+                        <a:cs typeface="Courier New" panose="02070309020205020404" pitchFamily="49" charset="0"/>
+                      </a:endParaRPr>
+                    </a:p>
+                  </a:txBody>
+                  <a:tcPr/>
+                </a:tc>
+                <a:tc>
+                  <a:txBody>
+                    <a:bodyPr/>
+                    <a:lstStyle/>
+                    <a:p>
+                      <a:pPr algn="ctr"/>
+                      <a:r>
+                        <a:rPr lang="en-US" b="1" dirty="0">
+                          <a:solidFill>
+                            <a:schemeClr val="accent5">
+                              <a:lumMod val="75000"/>
+                            </a:schemeClr>
+                          </a:solidFill>
+                          <a:latin typeface="Courier New" panose="02070309020205020404" pitchFamily="49" charset="0"/>
+                          <a:cs typeface="Courier New" panose="02070309020205020404" pitchFamily="49" charset="0"/>
+                        </a:rPr>
+                        <a:t>y</a:t>
+                      </a:r>
+                      <a:endParaRPr lang="en-NL" b="1" dirty="0">
+                        <a:solidFill>
+                          <a:schemeClr val="accent5">
+                            <a:lumMod val="75000"/>
+                          </a:schemeClr>
+                        </a:solidFill>
+                        <a:latin typeface="Courier New" panose="02070309020205020404" pitchFamily="49" charset="0"/>
+                        <a:cs typeface="Courier New" panose="02070309020205020404" pitchFamily="49" charset="0"/>
+                      </a:endParaRPr>
+                    </a:p>
+                  </a:txBody>
+                  <a:tcPr/>
+                </a:tc>
+                <a:tc>
+                  <a:txBody>
+                    <a:bodyPr/>
+                    <a:lstStyle/>
+                    <a:p>
+                      <a:pPr algn="ctr"/>
+                      <a:r>
+                        <a:rPr lang="en-US" b="1" dirty="0">
+                          <a:solidFill>
+                            <a:schemeClr val="accent2">
+                              <a:lumMod val="75000"/>
+                            </a:schemeClr>
+                          </a:solidFill>
+                          <a:latin typeface="Courier New" panose="02070309020205020404" pitchFamily="49" charset="0"/>
+                          <a:cs typeface="Courier New" panose="02070309020205020404" pitchFamily="49" charset="0"/>
+                        </a:rPr>
+                        <a:t>def z</a:t>
+                      </a:r>
+                      <a:endParaRPr lang="en-NL" b="1" dirty="0">
+                        <a:solidFill>
+                          <a:schemeClr val="accent2">
+                            <a:lumMod val="75000"/>
+                          </a:schemeClr>
+                        </a:solidFill>
+                        <a:latin typeface="Courier New" panose="02070309020205020404" pitchFamily="49" charset="0"/>
+                        <a:cs typeface="Courier New" panose="02070309020205020404" pitchFamily="49" charset="0"/>
+                      </a:endParaRPr>
+                    </a:p>
+                  </a:txBody>
+                  <a:tcPr/>
+                </a:tc>
+                <a:extLst>
+                  <a:ext uri="{0D108BD9-81ED-4DB2-BD59-A6C34878D82A}">
+                    <a16:rowId xmlns:a16="http://schemas.microsoft.com/office/drawing/2014/main" val="785041814"/>
+                  </a:ext>
+                </a:extLst>
+              </a:tr>
+            </a:tbl>
+          </a:graphicData>
+        </a:graphic>
+      </p:graphicFrame>
+      <p:graphicFrame>
+        <p:nvGraphicFramePr>
+          <p:cNvPr id="37" name="Table 36">
+            <a:extLst>
+              <a:ext uri="{FF2B5EF4-FFF2-40B4-BE49-F238E27FC236}">
+                <a16:creationId xmlns:a16="http://schemas.microsoft.com/office/drawing/2014/main" id="{F78B0BB4-C1B5-70FA-1D00-756DCF22428E}"/>
+              </a:ext>
+            </a:extLst>
+          </p:cNvPr>
+          <p:cNvGraphicFramePr>
+            <a:graphicFrameLocks noGrp="1"/>
+          </p:cNvGraphicFramePr>
+          <p:nvPr/>
+        </p:nvGraphicFramePr>
+        <p:xfrm>
+          <a:off x="6565898" y="3444665"/>
+          <a:ext cx="1595962" cy="736600"/>
+        </p:xfrm>
+        <a:graphic>
+          <a:graphicData uri="http://schemas.openxmlformats.org/drawingml/2006/table">
+            <a:tbl>
+              <a:tblPr firstRow="1" bandRow="1">
+                <a:tableStyleId>{93296810-A885-4BE3-A3E7-6D5BEEA58F35}</a:tableStyleId>
+              </a:tblPr>
+              <a:tblGrid>
+                <a:gridCol w="1595962">
+                  <a:extLst>
+                    <a:ext uri="{9D8B030D-6E8A-4147-A177-3AD203B41FA5}">
+                      <a16:colId xmlns:a16="http://schemas.microsoft.com/office/drawing/2014/main" val="3073575854"/>
+                    </a:ext>
+                  </a:extLst>
+                </a:gridCol>
+              </a:tblGrid>
+              <a:tr h="0">
+                <a:tc>
+                  <a:txBody>
+                    <a:bodyPr/>
+                    <a:lstStyle/>
+                    <a:p>
+                      <a:pPr algn="ctr"/>
+                      <a:r>
+                        <a:rPr lang="en-US" dirty="0">
+                          <a:latin typeface="Courier New" panose="02070309020205020404" pitchFamily="49" charset="0"/>
+                          <a:cs typeface="Courier New" panose="02070309020205020404" pitchFamily="49" charset="0"/>
+                        </a:rPr>
+                        <a:t>class B</a:t>
+                      </a:r>
+                      <a:endParaRPr lang="en-NL" dirty="0">
+                        <a:latin typeface="Courier New" panose="02070309020205020404" pitchFamily="49" charset="0"/>
+                        <a:cs typeface="Courier New" panose="02070309020205020404" pitchFamily="49" charset="0"/>
+                      </a:endParaRPr>
+                    </a:p>
+                  </a:txBody>
+                  <a:tcPr/>
+                </a:tc>
+                <a:extLst>
+                  <a:ext uri="{0D108BD9-81ED-4DB2-BD59-A6C34878D82A}">
+                    <a16:rowId xmlns:a16="http://schemas.microsoft.com/office/drawing/2014/main" val="2290352773"/>
+                  </a:ext>
+                </a:extLst>
+              </a:tr>
+              <a:tr h="370840">
+                <a:tc>
+                  <a:txBody>
+                    <a:bodyPr/>
+                    <a:lstStyle/>
+                    <a:p>
+                      <a:pPr algn="ctr"/>
+                      <a:r>
+                        <a:rPr lang="en-US" b="1" dirty="0">
+                          <a:solidFill>
+                            <a:schemeClr val="accent6">
+                              <a:lumMod val="75000"/>
+                            </a:schemeClr>
+                          </a:solidFill>
+                          <a:latin typeface="Courier New" panose="02070309020205020404" pitchFamily="49" charset="0"/>
+                          <a:cs typeface="Courier New" panose="02070309020205020404" pitchFamily="49" charset="0"/>
+                        </a:rPr>
+                        <a:t>def x</a:t>
+                      </a:r>
+                      <a:endParaRPr lang="en-NL" b="1" dirty="0">
+                        <a:solidFill>
+                          <a:schemeClr val="accent6">
+                            <a:lumMod val="75000"/>
+                          </a:schemeClr>
+                        </a:solidFill>
+                        <a:latin typeface="Courier New" panose="02070309020205020404" pitchFamily="49" charset="0"/>
+                        <a:cs typeface="Courier New" panose="02070309020205020404" pitchFamily="49" charset="0"/>
+                      </a:endParaRPr>
+                    </a:p>
+                  </a:txBody>
+                  <a:tcPr/>
+                </a:tc>
+                <a:extLst>
+                  <a:ext uri="{0D108BD9-81ED-4DB2-BD59-A6C34878D82A}">
+                    <a16:rowId xmlns:a16="http://schemas.microsoft.com/office/drawing/2014/main" val="785041814"/>
+                  </a:ext>
+                </a:extLst>
+              </a:tr>
+            </a:tbl>
+          </a:graphicData>
+        </a:graphic>
+      </p:graphicFrame>
+      <p:graphicFrame>
+        <p:nvGraphicFramePr>
+          <p:cNvPr id="40" name="Table 13">
+            <a:extLst>
+              <a:ext uri="{FF2B5EF4-FFF2-40B4-BE49-F238E27FC236}">
+                <a16:creationId xmlns:a16="http://schemas.microsoft.com/office/drawing/2014/main" id="{B3D6C019-4EB3-9634-3803-1CF3FF3B0DCF}"/>
+              </a:ext>
+            </a:extLst>
+          </p:cNvPr>
+          <p:cNvGraphicFramePr>
+            <a:graphicFrameLocks noGrp="1"/>
+          </p:cNvGraphicFramePr>
+          <p:nvPr/>
+        </p:nvGraphicFramePr>
+        <p:xfrm>
+          <a:off x="6565899" y="4689901"/>
+          <a:ext cx="3191934" cy="736600"/>
+        </p:xfrm>
+        <a:graphic>
+          <a:graphicData uri="http://schemas.openxmlformats.org/drawingml/2006/table">
+            <a:tbl>
+              <a:tblPr firstRow="1" bandRow="1">
+                <a:tableStyleId>{5C22544A-7EE6-4342-B048-85BDC9FD1C3A}</a:tableStyleId>
+              </a:tblPr>
+              <a:tblGrid>
+                <a:gridCol w="1595967">
+                  <a:extLst>
+                    <a:ext uri="{9D8B030D-6E8A-4147-A177-3AD203B41FA5}">
+                      <a16:colId xmlns:a16="http://schemas.microsoft.com/office/drawing/2014/main" val="3073575854"/>
+                    </a:ext>
+                  </a:extLst>
+                </a:gridCol>
+                <a:gridCol w="1595967">
+                  <a:extLst>
+                    <a:ext uri="{9D8B030D-6E8A-4147-A177-3AD203B41FA5}">
+                      <a16:colId xmlns:a16="http://schemas.microsoft.com/office/drawing/2014/main" val="1785459708"/>
+                    </a:ext>
+                  </a:extLst>
+                </a:gridCol>
+              </a:tblGrid>
+              <a:tr h="0">
+                <a:tc gridSpan="2">
+                  <a:txBody>
+                    <a:bodyPr/>
+                    <a:lstStyle/>
+                    <a:p>
+                      <a:pPr algn="ctr"/>
+                      <a:r>
+                        <a:rPr lang="en-US" dirty="0">
+                          <a:latin typeface="Courier New" panose="02070309020205020404" pitchFamily="49" charset="0"/>
+                          <a:cs typeface="Courier New" panose="02070309020205020404" pitchFamily="49" charset="0"/>
+                        </a:rPr>
+                        <a:t>class A</a:t>
+                      </a:r>
+                      <a:endParaRPr lang="en-NL" dirty="0">
+                        <a:latin typeface="Courier New" panose="02070309020205020404" pitchFamily="49" charset="0"/>
+                        <a:cs typeface="Courier New" panose="02070309020205020404" pitchFamily="49" charset="0"/>
+                      </a:endParaRPr>
+                    </a:p>
+                  </a:txBody>
+                  <a:tcPr/>
+                </a:tc>
+                <a:tc hMerge="1">
+                  <a:txBody>
+                    <a:bodyPr/>
+                    <a:lstStyle/>
+                    <a:p>
+                      <a:endParaRPr lang="en-NL" dirty="0"/>
+                    </a:p>
+                  </a:txBody>
+                  <a:tcPr/>
+                </a:tc>
+                <a:extLst>
+                  <a:ext uri="{0D108BD9-81ED-4DB2-BD59-A6C34878D82A}">
+                    <a16:rowId xmlns:a16="http://schemas.microsoft.com/office/drawing/2014/main" val="2290352773"/>
+                  </a:ext>
+                </a:extLst>
+              </a:tr>
+              <a:tr h="370840">
+                <a:tc>
+                  <a:txBody>
+                    <a:bodyPr/>
+                    <a:lstStyle/>
+                    <a:p>
+                      <a:pPr algn="ctr"/>
+                      <a:r>
+                        <a:rPr lang="en-US" b="1" dirty="0">
+                          <a:solidFill>
+                            <a:schemeClr val="accent5">
+                              <a:lumMod val="75000"/>
+                            </a:schemeClr>
+                          </a:solidFill>
+                          <a:latin typeface="Courier New" panose="02070309020205020404" pitchFamily="49" charset="0"/>
+                          <a:cs typeface="Courier New" panose="02070309020205020404" pitchFamily="49" charset="0"/>
+                        </a:rPr>
+                        <a:t>def x</a:t>
+                      </a:r>
+                      <a:endParaRPr lang="en-NL" b="1" dirty="0">
+                        <a:solidFill>
+                          <a:schemeClr val="accent5">
+                            <a:lumMod val="75000"/>
+                          </a:schemeClr>
+                        </a:solidFill>
+                        <a:latin typeface="Courier New" panose="02070309020205020404" pitchFamily="49" charset="0"/>
+                        <a:cs typeface="Courier New" panose="02070309020205020404" pitchFamily="49" charset="0"/>
+                      </a:endParaRPr>
+                    </a:p>
+                  </a:txBody>
+                  <a:tcPr/>
+                </a:tc>
+                <a:tc>
+                  <a:txBody>
+                    <a:bodyPr/>
+                    <a:lstStyle/>
+                    <a:p>
+                      <a:pPr algn="ctr"/>
+                      <a:r>
+                        <a:rPr lang="en-US" b="1" dirty="0">
+                          <a:solidFill>
+                            <a:schemeClr val="accent5">
+                              <a:lumMod val="75000"/>
+                            </a:schemeClr>
+                          </a:solidFill>
+                          <a:latin typeface="Courier New" panose="02070309020205020404" pitchFamily="49" charset="0"/>
+                          <a:cs typeface="Courier New" panose="02070309020205020404" pitchFamily="49" charset="0"/>
+                        </a:rPr>
+                        <a:t>def y</a:t>
+                      </a:r>
+                      <a:endParaRPr lang="en-NL" b="1" dirty="0">
+                        <a:solidFill>
+                          <a:schemeClr val="accent5">
+                            <a:lumMod val="75000"/>
+                          </a:schemeClr>
+                        </a:solidFill>
+                        <a:latin typeface="Courier New" panose="02070309020205020404" pitchFamily="49" charset="0"/>
+                        <a:cs typeface="Courier New" panose="02070309020205020404" pitchFamily="49" charset="0"/>
+                      </a:endParaRPr>
+                    </a:p>
+                  </a:txBody>
+                  <a:tcPr/>
+                </a:tc>
+                <a:extLst>
+                  <a:ext uri="{0D108BD9-81ED-4DB2-BD59-A6C34878D82A}">
+                    <a16:rowId xmlns:a16="http://schemas.microsoft.com/office/drawing/2014/main" val="785041814"/>
+                  </a:ext>
+                </a:extLst>
+              </a:tr>
+            </a:tbl>
+          </a:graphicData>
+        </a:graphic>
+      </p:graphicFrame>
+      <p:cxnSp>
+        <p:nvCxnSpPr>
+          <p:cNvPr id="41" name="Straight Arrow Connector 40">
+            <a:extLst>
+              <a:ext uri="{FF2B5EF4-FFF2-40B4-BE49-F238E27FC236}">
+                <a16:creationId xmlns:a16="http://schemas.microsoft.com/office/drawing/2014/main" id="{46EFC27A-93C4-8674-F8BC-E8B8D394A8F4}"/>
+              </a:ext>
+            </a:extLst>
+          </p:cNvPr>
+          <p:cNvCxnSpPr/>
+          <p:nvPr/>
+        </p:nvCxnSpPr>
+        <p:spPr>
+          <a:xfrm flipV="1">
+            <a:off x="7363882" y="2936029"/>
+            <a:ext cx="0" cy="508636"/>
+          </a:xfrm>
+          <a:prstGeom prst="straightConnector1">
+            <a:avLst/>
+          </a:prstGeom>
+          <a:ln>
+            <a:tailEnd type="triangle"/>
+          </a:ln>
+        </p:spPr>
+        <p:style>
+          <a:lnRef idx="3">
+            <a:schemeClr val="accent6"/>
+          </a:lnRef>
+          <a:fillRef idx="0">
+            <a:schemeClr val="accent6"/>
+          </a:fillRef>
+          <a:effectRef idx="2">
+            <a:schemeClr val="accent6"/>
+          </a:effectRef>
+          <a:fontRef idx="minor">
+            <a:schemeClr val="tx1"/>
+          </a:fontRef>
+        </p:style>
+      </p:cxnSp>
+      <p:sp>
+        <p:nvSpPr>
+          <p:cNvPr id="42" name="TextBox 41">
+            <a:extLst>
+              <a:ext uri="{FF2B5EF4-FFF2-40B4-BE49-F238E27FC236}">
+                <a16:creationId xmlns:a16="http://schemas.microsoft.com/office/drawing/2014/main" id="{660B0507-D999-C8F2-7321-B2A621FB3901}"/>
+              </a:ext>
+            </a:extLst>
+          </p:cNvPr>
+          <p:cNvSpPr txBox="1"/>
+          <p:nvPr/>
+        </p:nvSpPr>
+        <p:spPr>
+          <a:xfrm>
+            <a:off x="6565898" y="1406521"/>
+            <a:ext cx="4787901" cy="369332"/>
+          </a:xfrm>
+          <a:prstGeom prst="rect">
+            <a:avLst/>
+          </a:prstGeom>
+          <a:noFill/>
+        </p:spPr>
+        <p:txBody>
+          <a:bodyPr wrap="square" rtlCol="0">
+            <a:spAutoFit/>
+          </a:bodyPr>
+          <a:lstStyle/>
+          <a:p>
+            <a:r>
+              <a:rPr lang="en-US" dirty="0" err="1"/>
+              <a:t>Meerdere</a:t>
+            </a:r>
+            <a:r>
+              <a:rPr lang="en-US" dirty="0"/>
+              <a:t> basis classes:</a:t>
+            </a:r>
+            <a:endParaRPr lang="en-NL" dirty="0"/>
+          </a:p>
+        </p:txBody>
+      </p:sp>
+      <p:grpSp>
+        <p:nvGrpSpPr>
+          <p:cNvPr id="46" name="Group 45">
+            <a:extLst>
+              <a:ext uri="{FF2B5EF4-FFF2-40B4-BE49-F238E27FC236}">
+                <a16:creationId xmlns:a16="http://schemas.microsoft.com/office/drawing/2014/main" id="{43E25EED-092A-E1CB-7DBB-299AF75B9D41}"/>
+              </a:ext>
+            </a:extLst>
+          </p:cNvPr>
+          <p:cNvGrpSpPr/>
+          <p:nvPr/>
+        </p:nvGrpSpPr>
+        <p:grpSpPr>
+          <a:xfrm>
+            <a:off x="1532464" y="4181265"/>
+            <a:ext cx="207428" cy="508636"/>
+            <a:chOff x="1532464" y="4181265"/>
+            <a:chExt cx="207428" cy="508636"/>
+          </a:xfrm>
+        </p:grpSpPr>
+        <p:cxnSp>
+          <p:nvCxnSpPr>
+            <p:cNvPr id="43" name="Straight Arrow Connector 42">
+              <a:extLst>
+                <a:ext uri="{FF2B5EF4-FFF2-40B4-BE49-F238E27FC236}">
+                  <a16:creationId xmlns:a16="http://schemas.microsoft.com/office/drawing/2014/main" id="{EFD692D0-5F50-9D82-5201-ABC0A469DCFD}"/>
+                </a:ext>
+              </a:extLst>
+            </p:cNvPr>
+            <p:cNvCxnSpPr>
+              <a:cxnSpLocks/>
+            </p:cNvCxnSpPr>
+            <p:nvPr/>
+          </p:nvCxnSpPr>
+          <p:spPr>
+            <a:xfrm flipV="1">
+              <a:off x="1636183" y="4181265"/>
+              <a:ext cx="0" cy="508636"/>
+            </a:xfrm>
+            <a:prstGeom prst="straightConnector1">
+              <a:avLst/>
+            </a:prstGeom>
+            <a:ln>
+              <a:tailEnd type="triangle"/>
+            </a:ln>
+          </p:spPr>
+          <p:style>
+            <a:lnRef idx="3">
+              <a:schemeClr val="accent1"/>
+            </a:lnRef>
+            <a:fillRef idx="0">
+              <a:schemeClr val="accent1"/>
+            </a:fillRef>
+            <a:effectRef idx="2">
+              <a:schemeClr val="accent1"/>
+            </a:effectRef>
+            <a:fontRef idx="minor">
+              <a:schemeClr val="tx1"/>
+            </a:fontRef>
+          </p:style>
+        </p:cxnSp>
+        <p:sp>
+          <p:nvSpPr>
+            <p:cNvPr id="45" name="&quot;Not Allowed&quot; Symbol 44">
+              <a:extLst>
+                <a:ext uri="{FF2B5EF4-FFF2-40B4-BE49-F238E27FC236}">
+                  <a16:creationId xmlns:a16="http://schemas.microsoft.com/office/drawing/2014/main" id="{590B82F8-58DB-52DE-6F22-8243E36770A4}"/>
+                </a:ext>
+              </a:extLst>
+            </p:cNvPr>
+            <p:cNvSpPr/>
+            <p:nvPr/>
+          </p:nvSpPr>
+          <p:spPr>
+            <a:xfrm>
+              <a:off x="1532464" y="4340379"/>
+              <a:ext cx="207428" cy="190408"/>
+            </a:xfrm>
+            <a:prstGeom prst="noSmoking">
+              <a:avLst/>
+            </a:prstGeom>
+            <a:solidFill>
+              <a:srgbClr val="FF0000"/>
+            </a:solidFill>
+          </p:spPr>
+          <p:style>
+            <a:lnRef idx="2">
+              <a:schemeClr val="accent1">
+                <a:shade val="50000"/>
+              </a:schemeClr>
+            </a:lnRef>
+            <a:fillRef idx="1">
+              <a:schemeClr val="accent1"/>
+            </a:fillRef>
+            <a:effectRef idx="0">
+              <a:schemeClr val="accent1"/>
+            </a:effectRef>
+            <a:fontRef idx="minor">
+              <a:schemeClr val="lt1"/>
+            </a:fontRef>
+          </p:style>
+          <p:txBody>
+            <a:bodyPr rtlCol="0" anchor="ctr"/>
+            <a:lstStyle/>
+            <a:p>
+              <a:pPr algn="ctr"/>
+              <a:endParaRPr lang="en-NL">
+                <a:solidFill>
+                  <a:schemeClr val="tx1"/>
+                </a:solidFill>
+              </a:endParaRPr>
+            </a:p>
+          </p:txBody>
+        </p:sp>
+      </p:grpSp>
+      <p:grpSp>
+        <p:nvGrpSpPr>
+          <p:cNvPr id="47" name="Group 46">
+            <a:extLst>
+              <a:ext uri="{FF2B5EF4-FFF2-40B4-BE49-F238E27FC236}">
+                <a16:creationId xmlns:a16="http://schemas.microsoft.com/office/drawing/2014/main" id="{4A2A4214-1E82-59D6-6101-490CD4892C88}"/>
+              </a:ext>
+            </a:extLst>
+          </p:cNvPr>
+          <p:cNvGrpSpPr/>
+          <p:nvPr/>
+        </p:nvGrpSpPr>
+        <p:grpSpPr>
+          <a:xfrm>
+            <a:off x="7254868" y="4184548"/>
+            <a:ext cx="207428" cy="508636"/>
+            <a:chOff x="1532464" y="4181265"/>
+            <a:chExt cx="207428" cy="508636"/>
+          </a:xfrm>
+        </p:grpSpPr>
+        <p:cxnSp>
+          <p:nvCxnSpPr>
+            <p:cNvPr id="48" name="Straight Arrow Connector 47">
+              <a:extLst>
+                <a:ext uri="{FF2B5EF4-FFF2-40B4-BE49-F238E27FC236}">
+                  <a16:creationId xmlns:a16="http://schemas.microsoft.com/office/drawing/2014/main" id="{78DC037C-6F9C-5881-0C1F-EB92DCB2AE3D}"/>
+                </a:ext>
+              </a:extLst>
+            </p:cNvPr>
+            <p:cNvCxnSpPr>
+              <a:cxnSpLocks/>
+            </p:cNvCxnSpPr>
+            <p:nvPr/>
+          </p:nvCxnSpPr>
+          <p:spPr>
+            <a:xfrm flipV="1">
+              <a:off x="1636183" y="4181265"/>
+              <a:ext cx="0" cy="508636"/>
+            </a:xfrm>
+            <a:prstGeom prst="straightConnector1">
+              <a:avLst/>
+            </a:prstGeom>
+            <a:ln>
+              <a:tailEnd type="triangle"/>
+            </a:ln>
+          </p:spPr>
+          <p:style>
+            <a:lnRef idx="3">
+              <a:schemeClr val="accent1"/>
+            </a:lnRef>
+            <a:fillRef idx="0">
+              <a:schemeClr val="accent1"/>
+            </a:fillRef>
+            <a:effectRef idx="2">
+              <a:schemeClr val="accent1"/>
+            </a:effectRef>
+            <a:fontRef idx="minor">
+              <a:schemeClr val="tx1"/>
+            </a:fontRef>
+          </p:style>
+        </p:cxnSp>
+        <p:sp>
+          <p:nvSpPr>
+            <p:cNvPr id="49" name="&quot;Not Allowed&quot; Symbol 48">
+              <a:extLst>
+                <a:ext uri="{FF2B5EF4-FFF2-40B4-BE49-F238E27FC236}">
+                  <a16:creationId xmlns:a16="http://schemas.microsoft.com/office/drawing/2014/main" id="{7B5D8BCB-8B94-0ADC-9919-3F68DEB0A34C}"/>
+                </a:ext>
+              </a:extLst>
+            </p:cNvPr>
+            <p:cNvSpPr/>
+            <p:nvPr/>
+          </p:nvSpPr>
+          <p:spPr>
+            <a:xfrm>
+              <a:off x="1532464" y="4340379"/>
+              <a:ext cx="207428" cy="190408"/>
+            </a:xfrm>
+            <a:prstGeom prst="noSmoking">
+              <a:avLst/>
+            </a:prstGeom>
+            <a:solidFill>
+              <a:srgbClr val="FF0000"/>
+            </a:solidFill>
+          </p:spPr>
+          <p:style>
+            <a:lnRef idx="2">
+              <a:schemeClr val="accent1">
+                <a:shade val="50000"/>
+              </a:schemeClr>
+            </a:lnRef>
+            <a:fillRef idx="1">
+              <a:schemeClr val="accent1"/>
+            </a:fillRef>
+            <a:effectRef idx="0">
+              <a:schemeClr val="accent1"/>
+            </a:effectRef>
+            <a:fontRef idx="minor">
+              <a:schemeClr val="lt1"/>
+            </a:fontRef>
+          </p:style>
+          <p:txBody>
+            <a:bodyPr rtlCol="0" anchor="ctr"/>
+            <a:lstStyle/>
+            <a:p>
+              <a:pPr algn="ctr"/>
+              <a:endParaRPr lang="en-NL" dirty="0">
+                <a:solidFill>
+                  <a:schemeClr val="tx1"/>
+                </a:solidFill>
+              </a:endParaRPr>
+            </a:p>
+          </p:txBody>
+        </p:sp>
+      </p:grpSp>
+      <p:cxnSp>
+        <p:nvCxnSpPr>
+          <p:cNvPr id="51" name="Straight Arrow Connector 50">
+            <a:extLst>
+              <a:ext uri="{FF2B5EF4-FFF2-40B4-BE49-F238E27FC236}">
+                <a16:creationId xmlns:a16="http://schemas.microsoft.com/office/drawing/2014/main" id="{5D3DDD5F-3374-0BC6-1C14-EB47F2BBACA9}"/>
+              </a:ext>
+            </a:extLst>
+          </p:cNvPr>
+          <p:cNvCxnSpPr>
+            <a:cxnSpLocks/>
+          </p:cNvCxnSpPr>
+          <p:nvPr/>
+        </p:nvCxnSpPr>
+        <p:spPr>
+          <a:xfrm flipV="1">
+            <a:off x="3232150" y="2936029"/>
+            <a:ext cx="0" cy="508636"/>
+          </a:xfrm>
+          <a:prstGeom prst="straightConnector1">
+            <a:avLst/>
+          </a:prstGeom>
+          <a:ln>
+            <a:tailEnd type="triangle"/>
+          </a:ln>
+        </p:spPr>
+        <p:style>
+          <a:lnRef idx="3">
+            <a:schemeClr val="accent1"/>
+          </a:lnRef>
+          <a:fillRef idx="0">
+            <a:schemeClr val="accent1"/>
+          </a:fillRef>
+          <a:effectRef idx="2">
+            <a:schemeClr val="accent1"/>
+          </a:effectRef>
+          <a:fontRef idx="minor">
+            <a:schemeClr val="tx1"/>
+          </a:fontRef>
+        </p:style>
+      </p:cxnSp>
+      <p:cxnSp>
+        <p:nvCxnSpPr>
+          <p:cNvPr id="53" name="Straight Arrow Connector 52">
+            <a:extLst>
+              <a:ext uri="{FF2B5EF4-FFF2-40B4-BE49-F238E27FC236}">
+                <a16:creationId xmlns:a16="http://schemas.microsoft.com/office/drawing/2014/main" id="{E7900520-4524-63D0-52CB-89C29C0978BB}"/>
+              </a:ext>
+            </a:extLst>
+          </p:cNvPr>
+          <p:cNvCxnSpPr>
+            <a:cxnSpLocks/>
+          </p:cNvCxnSpPr>
+          <p:nvPr/>
+        </p:nvCxnSpPr>
+        <p:spPr>
+          <a:xfrm flipV="1">
+            <a:off x="3232150" y="4181265"/>
+            <a:ext cx="0" cy="508636"/>
+          </a:xfrm>
+          <a:prstGeom prst="straightConnector1">
+            <a:avLst/>
+          </a:prstGeom>
+          <a:ln>
+            <a:tailEnd type="triangle"/>
+          </a:ln>
+        </p:spPr>
+        <p:style>
+          <a:lnRef idx="3">
+            <a:schemeClr val="accent1"/>
+          </a:lnRef>
+          <a:fillRef idx="0">
+            <a:schemeClr val="accent1"/>
+          </a:fillRef>
+          <a:effectRef idx="2">
+            <a:schemeClr val="accent1"/>
+          </a:effectRef>
+          <a:fontRef idx="minor">
+            <a:schemeClr val="tx1"/>
+          </a:fontRef>
+        </p:style>
+      </p:cxnSp>
+      <p:sp>
+        <p:nvSpPr>
+          <p:cNvPr id="3" name="Rectangle 2">
+            <a:extLst>
+              <a:ext uri="{FF2B5EF4-FFF2-40B4-BE49-F238E27FC236}">
+                <a16:creationId xmlns:a16="http://schemas.microsoft.com/office/drawing/2014/main" id="{E11E8271-51F5-2816-7896-5897A12226C4}"/>
+              </a:ext>
+            </a:extLst>
+          </p:cNvPr>
+          <p:cNvSpPr/>
+          <p:nvPr/>
+        </p:nvSpPr>
+        <p:spPr>
+          <a:xfrm>
+            <a:off x="838188" y="3247178"/>
+            <a:ext cx="4787901" cy="2677371"/>
+          </a:xfrm>
+          <a:prstGeom prst="rect">
+            <a:avLst/>
+          </a:prstGeom>
+          <a:solidFill>
+            <a:schemeClr val="bg2"/>
+          </a:solidFill>
+        </p:spPr>
+        <p:style>
+          <a:lnRef idx="1">
+            <a:schemeClr val="accent3"/>
+          </a:lnRef>
+          <a:fillRef idx="2">
+            <a:schemeClr val="accent3"/>
+          </a:fillRef>
+          <a:effectRef idx="1">
+            <a:schemeClr val="accent3"/>
+          </a:effectRef>
+          <a:fontRef idx="minor">
+            <a:schemeClr val="dk1"/>
+          </a:fontRef>
+        </p:style>
+        <p:txBody>
+          <a:bodyPr lIns="144000" tIns="144000" rIns="144000" bIns="144000" rtlCol="0" anchor="t"/>
+          <a:lstStyle/>
+          <a:p>
+            <a:r>
+              <a:rPr lang="nl-NL" b="1" dirty="0"/>
+              <a:t>Specialisatie</a:t>
+            </a:r>
+          </a:p>
+          <a:p>
+            <a:endParaRPr lang="nl-NL" dirty="0"/>
+          </a:p>
+          <a:p>
+            <a:pPr marL="285750" indent="-285750">
+              <a:buFontTx/>
+              <a:buChar char="-"/>
+            </a:pPr>
+            <a:r>
+              <a:rPr lang="nl-NL" dirty="0"/>
+              <a:t>Classes met zelfde doel / uit zelfde domein.</a:t>
+            </a:r>
+          </a:p>
+          <a:p>
+            <a:pPr marL="285750" indent="-285750">
+              <a:buFontTx/>
+              <a:buChar char="-"/>
+            </a:pPr>
+            <a:r>
+              <a:rPr lang="nl-NL" dirty="0"/>
+              <a:t>Meer gespecialiseerde functionaliteit.</a:t>
+            </a:r>
+          </a:p>
+          <a:p>
+            <a:pPr lvl="1"/>
+            <a:endParaRPr lang="nl-NL" dirty="0"/>
+          </a:p>
+          <a:p>
+            <a:pPr lvl="1"/>
+            <a:r>
+              <a:rPr lang="nl-NL" sz="1400" dirty="0" err="1">
+                <a:latin typeface="Courier New" panose="02070309020205020404" pitchFamily="49" charset="0"/>
+                <a:cs typeface="Courier New" panose="02070309020205020404" pitchFamily="49" charset="0"/>
+              </a:rPr>
+              <a:t>DataReader</a:t>
+            </a:r>
+            <a:endParaRPr lang="nl-NL" sz="1400" dirty="0">
+              <a:latin typeface="Courier New" panose="02070309020205020404" pitchFamily="49" charset="0"/>
+              <a:cs typeface="Courier New" panose="02070309020205020404" pitchFamily="49" charset="0"/>
+            </a:endParaRPr>
+          </a:p>
+          <a:p>
+            <a:pPr lvl="1"/>
+            <a:r>
+              <a:rPr lang="nl-NL" sz="1400" dirty="0">
+                <a:latin typeface="Courier New" panose="02070309020205020404" pitchFamily="49" charset="0"/>
+                <a:cs typeface="Courier New" panose="02070309020205020404" pitchFamily="49" charset="0"/>
+              </a:rPr>
+              <a:t>    =&gt; </a:t>
+            </a:r>
+            <a:r>
+              <a:rPr lang="nl-NL" sz="1400" dirty="0" err="1">
+                <a:latin typeface="Courier New" panose="02070309020205020404" pitchFamily="49" charset="0"/>
+                <a:cs typeface="Courier New" panose="02070309020205020404" pitchFamily="49" charset="0"/>
+              </a:rPr>
+              <a:t>SQLReader</a:t>
+            </a:r>
+            <a:endParaRPr lang="nl-NL" sz="1400" dirty="0">
+              <a:latin typeface="Courier New" panose="02070309020205020404" pitchFamily="49" charset="0"/>
+              <a:cs typeface="Courier New" panose="02070309020205020404" pitchFamily="49" charset="0"/>
+            </a:endParaRPr>
+          </a:p>
+          <a:p>
+            <a:pPr lvl="1"/>
+            <a:r>
+              <a:rPr lang="nl-NL" sz="1400" dirty="0">
+                <a:latin typeface="Courier New" panose="02070309020205020404" pitchFamily="49" charset="0"/>
+                <a:cs typeface="Courier New" panose="02070309020205020404" pitchFamily="49" charset="0"/>
+              </a:rPr>
+              <a:t>        =&gt; </a:t>
+            </a:r>
+            <a:r>
+              <a:rPr lang="nl-NL" sz="1400" dirty="0" err="1">
+                <a:latin typeface="Courier New" panose="02070309020205020404" pitchFamily="49" charset="0"/>
+                <a:cs typeface="Courier New" panose="02070309020205020404" pitchFamily="49" charset="0"/>
+              </a:rPr>
+              <a:t>MicrosoftSQLReader</a:t>
+            </a:r>
+            <a:endParaRPr lang="nl-NL" sz="1400" dirty="0">
+              <a:latin typeface="Courier New" panose="02070309020205020404" pitchFamily="49" charset="0"/>
+              <a:cs typeface="Courier New" panose="02070309020205020404" pitchFamily="49" charset="0"/>
+            </a:endParaRPr>
+          </a:p>
+        </p:txBody>
+      </p:sp>
+      <p:sp>
+        <p:nvSpPr>
+          <p:cNvPr id="4" name="Rectangle 3">
+            <a:extLst>
+              <a:ext uri="{FF2B5EF4-FFF2-40B4-BE49-F238E27FC236}">
+                <a16:creationId xmlns:a16="http://schemas.microsoft.com/office/drawing/2014/main" id="{B391AC0D-107B-6331-D8B5-23418AE5EAA1}"/>
+              </a:ext>
+            </a:extLst>
+          </p:cNvPr>
+          <p:cNvSpPr/>
+          <p:nvPr/>
+        </p:nvSpPr>
+        <p:spPr>
+          <a:xfrm>
+            <a:off x="6565897" y="3247178"/>
+            <a:ext cx="4787901" cy="2677371"/>
+          </a:xfrm>
+          <a:prstGeom prst="rect">
+            <a:avLst/>
+          </a:prstGeom>
+          <a:solidFill>
+            <a:schemeClr val="bg2"/>
+          </a:solidFill>
+        </p:spPr>
+        <p:style>
+          <a:lnRef idx="1">
+            <a:schemeClr val="accent3"/>
+          </a:lnRef>
+          <a:fillRef idx="2">
+            <a:schemeClr val="accent3"/>
+          </a:fillRef>
+          <a:effectRef idx="1">
+            <a:schemeClr val="accent3"/>
+          </a:effectRef>
+          <a:fontRef idx="minor">
+            <a:schemeClr val="dk1"/>
+          </a:fontRef>
+        </p:style>
+        <p:txBody>
+          <a:bodyPr lIns="144000" tIns="144000" rIns="144000" bIns="144000" rtlCol="0" anchor="t"/>
+          <a:lstStyle/>
+          <a:p>
+            <a:r>
+              <a:rPr lang="nl-NL" b="1" dirty="0"/>
+              <a:t>Adaptatie</a:t>
+            </a:r>
+          </a:p>
+          <a:p>
+            <a:endParaRPr lang="nl-NL" dirty="0"/>
+          </a:p>
+          <a:p>
+            <a:pPr marL="285750" indent="-285750">
+              <a:buFontTx/>
+              <a:buChar char="-"/>
+            </a:pPr>
+            <a:r>
+              <a:rPr lang="nl-NL" dirty="0"/>
+              <a:t>Classes met uiteenlopende doelen.</a:t>
+            </a:r>
+          </a:p>
+          <a:p>
+            <a:pPr marL="285750" indent="-285750">
+              <a:buFontTx/>
+              <a:buChar char="-"/>
+            </a:pPr>
+            <a:r>
+              <a:rPr lang="nl-NL" dirty="0"/>
+              <a:t>Behoefte aan gedeelde functionaliteit.</a:t>
+            </a:r>
+          </a:p>
+          <a:p>
+            <a:pPr lvl="1"/>
+            <a:endParaRPr lang="nl-NL" dirty="0"/>
+          </a:p>
+          <a:p>
+            <a:pPr lvl="1"/>
+            <a:r>
+              <a:rPr lang="nl-NL" sz="1400" dirty="0" err="1">
+                <a:latin typeface="Courier New" panose="02070309020205020404" pitchFamily="49" charset="0"/>
+                <a:cs typeface="Courier New" panose="02070309020205020404" pitchFamily="49" charset="0"/>
+              </a:rPr>
+              <a:t>MicrosoftSQLReader</a:t>
+            </a:r>
+            <a:endParaRPr lang="nl-NL" sz="1400" dirty="0">
+              <a:latin typeface="Courier New" panose="02070309020205020404" pitchFamily="49" charset="0"/>
+              <a:cs typeface="Courier New" panose="02070309020205020404" pitchFamily="49" charset="0"/>
+            </a:endParaRPr>
+          </a:p>
+          <a:p>
+            <a:pPr lvl="1"/>
+            <a:r>
+              <a:rPr lang="nl-NL" sz="1400" dirty="0">
+                <a:latin typeface="Courier New" panose="02070309020205020404" pitchFamily="49" charset="0"/>
+                <a:cs typeface="Courier New" panose="02070309020205020404" pitchFamily="49" charset="0"/>
+              </a:rPr>
+              <a:t>    &lt;= </a:t>
+            </a:r>
+            <a:r>
+              <a:rPr lang="nl-NL" sz="1400" dirty="0" err="1">
+                <a:latin typeface="Courier New" panose="02070309020205020404" pitchFamily="49" charset="0"/>
+                <a:cs typeface="Courier New" panose="02070309020205020404" pitchFamily="49" charset="0"/>
+              </a:rPr>
+              <a:t>SQLReader</a:t>
+            </a:r>
+            <a:r>
+              <a:rPr lang="nl-NL" sz="1400" dirty="0">
+                <a:latin typeface="Courier New" panose="02070309020205020404" pitchFamily="49" charset="0"/>
+                <a:cs typeface="Courier New" panose="02070309020205020404" pitchFamily="49" charset="0"/>
+              </a:rPr>
+              <a:t> + </a:t>
+            </a:r>
+            <a:r>
+              <a:rPr lang="nl-NL" sz="1400" dirty="0" err="1">
+                <a:latin typeface="Courier New" panose="02070309020205020404" pitchFamily="49" charset="0"/>
+                <a:cs typeface="Courier New" panose="02070309020205020404" pitchFamily="49" charset="0"/>
+              </a:rPr>
+              <a:t>EncryptionMixin</a:t>
+            </a:r>
+            <a:endParaRPr lang="nl-NL" sz="1400" dirty="0">
+              <a:latin typeface="Courier New" panose="02070309020205020404" pitchFamily="49" charset="0"/>
+              <a:cs typeface="Courier New" panose="02070309020205020404" pitchFamily="49" charset="0"/>
+            </a:endParaRPr>
+          </a:p>
+        </p:txBody>
+      </p:sp>
+    </p:spTree>
+    <p:extLst>
+      <p:ext uri="{BB962C8B-B14F-4D97-AF65-F5344CB8AC3E}">
+        <p14:creationId xmlns:p14="http://schemas.microsoft.com/office/powerpoint/2010/main" val="2209185050"/>
+      </p:ext>
+    </p:extLst>
+  </p:cSld>
+  <p:clrMapOvr>
+    <a:masterClrMapping/>
+  </p:clrMapOvr>
+</p:sld>
+</file>
+
+<file path=ppt/slides/slide54.xml><?xml version="1.0" encoding="utf-8"?>
+<p:sld xmlns:a="http://schemas.openxmlformats.org/drawingml/2006/main" xmlns:r="http://schemas.openxmlformats.org/officeDocument/2006/relationships" xmlns:p="http://schemas.openxmlformats.org/presentationml/2006/main">
+  <p:cSld>
+    <p:spTree>
+      <p:nvGrpSpPr>
+        <p:cNvPr id="1" name=""/>
+        <p:cNvGrpSpPr/>
+        <p:nvPr/>
+      </p:nvGrpSpPr>
+      <p:grpSpPr>
+        <a:xfrm>
+          <a:off x="0" y="0"/>
+          <a:ext cx="0" cy="0"/>
+          <a:chOff x="0" y="0"/>
+          <a:chExt cx="0" cy="0"/>
+        </a:xfrm>
+      </p:grpSpPr>
+      <p:sp>
+        <p:nvSpPr>
+          <p:cNvPr id="2" name="Title 1">
+            <a:extLst>
+              <a:ext uri="{FF2B5EF4-FFF2-40B4-BE49-F238E27FC236}">
+                <a16:creationId xmlns:a16="http://schemas.microsoft.com/office/drawing/2014/main" id="{39A1D606-8DD1-369C-5C09-471CDD551AD5}"/>
+              </a:ext>
+            </a:extLst>
+          </p:cNvPr>
+          <p:cNvSpPr>
+            <a:spLocks noGrp="1"/>
+          </p:cNvSpPr>
+          <p:nvPr>
+            <p:ph type="title"/>
+          </p:nvPr>
+        </p:nvSpPr>
+        <p:spPr>
+          <a:xfrm>
+            <a:off x="838200" y="365126"/>
+            <a:ext cx="10515600" cy="718608"/>
+          </a:xfrm>
+        </p:spPr>
+        <p:txBody>
+          <a:bodyPr>
+            <a:normAutofit/>
+          </a:bodyPr>
+          <a:lstStyle/>
+          <a:p>
+            <a:r>
+              <a:rPr lang="nl-NL" sz="3600" noProof="0" dirty="0"/>
+              <a:t>Toegang tot de basis class</a:t>
+            </a:r>
+          </a:p>
+        </p:txBody>
+      </p:sp>
+      <p:sp>
+        <p:nvSpPr>
+          <p:cNvPr id="3" name="Content Placeholder 2">
+            <a:extLst>
+              <a:ext uri="{FF2B5EF4-FFF2-40B4-BE49-F238E27FC236}">
+                <a16:creationId xmlns:a16="http://schemas.microsoft.com/office/drawing/2014/main" id="{F4C2D286-E049-0AAB-1360-B7157E11AD7E}"/>
+              </a:ext>
+            </a:extLst>
+          </p:cNvPr>
+          <p:cNvSpPr>
+            <a:spLocks noGrp="1"/>
+          </p:cNvSpPr>
+          <p:nvPr>
+            <p:ph idx="1"/>
+          </p:nvPr>
+        </p:nvSpPr>
+        <p:spPr>
+          <a:xfrm>
+            <a:off x="838200" y="1456267"/>
+            <a:ext cx="4571999" cy="4720696"/>
+          </a:xfrm>
+        </p:spPr>
+        <p:txBody>
+          <a:bodyPr>
+            <a:normAutofit/>
+          </a:bodyPr>
+          <a:lstStyle/>
+          <a:p>
+            <a:pPr marL="0" indent="0">
+              <a:buNone/>
+            </a:pPr>
+            <a:endParaRPr lang="nl-NL" sz="2000" noProof="0" dirty="0"/>
+          </a:p>
+          <a:p>
+            <a:pPr marL="0" indent="0">
+              <a:buNone/>
+            </a:pPr>
+            <a:r>
+              <a:rPr lang="nl-NL" sz="2000" noProof="0" dirty="0"/>
+              <a:t>Via </a:t>
+            </a:r>
+            <a:r>
+              <a:rPr lang="nl-NL" sz="2000" noProof="0" dirty="0">
+                <a:latin typeface="Courier New" panose="02070309020205020404" pitchFamily="49" charset="0"/>
+                <a:cs typeface="Courier New" panose="02070309020205020404" pitchFamily="49" charset="0"/>
+              </a:rPr>
+              <a:t>super()</a:t>
+            </a:r>
+            <a:r>
+              <a:rPr lang="nl-NL" sz="2000" noProof="0" dirty="0"/>
+              <a:t> heb je toegang tot de basis class.</a:t>
+            </a:r>
+          </a:p>
+          <a:p>
+            <a:pPr marL="0" indent="0">
+              <a:buNone/>
+            </a:pPr>
+            <a:endParaRPr lang="nl-NL" sz="2000" dirty="0"/>
+          </a:p>
+          <a:p>
+            <a:pPr marL="0" indent="0">
+              <a:buNone/>
+            </a:pPr>
+            <a:r>
+              <a:rPr lang="nl-NL" sz="2000" dirty="0"/>
+              <a:t>Met </a:t>
+            </a:r>
+            <a:r>
+              <a:rPr lang="nl-NL" sz="2000" dirty="0">
+                <a:latin typeface="Courier New" panose="02070309020205020404" pitchFamily="49" charset="0"/>
+                <a:cs typeface="Courier New" panose="02070309020205020404" pitchFamily="49" charset="0"/>
+              </a:rPr>
+              <a:t>super()</a:t>
+            </a:r>
+            <a:r>
+              <a:rPr lang="nl-NL" sz="2000" dirty="0"/>
+              <a:t> kun je een methode overschrijven en toch oude functionaliteit hergebruiken.</a:t>
+            </a:r>
+          </a:p>
+          <a:p>
+            <a:pPr marL="0" indent="0">
+              <a:buNone/>
+            </a:pPr>
+            <a:endParaRPr lang="nl-NL" sz="2000" noProof="0" dirty="0"/>
+          </a:p>
+          <a:p>
+            <a:pPr marL="0" indent="0">
+              <a:buNone/>
+            </a:pPr>
+            <a:endParaRPr lang="nl-NL" sz="2000" noProof="0" dirty="0"/>
+          </a:p>
+        </p:txBody>
+      </p:sp>
+      <p:sp>
+        <p:nvSpPr>
+          <p:cNvPr id="4" name="Content Placeholder 2">
+            <a:extLst>
+              <a:ext uri="{FF2B5EF4-FFF2-40B4-BE49-F238E27FC236}">
+                <a16:creationId xmlns:a16="http://schemas.microsoft.com/office/drawing/2014/main" id="{98EFE1E9-4D56-5081-678F-F94DE9C3DCC6}"/>
+              </a:ext>
+            </a:extLst>
+          </p:cNvPr>
+          <p:cNvSpPr txBox="1">
+            <a:spLocks/>
+          </p:cNvSpPr>
+          <p:nvPr/>
+        </p:nvSpPr>
+        <p:spPr>
+          <a:xfrm>
+            <a:off x="6095999" y="1456267"/>
+            <a:ext cx="5063067" cy="4720696"/>
+          </a:xfrm>
+          <a:prstGeom prst="rect">
+            <a:avLst/>
+          </a:prstGeom>
+        </p:spPr>
+        <p:txBody>
+          <a:bodyPr vert="horz" lIns="91440" tIns="45720" rIns="91440" bIns="45720" rtlCol="0">
+            <a:normAutofit/>
+          </a:bodyPr>
+          <a:lstStyle>
+            <a:lvl1pPr marL="228600" indent="-228600" algn="l" defTabSz="914400" rtl="0" eaLnBrk="1" latinLnBrk="0" hangingPunct="1">
+              <a:lnSpc>
+                <a:spcPct val="90000"/>
+              </a:lnSpc>
+              <a:spcBef>
+                <a:spcPts val="1000"/>
+              </a:spcBef>
+              <a:buFont typeface="Arial" panose="020B0604020202020204" pitchFamily="34" charset="0"/>
+              <a:buChar char="•"/>
+              <a:defRPr sz="2800" kern="1200">
+                <a:solidFill>
+                  <a:schemeClr val="tx1"/>
+                </a:solidFill>
+                <a:latin typeface="+mn-lt"/>
+                <a:ea typeface="+mn-ea"/>
+                <a:cs typeface="+mn-cs"/>
+              </a:defRPr>
+            </a:lvl1pPr>
+            <a:lvl2pPr marL="685800" indent="-228600" algn="l" defTabSz="914400" rtl="0" eaLnBrk="1" latinLnBrk="0" hangingPunct="1">
+              <a:lnSpc>
+                <a:spcPct val="90000"/>
+              </a:lnSpc>
+              <a:spcBef>
+                <a:spcPts val="500"/>
+              </a:spcBef>
+              <a:buFont typeface="Arial" panose="020B0604020202020204" pitchFamily="34" charset="0"/>
+              <a:buChar char="•"/>
+              <a:defRPr sz="2400" kern="1200">
+                <a:solidFill>
+                  <a:schemeClr val="tx1"/>
+                </a:solidFill>
+                <a:latin typeface="+mn-lt"/>
+                <a:ea typeface="+mn-ea"/>
+                <a:cs typeface="+mn-cs"/>
+              </a:defRPr>
+            </a:lvl2pPr>
+            <a:lvl3pPr marL="1143000" indent="-228600" algn="l" defTabSz="914400" rtl="0" eaLnBrk="1" latinLnBrk="0" hangingPunct="1">
+              <a:lnSpc>
+                <a:spcPct val="90000"/>
+              </a:lnSpc>
+              <a:spcBef>
+                <a:spcPts val="500"/>
+              </a:spcBef>
+              <a:buFont typeface="Arial" panose="020B0604020202020204" pitchFamily="34" charset="0"/>
+              <a:buChar char="•"/>
+              <a:defRPr sz="2000" kern="1200">
+                <a:solidFill>
+                  <a:schemeClr val="tx1"/>
+                </a:solidFill>
+                <a:latin typeface="+mn-lt"/>
+                <a:ea typeface="+mn-ea"/>
+                <a:cs typeface="+mn-cs"/>
+              </a:defRPr>
+            </a:lvl3pPr>
+            <a:lvl4pPr marL="1600200" indent="-228600" algn="l" defTabSz="914400" rtl="0" eaLnBrk="1" latinLnBrk="0" hangingPunct="1">
+              <a:lnSpc>
+                <a:spcPct val="90000"/>
+              </a:lnSpc>
+              <a:spcBef>
+                <a:spcPts val="500"/>
+              </a:spcBef>
+              <a:buFont typeface="Arial" panose="020B0604020202020204" pitchFamily="34" charset="0"/>
+              <a:buChar char="•"/>
+              <a:defRPr sz="1800" kern="1200">
+                <a:solidFill>
+                  <a:schemeClr val="tx1"/>
+                </a:solidFill>
+                <a:latin typeface="+mn-lt"/>
+                <a:ea typeface="+mn-ea"/>
+                <a:cs typeface="+mn-cs"/>
+              </a:defRPr>
+            </a:lvl4pPr>
+            <a:lvl5pPr marL="2057400" indent="-228600" algn="l" defTabSz="914400" rtl="0" eaLnBrk="1" latinLnBrk="0" hangingPunct="1">
+              <a:lnSpc>
+                <a:spcPct val="90000"/>
+              </a:lnSpc>
+              <a:spcBef>
+                <a:spcPts val="500"/>
+              </a:spcBef>
+              <a:buFont typeface="Arial" panose="020B0604020202020204" pitchFamily="34" charset="0"/>
+              <a:buChar char="•"/>
+              <a:defRPr sz="1800" kern="1200">
+                <a:solidFill>
+                  <a:schemeClr val="tx1"/>
+                </a:solidFill>
+                <a:latin typeface="+mn-lt"/>
+                <a:ea typeface="+mn-ea"/>
+                <a:cs typeface="+mn-cs"/>
+              </a:defRPr>
+            </a:lvl5pPr>
+            <a:lvl6pPr marL="2514600" indent="-228600" algn="l" defTabSz="914400" rtl="0" eaLnBrk="1" latinLnBrk="0" hangingPunct="1">
+              <a:lnSpc>
+                <a:spcPct val="90000"/>
+              </a:lnSpc>
+              <a:spcBef>
+                <a:spcPts val="500"/>
+              </a:spcBef>
+              <a:buFont typeface="Arial" panose="020B0604020202020204" pitchFamily="34" charset="0"/>
+              <a:buChar char="•"/>
+              <a:defRPr sz="1800" kern="1200">
+                <a:solidFill>
+                  <a:schemeClr val="tx1"/>
+                </a:solidFill>
+                <a:latin typeface="+mn-lt"/>
+                <a:ea typeface="+mn-ea"/>
+                <a:cs typeface="+mn-cs"/>
+              </a:defRPr>
+            </a:lvl6pPr>
+            <a:lvl7pPr marL="2971800" indent="-228600" algn="l" defTabSz="914400" rtl="0" eaLnBrk="1" latinLnBrk="0" hangingPunct="1">
+              <a:lnSpc>
+                <a:spcPct val="90000"/>
+              </a:lnSpc>
+              <a:spcBef>
+                <a:spcPts val="500"/>
+              </a:spcBef>
+              <a:buFont typeface="Arial" panose="020B0604020202020204" pitchFamily="34" charset="0"/>
+              <a:buChar char="•"/>
+              <a:defRPr sz="1800" kern="1200">
+                <a:solidFill>
+                  <a:schemeClr val="tx1"/>
+                </a:solidFill>
+                <a:latin typeface="+mn-lt"/>
+                <a:ea typeface="+mn-ea"/>
+                <a:cs typeface="+mn-cs"/>
+              </a:defRPr>
+            </a:lvl7pPr>
+            <a:lvl8pPr marL="3429000" indent="-228600" algn="l" defTabSz="914400" rtl="0" eaLnBrk="1" latinLnBrk="0" hangingPunct="1">
+              <a:lnSpc>
+                <a:spcPct val="90000"/>
+              </a:lnSpc>
+              <a:spcBef>
+                <a:spcPts val="500"/>
+              </a:spcBef>
+              <a:buFont typeface="Arial" panose="020B0604020202020204" pitchFamily="34" charset="0"/>
+              <a:buChar char="•"/>
+              <a:defRPr sz="1800" kern="1200">
+                <a:solidFill>
+                  <a:schemeClr val="tx1"/>
+                </a:solidFill>
+                <a:latin typeface="+mn-lt"/>
+                <a:ea typeface="+mn-ea"/>
+                <a:cs typeface="+mn-cs"/>
+              </a:defRPr>
+            </a:lvl8pPr>
+            <a:lvl9pPr marL="3886200" indent="-228600" algn="l" defTabSz="914400" rtl="0" eaLnBrk="1" latinLnBrk="0" hangingPunct="1">
+              <a:lnSpc>
+                <a:spcPct val="90000"/>
+              </a:lnSpc>
+              <a:spcBef>
+                <a:spcPts val="500"/>
+              </a:spcBef>
+              <a:buFont typeface="Arial" panose="020B0604020202020204" pitchFamily="34" charset="0"/>
+              <a:buChar char="•"/>
+              <a:defRPr sz="1800" kern="1200">
+                <a:solidFill>
+                  <a:schemeClr val="tx1"/>
+                </a:solidFill>
+                <a:latin typeface="+mn-lt"/>
+                <a:ea typeface="+mn-ea"/>
+                <a:cs typeface="+mn-cs"/>
+              </a:defRPr>
+            </a:lvl9pPr>
+          </a:lstStyle>
+          <a:p>
+            <a:pPr marL="0" indent="0">
+              <a:buFont typeface="Arial" panose="020B0604020202020204" pitchFamily="34" charset="0"/>
+              <a:buNone/>
+            </a:pPr>
+            <a:r>
+              <a:rPr lang="nl-NL" sz="1400" b="1" dirty="0">
+                <a:latin typeface="Courier New" panose="02070309020205020404" pitchFamily="49" charset="0"/>
+                <a:cs typeface="Courier New" panose="02070309020205020404" pitchFamily="49" charset="0"/>
+              </a:rPr>
+              <a:t>class Person:</a:t>
+            </a:r>
+          </a:p>
+          <a:p>
+            <a:pPr marL="0" indent="0">
+              <a:buFont typeface="Arial" panose="020B0604020202020204" pitchFamily="34" charset="0"/>
+              <a:buNone/>
+            </a:pPr>
+            <a:r>
+              <a:rPr lang="nl-NL" sz="1400" b="1" dirty="0">
+                <a:latin typeface="Courier New" panose="02070309020205020404" pitchFamily="49" charset="0"/>
+                <a:cs typeface="Courier New" panose="02070309020205020404" pitchFamily="49" charset="0"/>
+              </a:rPr>
+              <a:t>  </a:t>
+            </a:r>
+          </a:p>
+          <a:p>
+            <a:pPr marL="0" indent="0">
+              <a:buFont typeface="Arial" panose="020B0604020202020204" pitchFamily="34" charset="0"/>
+              <a:buNone/>
+            </a:pPr>
+            <a:r>
+              <a:rPr lang="nl-NL" sz="1400" b="1" dirty="0">
+                <a:latin typeface="Courier New" panose="02070309020205020404" pitchFamily="49" charset="0"/>
+                <a:cs typeface="Courier New" panose="02070309020205020404" pitchFamily="49" charset="0"/>
+              </a:rPr>
+              <a:t>  </a:t>
+            </a:r>
+            <a:r>
+              <a:rPr lang="nl-NL" sz="1400" b="1" dirty="0" err="1">
+                <a:latin typeface="Courier New" panose="02070309020205020404" pitchFamily="49" charset="0"/>
+                <a:cs typeface="Courier New" panose="02070309020205020404" pitchFamily="49" charset="0"/>
+              </a:rPr>
+              <a:t>def</a:t>
+            </a:r>
+            <a:r>
+              <a:rPr lang="nl-NL" sz="1400" b="1" dirty="0">
+                <a:latin typeface="Courier New" panose="02070309020205020404" pitchFamily="49" charset="0"/>
+                <a:cs typeface="Courier New" panose="02070309020205020404" pitchFamily="49" charset="0"/>
+              </a:rPr>
+              <a:t> __</a:t>
+            </a:r>
+            <a:r>
+              <a:rPr lang="nl-NL" sz="1400" b="1" dirty="0" err="1">
+                <a:latin typeface="Courier New" panose="02070309020205020404" pitchFamily="49" charset="0"/>
+                <a:cs typeface="Courier New" panose="02070309020205020404" pitchFamily="49" charset="0"/>
+              </a:rPr>
+              <a:t>init</a:t>
+            </a:r>
+            <a:r>
+              <a:rPr lang="nl-NL" sz="1400" b="1" dirty="0">
+                <a:latin typeface="Courier New" panose="02070309020205020404" pitchFamily="49" charset="0"/>
+                <a:cs typeface="Courier New" panose="02070309020205020404" pitchFamily="49" charset="0"/>
+              </a:rPr>
+              <a:t>__(</a:t>
+            </a:r>
+            <a:r>
+              <a:rPr lang="nl-NL" sz="1400" b="1" dirty="0" err="1">
+                <a:latin typeface="Courier New" panose="02070309020205020404" pitchFamily="49" charset="0"/>
+                <a:cs typeface="Courier New" panose="02070309020205020404" pitchFamily="49" charset="0"/>
+              </a:rPr>
+              <a:t>self</a:t>
+            </a:r>
+            <a:r>
+              <a:rPr lang="nl-NL" sz="1400" b="1" dirty="0">
+                <a:latin typeface="Courier New" panose="02070309020205020404" pitchFamily="49" charset="0"/>
+                <a:cs typeface="Courier New" panose="02070309020205020404" pitchFamily="49" charset="0"/>
+              </a:rPr>
+              <a:t>, first, last): </a:t>
+            </a:r>
+          </a:p>
+          <a:p>
+            <a:pPr marL="0" indent="0">
+              <a:buFont typeface="Arial" panose="020B0604020202020204" pitchFamily="34" charset="0"/>
+              <a:buNone/>
+            </a:pPr>
+            <a:r>
+              <a:rPr lang="nl-NL" sz="1400" dirty="0">
+                <a:latin typeface="Courier New" panose="02070309020205020404" pitchFamily="49" charset="0"/>
+                <a:cs typeface="Courier New" panose="02070309020205020404" pitchFamily="49" charset="0"/>
+              </a:rPr>
+              <a:t>    </a:t>
+            </a:r>
+            <a:r>
+              <a:rPr lang="nl-NL" sz="1400" dirty="0" err="1">
+                <a:latin typeface="Courier New" panose="02070309020205020404" pitchFamily="49" charset="0"/>
+                <a:cs typeface="Courier New" panose="02070309020205020404" pitchFamily="49" charset="0"/>
+              </a:rPr>
+              <a:t>self.first</a:t>
+            </a:r>
+            <a:r>
+              <a:rPr lang="nl-NL" sz="1400" dirty="0">
+                <a:latin typeface="Courier New" panose="02070309020205020404" pitchFamily="49" charset="0"/>
+                <a:cs typeface="Courier New" panose="02070309020205020404" pitchFamily="49" charset="0"/>
+              </a:rPr>
+              <a:t> = </a:t>
+            </a:r>
+            <a:r>
+              <a:rPr lang="nl-NL" sz="1400" dirty="0" err="1">
+                <a:latin typeface="Courier New" panose="02070309020205020404" pitchFamily="49" charset="0"/>
+                <a:cs typeface="Courier New" panose="02070309020205020404" pitchFamily="49" charset="0"/>
+              </a:rPr>
+              <a:t>first.strip</a:t>
+            </a:r>
+            <a:r>
+              <a:rPr lang="nl-NL" sz="1400" dirty="0">
+                <a:latin typeface="Courier New" panose="02070309020205020404" pitchFamily="49" charset="0"/>
+                <a:cs typeface="Courier New" panose="02070309020205020404" pitchFamily="49" charset="0"/>
+              </a:rPr>
+              <a:t>().</a:t>
+            </a:r>
+            <a:r>
+              <a:rPr lang="nl-NL" sz="1400" dirty="0" err="1">
+                <a:latin typeface="Courier New" panose="02070309020205020404" pitchFamily="49" charset="0"/>
+                <a:cs typeface="Courier New" panose="02070309020205020404" pitchFamily="49" charset="0"/>
+              </a:rPr>
+              <a:t>capitalize</a:t>
+            </a:r>
+            <a:r>
+              <a:rPr lang="nl-NL" sz="1400" dirty="0">
+                <a:latin typeface="Courier New" panose="02070309020205020404" pitchFamily="49" charset="0"/>
+                <a:cs typeface="Courier New" panose="02070309020205020404" pitchFamily="49" charset="0"/>
+              </a:rPr>
+              <a:t>()</a:t>
+            </a:r>
+          </a:p>
+          <a:p>
+            <a:pPr marL="0" indent="0">
+              <a:buFont typeface="Arial" panose="020B0604020202020204" pitchFamily="34" charset="0"/>
+              <a:buNone/>
+            </a:pPr>
+            <a:r>
+              <a:rPr lang="nl-NL" sz="1400" dirty="0">
+                <a:latin typeface="Courier New" panose="02070309020205020404" pitchFamily="49" charset="0"/>
+                <a:cs typeface="Courier New" panose="02070309020205020404" pitchFamily="49" charset="0"/>
+              </a:rPr>
+              <a:t>    </a:t>
+            </a:r>
+            <a:r>
+              <a:rPr lang="nl-NL" sz="1400" dirty="0" err="1">
+                <a:latin typeface="Courier New" panose="02070309020205020404" pitchFamily="49" charset="0"/>
+                <a:cs typeface="Courier New" panose="02070309020205020404" pitchFamily="49" charset="0"/>
+              </a:rPr>
+              <a:t>self.last</a:t>
+            </a:r>
+            <a:r>
+              <a:rPr lang="nl-NL" sz="1400" dirty="0">
+                <a:latin typeface="Courier New" panose="02070309020205020404" pitchFamily="49" charset="0"/>
+                <a:cs typeface="Courier New" panose="02070309020205020404" pitchFamily="49" charset="0"/>
+              </a:rPr>
+              <a:t> = </a:t>
+            </a:r>
+            <a:r>
+              <a:rPr lang="nl-NL" sz="1400" dirty="0" err="1">
+                <a:latin typeface="Courier New" panose="02070309020205020404" pitchFamily="49" charset="0"/>
+                <a:cs typeface="Courier New" panose="02070309020205020404" pitchFamily="49" charset="0"/>
+              </a:rPr>
+              <a:t>last.strip</a:t>
+            </a:r>
+            <a:r>
+              <a:rPr lang="nl-NL" sz="1400" dirty="0">
+                <a:latin typeface="Courier New" panose="02070309020205020404" pitchFamily="49" charset="0"/>
+                <a:cs typeface="Courier New" panose="02070309020205020404" pitchFamily="49" charset="0"/>
+              </a:rPr>
+              <a:t>().</a:t>
+            </a:r>
+            <a:r>
+              <a:rPr lang="nl-NL" sz="1400" dirty="0" err="1">
+                <a:latin typeface="Courier New" panose="02070309020205020404" pitchFamily="49" charset="0"/>
+                <a:cs typeface="Courier New" panose="02070309020205020404" pitchFamily="49" charset="0"/>
+              </a:rPr>
+              <a:t>capitalize</a:t>
+            </a:r>
+            <a:r>
+              <a:rPr lang="nl-NL" sz="1400" dirty="0">
+                <a:latin typeface="Courier New" panose="02070309020205020404" pitchFamily="49" charset="0"/>
+                <a:cs typeface="Courier New" panose="02070309020205020404" pitchFamily="49" charset="0"/>
+              </a:rPr>
+              <a:t>()</a:t>
+            </a:r>
+          </a:p>
+          <a:p>
+            <a:pPr marL="0" indent="0">
+              <a:buFont typeface="Arial" panose="020B0604020202020204" pitchFamily="34" charset="0"/>
+              <a:buNone/>
+            </a:pPr>
+            <a:endParaRPr lang="nl-NL" sz="1400" dirty="0">
+              <a:latin typeface="Courier New" panose="02070309020205020404" pitchFamily="49" charset="0"/>
+              <a:cs typeface="Courier New" panose="02070309020205020404" pitchFamily="49" charset="0"/>
+            </a:endParaRPr>
+          </a:p>
+          <a:p>
+            <a:pPr marL="0" indent="0">
+              <a:buFont typeface="Arial" panose="020B0604020202020204" pitchFamily="34" charset="0"/>
+              <a:buNone/>
+            </a:pPr>
+            <a:endParaRPr lang="nl-NL" sz="1400" dirty="0">
+              <a:latin typeface="Courier New" panose="02070309020205020404" pitchFamily="49" charset="0"/>
+              <a:cs typeface="Courier New" panose="02070309020205020404" pitchFamily="49" charset="0"/>
+            </a:endParaRPr>
+          </a:p>
+          <a:p>
+            <a:pPr marL="0" indent="0">
+              <a:buFont typeface="Arial" panose="020B0604020202020204" pitchFamily="34" charset="0"/>
+              <a:buNone/>
+            </a:pPr>
+            <a:r>
+              <a:rPr lang="nl-NL" sz="1400" b="1" dirty="0">
+                <a:latin typeface="Courier New" panose="02070309020205020404" pitchFamily="49" charset="0"/>
+                <a:cs typeface="Courier New" panose="02070309020205020404" pitchFamily="49" charset="0"/>
+              </a:rPr>
+              <a:t>class Employee(Person):</a:t>
+            </a:r>
+          </a:p>
+          <a:p>
+            <a:pPr marL="0" indent="0">
+              <a:buFont typeface="Arial" panose="020B0604020202020204" pitchFamily="34" charset="0"/>
+              <a:buNone/>
+            </a:pPr>
+            <a:r>
+              <a:rPr lang="nl-NL" sz="1400" dirty="0">
+                <a:latin typeface="Courier New" panose="02070309020205020404" pitchFamily="49" charset="0"/>
+                <a:cs typeface="Courier New" panose="02070309020205020404" pitchFamily="49" charset="0"/>
+              </a:rPr>
+              <a:t>  </a:t>
+            </a:r>
+          </a:p>
+          <a:p>
+            <a:pPr marL="0" indent="0">
+              <a:buFont typeface="Arial" panose="020B0604020202020204" pitchFamily="34" charset="0"/>
+              <a:buNone/>
+            </a:pPr>
+            <a:r>
+              <a:rPr lang="nl-NL" sz="1400" b="1" dirty="0">
+                <a:latin typeface="Courier New" panose="02070309020205020404" pitchFamily="49" charset="0"/>
+                <a:cs typeface="Courier New" panose="02070309020205020404" pitchFamily="49" charset="0"/>
+              </a:rPr>
+              <a:t>  </a:t>
+            </a:r>
+            <a:r>
+              <a:rPr lang="nl-NL" sz="1400" b="1" dirty="0" err="1">
+                <a:latin typeface="Courier New" panose="02070309020205020404" pitchFamily="49" charset="0"/>
+                <a:cs typeface="Courier New" panose="02070309020205020404" pitchFamily="49" charset="0"/>
+              </a:rPr>
+              <a:t>def</a:t>
+            </a:r>
+            <a:r>
+              <a:rPr lang="nl-NL" sz="1400" b="1" dirty="0">
+                <a:latin typeface="Courier New" panose="02070309020205020404" pitchFamily="49" charset="0"/>
+                <a:cs typeface="Courier New" panose="02070309020205020404" pitchFamily="49" charset="0"/>
+              </a:rPr>
+              <a:t> __</a:t>
+            </a:r>
+            <a:r>
+              <a:rPr lang="nl-NL" sz="1400" b="1" dirty="0" err="1">
+                <a:latin typeface="Courier New" panose="02070309020205020404" pitchFamily="49" charset="0"/>
+                <a:cs typeface="Courier New" panose="02070309020205020404" pitchFamily="49" charset="0"/>
+              </a:rPr>
+              <a:t>init</a:t>
+            </a:r>
+            <a:r>
+              <a:rPr lang="nl-NL" sz="1400" b="1" dirty="0">
+                <a:latin typeface="Courier New" panose="02070309020205020404" pitchFamily="49" charset="0"/>
+                <a:cs typeface="Courier New" panose="02070309020205020404" pitchFamily="49" charset="0"/>
+              </a:rPr>
+              <a:t>__(</a:t>
+            </a:r>
+            <a:r>
+              <a:rPr lang="nl-NL" sz="1400" b="1" dirty="0" err="1">
+                <a:latin typeface="Courier New" panose="02070309020205020404" pitchFamily="49" charset="0"/>
+                <a:cs typeface="Courier New" panose="02070309020205020404" pitchFamily="49" charset="0"/>
+              </a:rPr>
+              <a:t>self</a:t>
+            </a:r>
+            <a:r>
+              <a:rPr lang="nl-NL" sz="1400" b="1" dirty="0">
+                <a:latin typeface="Courier New" panose="02070309020205020404" pitchFamily="49" charset="0"/>
+                <a:cs typeface="Courier New" panose="02070309020205020404" pitchFamily="49" charset="0"/>
+              </a:rPr>
+              <a:t>, first, last, </a:t>
+            </a:r>
+            <a:r>
+              <a:rPr lang="nl-NL" sz="1400" b="1" dirty="0" err="1">
+                <a:latin typeface="Courier New" panose="02070309020205020404" pitchFamily="49" charset="0"/>
+                <a:cs typeface="Courier New" panose="02070309020205020404" pitchFamily="49" charset="0"/>
+              </a:rPr>
+              <a:t>emp_id</a:t>
+            </a:r>
+            <a:r>
+              <a:rPr lang="nl-NL" sz="1400" b="1" dirty="0">
+                <a:latin typeface="Courier New" panose="02070309020205020404" pitchFamily="49" charset="0"/>
+                <a:cs typeface="Courier New" panose="02070309020205020404" pitchFamily="49" charset="0"/>
+              </a:rPr>
+              <a:t>):</a:t>
+            </a:r>
+          </a:p>
+          <a:p>
+            <a:pPr marL="0" indent="0">
+              <a:buFont typeface="Arial" panose="020B0604020202020204" pitchFamily="34" charset="0"/>
+              <a:buNone/>
+            </a:pPr>
+            <a:r>
+              <a:rPr lang="nl-NL" sz="1400" dirty="0">
+                <a:latin typeface="Courier New" panose="02070309020205020404" pitchFamily="49" charset="0"/>
+                <a:cs typeface="Courier New" panose="02070309020205020404" pitchFamily="49" charset="0"/>
+              </a:rPr>
+              <a:t>    super().__</a:t>
+            </a:r>
+            <a:r>
+              <a:rPr lang="nl-NL" sz="1400" dirty="0" err="1">
+                <a:latin typeface="Courier New" panose="02070309020205020404" pitchFamily="49" charset="0"/>
+                <a:cs typeface="Courier New" panose="02070309020205020404" pitchFamily="49" charset="0"/>
+              </a:rPr>
+              <a:t>init</a:t>
+            </a:r>
+            <a:r>
+              <a:rPr lang="nl-NL" sz="1400" dirty="0">
+                <a:latin typeface="Courier New" panose="02070309020205020404" pitchFamily="49" charset="0"/>
+                <a:cs typeface="Courier New" panose="02070309020205020404" pitchFamily="49" charset="0"/>
+              </a:rPr>
+              <a:t>__(first, last)</a:t>
+            </a:r>
+          </a:p>
+          <a:p>
+            <a:pPr marL="0" indent="0">
+              <a:buFont typeface="Arial" panose="020B0604020202020204" pitchFamily="34" charset="0"/>
+              <a:buNone/>
+            </a:pPr>
+            <a:r>
+              <a:rPr lang="nl-NL" sz="1400" dirty="0">
+                <a:latin typeface="Courier New" panose="02070309020205020404" pitchFamily="49" charset="0"/>
+                <a:cs typeface="Courier New" panose="02070309020205020404" pitchFamily="49" charset="0"/>
+              </a:rPr>
+              <a:t>    self.id = </a:t>
+            </a:r>
+            <a:r>
+              <a:rPr lang="nl-NL" sz="1400" dirty="0" err="1">
+                <a:latin typeface="Courier New" panose="02070309020205020404" pitchFamily="49" charset="0"/>
+                <a:cs typeface="Courier New" panose="02070309020205020404" pitchFamily="49" charset="0"/>
+              </a:rPr>
+              <a:t>emp_id</a:t>
+            </a:r>
+            <a:endParaRPr lang="nl-NL" sz="1400" dirty="0">
+              <a:latin typeface="Courier New" panose="02070309020205020404" pitchFamily="49" charset="0"/>
+              <a:cs typeface="Courier New" panose="02070309020205020404" pitchFamily="49" charset="0"/>
+            </a:endParaRPr>
+          </a:p>
+        </p:txBody>
+      </p:sp>
+      <p:cxnSp>
+        <p:nvCxnSpPr>
+          <p:cNvPr id="6" name="Straight Connector 5">
+            <a:extLst>
+              <a:ext uri="{FF2B5EF4-FFF2-40B4-BE49-F238E27FC236}">
+                <a16:creationId xmlns:a16="http://schemas.microsoft.com/office/drawing/2014/main" id="{7F162173-AD9E-1ED9-F92B-186066229DD6}"/>
+              </a:ext>
+            </a:extLst>
+          </p:cNvPr>
+          <p:cNvCxnSpPr>
+            <a:cxnSpLocks/>
+          </p:cNvCxnSpPr>
+          <p:nvPr/>
+        </p:nvCxnSpPr>
+        <p:spPr>
+          <a:xfrm>
+            <a:off x="5655733" y="1456267"/>
+            <a:ext cx="0" cy="4809066"/>
+          </a:xfrm>
+          <a:prstGeom prst="line">
+            <a:avLst/>
+          </a:prstGeom>
+        </p:spPr>
+        <p:style>
+          <a:lnRef idx="3">
+            <a:schemeClr val="dk1"/>
+          </a:lnRef>
+          <a:fillRef idx="0">
+            <a:schemeClr val="dk1"/>
+          </a:fillRef>
+          <a:effectRef idx="2">
+            <a:schemeClr val="dk1"/>
+          </a:effectRef>
+          <a:fontRef idx="minor">
+            <a:schemeClr val="tx1"/>
+          </a:fontRef>
+        </p:style>
+      </p:cxnSp>
+    </p:spTree>
+    <p:extLst>
+      <p:ext uri="{BB962C8B-B14F-4D97-AF65-F5344CB8AC3E}">
+        <p14:creationId xmlns:p14="http://schemas.microsoft.com/office/powerpoint/2010/main" val="3664934593"/>
+      </p:ext>
+    </p:extLst>
+  </p:cSld>
+  <p:clrMapOvr>
+    <a:masterClrMapping/>
+  </p:clrMapOvr>
+</p:sld>
+</file>
+
+<file path=ppt/slides/slide55.xml><?xml version="1.0" encoding="utf-8"?>
+<p:sld xmlns:a="http://schemas.openxmlformats.org/drawingml/2006/main" xmlns:r="http://schemas.openxmlformats.org/officeDocument/2006/relationships" xmlns:p="http://schemas.openxmlformats.org/presentationml/2006/main">
+  <p:cSld>
+    <p:spTree>
+      <p:nvGrpSpPr>
+        <p:cNvPr id="1" name=""/>
+        <p:cNvGrpSpPr/>
+        <p:nvPr/>
+      </p:nvGrpSpPr>
+      <p:grpSpPr>
+        <a:xfrm>
+          <a:off x="0" y="0"/>
+          <a:ext cx="0" cy="0"/>
+          <a:chOff x="0" y="0"/>
+          <a:chExt cx="0" cy="0"/>
+        </a:xfrm>
+      </p:grpSpPr>
+      <p:sp>
+        <p:nvSpPr>
+          <p:cNvPr id="2" name="Title 1">
+            <a:extLst>
+              <a:ext uri="{FF2B5EF4-FFF2-40B4-BE49-F238E27FC236}">
+                <a16:creationId xmlns:a16="http://schemas.microsoft.com/office/drawing/2014/main" id="{39A1D606-8DD1-369C-5C09-471CDD551AD5}"/>
+              </a:ext>
+            </a:extLst>
+          </p:cNvPr>
+          <p:cNvSpPr>
+            <a:spLocks noGrp="1"/>
+          </p:cNvSpPr>
+          <p:nvPr>
+            <p:ph type="title"/>
+          </p:nvPr>
+        </p:nvSpPr>
+        <p:spPr>
+          <a:xfrm>
+            <a:off x="838200" y="365126"/>
+            <a:ext cx="10515600" cy="718608"/>
+          </a:xfrm>
+        </p:spPr>
+        <p:txBody>
+          <a:bodyPr>
+            <a:normAutofit/>
+          </a:bodyPr>
+          <a:lstStyle/>
+          <a:p>
+            <a:r>
+              <a:rPr lang="nl-NL" sz="3600" noProof="0" dirty="0"/>
               <a:t>Oefening</a:t>
             </a:r>
           </a:p>
@@ -25803,7 +30614,7 @@
             </a:pPr>
             <a:r>
               <a:rPr lang="nl-NL" sz="2000" b="1" noProof="0" dirty="0"/>
-              <a:t>Schrijf code die:</a:t>
+              <a:t>Schrijf de volgende code:</a:t>
             </a:r>
           </a:p>
           <a:p>
@@ -25818,7 +30629,7 @@
             </a:pPr>
             <a:r>
               <a:rPr lang="nl-NL" sz="2000" noProof="0" dirty="0"/>
-              <a:t>Data inleest voor </a:t>
+              <a:t>Een class die data inleest voor </a:t>
             </a:r>
             <a:r>
               <a:rPr lang="nl-NL" sz="2000" noProof="0" dirty="0" err="1"/>
@@ -25826,7 +30637,20 @@
             </a:r>
             <a:r>
               <a:rPr lang="nl-NL" sz="2000" noProof="0" dirty="0"/>
-              <a:t> en </a:t>
+              <a:t> </a:t>
+            </a:r>
+          </a:p>
+          <a:p>
+            <a:pPr marL="457200" indent="-457200">
+              <a:buAutoNum type="arabicPeriod"/>
+            </a:pPr>
+            <a:r>
+              <a:rPr lang="nl-NL" sz="2000" dirty="0"/>
+              <a:t>Een class die data inleest voor</a:t>
+            </a:r>
+            <a:r>
+              <a:rPr lang="nl-NL" sz="2000" noProof="0" dirty="0"/>
+              <a:t> </a:t>
             </a:r>
             <a:r>
               <a:rPr lang="nl-NL" sz="2000" noProof="0" dirty="0" err="1"/>
@@ -25843,69 +30667,104 @@
             </a:pPr>
             <a:r>
               <a:rPr lang="nl-NL" sz="2000" noProof="0" dirty="0"/>
-              <a:t>De data combineert o.b.v. het tijdstip van de meting.</a:t>
+              <a:t>Een basis class voor gedeelde functionaliteit.</a:t>
             </a:r>
           </a:p>
           <a:p>
             <a:pPr marL="457200" indent="-457200">
               <a:buAutoNum type="arabicPeriod"/>
             </a:pPr>
+            <a:endParaRPr lang="nl-NL" sz="2000" dirty="0"/>
+          </a:p>
+          <a:p>
+            <a:pPr marL="0" indent="0">
+              <a:buNone/>
+            </a:pPr>
             <a:r>
               <a:rPr lang="nl-NL" sz="2000" noProof="0" dirty="0"/>
-              <a:t>Maak classes voor beide sensoren en het combineren.</a:t>
-            </a:r>
-          </a:p>
-          <a:p>
-            <a:pPr marL="0" indent="0">
-              <a:buNone/>
-            </a:pPr>
-            <a:endParaRPr lang="nl-NL" sz="2000" noProof="0" dirty="0"/>
-          </a:p>
-          <a:p>
-            <a:pPr marL="0" indent="0">
-              <a:buNone/>
-            </a:pPr>
-            <a:r>
-              <a:rPr lang="nl-NL" sz="2000" b="1" noProof="0" dirty="0"/>
-              <a:t>Bonuspunten:</a:t>
-            </a:r>
-          </a:p>
-          <a:p>
-            <a:pPr>
-              <a:buFontTx/>
-              <a:buChar char="-"/>
-            </a:pPr>
-            <a:endParaRPr lang="nl-NL" sz="2000" noProof="0" dirty="0"/>
-          </a:p>
-          <a:p>
-            <a:pPr>
-              <a:buFontTx/>
-              <a:buChar char="-"/>
-            </a:pPr>
-            <a:r>
-              <a:rPr lang="nl-NL" sz="2000" noProof="0" dirty="0"/>
-              <a:t>Zorg voor een nette structuur.</a:t>
-            </a:r>
-          </a:p>
-          <a:p>
-            <a:pPr>
-              <a:buFontTx/>
-              <a:buChar char="-"/>
-            </a:pPr>
-            <a:r>
-              <a:rPr lang="nl-NL" sz="2000" dirty="0"/>
-              <a:t>Hergebruik code waar mogelijk.</a:t>
-            </a:r>
-            <a:endParaRPr lang="nl-NL" sz="2000" noProof="0" dirty="0"/>
-          </a:p>
-          <a:p>
-            <a:pPr>
-              <a:buFontTx/>
-              <a:buChar char="-"/>
-            </a:pPr>
-            <a:r>
-              <a:rPr lang="nl-NL" sz="2000" noProof="0" dirty="0"/>
-              <a:t>Maak goede documentatie.</a:t>
+              <a:t>De sensor data kun je vinden in: </a:t>
+            </a:r>
+            <a:r>
+              <a:rPr lang="nl-NL" sz="2000" dirty="0">
+                <a:latin typeface="Courier New" panose="02070309020205020404" pitchFamily="49" charset="0"/>
+                <a:cs typeface="Courier New" panose="02070309020205020404" pitchFamily="49" charset="0"/>
+              </a:rPr>
+              <a:t>0_data/sensors/</a:t>
+            </a:r>
+          </a:p>
+          <a:p>
+            <a:pPr marL="0" indent="0">
+              <a:buNone/>
+            </a:pPr>
+            <a:endParaRPr lang="nl-NL" sz="2000" noProof="0" dirty="0">
+              <a:cs typeface="Courier New" panose="02070309020205020404" pitchFamily="49" charset="0"/>
+            </a:endParaRPr>
+          </a:p>
+          <a:p>
+            <a:pPr marL="0" indent="0">
+              <a:buNone/>
+            </a:pPr>
+            <a:endParaRPr lang="nl-NL" sz="2000" noProof="0" dirty="0">
+              <a:cs typeface="Courier New" panose="02070309020205020404" pitchFamily="49" charset="0"/>
+            </a:endParaRPr>
+          </a:p>
+          <a:p>
+            <a:pPr marL="0" indent="0">
+              <a:buNone/>
+            </a:pPr>
+            <a:r>
+              <a:rPr lang="nl-NL" sz="1600" dirty="0">
+                <a:cs typeface="Courier New" panose="02070309020205020404" pitchFamily="49" charset="0"/>
+              </a:rPr>
+              <a:t>Hint:</a:t>
+            </a:r>
+          </a:p>
+          <a:p>
+            <a:pPr marL="0" indent="0">
+              <a:buNone/>
+            </a:pPr>
+            <a:r>
+              <a:rPr lang="nl-NL" sz="1600" noProof="0" dirty="0">
+                <a:cs typeface="Courier New" panose="02070309020205020404" pitchFamily="49" charset="0"/>
+              </a:rPr>
+              <a:t>Sensor B </a:t>
+            </a:r>
+            <a:r>
+              <a:rPr lang="nl-NL" sz="1600" dirty="0">
+                <a:cs typeface="Courier New" panose="02070309020205020404" pitchFamily="49" charset="0"/>
+              </a:rPr>
+              <a:t>gebruikt </a:t>
+            </a:r>
+            <a:r>
+              <a:rPr lang="nl-NL" sz="1600" dirty="0" err="1">
+                <a:cs typeface="Courier New" panose="02070309020205020404" pitchFamily="49" charset="0"/>
+              </a:rPr>
+              <a:t>epoch</a:t>
+            </a:r>
+            <a:r>
+              <a:rPr lang="nl-NL" sz="1600" dirty="0">
+                <a:cs typeface="Courier New" panose="02070309020205020404" pitchFamily="49" charset="0"/>
+              </a:rPr>
+              <a:t> time, gebruik:</a:t>
+            </a:r>
+          </a:p>
+          <a:p>
+            <a:pPr marL="0" indent="0">
+              <a:buNone/>
+            </a:pPr>
+            <a:r>
+              <a:rPr lang="nl-NL" sz="1600" noProof="0" dirty="0" err="1">
+                <a:latin typeface="Courier New" panose="02070309020205020404" pitchFamily="49" charset="0"/>
+                <a:cs typeface="Courier New" panose="02070309020205020404" pitchFamily="49" charset="0"/>
+              </a:rPr>
+              <a:t>datetime.datetime.utcfromtimestamp</a:t>
+            </a:r>
+            <a:r>
+              <a:rPr lang="nl-NL" sz="1600" noProof="0" dirty="0">
+                <a:latin typeface="Courier New" panose="02070309020205020404" pitchFamily="49" charset="0"/>
+                <a:cs typeface="Courier New" panose="02070309020205020404" pitchFamily="49" charset="0"/>
+              </a:rPr>
+              <a:t>(&lt;timestamp&gt;)</a:t>
             </a:r>
           </a:p>
         </p:txBody>
@@ -26117,10 +30976,56 @@
               <a:buFont typeface="Arial" panose="020B0604020202020204" pitchFamily="34" charset="0"/>
               <a:buNone/>
             </a:pPr>
-            <a:r>
-              <a:rPr lang="en-US" sz="2000"/>
-              <a:t>20220201T13:0</a:t>
-            </a:r>
+            <a:endParaRPr lang="en-US" sz="1100" dirty="0">
+              <a:latin typeface="Courier New" panose="02070309020205020404" pitchFamily="49" charset="0"/>
+              <a:cs typeface="Courier New" panose="02070309020205020404" pitchFamily="49" charset="0"/>
+            </a:endParaRPr>
+          </a:p>
+          <a:p>
+            <a:pPr marL="0" indent="0">
+              <a:buFont typeface="Arial" panose="020B0604020202020204" pitchFamily="34" charset="0"/>
+              <a:buNone/>
+            </a:pPr>
+            <a:r>
+              <a:rPr lang="en-US" sz="1100" dirty="0">
+                <a:latin typeface="Courier New" panose="02070309020205020404" pitchFamily="49" charset="0"/>
+                <a:cs typeface="Courier New" panose="02070309020205020404" pitchFamily="49" charset="0"/>
+              </a:rPr>
+              <a:t>TIME;TEMP;HUM</a:t>
+            </a:r>
+          </a:p>
+          <a:p>
+            <a:pPr marL="0" indent="0">
+              <a:buFont typeface="Arial" panose="020B0604020202020204" pitchFamily="34" charset="0"/>
+              <a:buNone/>
+            </a:pPr>
+            <a:r>
+              <a:rPr lang="en-US" sz="1100" dirty="0">
+                <a:latin typeface="Courier New" panose="02070309020205020404" pitchFamily="49" charset="0"/>
+                <a:cs typeface="Courier New" panose="02070309020205020404" pitchFamily="49" charset="0"/>
+              </a:rPr>
+              <a:t>2020-01-01 14:00:00;20.1;40.0</a:t>
+            </a:r>
+          </a:p>
+          <a:p>
+            <a:pPr marL="0" indent="0">
+              <a:buFont typeface="Arial" panose="020B0604020202020204" pitchFamily="34" charset="0"/>
+              <a:buNone/>
+            </a:pPr>
+            <a:r>
+              <a:rPr lang="en-US" sz="1100" dirty="0">
+                <a:latin typeface="Courier New" panose="02070309020205020404" pitchFamily="49" charset="0"/>
+                <a:cs typeface="Courier New" panose="02070309020205020404" pitchFamily="49" charset="0"/>
+              </a:rPr>
+              <a:t>2020-01-01 14:00:01;20.2;39.8</a:t>
+            </a:r>
+          </a:p>
+          <a:p>
+            <a:pPr marL="0" indent="0">
+              <a:buFont typeface="Arial" panose="020B0604020202020204" pitchFamily="34" charset="0"/>
+              <a:buNone/>
+            </a:pPr>
+            <a:endParaRPr lang="en-US" sz="2000" dirty="0"/>
           </a:p>
           <a:p>
             <a:pPr marL="0" indent="0">
@@ -26145,7 +31050,49 @@
               <a:buFont typeface="Arial" panose="020B0604020202020204" pitchFamily="34" charset="0"/>
               <a:buNone/>
             </a:pPr>
-            <a:endParaRPr lang="en-US" sz="2000" b="1" dirty="0"/>
+            <a:endParaRPr lang="en-US" sz="1100" dirty="0">
+              <a:latin typeface="Courier New" panose="02070309020205020404" pitchFamily="49" charset="0"/>
+              <a:cs typeface="Courier New" panose="02070309020205020404" pitchFamily="49" charset="0"/>
+            </a:endParaRPr>
+          </a:p>
+          <a:p>
+            <a:pPr marL="0" indent="0">
+              <a:buFont typeface="Arial" panose="020B0604020202020204" pitchFamily="34" charset="0"/>
+              <a:buNone/>
+            </a:pPr>
+            <a:r>
+              <a:rPr lang="en-US" sz="1100" dirty="0">
+                <a:latin typeface="Courier New" panose="02070309020205020404" pitchFamily="49" charset="0"/>
+                <a:cs typeface="Courier New" panose="02070309020205020404" pitchFamily="49" charset="0"/>
+              </a:rPr>
+              <a:t>TS|CO2|NO2</a:t>
+            </a:r>
+          </a:p>
+          <a:p>
+            <a:pPr marL="0" indent="0">
+              <a:buFont typeface="Arial" panose="020B0604020202020204" pitchFamily="34" charset="0"/>
+              <a:buNone/>
+            </a:pPr>
+            <a:r>
+              <a:rPr lang="en-US" sz="1100" dirty="0">
+                <a:latin typeface="Courier New" panose="02070309020205020404" pitchFamily="49" charset="0"/>
+                <a:cs typeface="Courier New" panose="02070309020205020404" pitchFamily="49" charset="0"/>
+              </a:rPr>
+              <a:t>1577887200|599|2.100</a:t>
+            </a:r>
+          </a:p>
+          <a:p>
+            <a:pPr marL="0" indent="0">
+              <a:buFont typeface="Arial" panose="020B0604020202020204" pitchFamily="34" charset="0"/>
+              <a:buNone/>
+            </a:pPr>
+            <a:r>
+              <a:rPr lang="en-US" sz="1100" dirty="0">
+                <a:latin typeface="Courier New" panose="02070309020205020404" pitchFamily="49" charset="0"/>
+                <a:cs typeface="Courier New" panose="02070309020205020404" pitchFamily="49" charset="0"/>
+              </a:rPr>
+              <a:t>1577887201|598|2.200</a:t>
+            </a:r>
           </a:p>
         </p:txBody>
       </p:sp>

--- a/python_trainees/1_basics_classes/python_traineeship_1.pptx
+++ b/python_trainees/1_basics_classes/python_traineeship_1.pptx
@@ -17865,7 +17865,7 @@
 </file>
 
 <file path=ppt/slides/slide4.xml><?xml version="1.0" encoding="utf-8"?>
-<p:sld xmlns:a="http://schemas.openxmlformats.org/drawingml/2006/main" xmlns:r="http://schemas.openxmlformats.org/officeDocument/2006/relationships" xmlns:p="http://schemas.openxmlformats.org/presentationml/2006/main">
+<p:sld xmlns:a="http://schemas.openxmlformats.org/drawingml/2006/main" xmlns:r="http://schemas.openxmlformats.org/officeDocument/2006/relationships" xmlns:p="http://schemas.openxmlformats.org/presentationml/2006/main" show="0">
   <p:cSld>
     <p:spTree>
       <p:nvGrpSpPr>
@@ -19103,7 +19103,35 @@
                 <a:latin typeface="Courier New" panose="02070309020205020404" pitchFamily="49" charset="0"/>
                 <a:cs typeface="Courier New" panose="02070309020205020404" pitchFamily="49" charset="0"/>
               </a:rPr>
-              <a:t>g = "globale variabele"</a:t>
+              <a:t>g = "</a:t>
+            </a:r>
+            <a:r>
+              <a:rPr lang="nl-NL" sz="2000" dirty="0" err="1">
+                <a:latin typeface="Courier New" panose="02070309020205020404" pitchFamily="49" charset="0"/>
+                <a:cs typeface="Courier New" panose="02070309020205020404" pitchFamily="49" charset="0"/>
+              </a:rPr>
+              <a:t>global</a:t>
+            </a:r>
+            <a:r>
+              <a:rPr lang="nl-NL" sz="2000" dirty="0">
+                <a:latin typeface="Courier New" panose="02070309020205020404" pitchFamily="49" charset="0"/>
+                <a:cs typeface="Courier New" panose="02070309020205020404" pitchFamily="49" charset="0"/>
+              </a:rPr>
+              <a:t> </a:t>
+            </a:r>
+            <a:r>
+              <a:rPr lang="nl-NL" sz="2000" dirty="0" err="1">
+                <a:latin typeface="Courier New" panose="02070309020205020404" pitchFamily="49" charset="0"/>
+                <a:cs typeface="Courier New" panose="02070309020205020404" pitchFamily="49" charset="0"/>
+              </a:rPr>
+              <a:t>variable</a:t>
+            </a:r>
+            <a:r>
+              <a:rPr lang="nl-NL" sz="2000" dirty="0">
+                <a:latin typeface="Courier New" panose="02070309020205020404" pitchFamily="49" charset="0"/>
+                <a:cs typeface="Courier New" panose="02070309020205020404" pitchFamily="49" charset="0"/>
+              </a:rPr>
+              <a:t>"</a:t>
             </a:r>
           </a:p>
           <a:p>
@@ -19146,7 +19174,35 @@
                 <a:latin typeface="Courier New" panose="02070309020205020404" pitchFamily="49" charset="0"/>
                 <a:cs typeface="Courier New" panose="02070309020205020404" pitchFamily="49" charset="0"/>
               </a:rPr>
-              <a:t>    l = "lokale variabele"</a:t>
+              <a:t>    l = "</a:t>
+            </a:r>
+            <a:r>
+              <a:rPr lang="nl-NL" sz="2000" dirty="0" err="1">
+                <a:latin typeface="Courier New" panose="02070309020205020404" pitchFamily="49" charset="0"/>
+                <a:cs typeface="Courier New" panose="02070309020205020404" pitchFamily="49" charset="0"/>
+              </a:rPr>
+              <a:t>lokal</a:t>
+            </a:r>
+            <a:r>
+              <a:rPr lang="nl-NL" sz="2000" dirty="0">
+                <a:latin typeface="Courier New" panose="02070309020205020404" pitchFamily="49" charset="0"/>
+                <a:cs typeface="Courier New" panose="02070309020205020404" pitchFamily="49" charset="0"/>
+              </a:rPr>
+              <a:t> </a:t>
+            </a:r>
+            <a:r>
+              <a:rPr lang="nl-NL" sz="2000" dirty="0" err="1">
+                <a:latin typeface="Courier New" panose="02070309020205020404" pitchFamily="49" charset="0"/>
+                <a:cs typeface="Courier New" panose="02070309020205020404" pitchFamily="49" charset="0"/>
+              </a:rPr>
+              <a:t>variable</a:t>
+            </a:r>
+            <a:r>
+              <a:rPr lang="nl-NL" sz="2000" dirty="0">
+                <a:latin typeface="Courier New" panose="02070309020205020404" pitchFamily="49" charset="0"/>
+                <a:cs typeface="Courier New" panose="02070309020205020404" pitchFamily="49" charset="0"/>
+              </a:rPr>
+              <a:t>"</a:t>
             </a:r>
           </a:p>
         </p:txBody>
@@ -19558,7 +19614,21 @@
                 <a:latin typeface="Courier New" panose="02070309020205020404" pitchFamily="49" charset="0"/>
                 <a:cs typeface="Courier New" panose="02070309020205020404" pitchFamily="49" charset="0"/>
               </a:rPr>
-              <a:t>x = "globale x"</a:t>
+              <a:t>x = "</a:t>
+            </a:r>
+            <a:r>
+              <a:rPr lang="nl-NL" sz="1600" dirty="0" err="1">
+                <a:latin typeface="Courier New" panose="02070309020205020404" pitchFamily="49" charset="0"/>
+                <a:cs typeface="Courier New" panose="02070309020205020404" pitchFamily="49" charset="0"/>
+              </a:rPr>
+              <a:t>global</a:t>
+            </a:r>
+            <a:r>
+              <a:rPr lang="nl-NL" sz="1600" dirty="0">
+                <a:latin typeface="Courier New" panose="02070309020205020404" pitchFamily="49" charset="0"/>
+                <a:cs typeface="Courier New" panose="02070309020205020404" pitchFamily="49" charset="0"/>
+              </a:rPr>
+              <a:t> x"</a:t>
             </a:r>
           </a:p>
           <a:p>
@@ -19588,7 +19658,21 @@
                 <a:latin typeface="Courier New" panose="02070309020205020404" pitchFamily="49" charset="0"/>
                 <a:cs typeface="Courier New" panose="02070309020205020404" pitchFamily="49" charset="0"/>
               </a:rPr>
-              <a:t> buitenste():</a:t>
+              <a:t> </a:t>
+            </a:r>
+            <a:r>
+              <a:rPr lang="nl-NL" sz="1600" b="1" dirty="0" err="1">
+                <a:latin typeface="Courier New" panose="02070309020205020404" pitchFamily="49" charset="0"/>
+                <a:cs typeface="Courier New" panose="02070309020205020404" pitchFamily="49" charset="0"/>
+              </a:rPr>
+              <a:t>outer</a:t>
+            </a:r>
+            <a:r>
+              <a:rPr lang="nl-NL" sz="1600" b="1" dirty="0">
+                <a:latin typeface="Courier New" panose="02070309020205020404" pitchFamily="49" charset="0"/>
+                <a:cs typeface="Courier New" panose="02070309020205020404" pitchFamily="49" charset="0"/>
+              </a:rPr>
+              <a:t>():</a:t>
             </a:r>
           </a:p>
           <a:p>
@@ -19601,7 +19685,21 @@
                 <a:latin typeface="Courier New" panose="02070309020205020404" pitchFamily="49" charset="0"/>
                 <a:cs typeface="Courier New" panose="02070309020205020404" pitchFamily="49" charset="0"/>
               </a:rPr>
-              <a:t>    x = "buitenste x"</a:t>
+              <a:t>    x = "</a:t>
+            </a:r>
+            <a:r>
+              <a:rPr lang="nl-NL" sz="1600" dirty="0" err="1">
+                <a:latin typeface="Courier New" panose="02070309020205020404" pitchFamily="49" charset="0"/>
+                <a:cs typeface="Courier New" panose="02070309020205020404" pitchFamily="49" charset="0"/>
+              </a:rPr>
+              <a:t>outer</a:t>
+            </a:r>
+            <a:r>
+              <a:rPr lang="nl-NL" sz="1600" dirty="0">
+                <a:latin typeface="Courier New" panose="02070309020205020404" pitchFamily="49" charset="0"/>
+                <a:cs typeface="Courier New" panose="02070309020205020404" pitchFamily="49" charset="0"/>
+              </a:rPr>
+              <a:t> x"</a:t>
             </a:r>
           </a:p>
           <a:p>
@@ -19638,7 +19736,21 @@
                 <a:latin typeface="Courier New" panose="02070309020205020404" pitchFamily="49" charset="0"/>
                 <a:cs typeface="Courier New" panose="02070309020205020404" pitchFamily="49" charset="0"/>
               </a:rPr>
-              <a:t> binnenste()</a:t>
+              <a:t> </a:t>
+            </a:r>
+            <a:r>
+              <a:rPr lang="nl-NL" sz="1600" b="1" dirty="0" err="1">
+                <a:latin typeface="Courier New" panose="02070309020205020404" pitchFamily="49" charset="0"/>
+                <a:cs typeface="Courier New" panose="02070309020205020404" pitchFamily="49" charset="0"/>
+              </a:rPr>
+              <a:t>inner</a:t>
+            </a:r>
+            <a:r>
+              <a:rPr lang="nl-NL" sz="1600" b="1" dirty="0">
+                <a:latin typeface="Courier New" panose="02070309020205020404" pitchFamily="49" charset="0"/>
+                <a:cs typeface="Courier New" panose="02070309020205020404" pitchFamily="49" charset="0"/>
+              </a:rPr>
+              <a:t>()</a:t>
             </a:r>
           </a:p>
           <a:p>
@@ -20321,7 +20433,7 @@
                 <a:latin typeface="Courier New" panose="02070309020205020404" pitchFamily="49" charset="0"/>
                 <a:cs typeface="Courier New" panose="02070309020205020404" pitchFamily="49" charset="0"/>
               </a:rPr>
-              <a:t>functie_a</a:t>
+              <a:t>function_a</a:t>
             </a:r>
             <a:r>
               <a:rPr lang="en-US" sz="1600" b="1" dirty="0">
@@ -20381,7 +20493,7 @@
                 <a:latin typeface="Courier New" panose="02070309020205020404" pitchFamily="49" charset="0"/>
                 <a:cs typeface="Courier New" panose="02070309020205020404" pitchFamily="49" charset="0"/>
               </a:rPr>
-              <a:t>functie_b</a:t>
+              <a:t>function_b</a:t>
             </a:r>
             <a:r>
               <a:rPr lang="en-US" sz="1600" b="1" dirty="0">
@@ -20459,7 +20571,7 @@
                 <a:latin typeface="Courier New" panose="02070309020205020404" pitchFamily="49" charset="0"/>
                 <a:cs typeface="Courier New" panose="02070309020205020404" pitchFamily="49" charset="0"/>
               </a:rPr>
-              <a:t>functie_a</a:t>
+              <a:t>function_a</a:t>
             </a:r>
             <a:r>
               <a:rPr lang="en-US" sz="1600" dirty="0">
@@ -20492,7 +20604,7 @@
                 <a:latin typeface="Courier New" panose="02070309020205020404" pitchFamily="49" charset="0"/>
                 <a:cs typeface="Courier New" panose="02070309020205020404" pitchFamily="49" charset="0"/>
               </a:rPr>
-              <a:t>functie_b</a:t>
+              <a:t>function_b</a:t>
             </a:r>
             <a:r>
               <a:rPr lang="en-US" sz="1600" dirty="0">
@@ -31854,48 +31966,6 @@
       </p:sp>
       <p:cxnSp>
         <p:nvCxnSpPr>
-          <p:cNvPr id="22" name="Straight Arrow Connector 21">
-            <a:extLst>
-              <a:ext uri="{FF2B5EF4-FFF2-40B4-BE49-F238E27FC236}">
-                <a16:creationId xmlns:a16="http://schemas.microsoft.com/office/drawing/2014/main" id="{10BD495C-FAD0-8929-5171-4AA6C25602D0}"/>
-              </a:ext>
-            </a:extLst>
-          </p:cNvPr>
-          <p:cNvCxnSpPr>
-            <a:stCxn id="19" idx="1"/>
-            <a:endCxn id="8" idx="2"/>
-          </p:cNvCxnSpPr>
-          <p:nvPr/>
-        </p:nvCxnSpPr>
-        <p:spPr>
-          <a:xfrm flipH="1" flipV="1">
-            <a:off x="1672167" y="2650068"/>
-            <a:ext cx="5064476" cy="1236133"/>
-          </a:xfrm>
-          <a:prstGeom prst="straightConnector1">
-            <a:avLst/>
-          </a:prstGeom>
-          <a:ln>
-            <a:tailEnd type="triangle"/>
-          </a:ln>
-        </p:spPr>
-        <p:style>
-          <a:lnRef idx="2">
-            <a:schemeClr val="dk1"/>
-          </a:lnRef>
-          <a:fillRef idx="0">
-            <a:schemeClr val="dk1"/>
-          </a:fillRef>
-          <a:effectRef idx="1">
-            <a:schemeClr val="dk1"/>
-          </a:effectRef>
-          <a:fontRef idx="minor">
-            <a:schemeClr val="tx1"/>
-          </a:fontRef>
-        </p:style>
-      </p:cxnSp>
-      <p:cxnSp>
-        <p:nvCxnSpPr>
           <p:cNvPr id="24" name="Straight Arrow Connector 23">
             <a:extLst>
               <a:ext uri="{FF2B5EF4-FFF2-40B4-BE49-F238E27FC236}">
@@ -31918,6 +31988,49 @@
             <a:avLst/>
           </a:prstGeom>
           <a:ln>
+            <a:tailEnd type="triangle"/>
+          </a:ln>
+        </p:spPr>
+        <p:style>
+          <a:lnRef idx="3">
+            <a:schemeClr val="dk1"/>
+          </a:lnRef>
+          <a:fillRef idx="0">
+            <a:schemeClr val="dk1"/>
+          </a:fillRef>
+          <a:effectRef idx="2">
+            <a:schemeClr val="dk1"/>
+          </a:effectRef>
+          <a:fontRef idx="minor">
+            <a:schemeClr val="tx1"/>
+          </a:fontRef>
+        </p:style>
+      </p:cxnSp>
+      <p:cxnSp>
+        <p:nvCxnSpPr>
+          <p:cNvPr id="5" name="Straight Arrow Connector 4">
+            <a:extLst>
+              <a:ext uri="{FF2B5EF4-FFF2-40B4-BE49-F238E27FC236}">
+                <a16:creationId xmlns:a16="http://schemas.microsoft.com/office/drawing/2014/main" id="{F5F6AC21-2E86-1126-DD5E-0604773AC96E}"/>
+              </a:ext>
+            </a:extLst>
+          </p:cNvPr>
+          <p:cNvCxnSpPr>
+            <a:stCxn id="19" idx="1"/>
+            <a:endCxn id="3" idx="3"/>
+          </p:cNvCxnSpPr>
+          <p:nvPr/>
+        </p:nvCxnSpPr>
+        <p:spPr>
+          <a:xfrm flipH="1">
+            <a:off x="2506132" y="3886201"/>
+            <a:ext cx="4230511" cy="0"/>
+          </a:xfrm>
+          <a:prstGeom prst="straightConnector1">
+            <a:avLst/>
+          </a:prstGeom>
+          <a:ln>
+            <a:headEnd type="triangle"/>
             <a:tailEnd type="triangle"/>
           </a:ln>
         </p:spPr>

--- a/python_trainees/1_basics_classes/python_traineeship_1.pptx
+++ b/python_trainees/1_basics_classes/python_traineeship_1.pptx
@@ -315,7 +315,7 @@
           <a:p>
             <a:fld id="{0EBB069A-003F-4FC0-8534-236B0C5C7B5F}" type="datetimeFigureOut">
               <a:rPr lang="en-NL" smtClean="0"/>
-              <a:t>04/03/2023</a:t>
+              <a:t>07/03/2023</a:t>
             </a:fld>
             <a:endParaRPr lang="en-NL"/>
           </a:p>
@@ -515,7 +515,7 @@
           <a:p>
             <a:fld id="{0EBB069A-003F-4FC0-8534-236B0C5C7B5F}" type="datetimeFigureOut">
               <a:rPr lang="en-NL" smtClean="0"/>
-              <a:t>04/03/2023</a:t>
+              <a:t>07/03/2023</a:t>
             </a:fld>
             <a:endParaRPr lang="en-NL"/>
           </a:p>
@@ -725,7 +725,7 @@
           <a:p>
             <a:fld id="{0EBB069A-003F-4FC0-8534-236B0C5C7B5F}" type="datetimeFigureOut">
               <a:rPr lang="en-NL" smtClean="0"/>
-              <a:t>04/03/2023</a:t>
+              <a:t>07/03/2023</a:t>
             </a:fld>
             <a:endParaRPr lang="en-NL"/>
           </a:p>
@@ -925,7 +925,7 @@
           <a:p>
             <a:fld id="{0EBB069A-003F-4FC0-8534-236B0C5C7B5F}" type="datetimeFigureOut">
               <a:rPr lang="en-NL" smtClean="0"/>
-              <a:t>04/03/2023</a:t>
+              <a:t>07/03/2023</a:t>
             </a:fld>
             <a:endParaRPr lang="en-NL"/>
           </a:p>
@@ -1201,7 +1201,7 @@
           <a:p>
             <a:fld id="{0EBB069A-003F-4FC0-8534-236B0C5C7B5F}" type="datetimeFigureOut">
               <a:rPr lang="en-NL" smtClean="0"/>
-              <a:t>04/03/2023</a:t>
+              <a:t>07/03/2023</a:t>
             </a:fld>
             <a:endParaRPr lang="en-NL"/>
           </a:p>
@@ -1469,7 +1469,7 @@
           <a:p>
             <a:fld id="{0EBB069A-003F-4FC0-8534-236B0C5C7B5F}" type="datetimeFigureOut">
               <a:rPr lang="en-NL" smtClean="0"/>
-              <a:t>04/03/2023</a:t>
+              <a:t>07/03/2023</a:t>
             </a:fld>
             <a:endParaRPr lang="en-NL"/>
           </a:p>
@@ -1884,7 +1884,7 @@
           <a:p>
             <a:fld id="{0EBB069A-003F-4FC0-8534-236B0C5C7B5F}" type="datetimeFigureOut">
               <a:rPr lang="en-NL" smtClean="0"/>
-              <a:t>04/03/2023</a:t>
+              <a:t>07/03/2023</a:t>
             </a:fld>
             <a:endParaRPr lang="en-NL"/>
           </a:p>
@@ -2026,7 +2026,7 @@
           <a:p>
             <a:fld id="{0EBB069A-003F-4FC0-8534-236B0C5C7B5F}" type="datetimeFigureOut">
               <a:rPr lang="en-NL" smtClean="0"/>
-              <a:t>04/03/2023</a:t>
+              <a:t>07/03/2023</a:t>
             </a:fld>
             <a:endParaRPr lang="en-NL"/>
           </a:p>
@@ -2139,7 +2139,7 @@
           <a:p>
             <a:fld id="{0EBB069A-003F-4FC0-8534-236B0C5C7B5F}" type="datetimeFigureOut">
               <a:rPr lang="en-NL" smtClean="0"/>
-              <a:t>04/03/2023</a:t>
+              <a:t>07/03/2023</a:t>
             </a:fld>
             <a:endParaRPr lang="en-NL"/>
           </a:p>
@@ -2452,7 +2452,7 @@
           <a:p>
             <a:fld id="{0EBB069A-003F-4FC0-8534-236B0C5C7B5F}" type="datetimeFigureOut">
               <a:rPr lang="en-NL" smtClean="0"/>
-              <a:t>04/03/2023</a:t>
+              <a:t>07/03/2023</a:t>
             </a:fld>
             <a:endParaRPr lang="en-NL"/>
           </a:p>
@@ -2741,7 +2741,7 @@
           <a:p>
             <a:fld id="{0EBB069A-003F-4FC0-8534-236B0C5C7B5F}" type="datetimeFigureOut">
               <a:rPr lang="en-NL" smtClean="0"/>
-              <a:t>04/03/2023</a:t>
+              <a:t>07/03/2023</a:t>
             </a:fld>
             <a:endParaRPr lang="en-NL"/>
           </a:p>
@@ -2984,7 +2984,7 @@
           <a:p>
             <a:fld id="{0EBB069A-003F-4FC0-8534-236B0C5C7B5F}" type="datetimeFigureOut">
               <a:rPr lang="en-NL" smtClean="0"/>
-              <a:t>04/03/2023</a:t>
+              <a:t>07/03/2023</a:t>
             </a:fld>
             <a:endParaRPr lang="en-NL"/>
           </a:p>
@@ -11370,7 +11370,7 @@
                 <a:latin typeface="Courier New" panose="02070309020205020404" pitchFamily="49" charset="0"/>
                 <a:cs typeface="Courier New" panose="02070309020205020404" pitchFamily="49" charset="0"/>
               </a:rPr>
-              <a:t>John,Jane".split</a:t>
+              <a:t>Doe,John".split</a:t>
             </a:r>
             <a:r>
               <a:rPr lang="nl-NL" sz="2000" noProof="0" dirty="0">
@@ -11418,7 +11418,7 @@
                 <a:latin typeface="Courier New" panose="02070309020205020404" pitchFamily="49" charset="0"/>
                 <a:cs typeface="Courier New" panose="02070309020205020404" pitchFamily="49" charset="0"/>
               </a:rPr>
-              <a:t>(["John", "Jane"])</a:t>
+              <a:t>(["Doe", "John"])</a:t>
             </a:r>
           </a:p>
           <a:p>

--- a/python_trainees/1_basics_classes/python_traineeship_1.pptx
+++ b/python_trainees/1_basics_classes/python_traineeship_1.pptx
@@ -315,7 +315,7 @@
           <a:p>
             <a:fld id="{0EBB069A-003F-4FC0-8534-236B0C5C7B5F}" type="datetimeFigureOut">
               <a:rPr lang="en-NL" smtClean="0"/>
-              <a:t>07/03/2023</a:t>
+              <a:t>08/03/2023</a:t>
             </a:fld>
             <a:endParaRPr lang="en-NL"/>
           </a:p>
@@ -515,7 +515,7 @@
           <a:p>
             <a:fld id="{0EBB069A-003F-4FC0-8534-236B0C5C7B5F}" type="datetimeFigureOut">
               <a:rPr lang="en-NL" smtClean="0"/>
-              <a:t>07/03/2023</a:t>
+              <a:t>08/03/2023</a:t>
             </a:fld>
             <a:endParaRPr lang="en-NL"/>
           </a:p>
@@ -725,7 +725,7 @@
           <a:p>
             <a:fld id="{0EBB069A-003F-4FC0-8534-236B0C5C7B5F}" type="datetimeFigureOut">
               <a:rPr lang="en-NL" smtClean="0"/>
-              <a:t>07/03/2023</a:t>
+              <a:t>08/03/2023</a:t>
             </a:fld>
             <a:endParaRPr lang="en-NL"/>
           </a:p>
@@ -925,7 +925,7 @@
           <a:p>
             <a:fld id="{0EBB069A-003F-4FC0-8534-236B0C5C7B5F}" type="datetimeFigureOut">
               <a:rPr lang="en-NL" smtClean="0"/>
-              <a:t>07/03/2023</a:t>
+              <a:t>08/03/2023</a:t>
             </a:fld>
             <a:endParaRPr lang="en-NL"/>
           </a:p>
@@ -1201,7 +1201,7 @@
           <a:p>
             <a:fld id="{0EBB069A-003F-4FC0-8534-236B0C5C7B5F}" type="datetimeFigureOut">
               <a:rPr lang="en-NL" smtClean="0"/>
-              <a:t>07/03/2023</a:t>
+              <a:t>08/03/2023</a:t>
             </a:fld>
             <a:endParaRPr lang="en-NL"/>
           </a:p>
@@ -1469,7 +1469,7 @@
           <a:p>
             <a:fld id="{0EBB069A-003F-4FC0-8534-236B0C5C7B5F}" type="datetimeFigureOut">
               <a:rPr lang="en-NL" smtClean="0"/>
-              <a:t>07/03/2023</a:t>
+              <a:t>08/03/2023</a:t>
             </a:fld>
             <a:endParaRPr lang="en-NL"/>
           </a:p>
@@ -1884,7 +1884,7 @@
           <a:p>
             <a:fld id="{0EBB069A-003F-4FC0-8534-236B0C5C7B5F}" type="datetimeFigureOut">
               <a:rPr lang="en-NL" smtClean="0"/>
-              <a:t>07/03/2023</a:t>
+              <a:t>08/03/2023</a:t>
             </a:fld>
             <a:endParaRPr lang="en-NL"/>
           </a:p>
@@ -2026,7 +2026,7 @@
           <a:p>
             <a:fld id="{0EBB069A-003F-4FC0-8534-236B0C5C7B5F}" type="datetimeFigureOut">
               <a:rPr lang="en-NL" smtClean="0"/>
-              <a:t>07/03/2023</a:t>
+              <a:t>08/03/2023</a:t>
             </a:fld>
             <a:endParaRPr lang="en-NL"/>
           </a:p>
@@ -2139,7 +2139,7 @@
           <a:p>
             <a:fld id="{0EBB069A-003F-4FC0-8534-236B0C5C7B5F}" type="datetimeFigureOut">
               <a:rPr lang="en-NL" smtClean="0"/>
-              <a:t>07/03/2023</a:t>
+              <a:t>08/03/2023</a:t>
             </a:fld>
             <a:endParaRPr lang="en-NL"/>
           </a:p>
@@ -2452,7 +2452,7 @@
           <a:p>
             <a:fld id="{0EBB069A-003F-4FC0-8534-236B0C5C7B5F}" type="datetimeFigureOut">
               <a:rPr lang="en-NL" smtClean="0"/>
-              <a:t>07/03/2023</a:t>
+              <a:t>08/03/2023</a:t>
             </a:fld>
             <a:endParaRPr lang="en-NL"/>
           </a:p>
@@ -2741,7 +2741,7 @@
           <a:p>
             <a:fld id="{0EBB069A-003F-4FC0-8534-236B0C5C7B5F}" type="datetimeFigureOut">
               <a:rPr lang="en-NL" smtClean="0"/>
-              <a:t>07/03/2023</a:t>
+              <a:t>08/03/2023</a:t>
             </a:fld>
             <a:endParaRPr lang="en-NL"/>
           </a:p>
@@ -2984,7 +2984,7 @@
           <a:p>
             <a:fld id="{0EBB069A-003F-4FC0-8534-236B0C5C7B5F}" type="datetimeFigureOut">
               <a:rPr lang="en-NL" smtClean="0"/>
-              <a:t>07/03/2023</a:t>
+              <a:t>08/03/2023</a:t>
             </a:fld>
             <a:endParaRPr lang="en-NL"/>
           </a:p>
@@ -19750,7 +19750,7 @@
                 <a:latin typeface="Courier New" panose="02070309020205020404" pitchFamily="49" charset="0"/>
                 <a:cs typeface="Courier New" panose="02070309020205020404" pitchFamily="49" charset="0"/>
               </a:rPr>
-              <a:t>()</a:t>
+              <a:t>():</a:t>
             </a:r>
           </a:p>
           <a:p>
@@ -31974,15 +31974,16 @@
             </a:extLst>
           </p:cNvPr>
           <p:cNvCxnSpPr>
+            <a:cxnSpLocks/>
             <a:stCxn id="19" idx="0"/>
-            <a:endCxn id="10" idx="2"/>
+            <a:endCxn id="11" idx="1"/>
           </p:cNvCxnSpPr>
           <p:nvPr/>
         </p:nvCxnSpPr>
         <p:spPr>
           <a:xfrm flipV="1">
-            <a:off x="7570610" y="2650068"/>
-            <a:ext cx="1" cy="745066"/>
+            <a:off x="7570610" y="2159001"/>
+            <a:ext cx="2115257" cy="1236133"/>
           </a:xfrm>
           <a:prstGeom prst="straightConnector1">
             <a:avLst/>

--- a/python_trainees/1_basics_classes/python_traineeship_1.pptx
+++ b/python_trainees/1_basics_classes/python_traineeship_1.pptx
@@ -259,7 +259,7 @@
           <a:p>
             <a:fld id="{3BADDCAA-88FC-44D4-A91A-DD0530AB88E0}" type="datetimeFigureOut">
               <a:rPr lang="en-NL" smtClean="0"/>
-              <a:t>17/09/2023</a:t>
+              <a:t>18/09/2023</a:t>
             </a:fld>
             <a:endParaRPr lang="en-NL"/>
           </a:p>
@@ -760,7 +760,7 @@
           <a:p>
             <a:fld id="{0EBB069A-003F-4FC0-8534-236B0C5C7B5F}" type="datetimeFigureOut">
               <a:rPr lang="en-NL" smtClean="0"/>
-              <a:t>17/09/2023</a:t>
+              <a:t>18/09/2023</a:t>
             </a:fld>
             <a:endParaRPr lang="en-NL"/>
           </a:p>
@@ -960,7 +960,7 @@
           <a:p>
             <a:fld id="{0EBB069A-003F-4FC0-8534-236B0C5C7B5F}" type="datetimeFigureOut">
               <a:rPr lang="en-NL" smtClean="0"/>
-              <a:t>17/09/2023</a:t>
+              <a:t>18/09/2023</a:t>
             </a:fld>
             <a:endParaRPr lang="en-NL"/>
           </a:p>
@@ -1170,7 +1170,7 @@
           <a:p>
             <a:fld id="{0EBB069A-003F-4FC0-8534-236B0C5C7B5F}" type="datetimeFigureOut">
               <a:rPr lang="en-NL" smtClean="0"/>
-              <a:t>17/09/2023</a:t>
+              <a:t>18/09/2023</a:t>
             </a:fld>
             <a:endParaRPr lang="en-NL"/>
           </a:p>
@@ -1370,7 +1370,7 @@
           <a:p>
             <a:fld id="{0EBB069A-003F-4FC0-8534-236B0C5C7B5F}" type="datetimeFigureOut">
               <a:rPr lang="en-NL" smtClean="0"/>
-              <a:t>17/09/2023</a:t>
+              <a:t>18/09/2023</a:t>
             </a:fld>
             <a:endParaRPr lang="en-NL"/>
           </a:p>
@@ -1646,7 +1646,7 @@
           <a:p>
             <a:fld id="{0EBB069A-003F-4FC0-8534-236B0C5C7B5F}" type="datetimeFigureOut">
               <a:rPr lang="en-NL" smtClean="0"/>
-              <a:t>17/09/2023</a:t>
+              <a:t>18/09/2023</a:t>
             </a:fld>
             <a:endParaRPr lang="en-NL"/>
           </a:p>
@@ -1914,7 +1914,7 @@
           <a:p>
             <a:fld id="{0EBB069A-003F-4FC0-8534-236B0C5C7B5F}" type="datetimeFigureOut">
               <a:rPr lang="en-NL" smtClean="0"/>
-              <a:t>17/09/2023</a:t>
+              <a:t>18/09/2023</a:t>
             </a:fld>
             <a:endParaRPr lang="en-NL"/>
           </a:p>
@@ -2329,7 +2329,7 @@
           <a:p>
             <a:fld id="{0EBB069A-003F-4FC0-8534-236B0C5C7B5F}" type="datetimeFigureOut">
               <a:rPr lang="en-NL" smtClean="0"/>
-              <a:t>17/09/2023</a:t>
+              <a:t>18/09/2023</a:t>
             </a:fld>
             <a:endParaRPr lang="en-NL"/>
           </a:p>
@@ -2471,7 +2471,7 @@
           <a:p>
             <a:fld id="{0EBB069A-003F-4FC0-8534-236B0C5C7B5F}" type="datetimeFigureOut">
               <a:rPr lang="en-NL" smtClean="0"/>
-              <a:t>17/09/2023</a:t>
+              <a:t>18/09/2023</a:t>
             </a:fld>
             <a:endParaRPr lang="en-NL"/>
           </a:p>
@@ -2584,7 +2584,7 @@
           <a:p>
             <a:fld id="{0EBB069A-003F-4FC0-8534-236B0C5C7B5F}" type="datetimeFigureOut">
               <a:rPr lang="en-NL" smtClean="0"/>
-              <a:t>17/09/2023</a:t>
+              <a:t>18/09/2023</a:t>
             </a:fld>
             <a:endParaRPr lang="en-NL"/>
           </a:p>
@@ -2897,7 +2897,7 @@
           <a:p>
             <a:fld id="{0EBB069A-003F-4FC0-8534-236B0C5C7B5F}" type="datetimeFigureOut">
               <a:rPr lang="en-NL" smtClean="0"/>
-              <a:t>17/09/2023</a:t>
+              <a:t>18/09/2023</a:t>
             </a:fld>
             <a:endParaRPr lang="en-NL"/>
           </a:p>
@@ -3186,7 +3186,7 @@
           <a:p>
             <a:fld id="{0EBB069A-003F-4FC0-8534-236B0C5C7B5F}" type="datetimeFigureOut">
               <a:rPr lang="en-NL" smtClean="0"/>
-              <a:t>17/09/2023</a:t>
+              <a:t>18/09/2023</a:t>
             </a:fld>
             <a:endParaRPr lang="en-NL"/>
           </a:p>
@@ -3429,7 +3429,7 @@
           <a:p>
             <a:fld id="{0EBB069A-003F-4FC0-8534-236B0C5C7B5F}" type="datetimeFigureOut">
               <a:rPr lang="en-NL" smtClean="0"/>
-              <a:t>17/09/2023</a:t>
+              <a:t>18/09/2023</a:t>
             </a:fld>
             <a:endParaRPr lang="en-NL"/>
           </a:p>
@@ -3869,13 +3869,8 @@
           <a:p>
             <a:r>
               <a:rPr lang="nl-NL" noProof="0" dirty="0"/>
-              <a:t>Python - </a:t>
-            </a:r>
-            <a:r>
-              <a:rPr lang="nl-NL" noProof="0" dirty="0" err="1"/>
-              <a:t>Traineeship</a:t>
-            </a:r>
-            <a:endParaRPr lang="nl-NL" noProof="0" dirty="0"/>
+              <a:t>Python - Cursus</a:t>
+            </a:r>
           </a:p>
         </p:txBody>
       </p:sp>
@@ -3902,15 +3897,7 @@
           <a:p>
             <a:r>
               <a:rPr lang="nl-NL" noProof="0" dirty="0"/>
-              <a:t>ACM / AFM / </a:t>
-            </a:r>
-            <a:r>
-              <a:rPr lang="nl-NL" noProof="0" dirty="0" err="1"/>
-              <a:t>NZa</a:t>
-            </a:r>
-            <a:r>
-              <a:rPr lang="nl-NL" noProof="0" dirty="0"/>
-              <a:t> - 2023</a:t>
+              <a:t>2023</a:t>
             </a:r>
           </a:p>
         </p:txBody>
@@ -4474,8 +4461,19 @@
                 <a:latin typeface="Courier New" panose="02070309020205020404" pitchFamily="49" charset="0"/>
                 <a:cs typeface="Courier New" panose="02070309020205020404" pitchFamily="49" charset="0"/>
               </a:rPr>
-              <a:t>│  ├─ __init__.py</a:t>
-            </a:r>
+              <a:t>│  └─ </a:t>
+            </a:r>
+            <a:r>
+              <a:rPr lang="nl-NL" sz="2000" dirty="0" err="1">
+                <a:latin typeface="Courier New" panose="02070309020205020404" pitchFamily="49" charset="0"/>
+                <a:cs typeface="Courier New" panose="02070309020205020404" pitchFamily="49" charset="0"/>
+              </a:rPr>
+              <a:t>my_package</a:t>
+            </a:r>
+            <a:endParaRPr lang="nl-NL" sz="2000" dirty="0">
+              <a:latin typeface="Courier New" panose="02070309020205020404" pitchFamily="49" charset="0"/>
+              <a:cs typeface="Courier New" panose="02070309020205020404" pitchFamily="49" charset="0"/>
+            </a:endParaRPr>
           </a:p>
           <a:p>
             <a:pPr marL="0" indent="0">
@@ -4490,7 +4488,7 @@
                 <a:latin typeface="Courier New" panose="02070309020205020404" pitchFamily="49" charset="0"/>
                 <a:cs typeface="Courier New" panose="02070309020205020404" pitchFamily="49" charset="0"/>
               </a:rPr>
-              <a:t>│  │</a:t>
+              <a:t>│     │</a:t>
             </a:r>
           </a:p>
           <a:p>
@@ -4506,7 +4504,39 @@
                 <a:latin typeface="Courier New" panose="02070309020205020404" pitchFamily="49" charset="0"/>
                 <a:cs typeface="Courier New" panose="02070309020205020404" pitchFamily="49" charset="0"/>
               </a:rPr>
-              <a:t>│  └─ hello_world.py</a:t>
+              <a:t>│     ├─ __init__.py</a:t>
+            </a:r>
+          </a:p>
+          <a:p>
+            <a:pPr marL="0" indent="0">
+              <a:spcBef>
+                <a:spcPts val="0"/>
+              </a:spcBef>
+              <a:buFont typeface="Arial" panose="020B0604020202020204" pitchFamily="34" charset="0"/>
+              <a:buNone/>
+            </a:pPr>
+            <a:r>
+              <a:rPr lang="nl-NL" sz="2000" dirty="0">
+                <a:latin typeface="Courier New" panose="02070309020205020404" pitchFamily="49" charset="0"/>
+                <a:cs typeface="Courier New" panose="02070309020205020404" pitchFamily="49" charset="0"/>
+              </a:rPr>
+              <a:t>│     │</a:t>
+            </a:r>
+          </a:p>
+          <a:p>
+            <a:pPr marL="0" indent="0">
+              <a:spcBef>
+                <a:spcPts val="0"/>
+              </a:spcBef>
+              <a:buFont typeface="Arial" panose="020B0604020202020204" pitchFamily="34" charset="0"/>
+              <a:buNone/>
+            </a:pPr>
+            <a:r>
+              <a:rPr lang="nl-NL" sz="2000" dirty="0">
+                <a:latin typeface="Courier New" panose="02070309020205020404" pitchFamily="49" charset="0"/>
+                <a:cs typeface="Courier New" panose="02070309020205020404" pitchFamily="49" charset="0"/>
+              </a:rPr>
+              <a:t>│     └─ hello_world.py</a:t>
             </a:r>
           </a:p>
           <a:p>
@@ -12343,7 +12373,7 @@
                 <a:latin typeface="Courier New" panose="02070309020205020404" pitchFamily="49" charset="0"/>
                 <a:cs typeface="Courier New" panose="02070309020205020404" pitchFamily="49" charset="0"/>
               </a:rPr>
-              <a:t>(object)</a:t>
+              <a:t>(&lt;object&gt;)</a:t>
             </a:r>
           </a:p>
           <a:p>
@@ -15584,19 +15614,19 @@
                 <a:latin typeface="Courier New" panose="02070309020205020404" pitchFamily="49" charset="0"/>
                 <a:cs typeface="Courier New" panose="02070309020205020404" pitchFamily="49" charset="0"/>
               </a:rPr>
+              <a:t>+=	  # Plus en toewijzen</a:t>
+            </a:r>
+          </a:p>
+          <a:p>
+            <a:pPr marL="0" indent="0">
+              <a:buNone/>
+            </a:pPr>
+            <a:r>
+              <a:rPr lang="nl-NL" sz="1600" noProof="0" dirty="0">
+                <a:latin typeface="Courier New" panose="02070309020205020404" pitchFamily="49" charset="0"/>
+                <a:cs typeface="Courier New" panose="02070309020205020404" pitchFamily="49" charset="0"/>
+              </a:rPr>
               <a:t>-	  # Min</a:t>
-            </a:r>
-          </a:p>
-          <a:p>
-            <a:pPr marL="0" indent="0">
-              <a:buNone/>
-            </a:pPr>
-            <a:r>
-              <a:rPr lang="nl-NL" sz="1600" noProof="0" dirty="0">
-                <a:latin typeface="Courier New" panose="02070309020205020404" pitchFamily="49" charset="0"/>
-                <a:cs typeface="Courier New" panose="02070309020205020404" pitchFamily="49" charset="0"/>
-              </a:rPr>
-              <a:t>+=	  # Plus en toewijzen</a:t>
             </a:r>
           </a:p>
           <a:p>
@@ -16273,7 +16303,21 @@
                 <a:latin typeface="Courier New" panose="02070309020205020404" pitchFamily="49" charset="0"/>
                 <a:cs typeface="Courier New" panose="02070309020205020404" pitchFamily="49" charset="0"/>
               </a:rPr>
-              <a:t> {n}!".format(n=name)</a:t>
+              <a:t> {n}!".</a:t>
+            </a:r>
+            <a:r>
+              <a:rPr lang="nl-NL" sz="2000" b="1" noProof="0" dirty="0">
+                <a:latin typeface="Courier New" panose="02070309020205020404" pitchFamily="49" charset="0"/>
+                <a:cs typeface="Courier New" panose="02070309020205020404" pitchFamily="49" charset="0"/>
+              </a:rPr>
+              <a:t>format</a:t>
+            </a:r>
+            <a:r>
+              <a:rPr lang="nl-NL" sz="2000" noProof="0" dirty="0">
+                <a:latin typeface="Courier New" panose="02070309020205020404" pitchFamily="49" charset="0"/>
+                <a:cs typeface="Courier New" panose="02070309020205020404" pitchFamily="49" charset="0"/>
+              </a:rPr>
+              <a:t>(n=name)</a:t>
             </a:r>
           </a:p>
           <a:p>
@@ -16319,7 +16363,14 @@
                 <a:latin typeface="Courier New" panose="02070309020205020404" pitchFamily="49" charset="0"/>
                 <a:cs typeface="Courier New" panose="02070309020205020404" pitchFamily="49" charset="0"/>
               </a:rPr>
-              <a:t>Doe,John".split</a:t>
+              <a:t>Doe,John".</a:t>
+            </a:r>
+            <a:r>
+              <a:rPr lang="nl-NL" sz="2000" b="1" noProof="0" dirty="0" err="1">
+                <a:latin typeface="Courier New" panose="02070309020205020404" pitchFamily="49" charset="0"/>
+                <a:cs typeface="Courier New" panose="02070309020205020404" pitchFamily="49" charset="0"/>
+              </a:rPr>
+              <a:t>split</a:t>
             </a:r>
             <a:r>
               <a:rPr lang="nl-NL" sz="2000" noProof="0" dirty="0">
@@ -16356,7 +16407,7 @@
               <a:t>",".</a:t>
             </a:r>
             <a:r>
-              <a:rPr lang="nl-NL" sz="2000" noProof="0" dirty="0" err="1">
+              <a:rPr lang="nl-NL" sz="2000" b="1" noProof="0" dirty="0" err="1">
                 <a:latin typeface="Courier New" panose="02070309020205020404" pitchFamily="49" charset="0"/>
                 <a:cs typeface="Courier New" panose="02070309020205020404" pitchFamily="49" charset="0"/>
               </a:rPr>
@@ -17555,7 +17606,7 @@
             </a:pPr>
             <a:r>
               <a:rPr lang="nl-NL" sz="2000" noProof="0" dirty="0"/>
-              <a:t>object</a:t>
+              <a:t>set</a:t>
             </a:r>
           </a:p>
           <a:p>
@@ -17565,8 +17616,14 @@
             </a:pPr>
             <a:r>
               <a:rPr lang="nl-NL" sz="2000" noProof="0" dirty="0"/>
-              <a:t>set</a:t>
-            </a:r>
+              <a:t>object</a:t>
+            </a:r>
+          </a:p>
+          <a:p>
+            <a:pPr marL="0" indent="0">
+              <a:buNone/>
+            </a:pPr>
+            <a:endParaRPr lang="nl-NL" sz="2000" noProof="0" dirty="0"/>
           </a:p>
         </p:txBody>
       </p:sp>
@@ -19241,18 +19298,11 @@
               <a:buNone/>
             </a:pPr>
             <a:r>
-              <a:rPr lang="nl-NL" sz="2000" noProof="0" dirty="0" err="1">
-                <a:latin typeface="Courier New" panose="02070309020205020404" pitchFamily="49" charset="0"/>
-                <a:cs typeface="Courier New" panose="02070309020205020404" pitchFamily="49" charset="0"/>
-              </a:rPr>
-              <a:t>if</a:t>
-            </a:r>
-            <a:r>
-              <a:rPr lang="nl-NL" sz="2000" noProof="0" dirty="0">
-                <a:latin typeface="Courier New" panose="02070309020205020404" pitchFamily="49" charset="0"/>
-                <a:cs typeface="Courier New" panose="02070309020205020404" pitchFamily="49" charset="0"/>
-              </a:rPr>
-              <a:t> x == 0:</a:t>
+              <a:rPr lang="en-US" sz="2000" dirty="0">
+                <a:latin typeface="Courier New" panose="02070309020205020404" pitchFamily="49" charset="0"/>
+                <a:cs typeface="Courier New" panose="02070309020205020404" pitchFamily="49" charset="0"/>
+              </a:rPr>
+              <a:t>if x == 0:</a:t>
             </a:r>
           </a:p>
           <a:p>
@@ -19263,7 +19313,7 @@
               <a:buNone/>
             </a:pPr>
             <a:r>
-              <a:rPr lang="nl-NL" sz="2000" noProof="0" dirty="0">
+              <a:rPr lang="en-US" sz="2000" dirty="0">
                 <a:latin typeface="Courier New" panose="02070309020205020404" pitchFamily="49" charset="0"/>
                 <a:cs typeface="Courier New" panose="02070309020205020404" pitchFamily="49" charset="0"/>
               </a:rPr>
@@ -19277,7 +19327,7 @@
               </a:lnSpc>
               <a:buNone/>
             </a:pPr>
-            <a:endParaRPr lang="nl-NL" sz="2000" noProof="0" dirty="0">
+            <a:endParaRPr lang="en-US" sz="2000" dirty="0">
               <a:latin typeface="Courier New" panose="02070309020205020404" pitchFamily="49" charset="0"/>
               <a:cs typeface="Courier New" panose="02070309020205020404" pitchFamily="49" charset="0"/>
             </a:endParaRPr>
@@ -19290,14 +19340,14 @@
               <a:buNone/>
             </a:pPr>
             <a:r>
-              <a:rPr lang="nl-NL" sz="2000" noProof="0" dirty="0" err="1">
+              <a:rPr lang="en-US" sz="2000" dirty="0" err="1">
                 <a:latin typeface="Courier New" panose="02070309020205020404" pitchFamily="49" charset="0"/>
                 <a:cs typeface="Courier New" panose="02070309020205020404" pitchFamily="49" charset="0"/>
               </a:rPr>
               <a:t>elif</a:t>
             </a:r>
             <a:r>
-              <a:rPr lang="nl-NL" sz="2000" noProof="0" dirty="0">
+              <a:rPr lang="en-US" sz="2000" dirty="0">
                 <a:latin typeface="Courier New" panose="02070309020205020404" pitchFamily="49" charset="0"/>
                 <a:cs typeface="Courier New" panose="02070309020205020404" pitchFamily="49" charset="0"/>
               </a:rPr>
@@ -19312,7 +19362,7 @@
               <a:buNone/>
             </a:pPr>
             <a:r>
-              <a:rPr lang="nl-NL" sz="2000" noProof="0" dirty="0">
+              <a:rPr lang="en-US" sz="2000" dirty="0">
                 <a:latin typeface="Courier New" panose="02070309020205020404" pitchFamily="49" charset="0"/>
                 <a:cs typeface="Courier New" panose="02070309020205020404" pitchFamily="49" charset="0"/>
               </a:rPr>
@@ -19326,7 +19376,7 @@
               </a:lnSpc>
               <a:buNone/>
             </a:pPr>
-            <a:endParaRPr lang="nl-NL" sz="2000" noProof="0" dirty="0">
+            <a:endParaRPr lang="en-US" sz="2000" dirty="0">
               <a:latin typeface="Courier New" panose="02070309020205020404" pitchFamily="49" charset="0"/>
               <a:cs typeface="Courier New" panose="02070309020205020404" pitchFamily="49" charset="0"/>
             </a:endParaRPr>
@@ -19339,14 +19389,14 @@
               <a:buNone/>
             </a:pPr>
             <a:r>
-              <a:rPr lang="nl-NL" sz="2000" noProof="0" dirty="0" err="1">
+              <a:rPr lang="en-US" sz="2000" dirty="0" err="1">
                 <a:latin typeface="Courier New" panose="02070309020205020404" pitchFamily="49" charset="0"/>
                 <a:cs typeface="Courier New" panose="02070309020205020404" pitchFamily="49" charset="0"/>
               </a:rPr>
               <a:t>elif</a:t>
             </a:r>
             <a:r>
-              <a:rPr lang="nl-NL" sz="2000" noProof="0" dirty="0">
+              <a:rPr lang="en-US" sz="2000" dirty="0">
                 <a:latin typeface="Courier New" panose="02070309020205020404" pitchFamily="49" charset="0"/>
                 <a:cs typeface="Courier New" panose="02070309020205020404" pitchFamily="49" charset="0"/>
               </a:rPr>
@@ -19361,7 +19411,7 @@
               <a:buNone/>
             </a:pPr>
             <a:r>
-              <a:rPr lang="nl-NL" sz="2000" noProof="0" dirty="0">
+              <a:rPr lang="en-US" sz="2000" dirty="0">
                 <a:latin typeface="Courier New" panose="02070309020205020404" pitchFamily="49" charset="0"/>
                 <a:cs typeface="Courier New" panose="02070309020205020404" pitchFamily="49" charset="0"/>
               </a:rPr>
@@ -19375,7 +19425,7 @@
               </a:lnSpc>
               <a:buNone/>
             </a:pPr>
-            <a:endParaRPr lang="nl-NL" sz="2000" noProof="0" dirty="0">
+            <a:endParaRPr lang="en-US" sz="2000" dirty="0">
               <a:latin typeface="Courier New" panose="02070309020205020404" pitchFamily="49" charset="0"/>
               <a:cs typeface="Courier New" panose="02070309020205020404" pitchFamily="49" charset="0"/>
             </a:endParaRPr>
@@ -19388,18 +19438,11 @@
               <a:buNone/>
             </a:pPr>
             <a:r>
-              <a:rPr lang="nl-NL" sz="2000" noProof="0" dirty="0" err="1">
-                <a:latin typeface="Courier New" panose="02070309020205020404" pitchFamily="49" charset="0"/>
-                <a:cs typeface="Courier New" panose="02070309020205020404" pitchFamily="49" charset="0"/>
-              </a:rPr>
-              <a:t>else</a:t>
-            </a:r>
-            <a:r>
-              <a:rPr lang="nl-NL" sz="2000" noProof="0" dirty="0">
-                <a:latin typeface="Courier New" panose="02070309020205020404" pitchFamily="49" charset="0"/>
-                <a:cs typeface="Courier New" panose="02070309020205020404" pitchFamily="49" charset="0"/>
-              </a:rPr>
-              <a:t>:</a:t>
+              <a:rPr lang="en-US" sz="2000" dirty="0">
+                <a:latin typeface="Courier New" panose="02070309020205020404" pitchFamily="49" charset="0"/>
+                <a:cs typeface="Courier New" panose="02070309020205020404" pitchFamily="49" charset="0"/>
+              </a:rPr>
+              <a:t>else:</a:t>
             </a:r>
           </a:p>
           <a:p>
@@ -19410,7 +19453,7 @@
               <a:buNone/>
             </a:pPr>
             <a:r>
-              <a:rPr lang="nl-NL" sz="2000" noProof="0" dirty="0">
+              <a:rPr lang="en-US" sz="2000" dirty="0">
                 <a:latin typeface="Courier New" panose="02070309020205020404" pitchFamily="49" charset="0"/>
                 <a:cs typeface="Courier New" panose="02070309020205020404" pitchFamily="49" charset="0"/>
               </a:rPr>
@@ -19664,7 +19707,7 @@
 </file>
 
 <file path=ppt/slides/slide4.xml><?xml version="1.0" encoding="utf-8"?>
-<p:sld xmlns:a="http://schemas.openxmlformats.org/drawingml/2006/main" xmlns:r="http://schemas.openxmlformats.org/officeDocument/2006/relationships" xmlns:p="http://schemas.openxmlformats.org/presentationml/2006/main" show="0">
+<p:sld xmlns:a="http://schemas.openxmlformats.org/drawingml/2006/main" xmlns:r="http://schemas.openxmlformats.org/officeDocument/2006/relationships" xmlns:p="http://schemas.openxmlformats.org/presentationml/2006/main">
   <p:cSld>
     <p:spTree>
       <p:nvGrpSpPr>
@@ -20227,18 +20270,11 @@
               <a:buNone/>
             </a:pPr>
             <a:r>
-              <a:rPr lang="nl-NL" sz="1600" noProof="0" dirty="0" err="1">
-                <a:latin typeface="Courier New" panose="02070309020205020404" pitchFamily="49" charset="0"/>
-                <a:cs typeface="Courier New" panose="02070309020205020404" pitchFamily="49" charset="0"/>
-              </a:rPr>
-              <a:t>for</a:t>
-            </a:r>
-            <a:r>
-              <a:rPr lang="nl-NL" sz="1600" noProof="0" dirty="0">
-                <a:latin typeface="Courier New" panose="02070309020205020404" pitchFamily="49" charset="0"/>
-                <a:cs typeface="Courier New" panose="02070309020205020404" pitchFamily="49" charset="0"/>
-              </a:rPr>
-              <a:t> x in [1, 2, 3]:</a:t>
+              <a:rPr lang="en-US" sz="1600" noProof="0" dirty="0">
+                <a:latin typeface="Courier New" panose="02070309020205020404" pitchFamily="49" charset="0"/>
+                <a:cs typeface="Courier New" panose="02070309020205020404" pitchFamily="49" charset="0"/>
+              </a:rPr>
+              <a:t>for x in [1, 2, 3]:</a:t>
             </a:r>
           </a:p>
           <a:p>
@@ -20249,7 +20285,7 @@
               <a:buNone/>
             </a:pPr>
             <a:r>
-              <a:rPr lang="nl-NL" sz="1600" noProof="0" dirty="0">
+              <a:rPr lang="en-US" sz="1600" noProof="0" dirty="0">
                 <a:latin typeface="Courier New" panose="02070309020205020404" pitchFamily="49" charset="0"/>
                 <a:cs typeface="Courier New" panose="02070309020205020404" pitchFamily="49" charset="0"/>
               </a:rPr>
@@ -20263,7 +20299,7 @@
               </a:lnSpc>
               <a:buNone/>
             </a:pPr>
-            <a:endParaRPr lang="nl-NL" sz="1600" noProof="0" dirty="0">
+            <a:endParaRPr lang="en-US" sz="1600" noProof="0" dirty="0">
               <a:latin typeface="Courier New" panose="02070309020205020404" pitchFamily="49" charset="0"/>
               <a:cs typeface="Courier New" panose="02070309020205020404" pitchFamily="49" charset="0"/>
             </a:endParaRPr>
@@ -20276,46 +20312,25 @@
               <a:buNone/>
             </a:pPr>
             <a:r>
-              <a:rPr lang="nl-NL" sz="1600" noProof="0" dirty="0" err="1">
-                <a:latin typeface="Courier New" panose="02070309020205020404" pitchFamily="49" charset="0"/>
-                <a:cs typeface="Courier New" panose="02070309020205020404" pitchFamily="49" charset="0"/>
-              </a:rPr>
-              <a:t>for</a:t>
-            </a:r>
-            <a:r>
-              <a:rPr lang="nl-NL" sz="1600" noProof="0" dirty="0">
-                <a:latin typeface="Courier New" panose="02070309020205020404" pitchFamily="49" charset="0"/>
-                <a:cs typeface="Courier New" panose="02070309020205020404" pitchFamily="49" charset="0"/>
-              </a:rPr>
-              <a:t> </a:t>
-            </a:r>
-            <a:r>
-              <a:rPr lang="nl-NL" sz="1600" noProof="0" dirty="0" err="1">
+              <a:rPr lang="en-US" sz="1600" noProof="0" dirty="0">
+                <a:latin typeface="Courier New" panose="02070309020205020404" pitchFamily="49" charset="0"/>
+                <a:cs typeface="Courier New" panose="02070309020205020404" pitchFamily="49" charset="0"/>
+              </a:rPr>
+              <a:t>for </a:t>
+            </a:r>
+            <a:r>
+              <a:rPr lang="en-US" sz="1600" noProof="0" dirty="0" err="1">
                 <a:latin typeface="Courier New" panose="02070309020205020404" pitchFamily="49" charset="0"/>
                 <a:cs typeface="Courier New" panose="02070309020205020404" pitchFamily="49" charset="0"/>
               </a:rPr>
               <a:t>idx</a:t>
             </a:r>
             <a:r>
-              <a:rPr lang="nl-NL" sz="1600" noProof="0" dirty="0">
-                <a:latin typeface="Courier New" panose="02070309020205020404" pitchFamily="49" charset="0"/>
-                <a:cs typeface="Courier New" panose="02070309020205020404" pitchFamily="49" charset="0"/>
-              </a:rPr>
-              <a:t>, x in </a:t>
-            </a:r>
-            <a:r>
-              <a:rPr lang="nl-NL" sz="1600" noProof="0" dirty="0" err="1">
-                <a:latin typeface="Courier New" panose="02070309020205020404" pitchFamily="49" charset="0"/>
-                <a:cs typeface="Courier New" panose="02070309020205020404" pitchFamily="49" charset="0"/>
-              </a:rPr>
-              <a:t>enumerate</a:t>
-            </a:r>
-            <a:r>
-              <a:rPr lang="nl-NL" sz="1600" noProof="0" dirty="0">
-                <a:latin typeface="Courier New" panose="02070309020205020404" pitchFamily="49" charset="0"/>
-                <a:cs typeface="Courier New" panose="02070309020205020404" pitchFamily="49" charset="0"/>
-              </a:rPr>
-              <a:t>([1, 2, 3]):</a:t>
+              <a:rPr lang="en-US" sz="1600" noProof="0" dirty="0">
+                <a:latin typeface="Courier New" panose="02070309020205020404" pitchFamily="49" charset="0"/>
+                <a:cs typeface="Courier New" panose="02070309020205020404" pitchFamily="49" charset="0"/>
+              </a:rPr>
+              <a:t>, x in enumerate([1, 2, 3]):</a:t>
             </a:r>
           </a:p>
           <a:p>
@@ -20326,21 +20341,21 @@
               <a:buNone/>
             </a:pPr>
             <a:r>
-              <a:rPr lang="nl-NL" sz="1600" noProof="0" dirty="0">
+              <a:rPr lang="en-US" sz="1600" noProof="0" dirty="0">
                 <a:latin typeface="Courier New" panose="02070309020205020404" pitchFamily="49" charset="0"/>
                 <a:cs typeface="Courier New" panose="02070309020205020404" pitchFamily="49" charset="0"/>
               </a:rPr>
               <a:t>  print(</a:t>
             </a:r>
             <a:r>
-              <a:rPr lang="nl-NL" sz="1600" noProof="0" dirty="0" err="1">
+              <a:rPr lang="en-US" sz="1600" noProof="0" dirty="0" err="1">
                 <a:latin typeface="Courier New" panose="02070309020205020404" pitchFamily="49" charset="0"/>
                 <a:cs typeface="Courier New" panose="02070309020205020404" pitchFamily="49" charset="0"/>
               </a:rPr>
               <a:t>idx</a:t>
             </a:r>
             <a:r>
-              <a:rPr lang="nl-NL" sz="1600" noProof="0" dirty="0">
+              <a:rPr lang="en-US" sz="1600" noProof="0" dirty="0">
                 <a:latin typeface="Courier New" panose="02070309020205020404" pitchFamily="49" charset="0"/>
                 <a:cs typeface="Courier New" panose="02070309020205020404" pitchFamily="49" charset="0"/>
               </a:rPr>
@@ -20354,7 +20369,7 @@
               </a:lnSpc>
               <a:buNone/>
             </a:pPr>
-            <a:endParaRPr lang="nl-NL" sz="1600" noProof="0" dirty="0">
+            <a:endParaRPr lang="en-US" sz="1600" noProof="0" dirty="0">
               <a:latin typeface="Courier New" panose="02070309020205020404" pitchFamily="49" charset="0"/>
               <a:cs typeface="Courier New" panose="02070309020205020404" pitchFamily="49" charset="0"/>
             </a:endParaRPr>
@@ -20367,18 +20382,11 @@
               <a:buNone/>
             </a:pPr>
             <a:r>
-              <a:rPr lang="nl-NL" sz="1600" dirty="0" err="1">
-                <a:latin typeface="Courier New" panose="02070309020205020404" pitchFamily="49" charset="0"/>
-                <a:cs typeface="Courier New" panose="02070309020205020404" pitchFamily="49" charset="0"/>
-              </a:rPr>
-              <a:t>for</a:t>
-            </a:r>
-            <a:r>
-              <a:rPr lang="nl-NL" sz="1600" dirty="0">
-                <a:latin typeface="Courier New" panose="02070309020205020404" pitchFamily="49" charset="0"/>
-                <a:cs typeface="Courier New" panose="02070309020205020404" pitchFamily="49" charset="0"/>
-              </a:rPr>
-              <a:t> k, v in {"a": 1}.items():</a:t>
+              <a:rPr lang="en-US" sz="1600" dirty="0">
+                <a:latin typeface="Courier New" panose="02070309020205020404" pitchFamily="49" charset="0"/>
+                <a:cs typeface="Courier New" panose="02070309020205020404" pitchFamily="49" charset="0"/>
+              </a:rPr>
+              <a:t>for k, v in {"a": 1}.items():</a:t>
             </a:r>
           </a:p>
           <a:p>
@@ -20389,7 +20397,7 @@
               <a:buNone/>
             </a:pPr>
             <a:r>
-              <a:rPr lang="nl-NL" sz="1600" dirty="0">
+              <a:rPr lang="en-US" sz="1600" dirty="0">
                 <a:latin typeface="Courier New" panose="02070309020205020404" pitchFamily="49" charset="0"/>
                 <a:cs typeface="Courier New" panose="02070309020205020404" pitchFamily="49" charset="0"/>
               </a:rPr>
@@ -20404,7 +20412,7 @@
               <a:buNone/>
             </a:pPr>
             <a:r>
-              <a:rPr lang="nl-NL" sz="1600" dirty="0">
+              <a:rPr lang="en-US" sz="1600" dirty="0">
                 <a:latin typeface="Courier New" panose="02070309020205020404" pitchFamily="49" charset="0"/>
                 <a:cs typeface="Courier New" panose="02070309020205020404" pitchFamily="49" charset="0"/>
               </a:rPr>
@@ -20418,7 +20426,7 @@
               </a:lnSpc>
               <a:buNone/>
             </a:pPr>
-            <a:endParaRPr lang="nl-NL" sz="1600" noProof="0" dirty="0">
+            <a:endParaRPr lang="en-US" sz="1600" noProof="0" dirty="0">
               <a:latin typeface="Courier New" panose="02070309020205020404" pitchFamily="49" charset="0"/>
               <a:cs typeface="Courier New" panose="02070309020205020404" pitchFamily="49" charset="0"/>
             </a:endParaRPr>
@@ -20431,39 +20439,11 @@
               <a:buNone/>
             </a:pPr>
             <a:r>
-              <a:rPr lang="nl-NL" sz="1600" dirty="0">
-                <a:latin typeface="Courier New" panose="02070309020205020404" pitchFamily="49" charset="0"/>
-                <a:cs typeface="Courier New" panose="02070309020205020404" pitchFamily="49" charset="0"/>
-              </a:rPr>
-              <a:t>  </a:t>
-            </a:r>
-            <a:r>
-              <a:rPr lang="nl-NL" sz="1600" dirty="0" err="1">
-                <a:latin typeface="Courier New" panose="02070309020205020404" pitchFamily="49" charset="0"/>
-                <a:cs typeface="Courier New" panose="02070309020205020404" pitchFamily="49" charset="0"/>
-              </a:rPr>
-              <a:t>if</a:t>
-            </a:r>
-            <a:r>
-              <a:rPr lang="nl-NL" sz="1600" dirty="0">
-                <a:latin typeface="Courier New" panose="02070309020205020404" pitchFamily="49" charset="0"/>
-                <a:cs typeface="Courier New" panose="02070309020205020404" pitchFamily="49" charset="0"/>
-              </a:rPr>
-              <a:t> k == "_</a:t>
-            </a:r>
-            <a:r>
-              <a:rPr lang="nl-NL" sz="1600" dirty="0" err="1">
-                <a:latin typeface="Courier New" panose="02070309020205020404" pitchFamily="49" charset="0"/>
-                <a:cs typeface="Courier New" panose="02070309020205020404" pitchFamily="49" charset="0"/>
-              </a:rPr>
-              <a:t>comment</a:t>
-            </a:r>
-            <a:r>
-              <a:rPr lang="nl-NL" sz="1600" dirty="0">
-                <a:latin typeface="Courier New" panose="02070309020205020404" pitchFamily="49" charset="0"/>
-                <a:cs typeface="Courier New" panose="02070309020205020404" pitchFamily="49" charset="0"/>
-              </a:rPr>
-              <a:t>":</a:t>
+              <a:rPr lang="en-US" sz="1600" dirty="0">
+                <a:latin typeface="Courier New" panose="02070309020205020404" pitchFamily="49" charset="0"/>
+                <a:cs typeface="Courier New" panose="02070309020205020404" pitchFamily="49" charset="0"/>
+              </a:rPr>
+              <a:t>  if k == "_comment":</a:t>
             </a:r>
           </a:p>
           <a:p>
@@ -20474,7 +20454,7 @@
               <a:buNone/>
             </a:pPr>
             <a:r>
-              <a:rPr lang="nl-NL" sz="1600" noProof="0" dirty="0">
+              <a:rPr lang="en-US" sz="1600" noProof="0" dirty="0">
                 <a:latin typeface="Courier New" panose="02070309020205020404" pitchFamily="49" charset="0"/>
                 <a:cs typeface="Courier New" panose="02070309020205020404" pitchFamily="49" charset="0"/>
               </a:rPr>
@@ -20886,7 +20866,7 @@
               </a:spcBef>
               <a:buNone/>
             </a:pPr>
-            <a:endParaRPr lang="nl-NL" sz="1600" b="1" dirty="0">
+            <a:endParaRPr lang="en-US" sz="1600" b="1" dirty="0">
               <a:latin typeface="Courier New" panose="02070309020205020404" pitchFamily="49" charset="0"/>
               <a:cs typeface="Courier New" panose="02070309020205020404" pitchFamily="49" charset="0"/>
             </a:endParaRPr>
@@ -20902,76 +20882,62 @@
               <a:buNone/>
             </a:pPr>
             <a:r>
-              <a:rPr lang="nl-NL" sz="1600" b="1" dirty="0">
+              <a:rPr lang="en-US" sz="1600" b="1" dirty="0">
                 <a:latin typeface="Courier New" panose="02070309020205020404" pitchFamily="49" charset="0"/>
                 <a:cs typeface="Courier New" panose="02070309020205020404" pitchFamily="49" charset="0"/>
               </a:rPr>
               <a:t>[ </a:t>
             </a:r>
             <a:r>
-              <a:rPr lang="nl-NL" sz="1600" dirty="0" err="1">
+              <a:rPr lang="en-US" sz="1600" dirty="0" err="1">
                 <a:latin typeface="Courier New" panose="02070309020205020404" pitchFamily="49" charset="0"/>
                 <a:cs typeface="Courier New" panose="02070309020205020404" pitchFamily="49" charset="0"/>
               </a:rPr>
               <a:t>name.lower</a:t>
             </a:r>
             <a:r>
-              <a:rPr lang="nl-NL" sz="1600" dirty="0">
+              <a:rPr lang="en-US" sz="1600" dirty="0">
                 <a:latin typeface="Courier New" panose="02070309020205020404" pitchFamily="49" charset="0"/>
                 <a:cs typeface="Courier New" panose="02070309020205020404" pitchFamily="49" charset="0"/>
               </a:rPr>
               <a:t>() </a:t>
             </a:r>
             <a:r>
-              <a:rPr lang="nl-NL" sz="1600" b="1" dirty="0" err="1">
+              <a:rPr lang="en-US" sz="1600" b="1" dirty="0">
                 <a:latin typeface="Courier New" panose="02070309020205020404" pitchFamily="49" charset="0"/>
                 <a:cs typeface="Courier New" panose="02070309020205020404" pitchFamily="49" charset="0"/>
               </a:rPr>
               <a:t>for</a:t>
             </a:r>
             <a:r>
-              <a:rPr lang="nl-NL" sz="1600" dirty="0">
+              <a:rPr lang="en-US" sz="1600" dirty="0">
                 <a:latin typeface="Courier New" panose="02070309020205020404" pitchFamily="49" charset="0"/>
                 <a:cs typeface="Courier New" panose="02070309020205020404" pitchFamily="49" charset="0"/>
               </a:rPr>
               <a:t> name </a:t>
             </a:r>
             <a:r>
-              <a:rPr lang="nl-NL" sz="1600" b="1" dirty="0">
+              <a:rPr lang="en-US" sz="1600" b="1" dirty="0">
                 <a:latin typeface="Courier New" panose="02070309020205020404" pitchFamily="49" charset="0"/>
                 <a:cs typeface="Courier New" panose="02070309020205020404" pitchFamily="49" charset="0"/>
               </a:rPr>
               <a:t>in</a:t>
             </a:r>
             <a:r>
-              <a:rPr lang="nl-NL" sz="1600" dirty="0">
-                <a:latin typeface="Courier New" panose="02070309020205020404" pitchFamily="49" charset="0"/>
-                <a:cs typeface="Courier New" panose="02070309020205020404" pitchFamily="49" charset="0"/>
-              </a:rPr>
-              <a:t> </a:t>
-            </a:r>
-            <a:r>
-              <a:rPr lang="nl-NL" sz="1600" dirty="0" err="1">
-                <a:latin typeface="Courier New" panose="02070309020205020404" pitchFamily="49" charset="0"/>
-                <a:cs typeface="Courier New" panose="02070309020205020404" pitchFamily="49" charset="0"/>
-              </a:rPr>
-              <a:t>names</a:t>
-            </a:r>
-            <a:r>
-              <a:rPr lang="nl-NL" sz="1600" dirty="0">
-                <a:latin typeface="Courier New" panose="02070309020205020404" pitchFamily="49" charset="0"/>
-                <a:cs typeface="Courier New" panose="02070309020205020404" pitchFamily="49" charset="0"/>
-              </a:rPr>
-              <a:t> </a:t>
-            </a:r>
-            <a:r>
-              <a:rPr lang="nl-NL" sz="1600" b="1" dirty="0">
+              <a:rPr lang="en-US" sz="1600" dirty="0">
+                <a:latin typeface="Courier New" panose="02070309020205020404" pitchFamily="49" charset="0"/>
+                <a:cs typeface="Courier New" panose="02070309020205020404" pitchFamily="49" charset="0"/>
+              </a:rPr>
+              <a:t> names </a:t>
+            </a:r>
+            <a:r>
+              <a:rPr lang="en-US" sz="1600" b="1" dirty="0">
                 <a:latin typeface="Courier New" panose="02070309020205020404" pitchFamily="49" charset="0"/>
                 <a:cs typeface="Courier New" panose="02070309020205020404" pitchFamily="49" charset="0"/>
               </a:rPr>
               <a:t>]</a:t>
             </a:r>
-            <a:endParaRPr lang="nl-NL" sz="1600" b="1" noProof="0" dirty="0">
+            <a:endParaRPr lang="en-US" sz="1600" b="1" noProof="0" dirty="0">
               <a:latin typeface="Courier New" panose="02070309020205020404" pitchFamily="49" charset="0"/>
               <a:cs typeface="Courier New" panose="02070309020205020404" pitchFamily="49" charset="0"/>
             </a:endParaRPr>
@@ -20986,7 +20952,7 @@
               </a:spcBef>
               <a:buNone/>
             </a:pPr>
-            <a:endParaRPr lang="nl-NL" sz="1600" noProof="0" dirty="0">
+            <a:endParaRPr lang="en-US" sz="1600" noProof="0" dirty="0">
               <a:latin typeface="Courier New" panose="02070309020205020404" pitchFamily="49" charset="0"/>
               <a:cs typeface="Courier New" panose="02070309020205020404" pitchFamily="49" charset="0"/>
             </a:endParaRPr>
@@ -21001,7 +20967,7 @@
               </a:spcBef>
               <a:buNone/>
             </a:pPr>
-            <a:endParaRPr lang="nl-NL" sz="1600" b="1" noProof="0" dirty="0">
+            <a:endParaRPr lang="en-US" sz="1600" b="1" noProof="0" dirty="0">
               <a:latin typeface="Courier New" panose="02070309020205020404" pitchFamily="49" charset="0"/>
               <a:cs typeface="Courier New" panose="02070309020205020404" pitchFamily="49" charset="0"/>
             </a:endParaRPr>
@@ -21017,7 +20983,7 @@
               <a:buNone/>
             </a:pPr>
             <a:r>
-              <a:rPr lang="nl-NL" sz="1600" b="1" noProof="0" dirty="0">
+              <a:rPr lang="en-US" sz="1600" b="1" noProof="0" dirty="0">
                 <a:latin typeface="Courier New" panose="02070309020205020404" pitchFamily="49" charset="0"/>
                 <a:cs typeface="Courier New" panose="02070309020205020404" pitchFamily="49" charset="0"/>
               </a:rPr>
@@ -21035,56 +21001,42 @@
               <a:buNone/>
             </a:pPr>
             <a:r>
-              <a:rPr lang="nl-NL" sz="1600" dirty="0">
+              <a:rPr lang="en-US" sz="1600" dirty="0">
                 <a:latin typeface="Courier New" panose="02070309020205020404" pitchFamily="49" charset="0"/>
                 <a:cs typeface="Courier New" panose="02070309020205020404" pitchFamily="49" charset="0"/>
               </a:rPr>
               <a:t>  </a:t>
             </a:r>
             <a:r>
-              <a:rPr lang="nl-NL" sz="1600" noProof="0" dirty="0">
-                <a:latin typeface="Courier New" panose="02070309020205020404" pitchFamily="49" charset="0"/>
-                <a:cs typeface="Courier New" panose="02070309020205020404" pitchFamily="49" charset="0"/>
-              </a:rPr>
-              <a:t>"</a:t>
-            </a:r>
-            <a:r>
-              <a:rPr lang="nl-NL" sz="1600" noProof="0" dirty="0" err="1">
-                <a:latin typeface="Courier New" panose="02070309020205020404" pitchFamily="49" charset="0"/>
-                <a:cs typeface="Courier New" panose="02070309020205020404" pitchFamily="49" charset="0"/>
-              </a:rPr>
-              <a:t>uneven</a:t>
-            </a:r>
-            <a:r>
-              <a:rPr lang="nl-NL" sz="1600" noProof="0" dirty="0">
-                <a:latin typeface="Courier New" panose="02070309020205020404" pitchFamily="49" charset="0"/>
-                <a:cs typeface="Courier New" panose="02070309020205020404" pitchFamily="49" charset="0"/>
-              </a:rPr>
-              <a:t>" </a:t>
-            </a:r>
-            <a:r>
-              <a:rPr lang="nl-NL" sz="1600" b="1" noProof="0" dirty="0" err="1">
+              <a:rPr lang="en-US" sz="1600" noProof="0" dirty="0">
+                <a:latin typeface="Courier New" panose="02070309020205020404" pitchFamily="49" charset="0"/>
+                <a:cs typeface="Courier New" panose="02070309020205020404" pitchFamily="49" charset="0"/>
+              </a:rPr>
+              <a:t>"uneven" </a:t>
+            </a:r>
+            <a:r>
+              <a:rPr lang="en-US" sz="1600" b="1" noProof="0" dirty="0">
                 <a:latin typeface="Courier New" panose="02070309020205020404" pitchFamily="49" charset="0"/>
                 <a:cs typeface="Courier New" panose="02070309020205020404" pitchFamily="49" charset="0"/>
               </a:rPr>
               <a:t>if</a:t>
             </a:r>
             <a:r>
-              <a:rPr lang="nl-NL" sz="1600" noProof="0" dirty="0">
+              <a:rPr lang="en-US" sz="1600" noProof="0" dirty="0">
                 <a:latin typeface="Courier New" panose="02070309020205020404" pitchFamily="49" charset="0"/>
                 <a:cs typeface="Courier New" panose="02070309020205020404" pitchFamily="49" charset="0"/>
               </a:rPr>
               <a:t> n % 2 </a:t>
             </a:r>
             <a:r>
-              <a:rPr lang="nl-NL" sz="1600" b="1" noProof="0" dirty="0" err="1">
+              <a:rPr lang="en-US" sz="1600" b="1" noProof="0" dirty="0">
                 <a:latin typeface="Courier New" panose="02070309020205020404" pitchFamily="49" charset="0"/>
                 <a:cs typeface="Courier New" panose="02070309020205020404" pitchFamily="49" charset="0"/>
               </a:rPr>
               <a:t>else</a:t>
             </a:r>
             <a:r>
-              <a:rPr lang="nl-NL" sz="1600" noProof="0" dirty="0">
+              <a:rPr lang="en-US" sz="1600" noProof="0" dirty="0">
                 <a:latin typeface="Courier New" panose="02070309020205020404" pitchFamily="49" charset="0"/>
                 <a:cs typeface="Courier New" panose="02070309020205020404" pitchFamily="49" charset="0"/>
               </a:rPr>
@@ -21102,48 +21054,70 @@
               <a:buNone/>
             </a:pPr>
             <a:r>
-              <a:rPr lang="nl-NL" sz="1600" noProof="0" dirty="0">
+              <a:rPr lang="en-US" sz="1600" noProof="0" dirty="0">
                 <a:latin typeface="Courier New" panose="02070309020205020404" pitchFamily="49" charset="0"/>
                 <a:cs typeface="Courier New" panose="02070309020205020404" pitchFamily="49" charset="0"/>
               </a:rPr>
               <a:t>  </a:t>
             </a:r>
             <a:r>
-              <a:rPr lang="nl-NL" sz="1600" b="1" noProof="0" dirty="0" err="1">
+              <a:rPr lang="en-US" sz="1600" b="1" noProof="0" dirty="0">
                 <a:latin typeface="Courier New" panose="02070309020205020404" pitchFamily="49" charset="0"/>
                 <a:cs typeface="Courier New" panose="02070309020205020404" pitchFamily="49" charset="0"/>
               </a:rPr>
               <a:t>for</a:t>
             </a:r>
             <a:r>
-              <a:rPr lang="nl-NL" sz="1600" noProof="0" dirty="0">
+              <a:rPr lang="en-US" sz="1600" noProof="0" dirty="0">
                 <a:latin typeface="Courier New" panose="02070309020205020404" pitchFamily="49" charset="0"/>
                 <a:cs typeface="Courier New" panose="02070309020205020404" pitchFamily="49" charset="0"/>
               </a:rPr>
               <a:t> n </a:t>
             </a:r>
             <a:r>
-              <a:rPr lang="nl-NL" sz="1600" b="1" noProof="0" dirty="0">
+              <a:rPr lang="en-US" sz="1600" b="1" noProof="0" dirty="0">
                 <a:latin typeface="Courier New" panose="02070309020205020404" pitchFamily="49" charset="0"/>
                 <a:cs typeface="Courier New" panose="02070309020205020404" pitchFamily="49" charset="0"/>
               </a:rPr>
               <a:t>in</a:t>
             </a:r>
             <a:r>
-              <a:rPr lang="nl-NL" sz="1600" noProof="0" dirty="0">
-                <a:latin typeface="Courier New" panose="02070309020205020404" pitchFamily="49" charset="0"/>
-                <a:cs typeface="Courier New" panose="02070309020205020404" pitchFamily="49" charset="0"/>
-              </a:rPr>
-              <a:t> </a:t>
-            </a:r>
-            <a:r>
-              <a:rPr lang="nl-NL" sz="1600" noProof="0" dirty="0" err="1">
-                <a:latin typeface="Courier New" panose="02070309020205020404" pitchFamily="49" charset="0"/>
-                <a:cs typeface="Courier New" panose="02070309020205020404" pitchFamily="49" charset="0"/>
-              </a:rPr>
-              <a:t>numbers</a:t>
-            </a:r>
-            <a:endParaRPr lang="nl-NL" sz="1600" noProof="0" dirty="0">
+              <a:rPr lang="en-US" sz="1600" noProof="0" dirty="0">
+                <a:latin typeface="Courier New" panose="02070309020205020404" pitchFamily="49" charset="0"/>
+                <a:cs typeface="Courier New" panose="02070309020205020404" pitchFamily="49" charset="0"/>
+              </a:rPr>
+              <a:t> numbers</a:t>
+            </a:r>
+          </a:p>
+          <a:p>
+            <a:pPr marL="0" indent="0">
+              <a:lnSpc>
+                <a:spcPct val="100000"/>
+              </a:lnSpc>
+              <a:spcBef>
+                <a:spcPts val="0"/>
+              </a:spcBef>
+              <a:buNone/>
+            </a:pPr>
+            <a:r>
+              <a:rPr lang="en-US" sz="1600" b="1" noProof="0" dirty="0">
+                <a:latin typeface="Courier New" panose="02070309020205020404" pitchFamily="49" charset="0"/>
+                <a:cs typeface="Courier New" panose="02070309020205020404" pitchFamily="49" charset="0"/>
+              </a:rPr>
+              <a:t>]</a:t>
+            </a:r>
+          </a:p>
+          <a:p>
+            <a:pPr marL="0" indent="0">
+              <a:lnSpc>
+                <a:spcPct val="100000"/>
+              </a:lnSpc>
+              <a:spcBef>
+                <a:spcPts val="0"/>
+              </a:spcBef>
+              <a:buNone/>
+            </a:pPr>
+            <a:endParaRPr lang="en-US" sz="1600" dirty="0">
               <a:latin typeface="Courier New" panose="02070309020205020404" pitchFamily="49" charset="0"/>
               <a:cs typeface="Courier New" panose="02070309020205020404" pitchFamily="49" charset="0"/>
             </a:endParaRPr>
@@ -21158,25 +21132,7 @@
               </a:spcBef>
               <a:buNone/>
             </a:pPr>
-            <a:r>
-              <a:rPr lang="nl-NL" sz="1600" b="1" noProof="0" dirty="0">
-                <a:latin typeface="Courier New" panose="02070309020205020404" pitchFamily="49" charset="0"/>
-                <a:cs typeface="Courier New" panose="02070309020205020404" pitchFamily="49" charset="0"/>
-              </a:rPr>
-              <a:t>]</a:t>
-            </a:r>
-          </a:p>
-          <a:p>
-            <a:pPr marL="0" indent="0">
-              <a:lnSpc>
-                <a:spcPct val="100000"/>
-              </a:lnSpc>
-              <a:spcBef>
-                <a:spcPts val="0"/>
-              </a:spcBef>
-              <a:buNone/>
-            </a:pPr>
-            <a:endParaRPr lang="nl-NL" sz="1600" dirty="0">
+            <a:endParaRPr lang="en-US" sz="1600" noProof="0" dirty="0">
               <a:latin typeface="Courier New" panose="02070309020205020404" pitchFamily="49" charset="0"/>
               <a:cs typeface="Courier New" panose="02070309020205020404" pitchFamily="49" charset="0"/>
             </a:endParaRPr>
@@ -21191,7 +21147,7 @@
               </a:spcBef>
               <a:buNone/>
             </a:pPr>
-            <a:endParaRPr lang="nl-NL" sz="1600" noProof="0" dirty="0">
+            <a:endParaRPr lang="en-US" sz="1600" noProof="0" dirty="0">
               <a:latin typeface="Courier New" panose="02070309020205020404" pitchFamily="49" charset="0"/>
               <a:cs typeface="Courier New" panose="02070309020205020404" pitchFamily="49" charset="0"/>
             </a:endParaRPr>
@@ -21206,7 +21162,81 @@
               </a:spcBef>
               <a:buNone/>
             </a:pPr>
-            <a:endParaRPr lang="nl-NL" sz="1600" noProof="0" dirty="0">
+            <a:r>
+              <a:rPr lang="en-US" sz="1600" b="1" dirty="0">
+                <a:latin typeface="Courier New" panose="02070309020205020404" pitchFamily="49" charset="0"/>
+                <a:cs typeface="Courier New" panose="02070309020205020404" pitchFamily="49" charset="0"/>
+              </a:rPr>
+              <a:t>[</a:t>
+            </a:r>
+            <a:r>
+              <a:rPr lang="en-US" sz="1600" dirty="0">
+                <a:latin typeface="Courier New" panose="02070309020205020404" pitchFamily="49" charset="0"/>
+                <a:cs typeface="Courier New" panose="02070309020205020404" pitchFamily="49" charset="0"/>
+              </a:rPr>
+              <a:t> n </a:t>
+            </a:r>
+            <a:r>
+              <a:rPr lang="en-US" sz="1600" b="1" dirty="0">
+                <a:latin typeface="Courier New" panose="02070309020205020404" pitchFamily="49" charset="0"/>
+                <a:cs typeface="Courier New" panose="02070309020205020404" pitchFamily="49" charset="0"/>
+              </a:rPr>
+              <a:t>for</a:t>
+            </a:r>
+            <a:r>
+              <a:rPr lang="en-US" sz="1600" dirty="0">
+                <a:latin typeface="Courier New" panose="02070309020205020404" pitchFamily="49" charset="0"/>
+                <a:cs typeface="Courier New" panose="02070309020205020404" pitchFamily="49" charset="0"/>
+              </a:rPr>
+              <a:t> n </a:t>
+            </a:r>
+            <a:r>
+              <a:rPr lang="en-US" sz="1600" b="1" dirty="0">
+                <a:latin typeface="Courier New" panose="02070309020205020404" pitchFamily="49" charset="0"/>
+                <a:cs typeface="Courier New" panose="02070309020205020404" pitchFamily="49" charset="0"/>
+              </a:rPr>
+              <a:t>in</a:t>
+            </a:r>
+            <a:r>
+              <a:rPr lang="en-US" sz="1600" dirty="0">
+                <a:latin typeface="Courier New" panose="02070309020205020404" pitchFamily="49" charset="0"/>
+                <a:cs typeface="Courier New" panose="02070309020205020404" pitchFamily="49" charset="0"/>
+              </a:rPr>
+              <a:t> numbers </a:t>
+            </a:r>
+            <a:r>
+              <a:rPr lang="en-US" sz="1600" b="1" dirty="0">
+                <a:latin typeface="Courier New" panose="02070309020205020404" pitchFamily="49" charset="0"/>
+                <a:cs typeface="Courier New" panose="02070309020205020404" pitchFamily="49" charset="0"/>
+              </a:rPr>
+              <a:t>if</a:t>
+            </a:r>
+            <a:r>
+              <a:rPr lang="en-US" sz="1600" dirty="0">
+                <a:latin typeface="Courier New" panose="02070309020205020404" pitchFamily="49" charset="0"/>
+                <a:cs typeface="Courier New" panose="02070309020205020404" pitchFamily="49" charset="0"/>
+              </a:rPr>
+              <a:t> n % 2 </a:t>
+            </a:r>
+            <a:r>
+              <a:rPr lang="en-US" sz="1600" b="1" dirty="0">
+                <a:latin typeface="Courier New" panose="02070309020205020404" pitchFamily="49" charset="0"/>
+                <a:cs typeface="Courier New" panose="02070309020205020404" pitchFamily="49" charset="0"/>
+              </a:rPr>
+              <a:t>]</a:t>
+            </a:r>
+          </a:p>
+          <a:p>
+            <a:pPr marL="0" indent="0">
+              <a:lnSpc>
+                <a:spcPct val="100000"/>
+              </a:lnSpc>
+              <a:spcBef>
+                <a:spcPts val="0"/>
+              </a:spcBef>
+              <a:buNone/>
+            </a:pPr>
+            <a:endParaRPr lang="en-US" sz="1600" dirty="0">
               <a:latin typeface="Courier New" panose="02070309020205020404" pitchFamily="49" charset="0"/>
               <a:cs typeface="Courier New" panose="02070309020205020404" pitchFamily="49" charset="0"/>
             </a:endParaRPr>
@@ -21221,95 +21251,7 @@
               </a:spcBef>
               <a:buNone/>
             </a:pPr>
-            <a:r>
-              <a:rPr lang="nl-NL" sz="1600" b="1" dirty="0">
-                <a:latin typeface="Courier New" panose="02070309020205020404" pitchFamily="49" charset="0"/>
-                <a:cs typeface="Courier New" panose="02070309020205020404" pitchFamily="49" charset="0"/>
-              </a:rPr>
-              <a:t>[</a:t>
-            </a:r>
-            <a:r>
-              <a:rPr lang="nl-NL" sz="1600" dirty="0">
-                <a:latin typeface="Courier New" panose="02070309020205020404" pitchFamily="49" charset="0"/>
-                <a:cs typeface="Courier New" panose="02070309020205020404" pitchFamily="49" charset="0"/>
-              </a:rPr>
-              <a:t> n </a:t>
-            </a:r>
-            <a:r>
-              <a:rPr lang="nl-NL" sz="1600" b="1" dirty="0" err="1">
-                <a:latin typeface="Courier New" panose="02070309020205020404" pitchFamily="49" charset="0"/>
-                <a:cs typeface="Courier New" panose="02070309020205020404" pitchFamily="49" charset="0"/>
-              </a:rPr>
-              <a:t>for</a:t>
-            </a:r>
-            <a:r>
-              <a:rPr lang="nl-NL" sz="1600" dirty="0">
-                <a:latin typeface="Courier New" panose="02070309020205020404" pitchFamily="49" charset="0"/>
-                <a:cs typeface="Courier New" panose="02070309020205020404" pitchFamily="49" charset="0"/>
-              </a:rPr>
-              <a:t> n </a:t>
-            </a:r>
-            <a:r>
-              <a:rPr lang="nl-NL" sz="1600" b="1" dirty="0">
-                <a:latin typeface="Courier New" panose="02070309020205020404" pitchFamily="49" charset="0"/>
-                <a:cs typeface="Courier New" panose="02070309020205020404" pitchFamily="49" charset="0"/>
-              </a:rPr>
-              <a:t>in</a:t>
-            </a:r>
-            <a:r>
-              <a:rPr lang="nl-NL" sz="1600" dirty="0">
-                <a:latin typeface="Courier New" panose="02070309020205020404" pitchFamily="49" charset="0"/>
-                <a:cs typeface="Courier New" panose="02070309020205020404" pitchFamily="49" charset="0"/>
-              </a:rPr>
-              <a:t> </a:t>
-            </a:r>
-            <a:r>
-              <a:rPr lang="nl-NL" sz="1600" dirty="0" err="1">
-                <a:latin typeface="Courier New" panose="02070309020205020404" pitchFamily="49" charset="0"/>
-                <a:cs typeface="Courier New" panose="02070309020205020404" pitchFamily="49" charset="0"/>
-              </a:rPr>
-              <a:t>numbers</a:t>
-            </a:r>
-            <a:r>
-              <a:rPr lang="nl-NL" sz="1600" dirty="0">
-                <a:latin typeface="Courier New" panose="02070309020205020404" pitchFamily="49" charset="0"/>
-                <a:cs typeface="Courier New" panose="02070309020205020404" pitchFamily="49" charset="0"/>
-              </a:rPr>
-              <a:t> </a:t>
-            </a:r>
-            <a:r>
-              <a:rPr lang="nl-NL" sz="1600" b="1" dirty="0" err="1">
-                <a:latin typeface="Courier New" panose="02070309020205020404" pitchFamily="49" charset="0"/>
-                <a:cs typeface="Courier New" panose="02070309020205020404" pitchFamily="49" charset="0"/>
-              </a:rPr>
-              <a:t>if</a:t>
-            </a:r>
-            <a:r>
-              <a:rPr lang="nl-NL" sz="1600" dirty="0">
-                <a:latin typeface="Courier New" panose="02070309020205020404" pitchFamily="49" charset="0"/>
-                <a:cs typeface="Courier New" panose="02070309020205020404" pitchFamily="49" charset="0"/>
-              </a:rPr>
-              <a:t> n % 2 </a:t>
-            </a:r>
-            <a:r>
-              <a:rPr lang="nl-NL" sz="1600" b="1" dirty="0">
-                <a:latin typeface="Courier New" panose="02070309020205020404" pitchFamily="49" charset="0"/>
-                <a:cs typeface="Courier New" panose="02070309020205020404" pitchFamily="49" charset="0"/>
-              </a:rPr>
-              <a:t>]</a:t>
-            </a:r>
-          </a:p>
-          <a:p>
-            <a:pPr marL="0" indent="0">
-              <a:lnSpc>
-                <a:spcPct val="100000"/>
-              </a:lnSpc>
-              <a:spcBef>
-                <a:spcPts val="0"/>
-              </a:spcBef>
-              <a:buNone/>
-            </a:pPr>
-            <a:endParaRPr lang="nl-NL" sz="1600" dirty="0">
+            <a:endParaRPr lang="en-US" sz="1600" b="1" noProof="0" dirty="0">
               <a:latin typeface="Courier New" panose="02070309020205020404" pitchFamily="49" charset="0"/>
               <a:cs typeface="Courier New" panose="02070309020205020404" pitchFamily="49" charset="0"/>
             </a:endParaRPr>
@@ -21324,10 +21266,13 @@
               </a:spcBef>
               <a:buNone/>
             </a:pPr>
-            <a:endParaRPr lang="nl-NL" sz="1600" b="1" noProof="0" dirty="0">
-              <a:latin typeface="Courier New" panose="02070309020205020404" pitchFamily="49" charset="0"/>
-              <a:cs typeface="Courier New" panose="02070309020205020404" pitchFamily="49" charset="0"/>
-            </a:endParaRPr>
+            <a:r>
+              <a:rPr lang="en-US" sz="1600" b="1" noProof="0" dirty="0">
+                <a:latin typeface="Courier New" panose="02070309020205020404" pitchFamily="49" charset="0"/>
+                <a:cs typeface="Courier New" panose="02070309020205020404" pitchFamily="49" charset="0"/>
+              </a:rPr>
+              <a:t>{</a:t>
+            </a:r>
           </a:p>
           <a:p>
             <a:pPr marL="0" indent="0">
@@ -21340,11 +21285,39 @@
               <a:buNone/>
             </a:pPr>
             <a:r>
-              <a:rPr lang="nl-NL" sz="1600" b="1" noProof="0" dirty="0">
-                <a:latin typeface="Courier New" panose="02070309020205020404" pitchFamily="49" charset="0"/>
-                <a:cs typeface="Courier New" panose="02070309020205020404" pitchFamily="49" charset="0"/>
-              </a:rPr>
-              <a:t>{</a:t>
+              <a:rPr lang="en-US" sz="1600" dirty="0">
+                <a:latin typeface="Courier New" panose="02070309020205020404" pitchFamily="49" charset="0"/>
+                <a:cs typeface="Courier New" panose="02070309020205020404" pitchFamily="49" charset="0"/>
+              </a:rPr>
+              <a:t>    </a:t>
+            </a:r>
+            <a:r>
+              <a:rPr lang="en-US" sz="1600" noProof="0" dirty="0" err="1">
+                <a:latin typeface="Courier New" panose="02070309020205020404" pitchFamily="49" charset="0"/>
+                <a:cs typeface="Courier New" panose="02070309020205020404" pitchFamily="49" charset="0"/>
+              </a:rPr>
+              <a:t>k.upper</a:t>
+            </a:r>
+            <a:r>
+              <a:rPr lang="en-US" sz="1600" noProof="0" dirty="0">
+                <a:latin typeface="Courier New" panose="02070309020205020404" pitchFamily="49" charset="0"/>
+                <a:cs typeface="Courier New" panose="02070309020205020404" pitchFamily="49" charset="0"/>
+              </a:rPr>
+              <a:t>(): </a:t>
+            </a:r>
+            <a:r>
+              <a:rPr lang="en-US" sz="1600" noProof="0" dirty="0" err="1">
+                <a:latin typeface="Courier New" panose="02070309020205020404" pitchFamily="49" charset="0"/>
+                <a:cs typeface="Courier New" panose="02070309020205020404" pitchFamily="49" charset="0"/>
+              </a:rPr>
+              <a:t>v.lower</a:t>
+            </a:r>
+            <a:r>
+              <a:rPr lang="en-US" sz="1600" noProof="0" dirty="0">
+                <a:latin typeface="Courier New" panose="02070309020205020404" pitchFamily="49" charset="0"/>
+                <a:cs typeface="Courier New" panose="02070309020205020404" pitchFamily="49" charset="0"/>
+              </a:rPr>
+              <a:t>()</a:t>
             </a:r>
           </a:p>
           <a:p>
@@ -21358,35 +21331,49 @@
               <a:buNone/>
             </a:pPr>
             <a:r>
-              <a:rPr lang="nl-NL" sz="1600" dirty="0">
+              <a:rPr lang="en-US" sz="1600" dirty="0">
                 <a:latin typeface="Courier New" panose="02070309020205020404" pitchFamily="49" charset="0"/>
                 <a:cs typeface="Courier New" panose="02070309020205020404" pitchFamily="49" charset="0"/>
               </a:rPr>
               <a:t>    </a:t>
             </a:r>
             <a:r>
-              <a:rPr lang="nl-NL" sz="1600" noProof="0" dirty="0" err="1">
-                <a:latin typeface="Courier New" panose="02070309020205020404" pitchFamily="49" charset="0"/>
-                <a:cs typeface="Courier New" panose="02070309020205020404" pitchFamily="49" charset="0"/>
-              </a:rPr>
-              <a:t>k.upper</a:t>
-            </a:r>
-            <a:r>
-              <a:rPr lang="nl-NL" sz="1600" noProof="0" dirty="0">
-                <a:latin typeface="Courier New" panose="02070309020205020404" pitchFamily="49" charset="0"/>
-                <a:cs typeface="Courier New" panose="02070309020205020404" pitchFamily="49" charset="0"/>
-              </a:rPr>
-              <a:t>(): </a:t>
-            </a:r>
-            <a:r>
-              <a:rPr lang="nl-NL" sz="1600" noProof="0" dirty="0" err="1">
-                <a:latin typeface="Courier New" panose="02070309020205020404" pitchFamily="49" charset="0"/>
-                <a:cs typeface="Courier New" panose="02070309020205020404" pitchFamily="49" charset="0"/>
-              </a:rPr>
-              <a:t>v.lower</a:t>
-            </a:r>
-            <a:r>
-              <a:rPr lang="nl-NL" sz="1600" noProof="0" dirty="0">
+              <a:rPr lang="en-US" sz="1600" b="1" dirty="0">
+                <a:latin typeface="Courier New" panose="02070309020205020404" pitchFamily="49" charset="0"/>
+                <a:cs typeface="Courier New" panose="02070309020205020404" pitchFamily="49" charset="0"/>
+              </a:rPr>
+              <a:t>for</a:t>
+            </a:r>
+            <a:r>
+              <a:rPr lang="en-US" sz="1600" dirty="0">
+                <a:latin typeface="Courier New" panose="02070309020205020404" pitchFamily="49" charset="0"/>
+                <a:cs typeface="Courier New" panose="02070309020205020404" pitchFamily="49" charset="0"/>
+              </a:rPr>
+              <a:t> k, v </a:t>
+            </a:r>
+            <a:r>
+              <a:rPr lang="en-US" sz="1600" b="1" dirty="0">
+                <a:latin typeface="Courier New" panose="02070309020205020404" pitchFamily="49" charset="0"/>
+                <a:cs typeface="Courier New" panose="02070309020205020404" pitchFamily="49" charset="0"/>
+              </a:rPr>
+              <a:t>in</a:t>
+            </a:r>
+            <a:r>
+              <a:rPr lang="en-US" sz="1600" dirty="0">
+                <a:latin typeface="Courier New" panose="02070309020205020404" pitchFamily="49" charset="0"/>
+                <a:cs typeface="Courier New" panose="02070309020205020404" pitchFamily="49" charset="0"/>
+              </a:rPr>
+              <a:t> </a:t>
+            </a:r>
+            <a:r>
+              <a:rPr lang="en-US" sz="1600" dirty="0" err="1">
+                <a:latin typeface="Courier New" panose="02070309020205020404" pitchFamily="49" charset="0"/>
+                <a:cs typeface="Courier New" panose="02070309020205020404" pitchFamily="49" charset="0"/>
+              </a:rPr>
+              <a:t>my_dict.items</a:t>
+            </a:r>
+            <a:r>
+              <a:rPr lang="en-US" sz="1600" dirty="0">
                 <a:latin typeface="Courier New" panose="02070309020205020404" pitchFamily="49" charset="0"/>
                 <a:cs typeface="Courier New" panose="02070309020205020404" pitchFamily="49" charset="0"/>
               </a:rPr>
@@ -21404,189 +21391,13 @@
               <a:buNone/>
             </a:pPr>
             <a:r>
-              <a:rPr lang="nl-NL" sz="1600" dirty="0">
-                <a:latin typeface="Courier New" panose="02070309020205020404" pitchFamily="49" charset="0"/>
-                <a:cs typeface="Courier New" panose="02070309020205020404" pitchFamily="49" charset="0"/>
-              </a:rPr>
-              <a:t>    </a:t>
-            </a:r>
-            <a:r>
-              <a:rPr lang="nl-NL" sz="1600" b="1" dirty="0" err="1">
-                <a:latin typeface="Courier New" panose="02070309020205020404" pitchFamily="49" charset="0"/>
-                <a:cs typeface="Courier New" panose="02070309020205020404" pitchFamily="49" charset="0"/>
-              </a:rPr>
-              <a:t>for</a:t>
-            </a:r>
-            <a:r>
-              <a:rPr lang="nl-NL" sz="1600" dirty="0">
-                <a:latin typeface="Courier New" panose="02070309020205020404" pitchFamily="49" charset="0"/>
-                <a:cs typeface="Courier New" panose="02070309020205020404" pitchFamily="49" charset="0"/>
-              </a:rPr>
-              <a:t> k, v </a:t>
-            </a:r>
-            <a:r>
-              <a:rPr lang="nl-NL" sz="1600" b="1" dirty="0">
-                <a:latin typeface="Courier New" panose="02070309020205020404" pitchFamily="49" charset="0"/>
-                <a:cs typeface="Courier New" panose="02070309020205020404" pitchFamily="49" charset="0"/>
-              </a:rPr>
-              <a:t>in</a:t>
-            </a:r>
-            <a:r>
-              <a:rPr lang="nl-NL" sz="1600" dirty="0">
-                <a:latin typeface="Courier New" panose="02070309020205020404" pitchFamily="49" charset="0"/>
-                <a:cs typeface="Courier New" panose="02070309020205020404" pitchFamily="49" charset="0"/>
-              </a:rPr>
-              <a:t> </a:t>
-            </a:r>
-            <a:r>
-              <a:rPr lang="nl-NL" sz="1600" dirty="0" err="1">
-                <a:latin typeface="Courier New" panose="02070309020205020404" pitchFamily="49" charset="0"/>
-                <a:cs typeface="Courier New" panose="02070309020205020404" pitchFamily="49" charset="0"/>
-              </a:rPr>
-              <a:t>my_dict.items</a:t>
-            </a:r>
-            <a:r>
-              <a:rPr lang="nl-NL" sz="1600" dirty="0">
-                <a:latin typeface="Courier New" panose="02070309020205020404" pitchFamily="49" charset="0"/>
-                <a:cs typeface="Courier New" panose="02070309020205020404" pitchFamily="49" charset="0"/>
-              </a:rPr>
-              <a:t>()</a:t>
-            </a:r>
-          </a:p>
-          <a:p>
-            <a:pPr marL="0" indent="0">
-              <a:lnSpc>
-                <a:spcPct val="100000"/>
-              </a:lnSpc>
-              <a:spcBef>
-                <a:spcPts val="0"/>
-              </a:spcBef>
-              <a:buNone/>
-            </a:pPr>
-            <a:r>
-              <a:rPr lang="nl-NL" sz="1600" b="1" noProof="0" dirty="0">
+              <a:rPr lang="en-US" sz="1600" b="1" noProof="0" dirty="0">
                 <a:latin typeface="Courier New" panose="02070309020205020404" pitchFamily="49" charset="0"/>
                 <a:cs typeface="Courier New" panose="02070309020205020404" pitchFamily="49" charset="0"/>
               </a:rPr>
               <a:t>}</a:t>
             </a:r>
-          </a:p>
-          <a:p>
-            <a:pPr marL="0" indent="0">
-              <a:lnSpc>
-                <a:spcPct val="100000"/>
-              </a:lnSpc>
-              <a:spcBef>
-                <a:spcPts val="0"/>
-              </a:spcBef>
-              <a:buNone/>
-            </a:pPr>
-            <a:endParaRPr lang="nl-NL" sz="1600" dirty="0">
-              <a:latin typeface="Courier New" panose="02070309020205020404" pitchFamily="49" charset="0"/>
-              <a:cs typeface="Courier New" panose="02070309020205020404" pitchFamily="49" charset="0"/>
-            </a:endParaRPr>
-          </a:p>
-          <a:p>
-            <a:pPr marL="0" indent="0">
-              <a:lnSpc>
-                <a:spcPct val="100000"/>
-              </a:lnSpc>
-              <a:spcBef>
-                <a:spcPts val="0"/>
-              </a:spcBef>
-              <a:buNone/>
-            </a:pPr>
-            <a:endParaRPr lang="nl-NL" sz="1600" noProof="0" dirty="0">
-              <a:latin typeface="Courier New" panose="02070309020205020404" pitchFamily="49" charset="0"/>
-              <a:cs typeface="Courier New" panose="02070309020205020404" pitchFamily="49" charset="0"/>
-            </a:endParaRPr>
-          </a:p>
-          <a:p>
-            <a:pPr marL="0" indent="0">
-              <a:lnSpc>
-                <a:spcPct val="100000"/>
-              </a:lnSpc>
-              <a:spcBef>
-                <a:spcPts val="0"/>
-              </a:spcBef>
-              <a:buNone/>
-            </a:pPr>
-            <a:endParaRPr lang="nl-NL" sz="1600" noProof="0" dirty="0">
-              <a:latin typeface="Courier New" panose="02070309020205020404" pitchFamily="49" charset="0"/>
-              <a:cs typeface="Courier New" panose="02070309020205020404" pitchFamily="49" charset="0"/>
-            </a:endParaRPr>
-          </a:p>
-          <a:p>
-            <a:pPr marL="0" indent="0">
-              <a:lnSpc>
-                <a:spcPct val="100000"/>
-              </a:lnSpc>
-              <a:spcBef>
-                <a:spcPts val="0"/>
-              </a:spcBef>
-              <a:buNone/>
-            </a:pPr>
-            <a:endParaRPr lang="nl-NL" sz="1600" noProof="0" dirty="0">
-              <a:latin typeface="Courier New" panose="02070309020205020404" pitchFamily="49" charset="0"/>
-              <a:cs typeface="Courier New" panose="02070309020205020404" pitchFamily="49" charset="0"/>
-            </a:endParaRPr>
-          </a:p>
-          <a:p>
-            <a:pPr marL="0" indent="0">
-              <a:lnSpc>
-                <a:spcPct val="100000"/>
-              </a:lnSpc>
-              <a:spcBef>
-                <a:spcPts val="0"/>
-              </a:spcBef>
-              <a:buNone/>
-            </a:pPr>
-            <a:endParaRPr lang="nl-NL" sz="1600" noProof="0" dirty="0">
-              <a:latin typeface="Courier New" panose="02070309020205020404" pitchFamily="49" charset="0"/>
-              <a:cs typeface="Courier New" panose="02070309020205020404" pitchFamily="49" charset="0"/>
-            </a:endParaRPr>
-          </a:p>
-          <a:p>
-            <a:pPr marL="0" indent="0">
-              <a:lnSpc>
-                <a:spcPct val="100000"/>
-              </a:lnSpc>
-              <a:spcBef>
-                <a:spcPts val="0"/>
-              </a:spcBef>
-              <a:buNone/>
-            </a:pPr>
-            <a:endParaRPr lang="nl-NL" sz="1600" noProof="0" dirty="0">
-              <a:latin typeface="Courier New" panose="02070309020205020404" pitchFamily="49" charset="0"/>
-              <a:cs typeface="Courier New" panose="02070309020205020404" pitchFamily="49" charset="0"/>
-            </a:endParaRPr>
-          </a:p>
-          <a:p>
-            <a:pPr marL="0" indent="0">
-              <a:lnSpc>
-                <a:spcPct val="100000"/>
-              </a:lnSpc>
-              <a:spcBef>
-                <a:spcPts val="0"/>
-              </a:spcBef>
-              <a:buNone/>
-            </a:pPr>
-            <a:endParaRPr lang="nl-NL" sz="1600" noProof="0" dirty="0">
-              <a:latin typeface="Courier New" panose="02070309020205020404" pitchFamily="49" charset="0"/>
-              <a:cs typeface="Courier New" panose="02070309020205020404" pitchFamily="49" charset="0"/>
-            </a:endParaRPr>
-          </a:p>
-          <a:p>
-            <a:pPr marL="0" indent="0">
-              <a:lnSpc>
-                <a:spcPct val="100000"/>
-              </a:lnSpc>
-              <a:spcBef>
-                <a:spcPts val="0"/>
-              </a:spcBef>
-              <a:buNone/>
-            </a:pPr>
-            <a:endParaRPr lang="nl-NL" sz="1600" noProof="0" dirty="0">
+            <a:endParaRPr lang="en-US" sz="1600" noProof="0" dirty="0">
               <a:latin typeface="Courier New" panose="02070309020205020404" pitchFamily="49" charset="0"/>
               <a:cs typeface="Courier New" panose="02070309020205020404" pitchFamily="49" charset="0"/>
             </a:endParaRPr>
@@ -21887,28 +21698,21 @@
               <a:buNone/>
             </a:pPr>
             <a:r>
-              <a:rPr lang="nl-NL" sz="1600" b="1" noProof="0" dirty="0" err="1">
-                <a:latin typeface="Courier New" panose="02070309020205020404" pitchFamily="49" charset="0"/>
-                <a:cs typeface="Courier New" panose="02070309020205020404" pitchFamily="49" charset="0"/>
-              </a:rPr>
-              <a:t>def</a:t>
-            </a:r>
-            <a:r>
-              <a:rPr lang="nl-NL" sz="1600" b="1" noProof="0" dirty="0">
-                <a:latin typeface="Courier New" panose="02070309020205020404" pitchFamily="49" charset="0"/>
-                <a:cs typeface="Courier New" panose="02070309020205020404" pitchFamily="49" charset="0"/>
-              </a:rPr>
-              <a:t> </a:t>
-            </a:r>
-            <a:r>
-              <a:rPr lang="nl-NL" sz="1600" b="1" noProof="0" dirty="0" err="1">
+              <a:rPr lang="en-US" sz="1600" b="1" dirty="0">
+                <a:latin typeface="Courier New" panose="02070309020205020404" pitchFamily="49" charset="0"/>
+                <a:cs typeface="Courier New" panose="02070309020205020404" pitchFamily="49" charset="0"/>
+              </a:rPr>
+              <a:t>def </a:t>
+            </a:r>
+            <a:r>
+              <a:rPr lang="en-US" sz="1600" b="1" dirty="0" err="1">
                 <a:latin typeface="Courier New" panose="02070309020205020404" pitchFamily="49" charset="0"/>
                 <a:cs typeface="Courier New" panose="02070309020205020404" pitchFamily="49" charset="0"/>
               </a:rPr>
               <a:t>say_hello</a:t>
             </a:r>
             <a:r>
-              <a:rPr lang="nl-NL" sz="1600" b="1" noProof="0" dirty="0">
+              <a:rPr lang="en-US" sz="1600" b="1" dirty="0">
                 <a:latin typeface="Courier New" panose="02070309020205020404" pitchFamily="49" charset="0"/>
                 <a:cs typeface="Courier New" panose="02070309020205020404" pitchFamily="49" charset="0"/>
               </a:rPr>
@@ -21923,25 +21727,11 @@
               <a:buNone/>
             </a:pPr>
             <a:r>
-              <a:rPr lang="nl-NL" sz="1600" noProof="0" dirty="0">
-                <a:latin typeface="Courier New" panose="02070309020205020404" pitchFamily="49" charset="0"/>
-                <a:cs typeface="Courier New" panose="02070309020205020404" pitchFamily="49" charset="0"/>
-              </a:rPr>
-              <a:t>  print("</a:t>
-            </a:r>
-            <a:r>
-              <a:rPr lang="nl-NL" sz="1600" noProof="0" dirty="0" err="1">
-                <a:latin typeface="Courier New" panose="02070309020205020404" pitchFamily="49" charset="0"/>
-                <a:cs typeface="Courier New" panose="02070309020205020404" pitchFamily="49" charset="0"/>
-              </a:rPr>
-              <a:t>Hello</a:t>
-            </a:r>
-            <a:r>
-              <a:rPr lang="nl-NL" sz="1600" noProof="0" dirty="0">
-                <a:latin typeface="Courier New" panose="02070309020205020404" pitchFamily="49" charset="0"/>
-                <a:cs typeface="Courier New" panose="02070309020205020404" pitchFamily="49" charset="0"/>
-              </a:rPr>
-              <a:t>!")</a:t>
+              <a:rPr lang="en-US" sz="1600" dirty="0">
+                <a:latin typeface="Courier New" panose="02070309020205020404" pitchFamily="49" charset="0"/>
+                <a:cs typeface="Courier New" panose="02070309020205020404" pitchFamily="49" charset="0"/>
+              </a:rPr>
+              <a:t>  print("Hello!")</a:t>
             </a:r>
           </a:p>
           <a:p>
@@ -21951,7 +21741,7 @@
               </a:lnSpc>
               <a:buNone/>
             </a:pPr>
-            <a:endParaRPr lang="nl-NL" sz="1600" noProof="0" dirty="0">
+            <a:endParaRPr lang="en-US" sz="1600" dirty="0">
               <a:latin typeface="Courier New" panose="02070309020205020404" pitchFamily="49" charset="0"/>
               <a:cs typeface="Courier New" panose="02070309020205020404" pitchFamily="49" charset="0"/>
             </a:endParaRPr>
@@ -21963,7 +21753,7 @@
               </a:lnSpc>
               <a:buNone/>
             </a:pPr>
-            <a:endParaRPr lang="nl-NL" sz="1600" noProof="0" dirty="0">
+            <a:endParaRPr lang="en-US" sz="1600" dirty="0">
               <a:latin typeface="Courier New" panose="02070309020205020404" pitchFamily="49" charset="0"/>
               <a:cs typeface="Courier New" panose="02070309020205020404" pitchFamily="49" charset="0"/>
             </a:endParaRPr>
@@ -21976,46 +21766,25 @@
               <a:buNone/>
             </a:pPr>
             <a:r>
-              <a:rPr lang="nl-NL" sz="1600" b="1" noProof="0" dirty="0" err="1">
-                <a:latin typeface="Courier New" panose="02070309020205020404" pitchFamily="49" charset="0"/>
-                <a:cs typeface="Courier New" panose="02070309020205020404" pitchFamily="49" charset="0"/>
-              </a:rPr>
-              <a:t>def</a:t>
-            </a:r>
-            <a:r>
-              <a:rPr lang="nl-NL" sz="1600" b="1" noProof="0" dirty="0">
-                <a:latin typeface="Courier New" panose="02070309020205020404" pitchFamily="49" charset="0"/>
-                <a:cs typeface="Courier New" panose="02070309020205020404" pitchFamily="49" charset="0"/>
-              </a:rPr>
-              <a:t> </a:t>
-            </a:r>
-            <a:r>
-              <a:rPr lang="nl-NL" sz="1600" b="1" noProof="0" dirty="0" err="1">
+              <a:rPr lang="en-US" sz="1600" b="1" dirty="0">
+                <a:latin typeface="Courier New" panose="02070309020205020404" pitchFamily="49" charset="0"/>
+                <a:cs typeface="Courier New" panose="02070309020205020404" pitchFamily="49" charset="0"/>
+              </a:rPr>
+              <a:t>def </a:t>
+            </a:r>
+            <a:r>
+              <a:rPr lang="en-US" sz="1600" b="1" dirty="0" err="1">
                 <a:latin typeface="Courier New" panose="02070309020205020404" pitchFamily="49" charset="0"/>
                 <a:cs typeface="Courier New" panose="02070309020205020404" pitchFamily="49" charset="0"/>
               </a:rPr>
               <a:t>say_hello</a:t>
             </a:r>
             <a:r>
-              <a:rPr lang="nl-NL" sz="1600" b="1" noProof="0" dirty="0">
-                <a:latin typeface="Courier New" panose="02070309020205020404" pitchFamily="49" charset="0"/>
-                <a:cs typeface="Courier New" panose="02070309020205020404" pitchFamily="49" charset="0"/>
-              </a:rPr>
-              <a:t>(name="</a:t>
-            </a:r>
-            <a:r>
-              <a:rPr lang="nl-NL" sz="1600" b="1" noProof="0" dirty="0" err="1">
-                <a:latin typeface="Courier New" panose="02070309020205020404" pitchFamily="49" charset="0"/>
-                <a:cs typeface="Courier New" panose="02070309020205020404" pitchFamily="49" charset="0"/>
-              </a:rPr>
-              <a:t>you</a:t>
-            </a:r>
-            <a:r>
-              <a:rPr lang="nl-NL" sz="1600" b="1" noProof="0" dirty="0">
-                <a:latin typeface="Courier New" panose="02070309020205020404" pitchFamily="49" charset="0"/>
-                <a:cs typeface="Courier New" panose="02070309020205020404" pitchFamily="49" charset="0"/>
-              </a:rPr>
-              <a:t>"):</a:t>
+              <a:rPr lang="en-US" sz="1600" b="1" dirty="0">
+                <a:latin typeface="Courier New" panose="02070309020205020404" pitchFamily="49" charset="0"/>
+                <a:cs typeface="Courier New" panose="02070309020205020404" pitchFamily="49" charset="0"/>
+              </a:rPr>
+              <a:t>(name="you"):</a:t>
             </a:r>
           </a:p>
           <a:p>
@@ -22026,21 +21795,21 @@
               <a:buNone/>
             </a:pPr>
             <a:r>
-              <a:rPr lang="nl-NL" sz="1600" noProof="0" dirty="0">
+              <a:rPr lang="en-US" sz="1600" dirty="0">
                 <a:latin typeface="Courier New" panose="02070309020205020404" pitchFamily="49" charset="0"/>
                 <a:cs typeface="Courier New" panose="02070309020205020404" pitchFamily="49" charset="0"/>
               </a:rPr>
               <a:t>  print(</a:t>
             </a:r>
             <a:r>
-              <a:rPr lang="nl-NL" sz="1600" noProof="0" dirty="0" err="1">
+              <a:rPr lang="en-US" sz="1600" dirty="0" err="1">
                 <a:latin typeface="Courier New" panose="02070309020205020404" pitchFamily="49" charset="0"/>
                 <a:cs typeface="Courier New" panose="02070309020205020404" pitchFamily="49" charset="0"/>
               </a:rPr>
               <a:t>f"Hello</a:t>
             </a:r>
             <a:r>
-              <a:rPr lang="nl-NL" sz="1600" noProof="0" dirty="0">
+              <a:rPr lang="en-US" sz="1600" dirty="0">
                 <a:latin typeface="Courier New" panose="02070309020205020404" pitchFamily="49" charset="0"/>
                 <a:cs typeface="Courier New" panose="02070309020205020404" pitchFamily="49" charset="0"/>
               </a:rPr>
@@ -22054,7 +21823,7 @@
               </a:lnSpc>
               <a:buNone/>
             </a:pPr>
-            <a:endParaRPr lang="nl-NL" sz="1600" noProof="0" dirty="0">
+            <a:endParaRPr lang="en-US" sz="1600" dirty="0">
               <a:latin typeface="Courier New" panose="02070309020205020404" pitchFamily="49" charset="0"/>
               <a:cs typeface="Courier New" panose="02070309020205020404" pitchFamily="49" charset="0"/>
             </a:endParaRPr>
@@ -22066,7 +21835,7 @@
               </a:lnSpc>
               <a:buNone/>
             </a:pPr>
-            <a:endParaRPr lang="nl-NL" sz="1600" noProof="0" dirty="0">
+            <a:endParaRPr lang="en-US" sz="1600" dirty="0">
               <a:latin typeface="Courier New" panose="02070309020205020404" pitchFamily="49" charset="0"/>
               <a:cs typeface="Courier New" panose="02070309020205020404" pitchFamily="49" charset="0"/>
             </a:endParaRPr>
@@ -22079,46 +21848,25 @@
               <a:buNone/>
             </a:pPr>
             <a:r>
-              <a:rPr lang="nl-NL" sz="1600" b="1" noProof="0" dirty="0" err="1">
-                <a:latin typeface="Courier New" panose="02070309020205020404" pitchFamily="49" charset="0"/>
-                <a:cs typeface="Courier New" panose="02070309020205020404" pitchFamily="49" charset="0"/>
-              </a:rPr>
-              <a:t>def</a:t>
-            </a:r>
-            <a:r>
-              <a:rPr lang="nl-NL" sz="1600" b="1" noProof="0" dirty="0">
-                <a:latin typeface="Courier New" panose="02070309020205020404" pitchFamily="49" charset="0"/>
-                <a:cs typeface="Courier New" panose="02070309020205020404" pitchFamily="49" charset="0"/>
-              </a:rPr>
-              <a:t> </a:t>
-            </a:r>
-            <a:r>
-              <a:rPr lang="nl-NL" sz="1600" b="1" noProof="0" dirty="0" err="1">
+              <a:rPr lang="en-US" sz="1600" b="1" dirty="0">
+                <a:latin typeface="Courier New" panose="02070309020205020404" pitchFamily="49" charset="0"/>
+                <a:cs typeface="Courier New" panose="02070309020205020404" pitchFamily="49" charset="0"/>
+              </a:rPr>
+              <a:t>def </a:t>
+            </a:r>
+            <a:r>
+              <a:rPr lang="en-US" sz="1600" b="1" dirty="0" err="1">
                 <a:latin typeface="Courier New" panose="02070309020205020404" pitchFamily="49" charset="0"/>
                 <a:cs typeface="Courier New" panose="02070309020205020404" pitchFamily="49" charset="0"/>
               </a:rPr>
               <a:t>is_even</a:t>
             </a:r>
             <a:r>
-              <a:rPr lang="nl-NL" sz="1600" b="1" noProof="0" dirty="0">
-                <a:latin typeface="Courier New" panose="02070309020205020404" pitchFamily="49" charset="0"/>
-                <a:cs typeface="Courier New" panose="02070309020205020404" pitchFamily="49" charset="0"/>
-              </a:rPr>
-              <a:t>(</a:t>
-            </a:r>
-            <a:r>
-              <a:rPr lang="nl-NL" sz="1600" b="1" noProof="0" dirty="0" err="1">
-                <a:latin typeface="Courier New" panose="02070309020205020404" pitchFamily="49" charset="0"/>
-                <a:cs typeface="Courier New" panose="02070309020205020404" pitchFamily="49" charset="0"/>
-              </a:rPr>
-              <a:t>value</a:t>
-            </a:r>
-            <a:r>
-              <a:rPr lang="nl-NL" sz="1600" b="1" noProof="0" dirty="0">
-                <a:latin typeface="Courier New" panose="02070309020205020404" pitchFamily="49" charset="0"/>
-                <a:cs typeface="Courier New" panose="02070309020205020404" pitchFamily="49" charset="0"/>
-              </a:rPr>
-              <a:t>):</a:t>
+              <a:rPr lang="en-US" sz="1600" b="1" dirty="0">
+                <a:latin typeface="Courier New" panose="02070309020205020404" pitchFamily="49" charset="0"/>
+                <a:cs typeface="Courier New" panose="02070309020205020404" pitchFamily="49" charset="0"/>
+              </a:rPr>
+              <a:t>(value):</a:t>
             </a:r>
           </a:p>
           <a:p>
@@ -22129,25 +21877,11 @@
               <a:buNone/>
             </a:pPr>
             <a:r>
-              <a:rPr lang="nl-NL" sz="1600" noProof="0" dirty="0">
-                <a:latin typeface="Courier New" panose="02070309020205020404" pitchFamily="49" charset="0"/>
-                <a:cs typeface="Courier New" panose="02070309020205020404" pitchFamily="49" charset="0"/>
-              </a:rPr>
-              <a:t>  return </a:t>
-            </a:r>
-            <a:r>
-              <a:rPr lang="nl-NL" sz="1600" noProof="0" dirty="0" err="1">
-                <a:latin typeface="Courier New" panose="02070309020205020404" pitchFamily="49" charset="0"/>
-                <a:cs typeface="Courier New" panose="02070309020205020404" pitchFamily="49" charset="0"/>
-              </a:rPr>
-              <a:t>value</a:t>
-            </a:r>
-            <a:r>
-              <a:rPr lang="nl-NL" sz="1600" noProof="0" dirty="0">
-                <a:latin typeface="Courier New" panose="02070309020205020404" pitchFamily="49" charset="0"/>
-                <a:cs typeface="Courier New" panose="02070309020205020404" pitchFamily="49" charset="0"/>
-              </a:rPr>
-              <a:t> % 2 == 0</a:t>
+              <a:rPr lang="en-US" sz="1600" dirty="0">
+                <a:latin typeface="Courier New" panose="02070309020205020404" pitchFamily="49" charset="0"/>
+                <a:cs typeface="Courier New" panose="02070309020205020404" pitchFamily="49" charset="0"/>
+              </a:rPr>
+              <a:t>  return value % 2 == 0</a:t>
             </a:r>
           </a:p>
           <a:p>
@@ -22157,7 +21891,7 @@
               </a:lnSpc>
               <a:buNone/>
             </a:pPr>
-            <a:endParaRPr lang="nl-NL" sz="1600" noProof="0" dirty="0">
+            <a:endParaRPr lang="en-US" sz="1600" dirty="0">
               <a:latin typeface="Courier New" panose="02070309020205020404" pitchFamily="49" charset="0"/>
               <a:cs typeface="Courier New" panose="02070309020205020404" pitchFamily="49" charset="0"/>
             </a:endParaRPr>
@@ -22443,20 +22177,20 @@
               <a:buNone/>
             </a:pPr>
             <a:r>
-              <a:rPr lang="nl-NL" sz="1600" noProof="0" dirty="0" err="1">
+              <a:rPr lang="en-US" sz="1600" noProof="0" dirty="0" err="1">
                 <a:latin typeface="Courier New" panose="02070309020205020404" pitchFamily="49" charset="0"/>
                 <a:cs typeface="Courier New" panose="02070309020205020404" pitchFamily="49" charset="0"/>
               </a:rPr>
               <a:t>dfile</a:t>
             </a:r>
             <a:r>
-              <a:rPr lang="nl-NL" sz="1600" noProof="0" dirty="0">
+              <a:rPr lang="en-US" sz="1600" noProof="0" dirty="0">
                 <a:latin typeface="Courier New" panose="02070309020205020404" pitchFamily="49" charset="0"/>
                 <a:cs typeface="Courier New" panose="02070309020205020404" pitchFamily="49" charset="0"/>
               </a:rPr>
               <a:t>  = open("input.csv",   "r")</a:t>
             </a:r>
-            <a:endParaRPr lang="nl-NL" sz="1600" dirty="0">
+            <a:endParaRPr lang="en-US" sz="1600" dirty="0">
               <a:latin typeface="Courier New" panose="02070309020205020404" pitchFamily="49" charset="0"/>
               <a:cs typeface="Courier New" panose="02070309020205020404" pitchFamily="49" charset="0"/>
             </a:endParaRPr>
@@ -22468,7 +22202,7 @@
               </a:lnSpc>
               <a:buNone/>
             </a:pPr>
-            <a:endParaRPr lang="nl-NL" sz="1600" dirty="0">
+            <a:endParaRPr lang="en-US" sz="1600" dirty="0">
               <a:latin typeface="Courier New" panose="02070309020205020404" pitchFamily="49" charset="0"/>
               <a:cs typeface="Courier New" panose="02070309020205020404" pitchFamily="49" charset="0"/>
             </a:endParaRPr>
@@ -22481,14 +22215,14 @@
               <a:buNone/>
             </a:pPr>
             <a:r>
-              <a:rPr lang="nl-NL" sz="1600" dirty="0" err="1">
+              <a:rPr lang="en-US" sz="1600" dirty="0" err="1">
                 <a:latin typeface="Courier New" panose="02070309020205020404" pitchFamily="49" charset="0"/>
                 <a:cs typeface="Courier New" panose="02070309020205020404" pitchFamily="49" charset="0"/>
               </a:rPr>
               <a:t>dfile</a:t>
             </a:r>
             <a:r>
-              <a:rPr lang="nl-NL" sz="1600" noProof="0" dirty="0">
+              <a:rPr lang="en-US" sz="1600" noProof="0" dirty="0">
                 <a:latin typeface="Courier New" panose="02070309020205020404" pitchFamily="49" charset="0"/>
                 <a:cs typeface="Courier New" panose="02070309020205020404" pitchFamily="49" charset="0"/>
               </a:rPr>
@@ -22502,7 +22236,7 @@
               </a:lnSpc>
               <a:buNone/>
             </a:pPr>
-            <a:endParaRPr lang="nl-NL" sz="1600" noProof="0" dirty="0">
+            <a:endParaRPr lang="en-US" sz="1600" noProof="0" dirty="0">
               <a:latin typeface="Courier New" panose="02070309020205020404" pitchFamily="49" charset="0"/>
               <a:cs typeface="Courier New" panose="02070309020205020404" pitchFamily="49" charset="0"/>
             </a:endParaRPr>
@@ -22514,7 +22248,7 @@
               </a:lnSpc>
               <a:buNone/>
             </a:pPr>
-            <a:endParaRPr lang="nl-NL" sz="1600" noProof="0" dirty="0">
+            <a:endParaRPr lang="en-US" sz="1600" noProof="0" dirty="0">
               <a:latin typeface="Courier New" panose="02070309020205020404" pitchFamily="49" charset="0"/>
               <a:cs typeface="Courier New" panose="02070309020205020404" pitchFamily="49" charset="0"/>
             </a:endParaRPr>
@@ -22527,28 +22261,21 @@
               <a:buNone/>
             </a:pPr>
             <a:r>
-              <a:rPr lang="nl-NL" sz="1600" noProof="0" dirty="0" err="1">
-                <a:latin typeface="Courier New" panose="02070309020205020404" pitchFamily="49" charset="0"/>
-                <a:cs typeface="Courier New" panose="02070309020205020404" pitchFamily="49" charset="0"/>
-              </a:rPr>
-              <a:t>with</a:t>
-            </a:r>
-            <a:r>
-              <a:rPr lang="nl-NL" sz="1600" noProof="0" dirty="0">
-                <a:latin typeface="Courier New" panose="02070309020205020404" pitchFamily="49" charset="0"/>
-                <a:cs typeface="Courier New" panose="02070309020205020404" pitchFamily="49" charset="0"/>
-              </a:rPr>
-              <a:t> open("input.csv", "r") as </a:t>
-            </a:r>
-            <a:r>
-              <a:rPr lang="nl-NL" sz="1600" noProof="0" dirty="0" err="1">
+              <a:rPr lang="en-US" sz="1600" noProof="0" dirty="0">
+                <a:latin typeface="Courier New" panose="02070309020205020404" pitchFamily="49" charset="0"/>
+                <a:cs typeface="Courier New" panose="02070309020205020404" pitchFamily="49" charset="0"/>
+              </a:rPr>
+              <a:t>with open("input.csv", "r") as </a:t>
+            </a:r>
+            <a:r>
+              <a:rPr lang="en-US" sz="1600" noProof="0" dirty="0" err="1">
                 <a:latin typeface="Courier New" panose="02070309020205020404" pitchFamily="49" charset="0"/>
                 <a:cs typeface="Courier New" panose="02070309020205020404" pitchFamily="49" charset="0"/>
               </a:rPr>
               <a:t>dfile</a:t>
             </a:r>
             <a:r>
-              <a:rPr lang="nl-NL" sz="1600" noProof="0" dirty="0">
+              <a:rPr lang="en-US" sz="1600" noProof="0" dirty="0">
                 <a:latin typeface="Courier New" panose="02070309020205020404" pitchFamily="49" charset="0"/>
                 <a:cs typeface="Courier New" panose="02070309020205020404" pitchFamily="49" charset="0"/>
               </a:rPr>
@@ -22563,7 +22290,7 @@
               <a:buNone/>
             </a:pPr>
             <a:r>
-              <a:rPr lang="nl-NL" sz="1600" noProof="0" dirty="0">
+              <a:rPr lang="en-US" sz="1600" noProof="0" dirty="0">
                 <a:latin typeface="Courier New" panose="02070309020205020404" pitchFamily="49" charset="0"/>
                 <a:cs typeface="Courier New" panose="02070309020205020404" pitchFamily="49" charset="0"/>
               </a:rPr>
@@ -22578,35 +22305,21 @@
               <a:buNone/>
             </a:pPr>
             <a:r>
-              <a:rPr lang="nl-NL" sz="1600" noProof="0" dirty="0">
-                <a:latin typeface="Courier New" panose="02070309020205020404" pitchFamily="49" charset="0"/>
-                <a:cs typeface="Courier New" panose="02070309020205020404" pitchFamily="49" charset="0"/>
-              </a:rPr>
-              <a:t>  </a:t>
-            </a:r>
-            <a:r>
-              <a:rPr lang="nl-NL" sz="1600" noProof="0" dirty="0" err="1">
-                <a:latin typeface="Courier New" panose="02070309020205020404" pitchFamily="49" charset="0"/>
-                <a:cs typeface="Courier New" panose="02070309020205020404" pitchFamily="49" charset="0"/>
-              </a:rPr>
-              <a:t>for</a:t>
-            </a:r>
-            <a:r>
-              <a:rPr lang="nl-NL" sz="1600" noProof="0" dirty="0">
-                <a:latin typeface="Courier New" panose="02070309020205020404" pitchFamily="49" charset="0"/>
-                <a:cs typeface="Courier New" panose="02070309020205020404" pitchFamily="49" charset="0"/>
-              </a:rPr>
-              <a:t> line in </a:t>
-            </a:r>
-            <a:r>
-              <a:rPr lang="nl-NL" sz="1600" noProof="0" dirty="0" err="1">
+              <a:rPr lang="en-US" sz="1600" noProof="0" dirty="0">
+                <a:latin typeface="Courier New" panose="02070309020205020404" pitchFamily="49" charset="0"/>
+                <a:cs typeface="Courier New" panose="02070309020205020404" pitchFamily="49" charset="0"/>
+              </a:rPr>
+              <a:t>  for line in </a:t>
+            </a:r>
+            <a:r>
+              <a:rPr lang="en-US" sz="1600" noProof="0" dirty="0" err="1">
                 <a:latin typeface="Courier New" panose="02070309020205020404" pitchFamily="49" charset="0"/>
                 <a:cs typeface="Courier New" panose="02070309020205020404" pitchFamily="49" charset="0"/>
               </a:rPr>
               <a:t>dfile</a:t>
             </a:r>
             <a:r>
-              <a:rPr lang="nl-NL" sz="1600" noProof="0" dirty="0">
+              <a:rPr lang="en-US" sz="1600" noProof="0" dirty="0">
                 <a:latin typeface="Courier New" panose="02070309020205020404" pitchFamily="49" charset="0"/>
                 <a:cs typeface="Courier New" panose="02070309020205020404" pitchFamily="49" charset="0"/>
               </a:rPr>
@@ -22621,7 +22334,7 @@
               <a:buNone/>
             </a:pPr>
             <a:r>
-              <a:rPr lang="nl-NL" sz="1600" dirty="0">
+              <a:rPr lang="en-US" sz="1600" dirty="0">
                 <a:latin typeface="Courier New" panose="02070309020205020404" pitchFamily="49" charset="0"/>
                 <a:cs typeface="Courier New" panose="02070309020205020404" pitchFamily="49" charset="0"/>
               </a:rPr>
@@ -22635,7 +22348,7 @@
               </a:lnSpc>
               <a:buNone/>
             </a:pPr>
-            <a:endParaRPr lang="nl-NL" sz="1600" noProof="0" dirty="0">
+            <a:endParaRPr lang="en-US" sz="1600" noProof="0" dirty="0">
               <a:latin typeface="Courier New" panose="02070309020205020404" pitchFamily="49" charset="0"/>
               <a:cs typeface="Courier New" panose="02070309020205020404" pitchFamily="49" charset="0"/>
             </a:endParaRPr>
@@ -22648,41 +22361,27 @@
               <a:buNone/>
             </a:pPr>
             <a:r>
-              <a:rPr lang="nl-NL" sz="1600" dirty="0">
-                <a:latin typeface="Courier New" panose="02070309020205020404" pitchFamily="49" charset="0"/>
-                <a:cs typeface="Courier New" panose="02070309020205020404" pitchFamily="49" charset="0"/>
-              </a:rPr>
-              <a:t>  </a:t>
-            </a:r>
-            <a:r>
-              <a:rPr lang="nl-NL" sz="1600" dirty="0" err="1">
-                <a:latin typeface="Courier New" panose="02070309020205020404" pitchFamily="49" charset="0"/>
-                <a:cs typeface="Courier New" panose="02070309020205020404" pitchFamily="49" charset="0"/>
-              </a:rPr>
-              <a:t>lines</a:t>
-            </a:r>
-            <a:r>
-              <a:rPr lang="nl-NL" sz="1600" dirty="0">
-                <a:latin typeface="Courier New" panose="02070309020205020404" pitchFamily="49" charset="0"/>
-                <a:cs typeface="Courier New" panose="02070309020205020404" pitchFamily="49" charset="0"/>
-              </a:rPr>
-              <a:t> = </a:t>
-            </a:r>
-            <a:r>
-              <a:rPr lang="nl-NL" sz="1600" dirty="0" err="1">
+              <a:rPr lang="en-US" sz="1600" dirty="0">
+                <a:latin typeface="Courier New" panose="02070309020205020404" pitchFamily="49" charset="0"/>
+                <a:cs typeface="Courier New" panose="02070309020205020404" pitchFamily="49" charset="0"/>
+              </a:rPr>
+              <a:t>  lines = </a:t>
+            </a:r>
+            <a:r>
+              <a:rPr lang="en-US" sz="1600" dirty="0" err="1">
                 <a:latin typeface="Courier New" panose="02070309020205020404" pitchFamily="49" charset="0"/>
                 <a:cs typeface="Courier New" panose="02070309020205020404" pitchFamily="49" charset="0"/>
               </a:rPr>
               <a:t>dfile.readlines</a:t>
             </a:r>
             <a:r>
-              <a:rPr lang="nl-NL" sz="1600" dirty="0">
+              <a:rPr lang="en-US" sz="1600" dirty="0">
                 <a:latin typeface="Courier New" panose="02070309020205020404" pitchFamily="49" charset="0"/>
                 <a:cs typeface="Courier New" panose="02070309020205020404" pitchFamily="49" charset="0"/>
               </a:rPr>
               <a:t>()</a:t>
             </a:r>
-            <a:endParaRPr lang="nl-NL" sz="1600" noProof="0" dirty="0">
+            <a:endParaRPr lang="en-US" sz="1600" noProof="0" dirty="0">
               <a:latin typeface="Courier New" panose="02070309020205020404" pitchFamily="49" charset="0"/>
               <a:cs typeface="Courier New" panose="02070309020205020404" pitchFamily="49" charset="0"/>
             </a:endParaRPr>
@@ -22694,7 +22393,7 @@
               </a:lnSpc>
               <a:buNone/>
             </a:pPr>
-            <a:endParaRPr lang="nl-NL" sz="1600" noProof="0" dirty="0">
+            <a:endParaRPr lang="en-US" sz="1600" noProof="0" dirty="0">
               <a:latin typeface="Courier New" panose="02070309020205020404" pitchFamily="49" charset="0"/>
               <a:cs typeface="Courier New" panose="02070309020205020404" pitchFamily="49" charset="0"/>
             </a:endParaRPr>
@@ -23464,12 +23163,8 @@
               <a:buAutoNum type="arabicPeriod"/>
             </a:pPr>
             <a:r>
-              <a:rPr lang="nl-NL" sz="2000"/>
-              <a:t>Opzet</a:t>
-            </a:r>
-            <a:r>
               <a:rPr lang="nl-NL" sz="2000" dirty="0"/>
-              <a:t>: </a:t>
+              <a:t>Opzet: </a:t>
             </a:r>
             <a:r>
               <a:rPr lang="nl-NL" sz="2000" dirty="0">
@@ -23531,7 +23226,7 @@
                 <a:latin typeface="Courier New" panose="02070309020205020404" pitchFamily="49" charset="0"/>
                 <a:cs typeface="Courier New" panose="02070309020205020404" pitchFamily="49" charset="0"/>
               </a:rPr>
-              <a:t>anonimize_name</a:t>
+              <a:t>anonymize_name</a:t>
             </a:r>
             <a:r>
               <a:rPr lang="nl-NL" sz="2000" noProof="0" dirty="0">
@@ -26686,7 +26381,7 @@
 </file>
 
 <file path=ppt/slides/slide5.xml><?xml version="1.0" encoding="utf-8"?>
-<p:sld xmlns:a="http://schemas.openxmlformats.org/drawingml/2006/main" xmlns:r="http://schemas.openxmlformats.org/officeDocument/2006/relationships" xmlns:p="http://schemas.openxmlformats.org/presentationml/2006/main" show="0">
+<p:sld xmlns:a="http://schemas.openxmlformats.org/drawingml/2006/main" xmlns:r="http://schemas.openxmlformats.org/officeDocument/2006/relationships" xmlns:p="http://schemas.openxmlformats.org/presentationml/2006/main">
   <p:cSld>
     <p:spTree>
       <p:nvGrpSpPr>
@@ -36839,7 +36534,7 @@
 </file>
 
 <file path=ppt/slides/slide62.xml><?xml version="1.0" encoding="utf-8"?>
-<p:sld xmlns:a="http://schemas.openxmlformats.org/drawingml/2006/main" xmlns:r="http://schemas.openxmlformats.org/officeDocument/2006/relationships" xmlns:p="http://schemas.openxmlformats.org/presentationml/2006/main" show="0">
+<p:sld xmlns:a="http://schemas.openxmlformats.org/drawingml/2006/main" xmlns:r="http://schemas.openxmlformats.org/officeDocument/2006/relationships" xmlns:p="http://schemas.openxmlformats.org/presentationml/2006/main">
   <p:cSld>
     <p:spTree>
       <p:nvGrpSpPr>
@@ -38426,7 +38121,7 @@
 </file>
 
 <file path=ppt/slides/slide63.xml><?xml version="1.0" encoding="utf-8"?>
-<p:sld xmlns:a="http://schemas.openxmlformats.org/drawingml/2006/main" xmlns:r="http://schemas.openxmlformats.org/officeDocument/2006/relationships" xmlns:p="http://schemas.openxmlformats.org/presentationml/2006/main" show="0">
+<p:sld xmlns:a="http://schemas.openxmlformats.org/drawingml/2006/main" xmlns:r="http://schemas.openxmlformats.org/officeDocument/2006/relationships" xmlns:p="http://schemas.openxmlformats.org/presentationml/2006/main">
   <p:cSld>
     <p:spTree>
       <p:nvGrpSpPr>

--- a/python_trainees/1_basics_classes/python_traineeship_1.pptx
+++ b/python_trainees/1_basics_classes/python_traineeship_1.pptx
@@ -257,7 +257,7 @@
           <a:p>
             <a:fld id="{3BADDCAA-88FC-44D4-A91A-DD0530AB88E0}" type="datetimeFigureOut">
               <a:rPr lang="en-NL" smtClean="0"/>
-              <a:t>20/09/2023</a:t>
+              <a:t>25/09/2023</a:t>
             </a:fld>
             <a:endParaRPr lang="en-NL"/>
           </a:p>
@@ -758,7 +758,7 @@
           <a:p>
             <a:fld id="{0EBB069A-003F-4FC0-8534-236B0C5C7B5F}" type="datetimeFigureOut">
               <a:rPr lang="en-NL" smtClean="0"/>
-              <a:t>20/09/2023</a:t>
+              <a:t>25/09/2023</a:t>
             </a:fld>
             <a:endParaRPr lang="en-NL"/>
           </a:p>
@@ -958,7 +958,7 @@
           <a:p>
             <a:fld id="{0EBB069A-003F-4FC0-8534-236B0C5C7B5F}" type="datetimeFigureOut">
               <a:rPr lang="en-NL" smtClean="0"/>
-              <a:t>20/09/2023</a:t>
+              <a:t>25/09/2023</a:t>
             </a:fld>
             <a:endParaRPr lang="en-NL"/>
           </a:p>
@@ -1168,7 +1168,7 @@
           <a:p>
             <a:fld id="{0EBB069A-003F-4FC0-8534-236B0C5C7B5F}" type="datetimeFigureOut">
               <a:rPr lang="en-NL" smtClean="0"/>
-              <a:t>20/09/2023</a:t>
+              <a:t>25/09/2023</a:t>
             </a:fld>
             <a:endParaRPr lang="en-NL"/>
           </a:p>
@@ -1368,7 +1368,7 @@
           <a:p>
             <a:fld id="{0EBB069A-003F-4FC0-8534-236B0C5C7B5F}" type="datetimeFigureOut">
               <a:rPr lang="en-NL" smtClean="0"/>
-              <a:t>20/09/2023</a:t>
+              <a:t>25/09/2023</a:t>
             </a:fld>
             <a:endParaRPr lang="en-NL"/>
           </a:p>
@@ -1644,7 +1644,7 @@
           <a:p>
             <a:fld id="{0EBB069A-003F-4FC0-8534-236B0C5C7B5F}" type="datetimeFigureOut">
               <a:rPr lang="en-NL" smtClean="0"/>
-              <a:t>20/09/2023</a:t>
+              <a:t>25/09/2023</a:t>
             </a:fld>
             <a:endParaRPr lang="en-NL"/>
           </a:p>
@@ -1912,7 +1912,7 @@
           <a:p>
             <a:fld id="{0EBB069A-003F-4FC0-8534-236B0C5C7B5F}" type="datetimeFigureOut">
               <a:rPr lang="en-NL" smtClean="0"/>
-              <a:t>20/09/2023</a:t>
+              <a:t>25/09/2023</a:t>
             </a:fld>
             <a:endParaRPr lang="en-NL"/>
           </a:p>
@@ -2327,7 +2327,7 @@
           <a:p>
             <a:fld id="{0EBB069A-003F-4FC0-8534-236B0C5C7B5F}" type="datetimeFigureOut">
               <a:rPr lang="en-NL" smtClean="0"/>
-              <a:t>20/09/2023</a:t>
+              <a:t>25/09/2023</a:t>
             </a:fld>
             <a:endParaRPr lang="en-NL"/>
           </a:p>
@@ -2469,7 +2469,7 @@
           <a:p>
             <a:fld id="{0EBB069A-003F-4FC0-8534-236B0C5C7B5F}" type="datetimeFigureOut">
               <a:rPr lang="en-NL" smtClean="0"/>
-              <a:t>20/09/2023</a:t>
+              <a:t>25/09/2023</a:t>
             </a:fld>
             <a:endParaRPr lang="en-NL"/>
           </a:p>
@@ -2582,7 +2582,7 @@
           <a:p>
             <a:fld id="{0EBB069A-003F-4FC0-8534-236B0C5C7B5F}" type="datetimeFigureOut">
               <a:rPr lang="en-NL" smtClean="0"/>
-              <a:t>20/09/2023</a:t>
+              <a:t>25/09/2023</a:t>
             </a:fld>
             <a:endParaRPr lang="en-NL"/>
           </a:p>
@@ -2895,7 +2895,7 @@
           <a:p>
             <a:fld id="{0EBB069A-003F-4FC0-8534-236B0C5C7B5F}" type="datetimeFigureOut">
               <a:rPr lang="en-NL" smtClean="0"/>
-              <a:t>20/09/2023</a:t>
+              <a:t>25/09/2023</a:t>
             </a:fld>
             <a:endParaRPr lang="en-NL"/>
           </a:p>
@@ -3184,7 +3184,7 @@
           <a:p>
             <a:fld id="{0EBB069A-003F-4FC0-8534-236B0C5C7B5F}" type="datetimeFigureOut">
               <a:rPr lang="en-NL" smtClean="0"/>
-              <a:t>20/09/2023</a:t>
+              <a:t>25/09/2023</a:t>
             </a:fld>
             <a:endParaRPr lang="en-NL"/>
           </a:p>
@@ -3427,7 +3427,7 @@
           <a:p>
             <a:fld id="{0EBB069A-003F-4FC0-8534-236B0C5C7B5F}" type="datetimeFigureOut">
               <a:rPr lang="en-NL" smtClean="0"/>
-              <a:t>20/09/2023</a:t>
+              <a:t>25/09/2023</a:t>
             </a:fld>
             <a:endParaRPr lang="en-NL"/>
           </a:p>
@@ -18973,7 +18973,7 @@
                 <a:latin typeface="Courier New" panose="02070309020205020404" pitchFamily="49" charset="0"/>
                 <a:cs typeface="Courier New" panose="02070309020205020404" pitchFamily="49" charset="0"/>
               </a:rPr>
-              <a:t> n % 2 </a:t>
+              <a:t> n % 2 == 0 </a:t>
             </a:r>
             <a:r>
               <a:rPr lang="en-US" sz="1600" b="1" noProof="0" dirty="0">
@@ -19163,7 +19163,14 @@
                 <a:latin typeface="Courier New" panose="02070309020205020404" pitchFamily="49" charset="0"/>
                 <a:cs typeface="Courier New" panose="02070309020205020404" pitchFamily="49" charset="0"/>
               </a:rPr>
-              <a:t> n % 2 </a:t>
+              <a:t> n </a:t>
+            </a:r>
+            <a:r>
+              <a:rPr lang="en-US" sz="1600">
+                <a:latin typeface="Courier New" panose="02070309020205020404" pitchFamily="49" charset="0"/>
+                <a:cs typeface="Courier New" panose="02070309020205020404" pitchFamily="49" charset="0"/>
+              </a:rPr>
+              <a:t>% 2 == 0 </a:t>
             </a:r>
             <a:r>
               <a:rPr lang="en-US" sz="1600" b="1" dirty="0">
